--- a/presentation/food-scanner.pptx
+++ b/presentation/food-scanner.pptx
@@ -1,34 +1,37 @@
 
 <file path=ppt/presentation.xml><?xml version="1.0" encoding="utf-8"?>
-<p:presentation xmlns:a="http://schemas.openxmlformats.org/drawingml/2006/main" xmlns:r="http://schemas.openxmlformats.org/officeDocument/2006/relationships" xmlns:mc="http://schemas.openxmlformats.org/markup-compatibility/2006" xmlns:mv="urn:schemas-microsoft-com:mac:vml" xmlns:p="http://schemas.openxmlformats.org/presentationml/2006/main" xmlns:c="http://schemas.openxmlformats.org/drawingml/2006/chart" xmlns:dgm="http://schemas.openxmlformats.org/drawingml/2006/diagram" xmlns:o="urn:schemas-microsoft-com:office:office" xmlns:v="urn:schemas-microsoft-com:vml" xmlns:pvml="urn:schemas-microsoft-com:office:powerpoint" xmlns:com="http://schemas.openxmlformats.org/drawingml/2006/compatibility" xmlns:p14="http://schemas.microsoft.com/office/powerpoint/2010/main" xmlns:p15="http://schemas.microsoft.com/office/powerpoint/2012/main" xmlns:ahyp="http://schemas.microsoft.com/office/drawing/2018/hyperlinkcolor" autoCompressPictures="0" embedTrueTypeFonts="1" strictFirstAndLastChars="0" saveSubsetFonts="1">
+<p:presentation xmlns:a="http://schemas.openxmlformats.org/drawingml/2006/main" xmlns:r="http://schemas.openxmlformats.org/officeDocument/2006/relationships" xmlns:p="http://schemas.openxmlformats.org/presentationml/2006/main" strictFirstAndLastChars="0" embedTrueTypeFonts="1" saveSubsetFonts="1" autoCompressPictures="0">
   <p:sldMasterIdLst>
-    <p:sldMasterId id="2147483659" r:id="rId4"/>
+    <p:sldMasterId id="2147483659" r:id="rId1"/>
   </p:sldMasterIdLst>
   <p:notesMasterIdLst>
-    <p:notesMasterId r:id="rId5"/>
+    <p:notesMasterId r:id="rId13"/>
   </p:notesMasterIdLst>
   <p:sldIdLst>
-    <p:sldId id="256" r:id="rId6"/>
-    <p:sldId id="257" r:id="rId7"/>
-    <p:sldId id="258" r:id="rId8"/>
-    <p:sldId id="259" r:id="rId9"/>
-    <p:sldId id="260" r:id="rId10"/>
-    <p:sldId id="261" r:id="rId11"/>
-    <p:sldId id="262" r:id="rId12"/>
-    <p:sldId id="263" r:id="rId13"/>
+    <p:sldId id="256" r:id="rId2"/>
+    <p:sldId id="257" r:id="rId3"/>
+    <p:sldId id="258" r:id="rId4"/>
+    <p:sldId id="264" r:id="rId5"/>
+    <p:sldId id="266" r:id="rId6"/>
+    <p:sldId id="259" r:id="rId7"/>
+    <p:sldId id="265" r:id="rId8"/>
+    <p:sldId id="260" r:id="rId9"/>
+    <p:sldId id="261" r:id="rId10"/>
+    <p:sldId id="262" r:id="rId11"/>
+    <p:sldId id="263" r:id="rId12"/>
   </p:sldIdLst>
-  <p:sldSz cy="5143500" cx="9144000"/>
+  <p:sldSz cx="9144000" cy="5143500" type="screen16x9"/>
   <p:notesSz cx="6858000" cy="9144000"/>
   <p:embeddedFontLst>
     <p:embeddedFont>
-      <p:font typeface="Montserrat"/>
+      <p:font typeface="Lato" panose="020B0604020202020204" charset="0"/>
       <p:regular r:id="rId14"/>
       <p:bold r:id="rId15"/>
       <p:italic r:id="rId16"/>
       <p:boldItalic r:id="rId17"/>
     </p:embeddedFont>
     <p:embeddedFont>
-      <p:font typeface="Lato"/>
+      <p:font typeface="Montserrat" panose="020B0604020202020204" charset="0"/>
       <p:regular r:id="rId18"/>
       <p:bold r:id="rId19"/>
       <p:italic r:id="rId20"/>
@@ -36,7 +39,7 @@
     </p:embeddedFont>
   </p:embeddedFontLst>
   <p:defaultTextStyle>
-    <a:defPPr lvl="0" marR="0" rtl="0" algn="l">
+    <a:defPPr marR="0" lvl="0" algn="l" rtl="0">
       <a:lnSpc>
         <a:spcPct val="100000"/>
       </a:lnSpc>
@@ -47,7 +50,7 @@
         <a:spcPts val="0"/>
       </a:spcAft>
     </a:defPPr>
-    <a:lvl1pPr lvl="0" marR="0" rtl="0" algn="l">
+    <a:lvl1pPr marR="0" lvl="0" algn="l" rtl="0">
       <a:lnSpc>
         <a:spcPct val="100000"/>
       </a:lnSpc>
@@ -61,7 +64,7 @@
         <a:srgbClr val="000000"/>
       </a:buClr>
       <a:buFont typeface="Arial"/>
-      <a:defRPr b="0" i="0" sz="1400" u="none" cap="none" strike="noStrike">
+      <a:defRPr sz="1400" b="0" i="0" u="none" strike="noStrike" cap="none">
         <a:solidFill>
           <a:srgbClr val="000000"/>
         </a:solidFill>
@@ -71,7 +74,7 @@
         <a:sym typeface="Arial"/>
       </a:defRPr>
     </a:lvl1pPr>
-    <a:lvl2pPr lvl="1" marR="0" rtl="0" algn="l">
+    <a:lvl2pPr marR="0" lvl="1" algn="l" rtl="0">
       <a:lnSpc>
         <a:spcPct val="100000"/>
       </a:lnSpc>
@@ -85,7 +88,7 @@
         <a:srgbClr val="000000"/>
       </a:buClr>
       <a:buFont typeface="Arial"/>
-      <a:defRPr b="0" i="0" sz="1400" u="none" cap="none" strike="noStrike">
+      <a:defRPr sz="1400" b="0" i="0" u="none" strike="noStrike" cap="none">
         <a:solidFill>
           <a:srgbClr val="000000"/>
         </a:solidFill>
@@ -95,7 +98,7 @@
         <a:sym typeface="Arial"/>
       </a:defRPr>
     </a:lvl2pPr>
-    <a:lvl3pPr lvl="2" marR="0" rtl="0" algn="l">
+    <a:lvl3pPr marR="0" lvl="2" algn="l" rtl="0">
       <a:lnSpc>
         <a:spcPct val="100000"/>
       </a:lnSpc>
@@ -109,7 +112,7 @@
         <a:srgbClr val="000000"/>
       </a:buClr>
       <a:buFont typeface="Arial"/>
-      <a:defRPr b="0" i="0" sz="1400" u="none" cap="none" strike="noStrike">
+      <a:defRPr sz="1400" b="0" i="0" u="none" strike="noStrike" cap="none">
         <a:solidFill>
           <a:srgbClr val="000000"/>
         </a:solidFill>
@@ -119,7 +122,7 @@
         <a:sym typeface="Arial"/>
       </a:defRPr>
     </a:lvl3pPr>
-    <a:lvl4pPr lvl="3" marR="0" rtl="0" algn="l">
+    <a:lvl4pPr marR="0" lvl="3" algn="l" rtl="0">
       <a:lnSpc>
         <a:spcPct val="100000"/>
       </a:lnSpc>
@@ -133,7 +136,7 @@
         <a:srgbClr val="000000"/>
       </a:buClr>
       <a:buFont typeface="Arial"/>
-      <a:defRPr b="0" i="0" sz="1400" u="none" cap="none" strike="noStrike">
+      <a:defRPr sz="1400" b="0" i="0" u="none" strike="noStrike" cap="none">
         <a:solidFill>
           <a:srgbClr val="000000"/>
         </a:solidFill>
@@ -143,7 +146,7 @@
         <a:sym typeface="Arial"/>
       </a:defRPr>
     </a:lvl4pPr>
-    <a:lvl5pPr lvl="4" marR="0" rtl="0" algn="l">
+    <a:lvl5pPr marR="0" lvl="4" algn="l" rtl="0">
       <a:lnSpc>
         <a:spcPct val="100000"/>
       </a:lnSpc>
@@ -157,7 +160,7 @@
         <a:srgbClr val="000000"/>
       </a:buClr>
       <a:buFont typeface="Arial"/>
-      <a:defRPr b="0" i="0" sz="1400" u="none" cap="none" strike="noStrike">
+      <a:defRPr sz="1400" b="0" i="0" u="none" strike="noStrike" cap="none">
         <a:solidFill>
           <a:srgbClr val="000000"/>
         </a:solidFill>
@@ -167,7 +170,7 @@
         <a:sym typeface="Arial"/>
       </a:defRPr>
     </a:lvl5pPr>
-    <a:lvl6pPr lvl="5" marR="0" rtl="0" algn="l">
+    <a:lvl6pPr marR="0" lvl="5" algn="l" rtl="0">
       <a:lnSpc>
         <a:spcPct val="100000"/>
       </a:lnSpc>
@@ -181,7 +184,7 @@
         <a:srgbClr val="000000"/>
       </a:buClr>
       <a:buFont typeface="Arial"/>
-      <a:defRPr b="0" i="0" sz="1400" u="none" cap="none" strike="noStrike">
+      <a:defRPr sz="1400" b="0" i="0" u="none" strike="noStrike" cap="none">
         <a:solidFill>
           <a:srgbClr val="000000"/>
         </a:solidFill>
@@ -191,7 +194,7 @@
         <a:sym typeface="Arial"/>
       </a:defRPr>
     </a:lvl6pPr>
-    <a:lvl7pPr lvl="6" marR="0" rtl="0" algn="l">
+    <a:lvl7pPr marR="0" lvl="6" algn="l" rtl="0">
       <a:lnSpc>
         <a:spcPct val="100000"/>
       </a:lnSpc>
@@ -205,7 +208,7 @@
         <a:srgbClr val="000000"/>
       </a:buClr>
       <a:buFont typeface="Arial"/>
-      <a:defRPr b="0" i="0" sz="1400" u="none" cap="none" strike="noStrike">
+      <a:defRPr sz="1400" b="0" i="0" u="none" strike="noStrike" cap="none">
         <a:solidFill>
           <a:srgbClr val="000000"/>
         </a:solidFill>
@@ -215,7 +218,7 @@
         <a:sym typeface="Arial"/>
       </a:defRPr>
     </a:lvl7pPr>
-    <a:lvl8pPr lvl="7" marR="0" rtl="0" algn="l">
+    <a:lvl8pPr marR="0" lvl="7" algn="l" rtl="0">
       <a:lnSpc>
         <a:spcPct val="100000"/>
       </a:lnSpc>
@@ -229,7 +232,7 @@
         <a:srgbClr val="000000"/>
       </a:buClr>
       <a:buFont typeface="Arial"/>
-      <a:defRPr b="0" i="0" sz="1400" u="none" cap="none" strike="noStrike">
+      <a:defRPr sz="1400" b="0" i="0" u="none" strike="noStrike" cap="none">
         <a:solidFill>
           <a:srgbClr val="000000"/>
         </a:solidFill>
@@ -239,7 +242,7 @@
         <a:sym typeface="Arial"/>
       </a:defRPr>
     </a:lvl8pPr>
-    <a:lvl9pPr lvl="8" marR="0" rtl="0" algn="l">
+    <a:lvl9pPr marR="0" lvl="8" algn="l" rtl="0">
       <a:lnSpc>
         <a:spcPct val="100000"/>
       </a:lnSpc>
@@ -253,7 +256,7 @@
         <a:srgbClr val="000000"/>
       </a:buClr>
       <a:buFont typeface="Arial"/>
-      <a:defRPr b="0" i="0" sz="1400" u="none" cap="none" strike="noStrike">
+      <a:defRPr sz="1400" b="0" i="0" u="none" strike="noStrike" cap="none">
         <a:solidFill>
           <a:srgbClr val="000000"/>
         </a:solidFill>
@@ -266,7 +269,7 @@
   </p:defaultTextStyle>
   <p:extLst>
     <p:ext uri="{EFAFB233-063F-42B5-8137-9DF3F51BA10A}">
-      <p15:sldGuideLst>
+      <p15:sldGuideLst xmlns:p15="http://schemas.microsoft.com/office/powerpoint/2012/main">
         <p15:guide id="1" orient="horz" pos="1620">
           <p15:clr>
             <a:srgbClr val="A4A3A4"/>
@@ -284,11 +287,16 @@
 </file>
 
 <file path=ppt/notesMasters/notesMaster1.xml><?xml version="1.0" encoding="utf-8"?>
-<p:notesMaster xmlns:a="http://schemas.openxmlformats.org/drawingml/2006/main" xmlns:r="http://schemas.openxmlformats.org/officeDocument/2006/relationships" xmlns:mc="http://schemas.openxmlformats.org/markup-compatibility/2006" xmlns:mv="urn:schemas-microsoft-com:mac:vml" xmlns:p="http://schemas.openxmlformats.org/presentationml/2006/main" xmlns:c="http://schemas.openxmlformats.org/drawingml/2006/chart" xmlns:dgm="http://schemas.openxmlformats.org/drawingml/2006/diagram" xmlns:o="urn:schemas-microsoft-com:office:office" xmlns:v="urn:schemas-microsoft-com:vml" xmlns:pvml="urn:schemas-microsoft-com:office:powerpoint" xmlns:com="http://schemas.openxmlformats.org/drawingml/2006/compatibility" xmlns:p14="http://schemas.microsoft.com/office/powerpoint/2010/main" xmlns:p15="http://schemas.microsoft.com/office/powerpoint/2012/main" xmlns:ahyp="http://schemas.microsoft.com/office/drawing/2018/hyperlinkcolor">
+<p:notesMaster xmlns:a="http://schemas.openxmlformats.org/drawingml/2006/main" xmlns:r="http://schemas.openxmlformats.org/officeDocument/2006/relationships" xmlns:p="http://schemas.openxmlformats.org/presentationml/2006/main">
   <p:cSld>
+    <p:bg>
+      <p:bgRef idx="1001">
+        <a:schemeClr val="bg1"/>
+      </p:bgRef>
+    </p:bg>
     <p:spTree>
       <p:nvGrpSpPr>
-        <p:cNvPr id="2" name="Shape 2"/>
+        <p:cNvPr id="1" name="Shape 2"/>
         <p:cNvGrpSpPr/>
         <p:nvPr/>
       </p:nvGrpSpPr>
@@ -303,9 +311,11 @@
       <p:sp>
         <p:nvSpPr>
           <p:cNvPr id="3" name="Google Shape;3;n"/>
-          <p:cNvSpPr/>
+          <p:cNvSpPr>
+            <a:spLocks noGrp="1" noRot="1" noChangeAspect="1"/>
+          </p:cNvSpPr>
           <p:nvPr>
-            <p:ph idx="2" type="sldImg"/>
+            <p:ph type="sldImg" idx="2"/>
           </p:nvPr>
         </p:nvSpPr>
         <p:spPr>
@@ -314,9 +324,13 @@
             <a:ext cx="6096075" cy="3429000"/>
           </a:xfrm>
           <a:custGeom>
-            <a:rect b="b" l="l" r="r" t="t"/>
+            <a:avLst/>
+            <a:gdLst/>
+            <a:ahLst/>
+            <a:cxnLst/>
+            <a:rect l="l" t="t" r="r" b="b"/>
             <a:pathLst>
-              <a:path extrusionOk="0" h="120000" w="120000">
+              <a:path w="120000" h="120000" extrusionOk="0">
                 <a:moveTo>
                   <a:pt x="0" y="0"/>
                 </a:moveTo>
@@ -334,23 +348,25 @@
             </a:pathLst>
           </a:custGeom>
           <a:noFill/>
-          <a:ln cap="flat" cmpd="sng" w="9525">
+          <a:ln w="9525" cap="flat" cmpd="sng">
             <a:solidFill>
               <a:srgbClr val="000000"/>
             </a:solidFill>
             <a:prstDash val="solid"/>
             <a:round/>
-            <a:headEnd len="sm" w="sm" type="none"/>
-            <a:tailEnd len="sm" w="sm" type="none"/>
+            <a:headEnd type="none" w="sm" len="sm"/>
+            <a:tailEnd type="none" w="sm" len="sm"/>
           </a:ln>
         </p:spPr>
       </p:sp>
       <p:sp>
         <p:nvSpPr>
           <p:cNvPr id="4" name="Google Shape;4;n"/>
-          <p:cNvSpPr txBox="1"/>
+          <p:cNvSpPr txBox="1">
+            <a:spLocks noGrp="1"/>
+          </p:cNvSpPr>
           <p:nvPr>
-            <p:ph idx="1" type="body"/>
+            <p:ph type="body" idx="1"/>
           </p:nvPr>
         </p:nvSpPr>
         <p:spPr>
@@ -367,11 +383,11 @@
           </a:ln>
         </p:spPr>
         <p:txBody>
-          <a:bodyPr anchorCtr="0" anchor="t" bIns="91425" lIns="91425" spcFirstLastPara="1" rIns="91425" wrap="square" tIns="91425">
+          <a:bodyPr spcFirstLastPara="1" wrap="square" lIns="91425" tIns="91425" rIns="91425" bIns="91425" anchor="t" anchorCtr="0">
             <a:noAutofit/>
           </a:bodyPr>
           <a:lstStyle>
-            <a:lvl1pPr indent="-298450" lvl="0" marL="457200">
+            <a:lvl1pPr marL="457200" lvl="0" indent="-298450">
               <a:spcBef>
                 <a:spcPts val="0"/>
               </a:spcBef>
@@ -382,7 +398,7 @@
               <a:buChar char="●"/>
               <a:defRPr sz="1100"/>
             </a:lvl1pPr>
-            <a:lvl2pPr indent="-298450" lvl="1" marL="914400">
+            <a:lvl2pPr marL="914400" lvl="1" indent="-298450">
               <a:spcBef>
                 <a:spcPts val="0"/>
               </a:spcBef>
@@ -393,7 +409,7 @@
               <a:buChar char="○"/>
               <a:defRPr sz="1100"/>
             </a:lvl2pPr>
-            <a:lvl3pPr indent="-298450" lvl="2" marL="1371600">
+            <a:lvl3pPr marL="1371600" lvl="2" indent="-298450">
               <a:spcBef>
                 <a:spcPts val="0"/>
               </a:spcBef>
@@ -404,7 +420,7 @@
               <a:buChar char="■"/>
               <a:defRPr sz="1100"/>
             </a:lvl3pPr>
-            <a:lvl4pPr indent="-298450" lvl="3" marL="1828800">
+            <a:lvl4pPr marL="1828800" lvl="3" indent="-298450">
               <a:spcBef>
                 <a:spcPts val="0"/>
               </a:spcBef>
@@ -415,7 +431,7 @@
               <a:buChar char="●"/>
               <a:defRPr sz="1100"/>
             </a:lvl4pPr>
-            <a:lvl5pPr indent="-298450" lvl="4" marL="2286000">
+            <a:lvl5pPr marL="2286000" lvl="4" indent="-298450">
               <a:spcBef>
                 <a:spcPts val="0"/>
               </a:spcBef>
@@ -426,7 +442,7 @@
               <a:buChar char="○"/>
               <a:defRPr sz="1100"/>
             </a:lvl5pPr>
-            <a:lvl6pPr indent="-298450" lvl="5" marL="2743200">
+            <a:lvl6pPr marL="2743200" lvl="5" indent="-298450">
               <a:spcBef>
                 <a:spcPts val="0"/>
               </a:spcBef>
@@ -437,7 +453,7 @@
               <a:buChar char="■"/>
               <a:defRPr sz="1100"/>
             </a:lvl6pPr>
-            <a:lvl7pPr indent="-298450" lvl="6" marL="3200400">
+            <a:lvl7pPr marL="3200400" lvl="6" indent="-298450">
               <a:spcBef>
                 <a:spcPts val="0"/>
               </a:spcBef>
@@ -448,7 +464,7 @@
               <a:buChar char="●"/>
               <a:defRPr sz="1100"/>
             </a:lvl7pPr>
-            <a:lvl8pPr indent="-298450" lvl="7" marL="3657600">
+            <a:lvl8pPr marL="3657600" lvl="7" indent="-298450">
               <a:spcBef>
                 <a:spcPts val="0"/>
               </a:spcBef>
@@ -459,7 +475,7 @@
               <a:buChar char="○"/>
               <a:defRPr sz="1100"/>
             </a:lvl8pPr>
-            <a:lvl9pPr indent="-298450" lvl="8" marL="4114800">
+            <a:lvl9pPr marL="4114800" lvl="8" indent="-298450">
               <a:spcBef>
                 <a:spcPts val="0"/>
               </a:spcBef>
@@ -471,14 +487,16 @@
               <a:defRPr sz="1100"/>
             </a:lvl9pPr>
           </a:lstStyle>
-          <a:p/>
+          <a:p>
+            <a:endParaRPr/>
+          </a:p>
         </p:txBody>
       </p:sp>
     </p:spTree>
   </p:cSld>
-  <p:clrMap accent1="accent1" accent2="accent2" accent3="accent3" accent4="accent4" accent5="accent5" accent6="accent6" bg1="lt1" bg2="dk2" tx1="dk1" tx2="lt2" folHlink="folHlink" hlink="hlink"/>
+  <p:clrMap bg1="lt1" tx1="dk1" bg2="dk2" tx2="lt2" accent1="accent1" accent2="accent2" accent3="accent3" accent4="accent4" accent5="accent5" accent6="accent6" hlink="hlink" folHlink="folHlink"/>
   <p:notesStyle>
-    <a:defPPr lvl="0" marR="0" rtl="0" algn="l">
+    <a:defPPr marR="0" lvl="0" algn="l" rtl="0">
       <a:lnSpc>
         <a:spcPct val="100000"/>
       </a:lnSpc>
@@ -489,7 +507,7 @@
         <a:spcPts val="0"/>
       </a:spcAft>
     </a:defPPr>
-    <a:lvl1pPr lvl="0" marR="0" rtl="0" algn="l">
+    <a:lvl1pPr marR="0" lvl="0" algn="l" rtl="0">
       <a:lnSpc>
         <a:spcPct val="100000"/>
       </a:lnSpc>
@@ -503,7 +521,7 @@
         <a:srgbClr val="000000"/>
       </a:buClr>
       <a:buFont typeface="Arial"/>
-      <a:defRPr b="0" i="0" sz="1400" u="none" cap="none" strike="noStrike">
+      <a:defRPr sz="1400" b="0" i="0" u="none" strike="noStrike" cap="none">
         <a:solidFill>
           <a:srgbClr val="000000"/>
         </a:solidFill>
@@ -513,7 +531,7 @@
         <a:sym typeface="Arial"/>
       </a:defRPr>
     </a:lvl1pPr>
-    <a:lvl2pPr lvl="1" marR="0" rtl="0" algn="l">
+    <a:lvl2pPr marR="0" lvl="1" algn="l" rtl="0">
       <a:lnSpc>
         <a:spcPct val="100000"/>
       </a:lnSpc>
@@ -527,7 +545,7 @@
         <a:srgbClr val="000000"/>
       </a:buClr>
       <a:buFont typeface="Arial"/>
-      <a:defRPr b="0" i="0" sz="1400" u="none" cap="none" strike="noStrike">
+      <a:defRPr sz="1400" b="0" i="0" u="none" strike="noStrike" cap="none">
         <a:solidFill>
           <a:srgbClr val="000000"/>
         </a:solidFill>
@@ -537,7 +555,7 @@
         <a:sym typeface="Arial"/>
       </a:defRPr>
     </a:lvl2pPr>
-    <a:lvl3pPr lvl="2" marR="0" rtl="0" algn="l">
+    <a:lvl3pPr marR="0" lvl="2" algn="l" rtl="0">
       <a:lnSpc>
         <a:spcPct val="100000"/>
       </a:lnSpc>
@@ -551,7 +569,7 @@
         <a:srgbClr val="000000"/>
       </a:buClr>
       <a:buFont typeface="Arial"/>
-      <a:defRPr b="0" i="0" sz="1400" u="none" cap="none" strike="noStrike">
+      <a:defRPr sz="1400" b="0" i="0" u="none" strike="noStrike" cap="none">
         <a:solidFill>
           <a:srgbClr val="000000"/>
         </a:solidFill>
@@ -561,7 +579,7 @@
         <a:sym typeface="Arial"/>
       </a:defRPr>
     </a:lvl3pPr>
-    <a:lvl4pPr lvl="3" marR="0" rtl="0" algn="l">
+    <a:lvl4pPr marR="0" lvl="3" algn="l" rtl="0">
       <a:lnSpc>
         <a:spcPct val="100000"/>
       </a:lnSpc>
@@ -575,7 +593,7 @@
         <a:srgbClr val="000000"/>
       </a:buClr>
       <a:buFont typeface="Arial"/>
-      <a:defRPr b="0" i="0" sz="1400" u="none" cap="none" strike="noStrike">
+      <a:defRPr sz="1400" b="0" i="0" u="none" strike="noStrike" cap="none">
         <a:solidFill>
           <a:srgbClr val="000000"/>
         </a:solidFill>
@@ -585,7 +603,7 @@
         <a:sym typeface="Arial"/>
       </a:defRPr>
     </a:lvl4pPr>
-    <a:lvl5pPr lvl="4" marR="0" rtl="0" algn="l">
+    <a:lvl5pPr marR="0" lvl="4" algn="l" rtl="0">
       <a:lnSpc>
         <a:spcPct val="100000"/>
       </a:lnSpc>
@@ -599,7 +617,7 @@
         <a:srgbClr val="000000"/>
       </a:buClr>
       <a:buFont typeface="Arial"/>
-      <a:defRPr b="0" i="0" sz="1400" u="none" cap="none" strike="noStrike">
+      <a:defRPr sz="1400" b="0" i="0" u="none" strike="noStrike" cap="none">
         <a:solidFill>
           <a:srgbClr val="000000"/>
         </a:solidFill>
@@ -609,7 +627,7 @@
         <a:sym typeface="Arial"/>
       </a:defRPr>
     </a:lvl5pPr>
-    <a:lvl6pPr lvl="5" marR="0" rtl="0" algn="l">
+    <a:lvl6pPr marR="0" lvl="5" algn="l" rtl="0">
       <a:lnSpc>
         <a:spcPct val="100000"/>
       </a:lnSpc>
@@ -623,7 +641,7 @@
         <a:srgbClr val="000000"/>
       </a:buClr>
       <a:buFont typeface="Arial"/>
-      <a:defRPr b="0" i="0" sz="1400" u="none" cap="none" strike="noStrike">
+      <a:defRPr sz="1400" b="0" i="0" u="none" strike="noStrike" cap="none">
         <a:solidFill>
           <a:srgbClr val="000000"/>
         </a:solidFill>
@@ -633,7 +651,7 @@
         <a:sym typeface="Arial"/>
       </a:defRPr>
     </a:lvl6pPr>
-    <a:lvl7pPr lvl="6" marR="0" rtl="0" algn="l">
+    <a:lvl7pPr marR="0" lvl="6" algn="l" rtl="0">
       <a:lnSpc>
         <a:spcPct val="100000"/>
       </a:lnSpc>
@@ -647,7 +665,7 @@
         <a:srgbClr val="000000"/>
       </a:buClr>
       <a:buFont typeface="Arial"/>
-      <a:defRPr b="0" i="0" sz="1400" u="none" cap="none" strike="noStrike">
+      <a:defRPr sz="1400" b="0" i="0" u="none" strike="noStrike" cap="none">
         <a:solidFill>
           <a:srgbClr val="000000"/>
         </a:solidFill>
@@ -657,7 +675,7 @@
         <a:sym typeface="Arial"/>
       </a:defRPr>
     </a:lvl7pPr>
-    <a:lvl8pPr lvl="7" marR="0" rtl="0" algn="l">
+    <a:lvl8pPr marR="0" lvl="7" algn="l" rtl="0">
       <a:lnSpc>
         <a:spcPct val="100000"/>
       </a:lnSpc>
@@ -671,7 +689,7 @@
         <a:srgbClr val="000000"/>
       </a:buClr>
       <a:buFont typeface="Arial"/>
-      <a:defRPr b="0" i="0" sz="1400" u="none" cap="none" strike="noStrike">
+      <a:defRPr sz="1400" b="0" i="0" u="none" strike="noStrike" cap="none">
         <a:solidFill>
           <a:srgbClr val="000000"/>
         </a:solidFill>
@@ -681,7 +699,7 @@
         <a:sym typeface="Arial"/>
       </a:defRPr>
     </a:lvl8pPr>
-    <a:lvl9pPr lvl="8" marR="0" rtl="0" algn="l">
+    <a:lvl9pPr marR="0" lvl="8" algn="l" rtl="0">
       <a:lnSpc>
         <a:spcPct val="100000"/>
       </a:lnSpc>
@@ -695,7 +713,7 @@
         <a:srgbClr val="000000"/>
       </a:buClr>
       <a:buFont typeface="Arial"/>
-      <a:defRPr b="0" i="0" sz="1400" u="none" cap="none" strike="noStrike">
+      <a:defRPr sz="1400" b="0" i="0" u="none" strike="noStrike" cap="none">
         <a:solidFill>
           <a:srgbClr val="000000"/>
         </a:solidFill>
@@ -710,11 +728,11 @@
 </file>
 
 <file path=ppt/notesSlides/notesSlide1.xml><?xml version="1.0" encoding="utf-8"?>
-<p:notes xmlns:a="http://schemas.openxmlformats.org/drawingml/2006/main" xmlns:r="http://schemas.openxmlformats.org/officeDocument/2006/relationships" xmlns:mc="http://schemas.openxmlformats.org/markup-compatibility/2006" xmlns:mv="urn:schemas-microsoft-com:mac:vml" xmlns:p="http://schemas.openxmlformats.org/presentationml/2006/main" xmlns:c="http://schemas.openxmlformats.org/drawingml/2006/chart" xmlns:dgm="http://schemas.openxmlformats.org/drawingml/2006/diagram" xmlns:o="urn:schemas-microsoft-com:office:office" xmlns:v="urn:schemas-microsoft-com:vml" xmlns:pvml="urn:schemas-microsoft-com:office:powerpoint" xmlns:com="http://schemas.openxmlformats.org/drawingml/2006/compatibility" xmlns:p14="http://schemas.microsoft.com/office/powerpoint/2010/main" xmlns:p15="http://schemas.microsoft.com/office/powerpoint/2012/main" xmlns:ahyp="http://schemas.microsoft.com/office/drawing/2018/hyperlinkcolor" showMasterPhAnim="0" showMasterSp="0">
+<p:notes xmlns:a="http://schemas.openxmlformats.org/drawingml/2006/main" xmlns:r="http://schemas.openxmlformats.org/officeDocument/2006/relationships" xmlns:p="http://schemas.openxmlformats.org/presentationml/2006/main" showMasterSp="0" showMasterPhAnim="0">
   <p:cSld>
     <p:spTree>
       <p:nvGrpSpPr>
-        <p:cNvPr id="130" name="Shape 130"/>
+        <p:cNvPr id="1" name="Shape 130"/>
         <p:cNvGrpSpPr/>
         <p:nvPr/>
       </p:nvGrpSpPr>
@@ -729,9 +747,11 @@
       <p:sp>
         <p:nvSpPr>
           <p:cNvPr id="131" name="Google Shape;131;p:notes"/>
-          <p:cNvSpPr/>
+          <p:cNvSpPr>
+            <a:spLocks noGrp="1" noRot="1" noChangeAspect="1"/>
+          </p:cNvSpPr>
           <p:nvPr>
-            <p:ph idx="2" type="sldImg"/>
+            <p:ph type="sldImg" idx="2"/>
           </p:nvPr>
         </p:nvSpPr>
         <p:spPr>
@@ -740,9 +760,13 @@
             <a:ext cx="6096075" cy="3429000"/>
           </a:xfrm>
           <a:custGeom>
-            <a:rect b="b" l="l" r="r" t="t"/>
+            <a:avLst/>
+            <a:gdLst/>
+            <a:ahLst/>
+            <a:cxnLst/>
+            <a:rect l="l" t="t" r="r" b="b"/>
             <a:pathLst>
-              <a:path extrusionOk="0" h="120000" w="120000">
+              <a:path w="120000" h="120000" extrusionOk="0">
                 <a:moveTo>
                   <a:pt x="0" y="0"/>
                 </a:moveTo>
@@ -764,9 +788,11 @@
       <p:sp>
         <p:nvSpPr>
           <p:cNvPr id="132" name="Google Shape;132;p:notes"/>
-          <p:cNvSpPr txBox="1"/>
+          <p:cNvSpPr txBox="1">
+            <a:spLocks noGrp="1"/>
+          </p:cNvSpPr>
           <p:nvPr>
-            <p:ph idx="1" type="body"/>
+            <p:ph type="body" idx="1"/>
           </p:nvPr>
         </p:nvSpPr>
         <p:spPr>
@@ -779,12 +805,12 @@
           </a:prstGeom>
         </p:spPr>
         <p:txBody>
-          <a:bodyPr anchorCtr="0" anchor="t" bIns="91425" lIns="91425" spcFirstLastPara="1" rIns="91425" wrap="square" tIns="91425">
+          <a:bodyPr spcFirstLastPara="1" wrap="square" lIns="91425" tIns="91425" rIns="91425" bIns="91425" anchor="t" anchorCtr="0">
             <a:noAutofit/>
           </a:bodyPr>
           <a:lstStyle/>
           <a:p>
-            <a:pPr indent="0" lvl="0" marL="0" rtl="0" algn="l">
+            <a:pPr marL="0" lvl="0" indent="0" algn="l" rtl="0">
               <a:spcBef>
                 <a:spcPts val="0"/>
               </a:spcBef>
@@ -793,9 +819,214 @@
               </a:spcAft>
               <a:buNone/>
             </a:pPr>
-            <a:r>
-              <a:t/>
-            </a:r>
+            <a:endParaRPr/>
+          </a:p>
+        </p:txBody>
+      </p:sp>
+    </p:spTree>
+  </p:cSld>
+  <p:clrMapOvr>
+    <a:masterClrMapping/>
+  </p:clrMapOvr>
+</p:notes>
+</file>
+
+<file path=ppt/notesSlides/notesSlide10.xml><?xml version="1.0" encoding="utf-8"?>
+<p:notes xmlns:a="http://schemas.openxmlformats.org/drawingml/2006/main" xmlns:r="http://schemas.openxmlformats.org/officeDocument/2006/relationships" xmlns:p="http://schemas.openxmlformats.org/presentationml/2006/main" showMasterSp="0" showMasterPhAnim="0">
+  <p:cSld>
+    <p:spTree>
+      <p:nvGrpSpPr>
+        <p:cNvPr id="1" name="Shape 167"/>
+        <p:cNvGrpSpPr/>
+        <p:nvPr/>
+      </p:nvGrpSpPr>
+      <p:grpSpPr>
+        <a:xfrm>
+          <a:off x="0" y="0"/>
+          <a:ext cx="0" cy="0"/>
+          <a:chOff x="0" y="0"/>
+          <a:chExt cx="0" cy="0"/>
+        </a:xfrm>
+      </p:grpSpPr>
+      <p:sp>
+        <p:nvSpPr>
+          <p:cNvPr id="168" name="Google Shape;168;ga20f19b2f2_0_1513:notes"/>
+          <p:cNvSpPr>
+            <a:spLocks noGrp="1" noRot="1" noChangeAspect="1"/>
+          </p:cNvSpPr>
+          <p:nvPr>
+            <p:ph type="sldImg" idx="2"/>
+          </p:nvPr>
+        </p:nvSpPr>
+        <p:spPr>
+          <a:xfrm>
+            <a:off x="381300" y="685800"/>
+            <a:ext cx="6096000" cy="3429000"/>
+          </a:xfrm>
+          <a:custGeom>
+            <a:avLst/>
+            <a:gdLst/>
+            <a:ahLst/>
+            <a:cxnLst/>
+            <a:rect l="l" t="t" r="r" b="b"/>
+            <a:pathLst>
+              <a:path w="120000" h="120000" extrusionOk="0">
+                <a:moveTo>
+                  <a:pt x="0" y="0"/>
+                </a:moveTo>
+                <a:lnTo>
+                  <a:pt x="120000" y="0"/>
+                </a:lnTo>
+                <a:lnTo>
+                  <a:pt x="120000" y="120000"/>
+                </a:lnTo>
+                <a:lnTo>
+                  <a:pt x="0" y="120000"/>
+                </a:lnTo>
+                <a:close/>
+              </a:path>
+            </a:pathLst>
+          </a:custGeom>
+        </p:spPr>
+      </p:sp>
+      <p:sp>
+        <p:nvSpPr>
+          <p:cNvPr id="169" name="Google Shape;169;ga20f19b2f2_0_1513:notes"/>
+          <p:cNvSpPr txBox="1">
+            <a:spLocks noGrp="1"/>
+          </p:cNvSpPr>
+          <p:nvPr>
+            <p:ph type="body" idx="1"/>
+          </p:nvPr>
+        </p:nvSpPr>
+        <p:spPr>
+          <a:xfrm>
+            <a:off x="685800" y="4343400"/>
+            <a:ext cx="5486400" cy="4114800"/>
+          </a:xfrm>
+          <a:prstGeom prst="rect">
+            <a:avLst/>
+          </a:prstGeom>
+        </p:spPr>
+        <p:txBody>
+          <a:bodyPr spcFirstLastPara="1" wrap="square" lIns="91425" tIns="91425" rIns="91425" bIns="91425" anchor="t" anchorCtr="0">
+            <a:noAutofit/>
+          </a:bodyPr>
+          <a:lstStyle/>
+          <a:p>
+            <a:pPr marL="0" lvl="0" indent="0" algn="l" rtl="0">
+              <a:spcBef>
+                <a:spcPts val="0"/>
+              </a:spcBef>
+              <a:spcAft>
+                <a:spcPts val="0"/>
+              </a:spcAft>
+              <a:buNone/>
+            </a:pPr>
+            <a:endParaRPr/>
+          </a:p>
+        </p:txBody>
+      </p:sp>
+    </p:spTree>
+  </p:cSld>
+  <p:clrMapOvr>
+    <a:masterClrMapping/>
+  </p:clrMapOvr>
+</p:notes>
+</file>
+
+<file path=ppt/notesSlides/notesSlide11.xml><?xml version="1.0" encoding="utf-8"?>
+<p:notes xmlns:a="http://schemas.openxmlformats.org/drawingml/2006/main" xmlns:r="http://schemas.openxmlformats.org/officeDocument/2006/relationships" xmlns:p="http://schemas.openxmlformats.org/presentationml/2006/main" showMasterSp="0" showMasterPhAnim="0">
+  <p:cSld>
+    <p:spTree>
+      <p:nvGrpSpPr>
+        <p:cNvPr id="1" name="Shape 173"/>
+        <p:cNvGrpSpPr/>
+        <p:nvPr/>
+      </p:nvGrpSpPr>
+      <p:grpSpPr>
+        <a:xfrm>
+          <a:off x="0" y="0"/>
+          <a:ext cx="0" cy="0"/>
+          <a:chOff x="0" y="0"/>
+          <a:chExt cx="0" cy="0"/>
+        </a:xfrm>
+      </p:grpSpPr>
+      <p:sp>
+        <p:nvSpPr>
+          <p:cNvPr id="174" name="Google Shape;174;ga20f19b2f2_0_1518:notes"/>
+          <p:cNvSpPr>
+            <a:spLocks noGrp="1" noRot="1" noChangeAspect="1"/>
+          </p:cNvSpPr>
+          <p:nvPr>
+            <p:ph type="sldImg" idx="2"/>
+          </p:nvPr>
+        </p:nvSpPr>
+        <p:spPr>
+          <a:xfrm>
+            <a:off x="381300" y="685800"/>
+            <a:ext cx="6096000" cy="3429000"/>
+          </a:xfrm>
+          <a:custGeom>
+            <a:avLst/>
+            <a:gdLst/>
+            <a:ahLst/>
+            <a:cxnLst/>
+            <a:rect l="l" t="t" r="r" b="b"/>
+            <a:pathLst>
+              <a:path w="120000" h="120000" extrusionOk="0">
+                <a:moveTo>
+                  <a:pt x="0" y="0"/>
+                </a:moveTo>
+                <a:lnTo>
+                  <a:pt x="120000" y="0"/>
+                </a:lnTo>
+                <a:lnTo>
+                  <a:pt x="120000" y="120000"/>
+                </a:lnTo>
+                <a:lnTo>
+                  <a:pt x="0" y="120000"/>
+                </a:lnTo>
+                <a:close/>
+              </a:path>
+            </a:pathLst>
+          </a:custGeom>
+        </p:spPr>
+      </p:sp>
+      <p:sp>
+        <p:nvSpPr>
+          <p:cNvPr id="175" name="Google Shape;175;ga20f19b2f2_0_1518:notes"/>
+          <p:cNvSpPr txBox="1">
+            <a:spLocks noGrp="1"/>
+          </p:cNvSpPr>
+          <p:nvPr>
+            <p:ph type="body" idx="1"/>
+          </p:nvPr>
+        </p:nvSpPr>
+        <p:spPr>
+          <a:xfrm>
+            <a:off x="685800" y="4343400"/>
+            <a:ext cx="5486400" cy="4114800"/>
+          </a:xfrm>
+          <a:prstGeom prst="rect">
+            <a:avLst/>
+          </a:prstGeom>
+        </p:spPr>
+        <p:txBody>
+          <a:bodyPr spcFirstLastPara="1" wrap="square" lIns="91425" tIns="91425" rIns="91425" bIns="91425" anchor="t" anchorCtr="0">
+            <a:noAutofit/>
+          </a:bodyPr>
+          <a:lstStyle/>
+          <a:p>
+            <a:pPr marL="0" lvl="0" indent="0" algn="l" rtl="0">
+              <a:spcBef>
+                <a:spcPts val="0"/>
+              </a:spcBef>
+              <a:spcAft>
+                <a:spcPts val="0"/>
+              </a:spcAft>
+              <a:buNone/>
+            </a:pPr>
             <a:endParaRPr/>
           </a:p>
         </p:txBody>
@@ -809,11 +1040,11 @@
 </file>
 
 <file path=ppt/notesSlides/notesSlide2.xml><?xml version="1.0" encoding="utf-8"?>
-<p:notes xmlns:a="http://schemas.openxmlformats.org/drawingml/2006/main" xmlns:r="http://schemas.openxmlformats.org/officeDocument/2006/relationships" xmlns:mc="http://schemas.openxmlformats.org/markup-compatibility/2006" xmlns:mv="urn:schemas-microsoft-com:mac:vml" xmlns:p="http://schemas.openxmlformats.org/presentationml/2006/main" xmlns:c="http://schemas.openxmlformats.org/drawingml/2006/chart" xmlns:dgm="http://schemas.openxmlformats.org/drawingml/2006/diagram" xmlns:o="urn:schemas-microsoft-com:office:office" xmlns:v="urn:schemas-microsoft-com:vml" xmlns:pvml="urn:schemas-microsoft-com:office:powerpoint" xmlns:com="http://schemas.openxmlformats.org/drawingml/2006/compatibility" xmlns:p14="http://schemas.microsoft.com/office/powerpoint/2010/main" xmlns:p15="http://schemas.microsoft.com/office/powerpoint/2012/main" xmlns:ahyp="http://schemas.microsoft.com/office/drawing/2018/hyperlinkcolor" showMasterPhAnim="0" showMasterSp="0">
+<p:notes xmlns:a="http://schemas.openxmlformats.org/drawingml/2006/main" xmlns:r="http://schemas.openxmlformats.org/officeDocument/2006/relationships" xmlns:p="http://schemas.openxmlformats.org/presentationml/2006/main" showMasterSp="0" showMasterPhAnim="0">
   <p:cSld>
     <p:spTree>
       <p:nvGrpSpPr>
-        <p:cNvPr id="137" name="Shape 137"/>
+        <p:cNvPr id="1" name="Shape 137"/>
         <p:cNvGrpSpPr/>
         <p:nvPr/>
       </p:nvGrpSpPr>
@@ -828,9 +1059,11 @@
       <p:sp>
         <p:nvSpPr>
           <p:cNvPr id="138" name="Google Shape;138;ga20f19b2f2_0_260:notes"/>
-          <p:cNvSpPr/>
+          <p:cNvSpPr>
+            <a:spLocks noGrp="1" noRot="1" noChangeAspect="1"/>
+          </p:cNvSpPr>
           <p:nvPr>
-            <p:ph idx="2" type="sldImg"/>
+            <p:ph type="sldImg" idx="2"/>
           </p:nvPr>
         </p:nvSpPr>
         <p:spPr>
@@ -839,9 +1072,13 @@
             <a:ext cx="6096000" cy="3429000"/>
           </a:xfrm>
           <a:custGeom>
-            <a:rect b="b" l="l" r="r" t="t"/>
+            <a:avLst/>
+            <a:gdLst/>
+            <a:ahLst/>
+            <a:cxnLst/>
+            <a:rect l="l" t="t" r="r" b="b"/>
             <a:pathLst>
-              <a:path extrusionOk="0" h="120000" w="120000">
+              <a:path w="120000" h="120000" extrusionOk="0">
                 <a:moveTo>
                   <a:pt x="0" y="0"/>
                 </a:moveTo>
@@ -863,9 +1100,11 @@
       <p:sp>
         <p:nvSpPr>
           <p:cNvPr id="139" name="Google Shape;139;ga20f19b2f2_0_260:notes"/>
-          <p:cNvSpPr txBox="1"/>
+          <p:cNvSpPr txBox="1">
+            <a:spLocks noGrp="1"/>
+          </p:cNvSpPr>
           <p:nvPr>
-            <p:ph idx="1" type="body"/>
+            <p:ph type="body" idx="1"/>
           </p:nvPr>
         </p:nvSpPr>
         <p:spPr>
@@ -878,12 +1117,12 @@
           </a:prstGeom>
         </p:spPr>
         <p:txBody>
-          <a:bodyPr anchorCtr="0" anchor="t" bIns="91425" lIns="91425" spcFirstLastPara="1" rIns="91425" wrap="square" tIns="91425">
+          <a:bodyPr spcFirstLastPara="1" wrap="square" lIns="91425" tIns="91425" rIns="91425" bIns="91425" anchor="t" anchorCtr="0">
             <a:noAutofit/>
           </a:bodyPr>
           <a:lstStyle/>
           <a:p>
-            <a:pPr indent="0" lvl="0" marL="0" rtl="0" algn="l">
+            <a:pPr marL="0" lvl="0" indent="0" algn="l" rtl="0">
               <a:spcBef>
                 <a:spcPts val="0"/>
               </a:spcBef>
@@ -892,9 +1131,6 @@
               </a:spcAft>
               <a:buNone/>
             </a:pPr>
-            <a:r>
-              <a:t/>
-            </a:r>
             <a:endParaRPr/>
           </a:p>
         </p:txBody>
@@ -908,11 +1144,11 @@
 </file>
 
 <file path=ppt/notesSlides/notesSlide3.xml><?xml version="1.0" encoding="utf-8"?>
-<p:notes xmlns:a="http://schemas.openxmlformats.org/drawingml/2006/main" xmlns:r="http://schemas.openxmlformats.org/officeDocument/2006/relationships" xmlns:mc="http://schemas.openxmlformats.org/markup-compatibility/2006" xmlns:mv="urn:schemas-microsoft-com:mac:vml" xmlns:p="http://schemas.openxmlformats.org/presentationml/2006/main" xmlns:c="http://schemas.openxmlformats.org/drawingml/2006/chart" xmlns:dgm="http://schemas.openxmlformats.org/drawingml/2006/diagram" xmlns:o="urn:schemas-microsoft-com:office:office" xmlns:v="urn:schemas-microsoft-com:vml" xmlns:pvml="urn:schemas-microsoft-com:office:powerpoint" xmlns:com="http://schemas.openxmlformats.org/drawingml/2006/compatibility" xmlns:p14="http://schemas.microsoft.com/office/powerpoint/2010/main" xmlns:p15="http://schemas.microsoft.com/office/powerpoint/2012/main" xmlns:ahyp="http://schemas.microsoft.com/office/drawing/2018/hyperlinkcolor" showMasterPhAnim="0" showMasterSp="0">
+<p:notes xmlns:a="http://schemas.openxmlformats.org/drawingml/2006/main" xmlns:r="http://schemas.openxmlformats.org/officeDocument/2006/relationships" xmlns:p="http://schemas.openxmlformats.org/presentationml/2006/main" showMasterSp="0" showMasterPhAnim="0">
   <p:cSld>
     <p:spTree>
       <p:nvGrpSpPr>
-        <p:cNvPr id="143" name="Shape 143"/>
+        <p:cNvPr id="1" name="Shape 143"/>
         <p:cNvGrpSpPr/>
         <p:nvPr/>
       </p:nvGrpSpPr>
@@ -927,9 +1163,11 @@
       <p:sp>
         <p:nvSpPr>
           <p:cNvPr id="144" name="Google Shape;144;ga20f19b2f2_0_265:notes"/>
-          <p:cNvSpPr/>
+          <p:cNvSpPr>
+            <a:spLocks noGrp="1" noRot="1" noChangeAspect="1"/>
+          </p:cNvSpPr>
           <p:nvPr>
-            <p:ph idx="2" type="sldImg"/>
+            <p:ph type="sldImg" idx="2"/>
           </p:nvPr>
         </p:nvSpPr>
         <p:spPr>
@@ -938,9 +1176,13 @@
             <a:ext cx="6096000" cy="3429000"/>
           </a:xfrm>
           <a:custGeom>
-            <a:rect b="b" l="l" r="r" t="t"/>
+            <a:avLst/>
+            <a:gdLst/>
+            <a:ahLst/>
+            <a:cxnLst/>
+            <a:rect l="l" t="t" r="r" b="b"/>
             <a:pathLst>
-              <a:path extrusionOk="0" h="120000" w="120000">
+              <a:path w="120000" h="120000" extrusionOk="0">
                 <a:moveTo>
                   <a:pt x="0" y="0"/>
                 </a:moveTo>
@@ -962,9 +1204,11 @@
       <p:sp>
         <p:nvSpPr>
           <p:cNvPr id="145" name="Google Shape;145;ga20f19b2f2_0_265:notes"/>
-          <p:cNvSpPr txBox="1"/>
+          <p:cNvSpPr txBox="1">
+            <a:spLocks noGrp="1"/>
+          </p:cNvSpPr>
           <p:nvPr>
-            <p:ph idx="1" type="body"/>
+            <p:ph type="body" idx="1"/>
           </p:nvPr>
         </p:nvSpPr>
         <p:spPr>
@@ -977,12 +1221,12 @@
           </a:prstGeom>
         </p:spPr>
         <p:txBody>
-          <a:bodyPr anchorCtr="0" anchor="t" bIns="91425" lIns="91425" spcFirstLastPara="1" rIns="91425" wrap="square" tIns="91425">
+          <a:bodyPr spcFirstLastPara="1" wrap="square" lIns="91425" tIns="91425" rIns="91425" bIns="91425" anchor="t" anchorCtr="0">
             <a:noAutofit/>
           </a:bodyPr>
           <a:lstStyle/>
           <a:p>
-            <a:pPr indent="0" lvl="0" marL="0" rtl="0" algn="l">
+            <a:pPr marL="0" lvl="0" indent="0" algn="l" rtl="0">
               <a:spcBef>
                 <a:spcPts val="0"/>
               </a:spcBef>
@@ -991,9 +1235,6 @@
               </a:spcAft>
               <a:buNone/>
             </a:pPr>
-            <a:r>
-              <a:t/>
-            </a:r>
             <a:endParaRPr/>
           </a:p>
         </p:txBody>
@@ -1007,11 +1248,229 @@
 </file>
 
 <file path=ppt/notesSlides/notesSlide4.xml><?xml version="1.0" encoding="utf-8"?>
-<p:notes xmlns:a="http://schemas.openxmlformats.org/drawingml/2006/main" xmlns:r="http://schemas.openxmlformats.org/officeDocument/2006/relationships" xmlns:mc="http://schemas.openxmlformats.org/markup-compatibility/2006" xmlns:mv="urn:schemas-microsoft-com:mac:vml" xmlns:p="http://schemas.openxmlformats.org/presentationml/2006/main" xmlns:c="http://schemas.openxmlformats.org/drawingml/2006/chart" xmlns:dgm="http://schemas.openxmlformats.org/drawingml/2006/diagram" xmlns:o="urn:schemas-microsoft-com:office:office" xmlns:v="urn:schemas-microsoft-com:vml" xmlns:pvml="urn:schemas-microsoft-com:office:powerpoint" xmlns:com="http://schemas.openxmlformats.org/drawingml/2006/compatibility" xmlns:p14="http://schemas.microsoft.com/office/powerpoint/2010/main" xmlns:p15="http://schemas.microsoft.com/office/powerpoint/2012/main" xmlns:ahyp="http://schemas.microsoft.com/office/drawing/2018/hyperlinkcolor" showMasterPhAnim="0" showMasterSp="0">
+<p:notes xmlns:a="http://schemas.openxmlformats.org/drawingml/2006/main" xmlns:r="http://schemas.openxmlformats.org/officeDocument/2006/relationships" xmlns:p="http://schemas.openxmlformats.org/presentationml/2006/main" showMasterSp="0" showMasterPhAnim="0">
   <p:cSld>
     <p:spTree>
       <p:nvGrpSpPr>
-        <p:cNvPr id="149" name="Shape 149"/>
+        <p:cNvPr id="1" name="Shape 143"/>
+        <p:cNvGrpSpPr/>
+        <p:nvPr/>
+      </p:nvGrpSpPr>
+      <p:grpSpPr>
+        <a:xfrm>
+          <a:off x="0" y="0"/>
+          <a:ext cx="0" cy="0"/>
+          <a:chOff x="0" y="0"/>
+          <a:chExt cx="0" cy="0"/>
+        </a:xfrm>
+      </p:grpSpPr>
+      <p:sp>
+        <p:nvSpPr>
+          <p:cNvPr id="144" name="Google Shape;144;ga20f19b2f2_0_265:notes"/>
+          <p:cNvSpPr>
+            <a:spLocks noGrp="1" noRot="1" noChangeAspect="1"/>
+          </p:cNvSpPr>
+          <p:nvPr>
+            <p:ph type="sldImg" idx="2"/>
+          </p:nvPr>
+        </p:nvSpPr>
+        <p:spPr>
+          <a:xfrm>
+            <a:off x="381000" y="685800"/>
+            <a:ext cx="6096000" cy="3429000"/>
+          </a:xfrm>
+          <a:custGeom>
+            <a:avLst/>
+            <a:gdLst/>
+            <a:ahLst/>
+            <a:cxnLst/>
+            <a:rect l="l" t="t" r="r" b="b"/>
+            <a:pathLst>
+              <a:path w="120000" h="120000" extrusionOk="0">
+                <a:moveTo>
+                  <a:pt x="0" y="0"/>
+                </a:moveTo>
+                <a:lnTo>
+                  <a:pt x="120000" y="0"/>
+                </a:lnTo>
+                <a:lnTo>
+                  <a:pt x="120000" y="120000"/>
+                </a:lnTo>
+                <a:lnTo>
+                  <a:pt x="0" y="120000"/>
+                </a:lnTo>
+                <a:close/>
+              </a:path>
+            </a:pathLst>
+          </a:custGeom>
+        </p:spPr>
+      </p:sp>
+      <p:sp>
+        <p:nvSpPr>
+          <p:cNvPr id="145" name="Google Shape;145;ga20f19b2f2_0_265:notes"/>
+          <p:cNvSpPr txBox="1">
+            <a:spLocks noGrp="1"/>
+          </p:cNvSpPr>
+          <p:nvPr>
+            <p:ph type="body" idx="1"/>
+          </p:nvPr>
+        </p:nvSpPr>
+        <p:spPr>
+          <a:xfrm>
+            <a:off x="685800" y="4343400"/>
+            <a:ext cx="5486400" cy="4114800"/>
+          </a:xfrm>
+          <a:prstGeom prst="rect">
+            <a:avLst/>
+          </a:prstGeom>
+        </p:spPr>
+        <p:txBody>
+          <a:bodyPr spcFirstLastPara="1" wrap="square" lIns="91425" tIns="91425" rIns="91425" bIns="91425" anchor="t" anchorCtr="0">
+            <a:noAutofit/>
+          </a:bodyPr>
+          <a:lstStyle/>
+          <a:p>
+            <a:pPr marL="0" lvl="0" indent="0" algn="l" rtl="0">
+              <a:spcBef>
+                <a:spcPts val="0"/>
+              </a:spcBef>
+              <a:spcAft>
+                <a:spcPts val="0"/>
+              </a:spcAft>
+              <a:buNone/>
+            </a:pPr>
+            <a:endParaRPr/>
+          </a:p>
+        </p:txBody>
+      </p:sp>
+    </p:spTree>
+    <p:extLst>
+      <p:ext uri="{BB962C8B-B14F-4D97-AF65-F5344CB8AC3E}">
+        <p14:creationId xmlns:p14="http://schemas.microsoft.com/office/powerpoint/2010/main" val="2335751318"/>
+      </p:ext>
+    </p:extLst>
+  </p:cSld>
+  <p:clrMapOvr>
+    <a:masterClrMapping/>
+  </p:clrMapOvr>
+</p:notes>
+</file>
+
+<file path=ppt/notesSlides/notesSlide5.xml><?xml version="1.0" encoding="utf-8"?>
+<p:notes xmlns:a="http://schemas.openxmlformats.org/drawingml/2006/main" xmlns:r="http://schemas.openxmlformats.org/officeDocument/2006/relationships" xmlns:p="http://schemas.openxmlformats.org/presentationml/2006/main" showMasterSp="0" showMasterPhAnim="0">
+  <p:cSld>
+    <p:spTree>
+      <p:nvGrpSpPr>
+        <p:cNvPr id="1" name="Shape 143"/>
+        <p:cNvGrpSpPr/>
+        <p:nvPr/>
+      </p:nvGrpSpPr>
+      <p:grpSpPr>
+        <a:xfrm>
+          <a:off x="0" y="0"/>
+          <a:ext cx="0" cy="0"/>
+          <a:chOff x="0" y="0"/>
+          <a:chExt cx="0" cy="0"/>
+        </a:xfrm>
+      </p:grpSpPr>
+      <p:sp>
+        <p:nvSpPr>
+          <p:cNvPr id="144" name="Google Shape;144;ga20f19b2f2_0_265:notes"/>
+          <p:cNvSpPr>
+            <a:spLocks noGrp="1" noRot="1" noChangeAspect="1"/>
+          </p:cNvSpPr>
+          <p:nvPr>
+            <p:ph type="sldImg" idx="2"/>
+          </p:nvPr>
+        </p:nvSpPr>
+        <p:spPr>
+          <a:xfrm>
+            <a:off x="381000" y="685800"/>
+            <a:ext cx="6096000" cy="3429000"/>
+          </a:xfrm>
+          <a:custGeom>
+            <a:avLst/>
+            <a:gdLst/>
+            <a:ahLst/>
+            <a:cxnLst/>
+            <a:rect l="l" t="t" r="r" b="b"/>
+            <a:pathLst>
+              <a:path w="120000" h="120000" extrusionOk="0">
+                <a:moveTo>
+                  <a:pt x="0" y="0"/>
+                </a:moveTo>
+                <a:lnTo>
+                  <a:pt x="120000" y="0"/>
+                </a:lnTo>
+                <a:lnTo>
+                  <a:pt x="120000" y="120000"/>
+                </a:lnTo>
+                <a:lnTo>
+                  <a:pt x="0" y="120000"/>
+                </a:lnTo>
+                <a:close/>
+              </a:path>
+            </a:pathLst>
+          </a:custGeom>
+        </p:spPr>
+      </p:sp>
+      <p:sp>
+        <p:nvSpPr>
+          <p:cNvPr id="145" name="Google Shape;145;ga20f19b2f2_0_265:notes"/>
+          <p:cNvSpPr txBox="1">
+            <a:spLocks noGrp="1"/>
+          </p:cNvSpPr>
+          <p:nvPr>
+            <p:ph type="body" idx="1"/>
+          </p:nvPr>
+        </p:nvSpPr>
+        <p:spPr>
+          <a:xfrm>
+            <a:off x="685800" y="4343400"/>
+            <a:ext cx="5486400" cy="4114800"/>
+          </a:xfrm>
+          <a:prstGeom prst="rect">
+            <a:avLst/>
+          </a:prstGeom>
+        </p:spPr>
+        <p:txBody>
+          <a:bodyPr spcFirstLastPara="1" wrap="square" lIns="91425" tIns="91425" rIns="91425" bIns="91425" anchor="t" anchorCtr="0">
+            <a:noAutofit/>
+          </a:bodyPr>
+          <a:lstStyle/>
+          <a:p>
+            <a:pPr marL="0" lvl="0" indent="0" algn="l" rtl="0">
+              <a:spcBef>
+                <a:spcPts val="0"/>
+              </a:spcBef>
+              <a:spcAft>
+                <a:spcPts val="0"/>
+              </a:spcAft>
+              <a:buNone/>
+            </a:pPr>
+            <a:endParaRPr/>
+          </a:p>
+        </p:txBody>
+      </p:sp>
+    </p:spTree>
+    <p:extLst>
+      <p:ext uri="{BB962C8B-B14F-4D97-AF65-F5344CB8AC3E}">
+        <p14:creationId xmlns:p14="http://schemas.microsoft.com/office/powerpoint/2010/main" val="2837421544"/>
+      </p:ext>
+    </p:extLst>
+  </p:cSld>
+  <p:clrMapOvr>
+    <a:masterClrMapping/>
+  </p:clrMapOvr>
+</p:notes>
+</file>
+
+<file path=ppt/notesSlides/notesSlide6.xml><?xml version="1.0" encoding="utf-8"?>
+<p:notes xmlns:a="http://schemas.openxmlformats.org/drawingml/2006/main" xmlns:r="http://schemas.openxmlformats.org/officeDocument/2006/relationships" xmlns:p="http://schemas.openxmlformats.org/presentationml/2006/main" showMasterSp="0" showMasterPhAnim="0">
+  <p:cSld>
+    <p:spTree>
+      <p:nvGrpSpPr>
+        <p:cNvPr id="1" name="Shape 149"/>
         <p:cNvGrpSpPr/>
         <p:nvPr/>
       </p:nvGrpSpPr>
@@ -1026,9 +1485,11 @@
       <p:sp>
         <p:nvSpPr>
           <p:cNvPr id="150" name="Google Shape;150;ga20f19b2f2_0_1524:notes"/>
-          <p:cNvSpPr/>
+          <p:cNvSpPr>
+            <a:spLocks noGrp="1" noRot="1" noChangeAspect="1"/>
+          </p:cNvSpPr>
           <p:nvPr>
-            <p:ph idx="2" type="sldImg"/>
+            <p:ph type="sldImg" idx="2"/>
           </p:nvPr>
         </p:nvSpPr>
         <p:spPr>
@@ -1037,9 +1498,13 @@
             <a:ext cx="6096000" cy="3429000"/>
           </a:xfrm>
           <a:custGeom>
-            <a:rect b="b" l="l" r="r" t="t"/>
+            <a:avLst/>
+            <a:gdLst/>
+            <a:ahLst/>
+            <a:cxnLst/>
+            <a:rect l="l" t="t" r="r" b="b"/>
             <a:pathLst>
-              <a:path extrusionOk="0" h="120000" w="120000">
+              <a:path w="120000" h="120000" extrusionOk="0">
                 <a:moveTo>
                   <a:pt x="0" y="0"/>
                 </a:moveTo>
@@ -1061,9 +1526,11 @@
       <p:sp>
         <p:nvSpPr>
           <p:cNvPr id="151" name="Google Shape;151;ga20f19b2f2_0_1524:notes"/>
-          <p:cNvSpPr txBox="1"/>
+          <p:cNvSpPr txBox="1">
+            <a:spLocks noGrp="1"/>
+          </p:cNvSpPr>
           <p:nvPr>
-            <p:ph idx="1" type="body"/>
+            <p:ph type="body" idx="1"/>
           </p:nvPr>
         </p:nvSpPr>
         <p:spPr>
@@ -1076,12 +1543,12 @@
           </a:prstGeom>
         </p:spPr>
         <p:txBody>
-          <a:bodyPr anchorCtr="0" anchor="t" bIns="91425" lIns="91425" spcFirstLastPara="1" rIns="91425" wrap="square" tIns="91425">
+          <a:bodyPr spcFirstLastPara="1" wrap="square" lIns="91425" tIns="91425" rIns="91425" bIns="91425" anchor="t" anchorCtr="0">
             <a:noAutofit/>
           </a:bodyPr>
           <a:lstStyle/>
           <a:p>
-            <a:pPr indent="0" lvl="0" marL="0" rtl="0" algn="l">
+            <a:pPr marL="0" lvl="0" indent="0" algn="l" rtl="0">
               <a:spcBef>
                 <a:spcPts val="0"/>
               </a:spcBef>
@@ -1090,9 +1557,6 @@
               </a:spcAft>
               <a:buNone/>
             </a:pPr>
-            <a:r>
-              <a:t/>
-            </a:r>
             <a:endParaRPr/>
           </a:p>
         </p:txBody>
@@ -1105,12 +1569,121 @@
 </p:notes>
 </file>
 
-<file path=ppt/notesSlides/notesSlide5.xml><?xml version="1.0" encoding="utf-8"?>
-<p:notes xmlns:a="http://schemas.openxmlformats.org/drawingml/2006/main" xmlns:r="http://schemas.openxmlformats.org/officeDocument/2006/relationships" xmlns:mc="http://schemas.openxmlformats.org/markup-compatibility/2006" xmlns:mv="urn:schemas-microsoft-com:mac:vml" xmlns:p="http://schemas.openxmlformats.org/presentationml/2006/main" xmlns:c="http://schemas.openxmlformats.org/drawingml/2006/chart" xmlns:dgm="http://schemas.openxmlformats.org/drawingml/2006/diagram" xmlns:o="urn:schemas-microsoft-com:office:office" xmlns:v="urn:schemas-microsoft-com:vml" xmlns:pvml="urn:schemas-microsoft-com:office:powerpoint" xmlns:com="http://schemas.openxmlformats.org/drawingml/2006/compatibility" xmlns:p14="http://schemas.microsoft.com/office/powerpoint/2010/main" xmlns:p15="http://schemas.microsoft.com/office/powerpoint/2012/main" xmlns:ahyp="http://schemas.microsoft.com/office/drawing/2018/hyperlinkcolor" showMasterPhAnim="0" showMasterSp="0">
+<file path=ppt/notesSlides/notesSlide7.xml><?xml version="1.0" encoding="utf-8"?>
+<p:notes xmlns:a="http://schemas.openxmlformats.org/drawingml/2006/main" xmlns:r="http://schemas.openxmlformats.org/officeDocument/2006/relationships" xmlns:p="http://schemas.openxmlformats.org/presentationml/2006/main" showMasterSp="0" showMasterPhAnim="0">
   <p:cSld>
     <p:spTree>
       <p:nvGrpSpPr>
-        <p:cNvPr id="155" name="Shape 155"/>
+        <p:cNvPr id="1" name="Shape 149"/>
+        <p:cNvGrpSpPr/>
+        <p:nvPr/>
+      </p:nvGrpSpPr>
+      <p:grpSpPr>
+        <a:xfrm>
+          <a:off x="0" y="0"/>
+          <a:ext cx="0" cy="0"/>
+          <a:chOff x="0" y="0"/>
+          <a:chExt cx="0" cy="0"/>
+        </a:xfrm>
+      </p:grpSpPr>
+      <p:sp>
+        <p:nvSpPr>
+          <p:cNvPr id="150" name="Google Shape;150;ga20f19b2f2_0_1524:notes"/>
+          <p:cNvSpPr>
+            <a:spLocks noGrp="1" noRot="1" noChangeAspect="1"/>
+          </p:cNvSpPr>
+          <p:nvPr>
+            <p:ph type="sldImg" idx="2"/>
+          </p:nvPr>
+        </p:nvSpPr>
+        <p:spPr>
+          <a:xfrm>
+            <a:off x="381000" y="685800"/>
+            <a:ext cx="6096000" cy="3429000"/>
+          </a:xfrm>
+          <a:custGeom>
+            <a:avLst/>
+            <a:gdLst/>
+            <a:ahLst/>
+            <a:cxnLst/>
+            <a:rect l="l" t="t" r="r" b="b"/>
+            <a:pathLst>
+              <a:path w="120000" h="120000" extrusionOk="0">
+                <a:moveTo>
+                  <a:pt x="0" y="0"/>
+                </a:moveTo>
+                <a:lnTo>
+                  <a:pt x="120000" y="0"/>
+                </a:lnTo>
+                <a:lnTo>
+                  <a:pt x="120000" y="120000"/>
+                </a:lnTo>
+                <a:lnTo>
+                  <a:pt x="0" y="120000"/>
+                </a:lnTo>
+                <a:close/>
+              </a:path>
+            </a:pathLst>
+          </a:custGeom>
+        </p:spPr>
+      </p:sp>
+      <p:sp>
+        <p:nvSpPr>
+          <p:cNvPr id="151" name="Google Shape;151;ga20f19b2f2_0_1524:notes"/>
+          <p:cNvSpPr txBox="1">
+            <a:spLocks noGrp="1"/>
+          </p:cNvSpPr>
+          <p:nvPr>
+            <p:ph type="body" idx="1"/>
+          </p:nvPr>
+        </p:nvSpPr>
+        <p:spPr>
+          <a:xfrm>
+            <a:off x="685800" y="4343400"/>
+            <a:ext cx="5486400" cy="4114800"/>
+          </a:xfrm>
+          <a:prstGeom prst="rect">
+            <a:avLst/>
+          </a:prstGeom>
+        </p:spPr>
+        <p:txBody>
+          <a:bodyPr spcFirstLastPara="1" wrap="square" lIns="91425" tIns="91425" rIns="91425" bIns="91425" anchor="t" anchorCtr="0">
+            <a:noAutofit/>
+          </a:bodyPr>
+          <a:lstStyle/>
+          <a:p>
+            <a:pPr marL="0" lvl="0" indent="0" algn="l" rtl="0">
+              <a:spcBef>
+                <a:spcPts val="0"/>
+              </a:spcBef>
+              <a:spcAft>
+                <a:spcPts val="0"/>
+              </a:spcAft>
+              <a:buNone/>
+            </a:pPr>
+            <a:endParaRPr/>
+          </a:p>
+        </p:txBody>
+      </p:sp>
+    </p:spTree>
+    <p:extLst>
+      <p:ext uri="{BB962C8B-B14F-4D97-AF65-F5344CB8AC3E}">
+        <p14:creationId xmlns:p14="http://schemas.microsoft.com/office/powerpoint/2010/main" val="3912021441"/>
+      </p:ext>
+    </p:extLst>
+  </p:cSld>
+  <p:clrMapOvr>
+    <a:masterClrMapping/>
+  </p:clrMapOvr>
+</p:notes>
+</file>
+
+<file path=ppt/notesSlides/notesSlide8.xml><?xml version="1.0" encoding="utf-8"?>
+<p:notes xmlns:a="http://schemas.openxmlformats.org/drawingml/2006/main" xmlns:r="http://schemas.openxmlformats.org/officeDocument/2006/relationships" xmlns:p="http://schemas.openxmlformats.org/presentationml/2006/main" showMasterSp="0" showMasterPhAnim="0">
+  <p:cSld>
+    <p:spTree>
+      <p:nvGrpSpPr>
+        <p:cNvPr id="1" name="Shape 155"/>
         <p:cNvGrpSpPr/>
         <p:nvPr/>
       </p:nvGrpSpPr>
@@ -1125,9 +1698,11 @@
       <p:sp>
         <p:nvSpPr>
           <p:cNvPr id="156" name="Google Shape;156;ga20f19b2f2_0_1531:notes"/>
-          <p:cNvSpPr/>
+          <p:cNvSpPr>
+            <a:spLocks noGrp="1" noRot="1" noChangeAspect="1"/>
+          </p:cNvSpPr>
           <p:nvPr>
-            <p:ph idx="2" type="sldImg"/>
+            <p:ph type="sldImg" idx="2"/>
           </p:nvPr>
         </p:nvSpPr>
         <p:spPr>
@@ -1136,9 +1711,13 @@
             <a:ext cx="6096000" cy="3429000"/>
           </a:xfrm>
           <a:custGeom>
-            <a:rect b="b" l="l" r="r" t="t"/>
+            <a:avLst/>
+            <a:gdLst/>
+            <a:ahLst/>
+            <a:cxnLst/>
+            <a:rect l="l" t="t" r="r" b="b"/>
             <a:pathLst>
-              <a:path extrusionOk="0" h="120000" w="120000">
+              <a:path w="120000" h="120000" extrusionOk="0">
                 <a:moveTo>
                   <a:pt x="0" y="0"/>
                 </a:moveTo>
@@ -1160,9 +1739,11 @@
       <p:sp>
         <p:nvSpPr>
           <p:cNvPr id="157" name="Google Shape;157;ga20f19b2f2_0_1531:notes"/>
-          <p:cNvSpPr txBox="1"/>
+          <p:cNvSpPr txBox="1">
+            <a:spLocks noGrp="1"/>
+          </p:cNvSpPr>
           <p:nvPr>
-            <p:ph idx="1" type="body"/>
+            <p:ph type="body" idx="1"/>
           </p:nvPr>
         </p:nvSpPr>
         <p:spPr>
@@ -1175,12 +1756,12 @@
           </a:prstGeom>
         </p:spPr>
         <p:txBody>
-          <a:bodyPr anchorCtr="0" anchor="t" bIns="91425" lIns="91425" spcFirstLastPara="1" rIns="91425" wrap="square" tIns="91425">
+          <a:bodyPr spcFirstLastPara="1" wrap="square" lIns="91425" tIns="91425" rIns="91425" bIns="91425" anchor="t" anchorCtr="0">
             <a:noAutofit/>
           </a:bodyPr>
           <a:lstStyle/>
           <a:p>
-            <a:pPr indent="0" lvl="0" marL="0" rtl="0" algn="l">
+            <a:pPr marL="0" lvl="0" indent="0" algn="l" rtl="0">
               <a:spcBef>
                 <a:spcPts val="0"/>
               </a:spcBef>
@@ -1189,9 +1770,6 @@
               </a:spcAft>
               <a:buNone/>
             </a:pPr>
-            <a:r>
-              <a:t/>
-            </a:r>
             <a:endParaRPr/>
           </a:p>
         </p:txBody>
@@ -1204,12 +1782,12 @@
 </p:notes>
 </file>
 
-<file path=ppt/notesSlides/notesSlide6.xml><?xml version="1.0" encoding="utf-8"?>
-<p:notes xmlns:a="http://schemas.openxmlformats.org/drawingml/2006/main" xmlns:r="http://schemas.openxmlformats.org/officeDocument/2006/relationships" xmlns:mc="http://schemas.openxmlformats.org/markup-compatibility/2006" xmlns:mv="urn:schemas-microsoft-com:mac:vml" xmlns:p="http://schemas.openxmlformats.org/presentationml/2006/main" xmlns:c="http://schemas.openxmlformats.org/drawingml/2006/chart" xmlns:dgm="http://schemas.openxmlformats.org/drawingml/2006/diagram" xmlns:o="urn:schemas-microsoft-com:office:office" xmlns:v="urn:schemas-microsoft-com:vml" xmlns:pvml="urn:schemas-microsoft-com:office:powerpoint" xmlns:com="http://schemas.openxmlformats.org/drawingml/2006/compatibility" xmlns:p14="http://schemas.microsoft.com/office/powerpoint/2010/main" xmlns:p15="http://schemas.microsoft.com/office/powerpoint/2012/main" xmlns:ahyp="http://schemas.microsoft.com/office/drawing/2018/hyperlinkcolor" showMasterPhAnim="0" showMasterSp="0">
+<file path=ppt/notesSlides/notesSlide9.xml><?xml version="1.0" encoding="utf-8"?>
+<p:notes xmlns:a="http://schemas.openxmlformats.org/drawingml/2006/main" xmlns:r="http://schemas.openxmlformats.org/officeDocument/2006/relationships" xmlns:p="http://schemas.openxmlformats.org/presentationml/2006/main" showMasterSp="0" showMasterPhAnim="0">
   <p:cSld>
     <p:spTree>
       <p:nvGrpSpPr>
-        <p:cNvPr id="161" name="Shape 161"/>
+        <p:cNvPr id="1" name="Shape 161"/>
         <p:cNvGrpSpPr/>
         <p:nvPr/>
       </p:nvGrpSpPr>
@@ -1224,9 +1802,11 @@
       <p:sp>
         <p:nvSpPr>
           <p:cNvPr id="162" name="Google Shape;162;ga20f19b2f2_0_1507:notes"/>
-          <p:cNvSpPr/>
+          <p:cNvSpPr>
+            <a:spLocks noGrp="1" noRot="1" noChangeAspect="1"/>
+          </p:cNvSpPr>
           <p:nvPr>
-            <p:ph idx="2" type="sldImg"/>
+            <p:ph type="sldImg" idx="2"/>
           </p:nvPr>
         </p:nvSpPr>
         <p:spPr>
@@ -1235,9 +1815,13 @@
             <a:ext cx="6096000" cy="3429000"/>
           </a:xfrm>
           <a:custGeom>
-            <a:rect b="b" l="l" r="r" t="t"/>
+            <a:avLst/>
+            <a:gdLst/>
+            <a:ahLst/>
+            <a:cxnLst/>
+            <a:rect l="l" t="t" r="r" b="b"/>
             <a:pathLst>
-              <a:path extrusionOk="0" h="120000" w="120000">
+              <a:path w="120000" h="120000" extrusionOk="0">
                 <a:moveTo>
                   <a:pt x="0" y="0"/>
                 </a:moveTo>
@@ -1259,9 +1843,11 @@
       <p:sp>
         <p:nvSpPr>
           <p:cNvPr id="163" name="Google Shape;163;ga20f19b2f2_0_1507:notes"/>
-          <p:cNvSpPr txBox="1"/>
+          <p:cNvSpPr txBox="1">
+            <a:spLocks noGrp="1"/>
+          </p:cNvSpPr>
           <p:nvPr>
-            <p:ph idx="1" type="body"/>
+            <p:ph type="body" idx="1"/>
           </p:nvPr>
         </p:nvSpPr>
         <p:spPr>
@@ -1274,12 +1860,12 @@
           </a:prstGeom>
         </p:spPr>
         <p:txBody>
-          <a:bodyPr anchorCtr="0" anchor="t" bIns="91425" lIns="91425" spcFirstLastPara="1" rIns="91425" wrap="square" tIns="91425">
+          <a:bodyPr spcFirstLastPara="1" wrap="square" lIns="91425" tIns="91425" rIns="91425" bIns="91425" anchor="t" anchorCtr="0">
             <a:noAutofit/>
           </a:bodyPr>
           <a:lstStyle/>
           <a:p>
-            <a:pPr indent="0" lvl="0" marL="0" rtl="0" algn="l">
+            <a:pPr marL="0" lvl="0" indent="0" algn="l" rtl="0">
               <a:spcBef>
                 <a:spcPts val="0"/>
               </a:spcBef>
@@ -1288,207 +1874,6 @@
               </a:spcAft>
               <a:buNone/>
             </a:pPr>
-            <a:r>
-              <a:t/>
-            </a:r>
-            <a:endParaRPr/>
-          </a:p>
-        </p:txBody>
-      </p:sp>
-    </p:spTree>
-  </p:cSld>
-  <p:clrMapOvr>
-    <a:masterClrMapping/>
-  </p:clrMapOvr>
-</p:notes>
-</file>
-
-<file path=ppt/notesSlides/notesSlide7.xml><?xml version="1.0" encoding="utf-8"?>
-<p:notes xmlns:a="http://schemas.openxmlformats.org/drawingml/2006/main" xmlns:r="http://schemas.openxmlformats.org/officeDocument/2006/relationships" xmlns:mc="http://schemas.openxmlformats.org/markup-compatibility/2006" xmlns:mv="urn:schemas-microsoft-com:mac:vml" xmlns:p="http://schemas.openxmlformats.org/presentationml/2006/main" xmlns:c="http://schemas.openxmlformats.org/drawingml/2006/chart" xmlns:dgm="http://schemas.openxmlformats.org/drawingml/2006/diagram" xmlns:o="urn:schemas-microsoft-com:office:office" xmlns:v="urn:schemas-microsoft-com:vml" xmlns:pvml="urn:schemas-microsoft-com:office:powerpoint" xmlns:com="http://schemas.openxmlformats.org/drawingml/2006/compatibility" xmlns:p14="http://schemas.microsoft.com/office/powerpoint/2010/main" xmlns:p15="http://schemas.microsoft.com/office/powerpoint/2012/main" xmlns:ahyp="http://schemas.microsoft.com/office/drawing/2018/hyperlinkcolor" showMasterPhAnim="0" showMasterSp="0">
-  <p:cSld>
-    <p:spTree>
-      <p:nvGrpSpPr>
-        <p:cNvPr id="167" name="Shape 167"/>
-        <p:cNvGrpSpPr/>
-        <p:nvPr/>
-      </p:nvGrpSpPr>
-      <p:grpSpPr>
-        <a:xfrm>
-          <a:off x="0" y="0"/>
-          <a:ext cx="0" cy="0"/>
-          <a:chOff x="0" y="0"/>
-          <a:chExt cx="0" cy="0"/>
-        </a:xfrm>
-      </p:grpSpPr>
-      <p:sp>
-        <p:nvSpPr>
-          <p:cNvPr id="168" name="Google Shape;168;ga20f19b2f2_0_1513:notes"/>
-          <p:cNvSpPr/>
-          <p:nvPr>
-            <p:ph idx="2" type="sldImg"/>
-          </p:nvPr>
-        </p:nvSpPr>
-        <p:spPr>
-          <a:xfrm>
-            <a:off x="381300" y="685800"/>
-            <a:ext cx="6096000" cy="3429000"/>
-          </a:xfrm>
-          <a:custGeom>
-            <a:rect b="b" l="l" r="r" t="t"/>
-            <a:pathLst>
-              <a:path extrusionOk="0" h="120000" w="120000">
-                <a:moveTo>
-                  <a:pt x="0" y="0"/>
-                </a:moveTo>
-                <a:lnTo>
-                  <a:pt x="120000" y="0"/>
-                </a:lnTo>
-                <a:lnTo>
-                  <a:pt x="120000" y="120000"/>
-                </a:lnTo>
-                <a:lnTo>
-                  <a:pt x="0" y="120000"/>
-                </a:lnTo>
-                <a:close/>
-              </a:path>
-            </a:pathLst>
-          </a:custGeom>
-        </p:spPr>
-      </p:sp>
-      <p:sp>
-        <p:nvSpPr>
-          <p:cNvPr id="169" name="Google Shape;169;ga20f19b2f2_0_1513:notes"/>
-          <p:cNvSpPr txBox="1"/>
-          <p:nvPr>
-            <p:ph idx="1" type="body"/>
-          </p:nvPr>
-        </p:nvSpPr>
-        <p:spPr>
-          <a:xfrm>
-            <a:off x="685800" y="4343400"/>
-            <a:ext cx="5486400" cy="4114800"/>
-          </a:xfrm>
-          <a:prstGeom prst="rect">
-            <a:avLst/>
-          </a:prstGeom>
-        </p:spPr>
-        <p:txBody>
-          <a:bodyPr anchorCtr="0" anchor="t" bIns="91425" lIns="91425" spcFirstLastPara="1" rIns="91425" wrap="square" tIns="91425">
-            <a:noAutofit/>
-          </a:bodyPr>
-          <a:lstStyle/>
-          <a:p>
-            <a:pPr indent="0" lvl="0" marL="0" rtl="0" algn="l">
-              <a:spcBef>
-                <a:spcPts val="0"/>
-              </a:spcBef>
-              <a:spcAft>
-                <a:spcPts val="0"/>
-              </a:spcAft>
-              <a:buNone/>
-            </a:pPr>
-            <a:r>
-              <a:t/>
-            </a:r>
-            <a:endParaRPr/>
-          </a:p>
-        </p:txBody>
-      </p:sp>
-    </p:spTree>
-  </p:cSld>
-  <p:clrMapOvr>
-    <a:masterClrMapping/>
-  </p:clrMapOvr>
-</p:notes>
-</file>
-
-<file path=ppt/notesSlides/notesSlide8.xml><?xml version="1.0" encoding="utf-8"?>
-<p:notes xmlns:a="http://schemas.openxmlformats.org/drawingml/2006/main" xmlns:r="http://schemas.openxmlformats.org/officeDocument/2006/relationships" xmlns:mc="http://schemas.openxmlformats.org/markup-compatibility/2006" xmlns:mv="urn:schemas-microsoft-com:mac:vml" xmlns:p="http://schemas.openxmlformats.org/presentationml/2006/main" xmlns:c="http://schemas.openxmlformats.org/drawingml/2006/chart" xmlns:dgm="http://schemas.openxmlformats.org/drawingml/2006/diagram" xmlns:o="urn:schemas-microsoft-com:office:office" xmlns:v="urn:schemas-microsoft-com:vml" xmlns:pvml="urn:schemas-microsoft-com:office:powerpoint" xmlns:com="http://schemas.openxmlformats.org/drawingml/2006/compatibility" xmlns:p14="http://schemas.microsoft.com/office/powerpoint/2010/main" xmlns:p15="http://schemas.microsoft.com/office/powerpoint/2012/main" xmlns:ahyp="http://schemas.microsoft.com/office/drawing/2018/hyperlinkcolor" showMasterPhAnim="0" showMasterSp="0">
-  <p:cSld>
-    <p:spTree>
-      <p:nvGrpSpPr>
-        <p:cNvPr id="173" name="Shape 173"/>
-        <p:cNvGrpSpPr/>
-        <p:nvPr/>
-      </p:nvGrpSpPr>
-      <p:grpSpPr>
-        <a:xfrm>
-          <a:off x="0" y="0"/>
-          <a:ext cx="0" cy="0"/>
-          <a:chOff x="0" y="0"/>
-          <a:chExt cx="0" cy="0"/>
-        </a:xfrm>
-      </p:grpSpPr>
-      <p:sp>
-        <p:nvSpPr>
-          <p:cNvPr id="174" name="Google Shape;174;ga20f19b2f2_0_1518:notes"/>
-          <p:cNvSpPr/>
-          <p:nvPr>
-            <p:ph idx="2" type="sldImg"/>
-          </p:nvPr>
-        </p:nvSpPr>
-        <p:spPr>
-          <a:xfrm>
-            <a:off x="381300" y="685800"/>
-            <a:ext cx="6096000" cy="3429000"/>
-          </a:xfrm>
-          <a:custGeom>
-            <a:rect b="b" l="l" r="r" t="t"/>
-            <a:pathLst>
-              <a:path extrusionOk="0" h="120000" w="120000">
-                <a:moveTo>
-                  <a:pt x="0" y="0"/>
-                </a:moveTo>
-                <a:lnTo>
-                  <a:pt x="120000" y="0"/>
-                </a:lnTo>
-                <a:lnTo>
-                  <a:pt x="120000" y="120000"/>
-                </a:lnTo>
-                <a:lnTo>
-                  <a:pt x="0" y="120000"/>
-                </a:lnTo>
-                <a:close/>
-              </a:path>
-            </a:pathLst>
-          </a:custGeom>
-        </p:spPr>
-      </p:sp>
-      <p:sp>
-        <p:nvSpPr>
-          <p:cNvPr id="175" name="Google Shape;175;ga20f19b2f2_0_1518:notes"/>
-          <p:cNvSpPr txBox="1"/>
-          <p:nvPr>
-            <p:ph idx="1" type="body"/>
-          </p:nvPr>
-        </p:nvSpPr>
-        <p:spPr>
-          <a:xfrm>
-            <a:off x="685800" y="4343400"/>
-            <a:ext cx="5486400" cy="4114800"/>
-          </a:xfrm>
-          <a:prstGeom prst="rect">
-            <a:avLst/>
-          </a:prstGeom>
-        </p:spPr>
-        <p:txBody>
-          <a:bodyPr anchorCtr="0" anchor="t" bIns="91425" lIns="91425" spcFirstLastPara="1" rIns="91425" wrap="square" tIns="91425">
-            <a:noAutofit/>
-          </a:bodyPr>
-          <a:lstStyle/>
-          <a:p>
-            <a:pPr indent="0" lvl="0" marL="0" rtl="0" algn="l">
-              <a:spcBef>
-                <a:spcPts val="0"/>
-              </a:spcBef>
-              <a:spcAft>
-                <a:spcPts val="0"/>
-              </a:spcAft>
-              <a:buNone/>
-            </a:pPr>
-            <a:r>
-              <a:t/>
-            </a:r>
             <a:endParaRPr/>
           </a:p>
         </p:txBody>
@@ -1502,11 +1887,11 @@
 </file>
 
 <file path=ppt/slideLayouts/slideLayout1.xml><?xml version="1.0" encoding="utf-8"?>
-<p:sldLayout xmlns:a="http://schemas.openxmlformats.org/drawingml/2006/main" xmlns:r="http://schemas.openxmlformats.org/officeDocument/2006/relationships" xmlns:mc="http://schemas.openxmlformats.org/markup-compatibility/2006" xmlns:mv="urn:schemas-microsoft-com:mac:vml" xmlns:p="http://schemas.openxmlformats.org/presentationml/2006/main" xmlns:c="http://schemas.openxmlformats.org/drawingml/2006/chart" xmlns:dgm="http://schemas.openxmlformats.org/drawingml/2006/diagram" xmlns:o="urn:schemas-microsoft-com:office:office" xmlns:v="urn:schemas-microsoft-com:vml" xmlns:pvml="urn:schemas-microsoft-com:office:powerpoint" xmlns:com="http://schemas.openxmlformats.org/drawingml/2006/compatibility" xmlns:p14="http://schemas.microsoft.com/office/powerpoint/2010/main" xmlns:p15="http://schemas.microsoft.com/office/powerpoint/2012/main" xmlns:ahyp="http://schemas.microsoft.com/office/drawing/2018/hyperlinkcolor" matchingName="Title slide" type="title">
+<p:sldLayout xmlns:a="http://schemas.openxmlformats.org/drawingml/2006/main" xmlns:r="http://schemas.openxmlformats.org/officeDocument/2006/relationships" xmlns:p="http://schemas.openxmlformats.org/presentationml/2006/main" matchingName="Title slide" type="title">
   <p:cSld name="TITLE">
     <p:spTree>
       <p:nvGrpSpPr>
-        <p:cNvPr id="9" name="Shape 9"/>
+        <p:cNvPr id="1" name="Shape 9"/>
         <p:cNvGrpSpPr/>
         <p:nvPr/>
       </p:nvGrpSpPr>
@@ -1531,7 +1916,7 @@
           </a:xfrm>
           <a:prstGeom prst="diagStripe">
             <a:avLst>
-              <a:gd fmla="val 0" name="adj"/>
+              <a:gd name="adj" fmla="val 0"/>
             </a:avLst>
           </a:prstGeom>
           <a:solidFill>
@@ -1544,12 +1929,12 @@
           </a:ln>
         </p:spPr>
         <p:txBody>
-          <a:bodyPr anchorCtr="0" anchor="ctr" bIns="91425" lIns="91425" spcFirstLastPara="1" rIns="91425" wrap="square" tIns="91425">
+          <a:bodyPr spcFirstLastPara="1" wrap="square" lIns="91425" tIns="91425" rIns="91425" bIns="91425" anchor="ctr" anchorCtr="0">
             <a:noAutofit/>
           </a:bodyPr>
           <a:lstStyle/>
           <a:p>
-            <a:pPr indent="0" lvl="0" marL="0" rtl="0" algn="l">
+            <a:pPr marL="0" lvl="0" indent="0" algn="l" rtl="0">
               <a:spcBef>
                 <a:spcPts val="0"/>
               </a:spcBef>
@@ -1558,9 +1943,6 @@
               </a:spcAft>
               <a:buNone/>
             </a:pPr>
-            <a:r>
-              <a:t/>
-            </a:r>
             <a:endParaRPr/>
           </a:p>
         </p:txBody>
@@ -1592,7 +1974,7 @@
             </a:xfrm>
             <a:prstGeom prst="diagStripe">
               <a:avLst>
-                <a:gd fmla="val 50000" name="adj"/>
+                <a:gd name="adj" fmla="val 50000"/>
               </a:avLst>
             </a:prstGeom>
             <a:solidFill>
@@ -1605,12 +1987,12 @@
             </a:ln>
           </p:spPr>
           <p:txBody>
-            <a:bodyPr anchorCtr="0" anchor="ctr" bIns="91425" lIns="91425" spcFirstLastPara="1" rIns="91425" wrap="square" tIns="91425">
+            <a:bodyPr spcFirstLastPara="1" wrap="square" lIns="91425" tIns="91425" rIns="91425" bIns="91425" anchor="ctr" anchorCtr="0">
               <a:noAutofit/>
             </a:bodyPr>
             <a:lstStyle/>
             <a:p>
-              <a:pPr indent="0" lvl="0" marL="0" rtl="0" algn="l">
+              <a:pPr marL="0" lvl="0" indent="0" algn="l" rtl="0">
                 <a:spcBef>
                   <a:spcPts val="0"/>
                 </a:spcBef>
@@ -1619,9 +2001,6 @@
                 </a:spcAft>
                 <a:buNone/>
               </a:pPr>
-              <a:r>
-                <a:t/>
-              </a:r>
               <a:endParaRPr/>
             </a:p>
           </p:txBody>
@@ -1639,7 +2018,7 @@
             </a:xfrm>
             <a:prstGeom prst="diagStripe">
               <a:avLst>
-                <a:gd fmla="val 58774" name="adj"/>
+                <a:gd name="adj" fmla="val 58774"/>
               </a:avLst>
             </a:prstGeom>
             <a:solidFill>
@@ -1652,12 +2031,12 @@
             </a:ln>
           </p:spPr>
           <p:txBody>
-            <a:bodyPr anchorCtr="0" anchor="ctr" bIns="91425" lIns="91425" spcFirstLastPara="1" rIns="91425" wrap="square" tIns="91425">
+            <a:bodyPr spcFirstLastPara="1" wrap="square" lIns="91425" tIns="91425" rIns="91425" bIns="91425" anchor="ctr" anchorCtr="0">
               <a:noAutofit/>
             </a:bodyPr>
             <a:lstStyle/>
             <a:p>
-              <a:pPr indent="0" lvl="0" marL="0" rtl="0" algn="l">
+              <a:pPr marL="0" lvl="0" indent="0" algn="l" rtl="0">
                 <a:spcBef>
                   <a:spcPts val="0"/>
                 </a:spcBef>
@@ -1666,9 +2045,6 @@
                 </a:spcAft>
                 <a:buNone/>
               </a:pPr>
-              <a:r>
-                <a:t/>
-              </a:r>
               <a:endParaRPr/>
             </a:p>
           </p:txBody>
@@ -1686,7 +2062,7 @@
             </a:xfrm>
             <a:prstGeom prst="diagStripe">
               <a:avLst>
-                <a:gd fmla="val 50000" name="adj"/>
+                <a:gd name="adj" fmla="val 50000"/>
               </a:avLst>
             </a:prstGeom>
             <a:solidFill>
@@ -1697,12 +2073,12 @@
             </a:ln>
           </p:spPr>
           <p:txBody>
-            <a:bodyPr anchorCtr="0" anchor="ctr" bIns="91425" lIns="91425" spcFirstLastPara="1" rIns="91425" wrap="square" tIns="91425">
+            <a:bodyPr spcFirstLastPara="1" wrap="square" lIns="91425" tIns="91425" rIns="91425" bIns="91425" anchor="ctr" anchorCtr="0">
               <a:noAutofit/>
             </a:bodyPr>
             <a:lstStyle/>
             <a:p>
-              <a:pPr indent="0" lvl="0" marL="0" rtl="0" algn="l">
+              <a:pPr marL="0" lvl="0" indent="0" algn="l" rtl="0">
                 <a:spcBef>
                   <a:spcPts val="0"/>
                 </a:spcBef>
@@ -1711,9 +2087,6 @@
                 </a:spcAft>
                 <a:buNone/>
               </a:pPr>
-              <a:r>
-                <a:t/>
-              </a:r>
               <a:endParaRPr/>
             </a:p>
           </p:txBody>
@@ -1731,7 +2104,7 @@
             </a:xfrm>
             <a:prstGeom prst="diagStripe">
               <a:avLst>
-                <a:gd fmla="val 50000" name="adj"/>
+                <a:gd name="adj" fmla="val 50000"/>
               </a:avLst>
             </a:prstGeom>
             <a:solidFill>
@@ -1742,12 +2115,12 @@
             </a:ln>
           </p:spPr>
           <p:txBody>
-            <a:bodyPr anchorCtr="0" anchor="ctr" bIns="91425" lIns="91425" spcFirstLastPara="1" rIns="91425" wrap="square" tIns="91425">
+            <a:bodyPr spcFirstLastPara="1" wrap="square" lIns="91425" tIns="91425" rIns="91425" bIns="91425" anchor="ctr" anchorCtr="0">
               <a:noAutofit/>
             </a:bodyPr>
             <a:lstStyle/>
             <a:p>
-              <a:pPr indent="0" lvl="0" marL="0" rtl="0" algn="l">
+              <a:pPr marL="0" lvl="0" indent="0" algn="l" rtl="0">
                 <a:spcBef>
                   <a:spcPts val="0"/>
                 </a:spcBef>
@@ -1756,9 +2129,6 @@
                 </a:spcAft>
                 <a:buNone/>
               </a:pPr>
-              <a:r>
-                <a:t/>
-              </a:r>
               <a:endParaRPr/>
             </a:p>
           </p:txBody>
@@ -1767,7 +2137,9 @@
       <p:sp>
         <p:nvSpPr>
           <p:cNvPr id="16" name="Google Shape;16;p2"/>
-          <p:cNvSpPr txBox="1"/>
+          <p:cNvSpPr txBox="1">
+            <a:spLocks noGrp="1"/>
+          </p:cNvSpPr>
           <p:nvPr>
             <p:ph type="ctrTitle"/>
           </p:nvPr>
@@ -1782,7 +2154,7 @@
           </a:prstGeom>
         </p:spPr>
         <p:txBody>
-          <a:bodyPr anchorCtr="0" anchor="t" bIns="91425" lIns="91425" spcFirstLastPara="1" rIns="91425" wrap="square" tIns="91425">
+          <a:bodyPr spcFirstLastPara="1" wrap="square" lIns="91425" tIns="91425" rIns="91425" bIns="91425" anchor="t" anchorCtr="0">
             <a:noAutofit/>
           </a:bodyPr>
           <a:lstStyle>
@@ -1886,15 +2258,19 @@
               <a:defRPr sz="4000"/>
             </a:lvl9pPr>
           </a:lstStyle>
-          <a:p/>
+          <a:p>
+            <a:endParaRPr/>
+          </a:p>
         </p:txBody>
       </p:sp>
       <p:sp>
         <p:nvSpPr>
           <p:cNvPr id="17" name="Google Shape;17;p2"/>
-          <p:cNvSpPr txBox="1"/>
+          <p:cNvSpPr txBox="1">
+            <a:spLocks noGrp="1"/>
+          </p:cNvSpPr>
           <p:nvPr>
-            <p:ph idx="1" type="subTitle"/>
+            <p:ph type="subTitle" idx="1"/>
           </p:nvPr>
         </p:nvSpPr>
         <p:spPr>
@@ -1907,7 +2283,7 @@
           </a:prstGeom>
         </p:spPr>
         <p:txBody>
-          <a:bodyPr anchorCtr="0" anchor="t" bIns="91425" lIns="91425" spcFirstLastPara="1" rIns="91425" wrap="square" tIns="91425">
+          <a:bodyPr spcFirstLastPara="1" wrap="square" lIns="91425" tIns="91425" rIns="91425" bIns="91425" anchor="t" anchorCtr="0">
             <a:noAutofit/>
           </a:bodyPr>
           <a:lstStyle>
@@ -2038,15 +2414,19 @@
               <a:defRPr sz="1300"/>
             </a:lvl9pPr>
           </a:lstStyle>
-          <a:p/>
+          <a:p>
+            <a:endParaRPr/>
+          </a:p>
         </p:txBody>
       </p:sp>
       <p:sp>
         <p:nvSpPr>
           <p:cNvPr id="18" name="Google Shape;18;p2"/>
-          <p:cNvSpPr txBox="1"/>
+          <p:cNvSpPr txBox="1">
+            <a:spLocks noGrp="1"/>
+          </p:cNvSpPr>
           <p:nvPr>
-            <p:ph idx="12" type="sldNum"/>
+            <p:ph type="sldNum" idx="12"/>
           </p:nvPr>
         </p:nvSpPr>
         <p:spPr>
@@ -2059,7 +2439,7 @@
           </a:prstGeom>
         </p:spPr>
         <p:txBody>
-          <a:bodyPr anchorCtr="0" anchor="ctr" bIns="91425" lIns="91425" spcFirstLastPara="1" rIns="91425" wrap="square" tIns="91425">
+          <a:bodyPr spcFirstLastPara="1" wrap="square" lIns="91425" tIns="91425" rIns="91425" bIns="91425" anchor="ctr" anchorCtr="0">
             <a:noAutofit/>
           </a:bodyPr>
           <a:lstStyle>
@@ -2101,7 +2481,7 @@
             </a:lvl9pPr>
           </a:lstStyle>
           <a:p>
-            <a:pPr indent="0" lvl="0" marL="0" rtl="0" algn="r">
+            <a:pPr marL="0" lvl="0" indent="0" algn="r" rtl="0">
               <a:spcBef>
                 <a:spcPts val="0"/>
               </a:spcBef>
@@ -2127,11 +2507,11 @@
 </file>
 
 <file path=ppt/slideLayouts/slideLayout10.xml><?xml version="1.0" encoding="utf-8"?>
-<p:sldLayout xmlns:a="http://schemas.openxmlformats.org/drawingml/2006/main" xmlns:r="http://schemas.openxmlformats.org/officeDocument/2006/relationships" xmlns:mc="http://schemas.openxmlformats.org/markup-compatibility/2006" xmlns:mv="urn:schemas-microsoft-com:mac:vml" xmlns:p="http://schemas.openxmlformats.org/presentationml/2006/main" xmlns:c="http://schemas.openxmlformats.org/drawingml/2006/chart" xmlns:dgm="http://schemas.openxmlformats.org/drawingml/2006/diagram" xmlns:o="urn:schemas-microsoft-com:office:office" xmlns:v="urn:schemas-microsoft-com:vml" xmlns:pvml="urn:schemas-microsoft-com:office:powerpoint" xmlns:com="http://schemas.openxmlformats.org/drawingml/2006/compatibility" xmlns:p14="http://schemas.microsoft.com/office/powerpoint/2010/main" xmlns:p15="http://schemas.microsoft.com/office/powerpoint/2012/main" xmlns:ahyp="http://schemas.microsoft.com/office/drawing/2018/hyperlinkcolor" matchingName="Big number">
+<p:sldLayout xmlns:a="http://schemas.openxmlformats.org/drawingml/2006/main" xmlns:r="http://schemas.openxmlformats.org/officeDocument/2006/relationships" xmlns:p="http://schemas.openxmlformats.org/presentationml/2006/main" matchingName="Big number">
   <p:cSld name="BIG_NUMBER">
     <p:spTree>
       <p:nvGrpSpPr>
-        <p:cNvPr id="105" name="Shape 105"/>
+        <p:cNvPr id="1" name="Shape 105"/>
         <p:cNvGrpSpPr/>
         <p:nvPr/>
       </p:nvGrpSpPr>
@@ -2170,7 +2550,7 @@
             </a:xfrm>
             <a:prstGeom prst="diagStripe">
               <a:avLst>
-                <a:gd fmla="val 49469" name="adj"/>
+                <a:gd name="adj" fmla="val 49469"/>
               </a:avLst>
             </a:prstGeom>
             <a:solidFill>
@@ -2183,12 +2563,12 @@
             </a:ln>
           </p:spPr>
           <p:txBody>
-            <a:bodyPr anchorCtr="0" anchor="ctr" bIns="91425" lIns="91425" spcFirstLastPara="1" rIns="91425" wrap="square" tIns="91425">
+            <a:bodyPr spcFirstLastPara="1" wrap="square" lIns="91425" tIns="91425" rIns="91425" bIns="91425" anchor="ctr" anchorCtr="0">
               <a:noAutofit/>
             </a:bodyPr>
             <a:lstStyle/>
             <a:p>
-              <a:pPr indent="0" lvl="0" marL="0" rtl="0" algn="l">
+              <a:pPr marL="0" lvl="0" indent="0" algn="l" rtl="0">
                 <a:spcBef>
                   <a:spcPts val="0"/>
                 </a:spcBef>
@@ -2197,9 +2577,6 @@
                 </a:spcAft>
                 <a:buNone/>
               </a:pPr>
-              <a:r>
-                <a:t/>
-              </a:r>
               <a:endParaRPr/>
             </a:p>
           </p:txBody>
@@ -2217,7 +2594,7 @@
             </a:xfrm>
             <a:prstGeom prst="diagStripe">
               <a:avLst>
-                <a:gd fmla="val 0" name="adj"/>
+                <a:gd name="adj" fmla="val 0"/>
               </a:avLst>
             </a:prstGeom>
             <a:solidFill>
@@ -2230,12 +2607,12 @@
             </a:ln>
           </p:spPr>
           <p:txBody>
-            <a:bodyPr anchorCtr="0" anchor="ctr" bIns="91425" lIns="91425" spcFirstLastPara="1" rIns="91425" wrap="square" tIns="91425">
+            <a:bodyPr spcFirstLastPara="1" wrap="square" lIns="91425" tIns="91425" rIns="91425" bIns="91425" anchor="ctr" anchorCtr="0">
               <a:noAutofit/>
             </a:bodyPr>
             <a:lstStyle/>
             <a:p>
-              <a:pPr indent="0" lvl="0" marL="0" rtl="0" algn="l">
+              <a:pPr marL="0" lvl="0" indent="0" algn="l" rtl="0">
                 <a:spcBef>
                   <a:spcPts val="0"/>
                 </a:spcBef>
@@ -2244,9 +2621,6 @@
                 </a:spcAft>
                 <a:buNone/>
               </a:pPr>
-              <a:r>
-                <a:t/>
-              </a:r>
               <a:endParaRPr/>
             </a:p>
           </p:txBody>
@@ -2264,7 +2638,7 @@
             </a:xfrm>
             <a:prstGeom prst="diagStripe">
               <a:avLst>
-                <a:gd fmla="val 50000" name="adj"/>
+                <a:gd name="adj" fmla="val 50000"/>
               </a:avLst>
             </a:prstGeom>
             <a:solidFill>
@@ -2277,12 +2651,12 @@
             </a:ln>
           </p:spPr>
           <p:txBody>
-            <a:bodyPr anchorCtr="0" anchor="ctr" bIns="91425" lIns="91425" spcFirstLastPara="1" rIns="91425" wrap="square" tIns="91425">
+            <a:bodyPr spcFirstLastPara="1" wrap="square" lIns="91425" tIns="91425" rIns="91425" bIns="91425" anchor="ctr" anchorCtr="0">
               <a:noAutofit/>
             </a:bodyPr>
             <a:lstStyle/>
             <a:p>
-              <a:pPr indent="0" lvl="0" marL="0" rtl="0" algn="l">
+              <a:pPr marL="0" lvl="0" indent="0" algn="l" rtl="0">
                 <a:spcBef>
                   <a:spcPts val="0"/>
                 </a:spcBef>
@@ -2291,9 +2665,6 @@
                 </a:spcAft>
                 <a:buNone/>
               </a:pPr>
-              <a:r>
-                <a:t/>
-              </a:r>
               <a:endParaRPr/>
             </a:p>
           </p:txBody>
@@ -2311,7 +2682,7 @@
             </a:xfrm>
             <a:prstGeom prst="diagStripe">
               <a:avLst>
-                <a:gd fmla="val 50000" name="adj"/>
+                <a:gd name="adj" fmla="val 50000"/>
               </a:avLst>
             </a:prstGeom>
             <a:solidFill>
@@ -2324,12 +2695,12 @@
             </a:ln>
           </p:spPr>
           <p:txBody>
-            <a:bodyPr anchorCtr="0" anchor="ctr" bIns="91425" lIns="91425" spcFirstLastPara="1" rIns="91425" wrap="square" tIns="91425">
+            <a:bodyPr spcFirstLastPara="1" wrap="square" lIns="91425" tIns="91425" rIns="91425" bIns="91425" anchor="ctr" anchorCtr="0">
               <a:noAutofit/>
             </a:bodyPr>
             <a:lstStyle/>
             <a:p>
-              <a:pPr indent="0" lvl="0" marL="0" rtl="0" algn="l">
+              <a:pPr marL="0" lvl="0" indent="0" algn="l" rtl="0">
                 <a:spcBef>
                   <a:spcPts val="0"/>
                 </a:spcBef>
@@ -2338,9 +2709,6 @@
                 </a:spcAft>
                 <a:buNone/>
               </a:pPr>
-              <a:r>
-                <a:t/>
-              </a:r>
               <a:endParaRPr/>
             </a:p>
           </p:txBody>
@@ -2358,7 +2726,7 @@
             </a:xfrm>
             <a:prstGeom prst="diagStripe">
               <a:avLst>
-                <a:gd fmla="val 50000" name="adj"/>
+                <a:gd name="adj" fmla="val 50000"/>
               </a:avLst>
             </a:prstGeom>
             <a:solidFill>
@@ -2371,12 +2739,12 @@
             </a:ln>
           </p:spPr>
           <p:txBody>
-            <a:bodyPr anchorCtr="0" anchor="ctr" bIns="91425" lIns="91425" spcFirstLastPara="1" rIns="91425" wrap="square" tIns="91425">
+            <a:bodyPr spcFirstLastPara="1" wrap="square" lIns="91425" tIns="91425" rIns="91425" bIns="91425" anchor="ctr" anchorCtr="0">
               <a:noAutofit/>
             </a:bodyPr>
             <a:lstStyle/>
             <a:p>
-              <a:pPr indent="0" lvl="0" marL="0" rtl="0" algn="l">
+              <a:pPr marL="0" lvl="0" indent="0" algn="l" rtl="0">
                 <a:spcBef>
                   <a:spcPts val="0"/>
                 </a:spcBef>
@@ -2385,9 +2753,6 @@
                 </a:spcAft>
                 <a:buNone/>
               </a:pPr>
-              <a:r>
-                <a:t/>
-              </a:r>
               <a:endParaRPr/>
             </a:p>
           </p:txBody>
@@ -2405,7 +2770,7 @@
             </a:xfrm>
             <a:prstGeom prst="diagStripe">
               <a:avLst>
-                <a:gd fmla="val 50000" name="adj"/>
+                <a:gd name="adj" fmla="val 50000"/>
               </a:avLst>
             </a:prstGeom>
             <a:solidFill>
@@ -2418,12 +2783,12 @@
             </a:ln>
           </p:spPr>
           <p:txBody>
-            <a:bodyPr anchorCtr="0" anchor="ctr" bIns="91425" lIns="91425" spcFirstLastPara="1" rIns="91425" wrap="square" tIns="91425">
+            <a:bodyPr spcFirstLastPara="1" wrap="square" lIns="91425" tIns="91425" rIns="91425" bIns="91425" anchor="ctr" anchorCtr="0">
               <a:noAutofit/>
             </a:bodyPr>
             <a:lstStyle/>
             <a:p>
-              <a:pPr indent="0" lvl="0" marL="0" rtl="0" algn="l">
+              <a:pPr marL="0" lvl="0" indent="0" algn="l" rtl="0">
                 <a:spcBef>
                   <a:spcPts val="0"/>
                 </a:spcBef>
@@ -2432,9 +2797,6 @@
                 </a:spcAft>
                 <a:buNone/>
               </a:pPr>
-              <a:r>
-                <a:t/>
-              </a:r>
               <a:endParaRPr/>
             </a:p>
           </p:txBody>
@@ -2452,7 +2814,7 @@
             </a:xfrm>
             <a:prstGeom prst="diagStripe">
               <a:avLst>
-                <a:gd fmla="val 50000" name="adj"/>
+                <a:gd name="adj" fmla="val 50000"/>
               </a:avLst>
             </a:prstGeom>
             <a:solidFill>
@@ -2465,12 +2827,12 @@
             </a:ln>
           </p:spPr>
           <p:txBody>
-            <a:bodyPr anchorCtr="0" anchor="ctr" bIns="91425" lIns="91425" spcFirstLastPara="1" rIns="91425" wrap="square" tIns="91425">
+            <a:bodyPr spcFirstLastPara="1" wrap="square" lIns="91425" tIns="91425" rIns="91425" bIns="91425" anchor="ctr" anchorCtr="0">
               <a:noAutofit/>
             </a:bodyPr>
             <a:lstStyle/>
             <a:p>
-              <a:pPr indent="0" lvl="0" marL="0" rtl="0" algn="l">
+              <a:pPr marL="0" lvl="0" indent="0" algn="l" rtl="0">
                 <a:spcBef>
                   <a:spcPts val="0"/>
                 </a:spcBef>
@@ -2479,9 +2841,6 @@
                 </a:spcAft>
                 <a:buNone/>
               </a:pPr>
-              <a:r>
-                <a:t/>
-              </a:r>
               <a:endParaRPr/>
             </a:p>
           </p:txBody>
@@ -2499,7 +2858,7 @@
             </a:xfrm>
             <a:prstGeom prst="diagStripe">
               <a:avLst>
-                <a:gd fmla="val 50000" name="adj"/>
+                <a:gd name="adj" fmla="val 50000"/>
               </a:avLst>
             </a:prstGeom>
             <a:solidFill>
@@ -2510,12 +2869,12 @@
             </a:ln>
           </p:spPr>
           <p:txBody>
-            <a:bodyPr anchorCtr="0" anchor="ctr" bIns="91425" lIns="91425" spcFirstLastPara="1" rIns="91425" wrap="square" tIns="91425">
+            <a:bodyPr spcFirstLastPara="1" wrap="square" lIns="91425" tIns="91425" rIns="91425" bIns="91425" anchor="ctr" anchorCtr="0">
               <a:noAutofit/>
             </a:bodyPr>
             <a:lstStyle/>
             <a:p>
-              <a:pPr indent="0" lvl="0" marL="0" rtl="0" algn="l">
+              <a:pPr marL="0" lvl="0" indent="0" algn="l" rtl="0">
                 <a:spcBef>
                   <a:spcPts val="0"/>
                 </a:spcBef>
@@ -2524,9 +2883,6 @@
                 </a:spcAft>
                 <a:buNone/>
               </a:pPr>
-              <a:r>
-                <a:t/>
-              </a:r>
               <a:endParaRPr/>
             </a:p>
           </p:txBody>
@@ -2544,7 +2900,7 @@
             </a:xfrm>
             <a:prstGeom prst="diagStripe">
               <a:avLst>
-                <a:gd fmla="val 50000" name="adj"/>
+                <a:gd name="adj" fmla="val 50000"/>
               </a:avLst>
             </a:prstGeom>
             <a:solidFill>
@@ -2557,12 +2913,12 @@
             </a:ln>
           </p:spPr>
           <p:txBody>
-            <a:bodyPr anchorCtr="0" anchor="ctr" bIns="91425" lIns="91425" spcFirstLastPara="1" rIns="91425" wrap="square" tIns="91425">
+            <a:bodyPr spcFirstLastPara="1" wrap="square" lIns="91425" tIns="91425" rIns="91425" bIns="91425" anchor="ctr" anchorCtr="0">
               <a:noAutofit/>
             </a:bodyPr>
             <a:lstStyle/>
             <a:p>
-              <a:pPr indent="0" lvl="0" marL="0" rtl="0" algn="l">
+              <a:pPr marL="0" lvl="0" indent="0" algn="l" rtl="0">
                 <a:spcBef>
                   <a:spcPts val="0"/>
                 </a:spcBef>
@@ -2571,9 +2927,6 @@
                 </a:spcAft>
                 <a:buNone/>
               </a:pPr>
-              <a:r>
-                <a:t/>
-              </a:r>
               <a:endParaRPr/>
             </a:p>
           </p:txBody>
@@ -2591,7 +2944,7 @@
             </a:xfrm>
             <a:prstGeom prst="diagStripe">
               <a:avLst>
-                <a:gd fmla="val 50000" name="adj"/>
+                <a:gd name="adj" fmla="val 50000"/>
               </a:avLst>
             </a:prstGeom>
             <a:solidFill>
@@ -2604,12 +2957,12 @@
             </a:ln>
           </p:spPr>
           <p:txBody>
-            <a:bodyPr anchorCtr="0" anchor="ctr" bIns="91425" lIns="91425" spcFirstLastPara="1" rIns="91425" wrap="square" tIns="91425">
+            <a:bodyPr spcFirstLastPara="1" wrap="square" lIns="91425" tIns="91425" rIns="91425" bIns="91425" anchor="ctr" anchorCtr="0">
               <a:noAutofit/>
             </a:bodyPr>
             <a:lstStyle/>
             <a:p>
-              <a:pPr indent="0" lvl="0" marL="0" rtl="0" algn="l">
+              <a:pPr marL="0" lvl="0" indent="0" algn="l" rtl="0">
                 <a:spcBef>
                   <a:spcPts val="0"/>
                 </a:spcBef>
@@ -2618,9 +2971,6 @@
                 </a:spcAft>
                 <a:buNone/>
               </a:pPr>
-              <a:r>
-                <a:t/>
-              </a:r>
               <a:endParaRPr/>
             </a:p>
           </p:txBody>
@@ -2638,7 +2988,7 @@
             </a:xfrm>
             <a:prstGeom prst="diagStripe">
               <a:avLst>
-                <a:gd fmla="val 50000" name="adj"/>
+                <a:gd name="adj" fmla="val 50000"/>
               </a:avLst>
             </a:prstGeom>
             <a:solidFill>
@@ -2651,12 +3001,12 @@
             </a:ln>
           </p:spPr>
           <p:txBody>
-            <a:bodyPr anchorCtr="0" anchor="ctr" bIns="91425" lIns="91425" spcFirstLastPara="1" rIns="91425" wrap="square" tIns="91425">
+            <a:bodyPr spcFirstLastPara="1" wrap="square" lIns="91425" tIns="91425" rIns="91425" bIns="91425" anchor="ctr" anchorCtr="0">
               <a:noAutofit/>
             </a:bodyPr>
             <a:lstStyle/>
             <a:p>
-              <a:pPr indent="0" lvl="0" marL="0" rtl="0" algn="l">
+              <a:pPr marL="0" lvl="0" indent="0" algn="l" rtl="0">
                 <a:spcBef>
                   <a:spcPts val="0"/>
                 </a:spcBef>
@@ -2665,9 +3015,6 @@
                 </a:spcAft>
                 <a:buNone/>
               </a:pPr>
-              <a:r>
-                <a:t/>
-              </a:r>
               <a:endParaRPr/>
             </a:p>
           </p:txBody>
@@ -2685,7 +3032,7 @@
             </a:xfrm>
             <a:prstGeom prst="diagStripe">
               <a:avLst>
-                <a:gd fmla="val 50000" name="adj"/>
+                <a:gd name="adj" fmla="val 50000"/>
               </a:avLst>
             </a:prstGeom>
             <a:solidFill>
@@ -2698,12 +3045,12 @@
             </a:ln>
           </p:spPr>
           <p:txBody>
-            <a:bodyPr anchorCtr="0" anchor="ctr" bIns="91425" lIns="91425" spcFirstLastPara="1" rIns="91425" wrap="square" tIns="91425">
+            <a:bodyPr spcFirstLastPara="1" wrap="square" lIns="91425" tIns="91425" rIns="91425" bIns="91425" anchor="ctr" anchorCtr="0">
               <a:noAutofit/>
             </a:bodyPr>
             <a:lstStyle/>
             <a:p>
-              <a:pPr indent="0" lvl="0" marL="0" rtl="0" algn="l">
+              <a:pPr marL="0" lvl="0" indent="0" algn="l" rtl="0">
                 <a:spcBef>
                   <a:spcPts val="0"/>
                 </a:spcBef>
@@ -2712,9 +3059,6 @@
                 </a:spcAft>
                 <a:buNone/>
               </a:pPr>
-              <a:r>
-                <a:t/>
-              </a:r>
               <a:endParaRPr/>
             </a:p>
           </p:txBody>
@@ -2732,7 +3076,7 @@
             </a:xfrm>
             <a:prstGeom prst="diagStripe">
               <a:avLst>
-                <a:gd fmla="val 50000" name="adj"/>
+                <a:gd name="adj" fmla="val 50000"/>
               </a:avLst>
             </a:prstGeom>
             <a:solidFill>
@@ -2745,12 +3089,12 @@
             </a:ln>
           </p:spPr>
           <p:txBody>
-            <a:bodyPr anchorCtr="0" anchor="ctr" bIns="91425" lIns="91425" spcFirstLastPara="1" rIns="91425" wrap="square" tIns="91425">
+            <a:bodyPr spcFirstLastPara="1" wrap="square" lIns="91425" tIns="91425" rIns="91425" bIns="91425" anchor="ctr" anchorCtr="0">
               <a:noAutofit/>
             </a:bodyPr>
             <a:lstStyle/>
             <a:p>
-              <a:pPr indent="0" lvl="0" marL="0" rtl="0" algn="l">
+              <a:pPr marL="0" lvl="0" indent="0" algn="l" rtl="0">
                 <a:spcBef>
                   <a:spcPts val="0"/>
                 </a:spcBef>
@@ -2759,9 +3103,6 @@
                 </a:spcAft>
                 <a:buNone/>
               </a:pPr>
-              <a:r>
-                <a:t/>
-              </a:r>
               <a:endParaRPr/>
             </a:p>
           </p:txBody>
@@ -2779,7 +3120,7 @@
             </a:xfrm>
             <a:prstGeom prst="diagStripe">
               <a:avLst>
-                <a:gd fmla="val 50000" name="adj"/>
+                <a:gd name="adj" fmla="val 50000"/>
               </a:avLst>
             </a:prstGeom>
             <a:solidFill>
@@ -2790,12 +3131,12 @@
             </a:ln>
           </p:spPr>
           <p:txBody>
-            <a:bodyPr anchorCtr="0" anchor="ctr" bIns="91425" lIns="91425" spcFirstLastPara="1" rIns="91425" wrap="square" tIns="91425">
+            <a:bodyPr spcFirstLastPara="1" wrap="square" lIns="91425" tIns="91425" rIns="91425" bIns="91425" anchor="ctr" anchorCtr="0">
               <a:noAutofit/>
             </a:bodyPr>
             <a:lstStyle/>
             <a:p>
-              <a:pPr indent="0" lvl="0" marL="0" rtl="0" algn="l">
+              <a:pPr marL="0" lvl="0" indent="0" algn="l" rtl="0">
                 <a:spcBef>
                   <a:spcPts val="0"/>
                 </a:spcBef>
@@ -2804,9 +3145,6 @@
                 </a:spcAft>
                 <a:buNone/>
               </a:pPr>
-              <a:r>
-                <a:t/>
-              </a:r>
               <a:endParaRPr/>
             </a:p>
           </p:txBody>
@@ -2824,7 +3162,7 @@
             </a:xfrm>
             <a:prstGeom prst="diagStripe">
               <a:avLst>
-                <a:gd fmla="val 50000" name="adj"/>
+                <a:gd name="adj" fmla="val 50000"/>
               </a:avLst>
             </a:prstGeom>
             <a:solidFill>
@@ -2837,12 +3175,12 @@
             </a:ln>
           </p:spPr>
           <p:txBody>
-            <a:bodyPr anchorCtr="0" anchor="ctr" bIns="91425" lIns="91425" spcFirstLastPara="1" rIns="91425" wrap="square" tIns="91425">
+            <a:bodyPr spcFirstLastPara="1" wrap="square" lIns="91425" tIns="91425" rIns="91425" bIns="91425" anchor="ctr" anchorCtr="0">
               <a:noAutofit/>
             </a:bodyPr>
             <a:lstStyle/>
             <a:p>
-              <a:pPr indent="0" lvl="0" marL="0" rtl="0" algn="l">
+              <a:pPr marL="0" lvl="0" indent="0" algn="l" rtl="0">
                 <a:spcBef>
                   <a:spcPts val="0"/>
                 </a:spcBef>
@@ -2851,9 +3189,6 @@
                 </a:spcAft>
                 <a:buNone/>
               </a:pPr>
-              <a:r>
-                <a:t/>
-              </a:r>
               <a:endParaRPr/>
             </a:p>
           </p:txBody>
@@ -2871,7 +3206,7 @@
             </a:xfrm>
             <a:prstGeom prst="diagStripe">
               <a:avLst>
-                <a:gd fmla="val 50000" name="adj"/>
+                <a:gd name="adj" fmla="val 50000"/>
               </a:avLst>
             </a:prstGeom>
             <a:solidFill>
@@ -2884,12 +3219,12 @@
             </a:ln>
           </p:spPr>
           <p:txBody>
-            <a:bodyPr anchorCtr="0" anchor="ctr" bIns="91425" lIns="91425" spcFirstLastPara="1" rIns="91425" wrap="square" tIns="91425">
+            <a:bodyPr spcFirstLastPara="1" wrap="square" lIns="91425" tIns="91425" rIns="91425" bIns="91425" anchor="ctr" anchorCtr="0">
               <a:noAutofit/>
             </a:bodyPr>
             <a:lstStyle/>
             <a:p>
-              <a:pPr indent="0" lvl="0" marL="0" rtl="0" algn="l">
+              <a:pPr marL="0" lvl="0" indent="0" algn="l" rtl="0">
                 <a:spcBef>
                   <a:spcPts val="0"/>
                 </a:spcBef>
@@ -2898,9 +3233,6 @@
                 </a:spcAft>
                 <a:buNone/>
               </a:pPr>
-              <a:r>
-                <a:t/>
-              </a:r>
               <a:endParaRPr/>
             </a:p>
           </p:txBody>
@@ -2918,7 +3250,7 @@
             </a:xfrm>
             <a:prstGeom prst="diagStripe">
               <a:avLst>
-                <a:gd fmla="val 50000" name="adj"/>
+                <a:gd name="adj" fmla="val 50000"/>
               </a:avLst>
             </a:prstGeom>
             <a:solidFill>
@@ -2931,12 +3263,12 @@
             </a:ln>
           </p:spPr>
           <p:txBody>
-            <a:bodyPr anchorCtr="0" anchor="ctr" bIns="91425" lIns="91425" spcFirstLastPara="1" rIns="91425" wrap="square" tIns="91425">
+            <a:bodyPr spcFirstLastPara="1" wrap="square" lIns="91425" tIns="91425" rIns="91425" bIns="91425" anchor="ctr" anchorCtr="0">
               <a:noAutofit/>
             </a:bodyPr>
             <a:lstStyle/>
             <a:p>
-              <a:pPr indent="0" lvl="0" marL="0" rtl="0" algn="l">
+              <a:pPr marL="0" lvl="0" indent="0" algn="l" rtl="0">
                 <a:spcBef>
                   <a:spcPts val="0"/>
                 </a:spcBef>
@@ -2945,9 +3277,6 @@
                 </a:spcAft>
                 <a:buNone/>
               </a:pPr>
-              <a:r>
-                <a:t/>
-              </a:r>
               <a:endParaRPr/>
             </a:p>
           </p:txBody>
@@ -2965,7 +3294,7 @@
             </a:xfrm>
             <a:prstGeom prst="diagStripe">
               <a:avLst>
-                <a:gd fmla="val 50000" name="adj"/>
+                <a:gd name="adj" fmla="val 50000"/>
               </a:avLst>
             </a:prstGeom>
             <a:solidFill>
@@ -2978,12 +3307,12 @@
             </a:ln>
           </p:spPr>
           <p:txBody>
-            <a:bodyPr anchorCtr="0" anchor="ctr" bIns="91425" lIns="91425" spcFirstLastPara="1" rIns="91425" wrap="square" tIns="91425">
+            <a:bodyPr spcFirstLastPara="1" wrap="square" lIns="91425" tIns="91425" rIns="91425" bIns="91425" anchor="ctr" anchorCtr="0">
               <a:noAutofit/>
             </a:bodyPr>
             <a:lstStyle/>
             <a:p>
-              <a:pPr indent="0" lvl="0" marL="0" rtl="0" algn="l">
+              <a:pPr marL="0" lvl="0" indent="0" algn="l" rtl="0">
                 <a:spcBef>
                   <a:spcPts val="0"/>
                 </a:spcBef>
@@ -2992,9 +3321,6 @@
                 </a:spcAft>
                 <a:buNone/>
               </a:pPr>
-              <a:r>
-                <a:t/>
-              </a:r>
               <a:endParaRPr/>
             </a:p>
           </p:txBody>
@@ -3003,9 +3329,11 @@
       <p:sp>
         <p:nvSpPr>
           <p:cNvPr id="125" name="Google Shape;125;p11"/>
-          <p:cNvSpPr txBox="1"/>
+          <p:cNvSpPr txBox="1">
+            <a:spLocks noGrp="1"/>
+          </p:cNvSpPr>
           <p:nvPr>
-            <p:ph hasCustomPrompt="1" type="title"/>
+            <p:ph type="title" hasCustomPrompt="1"/>
           </p:nvPr>
         </p:nvSpPr>
         <p:spPr>
@@ -3018,7 +3346,7 @@
           </a:prstGeom>
         </p:spPr>
         <p:txBody>
-          <a:bodyPr anchorCtr="0" anchor="t" bIns="91425" lIns="91425" spcFirstLastPara="1" rIns="91425" wrap="square" tIns="91425">
+          <a:bodyPr spcFirstLastPara="1" wrap="square" lIns="91425" tIns="91425" rIns="91425" bIns="91425" anchor="t" anchorCtr="0">
             <a:noAutofit/>
           </a:bodyPr>
           <a:lstStyle>
@@ -3132,9 +3460,11 @@
       <p:sp>
         <p:nvSpPr>
           <p:cNvPr id="126" name="Google Shape;126;p11"/>
-          <p:cNvSpPr txBox="1"/>
+          <p:cNvSpPr txBox="1">
+            <a:spLocks noGrp="1"/>
+          </p:cNvSpPr>
           <p:nvPr>
-            <p:ph idx="1" type="body"/>
+            <p:ph type="body" idx="1"/>
           </p:nvPr>
         </p:nvSpPr>
         <p:spPr>
@@ -3147,11 +3477,11 @@
           </a:prstGeom>
         </p:spPr>
         <p:txBody>
-          <a:bodyPr anchorCtr="0" anchor="t" bIns="91425" lIns="91425" spcFirstLastPara="1" rIns="91425" wrap="square" tIns="91425">
+          <a:bodyPr spcFirstLastPara="1" wrap="square" lIns="91425" tIns="91425" rIns="91425" bIns="91425" anchor="t" anchorCtr="0">
             <a:noAutofit/>
           </a:bodyPr>
           <a:lstStyle>
-            <a:lvl1pPr indent="-311150" lvl="0" marL="457200">
+            <a:lvl1pPr marL="457200" lvl="0" indent="-311150">
               <a:spcBef>
                 <a:spcPts val="0"/>
               </a:spcBef>
@@ -3162,7 +3492,7 @@
               <a:buChar char="●"/>
               <a:defRPr/>
             </a:lvl1pPr>
-            <a:lvl2pPr indent="-298450" lvl="1" marL="914400">
+            <a:lvl2pPr marL="914400" lvl="1" indent="-298450">
               <a:spcBef>
                 <a:spcPts val="1600"/>
               </a:spcBef>
@@ -3173,7 +3503,7 @@
               <a:buChar char="○"/>
               <a:defRPr/>
             </a:lvl2pPr>
-            <a:lvl3pPr indent="-298450" lvl="2" marL="1371600">
+            <a:lvl3pPr marL="1371600" lvl="2" indent="-298450">
               <a:spcBef>
                 <a:spcPts val="1600"/>
               </a:spcBef>
@@ -3184,7 +3514,7 @@
               <a:buChar char="■"/>
               <a:defRPr/>
             </a:lvl3pPr>
-            <a:lvl4pPr indent="-298450" lvl="3" marL="1828800">
+            <a:lvl4pPr marL="1828800" lvl="3" indent="-298450">
               <a:spcBef>
                 <a:spcPts val="1600"/>
               </a:spcBef>
@@ -3195,7 +3525,7 @@
               <a:buChar char="●"/>
               <a:defRPr/>
             </a:lvl4pPr>
-            <a:lvl5pPr indent="-298450" lvl="4" marL="2286000">
+            <a:lvl5pPr marL="2286000" lvl="4" indent="-298450">
               <a:spcBef>
                 <a:spcPts val="1600"/>
               </a:spcBef>
@@ -3206,7 +3536,7 @@
               <a:buChar char="○"/>
               <a:defRPr/>
             </a:lvl5pPr>
-            <a:lvl6pPr indent="-298450" lvl="5" marL="2743200">
+            <a:lvl6pPr marL="2743200" lvl="5" indent="-298450">
               <a:spcBef>
                 <a:spcPts val="1600"/>
               </a:spcBef>
@@ -3217,7 +3547,7 @@
               <a:buChar char="■"/>
               <a:defRPr/>
             </a:lvl6pPr>
-            <a:lvl7pPr indent="-298450" lvl="6" marL="3200400">
+            <a:lvl7pPr marL="3200400" lvl="6" indent="-298450">
               <a:spcBef>
                 <a:spcPts val="1600"/>
               </a:spcBef>
@@ -3228,7 +3558,7 @@
               <a:buChar char="●"/>
               <a:defRPr/>
             </a:lvl7pPr>
-            <a:lvl8pPr indent="-298450" lvl="7" marL="3657600">
+            <a:lvl8pPr marL="3657600" lvl="7" indent="-298450">
               <a:spcBef>
                 <a:spcPts val="1600"/>
               </a:spcBef>
@@ -3239,7 +3569,7 @@
               <a:buChar char="○"/>
               <a:defRPr/>
             </a:lvl8pPr>
-            <a:lvl9pPr indent="-298450" lvl="8" marL="4114800">
+            <a:lvl9pPr marL="4114800" lvl="8" indent="-298450">
               <a:spcBef>
                 <a:spcPts val="1600"/>
               </a:spcBef>
@@ -3251,15 +3581,19 @@
               <a:defRPr/>
             </a:lvl9pPr>
           </a:lstStyle>
-          <a:p/>
+          <a:p>
+            <a:endParaRPr/>
+          </a:p>
         </p:txBody>
       </p:sp>
       <p:sp>
         <p:nvSpPr>
           <p:cNvPr id="127" name="Google Shape;127;p11"/>
-          <p:cNvSpPr txBox="1"/>
+          <p:cNvSpPr txBox="1">
+            <a:spLocks noGrp="1"/>
+          </p:cNvSpPr>
           <p:nvPr>
-            <p:ph idx="12" type="sldNum"/>
+            <p:ph type="sldNum" idx="12"/>
           </p:nvPr>
         </p:nvSpPr>
         <p:spPr>
@@ -3272,7 +3606,7 @@
           </a:prstGeom>
         </p:spPr>
         <p:txBody>
-          <a:bodyPr anchorCtr="0" anchor="ctr" bIns="91425" lIns="91425" spcFirstLastPara="1" rIns="91425" wrap="square" tIns="91425">
+          <a:bodyPr spcFirstLastPara="1" wrap="square" lIns="91425" tIns="91425" rIns="91425" bIns="91425" anchor="ctr" anchorCtr="0">
             <a:noAutofit/>
           </a:bodyPr>
           <a:lstStyle>
@@ -3314,7 +3648,7 @@
             </a:lvl9pPr>
           </a:lstStyle>
           <a:p>
-            <a:pPr indent="0" lvl="0" marL="0" rtl="0" algn="r">
+            <a:pPr marL="0" lvl="0" indent="0" algn="r" rtl="0">
               <a:spcBef>
                 <a:spcPts val="0"/>
               </a:spcBef>
@@ -3340,11 +3674,11 @@
 </file>
 
 <file path=ppt/slideLayouts/slideLayout11.xml><?xml version="1.0" encoding="utf-8"?>
-<p:sldLayout xmlns:a="http://schemas.openxmlformats.org/drawingml/2006/main" xmlns:r="http://schemas.openxmlformats.org/officeDocument/2006/relationships" xmlns:mc="http://schemas.openxmlformats.org/markup-compatibility/2006" xmlns:mv="urn:schemas-microsoft-com:mac:vml" xmlns:p="http://schemas.openxmlformats.org/presentationml/2006/main" xmlns:c="http://schemas.openxmlformats.org/drawingml/2006/chart" xmlns:dgm="http://schemas.openxmlformats.org/drawingml/2006/diagram" xmlns:o="urn:schemas-microsoft-com:office:office" xmlns:v="urn:schemas-microsoft-com:vml" xmlns:pvml="urn:schemas-microsoft-com:office:powerpoint" xmlns:com="http://schemas.openxmlformats.org/drawingml/2006/compatibility" xmlns:p14="http://schemas.microsoft.com/office/powerpoint/2010/main" xmlns:p15="http://schemas.microsoft.com/office/powerpoint/2012/main" xmlns:ahyp="http://schemas.microsoft.com/office/drawing/2018/hyperlinkcolor" matchingName="Blank" type="blank">
+<p:sldLayout xmlns:a="http://schemas.openxmlformats.org/drawingml/2006/main" xmlns:r="http://schemas.openxmlformats.org/officeDocument/2006/relationships" xmlns:p="http://schemas.openxmlformats.org/presentationml/2006/main" matchingName="Blank" type="blank">
   <p:cSld name="BLANK">
     <p:spTree>
       <p:nvGrpSpPr>
-        <p:cNvPr id="128" name="Shape 128"/>
+        <p:cNvPr id="1" name="Shape 128"/>
         <p:cNvGrpSpPr/>
         <p:nvPr/>
       </p:nvGrpSpPr>
@@ -3359,9 +3693,11 @@
       <p:sp>
         <p:nvSpPr>
           <p:cNvPr id="129" name="Google Shape;129;p12"/>
-          <p:cNvSpPr txBox="1"/>
+          <p:cNvSpPr txBox="1">
+            <a:spLocks noGrp="1"/>
+          </p:cNvSpPr>
           <p:nvPr>
-            <p:ph idx="12" type="sldNum"/>
+            <p:ph type="sldNum" idx="12"/>
           </p:nvPr>
         </p:nvSpPr>
         <p:spPr>
@@ -3374,7 +3710,7 @@
           </a:prstGeom>
         </p:spPr>
         <p:txBody>
-          <a:bodyPr anchorCtr="0" anchor="ctr" bIns="91425" lIns="91425" spcFirstLastPara="1" rIns="91425" wrap="square" tIns="91425">
+          <a:bodyPr spcFirstLastPara="1" wrap="square" lIns="91425" tIns="91425" rIns="91425" bIns="91425" anchor="ctr" anchorCtr="0">
             <a:noAutofit/>
           </a:bodyPr>
           <a:lstStyle>
@@ -3416,7 +3752,7 @@
             </a:lvl9pPr>
           </a:lstStyle>
           <a:p>
-            <a:pPr indent="0" lvl="0" marL="0" rtl="0" algn="r">
+            <a:pPr marL="0" lvl="0" indent="0" algn="r" rtl="0">
               <a:spcBef>
                 <a:spcPts val="0"/>
               </a:spcBef>
@@ -3442,11 +3778,11 @@
 </file>
 
 <file path=ppt/slideLayouts/slideLayout2.xml><?xml version="1.0" encoding="utf-8"?>
-<p:sldLayout xmlns:a="http://schemas.openxmlformats.org/drawingml/2006/main" xmlns:r="http://schemas.openxmlformats.org/officeDocument/2006/relationships" xmlns:mc="http://schemas.openxmlformats.org/markup-compatibility/2006" xmlns:mv="urn:schemas-microsoft-com:mac:vml" xmlns:p="http://schemas.openxmlformats.org/presentationml/2006/main" xmlns:c="http://schemas.openxmlformats.org/drawingml/2006/chart" xmlns:dgm="http://schemas.openxmlformats.org/drawingml/2006/diagram" xmlns:o="urn:schemas-microsoft-com:office:office" xmlns:v="urn:schemas-microsoft-com:vml" xmlns:pvml="urn:schemas-microsoft-com:office:powerpoint" xmlns:com="http://schemas.openxmlformats.org/drawingml/2006/compatibility" xmlns:p14="http://schemas.microsoft.com/office/powerpoint/2010/main" xmlns:p15="http://schemas.microsoft.com/office/powerpoint/2012/main" xmlns:ahyp="http://schemas.microsoft.com/office/drawing/2018/hyperlinkcolor" matchingName="Section header" type="secHead">
+<p:sldLayout xmlns:a="http://schemas.openxmlformats.org/drawingml/2006/main" xmlns:r="http://schemas.openxmlformats.org/officeDocument/2006/relationships" xmlns:p="http://schemas.openxmlformats.org/presentationml/2006/main" matchingName="Section header" type="secHead">
   <p:cSld name="SECTION_HEADER">
     <p:spTree>
       <p:nvGrpSpPr>
-        <p:cNvPr id="19" name="Shape 19"/>
+        <p:cNvPr id="1" name="Shape 19"/>
         <p:cNvGrpSpPr/>
         <p:nvPr/>
       </p:nvGrpSpPr>
@@ -3485,7 +3821,7 @@
             </a:xfrm>
             <a:prstGeom prst="diagStripe">
               <a:avLst>
-                <a:gd fmla="val 49469" name="adj"/>
+                <a:gd name="adj" fmla="val 49469"/>
               </a:avLst>
             </a:prstGeom>
             <a:solidFill>
@@ -3498,12 +3834,12 @@
             </a:ln>
           </p:spPr>
           <p:txBody>
-            <a:bodyPr anchorCtr="0" anchor="ctr" bIns="91425" lIns="91425" spcFirstLastPara="1" rIns="91425" wrap="square" tIns="91425">
+            <a:bodyPr spcFirstLastPara="1" wrap="square" lIns="91425" tIns="91425" rIns="91425" bIns="91425" anchor="ctr" anchorCtr="0">
               <a:noAutofit/>
             </a:bodyPr>
             <a:lstStyle/>
             <a:p>
-              <a:pPr indent="0" lvl="0" marL="0" rtl="0" algn="l">
+              <a:pPr marL="0" lvl="0" indent="0" algn="l" rtl="0">
                 <a:spcBef>
                   <a:spcPts val="0"/>
                 </a:spcBef>
@@ -3512,9 +3848,6 @@
                 </a:spcAft>
                 <a:buNone/>
               </a:pPr>
-              <a:r>
-                <a:t/>
-              </a:r>
               <a:endParaRPr/>
             </a:p>
           </p:txBody>
@@ -3532,7 +3865,7 @@
             </a:xfrm>
             <a:prstGeom prst="diagStripe">
               <a:avLst>
-                <a:gd fmla="val 0" name="adj"/>
+                <a:gd name="adj" fmla="val 0"/>
               </a:avLst>
             </a:prstGeom>
             <a:solidFill>
@@ -3545,12 +3878,12 @@
             </a:ln>
           </p:spPr>
           <p:txBody>
-            <a:bodyPr anchorCtr="0" anchor="ctr" bIns="91425" lIns="91425" spcFirstLastPara="1" rIns="91425" wrap="square" tIns="91425">
+            <a:bodyPr spcFirstLastPara="1" wrap="square" lIns="91425" tIns="91425" rIns="91425" bIns="91425" anchor="ctr" anchorCtr="0">
               <a:noAutofit/>
             </a:bodyPr>
             <a:lstStyle/>
             <a:p>
-              <a:pPr indent="0" lvl="0" marL="0" rtl="0" algn="l">
+              <a:pPr marL="0" lvl="0" indent="0" algn="l" rtl="0">
                 <a:spcBef>
                   <a:spcPts val="0"/>
                 </a:spcBef>
@@ -3559,9 +3892,6 @@
                 </a:spcAft>
                 <a:buNone/>
               </a:pPr>
-              <a:r>
-                <a:t/>
-              </a:r>
               <a:endParaRPr/>
             </a:p>
           </p:txBody>
@@ -3579,7 +3909,7 @@
             </a:xfrm>
             <a:prstGeom prst="diagStripe">
               <a:avLst>
-                <a:gd fmla="val 50000" name="adj"/>
+                <a:gd name="adj" fmla="val 50000"/>
               </a:avLst>
             </a:prstGeom>
             <a:solidFill>
@@ -3592,12 +3922,12 @@
             </a:ln>
           </p:spPr>
           <p:txBody>
-            <a:bodyPr anchorCtr="0" anchor="ctr" bIns="91425" lIns="91425" spcFirstLastPara="1" rIns="91425" wrap="square" tIns="91425">
+            <a:bodyPr spcFirstLastPara="1" wrap="square" lIns="91425" tIns="91425" rIns="91425" bIns="91425" anchor="ctr" anchorCtr="0">
               <a:noAutofit/>
             </a:bodyPr>
             <a:lstStyle/>
             <a:p>
-              <a:pPr indent="0" lvl="0" marL="0" rtl="0" algn="l">
+              <a:pPr marL="0" lvl="0" indent="0" algn="l" rtl="0">
                 <a:spcBef>
                   <a:spcPts val="0"/>
                 </a:spcBef>
@@ -3606,9 +3936,6 @@
                 </a:spcAft>
                 <a:buNone/>
               </a:pPr>
-              <a:r>
-                <a:t/>
-              </a:r>
               <a:endParaRPr/>
             </a:p>
           </p:txBody>
@@ -3626,7 +3953,7 @@
             </a:xfrm>
             <a:prstGeom prst="diagStripe">
               <a:avLst>
-                <a:gd fmla="val 50000" name="adj"/>
+                <a:gd name="adj" fmla="val 50000"/>
               </a:avLst>
             </a:prstGeom>
             <a:solidFill>
@@ -3639,12 +3966,12 @@
             </a:ln>
           </p:spPr>
           <p:txBody>
-            <a:bodyPr anchorCtr="0" anchor="ctr" bIns="91425" lIns="91425" spcFirstLastPara="1" rIns="91425" wrap="square" tIns="91425">
+            <a:bodyPr spcFirstLastPara="1" wrap="square" lIns="91425" tIns="91425" rIns="91425" bIns="91425" anchor="ctr" anchorCtr="0">
               <a:noAutofit/>
             </a:bodyPr>
             <a:lstStyle/>
             <a:p>
-              <a:pPr indent="0" lvl="0" marL="0" rtl="0" algn="l">
+              <a:pPr marL="0" lvl="0" indent="0" algn="l" rtl="0">
                 <a:spcBef>
                   <a:spcPts val="0"/>
                 </a:spcBef>
@@ -3653,9 +3980,6 @@
                 </a:spcAft>
                 <a:buNone/>
               </a:pPr>
-              <a:r>
-                <a:t/>
-              </a:r>
               <a:endParaRPr/>
             </a:p>
           </p:txBody>
@@ -3673,7 +3997,7 @@
             </a:xfrm>
             <a:prstGeom prst="diagStripe">
               <a:avLst>
-                <a:gd fmla="val 50000" name="adj"/>
+                <a:gd name="adj" fmla="val 50000"/>
               </a:avLst>
             </a:prstGeom>
             <a:solidFill>
@@ -3686,12 +4010,12 @@
             </a:ln>
           </p:spPr>
           <p:txBody>
-            <a:bodyPr anchorCtr="0" anchor="ctr" bIns="91425" lIns="91425" spcFirstLastPara="1" rIns="91425" wrap="square" tIns="91425">
+            <a:bodyPr spcFirstLastPara="1" wrap="square" lIns="91425" tIns="91425" rIns="91425" bIns="91425" anchor="ctr" anchorCtr="0">
               <a:noAutofit/>
             </a:bodyPr>
             <a:lstStyle/>
             <a:p>
-              <a:pPr indent="0" lvl="0" marL="0" rtl="0" algn="l">
+              <a:pPr marL="0" lvl="0" indent="0" algn="l" rtl="0">
                 <a:spcBef>
                   <a:spcPts val="0"/>
                 </a:spcBef>
@@ -3700,9 +4024,6 @@
                 </a:spcAft>
                 <a:buNone/>
               </a:pPr>
-              <a:r>
-                <a:t/>
-              </a:r>
               <a:endParaRPr/>
             </a:p>
           </p:txBody>
@@ -3720,7 +4041,7 @@
             </a:xfrm>
             <a:prstGeom prst="diagStripe">
               <a:avLst>
-                <a:gd fmla="val 50000" name="adj"/>
+                <a:gd name="adj" fmla="val 50000"/>
               </a:avLst>
             </a:prstGeom>
             <a:solidFill>
@@ -3733,12 +4054,12 @@
             </a:ln>
           </p:spPr>
           <p:txBody>
-            <a:bodyPr anchorCtr="0" anchor="ctr" bIns="91425" lIns="91425" spcFirstLastPara="1" rIns="91425" wrap="square" tIns="91425">
+            <a:bodyPr spcFirstLastPara="1" wrap="square" lIns="91425" tIns="91425" rIns="91425" bIns="91425" anchor="ctr" anchorCtr="0">
               <a:noAutofit/>
             </a:bodyPr>
             <a:lstStyle/>
             <a:p>
-              <a:pPr indent="0" lvl="0" marL="0" rtl="0" algn="l">
+              <a:pPr marL="0" lvl="0" indent="0" algn="l" rtl="0">
                 <a:spcBef>
                   <a:spcPts val="0"/>
                 </a:spcBef>
@@ -3747,9 +4068,6 @@
                 </a:spcAft>
                 <a:buNone/>
               </a:pPr>
-              <a:r>
-                <a:t/>
-              </a:r>
               <a:endParaRPr/>
             </a:p>
           </p:txBody>
@@ -3767,7 +4085,7 @@
             </a:xfrm>
             <a:prstGeom prst="diagStripe">
               <a:avLst>
-                <a:gd fmla="val 50000" name="adj"/>
+                <a:gd name="adj" fmla="val 50000"/>
               </a:avLst>
             </a:prstGeom>
             <a:solidFill>
@@ -3780,12 +4098,12 @@
             </a:ln>
           </p:spPr>
           <p:txBody>
-            <a:bodyPr anchorCtr="0" anchor="ctr" bIns="91425" lIns="91425" spcFirstLastPara="1" rIns="91425" wrap="square" tIns="91425">
+            <a:bodyPr spcFirstLastPara="1" wrap="square" lIns="91425" tIns="91425" rIns="91425" bIns="91425" anchor="ctr" anchorCtr="0">
               <a:noAutofit/>
             </a:bodyPr>
             <a:lstStyle/>
             <a:p>
-              <a:pPr indent="0" lvl="0" marL="0" rtl="0" algn="l">
+              <a:pPr marL="0" lvl="0" indent="0" algn="l" rtl="0">
                 <a:spcBef>
                   <a:spcPts val="0"/>
                 </a:spcBef>
@@ -3794,9 +4112,6 @@
                 </a:spcAft>
                 <a:buNone/>
               </a:pPr>
-              <a:r>
-                <a:t/>
-              </a:r>
               <a:endParaRPr/>
             </a:p>
           </p:txBody>
@@ -3814,7 +4129,7 @@
             </a:xfrm>
             <a:prstGeom prst="diagStripe">
               <a:avLst>
-                <a:gd fmla="val 50000" name="adj"/>
+                <a:gd name="adj" fmla="val 50000"/>
               </a:avLst>
             </a:prstGeom>
             <a:solidFill>
@@ -3825,12 +4140,12 @@
             </a:ln>
           </p:spPr>
           <p:txBody>
-            <a:bodyPr anchorCtr="0" anchor="ctr" bIns="91425" lIns="91425" spcFirstLastPara="1" rIns="91425" wrap="square" tIns="91425">
+            <a:bodyPr spcFirstLastPara="1" wrap="square" lIns="91425" tIns="91425" rIns="91425" bIns="91425" anchor="ctr" anchorCtr="0">
               <a:noAutofit/>
             </a:bodyPr>
             <a:lstStyle/>
             <a:p>
-              <a:pPr indent="0" lvl="0" marL="0" rtl="0" algn="l">
+              <a:pPr marL="0" lvl="0" indent="0" algn="l" rtl="0">
                 <a:spcBef>
                   <a:spcPts val="0"/>
                 </a:spcBef>
@@ -3839,9 +4154,6 @@
                 </a:spcAft>
                 <a:buNone/>
               </a:pPr>
-              <a:r>
-                <a:t/>
-              </a:r>
               <a:endParaRPr/>
             </a:p>
           </p:txBody>
@@ -3859,7 +4171,7 @@
             </a:xfrm>
             <a:prstGeom prst="diagStripe">
               <a:avLst>
-                <a:gd fmla="val 50000" name="adj"/>
+                <a:gd name="adj" fmla="val 50000"/>
               </a:avLst>
             </a:prstGeom>
             <a:solidFill>
@@ -3872,12 +4184,12 @@
             </a:ln>
           </p:spPr>
           <p:txBody>
-            <a:bodyPr anchorCtr="0" anchor="ctr" bIns="91425" lIns="91425" spcFirstLastPara="1" rIns="91425" wrap="square" tIns="91425">
+            <a:bodyPr spcFirstLastPara="1" wrap="square" lIns="91425" tIns="91425" rIns="91425" bIns="91425" anchor="ctr" anchorCtr="0">
               <a:noAutofit/>
             </a:bodyPr>
             <a:lstStyle/>
             <a:p>
-              <a:pPr indent="0" lvl="0" marL="0" rtl="0" algn="l">
+              <a:pPr marL="0" lvl="0" indent="0" algn="l" rtl="0">
                 <a:spcBef>
                   <a:spcPts val="0"/>
                 </a:spcBef>
@@ -3886,9 +4198,6 @@
                 </a:spcAft>
                 <a:buNone/>
               </a:pPr>
-              <a:r>
-                <a:t/>
-              </a:r>
               <a:endParaRPr/>
             </a:p>
           </p:txBody>
@@ -3906,7 +4215,7 @@
             </a:xfrm>
             <a:prstGeom prst="diagStripe">
               <a:avLst>
-                <a:gd fmla="val 50000" name="adj"/>
+                <a:gd name="adj" fmla="val 50000"/>
               </a:avLst>
             </a:prstGeom>
             <a:solidFill>
@@ -3919,12 +4228,12 @@
             </a:ln>
           </p:spPr>
           <p:txBody>
-            <a:bodyPr anchorCtr="0" anchor="ctr" bIns="91425" lIns="91425" spcFirstLastPara="1" rIns="91425" wrap="square" tIns="91425">
+            <a:bodyPr spcFirstLastPara="1" wrap="square" lIns="91425" tIns="91425" rIns="91425" bIns="91425" anchor="ctr" anchorCtr="0">
               <a:noAutofit/>
             </a:bodyPr>
             <a:lstStyle/>
             <a:p>
-              <a:pPr indent="0" lvl="0" marL="0" rtl="0" algn="l">
+              <a:pPr marL="0" lvl="0" indent="0" algn="l" rtl="0">
                 <a:spcBef>
                   <a:spcPts val="0"/>
                 </a:spcBef>
@@ -3933,9 +4242,6 @@
                 </a:spcAft>
                 <a:buNone/>
               </a:pPr>
-              <a:r>
-                <a:t/>
-              </a:r>
               <a:endParaRPr/>
             </a:p>
           </p:txBody>
@@ -3953,7 +4259,7 @@
             </a:xfrm>
             <a:prstGeom prst="diagStripe">
               <a:avLst>
-                <a:gd fmla="val 50000" name="adj"/>
+                <a:gd name="adj" fmla="val 50000"/>
               </a:avLst>
             </a:prstGeom>
             <a:solidFill>
@@ -3966,12 +4272,12 @@
             </a:ln>
           </p:spPr>
           <p:txBody>
-            <a:bodyPr anchorCtr="0" anchor="ctr" bIns="91425" lIns="91425" spcFirstLastPara="1" rIns="91425" wrap="square" tIns="91425">
+            <a:bodyPr spcFirstLastPara="1" wrap="square" lIns="91425" tIns="91425" rIns="91425" bIns="91425" anchor="ctr" anchorCtr="0">
               <a:noAutofit/>
             </a:bodyPr>
             <a:lstStyle/>
             <a:p>
-              <a:pPr indent="0" lvl="0" marL="0" rtl="0" algn="l">
+              <a:pPr marL="0" lvl="0" indent="0" algn="l" rtl="0">
                 <a:spcBef>
                   <a:spcPts val="0"/>
                 </a:spcBef>
@@ -3980,9 +4286,6 @@
                 </a:spcAft>
                 <a:buNone/>
               </a:pPr>
-              <a:r>
-                <a:t/>
-              </a:r>
               <a:endParaRPr/>
             </a:p>
           </p:txBody>
@@ -4000,7 +4303,7 @@
             </a:xfrm>
             <a:prstGeom prst="diagStripe">
               <a:avLst>
-                <a:gd fmla="val 50000" name="adj"/>
+                <a:gd name="adj" fmla="val 50000"/>
               </a:avLst>
             </a:prstGeom>
             <a:solidFill>
@@ -4013,12 +4316,12 @@
             </a:ln>
           </p:spPr>
           <p:txBody>
-            <a:bodyPr anchorCtr="0" anchor="ctr" bIns="91425" lIns="91425" spcFirstLastPara="1" rIns="91425" wrap="square" tIns="91425">
+            <a:bodyPr spcFirstLastPara="1" wrap="square" lIns="91425" tIns="91425" rIns="91425" bIns="91425" anchor="ctr" anchorCtr="0">
               <a:noAutofit/>
             </a:bodyPr>
             <a:lstStyle/>
             <a:p>
-              <a:pPr indent="0" lvl="0" marL="0" rtl="0" algn="l">
+              <a:pPr marL="0" lvl="0" indent="0" algn="l" rtl="0">
                 <a:spcBef>
                   <a:spcPts val="0"/>
                 </a:spcBef>
@@ -4027,9 +4330,6 @@
                 </a:spcAft>
                 <a:buNone/>
               </a:pPr>
-              <a:r>
-                <a:t/>
-              </a:r>
               <a:endParaRPr/>
             </a:p>
           </p:txBody>
@@ -4047,7 +4347,7 @@
             </a:xfrm>
             <a:prstGeom prst="diagStripe">
               <a:avLst>
-                <a:gd fmla="val 50000" name="adj"/>
+                <a:gd name="adj" fmla="val 50000"/>
               </a:avLst>
             </a:prstGeom>
             <a:solidFill>
@@ -4060,12 +4360,12 @@
             </a:ln>
           </p:spPr>
           <p:txBody>
-            <a:bodyPr anchorCtr="0" anchor="ctr" bIns="91425" lIns="91425" spcFirstLastPara="1" rIns="91425" wrap="square" tIns="91425">
+            <a:bodyPr spcFirstLastPara="1" wrap="square" lIns="91425" tIns="91425" rIns="91425" bIns="91425" anchor="ctr" anchorCtr="0">
               <a:noAutofit/>
             </a:bodyPr>
             <a:lstStyle/>
             <a:p>
-              <a:pPr indent="0" lvl="0" marL="0" rtl="0" algn="l">
+              <a:pPr marL="0" lvl="0" indent="0" algn="l" rtl="0">
                 <a:spcBef>
                   <a:spcPts val="0"/>
                 </a:spcBef>
@@ -4074,9 +4374,6 @@
                 </a:spcAft>
                 <a:buNone/>
               </a:pPr>
-              <a:r>
-                <a:t/>
-              </a:r>
               <a:endParaRPr/>
             </a:p>
           </p:txBody>
@@ -4094,7 +4391,7 @@
             </a:xfrm>
             <a:prstGeom prst="diagStripe">
               <a:avLst>
-                <a:gd fmla="val 50000" name="adj"/>
+                <a:gd name="adj" fmla="val 50000"/>
               </a:avLst>
             </a:prstGeom>
             <a:solidFill>
@@ -4105,12 +4402,12 @@
             </a:ln>
           </p:spPr>
           <p:txBody>
-            <a:bodyPr anchorCtr="0" anchor="ctr" bIns="91425" lIns="91425" spcFirstLastPara="1" rIns="91425" wrap="square" tIns="91425">
+            <a:bodyPr spcFirstLastPara="1" wrap="square" lIns="91425" tIns="91425" rIns="91425" bIns="91425" anchor="ctr" anchorCtr="0">
               <a:noAutofit/>
             </a:bodyPr>
             <a:lstStyle/>
             <a:p>
-              <a:pPr indent="0" lvl="0" marL="0" rtl="0" algn="l">
+              <a:pPr marL="0" lvl="0" indent="0" algn="l" rtl="0">
                 <a:spcBef>
                   <a:spcPts val="0"/>
                 </a:spcBef>
@@ -4119,9 +4416,6 @@
                 </a:spcAft>
                 <a:buNone/>
               </a:pPr>
-              <a:r>
-                <a:t/>
-              </a:r>
               <a:endParaRPr/>
             </a:p>
           </p:txBody>
@@ -4139,7 +4433,7 @@
             </a:xfrm>
             <a:prstGeom prst="diagStripe">
               <a:avLst>
-                <a:gd fmla="val 50000" name="adj"/>
+                <a:gd name="adj" fmla="val 50000"/>
               </a:avLst>
             </a:prstGeom>
             <a:solidFill>
@@ -4152,12 +4446,12 @@
             </a:ln>
           </p:spPr>
           <p:txBody>
-            <a:bodyPr anchorCtr="0" anchor="ctr" bIns="91425" lIns="91425" spcFirstLastPara="1" rIns="91425" wrap="square" tIns="91425">
+            <a:bodyPr spcFirstLastPara="1" wrap="square" lIns="91425" tIns="91425" rIns="91425" bIns="91425" anchor="ctr" anchorCtr="0">
               <a:noAutofit/>
             </a:bodyPr>
             <a:lstStyle/>
             <a:p>
-              <a:pPr indent="0" lvl="0" marL="0" rtl="0" algn="l">
+              <a:pPr marL="0" lvl="0" indent="0" algn="l" rtl="0">
                 <a:spcBef>
                   <a:spcPts val="0"/>
                 </a:spcBef>
@@ -4166,9 +4460,6 @@
                 </a:spcAft>
                 <a:buNone/>
               </a:pPr>
-              <a:r>
-                <a:t/>
-              </a:r>
               <a:endParaRPr/>
             </a:p>
           </p:txBody>
@@ -4186,7 +4477,7 @@
             </a:xfrm>
             <a:prstGeom prst="diagStripe">
               <a:avLst>
-                <a:gd fmla="val 50000" name="adj"/>
+                <a:gd name="adj" fmla="val 50000"/>
               </a:avLst>
             </a:prstGeom>
             <a:solidFill>
@@ -4199,12 +4490,12 @@
             </a:ln>
           </p:spPr>
           <p:txBody>
-            <a:bodyPr anchorCtr="0" anchor="ctr" bIns="91425" lIns="91425" spcFirstLastPara="1" rIns="91425" wrap="square" tIns="91425">
+            <a:bodyPr spcFirstLastPara="1" wrap="square" lIns="91425" tIns="91425" rIns="91425" bIns="91425" anchor="ctr" anchorCtr="0">
               <a:noAutofit/>
             </a:bodyPr>
             <a:lstStyle/>
             <a:p>
-              <a:pPr indent="0" lvl="0" marL="0" rtl="0" algn="l">
+              <a:pPr marL="0" lvl="0" indent="0" algn="l" rtl="0">
                 <a:spcBef>
                   <a:spcPts val="0"/>
                 </a:spcBef>
@@ -4213,9 +4504,6 @@
                 </a:spcAft>
                 <a:buNone/>
               </a:pPr>
-              <a:r>
-                <a:t/>
-              </a:r>
               <a:endParaRPr/>
             </a:p>
           </p:txBody>
@@ -4233,7 +4521,7 @@
             </a:xfrm>
             <a:prstGeom prst="diagStripe">
               <a:avLst>
-                <a:gd fmla="val 50000" name="adj"/>
+                <a:gd name="adj" fmla="val 50000"/>
               </a:avLst>
             </a:prstGeom>
             <a:solidFill>
@@ -4246,12 +4534,12 @@
             </a:ln>
           </p:spPr>
           <p:txBody>
-            <a:bodyPr anchorCtr="0" anchor="ctr" bIns="91425" lIns="91425" spcFirstLastPara="1" rIns="91425" wrap="square" tIns="91425">
+            <a:bodyPr spcFirstLastPara="1" wrap="square" lIns="91425" tIns="91425" rIns="91425" bIns="91425" anchor="ctr" anchorCtr="0">
               <a:noAutofit/>
             </a:bodyPr>
             <a:lstStyle/>
             <a:p>
-              <a:pPr indent="0" lvl="0" marL="0" rtl="0" algn="l">
+              <a:pPr marL="0" lvl="0" indent="0" algn="l" rtl="0">
                 <a:spcBef>
                   <a:spcPts val="0"/>
                 </a:spcBef>
@@ -4260,9 +4548,6 @@
                 </a:spcAft>
                 <a:buNone/>
               </a:pPr>
-              <a:r>
-                <a:t/>
-              </a:r>
               <a:endParaRPr/>
             </a:p>
           </p:txBody>
@@ -4280,7 +4565,7 @@
             </a:xfrm>
             <a:prstGeom prst="diagStripe">
               <a:avLst>
-                <a:gd fmla="val 50000" name="adj"/>
+                <a:gd name="adj" fmla="val 50000"/>
               </a:avLst>
             </a:prstGeom>
             <a:solidFill>
@@ -4293,12 +4578,12 @@
             </a:ln>
           </p:spPr>
           <p:txBody>
-            <a:bodyPr anchorCtr="0" anchor="ctr" bIns="91425" lIns="91425" spcFirstLastPara="1" rIns="91425" wrap="square" tIns="91425">
+            <a:bodyPr spcFirstLastPara="1" wrap="square" lIns="91425" tIns="91425" rIns="91425" bIns="91425" anchor="ctr" anchorCtr="0">
               <a:noAutofit/>
             </a:bodyPr>
             <a:lstStyle/>
             <a:p>
-              <a:pPr indent="0" lvl="0" marL="0" rtl="0" algn="l">
+              <a:pPr marL="0" lvl="0" indent="0" algn="l" rtl="0">
                 <a:spcBef>
                   <a:spcPts val="0"/>
                 </a:spcBef>
@@ -4307,9 +4592,6 @@
                 </a:spcAft>
                 <a:buNone/>
               </a:pPr>
-              <a:r>
-                <a:t/>
-              </a:r>
               <a:endParaRPr/>
             </a:p>
           </p:txBody>
@@ -4318,7 +4600,9 @@
       <p:sp>
         <p:nvSpPr>
           <p:cNvPr id="39" name="Google Shape;39;p3"/>
-          <p:cNvSpPr txBox="1"/>
+          <p:cNvSpPr txBox="1">
+            <a:spLocks noGrp="1"/>
+          </p:cNvSpPr>
           <p:nvPr>
             <p:ph type="title"/>
           </p:nvPr>
@@ -4333,7 +4617,7 @@
           </a:prstGeom>
         </p:spPr>
         <p:txBody>
-          <a:bodyPr anchorCtr="0" anchor="ctr" bIns="91425" lIns="91425" spcFirstLastPara="1" rIns="91425" wrap="square" tIns="91425">
+          <a:bodyPr spcFirstLastPara="1" wrap="square" lIns="91425" tIns="91425" rIns="91425" bIns="91425" anchor="ctr" anchorCtr="0">
             <a:noAutofit/>
           </a:bodyPr>
           <a:lstStyle>
@@ -4437,15 +4721,19 @@
               <a:defRPr/>
             </a:lvl9pPr>
           </a:lstStyle>
-          <a:p/>
+          <a:p>
+            <a:endParaRPr/>
+          </a:p>
         </p:txBody>
       </p:sp>
       <p:sp>
         <p:nvSpPr>
           <p:cNvPr id="40" name="Google Shape;40;p3"/>
-          <p:cNvSpPr txBox="1"/>
+          <p:cNvSpPr txBox="1">
+            <a:spLocks noGrp="1"/>
+          </p:cNvSpPr>
           <p:nvPr>
-            <p:ph idx="12" type="sldNum"/>
+            <p:ph type="sldNum" idx="12"/>
           </p:nvPr>
         </p:nvSpPr>
         <p:spPr>
@@ -4458,7 +4746,7 @@
           </a:prstGeom>
         </p:spPr>
         <p:txBody>
-          <a:bodyPr anchorCtr="0" anchor="ctr" bIns="91425" lIns="91425" spcFirstLastPara="1" rIns="91425" wrap="square" tIns="91425">
+          <a:bodyPr spcFirstLastPara="1" wrap="square" lIns="91425" tIns="91425" rIns="91425" bIns="91425" anchor="ctr" anchorCtr="0">
             <a:noAutofit/>
           </a:bodyPr>
           <a:lstStyle>
@@ -4500,7 +4788,7 @@
             </a:lvl9pPr>
           </a:lstStyle>
           <a:p>
-            <a:pPr indent="0" lvl="0" marL="0" rtl="0" algn="r">
+            <a:pPr marL="0" lvl="0" indent="0" algn="r" rtl="0">
               <a:spcBef>
                 <a:spcPts val="0"/>
               </a:spcBef>
@@ -4526,11 +4814,11 @@
 </file>
 
 <file path=ppt/slideLayouts/slideLayout3.xml><?xml version="1.0" encoding="utf-8"?>
-<p:sldLayout xmlns:a="http://schemas.openxmlformats.org/drawingml/2006/main" xmlns:r="http://schemas.openxmlformats.org/officeDocument/2006/relationships" xmlns:mc="http://schemas.openxmlformats.org/markup-compatibility/2006" xmlns:mv="urn:schemas-microsoft-com:mac:vml" xmlns:p="http://schemas.openxmlformats.org/presentationml/2006/main" xmlns:c="http://schemas.openxmlformats.org/drawingml/2006/chart" xmlns:dgm="http://schemas.openxmlformats.org/drawingml/2006/diagram" xmlns:o="urn:schemas-microsoft-com:office:office" xmlns:v="urn:schemas-microsoft-com:vml" xmlns:pvml="urn:schemas-microsoft-com:office:powerpoint" xmlns:com="http://schemas.openxmlformats.org/drawingml/2006/compatibility" xmlns:p14="http://schemas.microsoft.com/office/powerpoint/2010/main" xmlns:p15="http://schemas.microsoft.com/office/powerpoint/2012/main" xmlns:ahyp="http://schemas.microsoft.com/office/drawing/2018/hyperlinkcolor" matchingName="Title and body" type="tx">
+<p:sldLayout xmlns:a="http://schemas.openxmlformats.org/drawingml/2006/main" xmlns:r="http://schemas.openxmlformats.org/officeDocument/2006/relationships" xmlns:p="http://schemas.openxmlformats.org/presentationml/2006/main" matchingName="Title and body" type="tx">
   <p:cSld name="TITLE_AND_BODY">
     <p:spTree>
       <p:nvGrpSpPr>
-        <p:cNvPr id="41" name="Shape 41"/>
+        <p:cNvPr id="1" name="Shape 41"/>
         <p:cNvGrpSpPr/>
         <p:nvPr/>
       </p:nvGrpSpPr>
@@ -4569,7 +4857,7 @@
             </a:xfrm>
             <a:prstGeom prst="diagStripe">
               <a:avLst>
-                <a:gd fmla="val 50000" name="adj"/>
+                <a:gd name="adj" fmla="val 50000"/>
               </a:avLst>
             </a:prstGeom>
             <a:solidFill>
@@ -4580,12 +4868,12 @@
             </a:ln>
           </p:spPr>
           <p:txBody>
-            <a:bodyPr anchorCtr="0" anchor="ctr" bIns="91425" lIns="91425" spcFirstLastPara="1" rIns="91425" wrap="square" tIns="91425">
+            <a:bodyPr spcFirstLastPara="1" wrap="square" lIns="91425" tIns="91425" rIns="91425" bIns="91425" anchor="ctr" anchorCtr="0">
               <a:noAutofit/>
             </a:bodyPr>
             <a:lstStyle/>
             <a:p>
-              <a:pPr indent="0" lvl="0" marL="0" rtl="0" algn="l">
+              <a:pPr marL="0" lvl="0" indent="0" algn="l" rtl="0">
                 <a:spcBef>
                   <a:spcPts val="0"/>
                 </a:spcBef>
@@ -4594,9 +4882,6 @@
                 </a:spcAft>
                 <a:buNone/>
               </a:pPr>
-              <a:r>
-                <a:t/>
-              </a:r>
               <a:endParaRPr/>
             </a:p>
           </p:txBody>
@@ -4614,7 +4899,7 @@
             </a:xfrm>
             <a:prstGeom prst="diagStripe">
               <a:avLst>
-                <a:gd fmla="val 50000" name="adj"/>
+                <a:gd name="adj" fmla="val 50000"/>
               </a:avLst>
             </a:prstGeom>
             <a:solidFill>
@@ -4625,12 +4910,12 @@
             </a:ln>
           </p:spPr>
           <p:txBody>
-            <a:bodyPr anchorCtr="0" anchor="ctr" bIns="91425" lIns="91425" spcFirstLastPara="1" rIns="91425" wrap="square" tIns="91425">
+            <a:bodyPr spcFirstLastPara="1" wrap="square" lIns="91425" tIns="91425" rIns="91425" bIns="91425" anchor="ctr" anchorCtr="0">
               <a:noAutofit/>
             </a:bodyPr>
             <a:lstStyle/>
             <a:p>
-              <a:pPr indent="0" lvl="0" marL="0" rtl="0" algn="l">
+              <a:pPr marL="0" lvl="0" indent="0" algn="l" rtl="0">
                 <a:spcBef>
                   <a:spcPts val="0"/>
                 </a:spcBef>
@@ -4639,9 +4924,6 @@
                 </a:spcAft>
                 <a:buNone/>
               </a:pPr>
-              <a:r>
-                <a:t/>
-              </a:r>
               <a:endParaRPr/>
             </a:p>
           </p:txBody>
@@ -4650,7 +4932,9 @@
       <p:sp>
         <p:nvSpPr>
           <p:cNvPr id="45" name="Google Shape;45;p4"/>
-          <p:cNvSpPr txBox="1"/>
+          <p:cNvSpPr txBox="1">
+            <a:spLocks noGrp="1"/>
+          </p:cNvSpPr>
           <p:nvPr>
             <p:ph type="title"/>
           </p:nvPr>
@@ -4665,7 +4949,7 @@
           </a:prstGeom>
         </p:spPr>
         <p:txBody>
-          <a:bodyPr anchorCtr="0" anchor="t" bIns="91425" lIns="91425" spcFirstLastPara="1" rIns="91425" wrap="square" tIns="91425">
+          <a:bodyPr spcFirstLastPara="1" wrap="square" lIns="91425" tIns="91425" rIns="91425" bIns="91425" anchor="t" anchorCtr="0">
             <a:noAutofit/>
           </a:bodyPr>
           <a:lstStyle>
@@ -4769,15 +5053,19 @@
               <a:defRPr sz="2400"/>
             </a:lvl9pPr>
           </a:lstStyle>
-          <a:p/>
+          <a:p>
+            <a:endParaRPr/>
+          </a:p>
         </p:txBody>
       </p:sp>
       <p:sp>
         <p:nvSpPr>
           <p:cNvPr id="46" name="Google Shape;46;p4"/>
-          <p:cNvSpPr txBox="1"/>
+          <p:cNvSpPr txBox="1">
+            <a:spLocks noGrp="1"/>
+          </p:cNvSpPr>
           <p:nvPr>
-            <p:ph idx="1" type="body"/>
+            <p:ph type="body" idx="1"/>
           </p:nvPr>
         </p:nvSpPr>
         <p:spPr>
@@ -4790,11 +5078,11 @@
           </a:prstGeom>
         </p:spPr>
         <p:txBody>
-          <a:bodyPr anchorCtr="0" anchor="t" bIns="91425" lIns="91425" spcFirstLastPara="1" rIns="91425" wrap="square" tIns="91425">
+          <a:bodyPr spcFirstLastPara="1" wrap="square" lIns="91425" tIns="91425" rIns="91425" bIns="91425" anchor="t" anchorCtr="0">
             <a:noAutofit/>
           </a:bodyPr>
           <a:lstStyle>
-            <a:lvl1pPr indent="-311150" lvl="0" marL="457200">
+            <a:lvl1pPr marL="457200" lvl="0" indent="-311150">
               <a:spcBef>
                 <a:spcPts val="0"/>
               </a:spcBef>
@@ -4805,7 +5093,7 @@
               <a:buChar char="●"/>
               <a:defRPr/>
             </a:lvl1pPr>
-            <a:lvl2pPr indent="-298450" lvl="1" marL="914400">
+            <a:lvl2pPr marL="914400" lvl="1" indent="-298450">
               <a:spcBef>
                 <a:spcPts val="1600"/>
               </a:spcBef>
@@ -4816,7 +5104,7 @@
               <a:buChar char="○"/>
               <a:defRPr/>
             </a:lvl2pPr>
-            <a:lvl3pPr indent="-298450" lvl="2" marL="1371600">
+            <a:lvl3pPr marL="1371600" lvl="2" indent="-298450">
               <a:spcBef>
                 <a:spcPts val="1600"/>
               </a:spcBef>
@@ -4827,7 +5115,7 @@
               <a:buChar char="■"/>
               <a:defRPr/>
             </a:lvl3pPr>
-            <a:lvl4pPr indent="-298450" lvl="3" marL="1828800">
+            <a:lvl4pPr marL="1828800" lvl="3" indent="-298450">
               <a:spcBef>
                 <a:spcPts val="1600"/>
               </a:spcBef>
@@ -4838,7 +5126,7 @@
               <a:buChar char="●"/>
               <a:defRPr/>
             </a:lvl4pPr>
-            <a:lvl5pPr indent="-298450" lvl="4" marL="2286000">
+            <a:lvl5pPr marL="2286000" lvl="4" indent="-298450">
               <a:spcBef>
                 <a:spcPts val="1600"/>
               </a:spcBef>
@@ -4849,7 +5137,7 @@
               <a:buChar char="○"/>
               <a:defRPr/>
             </a:lvl5pPr>
-            <a:lvl6pPr indent="-298450" lvl="5" marL="2743200">
+            <a:lvl6pPr marL="2743200" lvl="5" indent="-298450">
               <a:spcBef>
                 <a:spcPts val="1600"/>
               </a:spcBef>
@@ -4860,7 +5148,7 @@
               <a:buChar char="■"/>
               <a:defRPr/>
             </a:lvl6pPr>
-            <a:lvl7pPr indent="-298450" lvl="6" marL="3200400">
+            <a:lvl7pPr marL="3200400" lvl="6" indent="-298450">
               <a:spcBef>
                 <a:spcPts val="1600"/>
               </a:spcBef>
@@ -4871,7 +5159,7 @@
               <a:buChar char="●"/>
               <a:defRPr/>
             </a:lvl7pPr>
-            <a:lvl8pPr indent="-298450" lvl="7" marL="3657600">
+            <a:lvl8pPr marL="3657600" lvl="7" indent="-298450">
               <a:spcBef>
                 <a:spcPts val="1600"/>
               </a:spcBef>
@@ -4882,7 +5170,7 @@
               <a:buChar char="○"/>
               <a:defRPr/>
             </a:lvl8pPr>
-            <a:lvl9pPr indent="-298450" lvl="8" marL="4114800">
+            <a:lvl9pPr marL="4114800" lvl="8" indent="-298450">
               <a:spcBef>
                 <a:spcPts val="1600"/>
               </a:spcBef>
@@ -4894,15 +5182,19 @@
               <a:defRPr/>
             </a:lvl9pPr>
           </a:lstStyle>
-          <a:p/>
+          <a:p>
+            <a:endParaRPr/>
+          </a:p>
         </p:txBody>
       </p:sp>
       <p:sp>
         <p:nvSpPr>
           <p:cNvPr id="47" name="Google Shape;47;p4"/>
-          <p:cNvSpPr txBox="1"/>
+          <p:cNvSpPr txBox="1">
+            <a:spLocks noGrp="1"/>
+          </p:cNvSpPr>
           <p:nvPr>
-            <p:ph idx="12" type="sldNum"/>
+            <p:ph type="sldNum" idx="12"/>
           </p:nvPr>
         </p:nvSpPr>
         <p:spPr>
@@ -4915,7 +5207,7 @@
           </a:prstGeom>
         </p:spPr>
         <p:txBody>
-          <a:bodyPr anchorCtr="0" anchor="ctr" bIns="91425" lIns="91425" spcFirstLastPara="1" rIns="91425" wrap="square" tIns="91425">
+          <a:bodyPr spcFirstLastPara="1" wrap="square" lIns="91425" tIns="91425" rIns="91425" bIns="91425" anchor="ctr" anchorCtr="0">
             <a:noAutofit/>
           </a:bodyPr>
           <a:lstStyle>
@@ -4957,7 +5249,7 @@
             </a:lvl9pPr>
           </a:lstStyle>
           <a:p>
-            <a:pPr indent="0" lvl="0" marL="0" rtl="0" algn="r">
+            <a:pPr marL="0" lvl="0" indent="0" algn="r" rtl="0">
               <a:spcBef>
                 <a:spcPts val="0"/>
               </a:spcBef>
@@ -4983,11 +5275,11 @@
 </file>
 
 <file path=ppt/slideLayouts/slideLayout4.xml><?xml version="1.0" encoding="utf-8"?>
-<p:sldLayout xmlns:a="http://schemas.openxmlformats.org/drawingml/2006/main" xmlns:r="http://schemas.openxmlformats.org/officeDocument/2006/relationships" xmlns:mc="http://schemas.openxmlformats.org/markup-compatibility/2006" xmlns:mv="urn:schemas-microsoft-com:mac:vml" xmlns:p="http://schemas.openxmlformats.org/presentationml/2006/main" xmlns:c="http://schemas.openxmlformats.org/drawingml/2006/chart" xmlns:dgm="http://schemas.openxmlformats.org/drawingml/2006/diagram" xmlns:o="urn:schemas-microsoft-com:office:office" xmlns:v="urn:schemas-microsoft-com:vml" xmlns:pvml="urn:schemas-microsoft-com:office:powerpoint" xmlns:com="http://schemas.openxmlformats.org/drawingml/2006/compatibility" xmlns:p14="http://schemas.microsoft.com/office/powerpoint/2010/main" xmlns:p15="http://schemas.microsoft.com/office/powerpoint/2012/main" xmlns:ahyp="http://schemas.microsoft.com/office/drawing/2018/hyperlinkcolor" matchingName="Title and two columns" type="twoColTx">
+<p:sldLayout xmlns:a="http://schemas.openxmlformats.org/drawingml/2006/main" xmlns:r="http://schemas.openxmlformats.org/officeDocument/2006/relationships" xmlns:p="http://schemas.openxmlformats.org/presentationml/2006/main" matchingName="Title and two columns" type="twoColTx">
   <p:cSld name="TITLE_AND_TWO_COLUMNS">
     <p:spTree>
       <p:nvGrpSpPr>
-        <p:cNvPr id="48" name="Shape 48"/>
+        <p:cNvPr id="1" name="Shape 48"/>
         <p:cNvGrpSpPr/>
         <p:nvPr/>
       </p:nvGrpSpPr>
@@ -5026,7 +5318,7 @@
             </a:xfrm>
             <a:prstGeom prst="diagStripe">
               <a:avLst>
-                <a:gd fmla="val 50000" name="adj"/>
+                <a:gd name="adj" fmla="val 50000"/>
               </a:avLst>
             </a:prstGeom>
             <a:solidFill>
@@ -5037,12 +5329,12 @@
             </a:ln>
           </p:spPr>
           <p:txBody>
-            <a:bodyPr anchorCtr="0" anchor="ctr" bIns="91425" lIns="91425" spcFirstLastPara="1" rIns="91425" wrap="square" tIns="91425">
+            <a:bodyPr spcFirstLastPara="1" wrap="square" lIns="91425" tIns="91425" rIns="91425" bIns="91425" anchor="ctr" anchorCtr="0">
               <a:noAutofit/>
             </a:bodyPr>
             <a:lstStyle/>
             <a:p>
-              <a:pPr indent="0" lvl="0" marL="0" rtl="0" algn="l">
+              <a:pPr marL="0" lvl="0" indent="0" algn="l" rtl="0">
                 <a:spcBef>
                   <a:spcPts val="0"/>
                 </a:spcBef>
@@ -5051,9 +5343,6 @@
                 </a:spcAft>
                 <a:buNone/>
               </a:pPr>
-              <a:r>
-                <a:t/>
-              </a:r>
               <a:endParaRPr/>
             </a:p>
           </p:txBody>
@@ -5071,7 +5360,7 @@
             </a:xfrm>
             <a:prstGeom prst="diagStripe">
               <a:avLst>
-                <a:gd fmla="val 50000" name="adj"/>
+                <a:gd name="adj" fmla="val 50000"/>
               </a:avLst>
             </a:prstGeom>
             <a:solidFill>
@@ -5082,12 +5371,12 @@
             </a:ln>
           </p:spPr>
           <p:txBody>
-            <a:bodyPr anchorCtr="0" anchor="ctr" bIns="91425" lIns="91425" spcFirstLastPara="1" rIns="91425" wrap="square" tIns="91425">
+            <a:bodyPr spcFirstLastPara="1" wrap="square" lIns="91425" tIns="91425" rIns="91425" bIns="91425" anchor="ctr" anchorCtr="0">
               <a:noAutofit/>
             </a:bodyPr>
             <a:lstStyle/>
             <a:p>
-              <a:pPr indent="0" lvl="0" marL="0" rtl="0" algn="l">
+              <a:pPr marL="0" lvl="0" indent="0" algn="l" rtl="0">
                 <a:spcBef>
                   <a:spcPts val="0"/>
                 </a:spcBef>
@@ -5096,9 +5385,6 @@
                 </a:spcAft>
                 <a:buNone/>
               </a:pPr>
-              <a:r>
-                <a:t/>
-              </a:r>
               <a:endParaRPr/>
             </a:p>
           </p:txBody>
@@ -5107,7 +5393,9 @@
       <p:sp>
         <p:nvSpPr>
           <p:cNvPr id="52" name="Google Shape;52;p5"/>
-          <p:cNvSpPr txBox="1"/>
+          <p:cNvSpPr txBox="1">
+            <a:spLocks noGrp="1"/>
+          </p:cNvSpPr>
           <p:nvPr>
             <p:ph type="title"/>
           </p:nvPr>
@@ -5122,7 +5410,7 @@
           </a:prstGeom>
         </p:spPr>
         <p:txBody>
-          <a:bodyPr anchorCtr="0" anchor="t" bIns="91425" lIns="91425" spcFirstLastPara="1" rIns="91425" wrap="square" tIns="91425">
+          <a:bodyPr spcFirstLastPara="1" wrap="square" lIns="91425" tIns="91425" rIns="91425" bIns="91425" anchor="t" anchorCtr="0">
             <a:noAutofit/>
           </a:bodyPr>
           <a:lstStyle>
@@ -5226,15 +5514,19 @@
               <a:defRPr sz="2400"/>
             </a:lvl9pPr>
           </a:lstStyle>
-          <a:p/>
+          <a:p>
+            <a:endParaRPr/>
+          </a:p>
         </p:txBody>
       </p:sp>
       <p:sp>
         <p:nvSpPr>
           <p:cNvPr id="53" name="Google Shape;53;p5"/>
-          <p:cNvSpPr txBox="1"/>
+          <p:cNvSpPr txBox="1">
+            <a:spLocks noGrp="1"/>
+          </p:cNvSpPr>
           <p:nvPr>
-            <p:ph idx="1" type="body"/>
+            <p:ph type="body" idx="1"/>
           </p:nvPr>
         </p:nvSpPr>
         <p:spPr>
@@ -5247,11 +5539,11 @@
           </a:prstGeom>
         </p:spPr>
         <p:txBody>
-          <a:bodyPr anchorCtr="0" anchor="t" bIns="91425" lIns="91425" spcFirstLastPara="1" rIns="91425" wrap="square" tIns="91425">
+          <a:bodyPr spcFirstLastPara="1" wrap="square" lIns="91425" tIns="91425" rIns="91425" bIns="91425" anchor="t" anchorCtr="0">
             <a:noAutofit/>
           </a:bodyPr>
           <a:lstStyle>
-            <a:lvl1pPr indent="-311150" lvl="0" marL="457200">
+            <a:lvl1pPr marL="457200" lvl="0" indent="-311150">
               <a:spcBef>
                 <a:spcPts val="0"/>
               </a:spcBef>
@@ -5262,7 +5554,7 @@
               <a:buChar char="●"/>
               <a:defRPr/>
             </a:lvl1pPr>
-            <a:lvl2pPr indent="-298450" lvl="1" marL="914400">
+            <a:lvl2pPr marL="914400" lvl="1" indent="-298450">
               <a:spcBef>
                 <a:spcPts val="1600"/>
               </a:spcBef>
@@ -5273,7 +5565,7 @@
               <a:buChar char="○"/>
               <a:defRPr/>
             </a:lvl2pPr>
-            <a:lvl3pPr indent="-298450" lvl="2" marL="1371600">
+            <a:lvl3pPr marL="1371600" lvl="2" indent="-298450">
               <a:spcBef>
                 <a:spcPts val="1600"/>
               </a:spcBef>
@@ -5284,7 +5576,7 @@
               <a:buChar char="■"/>
               <a:defRPr/>
             </a:lvl3pPr>
-            <a:lvl4pPr indent="-298450" lvl="3" marL="1828800">
+            <a:lvl4pPr marL="1828800" lvl="3" indent="-298450">
               <a:spcBef>
                 <a:spcPts val="1600"/>
               </a:spcBef>
@@ -5295,7 +5587,7 @@
               <a:buChar char="●"/>
               <a:defRPr/>
             </a:lvl4pPr>
-            <a:lvl5pPr indent="-298450" lvl="4" marL="2286000">
+            <a:lvl5pPr marL="2286000" lvl="4" indent="-298450">
               <a:spcBef>
                 <a:spcPts val="1600"/>
               </a:spcBef>
@@ -5306,7 +5598,7 @@
               <a:buChar char="○"/>
               <a:defRPr/>
             </a:lvl5pPr>
-            <a:lvl6pPr indent="-298450" lvl="5" marL="2743200">
+            <a:lvl6pPr marL="2743200" lvl="5" indent="-298450">
               <a:spcBef>
                 <a:spcPts val="1600"/>
               </a:spcBef>
@@ -5317,7 +5609,7 @@
               <a:buChar char="■"/>
               <a:defRPr/>
             </a:lvl6pPr>
-            <a:lvl7pPr indent="-298450" lvl="6" marL="3200400">
+            <a:lvl7pPr marL="3200400" lvl="6" indent="-298450">
               <a:spcBef>
                 <a:spcPts val="1600"/>
               </a:spcBef>
@@ -5328,7 +5620,7 @@
               <a:buChar char="●"/>
               <a:defRPr/>
             </a:lvl7pPr>
-            <a:lvl8pPr indent="-298450" lvl="7" marL="3657600">
+            <a:lvl8pPr marL="3657600" lvl="7" indent="-298450">
               <a:spcBef>
                 <a:spcPts val="1600"/>
               </a:spcBef>
@@ -5339,7 +5631,7 @@
               <a:buChar char="○"/>
               <a:defRPr/>
             </a:lvl8pPr>
-            <a:lvl9pPr indent="-298450" lvl="8" marL="4114800">
+            <a:lvl9pPr marL="4114800" lvl="8" indent="-298450">
               <a:spcBef>
                 <a:spcPts val="1600"/>
               </a:spcBef>
@@ -5351,15 +5643,19 @@
               <a:defRPr/>
             </a:lvl9pPr>
           </a:lstStyle>
-          <a:p/>
+          <a:p>
+            <a:endParaRPr/>
+          </a:p>
         </p:txBody>
       </p:sp>
       <p:sp>
         <p:nvSpPr>
           <p:cNvPr id="54" name="Google Shape;54;p5"/>
-          <p:cNvSpPr txBox="1"/>
+          <p:cNvSpPr txBox="1">
+            <a:spLocks noGrp="1"/>
+          </p:cNvSpPr>
           <p:nvPr>
-            <p:ph idx="2" type="body"/>
+            <p:ph type="body" idx="2"/>
           </p:nvPr>
         </p:nvSpPr>
         <p:spPr>
@@ -5372,11 +5668,11 @@
           </a:prstGeom>
         </p:spPr>
         <p:txBody>
-          <a:bodyPr anchorCtr="0" anchor="t" bIns="91425" lIns="91425" spcFirstLastPara="1" rIns="91425" wrap="square" tIns="91425">
+          <a:bodyPr spcFirstLastPara="1" wrap="square" lIns="91425" tIns="91425" rIns="91425" bIns="91425" anchor="t" anchorCtr="0">
             <a:noAutofit/>
           </a:bodyPr>
           <a:lstStyle>
-            <a:lvl1pPr indent="-311150" lvl="0" marL="457200">
+            <a:lvl1pPr marL="457200" lvl="0" indent="-311150">
               <a:spcBef>
                 <a:spcPts val="0"/>
               </a:spcBef>
@@ -5387,7 +5683,7 @@
               <a:buChar char="●"/>
               <a:defRPr/>
             </a:lvl1pPr>
-            <a:lvl2pPr indent="-298450" lvl="1" marL="914400">
+            <a:lvl2pPr marL="914400" lvl="1" indent="-298450">
               <a:spcBef>
                 <a:spcPts val="1600"/>
               </a:spcBef>
@@ -5398,7 +5694,7 @@
               <a:buChar char="○"/>
               <a:defRPr/>
             </a:lvl2pPr>
-            <a:lvl3pPr indent="-298450" lvl="2" marL="1371600">
+            <a:lvl3pPr marL="1371600" lvl="2" indent="-298450">
               <a:spcBef>
                 <a:spcPts val="1600"/>
               </a:spcBef>
@@ -5409,7 +5705,7 @@
               <a:buChar char="■"/>
               <a:defRPr/>
             </a:lvl3pPr>
-            <a:lvl4pPr indent="-298450" lvl="3" marL="1828800">
+            <a:lvl4pPr marL="1828800" lvl="3" indent="-298450">
               <a:spcBef>
                 <a:spcPts val="1600"/>
               </a:spcBef>
@@ -5420,7 +5716,7 @@
               <a:buChar char="●"/>
               <a:defRPr/>
             </a:lvl4pPr>
-            <a:lvl5pPr indent="-298450" lvl="4" marL="2286000">
+            <a:lvl5pPr marL="2286000" lvl="4" indent="-298450">
               <a:spcBef>
                 <a:spcPts val="1600"/>
               </a:spcBef>
@@ -5431,7 +5727,7 @@
               <a:buChar char="○"/>
               <a:defRPr/>
             </a:lvl5pPr>
-            <a:lvl6pPr indent="-298450" lvl="5" marL="2743200">
+            <a:lvl6pPr marL="2743200" lvl="5" indent="-298450">
               <a:spcBef>
                 <a:spcPts val="1600"/>
               </a:spcBef>
@@ -5442,7 +5738,7 @@
               <a:buChar char="■"/>
               <a:defRPr/>
             </a:lvl6pPr>
-            <a:lvl7pPr indent="-298450" lvl="6" marL="3200400">
+            <a:lvl7pPr marL="3200400" lvl="6" indent="-298450">
               <a:spcBef>
                 <a:spcPts val="1600"/>
               </a:spcBef>
@@ -5453,7 +5749,7 @@
               <a:buChar char="●"/>
               <a:defRPr/>
             </a:lvl7pPr>
-            <a:lvl8pPr indent="-298450" lvl="7" marL="3657600">
+            <a:lvl8pPr marL="3657600" lvl="7" indent="-298450">
               <a:spcBef>
                 <a:spcPts val="1600"/>
               </a:spcBef>
@@ -5464,7 +5760,7 @@
               <a:buChar char="○"/>
               <a:defRPr/>
             </a:lvl8pPr>
-            <a:lvl9pPr indent="-298450" lvl="8" marL="4114800">
+            <a:lvl9pPr marL="4114800" lvl="8" indent="-298450">
               <a:spcBef>
                 <a:spcPts val="1600"/>
               </a:spcBef>
@@ -5476,15 +5772,19 @@
               <a:defRPr/>
             </a:lvl9pPr>
           </a:lstStyle>
-          <a:p/>
+          <a:p>
+            <a:endParaRPr/>
+          </a:p>
         </p:txBody>
       </p:sp>
       <p:sp>
         <p:nvSpPr>
           <p:cNvPr id="55" name="Google Shape;55;p5"/>
-          <p:cNvSpPr txBox="1"/>
+          <p:cNvSpPr txBox="1">
+            <a:spLocks noGrp="1"/>
+          </p:cNvSpPr>
           <p:nvPr>
-            <p:ph idx="12" type="sldNum"/>
+            <p:ph type="sldNum" idx="12"/>
           </p:nvPr>
         </p:nvSpPr>
         <p:spPr>
@@ -5497,7 +5797,7 @@
           </a:prstGeom>
         </p:spPr>
         <p:txBody>
-          <a:bodyPr anchorCtr="0" anchor="ctr" bIns="91425" lIns="91425" spcFirstLastPara="1" rIns="91425" wrap="square" tIns="91425">
+          <a:bodyPr spcFirstLastPara="1" wrap="square" lIns="91425" tIns="91425" rIns="91425" bIns="91425" anchor="ctr" anchorCtr="0">
             <a:noAutofit/>
           </a:bodyPr>
           <a:lstStyle>
@@ -5539,7 +5839,7 @@
             </a:lvl9pPr>
           </a:lstStyle>
           <a:p>
-            <a:pPr indent="0" lvl="0" marL="0" rtl="0" algn="r">
+            <a:pPr marL="0" lvl="0" indent="0" algn="r" rtl="0">
               <a:spcBef>
                 <a:spcPts val="0"/>
               </a:spcBef>
@@ -5565,11 +5865,11 @@
 </file>
 
 <file path=ppt/slideLayouts/slideLayout5.xml><?xml version="1.0" encoding="utf-8"?>
-<p:sldLayout xmlns:a="http://schemas.openxmlformats.org/drawingml/2006/main" xmlns:r="http://schemas.openxmlformats.org/officeDocument/2006/relationships" xmlns:mc="http://schemas.openxmlformats.org/markup-compatibility/2006" xmlns:mv="urn:schemas-microsoft-com:mac:vml" xmlns:p="http://schemas.openxmlformats.org/presentationml/2006/main" xmlns:c="http://schemas.openxmlformats.org/drawingml/2006/chart" xmlns:dgm="http://schemas.openxmlformats.org/drawingml/2006/diagram" xmlns:o="urn:schemas-microsoft-com:office:office" xmlns:v="urn:schemas-microsoft-com:vml" xmlns:pvml="urn:schemas-microsoft-com:office:powerpoint" xmlns:com="http://schemas.openxmlformats.org/drawingml/2006/compatibility" xmlns:p14="http://schemas.microsoft.com/office/powerpoint/2010/main" xmlns:p15="http://schemas.microsoft.com/office/powerpoint/2012/main" xmlns:ahyp="http://schemas.microsoft.com/office/drawing/2018/hyperlinkcolor" matchingName="Title only" type="titleOnly">
+<p:sldLayout xmlns:a="http://schemas.openxmlformats.org/drawingml/2006/main" xmlns:r="http://schemas.openxmlformats.org/officeDocument/2006/relationships" xmlns:p="http://schemas.openxmlformats.org/presentationml/2006/main" matchingName="Title only" type="titleOnly">
   <p:cSld name="TITLE_ONLY">
     <p:spTree>
       <p:nvGrpSpPr>
-        <p:cNvPr id="56" name="Shape 56"/>
+        <p:cNvPr id="1" name="Shape 56"/>
         <p:cNvGrpSpPr/>
         <p:nvPr/>
       </p:nvGrpSpPr>
@@ -5608,7 +5908,7 @@
             </a:xfrm>
             <a:prstGeom prst="diagStripe">
               <a:avLst>
-                <a:gd fmla="val 50000" name="adj"/>
+                <a:gd name="adj" fmla="val 50000"/>
               </a:avLst>
             </a:prstGeom>
             <a:solidFill>
@@ -5619,12 +5919,12 @@
             </a:ln>
           </p:spPr>
           <p:txBody>
-            <a:bodyPr anchorCtr="0" anchor="ctr" bIns="91425" lIns="91425" spcFirstLastPara="1" rIns="91425" wrap="square" tIns="91425">
+            <a:bodyPr spcFirstLastPara="1" wrap="square" lIns="91425" tIns="91425" rIns="91425" bIns="91425" anchor="ctr" anchorCtr="0">
               <a:noAutofit/>
             </a:bodyPr>
             <a:lstStyle/>
             <a:p>
-              <a:pPr indent="0" lvl="0" marL="0" rtl="0" algn="l">
+              <a:pPr marL="0" lvl="0" indent="0" algn="l" rtl="0">
                 <a:spcBef>
                   <a:spcPts val="0"/>
                 </a:spcBef>
@@ -5633,9 +5933,6 @@
                 </a:spcAft>
                 <a:buNone/>
               </a:pPr>
-              <a:r>
-                <a:t/>
-              </a:r>
               <a:endParaRPr/>
             </a:p>
           </p:txBody>
@@ -5653,7 +5950,7 @@
             </a:xfrm>
             <a:prstGeom prst="diagStripe">
               <a:avLst>
-                <a:gd fmla="val 50000" name="adj"/>
+                <a:gd name="adj" fmla="val 50000"/>
               </a:avLst>
             </a:prstGeom>
             <a:solidFill>
@@ -5664,12 +5961,12 @@
             </a:ln>
           </p:spPr>
           <p:txBody>
-            <a:bodyPr anchorCtr="0" anchor="ctr" bIns="91425" lIns="91425" spcFirstLastPara="1" rIns="91425" wrap="square" tIns="91425">
+            <a:bodyPr spcFirstLastPara="1" wrap="square" lIns="91425" tIns="91425" rIns="91425" bIns="91425" anchor="ctr" anchorCtr="0">
               <a:noAutofit/>
             </a:bodyPr>
             <a:lstStyle/>
             <a:p>
-              <a:pPr indent="0" lvl="0" marL="0" rtl="0" algn="l">
+              <a:pPr marL="0" lvl="0" indent="0" algn="l" rtl="0">
                 <a:spcBef>
                   <a:spcPts val="0"/>
                 </a:spcBef>
@@ -5678,9 +5975,6 @@
                 </a:spcAft>
                 <a:buNone/>
               </a:pPr>
-              <a:r>
-                <a:t/>
-              </a:r>
               <a:endParaRPr/>
             </a:p>
           </p:txBody>
@@ -5689,7 +5983,9 @@
       <p:sp>
         <p:nvSpPr>
           <p:cNvPr id="60" name="Google Shape;60;p6"/>
-          <p:cNvSpPr txBox="1"/>
+          <p:cNvSpPr txBox="1">
+            <a:spLocks noGrp="1"/>
+          </p:cNvSpPr>
           <p:nvPr>
             <p:ph type="title"/>
           </p:nvPr>
@@ -5704,7 +6000,7 @@
           </a:prstGeom>
         </p:spPr>
         <p:txBody>
-          <a:bodyPr anchorCtr="0" anchor="t" bIns="91425" lIns="91425" spcFirstLastPara="1" rIns="91425" wrap="square" tIns="91425">
+          <a:bodyPr spcFirstLastPara="1" wrap="square" lIns="91425" tIns="91425" rIns="91425" bIns="91425" anchor="t" anchorCtr="0">
             <a:noAutofit/>
           </a:bodyPr>
           <a:lstStyle>
@@ -5808,15 +6104,19 @@
               <a:defRPr sz="2400"/>
             </a:lvl9pPr>
           </a:lstStyle>
-          <a:p/>
+          <a:p>
+            <a:endParaRPr/>
+          </a:p>
         </p:txBody>
       </p:sp>
       <p:sp>
         <p:nvSpPr>
           <p:cNvPr id="61" name="Google Shape;61;p6"/>
-          <p:cNvSpPr txBox="1"/>
+          <p:cNvSpPr txBox="1">
+            <a:spLocks noGrp="1"/>
+          </p:cNvSpPr>
           <p:nvPr>
-            <p:ph idx="12" type="sldNum"/>
+            <p:ph type="sldNum" idx="12"/>
           </p:nvPr>
         </p:nvSpPr>
         <p:spPr>
@@ -5829,7 +6129,7 @@
           </a:prstGeom>
         </p:spPr>
         <p:txBody>
-          <a:bodyPr anchorCtr="0" anchor="ctr" bIns="91425" lIns="91425" spcFirstLastPara="1" rIns="91425" wrap="square" tIns="91425">
+          <a:bodyPr spcFirstLastPara="1" wrap="square" lIns="91425" tIns="91425" rIns="91425" bIns="91425" anchor="ctr" anchorCtr="0">
             <a:noAutofit/>
           </a:bodyPr>
           <a:lstStyle>
@@ -5871,7 +6171,7 @@
             </a:lvl9pPr>
           </a:lstStyle>
           <a:p>
-            <a:pPr indent="0" lvl="0" marL="0" rtl="0" algn="r">
+            <a:pPr marL="0" lvl="0" indent="0" algn="r" rtl="0">
               <a:spcBef>
                 <a:spcPts val="0"/>
               </a:spcBef>
@@ -5897,11 +6197,11 @@
 </file>
 
 <file path=ppt/slideLayouts/slideLayout6.xml><?xml version="1.0" encoding="utf-8"?>
-<p:sldLayout xmlns:a="http://schemas.openxmlformats.org/drawingml/2006/main" xmlns:r="http://schemas.openxmlformats.org/officeDocument/2006/relationships" xmlns:mc="http://schemas.openxmlformats.org/markup-compatibility/2006" xmlns:mv="urn:schemas-microsoft-com:mac:vml" xmlns:p="http://schemas.openxmlformats.org/presentationml/2006/main" xmlns:c="http://schemas.openxmlformats.org/drawingml/2006/chart" xmlns:dgm="http://schemas.openxmlformats.org/drawingml/2006/diagram" xmlns:o="urn:schemas-microsoft-com:office:office" xmlns:v="urn:schemas-microsoft-com:vml" xmlns:pvml="urn:schemas-microsoft-com:office:powerpoint" xmlns:com="http://schemas.openxmlformats.org/drawingml/2006/compatibility" xmlns:p14="http://schemas.microsoft.com/office/powerpoint/2010/main" xmlns:p15="http://schemas.microsoft.com/office/powerpoint/2012/main" xmlns:ahyp="http://schemas.microsoft.com/office/drawing/2018/hyperlinkcolor" matchingName="One column text">
+<p:sldLayout xmlns:a="http://schemas.openxmlformats.org/drawingml/2006/main" xmlns:r="http://schemas.openxmlformats.org/officeDocument/2006/relationships" xmlns:p="http://schemas.openxmlformats.org/presentationml/2006/main" matchingName="One column text">
   <p:cSld name="ONE_COLUMN_TEXT">
     <p:spTree>
       <p:nvGrpSpPr>
-        <p:cNvPr id="62" name="Shape 62"/>
+        <p:cNvPr id="1" name="Shape 62"/>
         <p:cNvGrpSpPr/>
         <p:nvPr/>
       </p:nvGrpSpPr>
@@ -5940,7 +6240,7 @@
             </a:xfrm>
             <a:prstGeom prst="diagStripe">
               <a:avLst>
-                <a:gd fmla="val 50000" name="adj"/>
+                <a:gd name="adj" fmla="val 50000"/>
               </a:avLst>
             </a:prstGeom>
             <a:solidFill>
@@ -5951,12 +6251,12 @@
             </a:ln>
           </p:spPr>
           <p:txBody>
-            <a:bodyPr anchorCtr="0" anchor="ctr" bIns="91425" lIns="91425" spcFirstLastPara="1" rIns="91425" wrap="square" tIns="91425">
+            <a:bodyPr spcFirstLastPara="1" wrap="square" lIns="91425" tIns="91425" rIns="91425" bIns="91425" anchor="ctr" anchorCtr="0">
               <a:noAutofit/>
             </a:bodyPr>
             <a:lstStyle/>
             <a:p>
-              <a:pPr indent="0" lvl="0" marL="0" rtl="0" algn="l">
+              <a:pPr marL="0" lvl="0" indent="0" algn="l" rtl="0">
                 <a:spcBef>
                   <a:spcPts val="0"/>
                 </a:spcBef>
@@ -5965,9 +6265,6 @@
                 </a:spcAft>
                 <a:buNone/>
               </a:pPr>
-              <a:r>
-                <a:t/>
-              </a:r>
               <a:endParaRPr/>
             </a:p>
           </p:txBody>
@@ -5985,7 +6282,7 @@
             </a:xfrm>
             <a:prstGeom prst="diagStripe">
               <a:avLst>
-                <a:gd fmla="val 50000" name="adj"/>
+                <a:gd name="adj" fmla="val 50000"/>
               </a:avLst>
             </a:prstGeom>
             <a:solidFill>
@@ -5996,12 +6293,12 @@
             </a:ln>
           </p:spPr>
           <p:txBody>
-            <a:bodyPr anchorCtr="0" anchor="ctr" bIns="91425" lIns="91425" spcFirstLastPara="1" rIns="91425" wrap="square" tIns="91425">
+            <a:bodyPr spcFirstLastPara="1" wrap="square" lIns="91425" tIns="91425" rIns="91425" bIns="91425" anchor="ctr" anchorCtr="0">
               <a:noAutofit/>
             </a:bodyPr>
             <a:lstStyle/>
             <a:p>
-              <a:pPr indent="0" lvl="0" marL="0" rtl="0" algn="l">
+              <a:pPr marL="0" lvl="0" indent="0" algn="l" rtl="0">
                 <a:spcBef>
                   <a:spcPts val="0"/>
                 </a:spcBef>
@@ -6010,9 +6307,6 @@
                 </a:spcAft>
                 <a:buNone/>
               </a:pPr>
-              <a:r>
-                <a:t/>
-              </a:r>
               <a:endParaRPr/>
             </a:p>
           </p:txBody>
@@ -6021,7 +6315,9 @@
       <p:sp>
         <p:nvSpPr>
           <p:cNvPr id="66" name="Google Shape;66;p7"/>
-          <p:cNvSpPr txBox="1"/>
+          <p:cNvSpPr txBox="1">
+            <a:spLocks noGrp="1"/>
+          </p:cNvSpPr>
           <p:nvPr>
             <p:ph type="title"/>
           </p:nvPr>
@@ -6036,7 +6332,7 @@
           </a:prstGeom>
         </p:spPr>
         <p:txBody>
-          <a:bodyPr anchorCtr="0" anchor="t" bIns="91425" lIns="91425" spcFirstLastPara="1" rIns="91425" wrap="square" tIns="91425">
+          <a:bodyPr spcFirstLastPara="1" wrap="square" lIns="91425" tIns="91425" rIns="91425" bIns="91425" anchor="t" anchorCtr="0">
             <a:noAutofit/>
           </a:bodyPr>
           <a:lstStyle>
@@ -6140,15 +6436,19 @@
               <a:defRPr sz="2400"/>
             </a:lvl9pPr>
           </a:lstStyle>
-          <a:p/>
+          <a:p>
+            <a:endParaRPr/>
+          </a:p>
         </p:txBody>
       </p:sp>
       <p:sp>
         <p:nvSpPr>
           <p:cNvPr id="67" name="Google Shape;67;p7"/>
-          <p:cNvSpPr txBox="1"/>
+          <p:cNvSpPr txBox="1">
+            <a:spLocks noGrp="1"/>
+          </p:cNvSpPr>
           <p:nvPr>
-            <p:ph idx="1" type="body"/>
+            <p:ph type="body" idx="1"/>
           </p:nvPr>
         </p:nvSpPr>
         <p:spPr>
@@ -6161,11 +6461,11 @@
           </a:prstGeom>
         </p:spPr>
         <p:txBody>
-          <a:bodyPr anchorCtr="0" anchor="t" bIns="91425" lIns="91425" spcFirstLastPara="1" rIns="91425" wrap="square" tIns="91425">
+          <a:bodyPr spcFirstLastPara="1" wrap="square" lIns="91425" tIns="91425" rIns="91425" bIns="91425" anchor="t" anchorCtr="0">
             <a:noAutofit/>
           </a:bodyPr>
           <a:lstStyle>
-            <a:lvl1pPr indent="-311150" lvl="0" marL="457200">
+            <a:lvl1pPr marL="457200" lvl="0" indent="-311150">
               <a:spcBef>
                 <a:spcPts val="0"/>
               </a:spcBef>
@@ -6176,7 +6476,7 @@
               <a:buChar char="●"/>
               <a:defRPr/>
             </a:lvl1pPr>
-            <a:lvl2pPr indent="-298450" lvl="1" marL="914400">
+            <a:lvl2pPr marL="914400" lvl="1" indent="-298450">
               <a:spcBef>
                 <a:spcPts val="1600"/>
               </a:spcBef>
@@ -6187,7 +6487,7 @@
               <a:buChar char="○"/>
               <a:defRPr/>
             </a:lvl2pPr>
-            <a:lvl3pPr indent="-298450" lvl="2" marL="1371600">
+            <a:lvl3pPr marL="1371600" lvl="2" indent="-298450">
               <a:spcBef>
                 <a:spcPts val="1600"/>
               </a:spcBef>
@@ -6198,7 +6498,7 @@
               <a:buChar char="■"/>
               <a:defRPr/>
             </a:lvl3pPr>
-            <a:lvl4pPr indent="-298450" lvl="3" marL="1828800">
+            <a:lvl4pPr marL="1828800" lvl="3" indent="-298450">
               <a:spcBef>
                 <a:spcPts val="1600"/>
               </a:spcBef>
@@ -6209,7 +6509,7 @@
               <a:buChar char="●"/>
               <a:defRPr/>
             </a:lvl4pPr>
-            <a:lvl5pPr indent="-298450" lvl="4" marL="2286000">
+            <a:lvl5pPr marL="2286000" lvl="4" indent="-298450">
               <a:spcBef>
                 <a:spcPts val="1600"/>
               </a:spcBef>
@@ -6220,7 +6520,7 @@
               <a:buChar char="○"/>
               <a:defRPr/>
             </a:lvl5pPr>
-            <a:lvl6pPr indent="-298450" lvl="5" marL="2743200">
+            <a:lvl6pPr marL="2743200" lvl="5" indent="-298450">
               <a:spcBef>
                 <a:spcPts val="1600"/>
               </a:spcBef>
@@ -6231,7 +6531,7 @@
               <a:buChar char="■"/>
               <a:defRPr/>
             </a:lvl6pPr>
-            <a:lvl7pPr indent="-298450" lvl="6" marL="3200400">
+            <a:lvl7pPr marL="3200400" lvl="6" indent="-298450">
               <a:spcBef>
                 <a:spcPts val="1600"/>
               </a:spcBef>
@@ -6242,7 +6542,7 @@
               <a:buChar char="●"/>
               <a:defRPr/>
             </a:lvl7pPr>
-            <a:lvl8pPr indent="-298450" lvl="7" marL="3657600">
+            <a:lvl8pPr marL="3657600" lvl="7" indent="-298450">
               <a:spcBef>
                 <a:spcPts val="1600"/>
               </a:spcBef>
@@ -6253,7 +6553,7 @@
               <a:buChar char="○"/>
               <a:defRPr/>
             </a:lvl8pPr>
-            <a:lvl9pPr indent="-298450" lvl="8" marL="4114800">
+            <a:lvl9pPr marL="4114800" lvl="8" indent="-298450">
               <a:spcBef>
                 <a:spcPts val="1600"/>
               </a:spcBef>
@@ -6265,15 +6565,19 @@
               <a:defRPr/>
             </a:lvl9pPr>
           </a:lstStyle>
-          <a:p/>
+          <a:p>
+            <a:endParaRPr/>
+          </a:p>
         </p:txBody>
       </p:sp>
       <p:sp>
         <p:nvSpPr>
           <p:cNvPr id="68" name="Google Shape;68;p7"/>
-          <p:cNvSpPr txBox="1"/>
+          <p:cNvSpPr txBox="1">
+            <a:spLocks noGrp="1"/>
+          </p:cNvSpPr>
           <p:nvPr>
-            <p:ph idx="12" type="sldNum"/>
+            <p:ph type="sldNum" idx="12"/>
           </p:nvPr>
         </p:nvSpPr>
         <p:spPr>
@@ -6286,7 +6590,7 @@
           </a:prstGeom>
         </p:spPr>
         <p:txBody>
-          <a:bodyPr anchorCtr="0" anchor="ctr" bIns="91425" lIns="91425" spcFirstLastPara="1" rIns="91425" wrap="square" tIns="91425">
+          <a:bodyPr spcFirstLastPara="1" wrap="square" lIns="91425" tIns="91425" rIns="91425" bIns="91425" anchor="ctr" anchorCtr="0">
             <a:noAutofit/>
           </a:bodyPr>
           <a:lstStyle>
@@ -6328,7 +6632,7 @@
             </a:lvl9pPr>
           </a:lstStyle>
           <a:p>
-            <a:pPr indent="0" lvl="0" marL="0" rtl="0" algn="r">
+            <a:pPr marL="0" lvl="0" indent="0" algn="r" rtl="0">
               <a:spcBef>
                 <a:spcPts val="0"/>
               </a:spcBef>
@@ -6354,11 +6658,11 @@
 </file>
 
 <file path=ppt/slideLayouts/slideLayout7.xml><?xml version="1.0" encoding="utf-8"?>
-<p:sldLayout xmlns:a="http://schemas.openxmlformats.org/drawingml/2006/main" xmlns:r="http://schemas.openxmlformats.org/officeDocument/2006/relationships" xmlns:mc="http://schemas.openxmlformats.org/markup-compatibility/2006" xmlns:mv="urn:schemas-microsoft-com:mac:vml" xmlns:p="http://schemas.openxmlformats.org/presentationml/2006/main" xmlns:c="http://schemas.openxmlformats.org/drawingml/2006/chart" xmlns:dgm="http://schemas.openxmlformats.org/drawingml/2006/diagram" xmlns:o="urn:schemas-microsoft-com:office:office" xmlns:v="urn:schemas-microsoft-com:vml" xmlns:pvml="urn:schemas-microsoft-com:office:powerpoint" xmlns:com="http://schemas.openxmlformats.org/drawingml/2006/compatibility" xmlns:p14="http://schemas.microsoft.com/office/powerpoint/2010/main" xmlns:p15="http://schemas.microsoft.com/office/powerpoint/2012/main" xmlns:ahyp="http://schemas.microsoft.com/office/drawing/2018/hyperlinkcolor" matchingName="Main point">
+<p:sldLayout xmlns:a="http://schemas.openxmlformats.org/drawingml/2006/main" xmlns:r="http://schemas.openxmlformats.org/officeDocument/2006/relationships" xmlns:p="http://schemas.openxmlformats.org/presentationml/2006/main" matchingName="Main point">
   <p:cSld name="MAIN_POINT">
     <p:spTree>
       <p:nvGrpSpPr>
-        <p:cNvPr id="69" name="Shape 69"/>
+        <p:cNvPr id="1" name="Shape 69"/>
         <p:cNvGrpSpPr/>
         <p:nvPr/>
       </p:nvGrpSpPr>
@@ -6397,7 +6701,7 @@
             </a:xfrm>
             <a:prstGeom prst="diagStripe">
               <a:avLst>
-                <a:gd fmla="val 49469" name="adj"/>
+                <a:gd name="adj" fmla="val 49469"/>
               </a:avLst>
             </a:prstGeom>
             <a:solidFill>
@@ -6410,12 +6714,12 @@
             </a:ln>
           </p:spPr>
           <p:txBody>
-            <a:bodyPr anchorCtr="0" anchor="ctr" bIns="91425" lIns="91425" spcFirstLastPara="1" rIns="91425" wrap="square" tIns="91425">
+            <a:bodyPr spcFirstLastPara="1" wrap="square" lIns="91425" tIns="91425" rIns="91425" bIns="91425" anchor="ctr" anchorCtr="0">
               <a:noAutofit/>
             </a:bodyPr>
             <a:lstStyle/>
             <a:p>
-              <a:pPr indent="0" lvl="0" marL="0" rtl="0" algn="l">
+              <a:pPr marL="0" lvl="0" indent="0" algn="l" rtl="0">
                 <a:spcBef>
                   <a:spcPts val="0"/>
                 </a:spcBef>
@@ -6424,9 +6728,6 @@
                 </a:spcAft>
                 <a:buNone/>
               </a:pPr>
-              <a:r>
-                <a:t/>
-              </a:r>
               <a:endParaRPr/>
             </a:p>
           </p:txBody>
@@ -6444,7 +6745,7 @@
             </a:xfrm>
             <a:prstGeom prst="diagStripe">
               <a:avLst>
-                <a:gd fmla="val 0" name="adj"/>
+                <a:gd name="adj" fmla="val 0"/>
               </a:avLst>
             </a:prstGeom>
             <a:solidFill>
@@ -6457,12 +6758,12 @@
             </a:ln>
           </p:spPr>
           <p:txBody>
-            <a:bodyPr anchorCtr="0" anchor="ctr" bIns="91425" lIns="91425" spcFirstLastPara="1" rIns="91425" wrap="square" tIns="91425">
+            <a:bodyPr spcFirstLastPara="1" wrap="square" lIns="91425" tIns="91425" rIns="91425" bIns="91425" anchor="ctr" anchorCtr="0">
               <a:noAutofit/>
             </a:bodyPr>
             <a:lstStyle/>
             <a:p>
-              <a:pPr indent="0" lvl="0" marL="0" rtl="0" algn="l">
+              <a:pPr marL="0" lvl="0" indent="0" algn="l" rtl="0">
                 <a:spcBef>
                   <a:spcPts val="0"/>
                 </a:spcBef>
@@ -6471,9 +6772,6 @@
                 </a:spcAft>
                 <a:buNone/>
               </a:pPr>
-              <a:r>
-                <a:t/>
-              </a:r>
               <a:endParaRPr/>
             </a:p>
           </p:txBody>
@@ -6491,7 +6789,7 @@
             </a:xfrm>
             <a:prstGeom prst="diagStripe">
               <a:avLst>
-                <a:gd fmla="val 50000" name="adj"/>
+                <a:gd name="adj" fmla="val 50000"/>
               </a:avLst>
             </a:prstGeom>
             <a:solidFill>
@@ -6504,12 +6802,12 @@
             </a:ln>
           </p:spPr>
           <p:txBody>
-            <a:bodyPr anchorCtr="0" anchor="ctr" bIns="91425" lIns="91425" spcFirstLastPara="1" rIns="91425" wrap="square" tIns="91425">
+            <a:bodyPr spcFirstLastPara="1" wrap="square" lIns="91425" tIns="91425" rIns="91425" bIns="91425" anchor="ctr" anchorCtr="0">
               <a:noAutofit/>
             </a:bodyPr>
             <a:lstStyle/>
             <a:p>
-              <a:pPr indent="0" lvl="0" marL="0" rtl="0" algn="l">
+              <a:pPr marL="0" lvl="0" indent="0" algn="l" rtl="0">
                 <a:spcBef>
                   <a:spcPts val="0"/>
                 </a:spcBef>
@@ -6518,9 +6816,6 @@
                 </a:spcAft>
                 <a:buNone/>
               </a:pPr>
-              <a:r>
-                <a:t/>
-              </a:r>
               <a:endParaRPr/>
             </a:p>
           </p:txBody>
@@ -6538,7 +6833,7 @@
             </a:xfrm>
             <a:prstGeom prst="diagStripe">
               <a:avLst>
-                <a:gd fmla="val 50000" name="adj"/>
+                <a:gd name="adj" fmla="val 50000"/>
               </a:avLst>
             </a:prstGeom>
             <a:solidFill>
@@ -6551,12 +6846,12 @@
             </a:ln>
           </p:spPr>
           <p:txBody>
-            <a:bodyPr anchorCtr="0" anchor="ctr" bIns="91425" lIns="91425" spcFirstLastPara="1" rIns="91425" wrap="square" tIns="91425">
+            <a:bodyPr spcFirstLastPara="1" wrap="square" lIns="91425" tIns="91425" rIns="91425" bIns="91425" anchor="ctr" anchorCtr="0">
               <a:noAutofit/>
             </a:bodyPr>
             <a:lstStyle/>
             <a:p>
-              <a:pPr indent="0" lvl="0" marL="0" rtl="0" algn="l">
+              <a:pPr marL="0" lvl="0" indent="0" algn="l" rtl="0">
                 <a:spcBef>
                   <a:spcPts val="0"/>
                 </a:spcBef>
@@ -6565,9 +6860,6 @@
                 </a:spcAft>
                 <a:buNone/>
               </a:pPr>
-              <a:r>
-                <a:t/>
-              </a:r>
               <a:endParaRPr/>
             </a:p>
           </p:txBody>
@@ -6585,7 +6877,7 @@
             </a:xfrm>
             <a:prstGeom prst="diagStripe">
               <a:avLst>
-                <a:gd fmla="val 50000" name="adj"/>
+                <a:gd name="adj" fmla="val 50000"/>
               </a:avLst>
             </a:prstGeom>
             <a:solidFill>
@@ -6598,12 +6890,12 @@
             </a:ln>
           </p:spPr>
           <p:txBody>
-            <a:bodyPr anchorCtr="0" anchor="ctr" bIns="91425" lIns="91425" spcFirstLastPara="1" rIns="91425" wrap="square" tIns="91425">
+            <a:bodyPr spcFirstLastPara="1" wrap="square" lIns="91425" tIns="91425" rIns="91425" bIns="91425" anchor="ctr" anchorCtr="0">
               <a:noAutofit/>
             </a:bodyPr>
             <a:lstStyle/>
             <a:p>
-              <a:pPr indent="0" lvl="0" marL="0" rtl="0" algn="l">
+              <a:pPr marL="0" lvl="0" indent="0" algn="l" rtl="0">
                 <a:spcBef>
                   <a:spcPts val="0"/>
                 </a:spcBef>
@@ -6612,9 +6904,6 @@
                 </a:spcAft>
                 <a:buNone/>
               </a:pPr>
-              <a:r>
-                <a:t/>
-              </a:r>
               <a:endParaRPr/>
             </a:p>
           </p:txBody>
@@ -6632,7 +6921,7 @@
             </a:xfrm>
             <a:prstGeom prst="diagStripe">
               <a:avLst>
-                <a:gd fmla="val 50000" name="adj"/>
+                <a:gd name="adj" fmla="val 50000"/>
               </a:avLst>
             </a:prstGeom>
             <a:solidFill>
@@ -6645,12 +6934,12 @@
             </a:ln>
           </p:spPr>
           <p:txBody>
-            <a:bodyPr anchorCtr="0" anchor="ctr" bIns="91425" lIns="91425" spcFirstLastPara="1" rIns="91425" wrap="square" tIns="91425">
+            <a:bodyPr spcFirstLastPara="1" wrap="square" lIns="91425" tIns="91425" rIns="91425" bIns="91425" anchor="ctr" anchorCtr="0">
               <a:noAutofit/>
             </a:bodyPr>
             <a:lstStyle/>
             <a:p>
-              <a:pPr indent="0" lvl="0" marL="0" rtl="0" algn="l">
+              <a:pPr marL="0" lvl="0" indent="0" algn="l" rtl="0">
                 <a:spcBef>
                   <a:spcPts val="0"/>
                 </a:spcBef>
@@ -6659,9 +6948,6 @@
                 </a:spcAft>
                 <a:buNone/>
               </a:pPr>
-              <a:r>
-                <a:t/>
-              </a:r>
               <a:endParaRPr/>
             </a:p>
           </p:txBody>
@@ -6679,7 +6965,7 @@
             </a:xfrm>
             <a:prstGeom prst="diagStripe">
               <a:avLst>
-                <a:gd fmla="val 50000" name="adj"/>
+                <a:gd name="adj" fmla="val 50000"/>
               </a:avLst>
             </a:prstGeom>
             <a:solidFill>
@@ -6692,12 +6978,12 @@
             </a:ln>
           </p:spPr>
           <p:txBody>
-            <a:bodyPr anchorCtr="0" anchor="ctr" bIns="91425" lIns="91425" spcFirstLastPara="1" rIns="91425" wrap="square" tIns="91425">
+            <a:bodyPr spcFirstLastPara="1" wrap="square" lIns="91425" tIns="91425" rIns="91425" bIns="91425" anchor="ctr" anchorCtr="0">
               <a:noAutofit/>
             </a:bodyPr>
             <a:lstStyle/>
             <a:p>
-              <a:pPr indent="0" lvl="0" marL="0" rtl="0" algn="l">
+              <a:pPr marL="0" lvl="0" indent="0" algn="l" rtl="0">
                 <a:spcBef>
                   <a:spcPts val="0"/>
                 </a:spcBef>
@@ -6706,9 +6992,6 @@
                 </a:spcAft>
                 <a:buNone/>
               </a:pPr>
-              <a:r>
-                <a:t/>
-              </a:r>
               <a:endParaRPr/>
             </a:p>
           </p:txBody>
@@ -6726,7 +7009,7 @@
             </a:xfrm>
             <a:prstGeom prst="diagStripe">
               <a:avLst>
-                <a:gd fmla="val 50000" name="adj"/>
+                <a:gd name="adj" fmla="val 50000"/>
               </a:avLst>
             </a:prstGeom>
             <a:solidFill>
@@ -6737,12 +7020,12 @@
             </a:ln>
           </p:spPr>
           <p:txBody>
-            <a:bodyPr anchorCtr="0" anchor="ctr" bIns="91425" lIns="91425" spcFirstLastPara="1" rIns="91425" wrap="square" tIns="91425">
+            <a:bodyPr spcFirstLastPara="1" wrap="square" lIns="91425" tIns="91425" rIns="91425" bIns="91425" anchor="ctr" anchorCtr="0">
               <a:noAutofit/>
             </a:bodyPr>
             <a:lstStyle/>
             <a:p>
-              <a:pPr indent="0" lvl="0" marL="0" rtl="0" algn="l">
+              <a:pPr marL="0" lvl="0" indent="0" algn="l" rtl="0">
                 <a:spcBef>
                   <a:spcPts val="0"/>
                 </a:spcBef>
@@ -6751,9 +7034,6 @@
                 </a:spcAft>
                 <a:buNone/>
               </a:pPr>
-              <a:r>
-                <a:t/>
-              </a:r>
               <a:endParaRPr/>
             </a:p>
           </p:txBody>
@@ -6771,7 +7051,7 @@
             </a:xfrm>
             <a:prstGeom prst="diagStripe">
               <a:avLst>
-                <a:gd fmla="val 50000" name="adj"/>
+                <a:gd name="adj" fmla="val 50000"/>
               </a:avLst>
             </a:prstGeom>
             <a:solidFill>
@@ -6784,12 +7064,12 @@
             </a:ln>
           </p:spPr>
           <p:txBody>
-            <a:bodyPr anchorCtr="0" anchor="ctr" bIns="91425" lIns="91425" spcFirstLastPara="1" rIns="91425" wrap="square" tIns="91425">
+            <a:bodyPr spcFirstLastPara="1" wrap="square" lIns="91425" tIns="91425" rIns="91425" bIns="91425" anchor="ctr" anchorCtr="0">
               <a:noAutofit/>
             </a:bodyPr>
             <a:lstStyle/>
             <a:p>
-              <a:pPr indent="0" lvl="0" marL="0" rtl="0" algn="l">
+              <a:pPr marL="0" lvl="0" indent="0" algn="l" rtl="0">
                 <a:spcBef>
                   <a:spcPts val="0"/>
                 </a:spcBef>
@@ -6798,9 +7078,6 @@
                 </a:spcAft>
                 <a:buNone/>
               </a:pPr>
-              <a:r>
-                <a:t/>
-              </a:r>
               <a:endParaRPr/>
             </a:p>
           </p:txBody>
@@ -6818,7 +7095,7 @@
             </a:xfrm>
             <a:prstGeom prst="diagStripe">
               <a:avLst>
-                <a:gd fmla="val 50000" name="adj"/>
+                <a:gd name="adj" fmla="val 50000"/>
               </a:avLst>
             </a:prstGeom>
             <a:solidFill>
@@ -6831,12 +7108,12 @@
             </a:ln>
           </p:spPr>
           <p:txBody>
-            <a:bodyPr anchorCtr="0" anchor="ctr" bIns="91425" lIns="91425" spcFirstLastPara="1" rIns="91425" wrap="square" tIns="91425">
+            <a:bodyPr spcFirstLastPara="1" wrap="square" lIns="91425" tIns="91425" rIns="91425" bIns="91425" anchor="ctr" anchorCtr="0">
               <a:noAutofit/>
             </a:bodyPr>
             <a:lstStyle/>
             <a:p>
-              <a:pPr indent="0" lvl="0" marL="0" rtl="0" algn="l">
+              <a:pPr marL="0" lvl="0" indent="0" algn="l" rtl="0">
                 <a:spcBef>
                   <a:spcPts val="0"/>
                 </a:spcBef>
@@ -6845,9 +7122,6 @@
                 </a:spcAft>
                 <a:buNone/>
               </a:pPr>
-              <a:r>
-                <a:t/>
-              </a:r>
               <a:endParaRPr/>
             </a:p>
           </p:txBody>
@@ -6865,7 +7139,7 @@
             </a:xfrm>
             <a:prstGeom prst="diagStripe">
               <a:avLst>
-                <a:gd fmla="val 50000" name="adj"/>
+                <a:gd name="adj" fmla="val 50000"/>
               </a:avLst>
             </a:prstGeom>
             <a:solidFill>
@@ -6878,12 +7152,12 @@
             </a:ln>
           </p:spPr>
           <p:txBody>
-            <a:bodyPr anchorCtr="0" anchor="ctr" bIns="91425" lIns="91425" spcFirstLastPara="1" rIns="91425" wrap="square" tIns="91425">
+            <a:bodyPr spcFirstLastPara="1" wrap="square" lIns="91425" tIns="91425" rIns="91425" bIns="91425" anchor="ctr" anchorCtr="0">
               <a:noAutofit/>
             </a:bodyPr>
             <a:lstStyle/>
             <a:p>
-              <a:pPr indent="0" lvl="0" marL="0" rtl="0" algn="l">
+              <a:pPr marL="0" lvl="0" indent="0" algn="l" rtl="0">
                 <a:spcBef>
                   <a:spcPts val="0"/>
                 </a:spcBef>
@@ -6892,9 +7166,6 @@
                 </a:spcAft>
                 <a:buNone/>
               </a:pPr>
-              <a:r>
-                <a:t/>
-              </a:r>
               <a:endParaRPr/>
             </a:p>
           </p:txBody>
@@ -6912,7 +7183,7 @@
             </a:xfrm>
             <a:prstGeom prst="diagStripe">
               <a:avLst>
-                <a:gd fmla="val 50000" name="adj"/>
+                <a:gd name="adj" fmla="val 50000"/>
               </a:avLst>
             </a:prstGeom>
             <a:solidFill>
@@ -6925,12 +7196,12 @@
             </a:ln>
           </p:spPr>
           <p:txBody>
-            <a:bodyPr anchorCtr="0" anchor="ctr" bIns="91425" lIns="91425" spcFirstLastPara="1" rIns="91425" wrap="square" tIns="91425">
+            <a:bodyPr spcFirstLastPara="1" wrap="square" lIns="91425" tIns="91425" rIns="91425" bIns="91425" anchor="ctr" anchorCtr="0">
               <a:noAutofit/>
             </a:bodyPr>
             <a:lstStyle/>
             <a:p>
-              <a:pPr indent="0" lvl="0" marL="0" rtl="0" algn="l">
+              <a:pPr marL="0" lvl="0" indent="0" algn="l" rtl="0">
                 <a:spcBef>
                   <a:spcPts val="0"/>
                 </a:spcBef>
@@ -6939,9 +7210,6 @@
                 </a:spcAft>
                 <a:buNone/>
               </a:pPr>
-              <a:r>
-                <a:t/>
-              </a:r>
               <a:endParaRPr/>
             </a:p>
           </p:txBody>
@@ -6959,7 +7227,7 @@
             </a:xfrm>
             <a:prstGeom prst="diagStripe">
               <a:avLst>
-                <a:gd fmla="val 50000" name="adj"/>
+                <a:gd name="adj" fmla="val 50000"/>
               </a:avLst>
             </a:prstGeom>
             <a:solidFill>
@@ -6972,12 +7240,12 @@
             </a:ln>
           </p:spPr>
           <p:txBody>
-            <a:bodyPr anchorCtr="0" anchor="ctr" bIns="91425" lIns="91425" spcFirstLastPara="1" rIns="91425" wrap="square" tIns="91425">
+            <a:bodyPr spcFirstLastPara="1" wrap="square" lIns="91425" tIns="91425" rIns="91425" bIns="91425" anchor="ctr" anchorCtr="0">
               <a:noAutofit/>
             </a:bodyPr>
             <a:lstStyle/>
             <a:p>
-              <a:pPr indent="0" lvl="0" marL="0" rtl="0" algn="l">
+              <a:pPr marL="0" lvl="0" indent="0" algn="l" rtl="0">
                 <a:spcBef>
                   <a:spcPts val="0"/>
                 </a:spcBef>
@@ -6986,9 +7254,6 @@
                 </a:spcAft>
                 <a:buNone/>
               </a:pPr>
-              <a:r>
-                <a:t/>
-              </a:r>
               <a:endParaRPr/>
             </a:p>
           </p:txBody>
@@ -7006,7 +7271,7 @@
             </a:xfrm>
             <a:prstGeom prst="diagStripe">
               <a:avLst>
-                <a:gd fmla="val 50000" name="adj"/>
+                <a:gd name="adj" fmla="val 50000"/>
               </a:avLst>
             </a:prstGeom>
             <a:solidFill>
@@ -7017,12 +7282,12 @@
             </a:ln>
           </p:spPr>
           <p:txBody>
-            <a:bodyPr anchorCtr="0" anchor="ctr" bIns="91425" lIns="91425" spcFirstLastPara="1" rIns="91425" wrap="square" tIns="91425">
+            <a:bodyPr spcFirstLastPara="1" wrap="square" lIns="91425" tIns="91425" rIns="91425" bIns="91425" anchor="ctr" anchorCtr="0">
               <a:noAutofit/>
             </a:bodyPr>
             <a:lstStyle/>
             <a:p>
-              <a:pPr indent="0" lvl="0" marL="0" rtl="0" algn="l">
+              <a:pPr marL="0" lvl="0" indent="0" algn="l" rtl="0">
                 <a:spcBef>
                   <a:spcPts val="0"/>
                 </a:spcBef>
@@ -7031,9 +7296,6 @@
                 </a:spcAft>
                 <a:buNone/>
               </a:pPr>
-              <a:r>
-                <a:t/>
-              </a:r>
               <a:endParaRPr/>
             </a:p>
           </p:txBody>
@@ -7051,7 +7313,7 @@
             </a:xfrm>
             <a:prstGeom prst="diagStripe">
               <a:avLst>
-                <a:gd fmla="val 50000" name="adj"/>
+                <a:gd name="adj" fmla="val 50000"/>
               </a:avLst>
             </a:prstGeom>
             <a:solidFill>
@@ -7064,12 +7326,12 @@
             </a:ln>
           </p:spPr>
           <p:txBody>
-            <a:bodyPr anchorCtr="0" anchor="ctr" bIns="91425" lIns="91425" spcFirstLastPara="1" rIns="91425" wrap="square" tIns="91425">
+            <a:bodyPr spcFirstLastPara="1" wrap="square" lIns="91425" tIns="91425" rIns="91425" bIns="91425" anchor="ctr" anchorCtr="0">
               <a:noAutofit/>
             </a:bodyPr>
             <a:lstStyle/>
             <a:p>
-              <a:pPr indent="0" lvl="0" marL="0" rtl="0" algn="l">
+              <a:pPr marL="0" lvl="0" indent="0" algn="l" rtl="0">
                 <a:spcBef>
                   <a:spcPts val="0"/>
                 </a:spcBef>
@@ -7078,9 +7340,6 @@
                 </a:spcAft>
                 <a:buNone/>
               </a:pPr>
-              <a:r>
-                <a:t/>
-              </a:r>
               <a:endParaRPr/>
             </a:p>
           </p:txBody>
@@ -7098,7 +7357,7 @@
             </a:xfrm>
             <a:prstGeom prst="diagStripe">
               <a:avLst>
-                <a:gd fmla="val 50000" name="adj"/>
+                <a:gd name="adj" fmla="val 50000"/>
               </a:avLst>
             </a:prstGeom>
             <a:solidFill>
@@ -7111,12 +7370,12 @@
             </a:ln>
           </p:spPr>
           <p:txBody>
-            <a:bodyPr anchorCtr="0" anchor="ctr" bIns="91425" lIns="91425" spcFirstLastPara="1" rIns="91425" wrap="square" tIns="91425">
+            <a:bodyPr spcFirstLastPara="1" wrap="square" lIns="91425" tIns="91425" rIns="91425" bIns="91425" anchor="ctr" anchorCtr="0">
               <a:noAutofit/>
             </a:bodyPr>
             <a:lstStyle/>
             <a:p>
-              <a:pPr indent="0" lvl="0" marL="0" rtl="0" algn="l">
+              <a:pPr marL="0" lvl="0" indent="0" algn="l" rtl="0">
                 <a:spcBef>
                   <a:spcPts val="0"/>
                 </a:spcBef>
@@ -7125,9 +7384,6 @@
                 </a:spcAft>
                 <a:buNone/>
               </a:pPr>
-              <a:r>
-                <a:t/>
-              </a:r>
               <a:endParaRPr/>
             </a:p>
           </p:txBody>
@@ -7145,7 +7401,7 @@
             </a:xfrm>
             <a:prstGeom prst="diagStripe">
               <a:avLst>
-                <a:gd fmla="val 50000" name="adj"/>
+                <a:gd name="adj" fmla="val 50000"/>
               </a:avLst>
             </a:prstGeom>
             <a:solidFill>
@@ -7158,12 +7414,12 @@
             </a:ln>
           </p:spPr>
           <p:txBody>
-            <a:bodyPr anchorCtr="0" anchor="ctr" bIns="91425" lIns="91425" spcFirstLastPara="1" rIns="91425" wrap="square" tIns="91425">
+            <a:bodyPr spcFirstLastPara="1" wrap="square" lIns="91425" tIns="91425" rIns="91425" bIns="91425" anchor="ctr" anchorCtr="0">
               <a:noAutofit/>
             </a:bodyPr>
             <a:lstStyle/>
             <a:p>
-              <a:pPr indent="0" lvl="0" marL="0" rtl="0" algn="l">
+              <a:pPr marL="0" lvl="0" indent="0" algn="l" rtl="0">
                 <a:spcBef>
                   <a:spcPts val="0"/>
                 </a:spcBef>
@@ -7172,9 +7428,6 @@
                 </a:spcAft>
                 <a:buNone/>
               </a:pPr>
-              <a:r>
-                <a:t/>
-              </a:r>
               <a:endParaRPr/>
             </a:p>
           </p:txBody>
@@ -7192,7 +7445,7 @@
             </a:xfrm>
             <a:prstGeom prst="diagStripe">
               <a:avLst>
-                <a:gd fmla="val 50000" name="adj"/>
+                <a:gd name="adj" fmla="val 50000"/>
               </a:avLst>
             </a:prstGeom>
             <a:solidFill>
@@ -7205,12 +7458,12 @@
             </a:ln>
           </p:spPr>
           <p:txBody>
-            <a:bodyPr anchorCtr="0" anchor="ctr" bIns="91425" lIns="91425" spcFirstLastPara="1" rIns="91425" wrap="square" tIns="91425">
+            <a:bodyPr spcFirstLastPara="1" wrap="square" lIns="91425" tIns="91425" rIns="91425" bIns="91425" anchor="ctr" anchorCtr="0">
               <a:noAutofit/>
             </a:bodyPr>
             <a:lstStyle/>
             <a:p>
-              <a:pPr indent="0" lvl="0" marL="0" rtl="0" algn="l">
+              <a:pPr marL="0" lvl="0" indent="0" algn="l" rtl="0">
                 <a:spcBef>
                   <a:spcPts val="0"/>
                 </a:spcBef>
@@ -7219,9 +7472,6 @@
                 </a:spcAft>
                 <a:buNone/>
               </a:pPr>
-              <a:r>
-                <a:t/>
-              </a:r>
               <a:endParaRPr/>
             </a:p>
           </p:txBody>
@@ -7230,7 +7480,9 @@
       <p:sp>
         <p:nvSpPr>
           <p:cNvPr id="89" name="Google Shape;89;p8"/>
-          <p:cNvSpPr txBox="1"/>
+          <p:cNvSpPr txBox="1">
+            <a:spLocks noGrp="1"/>
+          </p:cNvSpPr>
           <p:nvPr>
             <p:ph type="title"/>
           </p:nvPr>
@@ -7245,7 +7497,7 @@
           </a:prstGeom>
         </p:spPr>
         <p:txBody>
-          <a:bodyPr anchorCtr="0" anchor="ctr" bIns="91425" lIns="91425" spcFirstLastPara="1" rIns="91425" wrap="square" tIns="91425">
+          <a:bodyPr spcFirstLastPara="1" wrap="square" lIns="91425" tIns="91425" rIns="91425" bIns="91425" anchor="ctr" anchorCtr="0">
             <a:noAutofit/>
           </a:bodyPr>
           <a:lstStyle>
@@ -7349,15 +7601,19 @@
               <a:defRPr/>
             </a:lvl9pPr>
           </a:lstStyle>
-          <a:p/>
+          <a:p>
+            <a:endParaRPr/>
+          </a:p>
         </p:txBody>
       </p:sp>
       <p:sp>
         <p:nvSpPr>
           <p:cNvPr id="90" name="Google Shape;90;p8"/>
-          <p:cNvSpPr txBox="1"/>
+          <p:cNvSpPr txBox="1">
+            <a:spLocks noGrp="1"/>
+          </p:cNvSpPr>
           <p:nvPr>
-            <p:ph idx="12" type="sldNum"/>
+            <p:ph type="sldNum" idx="12"/>
           </p:nvPr>
         </p:nvSpPr>
         <p:spPr>
@@ -7370,7 +7626,7 @@
           </a:prstGeom>
         </p:spPr>
         <p:txBody>
-          <a:bodyPr anchorCtr="0" anchor="ctr" bIns="91425" lIns="91425" spcFirstLastPara="1" rIns="91425" wrap="square" tIns="91425">
+          <a:bodyPr spcFirstLastPara="1" wrap="square" lIns="91425" tIns="91425" rIns="91425" bIns="91425" anchor="ctr" anchorCtr="0">
             <a:noAutofit/>
           </a:bodyPr>
           <a:lstStyle>
@@ -7412,7 +7668,7 @@
             </a:lvl9pPr>
           </a:lstStyle>
           <a:p>
-            <a:pPr indent="0" lvl="0" marL="0" rtl="0" algn="r">
+            <a:pPr marL="0" lvl="0" indent="0" algn="r" rtl="0">
               <a:spcBef>
                 <a:spcPts val="0"/>
               </a:spcBef>
@@ -7438,11 +7694,11 @@
 </file>
 
 <file path=ppt/slideLayouts/slideLayout8.xml><?xml version="1.0" encoding="utf-8"?>
-<p:sldLayout xmlns:a="http://schemas.openxmlformats.org/drawingml/2006/main" xmlns:r="http://schemas.openxmlformats.org/officeDocument/2006/relationships" xmlns:mc="http://schemas.openxmlformats.org/markup-compatibility/2006" xmlns:mv="urn:schemas-microsoft-com:mac:vml" xmlns:p="http://schemas.openxmlformats.org/presentationml/2006/main" xmlns:c="http://schemas.openxmlformats.org/drawingml/2006/chart" xmlns:dgm="http://schemas.openxmlformats.org/drawingml/2006/diagram" xmlns:o="urn:schemas-microsoft-com:office:office" xmlns:v="urn:schemas-microsoft-com:vml" xmlns:pvml="urn:schemas-microsoft-com:office:powerpoint" xmlns:com="http://schemas.openxmlformats.org/drawingml/2006/compatibility" xmlns:p14="http://schemas.microsoft.com/office/powerpoint/2010/main" xmlns:p15="http://schemas.microsoft.com/office/powerpoint/2012/main" xmlns:ahyp="http://schemas.microsoft.com/office/drawing/2018/hyperlinkcolor" matchingName="Section title and description">
+<p:sldLayout xmlns:a="http://schemas.openxmlformats.org/drawingml/2006/main" xmlns:r="http://schemas.openxmlformats.org/officeDocument/2006/relationships" xmlns:p="http://schemas.openxmlformats.org/presentationml/2006/main" matchingName="Section title and description">
   <p:cSld name="SECTION_TITLE_AND_DESCRIPTION">
     <p:spTree>
       <p:nvGrpSpPr>
-        <p:cNvPr id="91" name="Shape 91"/>
+        <p:cNvPr id="1" name="Shape 91"/>
         <p:cNvGrpSpPr/>
         <p:nvPr/>
       </p:nvGrpSpPr>
@@ -7481,7 +7737,7 @@
             </a:xfrm>
             <a:prstGeom prst="diagStripe">
               <a:avLst>
-                <a:gd fmla="val 50000" name="adj"/>
+                <a:gd name="adj" fmla="val 50000"/>
               </a:avLst>
             </a:prstGeom>
             <a:solidFill>
@@ -7492,12 +7748,12 @@
             </a:ln>
           </p:spPr>
           <p:txBody>
-            <a:bodyPr anchorCtr="0" anchor="ctr" bIns="91425" lIns="91425" spcFirstLastPara="1" rIns="91425" wrap="square" tIns="91425">
+            <a:bodyPr spcFirstLastPara="1" wrap="square" lIns="91425" tIns="91425" rIns="91425" bIns="91425" anchor="ctr" anchorCtr="0">
               <a:noAutofit/>
             </a:bodyPr>
             <a:lstStyle/>
             <a:p>
-              <a:pPr indent="0" lvl="0" marL="0" rtl="0" algn="l">
+              <a:pPr marL="0" lvl="0" indent="0" algn="l" rtl="0">
                 <a:spcBef>
                   <a:spcPts val="0"/>
                 </a:spcBef>
@@ -7506,9 +7762,6 @@
                 </a:spcAft>
                 <a:buNone/>
               </a:pPr>
-              <a:r>
-                <a:t/>
-              </a:r>
               <a:endParaRPr/>
             </a:p>
           </p:txBody>
@@ -7526,7 +7779,7 @@
             </a:xfrm>
             <a:prstGeom prst="diagStripe">
               <a:avLst>
-                <a:gd fmla="val 50000" name="adj"/>
+                <a:gd name="adj" fmla="val 50000"/>
               </a:avLst>
             </a:prstGeom>
             <a:solidFill>
@@ -7537,12 +7790,12 @@
             </a:ln>
           </p:spPr>
           <p:txBody>
-            <a:bodyPr anchorCtr="0" anchor="ctr" bIns="91425" lIns="91425" spcFirstLastPara="1" rIns="91425" wrap="square" tIns="91425">
+            <a:bodyPr spcFirstLastPara="1" wrap="square" lIns="91425" tIns="91425" rIns="91425" bIns="91425" anchor="ctr" anchorCtr="0">
               <a:noAutofit/>
             </a:bodyPr>
             <a:lstStyle/>
             <a:p>
-              <a:pPr indent="0" lvl="0" marL="0" rtl="0" algn="l">
+              <a:pPr marL="0" lvl="0" indent="0" algn="l" rtl="0">
                 <a:spcBef>
                   <a:spcPts val="0"/>
                 </a:spcBef>
@@ -7551,9 +7804,6 @@
                 </a:spcAft>
                 <a:buNone/>
               </a:pPr>
-              <a:r>
-                <a:t/>
-              </a:r>
               <a:endParaRPr/>
             </a:p>
           </p:txBody>
@@ -7562,7 +7812,9 @@
       <p:sp>
         <p:nvSpPr>
           <p:cNvPr id="95" name="Google Shape;95;p9"/>
-          <p:cNvSpPr txBox="1"/>
+          <p:cNvSpPr txBox="1">
+            <a:spLocks noGrp="1"/>
+          </p:cNvSpPr>
           <p:nvPr>
             <p:ph type="title"/>
           </p:nvPr>
@@ -7577,7 +7829,7 @@
           </a:prstGeom>
         </p:spPr>
         <p:txBody>
-          <a:bodyPr anchorCtr="0" anchor="t" bIns="91425" lIns="91425" spcFirstLastPara="1" rIns="91425" wrap="square" tIns="91425">
+          <a:bodyPr spcFirstLastPara="1" wrap="square" lIns="91425" tIns="91425" rIns="91425" bIns="91425" anchor="t" anchorCtr="0">
             <a:noAutofit/>
           </a:bodyPr>
           <a:lstStyle>
@@ -7681,15 +7933,19 @@
               <a:defRPr sz="2400"/>
             </a:lvl9pPr>
           </a:lstStyle>
-          <a:p/>
+          <a:p>
+            <a:endParaRPr/>
+          </a:p>
         </p:txBody>
       </p:sp>
       <p:sp>
         <p:nvSpPr>
           <p:cNvPr id="96" name="Google Shape;96;p9"/>
-          <p:cNvSpPr txBox="1"/>
+          <p:cNvSpPr txBox="1">
+            <a:spLocks noGrp="1"/>
+          </p:cNvSpPr>
           <p:nvPr>
-            <p:ph idx="1" type="subTitle"/>
+            <p:ph type="subTitle" idx="1"/>
           </p:nvPr>
         </p:nvSpPr>
         <p:spPr>
@@ -7702,7 +7958,7 @@
           </a:prstGeom>
         </p:spPr>
         <p:txBody>
-          <a:bodyPr anchorCtr="0" anchor="t" bIns="91425" lIns="91425" spcFirstLastPara="1" rIns="91425" wrap="square" tIns="91425">
+          <a:bodyPr spcFirstLastPara="1" wrap="square" lIns="91425" tIns="91425" rIns="91425" bIns="91425" anchor="t" anchorCtr="0">
             <a:noAutofit/>
           </a:bodyPr>
           <a:lstStyle>
@@ -7833,15 +8089,19 @@
               <a:defRPr sz="1300"/>
             </a:lvl9pPr>
           </a:lstStyle>
-          <a:p/>
+          <a:p>
+            <a:endParaRPr/>
+          </a:p>
         </p:txBody>
       </p:sp>
       <p:sp>
         <p:nvSpPr>
           <p:cNvPr id="97" name="Google Shape;97;p9"/>
-          <p:cNvSpPr txBox="1"/>
+          <p:cNvSpPr txBox="1">
+            <a:spLocks noGrp="1"/>
+          </p:cNvSpPr>
           <p:nvPr>
-            <p:ph idx="2" type="body"/>
+            <p:ph type="body" idx="2"/>
           </p:nvPr>
         </p:nvSpPr>
         <p:spPr>
@@ -7854,11 +8114,11 @@
           </a:prstGeom>
         </p:spPr>
         <p:txBody>
-          <a:bodyPr anchorCtr="0" anchor="t" bIns="91425" lIns="91425" spcFirstLastPara="1" rIns="91425" wrap="square" tIns="91425">
+          <a:bodyPr spcFirstLastPara="1" wrap="square" lIns="91425" tIns="91425" rIns="91425" bIns="91425" anchor="t" anchorCtr="0">
             <a:noAutofit/>
           </a:bodyPr>
           <a:lstStyle>
-            <a:lvl1pPr indent="-311150" lvl="0" marL="457200">
+            <a:lvl1pPr marL="457200" lvl="0" indent="-311150">
               <a:spcBef>
                 <a:spcPts val="0"/>
               </a:spcBef>
@@ -7869,7 +8129,7 @@
               <a:buChar char="●"/>
               <a:defRPr/>
             </a:lvl1pPr>
-            <a:lvl2pPr indent="-298450" lvl="1" marL="914400">
+            <a:lvl2pPr marL="914400" lvl="1" indent="-298450">
               <a:spcBef>
                 <a:spcPts val="1600"/>
               </a:spcBef>
@@ -7880,7 +8140,7 @@
               <a:buChar char="○"/>
               <a:defRPr/>
             </a:lvl2pPr>
-            <a:lvl3pPr indent="-298450" lvl="2" marL="1371600">
+            <a:lvl3pPr marL="1371600" lvl="2" indent="-298450">
               <a:spcBef>
                 <a:spcPts val="1600"/>
               </a:spcBef>
@@ -7891,7 +8151,7 @@
               <a:buChar char="■"/>
               <a:defRPr/>
             </a:lvl3pPr>
-            <a:lvl4pPr indent="-298450" lvl="3" marL="1828800">
+            <a:lvl4pPr marL="1828800" lvl="3" indent="-298450">
               <a:spcBef>
                 <a:spcPts val="1600"/>
               </a:spcBef>
@@ -7902,7 +8162,7 @@
               <a:buChar char="●"/>
               <a:defRPr/>
             </a:lvl4pPr>
-            <a:lvl5pPr indent="-298450" lvl="4" marL="2286000">
+            <a:lvl5pPr marL="2286000" lvl="4" indent="-298450">
               <a:spcBef>
                 <a:spcPts val="1600"/>
               </a:spcBef>
@@ -7913,7 +8173,7 @@
               <a:buChar char="○"/>
               <a:defRPr/>
             </a:lvl5pPr>
-            <a:lvl6pPr indent="-298450" lvl="5" marL="2743200">
+            <a:lvl6pPr marL="2743200" lvl="5" indent="-298450">
               <a:spcBef>
                 <a:spcPts val="1600"/>
               </a:spcBef>
@@ -7924,7 +8184,7 @@
               <a:buChar char="■"/>
               <a:defRPr/>
             </a:lvl6pPr>
-            <a:lvl7pPr indent="-298450" lvl="6" marL="3200400">
+            <a:lvl7pPr marL="3200400" lvl="6" indent="-298450">
               <a:spcBef>
                 <a:spcPts val="1600"/>
               </a:spcBef>
@@ -7935,7 +8195,7 @@
               <a:buChar char="●"/>
               <a:defRPr/>
             </a:lvl7pPr>
-            <a:lvl8pPr indent="-298450" lvl="7" marL="3657600">
+            <a:lvl8pPr marL="3657600" lvl="7" indent="-298450">
               <a:spcBef>
                 <a:spcPts val="1600"/>
               </a:spcBef>
@@ -7946,7 +8206,7 @@
               <a:buChar char="○"/>
               <a:defRPr/>
             </a:lvl8pPr>
-            <a:lvl9pPr indent="-298450" lvl="8" marL="4114800">
+            <a:lvl9pPr marL="4114800" lvl="8" indent="-298450">
               <a:spcBef>
                 <a:spcPts val="1600"/>
               </a:spcBef>
@@ -7958,15 +8218,19 @@
               <a:defRPr/>
             </a:lvl9pPr>
           </a:lstStyle>
-          <a:p/>
+          <a:p>
+            <a:endParaRPr/>
+          </a:p>
         </p:txBody>
       </p:sp>
       <p:sp>
         <p:nvSpPr>
           <p:cNvPr id="98" name="Google Shape;98;p9"/>
-          <p:cNvSpPr txBox="1"/>
+          <p:cNvSpPr txBox="1">
+            <a:spLocks noGrp="1"/>
+          </p:cNvSpPr>
           <p:nvPr>
-            <p:ph idx="12" type="sldNum"/>
+            <p:ph type="sldNum" idx="12"/>
           </p:nvPr>
         </p:nvSpPr>
         <p:spPr>
@@ -7979,7 +8243,7 @@
           </a:prstGeom>
         </p:spPr>
         <p:txBody>
-          <a:bodyPr anchorCtr="0" anchor="ctr" bIns="91425" lIns="91425" spcFirstLastPara="1" rIns="91425" wrap="square" tIns="91425">
+          <a:bodyPr spcFirstLastPara="1" wrap="square" lIns="91425" tIns="91425" rIns="91425" bIns="91425" anchor="ctr" anchorCtr="0">
             <a:noAutofit/>
           </a:bodyPr>
           <a:lstStyle>
@@ -8021,7 +8285,7 @@
             </a:lvl9pPr>
           </a:lstStyle>
           <a:p>
-            <a:pPr indent="0" lvl="0" marL="0" rtl="0" algn="r">
+            <a:pPr marL="0" lvl="0" indent="0" algn="r" rtl="0">
               <a:spcBef>
                 <a:spcPts val="0"/>
               </a:spcBef>
@@ -8047,11 +8311,11 @@
 </file>
 
 <file path=ppt/slideLayouts/slideLayout9.xml><?xml version="1.0" encoding="utf-8"?>
-<p:sldLayout xmlns:a="http://schemas.openxmlformats.org/drawingml/2006/main" xmlns:r="http://schemas.openxmlformats.org/officeDocument/2006/relationships" xmlns:mc="http://schemas.openxmlformats.org/markup-compatibility/2006" xmlns:mv="urn:schemas-microsoft-com:mac:vml" xmlns:p="http://schemas.openxmlformats.org/presentationml/2006/main" xmlns:c="http://schemas.openxmlformats.org/drawingml/2006/chart" xmlns:dgm="http://schemas.openxmlformats.org/drawingml/2006/diagram" xmlns:o="urn:schemas-microsoft-com:office:office" xmlns:v="urn:schemas-microsoft-com:vml" xmlns:pvml="urn:schemas-microsoft-com:office:powerpoint" xmlns:com="http://schemas.openxmlformats.org/drawingml/2006/compatibility" xmlns:p14="http://schemas.microsoft.com/office/powerpoint/2010/main" xmlns:p15="http://schemas.microsoft.com/office/powerpoint/2012/main" xmlns:ahyp="http://schemas.microsoft.com/office/drawing/2018/hyperlinkcolor" matchingName="Caption">
+<p:sldLayout xmlns:a="http://schemas.openxmlformats.org/drawingml/2006/main" xmlns:r="http://schemas.openxmlformats.org/officeDocument/2006/relationships" xmlns:p="http://schemas.openxmlformats.org/presentationml/2006/main" matchingName="Caption">
   <p:cSld name="CAPTION_ONLY">
     <p:spTree>
       <p:nvGrpSpPr>
-        <p:cNvPr id="99" name="Shape 99"/>
+        <p:cNvPr id="1" name="Shape 99"/>
         <p:cNvGrpSpPr/>
         <p:nvPr/>
       </p:nvGrpSpPr>
@@ -8090,7 +8354,7 @@
             </a:xfrm>
             <a:prstGeom prst="diagStripe">
               <a:avLst>
-                <a:gd fmla="val 50000" name="adj"/>
+                <a:gd name="adj" fmla="val 50000"/>
               </a:avLst>
             </a:prstGeom>
             <a:solidFill>
@@ -8103,12 +8367,12 @@
             </a:ln>
           </p:spPr>
           <p:txBody>
-            <a:bodyPr anchorCtr="0" anchor="ctr" bIns="91425" lIns="91425" spcFirstLastPara="1" rIns="91425" wrap="square" tIns="91425">
+            <a:bodyPr spcFirstLastPara="1" wrap="square" lIns="91425" tIns="91425" rIns="91425" bIns="91425" anchor="ctr" anchorCtr="0">
               <a:noAutofit/>
             </a:bodyPr>
             <a:lstStyle/>
             <a:p>
-              <a:pPr indent="0" lvl="0" marL="0" rtl="0" algn="l">
+              <a:pPr marL="0" lvl="0" indent="0" algn="l" rtl="0">
                 <a:spcBef>
                   <a:spcPts val="0"/>
                 </a:spcBef>
@@ -8117,9 +8381,6 @@
                 </a:spcAft>
                 <a:buNone/>
               </a:pPr>
-              <a:r>
-                <a:t/>
-              </a:r>
               <a:endParaRPr/>
             </a:p>
           </p:txBody>
@@ -8137,7 +8398,7 @@
             </a:xfrm>
             <a:prstGeom prst="diagStripe">
               <a:avLst>
-                <a:gd fmla="val 50000" name="adj"/>
+                <a:gd name="adj" fmla="val 50000"/>
               </a:avLst>
             </a:prstGeom>
             <a:solidFill>
@@ -8150,12 +8411,12 @@
             </a:ln>
           </p:spPr>
           <p:txBody>
-            <a:bodyPr anchorCtr="0" anchor="ctr" bIns="91425" lIns="91425" spcFirstLastPara="1" rIns="91425" wrap="square" tIns="91425">
+            <a:bodyPr spcFirstLastPara="1" wrap="square" lIns="91425" tIns="91425" rIns="91425" bIns="91425" anchor="ctr" anchorCtr="0">
               <a:noAutofit/>
             </a:bodyPr>
             <a:lstStyle/>
             <a:p>
-              <a:pPr indent="0" lvl="0" marL="0" rtl="0" algn="l">
+              <a:pPr marL="0" lvl="0" indent="0" algn="l" rtl="0">
                 <a:spcBef>
                   <a:spcPts val="0"/>
                 </a:spcBef>
@@ -8164,9 +8425,6 @@
                 </a:spcAft>
                 <a:buNone/>
               </a:pPr>
-              <a:r>
-                <a:t/>
-              </a:r>
               <a:endParaRPr/>
             </a:p>
           </p:txBody>
@@ -8175,9 +8433,11 @@
       <p:sp>
         <p:nvSpPr>
           <p:cNvPr id="103" name="Google Shape;103;p10"/>
-          <p:cNvSpPr txBox="1"/>
+          <p:cNvSpPr txBox="1">
+            <a:spLocks noGrp="1"/>
+          </p:cNvSpPr>
           <p:nvPr>
-            <p:ph idx="1" type="body"/>
+            <p:ph type="body" idx="1"/>
           </p:nvPr>
         </p:nvSpPr>
         <p:spPr>
@@ -8190,11 +8450,11 @@
           </a:prstGeom>
         </p:spPr>
         <p:txBody>
-          <a:bodyPr anchorCtr="0" anchor="ctr" bIns="91425" lIns="91425" spcFirstLastPara="1" rIns="91425" wrap="square" tIns="91425">
+          <a:bodyPr spcFirstLastPara="1" wrap="square" lIns="91425" tIns="91425" rIns="91425" bIns="91425" anchor="ctr" anchorCtr="0">
             <a:noAutofit/>
           </a:bodyPr>
           <a:lstStyle>
-            <a:lvl1pPr indent="-228600" lvl="0" marL="457200">
+            <a:lvl1pPr marL="457200" lvl="0" indent="-228600">
               <a:lnSpc>
                 <a:spcPct val="100000"/>
               </a:lnSpc>
@@ -8209,15 +8469,19 @@
               <a:defRPr/>
             </a:lvl1pPr>
           </a:lstStyle>
-          <a:p/>
+          <a:p>
+            <a:endParaRPr/>
+          </a:p>
         </p:txBody>
       </p:sp>
       <p:sp>
         <p:nvSpPr>
           <p:cNvPr id="104" name="Google Shape;104;p10"/>
-          <p:cNvSpPr txBox="1"/>
+          <p:cNvSpPr txBox="1">
+            <a:spLocks noGrp="1"/>
+          </p:cNvSpPr>
           <p:nvPr>
-            <p:ph idx="12" type="sldNum"/>
+            <p:ph type="sldNum" idx="12"/>
           </p:nvPr>
         </p:nvSpPr>
         <p:spPr>
@@ -8230,7 +8494,7 @@
           </a:prstGeom>
         </p:spPr>
         <p:txBody>
-          <a:bodyPr anchorCtr="0" anchor="ctr" bIns="91425" lIns="91425" spcFirstLastPara="1" rIns="91425" wrap="square" tIns="91425">
+          <a:bodyPr spcFirstLastPara="1" wrap="square" lIns="91425" tIns="91425" rIns="91425" bIns="91425" anchor="ctr" anchorCtr="0">
             <a:noAutofit/>
           </a:bodyPr>
           <a:lstStyle>
@@ -8272,7 +8536,7 @@
             </a:lvl9pPr>
           </a:lstStyle>
           <a:p>
-            <a:pPr indent="0" lvl="0" marL="0" rtl="0" algn="r">
+            <a:pPr marL="0" lvl="0" indent="0" algn="r" rtl="0">
               <a:spcBef>
                 <a:spcPts val="0"/>
               </a:spcBef>
@@ -8298,18 +8562,19 @@
 </file>
 
 <file path=ppt/slideMasters/slideMaster1.xml><?xml version="1.0" encoding="utf-8"?>
-<p:sldMaster xmlns:a="http://schemas.openxmlformats.org/drawingml/2006/main" xmlns:r="http://schemas.openxmlformats.org/officeDocument/2006/relationships" xmlns:mc="http://schemas.openxmlformats.org/markup-compatibility/2006" xmlns:mv="urn:schemas-microsoft-com:mac:vml" xmlns:p="http://schemas.openxmlformats.org/presentationml/2006/main" xmlns:c="http://schemas.openxmlformats.org/drawingml/2006/chart" xmlns:dgm="http://schemas.openxmlformats.org/drawingml/2006/diagram" xmlns:o="urn:schemas-microsoft-com:office:office" xmlns:v="urn:schemas-microsoft-com:vml" xmlns:pvml="urn:schemas-microsoft-com:office:powerpoint" xmlns:com="http://schemas.openxmlformats.org/drawingml/2006/compatibility" xmlns:p14="http://schemas.microsoft.com/office/powerpoint/2010/main" xmlns:p15="http://schemas.microsoft.com/office/powerpoint/2012/main" xmlns:ahyp="http://schemas.microsoft.com/office/drawing/2018/hyperlinkcolor">
+<p:sldMaster xmlns:a="http://schemas.openxmlformats.org/drawingml/2006/main" xmlns:r="http://schemas.openxmlformats.org/officeDocument/2006/relationships" xmlns:p="http://schemas.openxmlformats.org/presentationml/2006/main">
   <p:cSld name="focus">
     <p:bg>
       <p:bgPr>
         <a:solidFill>
           <a:schemeClr val="dk1"/>
         </a:solidFill>
+        <a:effectLst/>
       </p:bgPr>
     </p:bg>
     <p:spTree>
       <p:nvGrpSpPr>
-        <p:cNvPr id="5" name="Shape 5"/>
+        <p:cNvPr id="1" name="Shape 5"/>
         <p:cNvGrpSpPr/>
         <p:nvPr/>
       </p:nvGrpSpPr>
@@ -8324,7 +8589,9 @@
       <p:sp>
         <p:nvSpPr>
           <p:cNvPr id="6" name="Google Shape;6;p1"/>
-          <p:cNvSpPr txBox="1"/>
+          <p:cNvSpPr txBox="1">
+            <a:spLocks noGrp="1"/>
+          </p:cNvSpPr>
           <p:nvPr>
             <p:ph type="title"/>
           </p:nvPr>
@@ -8343,7 +8610,7 @@
           </a:ln>
         </p:spPr>
         <p:txBody>
-          <a:bodyPr anchorCtr="0" anchor="t" bIns="91425" lIns="91425" spcFirstLastPara="1" rIns="91425" wrap="square" tIns="91425">
+          <a:bodyPr spcFirstLastPara="1" wrap="square" lIns="91425" tIns="91425" rIns="91425" bIns="91425" anchor="t" anchorCtr="0">
             <a:noAutofit/>
           </a:bodyPr>
           <a:lstStyle>
@@ -8555,15 +8822,19 @@
               </a:defRPr>
             </a:lvl9pPr>
           </a:lstStyle>
-          <a:p/>
+          <a:p>
+            <a:endParaRPr/>
+          </a:p>
         </p:txBody>
       </p:sp>
       <p:sp>
         <p:nvSpPr>
           <p:cNvPr id="7" name="Google Shape;7;p1"/>
-          <p:cNvSpPr txBox="1"/>
+          <p:cNvSpPr txBox="1">
+            <a:spLocks noGrp="1"/>
+          </p:cNvSpPr>
           <p:nvPr>
-            <p:ph idx="1" type="body"/>
+            <p:ph type="body" idx="1"/>
           </p:nvPr>
         </p:nvSpPr>
         <p:spPr>
@@ -8580,11 +8851,11 @@
           </a:ln>
         </p:spPr>
         <p:txBody>
-          <a:bodyPr anchorCtr="0" anchor="t" bIns="91425" lIns="91425" spcFirstLastPara="1" rIns="91425" wrap="square" tIns="91425">
+          <a:bodyPr spcFirstLastPara="1" wrap="square" lIns="91425" tIns="91425" rIns="91425" bIns="91425" anchor="t" anchorCtr="0">
             <a:noAutofit/>
           </a:bodyPr>
           <a:lstStyle>
-            <a:lvl1pPr indent="-311150" lvl="0" marL="457200">
+            <a:lvl1pPr marL="457200" lvl="0" indent="-311150">
               <a:lnSpc>
                 <a:spcPct val="115000"/>
               </a:lnSpc>
@@ -8610,7 +8881,7 @@
                 <a:sym typeface="Lato"/>
               </a:defRPr>
             </a:lvl1pPr>
-            <a:lvl2pPr indent="-298450" lvl="1" marL="914400">
+            <a:lvl2pPr marL="914400" lvl="1" indent="-298450">
               <a:lnSpc>
                 <a:spcPct val="115000"/>
               </a:lnSpc>
@@ -8636,7 +8907,7 @@
                 <a:sym typeface="Lato"/>
               </a:defRPr>
             </a:lvl2pPr>
-            <a:lvl3pPr indent="-298450" lvl="2" marL="1371600">
+            <a:lvl3pPr marL="1371600" lvl="2" indent="-298450">
               <a:lnSpc>
                 <a:spcPct val="115000"/>
               </a:lnSpc>
@@ -8662,7 +8933,7 @@
                 <a:sym typeface="Lato"/>
               </a:defRPr>
             </a:lvl3pPr>
-            <a:lvl4pPr indent="-298450" lvl="3" marL="1828800">
+            <a:lvl4pPr marL="1828800" lvl="3" indent="-298450">
               <a:lnSpc>
                 <a:spcPct val="115000"/>
               </a:lnSpc>
@@ -8688,7 +8959,7 @@
                 <a:sym typeface="Lato"/>
               </a:defRPr>
             </a:lvl4pPr>
-            <a:lvl5pPr indent="-298450" lvl="4" marL="2286000">
+            <a:lvl5pPr marL="2286000" lvl="4" indent="-298450">
               <a:lnSpc>
                 <a:spcPct val="115000"/>
               </a:lnSpc>
@@ -8714,7 +8985,7 @@
                 <a:sym typeface="Lato"/>
               </a:defRPr>
             </a:lvl5pPr>
-            <a:lvl6pPr indent="-298450" lvl="5" marL="2743200">
+            <a:lvl6pPr marL="2743200" lvl="5" indent="-298450">
               <a:lnSpc>
                 <a:spcPct val="115000"/>
               </a:lnSpc>
@@ -8740,7 +9011,7 @@
                 <a:sym typeface="Lato"/>
               </a:defRPr>
             </a:lvl6pPr>
-            <a:lvl7pPr indent="-298450" lvl="6" marL="3200400">
+            <a:lvl7pPr marL="3200400" lvl="6" indent="-298450">
               <a:lnSpc>
                 <a:spcPct val="115000"/>
               </a:lnSpc>
@@ -8766,7 +9037,7 @@
                 <a:sym typeface="Lato"/>
               </a:defRPr>
             </a:lvl7pPr>
-            <a:lvl8pPr indent="-298450" lvl="7" marL="3657600">
+            <a:lvl8pPr marL="3657600" lvl="7" indent="-298450">
               <a:lnSpc>
                 <a:spcPct val="115000"/>
               </a:lnSpc>
@@ -8792,7 +9063,7 @@
                 <a:sym typeface="Lato"/>
               </a:defRPr>
             </a:lvl8pPr>
-            <a:lvl9pPr indent="-298450" lvl="8" marL="4114800">
+            <a:lvl9pPr marL="4114800" lvl="8" indent="-298450">
               <a:lnSpc>
                 <a:spcPct val="115000"/>
               </a:lnSpc>
@@ -8819,15 +9090,19 @@
               </a:defRPr>
             </a:lvl9pPr>
           </a:lstStyle>
-          <a:p/>
+          <a:p>
+            <a:endParaRPr/>
+          </a:p>
         </p:txBody>
       </p:sp>
       <p:sp>
         <p:nvSpPr>
           <p:cNvPr id="8" name="Google Shape;8;p1"/>
-          <p:cNvSpPr txBox="1"/>
+          <p:cNvSpPr txBox="1">
+            <a:spLocks noGrp="1"/>
+          </p:cNvSpPr>
           <p:nvPr>
-            <p:ph idx="12" type="sldNum"/>
+            <p:ph type="sldNum" idx="12"/>
           </p:nvPr>
         </p:nvSpPr>
         <p:spPr>
@@ -8844,7 +9119,7 @@
           </a:ln>
         </p:spPr>
         <p:txBody>
-          <a:bodyPr anchorCtr="0" anchor="ctr" bIns="91425" lIns="91425" spcFirstLastPara="1" rIns="91425" wrap="square" tIns="91425">
+          <a:bodyPr spcFirstLastPara="1" wrap="square" lIns="91425" tIns="91425" rIns="91425" bIns="91425" anchor="ctr" anchorCtr="0">
             <a:noAutofit/>
           </a:bodyPr>
           <a:lstStyle>
@@ -8958,7 +9233,7 @@
             </a:lvl9pPr>
           </a:lstStyle>
           <a:p>
-            <a:pPr indent="0" lvl="0" marL="0" rtl="0" algn="r">
+            <a:pPr marL="0" lvl="0" indent="0" algn="r" rtl="0">
               <a:spcBef>
                 <a:spcPts val="0"/>
               </a:spcBef>
@@ -8977,7 +9252,7 @@
       </p:sp>
     </p:spTree>
   </p:cSld>
-  <p:clrMap accent1="accent1" accent2="accent2" accent3="accent3" accent4="accent4" accent5="accent5" accent6="accent6" bg1="lt1" bg2="dk2" tx1="dk1" tx2="lt2" folHlink="folHlink" hlink="hlink"/>
+  <p:clrMap bg1="lt1" tx1="dk1" bg2="dk2" tx2="lt2" accent1="accent1" accent2="accent2" accent3="accent3" accent4="accent4" accent5="accent5" accent6="accent6" hlink="hlink" folHlink="folHlink"/>
   <p:sldLayoutIdLst>
     <p:sldLayoutId id="2147483648" r:id="rId1"/>
     <p:sldLayoutId id="2147483649" r:id="rId2"/>
@@ -8991,10 +9266,10 @@
     <p:sldLayoutId id="2147483657" r:id="rId10"/>
     <p:sldLayoutId id="2147483658" r:id="rId11"/>
   </p:sldLayoutIdLst>
-  <p:hf dt="0" ftr="0" hdr="0" sldNum="0"/>
+  <p:hf sldNum="0" hdr="0" ftr="0" dt="0"/>
   <p:txStyles>
     <p:titleStyle>
-      <a:defPPr lvl="0" marR="0" rtl="0" algn="l">
+      <a:defPPr marR="0" lvl="0" algn="l" rtl="0">
         <a:lnSpc>
           <a:spcPct val="100000"/>
         </a:lnSpc>
@@ -9005,7 +9280,7 @@
           <a:spcPts val="0"/>
         </a:spcAft>
       </a:defPPr>
-      <a:lvl1pPr lvl="0" marR="0" rtl="0" algn="l">
+      <a:lvl1pPr marR="0" lvl="0" algn="l" rtl="0">
         <a:lnSpc>
           <a:spcPct val="100000"/>
         </a:lnSpc>
@@ -9019,7 +9294,7 @@
           <a:srgbClr val="000000"/>
         </a:buClr>
         <a:buFont typeface="Arial"/>
-        <a:defRPr b="0" i="0" sz="1400" u="none" cap="none" strike="noStrike">
+        <a:defRPr sz="1400" b="0" i="0" u="none" strike="noStrike" cap="none">
           <a:solidFill>
             <a:srgbClr val="000000"/>
           </a:solidFill>
@@ -9029,7 +9304,7 @@
           <a:sym typeface="Arial"/>
         </a:defRPr>
       </a:lvl1pPr>
-      <a:lvl2pPr lvl="1" marR="0" rtl="0" algn="l">
+      <a:lvl2pPr marR="0" lvl="1" algn="l" rtl="0">
         <a:lnSpc>
           <a:spcPct val="100000"/>
         </a:lnSpc>
@@ -9043,7 +9318,7 @@
           <a:srgbClr val="000000"/>
         </a:buClr>
         <a:buFont typeface="Arial"/>
-        <a:defRPr b="0" i="0" sz="1400" u="none" cap="none" strike="noStrike">
+        <a:defRPr sz="1400" b="0" i="0" u="none" strike="noStrike" cap="none">
           <a:solidFill>
             <a:srgbClr val="000000"/>
           </a:solidFill>
@@ -9053,7 +9328,7 @@
           <a:sym typeface="Arial"/>
         </a:defRPr>
       </a:lvl2pPr>
-      <a:lvl3pPr lvl="2" marR="0" rtl="0" algn="l">
+      <a:lvl3pPr marR="0" lvl="2" algn="l" rtl="0">
         <a:lnSpc>
           <a:spcPct val="100000"/>
         </a:lnSpc>
@@ -9067,7 +9342,7 @@
           <a:srgbClr val="000000"/>
         </a:buClr>
         <a:buFont typeface="Arial"/>
-        <a:defRPr b="0" i="0" sz="1400" u="none" cap="none" strike="noStrike">
+        <a:defRPr sz="1400" b="0" i="0" u="none" strike="noStrike" cap="none">
           <a:solidFill>
             <a:srgbClr val="000000"/>
           </a:solidFill>
@@ -9077,7 +9352,7 @@
           <a:sym typeface="Arial"/>
         </a:defRPr>
       </a:lvl3pPr>
-      <a:lvl4pPr lvl="3" marR="0" rtl="0" algn="l">
+      <a:lvl4pPr marR="0" lvl="3" algn="l" rtl="0">
         <a:lnSpc>
           <a:spcPct val="100000"/>
         </a:lnSpc>
@@ -9091,7 +9366,7 @@
           <a:srgbClr val="000000"/>
         </a:buClr>
         <a:buFont typeface="Arial"/>
-        <a:defRPr b="0" i="0" sz="1400" u="none" cap="none" strike="noStrike">
+        <a:defRPr sz="1400" b="0" i="0" u="none" strike="noStrike" cap="none">
           <a:solidFill>
             <a:srgbClr val="000000"/>
           </a:solidFill>
@@ -9101,7 +9376,7 @@
           <a:sym typeface="Arial"/>
         </a:defRPr>
       </a:lvl4pPr>
-      <a:lvl5pPr lvl="4" marR="0" rtl="0" algn="l">
+      <a:lvl5pPr marR="0" lvl="4" algn="l" rtl="0">
         <a:lnSpc>
           <a:spcPct val="100000"/>
         </a:lnSpc>
@@ -9115,7 +9390,7 @@
           <a:srgbClr val="000000"/>
         </a:buClr>
         <a:buFont typeface="Arial"/>
-        <a:defRPr b="0" i="0" sz="1400" u="none" cap="none" strike="noStrike">
+        <a:defRPr sz="1400" b="0" i="0" u="none" strike="noStrike" cap="none">
           <a:solidFill>
             <a:srgbClr val="000000"/>
           </a:solidFill>
@@ -9125,7 +9400,7 @@
           <a:sym typeface="Arial"/>
         </a:defRPr>
       </a:lvl5pPr>
-      <a:lvl6pPr lvl="5" marR="0" rtl="0" algn="l">
+      <a:lvl6pPr marR="0" lvl="5" algn="l" rtl="0">
         <a:lnSpc>
           <a:spcPct val="100000"/>
         </a:lnSpc>
@@ -9139,7 +9414,7 @@
           <a:srgbClr val="000000"/>
         </a:buClr>
         <a:buFont typeface="Arial"/>
-        <a:defRPr b="0" i="0" sz="1400" u="none" cap="none" strike="noStrike">
+        <a:defRPr sz="1400" b="0" i="0" u="none" strike="noStrike" cap="none">
           <a:solidFill>
             <a:srgbClr val="000000"/>
           </a:solidFill>
@@ -9149,7 +9424,7 @@
           <a:sym typeface="Arial"/>
         </a:defRPr>
       </a:lvl6pPr>
-      <a:lvl7pPr lvl="6" marR="0" rtl="0" algn="l">
+      <a:lvl7pPr marR="0" lvl="6" algn="l" rtl="0">
         <a:lnSpc>
           <a:spcPct val="100000"/>
         </a:lnSpc>
@@ -9163,7 +9438,7 @@
           <a:srgbClr val="000000"/>
         </a:buClr>
         <a:buFont typeface="Arial"/>
-        <a:defRPr b="0" i="0" sz="1400" u="none" cap="none" strike="noStrike">
+        <a:defRPr sz="1400" b="0" i="0" u="none" strike="noStrike" cap="none">
           <a:solidFill>
             <a:srgbClr val="000000"/>
           </a:solidFill>
@@ -9173,7 +9448,7 @@
           <a:sym typeface="Arial"/>
         </a:defRPr>
       </a:lvl7pPr>
-      <a:lvl8pPr lvl="7" marR="0" rtl="0" algn="l">
+      <a:lvl8pPr marR="0" lvl="7" algn="l" rtl="0">
         <a:lnSpc>
           <a:spcPct val="100000"/>
         </a:lnSpc>
@@ -9187,7 +9462,7 @@
           <a:srgbClr val="000000"/>
         </a:buClr>
         <a:buFont typeface="Arial"/>
-        <a:defRPr b="0" i="0" sz="1400" u="none" cap="none" strike="noStrike">
+        <a:defRPr sz="1400" b="0" i="0" u="none" strike="noStrike" cap="none">
           <a:solidFill>
             <a:srgbClr val="000000"/>
           </a:solidFill>
@@ -9197,7 +9472,7 @@
           <a:sym typeface="Arial"/>
         </a:defRPr>
       </a:lvl8pPr>
-      <a:lvl9pPr lvl="8" marR="0" rtl="0" algn="l">
+      <a:lvl9pPr marR="0" lvl="8" algn="l" rtl="0">
         <a:lnSpc>
           <a:spcPct val="100000"/>
         </a:lnSpc>
@@ -9211,7 +9486,7 @@
           <a:srgbClr val="000000"/>
         </a:buClr>
         <a:buFont typeface="Arial"/>
-        <a:defRPr b="0" i="0" sz="1400" u="none" cap="none" strike="noStrike">
+        <a:defRPr sz="1400" b="0" i="0" u="none" strike="noStrike" cap="none">
           <a:solidFill>
             <a:srgbClr val="000000"/>
           </a:solidFill>
@@ -9223,7 +9498,7 @@
       </a:lvl9pPr>
     </p:titleStyle>
     <p:bodyStyle>
-      <a:defPPr lvl="0" marR="0" rtl="0" algn="l">
+      <a:defPPr marR="0" lvl="0" algn="l" rtl="0">
         <a:lnSpc>
           <a:spcPct val="100000"/>
         </a:lnSpc>
@@ -9234,7 +9509,7 @@
           <a:spcPts val="0"/>
         </a:spcAft>
       </a:defPPr>
-      <a:lvl1pPr lvl="0" marR="0" rtl="0" algn="l">
+      <a:lvl1pPr marR="0" lvl="0" algn="l" rtl="0">
         <a:lnSpc>
           <a:spcPct val="100000"/>
         </a:lnSpc>
@@ -9248,7 +9523,7 @@
           <a:srgbClr val="000000"/>
         </a:buClr>
         <a:buFont typeface="Arial"/>
-        <a:defRPr b="0" i="0" sz="1400" u="none" cap="none" strike="noStrike">
+        <a:defRPr sz="1400" b="0" i="0" u="none" strike="noStrike" cap="none">
           <a:solidFill>
             <a:srgbClr val="000000"/>
           </a:solidFill>
@@ -9258,7 +9533,7 @@
           <a:sym typeface="Arial"/>
         </a:defRPr>
       </a:lvl1pPr>
-      <a:lvl2pPr lvl="1" marR="0" rtl="0" algn="l">
+      <a:lvl2pPr marR="0" lvl="1" algn="l" rtl="0">
         <a:lnSpc>
           <a:spcPct val="100000"/>
         </a:lnSpc>
@@ -9272,7 +9547,7 @@
           <a:srgbClr val="000000"/>
         </a:buClr>
         <a:buFont typeface="Arial"/>
-        <a:defRPr b="0" i="0" sz="1400" u="none" cap="none" strike="noStrike">
+        <a:defRPr sz="1400" b="0" i="0" u="none" strike="noStrike" cap="none">
           <a:solidFill>
             <a:srgbClr val="000000"/>
           </a:solidFill>
@@ -9282,7 +9557,7 @@
           <a:sym typeface="Arial"/>
         </a:defRPr>
       </a:lvl2pPr>
-      <a:lvl3pPr lvl="2" marR="0" rtl="0" algn="l">
+      <a:lvl3pPr marR="0" lvl="2" algn="l" rtl="0">
         <a:lnSpc>
           <a:spcPct val="100000"/>
         </a:lnSpc>
@@ -9296,7 +9571,7 @@
           <a:srgbClr val="000000"/>
         </a:buClr>
         <a:buFont typeface="Arial"/>
-        <a:defRPr b="0" i="0" sz="1400" u="none" cap="none" strike="noStrike">
+        <a:defRPr sz="1400" b="0" i="0" u="none" strike="noStrike" cap="none">
           <a:solidFill>
             <a:srgbClr val="000000"/>
           </a:solidFill>
@@ -9306,7 +9581,7 @@
           <a:sym typeface="Arial"/>
         </a:defRPr>
       </a:lvl3pPr>
-      <a:lvl4pPr lvl="3" marR="0" rtl="0" algn="l">
+      <a:lvl4pPr marR="0" lvl="3" algn="l" rtl="0">
         <a:lnSpc>
           <a:spcPct val="100000"/>
         </a:lnSpc>
@@ -9320,7 +9595,7 @@
           <a:srgbClr val="000000"/>
         </a:buClr>
         <a:buFont typeface="Arial"/>
-        <a:defRPr b="0" i="0" sz="1400" u="none" cap="none" strike="noStrike">
+        <a:defRPr sz="1400" b="0" i="0" u="none" strike="noStrike" cap="none">
           <a:solidFill>
             <a:srgbClr val="000000"/>
           </a:solidFill>
@@ -9330,7 +9605,7 @@
           <a:sym typeface="Arial"/>
         </a:defRPr>
       </a:lvl4pPr>
-      <a:lvl5pPr lvl="4" marR="0" rtl="0" algn="l">
+      <a:lvl5pPr marR="0" lvl="4" algn="l" rtl="0">
         <a:lnSpc>
           <a:spcPct val="100000"/>
         </a:lnSpc>
@@ -9344,7 +9619,7 @@
           <a:srgbClr val="000000"/>
         </a:buClr>
         <a:buFont typeface="Arial"/>
-        <a:defRPr b="0" i="0" sz="1400" u="none" cap="none" strike="noStrike">
+        <a:defRPr sz="1400" b="0" i="0" u="none" strike="noStrike" cap="none">
           <a:solidFill>
             <a:srgbClr val="000000"/>
           </a:solidFill>
@@ -9354,7 +9629,7 @@
           <a:sym typeface="Arial"/>
         </a:defRPr>
       </a:lvl5pPr>
-      <a:lvl6pPr lvl="5" marR="0" rtl="0" algn="l">
+      <a:lvl6pPr marR="0" lvl="5" algn="l" rtl="0">
         <a:lnSpc>
           <a:spcPct val="100000"/>
         </a:lnSpc>
@@ -9368,7 +9643,7 @@
           <a:srgbClr val="000000"/>
         </a:buClr>
         <a:buFont typeface="Arial"/>
-        <a:defRPr b="0" i="0" sz="1400" u="none" cap="none" strike="noStrike">
+        <a:defRPr sz="1400" b="0" i="0" u="none" strike="noStrike" cap="none">
           <a:solidFill>
             <a:srgbClr val="000000"/>
           </a:solidFill>
@@ -9378,7 +9653,7 @@
           <a:sym typeface="Arial"/>
         </a:defRPr>
       </a:lvl6pPr>
-      <a:lvl7pPr lvl="6" marR="0" rtl="0" algn="l">
+      <a:lvl7pPr marR="0" lvl="6" algn="l" rtl="0">
         <a:lnSpc>
           <a:spcPct val="100000"/>
         </a:lnSpc>
@@ -9392,7 +9667,7 @@
           <a:srgbClr val="000000"/>
         </a:buClr>
         <a:buFont typeface="Arial"/>
-        <a:defRPr b="0" i="0" sz="1400" u="none" cap="none" strike="noStrike">
+        <a:defRPr sz="1400" b="0" i="0" u="none" strike="noStrike" cap="none">
           <a:solidFill>
             <a:srgbClr val="000000"/>
           </a:solidFill>
@@ -9402,7 +9677,7 @@
           <a:sym typeface="Arial"/>
         </a:defRPr>
       </a:lvl7pPr>
-      <a:lvl8pPr lvl="7" marR="0" rtl="0" algn="l">
+      <a:lvl8pPr marR="0" lvl="7" algn="l" rtl="0">
         <a:lnSpc>
           <a:spcPct val="100000"/>
         </a:lnSpc>
@@ -9416,7 +9691,7 @@
           <a:srgbClr val="000000"/>
         </a:buClr>
         <a:buFont typeface="Arial"/>
-        <a:defRPr b="0" i="0" sz="1400" u="none" cap="none" strike="noStrike">
+        <a:defRPr sz="1400" b="0" i="0" u="none" strike="noStrike" cap="none">
           <a:solidFill>
             <a:srgbClr val="000000"/>
           </a:solidFill>
@@ -9426,7 +9701,7 @@
           <a:sym typeface="Arial"/>
         </a:defRPr>
       </a:lvl8pPr>
-      <a:lvl9pPr lvl="8" marR="0" rtl="0" algn="l">
+      <a:lvl9pPr marR="0" lvl="8" algn="l" rtl="0">
         <a:lnSpc>
           <a:spcPct val="100000"/>
         </a:lnSpc>
@@ -9440,7 +9715,7 @@
           <a:srgbClr val="000000"/>
         </a:buClr>
         <a:buFont typeface="Arial"/>
-        <a:defRPr b="0" i="0" sz="1400" u="none" cap="none" strike="noStrike">
+        <a:defRPr sz="1400" b="0" i="0" u="none" strike="noStrike" cap="none">
           <a:solidFill>
             <a:srgbClr val="000000"/>
           </a:solidFill>
@@ -9452,7 +9727,7 @@
       </a:lvl9pPr>
     </p:bodyStyle>
     <p:otherStyle>
-      <a:defPPr lvl="0" marR="0" rtl="0" algn="l">
+      <a:defPPr marR="0" lvl="0" algn="l" rtl="0">
         <a:lnSpc>
           <a:spcPct val="100000"/>
         </a:lnSpc>
@@ -9463,7 +9738,7 @@
           <a:spcPts val="0"/>
         </a:spcAft>
       </a:defPPr>
-      <a:lvl1pPr lvl="0" marR="0" rtl="0" algn="l">
+      <a:lvl1pPr marR="0" lvl="0" algn="l" rtl="0">
         <a:lnSpc>
           <a:spcPct val="100000"/>
         </a:lnSpc>
@@ -9477,7 +9752,7 @@
           <a:srgbClr val="000000"/>
         </a:buClr>
         <a:buFont typeface="Arial"/>
-        <a:defRPr b="0" i="0" sz="1400" u="none" cap="none" strike="noStrike">
+        <a:defRPr sz="1400" b="0" i="0" u="none" strike="noStrike" cap="none">
           <a:solidFill>
             <a:srgbClr val="000000"/>
           </a:solidFill>
@@ -9487,7 +9762,7 @@
           <a:sym typeface="Arial"/>
         </a:defRPr>
       </a:lvl1pPr>
-      <a:lvl2pPr lvl="1" marR="0" rtl="0" algn="l">
+      <a:lvl2pPr marR="0" lvl="1" algn="l" rtl="0">
         <a:lnSpc>
           <a:spcPct val="100000"/>
         </a:lnSpc>
@@ -9501,7 +9776,7 @@
           <a:srgbClr val="000000"/>
         </a:buClr>
         <a:buFont typeface="Arial"/>
-        <a:defRPr b="0" i="0" sz="1400" u="none" cap="none" strike="noStrike">
+        <a:defRPr sz="1400" b="0" i="0" u="none" strike="noStrike" cap="none">
           <a:solidFill>
             <a:srgbClr val="000000"/>
           </a:solidFill>
@@ -9511,7 +9786,7 @@
           <a:sym typeface="Arial"/>
         </a:defRPr>
       </a:lvl2pPr>
-      <a:lvl3pPr lvl="2" marR="0" rtl="0" algn="l">
+      <a:lvl3pPr marR="0" lvl="2" algn="l" rtl="0">
         <a:lnSpc>
           <a:spcPct val="100000"/>
         </a:lnSpc>
@@ -9525,7 +9800,7 @@
           <a:srgbClr val="000000"/>
         </a:buClr>
         <a:buFont typeface="Arial"/>
-        <a:defRPr b="0" i="0" sz="1400" u="none" cap="none" strike="noStrike">
+        <a:defRPr sz="1400" b="0" i="0" u="none" strike="noStrike" cap="none">
           <a:solidFill>
             <a:srgbClr val="000000"/>
           </a:solidFill>
@@ -9535,7 +9810,7 @@
           <a:sym typeface="Arial"/>
         </a:defRPr>
       </a:lvl3pPr>
-      <a:lvl4pPr lvl="3" marR="0" rtl="0" algn="l">
+      <a:lvl4pPr marR="0" lvl="3" algn="l" rtl="0">
         <a:lnSpc>
           <a:spcPct val="100000"/>
         </a:lnSpc>
@@ -9549,7 +9824,7 @@
           <a:srgbClr val="000000"/>
         </a:buClr>
         <a:buFont typeface="Arial"/>
-        <a:defRPr b="0" i="0" sz="1400" u="none" cap="none" strike="noStrike">
+        <a:defRPr sz="1400" b="0" i="0" u="none" strike="noStrike" cap="none">
           <a:solidFill>
             <a:srgbClr val="000000"/>
           </a:solidFill>
@@ -9559,7 +9834,7 @@
           <a:sym typeface="Arial"/>
         </a:defRPr>
       </a:lvl4pPr>
-      <a:lvl5pPr lvl="4" marR="0" rtl="0" algn="l">
+      <a:lvl5pPr marR="0" lvl="4" algn="l" rtl="0">
         <a:lnSpc>
           <a:spcPct val="100000"/>
         </a:lnSpc>
@@ -9573,7 +9848,7 @@
           <a:srgbClr val="000000"/>
         </a:buClr>
         <a:buFont typeface="Arial"/>
-        <a:defRPr b="0" i="0" sz="1400" u="none" cap="none" strike="noStrike">
+        <a:defRPr sz="1400" b="0" i="0" u="none" strike="noStrike" cap="none">
           <a:solidFill>
             <a:srgbClr val="000000"/>
           </a:solidFill>
@@ -9583,7 +9858,7 @@
           <a:sym typeface="Arial"/>
         </a:defRPr>
       </a:lvl5pPr>
-      <a:lvl6pPr lvl="5" marR="0" rtl="0" algn="l">
+      <a:lvl6pPr marR="0" lvl="5" algn="l" rtl="0">
         <a:lnSpc>
           <a:spcPct val="100000"/>
         </a:lnSpc>
@@ -9597,7 +9872,7 @@
           <a:srgbClr val="000000"/>
         </a:buClr>
         <a:buFont typeface="Arial"/>
-        <a:defRPr b="0" i="0" sz="1400" u="none" cap="none" strike="noStrike">
+        <a:defRPr sz="1400" b="0" i="0" u="none" strike="noStrike" cap="none">
           <a:solidFill>
             <a:srgbClr val="000000"/>
           </a:solidFill>
@@ -9607,7 +9882,7 @@
           <a:sym typeface="Arial"/>
         </a:defRPr>
       </a:lvl6pPr>
-      <a:lvl7pPr lvl="6" marR="0" rtl="0" algn="l">
+      <a:lvl7pPr marR="0" lvl="6" algn="l" rtl="0">
         <a:lnSpc>
           <a:spcPct val="100000"/>
         </a:lnSpc>
@@ -9621,7 +9896,7 @@
           <a:srgbClr val="000000"/>
         </a:buClr>
         <a:buFont typeface="Arial"/>
-        <a:defRPr b="0" i="0" sz="1400" u="none" cap="none" strike="noStrike">
+        <a:defRPr sz="1400" b="0" i="0" u="none" strike="noStrike" cap="none">
           <a:solidFill>
             <a:srgbClr val="000000"/>
           </a:solidFill>
@@ -9631,7 +9906,7 @@
           <a:sym typeface="Arial"/>
         </a:defRPr>
       </a:lvl7pPr>
-      <a:lvl8pPr lvl="7" marR="0" rtl="0" algn="l">
+      <a:lvl8pPr marR="0" lvl="7" algn="l" rtl="0">
         <a:lnSpc>
           <a:spcPct val="100000"/>
         </a:lnSpc>
@@ -9645,7 +9920,7 @@
           <a:srgbClr val="000000"/>
         </a:buClr>
         <a:buFont typeface="Arial"/>
-        <a:defRPr b="0" i="0" sz="1400" u="none" cap="none" strike="noStrike">
+        <a:defRPr sz="1400" b="0" i="0" u="none" strike="noStrike" cap="none">
           <a:solidFill>
             <a:srgbClr val="000000"/>
           </a:solidFill>
@@ -9655,7 +9930,7 @@
           <a:sym typeface="Arial"/>
         </a:defRPr>
       </a:lvl8pPr>
-      <a:lvl9pPr lvl="8" marR="0" rtl="0" algn="l">
+      <a:lvl9pPr marR="0" lvl="8" algn="l" rtl="0">
         <a:lnSpc>
           <a:spcPct val="100000"/>
         </a:lnSpc>
@@ -9669,7 +9944,7 @@
           <a:srgbClr val="000000"/>
         </a:buClr>
         <a:buFont typeface="Arial"/>
-        <a:defRPr b="0" i="0" sz="1400" u="none" cap="none" strike="noStrike">
+        <a:defRPr sz="1400" b="0" i="0" u="none" strike="noStrike" cap="none">
           <a:solidFill>
             <a:srgbClr val="000000"/>
           </a:solidFill>
@@ -9685,11 +9960,11 @@
 </file>
 
 <file path=ppt/slides/slide1.xml><?xml version="1.0" encoding="utf-8"?>
-<p:sld xmlns:a="http://schemas.openxmlformats.org/drawingml/2006/main" xmlns:r="http://schemas.openxmlformats.org/officeDocument/2006/relationships" xmlns:mc="http://schemas.openxmlformats.org/markup-compatibility/2006" xmlns:mv="urn:schemas-microsoft-com:mac:vml" xmlns:p="http://schemas.openxmlformats.org/presentationml/2006/main" xmlns:c="http://schemas.openxmlformats.org/drawingml/2006/chart" xmlns:dgm="http://schemas.openxmlformats.org/drawingml/2006/diagram" xmlns:o="urn:schemas-microsoft-com:office:office" xmlns:v="urn:schemas-microsoft-com:vml" xmlns:pvml="urn:schemas-microsoft-com:office:powerpoint" xmlns:com="http://schemas.openxmlformats.org/drawingml/2006/compatibility" xmlns:p14="http://schemas.microsoft.com/office/powerpoint/2010/main" xmlns:p15="http://schemas.microsoft.com/office/powerpoint/2012/main" xmlns:ahyp="http://schemas.microsoft.com/office/drawing/2018/hyperlinkcolor">
+<p:sld xmlns:a="http://schemas.openxmlformats.org/drawingml/2006/main" xmlns:r="http://schemas.openxmlformats.org/officeDocument/2006/relationships" xmlns:p="http://schemas.openxmlformats.org/presentationml/2006/main">
   <p:cSld>
     <p:spTree>
       <p:nvGrpSpPr>
-        <p:cNvPr id="133" name="Shape 133"/>
+        <p:cNvPr id="1" name="Shape 133"/>
         <p:cNvGrpSpPr/>
         <p:nvPr/>
       </p:nvGrpSpPr>
@@ -9704,7 +9979,9 @@
       <p:sp>
         <p:nvSpPr>
           <p:cNvPr id="134" name="Google Shape;134;p13"/>
-          <p:cNvSpPr txBox="1"/>
+          <p:cNvSpPr txBox="1">
+            <a:spLocks noGrp="1"/>
+          </p:cNvSpPr>
           <p:nvPr>
             <p:ph type="ctrTitle"/>
           </p:nvPr>
@@ -9719,12 +9996,12 @@
           </a:prstGeom>
         </p:spPr>
         <p:txBody>
-          <a:bodyPr anchorCtr="0" anchor="t" bIns="91425" lIns="91425" spcFirstLastPara="1" rIns="91425" wrap="square" tIns="91425">
+          <a:bodyPr spcFirstLastPara="1" wrap="square" lIns="91425" tIns="91425" rIns="91425" bIns="91425" anchor="t" anchorCtr="0">
             <a:noAutofit/>
           </a:bodyPr>
           <a:lstStyle/>
           <a:p>
-            <a:pPr indent="0" lvl="0" marL="0" rtl="0" algn="l">
+            <a:pPr marL="0" lvl="0" indent="0" algn="l" rtl="0">
               <a:lnSpc>
                 <a:spcPct val="150000"/>
               </a:lnSpc>
@@ -9743,7 +10020,7 @@
             <a:endParaRPr sz="3500"/>
           </a:p>
           <a:p>
-            <a:pPr indent="0" lvl="0" marL="0" rtl="0" algn="l">
+            <a:pPr marL="0" lvl="0" indent="0" algn="l" rtl="0">
               <a:lnSpc>
                 <a:spcPct val="150000"/>
               </a:lnSpc>
@@ -9766,9 +10043,11 @@
       <p:sp>
         <p:nvSpPr>
           <p:cNvPr id="135" name="Google Shape;135;p13"/>
-          <p:cNvSpPr txBox="1"/>
+          <p:cNvSpPr txBox="1">
+            <a:spLocks noGrp="1"/>
+          </p:cNvSpPr>
           <p:nvPr>
-            <p:ph idx="1" type="subTitle"/>
+            <p:ph type="subTitle" idx="1"/>
           </p:nvPr>
         </p:nvSpPr>
         <p:spPr>
@@ -9781,12 +10060,12 @@
           </a:prstGeom>
         </p:spPr>
         <p:txBody>
-          <a:bodyPr anchorCtr="0" anchor="t" bIns="91425" lIns="91425" spcFirstLastPara="1" rIns="91425" wrap="square" tIns="91425">
+          <a:bodyPr spcFirstLastPara="1" wrap="square" lIns="91425" tIns="91425" rIns="91425" bIns="91425" anchor="t" anchorCtr="0">
             <a:noAutofit/>
           </a:bodyPr>
           <a:lstStyle/>
           <a:p>
-            <a:pPr indent="0" lvl="0" marL="0" rtl="0" algn="l">
+            <a:pPr marL="0" lvl="0" indent="0" algn="l" rtl="0">
               <a:spcBef>
                 <a:spcPts val="0"/>
               </a:spcBef>
@@ -9813,7 +10092,7 @@
           <a:blip r:embed="rId3">
             <a:alphaModFix/>
           </a:blip>
-          <a:srcRect b="32519" l="0" r="0" t="-32520"/>
+          <a:srcRect t="-32520" b="32519"/>
           <a:stretch/>
         </p:blipFill>
         <p:spPr>
@@ -9838,12 +10117,487 @@
 </p:sld>
 </file>
 
-<file path=ppt/slides/slide2.xml><?xml version="1.0" encoding="utf-8"?>
-<p:sld xmlns:a="http://schemas.openxmlformats.org/drawingml/2006/main" xmlns:r="http://schemas.openxmlformats.org/officeDocument/2006/relationships" xmlns:mc="http://schemas.openxmlformats.org/markup-compatibility/2006" xmlns:mv="urn:schemas-microsoft-com:mac:vml" xmlns:p="http://schemas.openxmlformats.org/presentationml/2006/main" xmlns:c="http://schemas.openxmlformats.org/drawingml/2006/chart" xmlns:dgm="http://schemas.openxmlformats.org/drawingml/2006/diagram" xmlns:o="urn:schemas-microsoft-com:office:office" xmlns:v="urn:schemas-microsoft-com:vml" xmlns:pvml="urn:schemas-microsoft-com:office:powerpoint" xmlns:com="http://schemas.openxmlformats.org/drawingml/2006/compatibility" xmlns:p14="http://schemas.microsoft.com/office/powerpoint/2010/main" xmlns:p15="http://schemas.microsoft.com/office/powerpoint/2012/main" xmlns:ahyp="http://schemas.microsoft.com/office/drawing/2018/hyperlinkcolor">
+<file path=ppt/slides/slide10.xml><?xml version="1.0" encoding="utf-8"?>
+<p:sld xmlns:a="http://schemas.openxmlformats.org/drawingml/2006/main" xmlns:r="http://schemas.openxmlformats.org/officeDocument/2006/relationships" xmlns:p="http://schemas.openxmlformats.org/presentationml/2006/main">
   <p:cSld>
     <p:spTree>
       <p:nvGrpSpPr>
-        <p:cNvPr id="140" name="Shape 140"/>
+        <p:cNvPr id="1" name="Shape 170"/>
+        <p:cNvGrpSpPr/>
+        <p:nvPr/>
+      </p:nvGrpSpPr>
+      <p:grpSpPr>
+        <a:xfrm>
+          <a:off x="0" y="0"/>
+          <a:ext cx="0" cy="0"/>
+          <a:chOff x="0" y="0"/>
+          <a:chExt cx="0" cy="0"/>
+        </a:xfrm>
+      </p:grpSpPr>
+      <p:sp>
+        <p:nvSpPr>
+          <p:cNvPr id="171" name="Google Shape;171;p19"/>
+          <p:cNvSpPr txBox="1">
+            <a:spLocks noGrp="1"/>
+          </p:cNvSpPr>
+          <p:nvPr>
+            <p:ph type="title"/>
+          </p:nvPr>
+        </p:nvSpPr>
+        <p:spPr>
+          <a:xfrm>
+            <a:off x="1297500" y="393750"/>
+            <a:ext cx="7038900" cy="914100"/>
+          </a:xfrm>
+          <a:prstGeom prst="rect">
+            <a:avLst/>
+          </a:prstGeom>
+        </p:spPr>
+        <p:txBody>
+          <a:bodyPr spcFirstLastPara="1" wrap="square" lIns="91425" tIns="91425" rIns="91425" bIns="91425" anchor="t" anchorCtr="0">
+            <a:noAutofit/>
+          </a:bodyPr>
+          <a:lstStyle/>
+          <a:p>
+            <a:pPr marL="0" lvl="0" indent="0" algn="l" rtl="0">
+              <a:spcBef>
+                <a:spcPts val="0"/>
+              </a:spcBef>
+              <a:spcAft>
+                <a:spcPts val="0"/>
+              </a:spcAft>
+              <a:buNone/>
+            </a:pPr>
+            <a:r>
+              <a:rPr lang="fr"/>
+              <a:t>Détails produit</a:t>
+            </a:r>
+            <a:endParaRPr/>
+          </a:p>
+        </p:txBody>
+      </p:sp>
+      <p:sp>
+        <p:nvSpPr>
+          <p:cNvPr id="172" name="Google Shape;172;p19"/>
+          <p:cNvSpPr txBox="1">
+            <a:spLocks noGrp="1"/>
+          </p:cNvSpPr>
+          <p:nvPr>
+            <p:ph type="body" idx="1"/>
+          </p:nvPr>
+        </p:nvSpPr>
+        <p:spPr>
+          <a:xfrm>
+            <a:off x="1297500" y="1567550"/>
+            <a:ext cx="7038900" cy="2911200"/>
+          </a:xfrm>
+          <a:prstGeom prst="rect">
+            <a:avLst/>
+          </a:prstGeom>
+        </p:spPr>
+        <p:txBody>
+          <a:bodyPr spcFirstLastPara="1" wrap="square" lIns="91425" tIns="91425" rIns="91425" bIns="91425" anchor="t" anchorCtr="0">
+            <a:noAutofit/>
+          </a:bodyPr>
+          <a:lstStyle/>
+          <a:p>
+            <a:pPr marL="457200" lvl="0" indent="-311150" algn="l" rtl="0">
+              <a:spcBef>
+                <a:spcPts val="0"/>
+              </a:spcBef>
+              <a:spcAft>
+                <a:spcPts val="0"/>
+              </a:spcAft>
+              <a:buSzPts val="1300"/>
+              <a:buChar char="●"/>
+            </a:pPr>
+            <a:r>
+              <a:rPr lang="fr"/>
+              <a:t>Programmation asynchrone</a:t>
+            </a:r>
+            <a:endParaRPr/>
+          </a:p>
+          <a:p>
+            <a:pPr marL="457200" lvl="0" indent="-311150" algn="l" rtl="0">
+              <a:spcBef>
+                <a:spcPts val="0"/>
+              </a:spcBef>
+              <a:spcAft>
+                <a:spcPts val="0"/>
+              </a:spcAft>
+              <a:buSzPts val="1300"/>
+              <a:buChar char="●"/>
+            </a:pPr>
+            <a:r>
+              <a:rPr lang="fr"/>
+              <a:t>Retrofit (XML/JSON parsing, convertisseur de la réponse en un  format utile)</a:t>
+            </a:r>
+            <a:endParaRPr/>
+          </a:p>
+          <a:p>
+            <a:pPr marL="457200" lvl="0" indent="-311150" algn="l" rtl="0">
+              <a:spcBef>
+                <a:spcPts val="0"/>
+              </a:spcBef>
+              <a:spcAft>
+                <a:spcPts val="0"/>
+              </a:spcAft>
+              <a:buSzPts val="1300"/>
+              <a:buChar char="●"/>
+            </a:pPr>
+            <a:r>
+              <a:rPr lang="fr"/>
+              <a:t>coroutines</a:t>
+            </a:r>
+            <a:endParaRPr/>
+          </a:p>
+          <a:p>
+            <a:pPr marL="914400" lvl="1" indent="-298450" algn="l" rtl="0">
+              <a:spcBef>
+                <a:spcPts val="0"/>
+              </a:spcBef>
+              <a:spcAft>
+                <a:spcPts val="0"/>
+              </a:spcAft>
+              <a:buSzPts val="1100"/>
+              <a:buChar char="○"/>
+            </a:pPr>
+            <a:r>
+              <a:rPr lang="fr"/>
+              <a:t>permet d’écrire du code basé sur des fonctions callback de façon séquentielle</a:t>
+            </a:r>
+            <a:endParaRPr/>
+          </a:p>
+          <a:p>
+            <a:pPr marL="914400" lvl="1" indent="-298450" algn="l" rtl="0">
+              <a:spcBef>
+                <a:spcPts val="0"/>
+              </a:spcBef>
+              <a:spcAft>
+                <a:spcPts val="0"/>
+              </a:spcAft>
+              <a:buSzPts val="1100"/>
+              <a:buChar char="○"/>
+            </a:pPr>
+            <a:r>
+              <a:rPr lang="fr"/>
+              <a:t>asynchrone (thread autre que UI)</a:t>
+            </a:r>
+            <a:endParaRPr/>
+          </a:p>
+          <a:p>
+            <a:pPr marL="914400" lvl="1" indent="-298450" algn="l" rtl="0">
+              <a:spcBef>
+                <a:spcPts val="0"/>
+              </a:spcBef>
+              <a:spcAft>
+                <a:spcPts val="0"/>
+              </a:spcAft>
+              <a:buSzPts val="1100"/>
+              <a:buChar char="○"/>
+            </a:pPr>
+            <a:r>
+              <a:rPr lang="fr"/>
+              <a:t>non-bloquant</a:t>
+            </a:r>
+            <a:endParaRPr/>
+          </a:p>
+          <a:p>
+            <a:pPr marL="914400" lvl="1" indent="-298450" algn="l" rtl="0">
+              <a:spcBef>
+                <a:spcPts val="0"/>
+              </a:spcBef>
+              <a:spcAft>
+                <a:spcPts val="0"/>
+              </a:spcAft>
+              <a:buSzPts val="1100"/>
+              <a:buChar char="○"/>
+            </a:pPr>
+            <a:r>
+              <a:rPr lang="fr"/>
+              <a:t>repose sur les fonctions “suspend” pour  rendre le code asynchrone séquentiel</a:t>
+            </a:r>
+            <a:endParaRPr/>
+          </a:p>
+          <a:p>
+            <a:pPr marL="914400" lvl="1" indent="-298450" algn="l" rtl="0">
+              <a:spcBef>
+                <a:spcPts val="0"/>
+              </a:spcBef>
+              <a:spcAft>
+                <a:spcPts val="0"/>
+              </a:spcAft>
+              <a:buSzPts val="1100"/>
+              <a:buChar char="○"/>
+            </a:pPr>
+            <a:r>
+              <a:rPr lang="fr"/>
+              <a:t>nécessite : </a:t>
+            </a:r>
+            <a:endParaRPr/>
+          </a:p>
+          <a:p>
+            <a:pPr marL="1371600" lvl="2" indent="-298450" algn="l" rtl="0">
+              <a:spcBef>
+                <a:spcPts val="0"/>
+              </a:spcBef>
+              <a:spcAft>
+                <a:spcPts val="0"/>
+              </a:spcAft>
+              <a:buSzPts val="1100"/>
+              <a:buChar char="■"/>
+            </a:pPr>
+            <a:r>
+              <a:rPr lang="fr"/>
+              <a:t>job : une tâche qui peut être annulée</a:t>
+            </a:r>
+            <a:endParaRPr/>
+          </a:p>
+          <a:p>
+            <a:pPr marL="1371600" lvl="2" indent="-298450" algn="l" rtl="0">
+              <a:spcBef>
+                <a:spcPts val="0"/>
+              </a:spcBef>
+              <a:spcAft>
+                <a:spcPts val="0"/>
+              </a:spcAft>
+              <a:buSzPts val="1100"/>
+              <a:buChar char="■"/>
+            </a:pPr>
+            <a:r>
+              <a:rPr lang="fr"/>
+              <a:t>dispatcher : distribue l'exécution des coroutines sur les différents threads </a:t>
+            </a:r>
+            <a:endParaRPr/>
+          </a:p>
+          <a:p>
+            <a:pPr marL="1371600" lvl="2" indent="-298450" algn="l" rtl="0">
+              <a:spcBef>
+                <a:spcPts val="0"/>
+              </a:spcBef>
+              <a:spcAft>
+                <a:spcPts val="0"/>
+              </a:spcAft>
+              <a:buSzPts val="1100"/>
+              <a:buChar char="■"/>
+            </a:pPr>
+            <a:r>
+              <a:rPr lang="fr"/>
+              <a:t>scope : combine les informations (ex : job et dispatcher) pour définir un contexte d’exécution </a:t>
+            </a:r>
+            <a:endParaRPr/>
+          </a:p>
+        </p:txBody>
+      </p:sp>
+    </p:spTree>
+  </p:cSld>
+  <p:clrMapOvr>
+    <a:masterClrMapping/>
+  </p:clrMapOvr>
+</p:sld>
+</file>
+
+<file path=ppt/slides/slide11.xml><?xml version="1.0" encoding="utf-8"?>
+<p:sld xmlns:a="http://schemas.openxmlformats.org/drawingml/2006/main" xmlns:r="http://schemas.openxmlformats.org/officeDocument/2006/relationships" xmlns:p="http://schemas.openxmlformats.org/presentationml/2006/main">
+  <p:cSld>
+    <p:spTree>
+      <p:nvGrpSpPr>
+        <p:cNvPr id="1" name="Shape 176"/>
+        <p:cNvGrpSpPr/>
+        <p:nvPr/>
+      </p:nvGrpSpPr>
+      <p:grpSpPr>
+        <a:xfrm>
+          <a:off x="0" y="0"/>
+          <a:ext cx="0" cy="0"/>
+          <a:chOff x="0" y="0"/>
+          <a:chExt cx="0" cy="0"/>
+        </a:xfrm>
+      </p:grpSpPr>
+      <p:sp>
+        <p:nvSpPr>
+          <p:cNvPr id="177" name="Google Shape;177;p20"/>
+          <p:cNvSpPr txBox="1">
+            <a:spLocks noGrp="1"/>
+          </p:cNvSpPr>
+          <p:nvPr>
+            <p:ph type="title"/>
+          </p:nvPr>
+        </p:nvSpPr>
+        <p:spPr>
+          <a:xfrm>
+            <a:off x="1297500" y="393750"/>
+            <a:ext cx="7038900" cy="914100"/>
+          </a:xfrm>
+          <a:prstGeom prst="rect">
+            <a:avLst/>
+          </a:prstGeom>
+        </p:spPr>
+        <p:txBody>
+          <a:bodyPr spcFirstLastPara="1" wrap="square" lIns="91425" tIns="91425" rIns="91425" bIns="91425" anchor="t" anchorCtr="0">
+            <a:noAutofit/>
+          </a:bodyPr>
+          <a:lstStyle/>
+          <a:p>
+            <a:pPr marL="0" lvl="0" indent="0" algn="l" rtl="0">
+              <a:spcBef>
+                <a:spcPts val="0"/>
+              </a:spcBef>
+              <a:spcAft>
+                <a:spcPts val="0"/>
+              </a:spcAft>
+              <a:buNone/>
+            </a:pPr>
+            <a:r>
+              <a:rPr lang="fr"/>
+              <a:t>Historique</a:t>
+            </a:r>
+            <a:endParaRPr/>
+          </a:p>
+        </p:txBody>
+      </p:sp>
+      <p:sp>
+        <p:nvSpPr>
+          <p:cNvPr id="178" name="Google Shape;178;p20"/>
+          <p:cNvSpPr txBox="1">
+            <a:spLocks noGrp="1"/>
+          </p:cNvSpPr>
+          <p:nvPr>
+            <p:ph type="body" idx="1"/>
+          </p:nvPr>
+        </p:nvSpPr>
+        <p:spPr>
+          <a:xfrm>
+            <a:off x="1297500" y="1567550"/>
+            <a:ext cx="7038900" cy="2911200"/>
+          </a:xfrm>
+          <a:prstGeom prst="rect">
+            <a:avLst/>
+          </a:prstGeom>
+        </p:spPr>
+        <p:txBody>
+          <a:bodyPr spcFirstLastPara="1" wrap="square" lIns="91425" tIns="91425" rIns="91425" bIns="91425" anchor="t" anchorCtr="0">
+            <a:noAutofit/>
+          </a:bodyPr>
+          <a:lstStyle/>
+          <a:p>
+            <a:pPr marL="457200" lvl="0" indent="-311150" algn="l" rtl="0">
+              <a:spcBef>
+                <a:spcPts val="0"/>
+              </a:spcBef>
+              <a:spcAft>
+                <a:spcPts val="0"/>
+              </a:spcAft>
+              <a:buSzPts val="1300"/>
+              <a:buChar char="●"/>
+            </a:pPr>
+            <a:r>
+              <a:rPr lang="fr"/>
+              <a:t>RecyclerView</a:t>
+            </a:r>
+            <a:endParaRPr/>
+          </a:p>
+          <a:p>
+            <a:pPr marL="914400" lvl="1" indent="-298450" algn="l" rtl="0">
+              <a:spcBef>
+                <a:spcPts val="0"/>
+              </a:spcBef>
+              <a:spcAft>
+                <a:spcPts val="0"/>
+              </a:spcAft>
+              <a:buSzPts val="1100"/>
+              <a:buChar char="○"/>
+            </a:pPr>
+            <a:r>
+              <a:rPr lang="fr"/>
+              <a:t>adapter</a:t>
+            </a:r>
+            <a:endParaRPr/>
+          </a:p>
+          <a:p>
+            <a:pPr marL="1371600" lvl="2" indent="-298450" algn="l" rtl="0">
+              <a:spcBef>
+                <a:spcPts val="0"/>
+              </a:spcBef>
+              <a:spcAft>
+                <a:spcPts val="0"/>
+              </a:spcAft>
+              <a:buSzPts val="1100"/>
+              <a:buChar char="■"/>
+            </a:pPr>
+            <a:r>
+              <a:rPr lang="fr"/>
+              <a:t>how many items</a:t>
+            </a:r>
+            <a:endParaRPr/>
+          </a:p>
+          <a:p>
+            <a:pPr marL="1371600" lvl="2" indent="-298450" algn="l" rtl="0">
+              <a:spcBef>
+                <a:spcPts val="0"/>
+              </a:spcBef>
+              <a:spcAft>
+                <a:spcPts val="0"/>
+              </a:spcAft>
+              <a:buSzPts val="1100"/>
+              <a:buChar char="■"/>
+            </a:pPr>
+            <a:r>
+              <a:rPr lang="fr"/>
+              <a:t>create new viewHolder</a:t>
+            </a:r>
+            <a:endParaRPr/>
+          </a:p>
+          <a:p>
+            <a:pPr marL="1371600" lvl="2" indent="-298450" algn="l" rtl="0">
+              <a:spcBef>
+                <a:spcPts val="0"/>
+              </a:spcBef>
+              <a:spcAft>
+                <a:spcPts val="0"/>
+              </a:spcAft>
+              <a:buSzPts val="1100"/>
+              <a:buChar char="■"/>
+            </a:pPr>
+            <a:r>
+              <a:rPr lang="fr"/>
+              <a:t>draw items into viewHolder</a:t>
+            </a:r>
+            <a:endParaRPr/>
+          </a:p>
+          <a:p>
+            <a:pPr marL="914400" lvl="1" indent="-298450" algn="l" rtl="0">
+              <a:spcBef>
+                <a:spcPts val="0"/>
+              </a:spcBef>
+              <a:spcAft>
+                <a:spcPts val="0"/>
+              </a:spcAft>
+              <a:buSzPts val="1100"/>
+              <a:buChar char="○"/>
+            </a:pPr>
+            <a:r>
+              <a:rPr lang="fr"/>
+              <a:t>viewHolder</a:t>
+            </a:r>
+            <a:endParaRPr/>
+          </a:p>
+        </p:txBody>
+      </p:sp>
+    </p:spTree>
+  </p:cSld>
+  <p:clrMapOvr>
+    <a:masterClrMapping/>
+  </p:clrMapOvr>
+</p:sld>
+</file>
+
+<file path=ppt/slides/slide2.xml><?xml version="1.0" encoding="utf-8"?>
+<p:sld xmlns:a="http://schemas.openxmlformats.org/drawingml/2006/main" xmlns:r="http://schemas.openxmlformats.org/officeDocument/2006/relationships" xmlns:p="http://schemas.openxmlformats.org/presentationml/2006/main">
+  <p:cSld>
+    <p:spTree>
+      <p:nvGrpSpPr>
+        <p:cNvPr id="1" name="Shape 140"/>
         <p:cNvGrpSpPr/>
         <p:nvPr/>
       </p:nvGrpSpPr>
@@ -9858,7 +10612,9 @@
       <p:sp>
         <p:nvSpPr>
           <p:cNvPr id="141" name="Google Shape;141;p14"/>
-          <p:cNvSpPr txBox="1"/>
+          <p:cNvSpPr txBox="1">
+            <a:spLocks noGrp="1"/>
+          </p:cNvSpPr>
           <p:nvPr>
             <p:ph type="title"/>
           </p:nvPr>
@@ -9873,12 +10629,12 @@
           </a:prstGeom>
         </p:spPr>
         <p:txBody>
-          <a:bodyPr anchorCtr="0" anchor="t" bIns="91425" lIns="91425" spcFirstLastPara="1" rIns="91425" wrap="square" tIns="91425">
+          <a:bodyPr spcFirstLastPara="1" wrap="square" lIns="91425" tIns="91425" rIns="91425" bIns="91425" anchor="t" anchorCtr="0">
             <a:noAutofit/>
           </a:bodyPr>
           <a:lstStyle/>
           <a:p>
-            <a:pPr indent="0" lvl="0" marL="0" rtl="0" algn="l">
+            <a:pPr marL="0" lvl="0" indent="0" algn="l" rtl="0">
               <a:spcBef>
                 <a:spcPts val="0"/>
               </a:spcBef>
@@ -9898,9 +10654,11 @@
       <p:sp>
         <p:nvSpPr>
           <p:cNvPr id="142" name="Google Shape;142;p14"/>
-          <p:cNvSpPr txBox="1"/>
+          <p:cNvSpPr txBox="1">
+            <a:spLocks noGrp="1"/>
+          </p:cNvSpPr>
           <p:nvPr>
-            <p:ph idx="1" type="body"/>
+            <p:ph type="body" idx="1"/>
           </p:nvPr>
         </p:nvSpPr>
         <p:spPr>
@@ -9913,12 +10671,12 @@
           </a:prstGeom>
         </p:spPr>
         <p:txBody>
-          <a:bodyPr anchorCtr="0" anchor="t" bIns="91425" lIns="91425" spcFirstLastPara="1" rIns="91425" wrap="square" tIns="91425">
+          <a:bodyPr spcFirstLastPara="1" wrap="square" lIns="91425" tIns="91425" rIns="91425" bIns="91425" anchor="t" anchorCtr="0">
             <a:noAutofit/>
           </a:bodyPr>
           <a:lstStyle/>
           <a:p>
-            <a:pPr indent="-311150" lvl="0" marL="457200" rtl="0" algn="l">
+            <a:pPr marL="457200" lvl="0" indent="-311150" algn="l" rtl="0">
               <a:spcBef>
                 <a:spcPts val="0"/>
               </a:spcBef>
@@ -9945,11 +10703,11 @@
 </file>
 
 <file path=ppt/slides/slide3.xml><?xml version="1.0" encoding="utf-8"?>
-<p:sld xmlns:a="http://schemas.openxmlformats.org/drawingml/2006/main" xmlns:r="http://schemas.openxmlformats.org/officeDocument/2006/relationships" xmlns:mc="http://schemas.openxmlformats.org/markup-compatibility/2006" xmlns:mv="urn:schemas-microsoft-com:mac:vml" xmlns:p="http://schemas.openxmlformats.org/presentationml/2006/main" xmlns:c="http://schemas.openxmlformats.org/drawingml/2006/chart" xmlns:dgm="http://schemas.openxmlformats.org/drawingml/2006/diagram" xmlns:o="urn:schemas-microsoft-com:office:office" xmlns:v="urn:schemas-microsoft-com:vml" xmlns:pvml="urn:schemas-microsoft-com:office:powerpoint" xmlns:com="http://schemas.openxmlformats.org/drawingml/2006/compatibility" xmlns:p14="http://schemas.microsoft.com/office/powerpoint/2010/main" xmlns:p15="http://schemas.microsoft.com/office/powerpoint/2012/main" xmlns:ahyp="http://schemas.microsoft.com/office/drawing/2018/hyperlinkcolor">
+<p:sld xmlns:a="http://schemas.openxmlformats.org/drawingml/2006/main" xmlns:r="http://schemas.openxmlformats.org/officeDocument/2006/relationships" xmlns:p="http://schemas.openxmlformats.org/presentationml/2006/main">
   <p:cSld>
     <p:spTree>
       <p:nvGrpSpPr>
-        <p:cNvPr id="146" name="Shape 146"/>
+        <p:cNvPr id="1" name="Shape 146"/>
         <p:cNvGrpSpPr/>
         <p:nvPr/>
       </p:nvGrpSpPr>
@@ -9964,7 +10722,9 @@
       <p:sp>
         <p:nvSpPr>
           <p:cNvPr id="147" name="Google Shape;147;p15"/>
-          <p:cNvSpPr txBox="1"/>
+          <p:cNvSpPr txBox="1">
+            <a:spLocks noGrp="1"/>
+          </p:cNvSpPr>
           <p:nvPr>
             <p:ph type="title"/>
           </p:nvPr>
@@ -9979,12 +10739,12 @@
           </a:prstGeom>
         </p:spPr>
         <p:txBody>
-          <a:bodyPr anchorCtr="0" anchor="t" bIns="91425" lIns="91425" spcFirstLastPara="1" rIns="91425" wrap="square" tIns="91425">
+          <a:bodyPr spcFirstLastPara="1" wrap="square" lIns="91425" tIns="91425" rIns="91425" bIns="91425" anchor="t" anchorCtr="0">
             <a:noAutofit/>
           </a:bodyPr>
           <a:lstStyle/>
           <a:p>
-            <a:pPr indent="0" lvl="0" marL="0" rtl="0" algn="l">
+            <a:pPr marL="0" lvl="0" indent="0" algn="l" rtl="0">
               <a:spcBef>
                 <a:spcPts val="0"/>
               </a:spcBef>
@@ -10004,9 +10764,11 @@
       <p:sp>
         <p:nvSpPr>
           <p:cNvPr id="148" name="Google Shape;148;p15"/>
-          <p:cNvSpPr txBox="1"/>
+          <p:cNvSpPr txBox="1">
+            <a:spLocks noGrp="1"/>
+          </p:cNvSpPr>
           <p:nvPr>
-            <p:ph idx="1" type="body"/>
+            <p:ph type="body" idx="1"/>
           </p:nvPr>
         </p:nvSpPr>
         <p:spPr>
@@ -10019,12 +10781,12 @@
           </a:prstGeom>
         </p:spPr>
         <p:txBody>
-          <a:bodyPr anchorCtr="0" anchor="t" bIns="91425" lIns="91425" spcFirstLastPara="1" rIns="91425" wrap="square" tIns="91425">
+          <a:bodyPr spcFirstLastPara="1" wrap="square" lIns="91425" tIns="91425" rIns="91425" bIns="91425" anchor="t" anchorCtr="0">
             <a:noAutofit/>
           </a:bodyPr>
           <a:lstStyle/>
           <a:p>
-            <a:pPr indent="-311150" lvl="0" marL="457200" rtl="0" algn="l">
+            <a:pPr marL="457200" lvl="0" indent="-311150" algn="l" rtl="0">
               <a:spcBef>
                 <a:spcPts val="0"/>
               </a:spcBef>
@@ -10041,7 +10803,7 @@
             <a:endParaRPr/>
           </a:p>
           <a:p>
-            <a:pPr indent="-311150" lvl="0" marL="457200" rtl="0" algn="l">
+            <a:pPr marL="457200" lvl="0" indent="-311150" algn="l" rtl="0">
               <a:spcBef>
                 <a:spcPts val="0"/>
               </a:spcBef>
@@ -10058,7 +10820,7 @@
             <a:endParaRPr/>
           </a:p>
           <a:p>
-            <a:pPr indent="-311150" lvl="0" marL="457200" rtl="0" algn="l">
+            <a:pPr marL="457200" lvl="0" indent="-311150" algn="l" rtl="0">
               <a:spcBef>
                 <a:spcPts val="0"/>
               </a:spcBef>
@@ -10070,16 +10832,12 @@
             </a:pPr>
             <a:r>
               <a:rPr lang="fr"/>
-              <a:t>activité unique </a:t>
-            </a:r>
-            <a:r>
-              <a:rPr lang="fr"/>
-              <a:t>JetPack Navigation</a:t>
+              <a:t>activité unique JetPack Navigation</a:t>
             </a:r>
             <a:endParaRPr/>
           </a:p>
           <a:p>
-            <a:pPr indent="-311150" lvl="0" marL="457200" rtl="0" algn="l">
+            <a:pPr marL="457200" lvl="0" indent="-311150" algn="l" rtl="0">
               <a:spcBef>
                 <a:spcPts val="0"/>
               </a:spcBef>
@@ -10096,7 +10854,7 @@
             <a:endParaRPr/>
           </a:p>
           <a:p>
-            <a:pPr indent="-311150" lvl="0" marL="457200" rtl="0" algn="l">
+            <a:pPr marL="457200" lvl="0" indent="-311150" algn="l" rtl="0">
               <a:spcBef>
                 <a:spcPts val="0"/>
               </a:spcBef>
@@ -10113,7 +10871,7 @@
             <a:endParaRPr/>
           </a:p>
           <a:p>
-            <a:pPr indent="-298450" lvl="1" marL="914400" rtl="0" algn="l">
+            <a:pPr marL="914400" lvl="1" indent="-298450" algn="l" rtl="0">
               <a:spcBef>
                 <a:spcPts val="0"/>
               </a:spcBef>
@@ -10130,7 +10888,7 @@
             <a:endParaRPr/>
           </a:p>
           <a:p>
-            <a:pPr indent="-298450" lvl="1" marL="914400" rtl="0" algn="l">
+            <a:pPr marL="914400" lvl="1" indent="-298450" algn="l" rtl="0">
               <a:spcBef>
                 <a:spcPts val="0"/>
               </a:spcBef>
@@ -10147,7 +10905,7 @@
             <a:endParaRPr/>
           </a:p>
           <a:p>
-            <a:pPr indent="-311150" lvl="0" marL="457200" rtl="0" algn="l">
+            <a:pPr marL="457200" lvl="0" indent="-311150" algn="l" rtl="0">
               <a:spcBef>
                 <a:spcPts val="0"/>
               </a:spcBef>
@@ -10159,16 +10917,12 @@
             </a:pPr>
             <a:r>
               <a:rPr lang="fr"/>
-              <a:t>Programmation </a:t>
-            </a:r>
-            <a:r>
-              <a:rPr lang="fr"/>
-              <a:t>asynchrone</a:t>
+              <a:t>Programmation asynchrone</a:t>
             </a:r>
             <a:endParaRPr/>
           </a:p>
           <a:p>
-            <a:pPr indent="-298450" lvl="1" marL="914400" rtl="0" algn="l">
+            <a:pPr marL="914400" lvl="1" indent="-298450" algn="l" rtl="0">
               <a:spcBef>
                 <a:spcPts val="0"/>
               </a:spcBef>
@@ -10185,7 +10939,7 @@
             <a:endParaRPr/>
           </a:p>
           <a:p>
-            <a:pPr indent="-298450" lvl="1" marL="914400" rtl="0" algn="l">
+            <a:pPr marL="914400" lvl="1" indent="-298450" algn="l" rtl="0">
               <a:spcBef>
                 <a:spcPts val="0"/>
               </a:spcBef>
@@ -10202,7 +10956,7 @@
             <a:endParaRPr/>
           </a:p>
           <a:p>
-            <a:pPr indent="-311150" lvl="0" marL="457200" rtl="0" algn="l">
+            <a:pPr marL="457200" lvl="0" indent="-311150" algn="l" rtl="0">
               <a:spcBef>
                 <a:spcPts val="0"/>
               </a:spcBef>
@@ -10219,7 +10973,7 @@
             <a:endParaRPr/>
           </a:p>
           <a:p>
-            <a:pPr indent="-298450" lvl="1" marL="914400" rtl="0" algn="l">
+            <a:pPr marL="914400" lvl="1" indent="-298450" algn="l" rtl="0">
               <a:spcBef>
                 <a:spcPts val="0"/>
               </a:spcBef>
@@ -10236,7 +10990,7 @@
             <a:endParaRPr/>
           </a:p>
           <a:p>
-            <a:pPr indent="-311150" lvl="0" marL="457200" rtl="0" algn="l">
+            <a:pPr marL="457200" lvl="0" indent="-311150" algn="l" rtl="0">
               <a:spcBef>
                 <a:spcPts val="0"/>
               </a:spcBef>
@@ -10263,11 +11017,720 @@
 </file>
 
 <file path=ppt/slides/slide4.xml><?xml version="1.0" encoding="utf-8"?>
-<p:sld xmlns:a="http://schemas.openxmlformats.org/drawingml/2006/main" xmlns:r="http://schemas.openxmlformats.org/officeDocument/2006/relationships" xmlns:mc="http://schemas.openxmlformats.org/markup-compatibility/2006" xmlns:mv="urn:schemas-microsoft-com:mac:vml" xmlns:p="http://schemas.openxmlformats.org/presentationml/2006/main" xmlns:c="http://schemas.openxmlformats.org/drawingml/2006/chart" xmlns:dgm="http://schemas.openxmlformats.org/drawingml/2006/diagram" xmlns:o="urn:schemas-microsoft-com:office:office" xmlns:v="urn:schemas-microsoft-com:vml" xmlns:pvml="urn:schemas-microsoft-com:office:powerpoint" xmlns:com="http://schemas.openxmlformats.org/drawingml/2006/compatibility" xmlns:p14="http://schemas.microsoft.com/office/powerpoint/2010/main" xmlns:p15="http://schemas.microsoft.com/office/powerpoint/2012/main" xmlns:ahyp="http://schemas.microsoft.com/office/drawing/2018/hyperlinkcolor">
+<p:sld xmlns:a="http://schemas.openxmlformats.org/drawingml/2006/main" xmlns:r="http://schemas.openxmlformats.org/officeDocument/2006/relationships" xmlns:p="http://schemas.openxmlformats.org/presentationml/2006/main">
   <p:cSld>
     <p:spTree>
       <p:nvGrpSpPr>
-        <p:cNvPr id="152" name="Shape 152"/>
+        <p:cNvPr id="1" name="Shape 146"/>
+        <p:cNvGrpSpPr/>
+        <p:nvPr/>
+      </p:nvGrpSpPr>
+      <p:grpSpPr>
+        <a:xfrm>
+          <a:off x="0" y="0"/>
+          <a:ext cx="0" cy="0"/>
+          <a:chOff x="0" y="0"/>
+          <a:chExt cx="0" cy="0"/>
+        </a:xfrm>
+      </p:grpSpPr>
+      <p:sp>
+        <p:nvSpPr>
+          <p:cNvPr id="147" name="Google Shape;147;p15"/>
+          <p:cNvSpPr txBox="1">
+            <a:spLocks noGrp="1"/>
+          </p:cNvSpPr>
+          <p:nvPr>
+            <p:ph type="title"/>
+          </p:nvPr>
+        </p:nvSpPr>
+        <p:spPr>
+          <a:xfrm>
+            <a:off x="1297500" y="393750"/>
+            <a:ext cx="7038900" cy="914100"/>
+          </a:xfrm>
+          <a:prstGeom prst="rect">
+            <a:avLst/>
+          </a:prstGeom>
+        </p:spPr>
+        <p:txBody>
+          <a:bodyPr spcFirstLastPara="1" wrap="square" lIns="91425" tIns="91425" rIns="91425" bIns="91425" anchor="t" anchorCtr="0">
+            <a:noAutofit/>
+          </a:bodyPr>
+          <a:lstStyle/>
+          <a:p>
+            <a:pPr marL="0" lvl="0" indent="0" algn="l" rtl="0">
+              <a:spcBef>
+                <a:spcPts val="0"/>
+              </a:spcBef>
+              <a:spcAft>
+                <a:spcPts val="0"/>
+              </a:spcAft>
+              <a:buNone/>
+            </a:pPr>
+            <a:r>
+              <a:rPr lang="fr"/>
+              <a:t>Architecture générale</a:t>
+            </a:r>
+            <a:endParaRPr/>
+          </a:p>
+        </p:txBody>
+      </p:sp>
+      <p:sp>
+        <p:nvSpPr>
+          <p:cNvPr id="148" name="Google Shape;148;p15"/>
+          <p:cNvSpPr txBox="1">
+            <a:spLocks noGrp="1"/>
+          </p:cNvSpPr>
+          <p:nvPr>
+            <p:ph type="body" idx="1"/>
+          </p:nvPr>
+        </p:nvSpPr>
+        <p:spPr>
+          <a:xfrm>
+            <a:off x="1297500" y="1190847"/>
+            <a:ext cx="7038900" cy="3287903"/>
+          </a:xfrm>
+          <a:prstGeom prst="rect">
+            <a:avLst/>
+          </a:prstGeom>
+        </p:spPr>
+        <p:txBody>
+          <a:bodyPr spcFirstLastPara="1" wrap="square" lIns="91425" tIns="91425" rIns="91425" bIns="91425" anchor="t" anchorCtr="0">
+            <a:noAutofit/>
+          </a:bodyPr>
+          <a:lstStyle/>
+          <a:p>
+            <a:pPr marL="457200" lvl="0" indent="-311150" algn="l" rtl="0">
+              <a:spcBef>
+                <a:spcPts val="0"/>
+              </a:spcBef>
+              <a:spcAft>
+                <a:spcPts val="0"/>
+              </a:spcAft>
+              <a:buSzPts val="1300"/>
+              <a:buChar char="●"/>
+            </a:pPr>
+            <a:r>
+              <a:rPr lang="en-GB" dirty="0"/>
+              <a:t>SOLID</a:t>
+            </a:r>
+          </a:p>
+          <a:p>
+            <a:pPr lvl="1" indent="-311150">
+              <a:spcBef>
+                <a:spcPts val="0"/>
+              </a:spcBef>
+              <a:buSzPts val="1300"/>
+              <a:buChar char="●"/>
+            </a:pPr>
+            <a:r>
+              <a:rPr lang="en-GB" dirty="0" err="1"/>
+              <a:t>S’applique</a:t>
+            </a:r>
+            <a:r>
+              <a:rPr lang="en-GB" dirty="0"/>
+              <a:t> aux classes, </a:t>
+            </a:r>
+            <a:r>
+              <a:rPr lang="en-GB" dirty="0" err="1"/>
+              <a:t>fonctions</a:t>
+            </a:r>
+            <a:r>
+              <a:rPr lang="en-GB" dirty="0"/>
+              <a:t>, </a:t>
+            </a:r>
+            <a:r>
+              <a:rPr lang="en-GB" dirty="0" err="1"/>
+              <a:t>méthodes</a:t>
+            </a:r>
+            <a:r>
+              <a:rPr lang="en-GB" dirty="0"/>
+              <a:t> et modules</a:t>
+            </a:r>
+          </a:p>
+          <a:p>
+            <a:pPr lvl="1" indent="-311150">
+              <a:spcBef>
+                <a:spcPts val="0"/>
+              </a:spcBef>
+              <a:buSzPts val="1300"/>
+              <a:buChar char="●"/>
+            </a:pPr>
+            <a:r>
+              <a:rPr lang="fr-FR" dirty="0"/>
+              <a:t>S - Single </a:t>
+            </a:r>
+            <a:r>
+              <a:rPr lang="fr-FR" dirty="0" err="1"/>
+              <a:t>Responsibility</a:t>
+            </a:r>
+            <a:endParaRPr lang="fr-FR" dirty="0"/>
+          </a:p>
+          <a:p>
+            <a:pPr lvl="1" indent="-311150">
+              <a:spcBef>
+                <a:spcPts val="0"/>
+              </a:spcBef>
+              <a:buSzPts val="1300"/>
+              <a:buChar char="●"/>
+            </a:pPr>
+            <a:r>
+              <a:rPr lang="en-GB" dirty="0"/>
+              <a:t>O - Open-Closed (open for extension, but closed for modification)</a:t>
+            </a:r>
+          </a:p>
+          <a:p>
+            <a:pPr lvl="1" indent="-311150">
+              <a:spcBef>
+                <a:spcPts val="0"/>
+              </a:spcBef>
+              <a:buSzPts val="1300"/>
+              <a:buChar char="●"/>
+            </a:pPr>
+            <a:r>
+              <a:rPr lang="fr-FR" dirty="0"/>
+              <a:t>L - </a:t>
+            </a:r>
+            <a:r>
+              <a:rPr lang="fr-FR" dirty="0" err="1"/>
+              <a:t>Liskov</a:t>
+            </a:r>
+            <a:r>
+              <a:rPr lang="fr-FR" dirty="0"/>
+              <a:t> Substitution (</a:t>
+            </a:r>
+            <a:r>
+              <a:rPr lang="en-GB" dirty="0"/>
+              <a:t>child Class should be able to do everything the parent Class can do.</a:t>
+            </a:r>
+            <a:r>
+              <a:rPr lang="fr-FR" dirty="0"/>
+              <a:t>)</a:t>
+            </a:r>
+          </a:p>
+          <a:p>
+            <a:pPr lvl="1" indent="-311150">
+              <a:spcBef>
+                <a:spcPts val="0"/>
+              </a:spcBef>
+              <a:buSzPts val="1300"/>
+              <a:buChar char="●"/>
+            </a:pPr>
+            <a:r>
+              <a:rPr lang="fr-FR" dirty="0"/>
+              <a:t>I - Interface </a:t>
+            </a:r>
+            <a:r>
+              <a:rPr lang="fr-FR" dirty="0" err="1"/>
+              <a:t>Segregation</a:t>
+            </a:r>
+            <a:r>
+              <a:rPr lang="fr-FR" dirty="0"/>
+              <a:t> (</a:t>
+            </a:r>
+            <a:r>
+              <a:rPr lang="en-GB" dirty="0"/>
+              <a:t>A Class should perform only actions that are needed to fulfil its role. </a:t>
+            </a:r>
+            <a:r>
+              <a:rPr lang="fr-FR" dirty="0"/>
+              <a:t>)</a:t>
+            </a:r>
+          </a:p>
+          <a:p>
+            <a:pPr lvl="1" indent="-311150">
+              <a:spcBef>
+                <a:spcPts val="0"/>
+              </a:spcBef>
+              <a:buSzPts val="1300"/>
+              <a:buChar char="●"/>
+            </a:pPr>
+            <a:r>
+              <a:rPr lang="fr-FR" dirty="0"/>
+              <a:t>D - </a:t>
+            </a:r>
+            <a:r>
+              <a:rPr lang="fr-FR" dirty="0" err="1"/>
+              <a:t>Dependency</a:t>
+            </a:r>
+            <a:r>
+              <a:rPr lang="fr-FR" dirty="0"/>
+              <a:t> Inversion (</a:t>
+            </a:r>
+            <a:r>
+              <a:rPr lang="en-GB" dirty="0"/>
+              <a:t>reduce the dependency of a high-level Class on the low-level Class by introducing an interface.</a:t>
+            </a:r>
+            <a:r>
+              <a:rPr lang="fr-FR" dirty="0"/>
+              <a:t>)</a:t>
+            </a:r>
+          </a:p>
+          <a:p>
+            <a:r>
+              <a:rPr lang="fr-FR" dirty="0"/>
+              <a:t>MVVM</a:t>
+            </a:r>
+          </a:p>
+          <a:p>
+            <a:pPr lvl="1" indent="-311150">
+              <a:spcBef>
+                <a:spcPts val="0"/>
+              </a:spcBef>
+              <a:buSzPts val="1300"/>
+              <a:buChar char="●"/>
+            </a:pPr>
+            <a:r>
+              <a:rPr lang="fr-FR" dirty="0"/>
+              <a:t>Le modèle MVVM (Model-</a:t>
+            </a:r>
+            <a:r>
+              <a:rPr lang="fr-FR" dirty="0" err="1"/>
+              <a:t>View</a:t>
+            </a:r>
+            <a:r>
+              <a:rPr lang="fr-FR" dirty="0"/>
+              <a:t>-</a:t>
+            </a:r>
+            <a:r>
+              <a:rPr lang="fr-FR" dirty="0" err="1"/>
+              <a:t>ViewModel</a:t>
+            </a:r>
+            <a:r>
+              <a:rPr lang="fr-FR" dirty="0"/>
+              <a:t>) permet de séparer la logique métier et de présentation d’une application à partir de son interface utilisateur.</a:t>
+            </a:r>
+          </a:p>
+          <a:p>
+            <a:pPr lvl="1" indent="-311150">
+              <a:spcBef>
+                <a:spcPts val="0"/>
+              </a:spcBef>
+              <a:buSzPts val="1300"/>
+              <a:buChar char="●"/>
+            </a:pPr>
+            <a:endParaRPr lang="en-CH" dirty="0"/>
+          </a:p>
+        </p:txBody>
+      </p:sp>
+      <p:pic>
+        <p:nvPicPr>
+          <p:cNvPr id="4" name="Picture 3">
+            <a:extLst>
+              <a:ext uri="{FF2B5EF4-FFF2-40B4-BE49-F238E27FC236}">
+                <a16:creationId xmlns:a16="http://schemas.microsoft.com/office/drawing/2014/main" id="{7FEAB62A-4EA5-4F35-BB5B-C973FEB8B801}"/>
+              </a:ext>
+            </a:extLst>
+          </p:cNvPr>
+          <p:cNvPicPr>
+            <a:picLocks noChangeAspect="1"/>
+          </p:cNvPicPr>
+          <p:nvPr/>
+        </p:nvPicPr>
+        <p:blipFill>
+          <a:blip r:embed="rId3"/>
+          <a:stretch>
+            <a:fillRect/>
+          </a:stretch>
+        </p:blipFill>
+        <p:spPr>
+          <a:xfrm>
+            <a:off x="2316497" y="3540861"/>
+            <a:ext cx="5275150" cy="1208889"/>
+          </a:xfrm>
+          <a:prstGeom prst="rect">
+            <a:avLst/>
+          </a:prstGeom>
+        </p:spPr>
+      </p:pic>
+      <p:sp>
+        <p:nvSpPr>
+          <p:cNvPr id="5" name="TextBox 4">
+            <a:extLst>
+              <a:ext uri="{FF2B5EF4-FFF2-40B4-BE49-F238E27FC236}">
+                <a16:creationId xmlns:a16="http://schemas.microsoft.com/office/drawing/2014/main" id="{449405F6-106F-4BC7-8A63-E7317884D5D7}"/>
+              </a:ext>
+            </a:extLst>
+          </p:cNvPr>
+          <p:cNvSpPr txBox="1"/>
+          <p:nvPr/>
+        </p:nvSpPr>
+        <p:spPr>
+          <a:xfrm>
+            <a:off x="2199539" y="4806457"/>
+            <a:ext cx="5509065" cy="246221"/>
+          </a:xfrm>
+          <a:prstGeom prst="rect">
+            <a:avLst/>
+          </a:prstGeom>
+          <a:noFill/>
+        </p:spPr>
+        <p:txBody>
+          <a:bodyPr wrap="square" rtlCol="0">
+            <a:spAutoFit/>
+          </a:bodyPr>
+          <a:lstStyle/>
+          <a:p>
+            <a:pPr algn="ctr"/>
+            <a:r>
+              <a:rPr lang="en-GB" sz="1000" dirty="0">
+                <a:solidFill>
+                  <a:schemeClr val="bg1"/>
+                </a:solidFill>
+              </a:rPr>
+              <a:t>https://docs.microsoft.com/fr-fr/xamarin/xamarin-forms/enterprise-application-patterns/mvvm</a:t>
+            </a:r>
+            <a:endParaRPr lang="LID4096" sz="1000" dirty="0">
+              <a:solidFill>
+                <a:schemeClr val="bg1"/>
+              </a:solidFill>
+            </a:endParaRPr>
+          </a:p>
+        </p:txBody>
+      </p:sp>
+    </p:spTree>
+    <p:extLst>
+      <p:ext uri="{BB962C8B-B14F-4D97-AF65-F5344CB8AC3E}">
+        <p14:creationId xmlns:p14="http://schemas.microsoft.com/office/powerpoint/2010/main" val="3803649783"/>
+      </p:ext>
+    </p:extLst>
+  </p:cSld>
+  <p:clrMapOvr>
+    <a:masterClrMapping/>
+  </p:clrMapOvr>
+</p:sld>
+</file>
+
+<file path=ppt/slides/slide5.xml><?xml version="1.0" encoding="utf-8"?>
+<p:sld xmlns:a="http://schemas.openxmlformats.org/drawingml/2006/main" xmlns:r="http://schemas.openxmlformats.org/officeDocument/2006/relationships" xmlns:p="http://schemas.openxmlformats.org/presentationml/2006/main">
+  <p:cSld>
+    <p:spTree>
+      <p:nvGrpSpPr>
+        <p:cNvPr id="1" name="Shape 146"/>
+        <p:cNvGrpSpPr/>
+        <p:nvPr/>
+      </p:nvGrpSpPr>
+      <p:grpSpPr>
+        <a:xfrm>
+          <a:off x="0" y="0"/>
+          <a:ext cx="0" cy="0"/>
+          <a:chOff x="0" y="0"/>
+          <a:chExt cx="0" cy="0"/>
+        </a:xfrm>
+      </p:grpSpPr>
+      <p:sp>
+        <p:nvSpPr>
+          <p:cNvPr id="147" name="Google Shape;147;p15"/>
+          <p:cNvSpPr txBox="1">
+            <a:spLocks noGrp="1"/>
+          </p:cNvSpPr>
+          <p:nvPr>
+            <p:ph type="title"/>
+          </p:nvPr>
+        </p:nvSpPr>
+        <p:spPr>
+          <a:xfrm>
+            <a:off x="1297500" y="393750"/>
+            <a:ext cx="7038900" cy="914100"/>
+          </a:xfrm>
+          <a:prstGeom prst="rect">
+            <a:avLst/>
+          </a:prstGeom>
+        </p:spPr>
+        <p:txBody>
+          <a:bodyPr spcFirstLastPara="1" wrap="square" lIns="91425" tIns="91425" rIns="91425" bIns="91425" anchor="t" anchorCtr="0">
+            <a:noAutofit/>
+          </a:bodyPr>
+          <a:lstStyle/>
+          <a:p>
+            <a:pPr marL="0" lvl="0" indent="0" algn="l" rtl="0">
+              <a:spcBef>
+                <a:spcPts val="0"/>
+              </a:spcBef>
+              <a:spcAft>
+                <a:spcPts val="0"/>
+              </a:spcAft>
+              <a:buNone/>
+            </a:pPr>
+            <a:r>
+              <a:rPr lang="fr"/>
+              <a:t>Architecture générale</a:t>
+            </a:r>
+            <a:endParaRPr/>
+          </a:p>
+        </p:txBody>
+      </p:sp>
+      <p:sp>
+        <p:nvSpPr>
+          <p:cNvPr id="148" name="Google Shape;148;p15"/>
+          <p:cNvSpPr txBox="1">
+            <a:spLocks noGrp="1"/>
+          </p:cNvSpPr>
+          <p:nvPr>
+            <p:ph type="body" idx="1"/>
+          </p:nvPr>
+        </p:nvSpPr>
+        <p:spPr>
+          <a:xfrm>
+            <a:off x="1297500" y="1190847"/>
+            <a:ext cx="7038900" cy="3287903"/>
+          </a:xfrm>
+          <a:prstGeom prst="rect">
+            <a:avLst/>
+          </a:prstGeom>
+        </p:spPr>
+        <p:txBody>
+          <a:bodyPr spcFirstLastPara="1" wrap="square" lIns="91425" tIns="91425" rIns="91425" bIns="91425" anchor="t" anchorCtr="0">
+            <a:noAutofit/>
+          </a:bodyPr>
+          <a:lstStyle/>
+          <a:p>
+            <a:pPr marL="457200" lvl="0" indent="-311150" algn="l" rtl="0">
+              <a:spcBef>
+                <a:spcPts val="0"/>
+              </a:spcBef>
+              <a:spcAft>
+                <a:spcPts val="0"/>
+              </a:spcAft>
+              <a:buSzPts val="1300"/>
+              <a:buChar char="●"/>
+            </a:pPr>
+            <a:r>
+              <a:rPr lang="en-GB" dirty="0"/>
+              <a:t>Modules</a:t>
+            </a:r>
+          </a:p>
+          <a:p>
+            <a:pPr lvl="1" indent="-311150">
+              <a:spcBef>
+                <a:spcPts val="0"/>
+              </a:spcBef>
+              <a:buSzPts val="1300"/>
+              <a:buChar char="●"/>
+            </a:pPr>
+            <a:r>
+              <a:rPr lang="en-GB" dirty="0"/>
+              <a:t>App</a:t>
+            </a:r>
+          </a:p>
+          <a:p>
+            <a:pPr lvl="2" indent="-311150">
+              <a:spcBef>
+                <a:spcPts val="0"/>
+              </a:spcBef>
+              <a:buSzPts val="1300"/>
+              <a:buChar char="●"/>
+            </a:pPr>
+            <a:r>
+              <a:rPr lang="en-GB" dirty="0"/>
+              <a:t>UI</a:t>
+            </a:r>
+          </a:p>
+          <a:p>
+            <a:pPr lvl="1" indent="-311150">
+              <a:spcBef>
+                <a:spcPts val="0"/>
+              </a:spcBef>
+              <a:buSzPts val="1300"/>
+              <a:buChar char="●"/>
+            </a:pPr>
+            <a:r>
+              <a:rPr lang="en-GB" dirty="0"/>
+              <a:t>Common</a:t>
+            </a:r>
+          </a:p>
+          <a:p>
+            <a:pPr lvl="2" indent="-311150">
+              <a:spcBef>
+                <a:spcPts val="0"/>
+              </a:spcBef>
+              <a:buSzPts val="1300"/>
+              <a:buChar char="●"/>
+            </a:pPr>
+            <a:r>
+              <a:rPr lang="en-GB" dirty="0"/>
+              <a:t>Utilities</a:t>
+            </a:r>
+          </a:p>
+          <a:p>
+            <a:pPr lvl="1" indent="-311150">
+              <a:spcBef>
+                <a:spcPts val="0"/>
+              </a:spcBef>
+              <a:buSzPts val="1300"/>
+              <a:buChar char="●"/>
+            </a:pPr>
+            <a:r>
+              <a:rPr lang="en-GB" dirty="0"/>
+              <a:t>Data</a:t>
+            </a:r>
+          </a:p>
+          <a:p>
+            <a:pPr lvl="2" indent="-311150">
+              <a:spcBef>
+                <a:spcPts val="0"/>
+              </a:spcBef>
+              <a:buSzPts val="1300"/>
+              <a:buChar char="●"/>
+            </a:pPr>
+            <a:r>
+              <a:rPr lang="en-GB" dirty="0" err="1"/>
+              <a:t>Implémentation</a:t>
+            </a:r>
+            <a:r>
+              <a:rPr lang="en-GB" dirty="0"/>
+              <a:t> des connections </a:t>
+            </a:r>
+            <a:r>
+              <a:rPr lang="en-GB" dirty="0" err="1"/>
+              <a:t>vers</a:t>
+            </a:r>
+            <a:r>
+              <a:rPr lang="en-GB" dirty="0"/>
+              <a:t> les sources de </a:t>
+            </a:r>
+            <a:r>
+              <a:rPr lang="en-GB" dirty="0" err="1"/>
+              <a:t>données</a:t>
+            </a:r>
+            <a:r>
+              <a:rPr lang="en-GB" dirty="0"/>
+              <a:t> </a:t>
+            </a:r>
+            <a:r>
+              <a:rPr lang="en-GB" dirty="0" err="1"/>
+              <a:t>distantes</a:t>
+            </a:r>
+            <a:r>
+              <a:rPr lang="en-GB" dirty="0"/>
+              <a:t> </a:t>
+            </a:r>
+            <a:r>
+              <a:rPr lang="en-GB" dirty="0" err="1"/>
+              <a:t>ou</a:t>
+            </a:r>
+            <a:r>
+              <a:rPr lang="en-GB" dirty="0"/>
+              <a:t> locales</a:t>
+            </a:r>
+          </a:p>
+          <a:p>
+            <a:pPr lvl="1" indent="-311150">
+              <a:spcBef>
+                <a:spcPts val="0"/>
+              </a:spcBef>
+              <a:buSzPts val="1300"/>
+              <a:buChar char="●"/>
+            </a:pPr>
+            <a:r>
+              <a:rPr lang="en-GB" dirty="0"/>
+              <a:t>Domain</a:t>
+            </a:r>
+          </a:p>
+          <a:p>
+            <a:pPr lvl="2" indent="-311150">
+              <a:spcBef>
+                <a:spcPts val="0"/>
+              </a:spcBef>
+              <a:buSzPts val="1300"/>
+              <a:buChar char="●"/>
+            </a:pPr>
+            <a:r>
+              <a:rPr lang="en-GB" dirty="0" err="1"/>
+              <a:t>Modèles</a:t>
+            </a:r>
+            <a:r>
+              <a:rPr lang="en-GB" dirty="0"/>
+              <a:t>, repository (</a:t>
+            </a:r>
+            <a:r>
+              <a:rPr lang="en-GB" dirty="0" err="1"/>
+              <a:t>répot</a:t>
+            </a:r>
+            <a:r>
+              <a:rPr lang="en-GB" dirty="0"/>
+              <a:t> distant)</a:t>
+            </a:r>
+            <a:br>
+              <a:rPr lang="en-GB" dirty="0"/>
+            </a:br>
+            <a:r>
+              <a:rPr lang="en-GB" dirty="0"/>
+              <a:t>	fetch -&gt; </a:t>
+            </a:r>
+            <a:r>
+              <a:rPr lang="en-GB" dirty="0" err="1"/>
+              <a:t>acces</a:t>
+            </a:r>
+            <a:r>
+              <a:rPr lang="en-GB" dirty="0"/>
+              <a:t> distant</a:t>
+            </a:r>
+          </a:p>
+          <a:p>
+            <a:pPr marL="1974850" lvl="4" indent="0">
+              <a:spcBef>
+                <a:spcPts val="0"/>
+              </a:spcBef>
+              <a:buSzPts val="1300"/>
+              <a:buNone/>
+            </a:pPr>
+            <a:r>
+              <a:rPr lang="fr-FR" dirty="0" err="1"/>
+              <a:t>Add</a:t>
+            </a:r>
+            <a:r>
+              <a:rPr lang="fr-FR" dirty="0"/>
+              <a:t> -&gt; local</a:t>
+            </a:r>
+          </a:p>
+          <a:p>
+            <a:pPr lvl="2" indent="-311150">
+              <a:spcBef>
+                <a:spcPts val="0"/>
+              </a:spcBef>
+              <a:buSzPts val="1300"/>
+              <a:buChar char="●"/>
+            </a:pPr>
+            <a:r>
+              <a:rPr lang="en-GB" dirty="0"/>
+              <a:t>Interfaces, </a:t>
+            </a:r>
+            <a:r>
+              <a:rPr lang="en-GB" dirty="0" err="1"/>
+              <a:t>independantes</a:t>
+            </a:r>
+            <a:r>
+              <a:rPr lang="en-GB" dirty="0"/>
+              <a:t> des </a:t>
+            </a:r>
+            <a:r>
+              <a:rPr lang="en-GB" dirty="0" err="1"/>
+              <a:t>plateformes</a:t>
+            </a:r>
+            <a:endParaRPr lang="en-CH" dirty="0"/>
+          </a:p>
+        </p:txBody>
+      </p:sp>
+    </p:spTree>
+    <p:extLst>
+      <p:ext uri="{BB962C8B-B14F-4D97-AF65-F5344CB8AC3E}">
+        <p14:creationId xmlns:p14="http://schemas.microsoft.com/office/powerpoint/2010/main" val="3773006692"/>
+      </p:ext>
+    </p:extLst>
+  </p:cSld>
+  <p:clrMapOvr>
+    <a:masterClrMapping/>
+  </p:clrMapOvr>
+</p:sld>
+</file>
+
+<file path=ppt/slides/slide6.xml><?xml version="1.0" encoding="utf-8"?>
+<p:sld xmlns:a="http://schemas.openxmlformats.org/drawingml/2006/main" xmlns:r="http://schemas.openxmlformats.org/officeDocument/2006/relationships" xmlns:p="http://schemas.openxmlformats.org/presentationml/2006/main">
+  <p:cSld>
+    <p:spTree>
+      <p:nvGrpSpPr>
+        <p:cNvPr id="1" name="Shape 152"/>
         <p:cNvGrpSpPr/>
         <p:nvPr/>
       </p:nvGrpSpPr>
@@ -10282,7 +11745,9 @@
       <p:sp>
         <p:nvSpPr>
           <p:cNvPr id="153" name="Google Shape;153;p16"/>
-          <p:cNvSpPr txBox="1"/>
+          <p:cNvSpPr txBox="1">
+            <a:spLocks noGrp="1"/>
+          </p:cNvSpPr>
           <p:nvPr>
             <p:ph type="title"/>
           </p:nvPr>
@@ -10297,12 +11762,12 @@
           </a:prstGeom>
         </p:spPr>
         <p:txBody>
-          <a:bodyPr anchorCtr="0" anchor="t" bIns="91425" lIns="91425" spcFirstLastPara="1" rIns="91425" wrap="square" tIns="91425">
+          <a:bodyPr spcFirstLastPara="1" wrap="square" lIns="91425" tIns="91425" rIns="91425" bIns="91425" anchor="t" anchorCtr="0">
             <a:noAutofit/>
           </a:bodyPr>
           <a:lstStyle/>
           <a:p>
-            <a:pPr indent="0" lvl="0" marL="0" rtl="0" algn="l">
+            <a:pPr marL="0" lvl="0" indent="0" algn="l" rtl="0">
               <a:spcBef>
                 <a:spcPts val="0"/>
               </a:spcBef>
@@ -10322,9 +11787,11 @@
       <p:sp>
         <p:nvSpPr>
           <p:cNvPr id="154" name="Google Shape;154;p16"/>
-          <p:cNvSpPr txBox="1"/>
+          <p:cNvSpPr txBox="1">
+            <a:spLocks noGrp="1"/>
+          </p:cNvSpPr>
           <p:nvPr>
-            <p:ph idx="1" type="body"/>
+            <p:ph type="body" idx="1"/>
           </p:nvPr>
         </p:nvSpPr>
         <p:spPr>
@@ -10337,12 +11804,12 @@
           </a:prstGeom>
         </p:spPr>
         <p:txBody>
-          <a:bodyPr anchorCtr="0" anchor="t" bIns="91425" lIns="91425" spcFirstLastPara="1" rIns="91425" wrap="square" tIns="91425">
+          <a:bodyPr spcFirstLastPara="1" wrap="square" lIns="91425" tIns="91425" rIns="91425" bIns="91425" anchor="t" anchorCtr="0">
             <a:noAutofit/>
           </a:bodyPr>
           <a:lstStyle/>
           <a:p>
-            <a:pPr indent="-311150" lvl="0" marL="457200" rtl="0" algn="l">
+            <a:pPr marL="457200" lvl="0" indent="-311150" algn="l" rtl="0">
               <a:spcBef>
                 <a:spcPts val="0"/>
               </a:spcBef>
@@ -10359,7 +11826,7 @@
             <a:endParaRPr/>
           </a:p>
           <a:p>
-            <a:pPr indent="-311150" lvl="0" marL="457200" rtl="0" algn="l">
+            <a:pPr marL="457200" lvl="0" indent="-311150" algn="l" rtl="0">
               <a:spcBef>
                 <a:spcPts val="0"/>
               </a:spcBef>
@@ -10376,7 +11843,7 @@
             <a:endParaRPr/>
           </a:p>
           <a:p>
-            <a:pPr indent="-298450" lvl="1" marL="914400" rtl="0" algn="l">
+            <a:pPr marL="914400" lvl="1" indent="-298450" algn="l" rtl="0">
               <a:spcBef>
                 <a:spcPts val="0"/>
               </a:spcBef>
@@ -10393,7 +11860,7 @@
             <a:endParaRPr/>
           </a:p>
           <a:p>
-            <a:pPr indent="-298450" lvl="1" marL="914400" rtl="0" algn="l">
+            <a:pPr marL="914400" lvl="1" indent="-298450" algn="l" rtl="0">
               <a:spcBef>
                 <a:spcPts val="0"/>
               </a:spcBef>
@@ -10410,7 +11877,7 @@
             <a:endParaRPr/>
           </a:p>
           <a:p>
-            <a:pPr indent="-298450" lvl="1" marL="914400" rtl="0" algn="l">
+            <a:pPr marL="914400" lvl="1" indent="-298450" algn="l" rtl="0">
               <a:spcBef>
                 <a:spcPts val="0"/>
               </a:spcBef>
@@ -10427,7 +11894,7 @@
             <a:endParaRPr/>
           </a:p>
           <a:p>
-            <a:pPr indent="-298450" lvl="1" marL="914400" rtl="0" algn="l">
+            <a:pPr marL="914400" lvl="1" indent="-298450" algn="l" rtl="0">
               <a:spcBef>
                 <a:spcPts val="0"/>
               </a:spcBef>
@@ -10444,7 +11911,7 @@
             <a:endParaRPr/>
           </a:p>
           <a:p>
-            <a:pPr indent="-311150" lvl="0" marL="457200" rtl="0" algn="l">
+            <a:pPr marL="457200" lvl="0" indent="-311150" algn="l" rtl="0">
               <a:spcBef>
                 <a:spcPts val="0"/>
               </a:spcBef>
@@ -10461,7 +11928,7 @@
             <a:endParaRPr/>
           </a:p>
           <a:p>
-            <a:pPr indent="-298450" lvl="1" marL="914400" rtl="0" algn="l">
+            <a:pPr marL="914400" lvl="1" indent="-298450" algn="l" rtl="0">
               <a:spcBef>
                 <a:spcPts val="0"/>
               </a:spcBef>
@@ -10473,16 +11940,12 @@
             </a:pPr>
             <a:r>
               <a:rPr lang="fr"/>
-              <a:t>routage basé sur le “g</a:t>
-            </a:r>
-            <a:r>
-              <a:rPr lang="fr"/>
-              <a:t>raphe de navigation” (connexions entre les fragments par le biais d’actions)</a:t>
+              <a:t>routage basé sur le “graphe de navigation” (connexions entre les fragments par le biais d’actions)</a:t>
             </a:r>
             <a:endParaRPr/>
           </a:p>
           <a:p>
-            <a:pPr indent="-298450" lvl="1" marL="914400" rtl="0" algn="l">
+            <a:pPr marL="914400" lvl="1" indent="-298450" algn="l" rtl="0">
               <a:spcBef>
                 <a:spcPts val="0"/>
               </a:spcBef>
@@ -10499,7 +11962,7 @@
             <a:endParaRPr/>
           </a:p>
           <a:p>
-            <a:pPr indent="-298450" lvl="1" marL="914400" rtl="0" algn="l">
+            <a:pPr marL="914400" lvl="1" indent="-298450" algn="l" rtl="0">
               <a:spcBef>
                 <a:spcPts val="0"/>
               </a:spcBef>
@@ -10516,7 +11979,7 @@
             <a:endParaRPr/>
           </a:p>
           <a:p>
-            <a:pPr indent="-311150" lvl="0" marL="457200" rtl="0" algn="l">
+            <a:pPr marL="457200" lvl="0" indent="-311150" algn="l" rtl="0">
               <a:spcBef>
                 <a:spcPts val="0"/>
               </a:spcBef>
@@ -10542,12 +12005,297 @@
 </p:sld>
 </file>
 
-<file path=ppt/slides/slide5.xml><?xml version="1.0" encoding="utf-8"?>
-<p:sld xmlns:a="http://schemas.openxmlformats.org/drawingml/2006/main" xmlns:r="http://schemas.openxmlformats.org/officeDocument/2006/relationships" xmlns:mc="http://schemas.openxmlformats.org/markup-compatibility/2006" xmlns:mv="urn:schemas-microsoft-com:mac:vml" xmlns:p="http://schemas.openxmlformats.org/presentationml/2006/main" xmlns:c="http://schemas.openxmlformats.org/drawingml/2006/chart" xmlns:dgm="http://schemas.openxmlformats.org/drawingml/2006/diagram" xmlns:o="urn:schemas-microsoft-com:office:office" xmlns:v="urn:schemas-microsoft-com:vml" xmlns:pvml="urn:schemas-microsoft-com:office:powerpoint" xmlns:com="http://schemas.openxmlformats.org/drawingml/2006/compatibility" xmlns:p14="http://schemas.microsoft.com/office/powerpoint/2010/main" xmlns:p15="http://schemas.microsoft.com/office/powerpoint/2012/main" xmlns:ahyp="http://schemas.microsoft.com/office/drawing/2018/hyperlinkcolor">
+<file path=ppt/slides/slide7.xml><?xml version="1.0" encoding="utf-8"?>
+<p:sld xmlns:a="http://schemas.openxmlformats.org/drawingml/2006/main" xmlns:r="http://schemas.openxmlformats.org/officeDocument/2006/relationships" xmlns:p="http://schemas.openxmlformats.org/presentationml/2006/main">
   <p:cSld>
     <p:spTree>
       <p:nvGrpSpPr>
-        <p:cNvPr id="158" name="Shape 158"/>
+        <p:cNvPr id="1" name="Shape 152"/>
+        <p:cNvGrpSpPr/>
+        <p:nvPr/>
+      </p:nvGrpSpPr>
+      <p:grpSpPr>
+        <a:xfrm>
+          <a:off x="0" y="0"/>
+          <a:ext cx="0" cy="0"/>
+          <a:chOff x="0" y="0"/>
+          <a:chExt cx="0" cy="0"/>
+        </a:xfrm>
+      </p:grpSpPr>
+      <p:sp>
+        <p:nvSpPr>
+          <p:cNvPr id="153" name="Google Shape;153;p16"/>
+          <p:cNvSpPr txBox="1">
+            <a:spLocks noGrp="1"/>
+          </p:cNvSpPr>
+          <p:nvPr>
+            <p:ph type="title"/>
+          </p:nvPr>
+        </p:nvSpPr>
+        <p:spPr>
+          <a:xfrm>
+            <a:off x="1297500" y="393750"/>
+            <a:ext cx="7038900" cy="914100"/>
+          </a:xfrm>
+          <a:prstGeom prst="rect">
+            <a:avLst/>
+          </a:prstGeom>
+        </p:spPr>
+        <p:txBody>
+          <a:bodyPr spcFirstLastPara="1" wrap="square" lIns="91425" tIns="91425" rIns="91425" bIns="91425" anchor="t" anchorCtr="0">
+            <a:noAutofit/>
+          </a:bodyPr>
+          <a:lstStyle/>
+          <a:p>
+            <a:pPr marL="0" lvl="0" indent="0" algn="l" rtl="0">
+              <a:spcBef>
+                <a:spcPts val="0"/>
+              </a:spcBef>
+              <a:spcAft>
+                <a:spcPts val="0"/>
+              </a:spcAft>
+              <a:buNone/>
+            </a:pPr>
+            <a:r>
+              <a:rPr lang="fr"/>
+              <a:t>Navigation</a:t>
+            </a:r>
+            <a:endParaRPr/>
+          </a:p>
+        </p:txBody>
+      </p:sp>
+      <p:sp>
+        <p:nvSpPr>
+          <p:cNvPr id="154" name="Google Shape;154;p16"/>
+          <p:cNvSpPr txBox="1">
+            <a:spLocks noGrp="1"/>
+          </p:cNvSpPr>
+          <p:nvPr>
+            <p:ph type="body" idx="1"/>
+          </p:nvPr>
+        </p:nvSpPr>
+        <p:spPr>
+          <a:xfrm>
+            <a:off x="1297500" y="1567550"/>
+            <a:ext cx="7038900" cy="2911200"/>
+          </a:xfrm>
+          <a:prstGeom prst="rect">
+            <a:avLst/>
+          </a:prstGeom>
+        </p:spPr>
+        <p:txBody>
+          <a:bodyPr spcFirstLastPara="1" wrap="square" lIns="91425" tIns="91425" rIns="91425" bIns="91425" anchor="t" anchorCtr="0">
+            <a:noAutofit/>
+          </a:bodyPr>
+          <a:lstStyle/>
+          <a:p>
+            <a:pPr marL="457200" lvl="0" indent="-311150" algn="l" rtl="0">
+              <a:spcBef>
+                <a:spcPts val="0"/>
+              </a:spcBef>
+              <a:spcAft>
+                <a:spcPts val="0"/>
+              </a:spcAft>
+              <a:buSzPts val="1300"/>
+              <a:buChar char="●"/>
+            </a:pPr>
+            <a:r>
+              <a:rPr lang="fr"/>
+              <a:t>activité unique JetPack Navigation</a:t>
+            </a:r>
+            <a:endParaRPr/>
+          </a:p>
+          <a:p>
+            <a:pPr marL="457200" lvl="0" indent="-311150" algn="l" rtl="0">
+              <a:spcBef>
+                <a:spcPts val="0"/>
+              </a:spcBef>
+              <a:spcAft>
+                <a:spcPts val="0"/>
+              </a:spcAft>
+              <a:buSzPts val="1300"/>
+              <a:buChar char="●"/>
+            </a:pPr>
+            <a:r>
+              <a:rPr lang="fr"/>
+              <a:t>plusieurs fragments</a:t>
+            </a:r>
+            <a:endParaRPr/>
+          </a:p>
+          <a:p>
+            <a:pPr marL="914400" lvl="1" indent="-298450" algn="l" rtl="0">
+              <a:spcBef>
+                <a:spcPts val="0"/>
+              </a:spcBef>
+              <a:spcAft>
+                <a:spcPts val="0"/>
+              </a:spcAft>
+              <a:buSzPts val="1100"/>
+              <a:buChar char="○"/>
+            </a:pPr>
+            <a:r>
+              <a:rPr lang="fr"/>
+              <a:t>comme des vues dans le cadre d’une activité</a:t>
+            </a:r>
+            <a:endParaRPr/>
+          </a:p>
+          <a:p>
+            <a:pPr marL="914400" lvl="1" indent="-298450" algn="l" rtl="0">
+              <a:spcBef>
+                <a:spcPts val="0"/>
+              </a:spcBef>
+              <a:spcAft>
+                <a:spcPts val="0"/>
+              </a:spcAft>
+              <a:buSzPts val="1100"/>
+              <a:buChar char="○"/>
+            </a:pPr>
+            <a:r>
+              <a:rPr lang="fr"/>
+              <a:t>implémentés dans une classe spécifique avec sa propre logique UI</a:t>
+            </a:r>
+            <a:endParaRPr/>
+          </a:p>
+          <a:p>
+            <a:pPr marL="914400" lvl="1" indent="-298450" algn="l" rtl="0">
+              <a:spcBef>
+                <a:spcPts val="0"/>
+              </a:spcBef>
+              <a:spcAft>
+                <a:spcPts val="0"/>
+              </a:spcAft>
+              <a:buSzPts val="1100"/>
+              <a:buChar char="○"/>
+            </a:pPr>
+            <a:r>
+              <a:rPr lang="fr"/>
+              <a:t>disposent de leur layout dédié</a:t>
+            </a:r>
+            <a:endParaRPr/>
+          </a:p>
+          <a:p>
+            <a:pPr marL="914400" lvl="1" indent="-298450" algn="l" rtl="0">
+              <a:spcBef>
+                <a:spcPts val="0"/>
+              </a:spcBef>
+              <a:spcAft>
+                <a:spcPts val="0"/>
+              </a:spcAft>
+              <a:buSzPts val="1100"/>
+              <a:buChar char="○"/>
+            </a:pPr>
+            <a:r>
+              <a:rPr lang="fr"/>
+              <a:t>ont les mêmes états de cycle de vie que les activités (les fonctions callback diffèrent)</a:t>
+            </a:r>
+            <a:endParaRPr/>
+          </a:p>
+          <a:p>
+            <a:pPr marL="457200" lvl="0" indent="-311150" algn="l" rtl="0">
+              <a:spcBef>
+                <a:spcPts val="0"/>
+              </a:spcBef>
+              <a:spcAft>
+                <a:spcPts val="0"/>
+              </a:spcAft>
+              <a:buSzPts val="1300"/>
+              <a:buChar char="●"/>
+            </a:pPr>
+            <a:r>
+              <a:rPr lang="fr"/>
+              <a:t>Le “NavHostFragment” agit comme un routeur et gère le “back stack” des fragments</a:t>
+            </a:r>
+            <a:endParaRPr/>
+          </a:p>
+          <a:p>
+            <a:pPr marL="914400" lvl="1" indent="-298450" algn="l" rtl="0">
+              <a:spcBef>
+                <a:spcPts val="0"/>
+              </a:spcBef>
+              <a:spcAft>
+                <a:spcPts val="0"/>
+              </a:spcAft>
+              <a:buSzPts val="1100"/>
+              <a:buChar char="○"/>
+            </a:pPr>
+            <a:r>
+              <a:rPr lang="fr"/>
+              <a:t>routage basé sur le “graphe de navigation” (connexions entre les fragments par le biais d’actions)</a:t>
+            </a:r>
+            <a:endParaRPr/>
+          </a:p>
+          <a:p>
+            <a:pPr marL="914400" lvl="1" indent="-298450" algn="l" rtl="0">
+              <a:spcBef>
+                <a:spcPts val="0"/>
+              </a:spcBef>
+              <a:spcAft>
+                <a:spcPts val="0"/>
+              </a:spcAft>
+              <a:buSzPts val="1100"/>
+              <a:buChar char="○"/>
+            </a:pPr>
+            <a:r>
+              <a:rPr lang="fr"/>
+              <a:t>clicklistener dans les classes des fragments pour déclencher la navigation</a:t>
+            </a:r>
+            <a:endParaRPr/>
+          </a:p>
+          <a:p>
+            <a:pPr marL="914400" lvl="1" indent="-298450" algn="l" rtl="0">
+              <a:spcBef>
+                <a:spcPts val="0"/>
+              </a:spcBef>
+              <a:spcAft>
+                <a:spcPts val="0"/>
+              </a:spcAft>
+              <a:buSzPts val="1100"/>
+              <a:buChar char="○"/>
+            </a:pPr>
+            <a:r>
+              <a:rPr lang="fr"/>
+              <a:t>appels à une instance du  “navigation controller” qui est la classe qui gère la navigation dans le NavHostFragment</a:t>
+            </a:r>
+            <a:endParaRPr/>
+          </a:p>
+          <a:p>
+            <a:pPr marL="457200" lvl="0" indent="-311150" algn="l" rtl="0">
+              <a:spcBef>
+                <a:spcPts val="0"/>
+              </a:spcBef>
+              <a:spcAft>
+                <a:spcPts val="0"/>
+              </a:spcAft>
+              <a:buSzPts val="1300"/>
+              <a:buChar char="●"/>
+            </a:pPr>
+            <a:r>
+              <a:rPr lang="fr"/>
+              <a:t>Transfert de données entre les différents fragments via : safe-arg</a:t>
+            </a:r>
+            <a:endParaRPr/>
+          </a:p>
+        </p:txBody>
+      </p:sp>
+    </p:spTree>
+    <p:extLst>
+      <p:ext uri="{BB962C8B-B14F-4D97-AF65-F5344CB8AC3E}">
+        <p14:creationId xmlns:p14="http://schemas.microsoft.com/office/powerpoint/2010/main" val="2396760141"/>
+      </p:ext>
+    </p:extLst>
+  </p:cSld>
+  <p:clrMapOvr>
+    <a:masterClrMapping/>
+  </p:clrMapOvr>
+</p:sld>
+</file>
+
+<file path=ppt/slides/slide8.xml><?xml version="1.0" encoding="utf-8"?>
+<p:sld xmlns:a="http://schemas.openxmlformats.org/drawingml/2006/main" xmlns:r="http://schemas.openxmlformats.org/officeDocument/2006/relationships" xmlns:p="http://schemas.openxmlformats.org/presentationml/2006/main">
+  <p:cSld>
+    <p:spTree>
+      <p:nvGrpSpPr>
+        <p:cNvPr id="1" name="Shape 158"/>
         <p:cNvGrpSpPr/>
         <p:nvPr/>
       </p:nvGrpSpPr>
@@ -10562,7 +12310,9 @@
       <p:sp>
         <p:nvSpPr>
           <p:cNvPr id="159" name="Google Shape;159;p17"/>
-          <p:cNvSpPr txBox="1"/>
+          <p:cNvSpPr txBox="1">
+            <a:spLocks noGrp="1"/>
+          </p:cNvSpPr>
           <p:nvPr>
             <p:ph type="title"/>
           </p:nvPr>
@@ -10577,12 +12327,12 @@
           </a:prstGeom>
         </p:spPr>
         <p:txBody>
-          <a:bodyPr anchorCtr="0" anchor="t" bIns="91425" lIns="91425" spcFirstLastPara="1" rIns="91425" wrap="square" tIns="91425">
+          <a:bodyPr spcFirstLastPara="1" wrap="square" lIns="91425" tIns="91425" rIns="91425" bIns="91425" anchor="t" anchorCtr="0">
             <a:noAutofit/>
           </a:bodyPr>
           <a:lstStyle/>
           <a:p>
-            <a:pPr indent="0" lvl="0" marL="0" rtl="0" algn="l">
+            <a:pPr marL="0" lvl="0" indent="0" algn="l" rtl="0">
               <a:spcBef>
                 <a:spcPts val="0"/>
               </a:spcBef>
@@ -10602,9 +12352,11 @@
       <p:sp>
         <p:nvSpPr>
           <p:cNvPr id="160" name="Google Shape;160;p17"/>
-          <p:cNvSpPr txBox="1"/>
+          <p:cNvSpPr txBox="1">
+            <a:spLocks noGrp="1"/>
+          </p:cNvSpPr>
           <p:nvPr>
-            <p:ph idx="1" type="body"/>
+            <p:ph type="body" idx="1"/>
           </p:nvPr>
         </p:nvSpPr>
         <p:spPr>
@@ -10617,12 +12369,12 @@
           </a:prstGeom>
         </p:spPr>
         <p:txBody>
-          <a:bodyPr anchorCtr="0" anchor="t" bIns="91425" lIns="91425" spcFirstLastPara="1" rIns="91425" wrap="square" tIns="91425">
+          <a:bodyPr spcFirstLastPara="1" wrap="square" lIns="91425" tIns="91425" rIns="91425" bIns="91425" anchor="t" anchorCtr="0">
             <a:noAutofit/>
           </a:bodyPr>
           <a:lstStyle/>
           <a:p>
-            <a:pPr indent="-311150" lvl="0" marL="457200" rtl="0" algn="l">
+            <a:pPr marL="457200" lvl="0" indent="-311150" algn="l" rtl="0">
               <a:spcBef>
                 <a:spcPts val="0"/>
               </a:spcBef>
@@ -10639,7 +12391,7 @@
             <a:endParaRPr/>
           </a:p>
           <a:p>
-            <a:pPr indent="-298450" lvl="1" marL="914400" rtl="0" algn="l">
+            <a:pPr marL="914400" lvl="1" indent="-298450" algn="l" rtl="0">
               <a:spcBef>
                 <a:spcPts val="0"/>
               </a:spcBef>
@@ -10656,7 +12408,7 @@
             <a:endParaRPr/>
           </a:p>
           <a:p>
-            <a:pPr indent="-298450" lvl="1" marL="914400" rtl="0" algn="l">
+            <a:pPr marL="914400" lvl="1" indent="-298450" algn="l" rtl="0">
               <a:spcBef>
                 <a:spcPts val="0"/>
               </a:spcBef>
@@ -10673,7 +12425,7 @@
             <a:endParaRPr/>
           </a:p>
           <a:p>
-            <a:pPr indent="-298450" lvl="1" marL="914400" rtl="0" algn="l">
+            <a:pPr marL="914400" lvl="1" indent="-298450" algn="l" rtl="0">
               <a:spcBef>
                 <a:spcPts val="0"/>
               </a:spcBef>
@@ -10690,7 +12442,7 @@
             <a:endParaRPr/>
           </a:p>
           <a:p>
-            <a:pPr indent="-311150" lvl="0" marL="457200" rtl="0" algn="l">
+            <a:pPr marL="457200" lvl="0" indent="-311150" algn="l" rtl="0">
               <a:spcBef>
                 <a:spcPts val="0"/>
               </a:spcBef>
@@ -10707,7 +12459,7 @@
             <a:endParaRPr/>
           </a:p>
           <a:p>
-            <a:pPr indent="-298450" lvl="1" marL="914400" rtl="0" algn="l">
+            <a:pPr marL="914400" lvl="1" indent="-298450" algn="l" rtl="0">
               <a:spcBef>
                 <a:spcPts val="0"/>
               </a:spcBef>
@@ -10724,7 +12476,7 @@
             <a:endParaRPr/>
           </a:p>
           <a:p>
-            <a:pPr indent="-298450" lvl="1" marL="914400" rtl="0" algn="l">
+            <a:pPr marL="914400" lvl="1" indent="-298450" algn="l" rtl="0">
               <a:spcBef>
                 <a:spcPts val="0"/>
               </a:spcBef>
@@ -10736,16 +12488,12 @@
             </a:pPr>
             <a:r>
               <a:rPr lang="fr"/>
-              <a:t>pas de restriction de taille, contrairement à </a:t>
-            </a:r>
-            <a:r>
-              <a:rPr lang="fr"/>
-              <a:t>onSaveInstanteState </a:t>
+              <a:t>pas de restriction de taille, contrairement à onSaveInstanteState </a:t>
             </a:r>
             <a:endParaRPr/>
           </a:p>
           <a:p>
-            <a:pPr indent="-311150" lvl="0" marL="457200" rtl="0" algn="l">
+            <a:pPr marL="457200" lvl="0" indent="-311150" algn="l" rtl="0">
               <a:spcBef>
                 <a:spcPts val="0"/>
               </a:spcBef>
@@ -10755,9 +12503,6 @@
               <a:buSzPts val="1300"/>
               <a:buChar char="●"/>
             </a:pPr>
-            <a:r>
-              <a:t/>
-            </a:r>
             <a:endParaRPr/>
           </a:p>
         </p:txBody>
@@ -10770,12 +12515,12 @@
 </p:sld>
 </file>
 
-<file path=ppt/slides/slide6.xml><?xml version="1.0" encoding="utf-8"?>
-<p:sld xmlns:a="http://schemas.openxmlformats.org/drawingml/2006/main" xmlns:r="http://schemas.openxmlformats.org/officeDocument/2006/relationships" xmlns:mc="http://schemas.openxmlformats.org/markup-compatibility/2006" xmlns:mv="urn:schemas-microsoft-com:mac:vml" xmlns:p="http://schemas.openxmlformats.org/presentationml/2006/main" xmlns:c="http://schemas.openxmlformats.org/drawingml/2006/chart" xmlns:dgm="http://schemas.openxmlformats.org/drawingml/2006/diagram" xmlns:o="urn:schemas-microsoft-com:office:office" xmlns:v="urn:schemas-microsoft-com:vml" xmlns:pvml="urn:schemas-microsoft-com:office:powerpoint" xmlns:com="http://schemas.openxmlformats.org/drawingml/2006/compatibility" xmlns:p14="http://schemas.microsoft.com/office/powerpoint/2010/main" xmlns:p15="http://schemas.microsoft.com/office/powerpoint/2012/main" xmlns:ahyp="http://schemas.microsoft.com/office/drawing/2018/hyperlinkcolor">
+<file path=ppt/slides/slide9.xml><?xml version="1.0" encoding="utf-8"?>
+<p:sld xmlns:a="http://schemas.openxmlformats.org/drawingml/2006/main" xmlns:r="http://schemas.openxmlformats.org/officeDocument/2006/relationships" xmlns:p="http://schemas.openxmlformats.org/presentationml/2006/main">
   <p:cSld>
     <p:spTree>
       <p:nvGrpSpPr>
-        <p:cNvPr id="164" name="Shape 164"/>
+        <p:cNvPr id="1" name="Shape 164"/>
         <p:cNvGrpSpPr/>
         <p:nvPr/>
       </p:nvGrpSpPr>
@@ -10790,7 +12535,9 @@
       <p:sp>
         <p:nvSpPr>
           <p:cNvPr id="165" name="Google Shape;165;p18"/>
-          <p:cNvSpPr txBox="1"/>
+          <p:cNvSpPr txBox="1">
+            <a:spLocks noGrp="1"/>
+          </p:cNvSpPr>
           <p:nvPr>
             <p:ph type="title"/>
           </p:nvPr>
@@ -10805,12 +12552,12 @@
           </a:prstGeom>
         </p:spPr>
         <p:txBody>
-          <a:bodyPr anchorCtr="0" anchor="t" bIns="91425" lIns="91425" spcFirstLastPara="1" rIns="91425" wrap="square" tIns="91425">
+          <a:bodyPr spcFirstLastPara="1" wrap="square" lIns="91425" tIns="91425" rIns="91425" bIns="91425" anchor="t" anchorCtr="0">
             <a:noAutofit/>
           </a:bodyPr>
           <a:lstStyle/>
           <a:p>
-            <a:pPr indent="0" lvl="0" marL="0" rtl="0" algn="l">
+            <a:pPr marL="0" lvl="0" indent="0" algn="l" rtl="0">
               <a:spcBef>
                 <a:spcPts val="0"/>
               </a:spcBef>
@@ -10830,9 +12577,11 @@
       <p:sp>
         <p:nvSpPr>
           <p:cNvPr id="166" name="Google Shape;166;p18"/>
-          <p:cNvSpPr txBox="1"/>
+          <p:cNvSpPr txBox="1">
+            <a:spLocks noGrp="1"/>
+          </p:cNvSpPr>
           <p:nvPr>
-            <p:ph idx="1" type="body"/>
+            <p:ph type="body" idx="1"/>
           </p:nvPr>
         </p:nvSpPr>
         <p:spPr>
@@ -10845,12 +12594,12 @@
           </a:prstGeom>
         </p:spPr>
         <p:txBody>
-          <a:bodyPr anchorCtr="0" anchor="t" bIns="91425" lIns="91425" spcFirstLastPara="1" rIns="91425" wrap="square" tIns="91425">
+          <a:bodyPr spcFirstLastPara="1" wrap="square" lIns="91425" tIns="91425" rIns="91425" bIns="91425" anchor="t" anchorCtr="0">
             <a:noAutofit/>
           </a:bodyPr>
           <a:lstStyle/>
           <a:p>
-            <a:pPr indent="-311150" lvl="0" marL="457200" rtl="0" algn="l">
+            <a:pPr marL="457200" lvl="0" indent="-311150" algn="l" rtl="0">
               <a:spcBef>
                 <a:spcPts val="0"/>
               </a:spcBef>
@@ -10863,473 +12612,6 @@
             <a:r>
               <a:rPr lang="fr"/>
               <a:t>API : CameraX &amp; ZXing </a:t>
-            </a:r>
-            <a:endParaRPr/>
-          </a:p>
-        </p:txBody>
-      </p:sp>
-    </p:spTree>
-  </p:cSld>
-  <p:clrMapOvr>
-    <a:masterClrMapping/>
-  </p:clrMapOvr>
-</p:sld>
-</file>
-
-<file path=ppt/slides/slide7.xml><?xml version="1.0" encoding="utf-8"?>
-<p:sld xmlns:a="http://schemas.openxmlformats.org/drawingml/2006/main" xmlns:r="http://schemas.openxmlformats.org/officeDocument/2006/relationships" xmlns:mc="http://schemas.openxmlformats.org/markup-compatibility/2006" xmlns:mv="urn:schemas-microsoft-com:mac:vml" xmlns:p="http://schemas.openxmlformats.org/presentationml/2006/main" xmlns:c="http://schemas.openxmlformats.org/drawingml/2006/chart" xmlns:dgm="http://schemas.openxmlformats.org/drawingml/2006/diagram" xmlns:o="urn:schemas-microsoft-com:office:office" xmlns:v="urn:schemas-microsoft-com:vml" xmlns:pvml="urn:schemas-microsoft-com:office:powerpoint" xmlns:com="http://schemas.openxmlformats.org/drawingml/2006/compatibility" xmlns:p14="http://schemas.microsoft.com/office/powerpoint/2010/main" xmlns:p15="http://schemas.microsoft.com/office/powerpoint/2012/main" xmlns:ahyp="http://schemas.microsoft.com/office/drawing/2018/hyperlinkcolor">
-  <p:cSld>
-    <p:spTree>
-      <p:nvGrpSpPr>
-        <p:cNvPr id="170" name="Shape 170"/>
-        <p:cNvGrpSpPr/>
-        <p:nvPr/>
-      </p:nvGrpSpPr>
-      <p:grpSpPr>
-        <a:xfrm>
-          <a:off x="0" y="0"/>
-          <a:ext cx="0" cy="0"/>
-          <a:chOff x="0" y="0"/>
-          <a:chExt cx="0" cy="0"/>
-        </a:xfrm>
-      </p:grpSpPr>
-      <p:sp>
-        <p:nvSpPr>
-          <p:cNvPr id="171" name="Google Shape;171;p19"/>
-          <p:cNvSpPr txBox="1"/>
-          <p:nvPr>
-            <p:ph type="title"/>
-          </p:nvPr>
-        </p:nvSpPr>
-        <p:spPr>
-          <a:xfrm>
-            <a:off x="1297500" y="393750"/>
-            <a:ext cx="7038900" cy="914100"/>
-          </a:xfrm>
-          <a:prstGeom prst="rect">
-            <a:avLst/>
-          </a:prstGeom>
-        </p:spPr>
-        <p:txBody>
-          <a:bodyPr anchorCtr="0" anchor="t" bIns="91425" lIns="91425" spcFirstLastPara="1" rIns="91425" wrap="square" tIns="91425">
-            <a:noAutofit/>
-          </a:bodyPr>
-          <a:lstStyle/>
-          <a:p>
-            <a:pPr indent="0" lvl="0" marL="0" rtl="0" algn="l">
-              <a:spcBef>
-                <a:spcPts val="0"/>
-              </a:spcBef>
-              <a:spcAft>
-                <a:spcPts val="0"/>
-              </a:spcAft>
-              <a:buNone/>
-            </a:pPr>
-            <a:r>
-              <a:rPr lang="fr"/>
-              <a:t>Détails produit</a:t>
-            </a:r>
-            <a:endParaRPr/>
-          </a:p>
-        </p:txBody>
-      </p:sp>
-      <p:sp>
-        <p:nvSpPr>
-          <p:cNvPr id="172" name="Google Shape;172;p19"/>
-          <p:cNvSpPr txBox="1"/>
-          <p:nvPr>
-            <p:ph idx="1" type="body"/>
-          </p:nvPr>
-        </p:nvSpPr>
-        <p:spPr>
-          <a:xfrm>
-            <a:off x="1297500" y="1567550"/>
-            <a:ext cx="7038900" cy="2911200"/>
-          </a:xfrm>
-          <a:prstGeom prst="rect">
-            <a:avLst/>
-          </a:prstGeom>
-        </p:spPr>
-        <p:txBody>
-          <a:bodyPr anchorCtr="0" anchor="t" bIns="91425" lIns="91425" spcFirstLastPara="1" rIns="91425" wrap="square" tIns="91425">
-            <a:noAutofit/>
-          </a:bodyPr>
-          <a:lstStyle/>
-          <a:p>
-            <a:pPr indent="-311150" lvl="0" marL="457200" rtl="0" algn="l">
-              <a:spcBef>
-                <a:spcPts val="0"/>
-              </a:spcBef>
-              <a:spcAft>
-                <a:spcPts val="0"/>
-              </a:spcAft>
-              <a:buSzPts val="1300"/>
-              <a:buChar char="●"/>
-            </a:pPr>
-            <a:r>
-              <a:rPr lang="fr"/>
-              <a:t>Programmation asynchrone</a:t>
-            </a:r>
-            <a:endParaRPr/>
-          </a:p>
-          <a:p>
-            <a:pPr indent="-311150" lvl="0" marL="457200" rtl="0" algn="l">
-              <a:spcBef>
-                <a:spcPts val="0"/>
-              </a:spcBef>
-              <a:spcAft>
-                <a:spcPts val="0"/>
-              </a:spcAft>
-              <a:buSzPts val="1300"/>
-              <a:buChar char="●"/>
-            </a:pPr>
-            <a:r>
-              <a:rPr lang="fr"/>
-              <a:t>Retrofit (XML/JSON parsing, convertisseur de la réponse en un  format utile)</a:t>
-            </a:r>
-            <a:endParaRPr/>
-          </a:p>
-          <a:p>
-            <a:pPr indent="-311150" lvl="0" marL="457200" rtl="0" algn="l">
-              <a:spcBef>
-                <a:spcPts val="0"/>
-              </a:spcBef>
-              <a:spcAft>
-                <a:spcPts val="0"/>
-              </a:spcAft>
-              <a:buSzPts val="1300"/>
-              <a:buChar char="●"/>
-            </a:pPr>
-            <a:r>
-              <a:rPr lang="fr"/>
-              <a:t>coroutines</a:t>
-            </a:r>
-            <a:endParaRPr/>
-          </a:p>
-          <a:p>
-            <a:pPr indent="-298450" lvl="1" marL="914400" rtl="0" algn="l">
-              <a:spcBef>
-                <a:spcPts val="0"/>
-              </a:spcBef>
-              <a:spcAft>
-                <a:spcPts val="0"/>
-              </a:spcAft>
-              <a:buSzPts val="1100"/>
-              <a:buChar char="○"/>
-            </a:pPr>
-            <a:r>
-              <a:rPr lang="fr"/>
-              <a:t>permet d’écrire du code basé sur des fonctions callback de façon séquentielle</a:t>
-            </a:r>
-            <a:endParaRPr/>
-          </a:p>
-          <a:p>
-            <a:pPr indent="-298450" lvl="1" marL="914400" rtl="0" algn="l">
-              <a:spcBef>
-                <a:spcPts val="0"/>
-              </a:spcBef>
-              <a:spcAft>
-                <a:spcPts val="0"/>
-              </a:spcAft>
-              <a:buSzPts val="1100"/>
-              <a:buChar char="○"/>
-            </a:pPr>
-            <a:r>
-              <a:rPr lang="fr"/>
-              <a:t>asynchrone (thread autre que UI)</a:t>
-            </a:r>
-            <a:endParaRPr/>
-          </a:p>
-          <a:p>
-            <a:pPr indent="-298450" lvl="1" marL="914400" rtl="0" algn="l">
-              <a:spcBef>
-                <a:spcPts val="0"/>
-              </a:spcBef>
-              <a:spcAft>
-                <a:spcPts val="0"/>
-              </a:spcAft>
-              <a:buSzPts val="1100"/>
-              <a:buChar char="○"/>
-            </a:pPr>
-            <a:r>
-              <a:rPr lang="fr"/>
-              <a:t>non-bloquant</a:t>
-            </a:r>
-            <a:endParaRPr/>
-          </a:p>
-          <a:p>
-            <a:pPr indent="-298450" lvl="1" marL="914400" rtl="0" algn="l">
-              <a:spcBef>
-                <a:spcPts val="0"/>
-              </a:spcBef>
-              <a:spcAft>
-                <a:spcPts val="0"/>
-              </a:spcAft>
-              <a:buSzPts val="1100"/>
-              <a:buChar char="○"/>
-            </a:pPr>
-            <a:r>
-              <a:rPr lang="fr"/>
-              <a:t>repose sur les fonctions “suspend” pour  rendre le code asynchrone séquentiel</a:t>
-            </a:r>
-            <a:endParaRPr/>
-          </a:p>
-          <a:p>
-            <a:pPr indent="-298450" lvl="1" marL="914400" rtl="0" algn="l">
-              <a:spcBef>
-                <a:spcPts val="0"/>
-              </a:spcBef>
-              <a:spcAft>
-                <a:spcPts val="0"/>
-              </a:spcAft>
-              <a:buSzPts val="1100"/>
-              <a:buChar char="○"/>
-            </a:pPr>
-            <a:r>
-              <a:rPr lang="fr"/>
-              <a:t>nécessite : </a:t>
-            </a:r>
-            <a:endParaRPr/>
-          </a:p>
-          <a:p>
-            <a:pPr indent="-298450" lvl="2" marL="1371600" rtl="0" algn="l">
-              <a:spcBef>
-                <a:spcPts val="0"/>
-              </a:spcBef>
-              <a:spcAft>
-                <a:spcPts val="0"/>
-              </a:spcAft>
-              <a:buSzPts val="1100"/>
-              <a:buChar char="■"/>
-            </a:pPr>
-            <a:r>
-              <a:rPr lang="fr"/>
-              <a:t>job : une tâche qui peut être annulée</a:t>
-            </a:r>
-            <a:endParaRPr/>
-          </a:p>
-          <a:p>
-            <a:pPr indent="-298450" lvl="2" marL="1371600" rtl="0" algn="l">
-              <a:spcBef>
-                <a:spcPts val="0"/>
-              </a:spcBef>
-              <a:spcAft>
-                <a:spcPts val="0"/>
-              </a:spcAft>
-              <a:buSzPts val="1100"/>
-              <a:buChar char="■"/>
-            </a:pPr>
-            <a:r>
-              <a:rPr lang="fr"/>
-              <a:t>dispatcher : distribue l'exécution des coroutines sur les différents threads </a:t>
-            </a:r>
-            <a:endParaRPr/>
-          </a:p>
-          <a:p>
-            <a:pPr indent="-298450" lvl="2" marL="1371600" rtl="0" algn="l">
-              <a:spcBef>
-                <a:spcPts val="0"/>
-              </a:spcBef>
-              <a:spcAft>
-                <a:spcPts val="0"/>
-              </a:spcAft>
-              <a:buSzPts val="1100"/>
-              <a:buChar char="■"/>
-            </a:pPr>
-            <a:r>
-              <a:rPr lang="fr"/>
-              <a:t>scope : combine les informations (ex : job et dispatcher) pour définir un contexte d’exécution </a:t>
-            </a:r>
-            <a:endParaRPr/>
-          </a:p>
-        </p:txBody>
-      </p:sp>
-    </p:spTree>
-  </p:cSld>
-  <p:clrMapOvr>
-    <a:masterClrMapping/>
-  </p:clrMapOvr>
-</p:sld>
-</file>
-
-<file path=ppt/slides/slide8.xml><?xml version="1.0" encoding="utf-8"?>
-<p:sld xmlns:a="http://schemas.openxmlformats.org/drawingml/2006/main" xmlns:r="http://schemas.openxmlformats.org/officeDocument/2006/relationships" xmlns:mc="http://schemas.openxmlformats.org/markup-compatibility/2006" xmlns:mv="urn:schemas-microsoft-com:mac:vml" xmlns:p="http://schemas.openxmlformats.org/presentationml/2006/main" xmlns:c="http://schemas.openxmlformats.org/drawingml/2006/chart" xmlns:dgm="http://schemas.openxmlformats.org/drawingml/2006/diagram" xmlns:o="urn:schemas-microsoft-com:office:office" xmlns:v="urn:schemas-microsoft-com:vml" xmlns:pvml="urn:schemas-microsoft-com:office:powerpoint" xmlns:com="http://schemas.openxmlformats.org/drawingml/2006/compatibility" xmlns:p14="http://schemas.microsoft.com/office/powerpoint/2010/main" xmlns:p15="http://schemas.microsoft.com/office/powerpoint/2012/main" xmlns:ahyp="http://schemas.microsoft.com/office/drawing/2018/hyperlinkcolor">
-  <p:cSld>
-    <p:spTree>
-      <p:nvGrpSpPr>
-        <p:cNvPr id="176" name="Shape 176"/>
-        <p:cNvGrpSpPr/>
-        <p:nvPr/>
-      </p:nvGrpSpPr>
-      <p:grpSpPr>
-        <a:xfrm>
-          <a:off x="0" y="0"/>
-          <a:ext cx="0" cy="0"/>
-          <a:chOff x="0" y="0"/>
-          <a:chExt cx="0" cy="0"/>
-        </a:xfrm>
-      </p:grpSpPr>
-      <p:sp>
-        <p:nvSpPr>
-          <p:cNvPr id="177" name="Google Shape;177;p20"/>
-          <p:cNvSpPr txBox="1"/>
-          <p:nvPr>
-            <p:ph type="title"/>
-          </p:nvPr>
-        </p:nvSpPr>
-        <p:spPr>
-          <a:xfrm>
-            <a:off x="1297500" y="393750"/>
-            <a:ext cx="7038900" cy="914100"/>
-          </a:xfrm>
-          <a:prstGeom prst="rect">
-            <a:avLst/>
-          </a:prstGeom>
-        </p:spPr>
-        <p:txBody>
-          <a:bodyPr anchorCtr="0" anchor="t" bIns="91425" lIns="91425" spcFirstLastPara="1" rIns="91425" wrap="square" tIns="91425">
-            <a:noAutofit/>
-          </a:bodyPr>
-          <a:lstStyle/>
-          <a:p>
-            <a:pPr indent="0" lvl="0" marL="0" rtl="0" algn="l">
-              <a:spcBef>
-                <a:spcPts val="0"/>
-              </a:spcBef>
-              <a:spcAft>
-                <a:spcPts val="0"/>
-              </a:spcAft>
-              <a:buNone/>
-            </a:pPr>
-            <a:r>
-              <a:rPr lang="fr"/>
-              <a:t>Historique</a:t>
-            </a:r>
-            <a:endParaRPr/>
-          </a:p>
-        </p:txBody>
-      </p:sp>
-      <p:sp>
-        <p:nvSpPr>
-          <p:cNvPr id="178" name="Google Shape;178;p20"/>
-          <p:cNvSpPr txBox="1"/>
-          <p:nvPr>
-            <p:ph idx="1" type="body"/>
-          </p:nvPr>
-        </p:nvSpPr>
-        <p:spPr>
-          <a:xfrm>
-            <a:off x="1297500" y="1567550"/>
-            <a:ext cx="7038900" cy="2911200"/>
-          </a:xfrm>
-          <a:prstGeom prst="rect">
-            <a:avLst/>
-          </a:prstGeom>
-        </p:spPr>
-        <p:txBody>
-          <a:bodyPr anchorCtr="0" anchor="t" bIns="91425" lIns="91425" spcFirstLastPara="1" rIns="91425" wrap="square" tIns="91425">
-            <a:noAutofit/>
-          </a:bodyPr>
-          <a:lstStyle/>
-          <a:p>
-            <a:pPr indent="-311150" lvl="0" marL="457200" rtl="0" algn="l">
-              <a:spcBef>
-                <a:spcPts val="0"/>
-              </a:spcBef>
-              <a:spcAft>
-                <a:spcPts val="0"/>
-              </a:spcAft>
-              <a:buSzPts val="1300"/>
-              <a:buChar char="●"/>
-            </a:pPr>
-            <a:r>
-              <a:rPr lang="fr"/>
-              <a:t>RecyclerView</a:t>
-            </a:r>
-            <a:endParaRPr/>
-          </a:p>
-          <a:p>
-            <a:pPr indent="-298450" lvl="1" marL="914400" rtl="0" algn="l">
-              <a:spcBef>
-                <a:spcPts val="0"/>
-              </a:spcBef>
-              <a:spcAft>
-                <a:spcPts val="0"/>
-              </a:spcAft>
-              <a:buSzPts val="1100"/>
-              <a:buChar char="○"/>
-            </a:pPr>
-            <a:r>
-              <a:rPr lang="fr"/>
-              <a:t>adapter</a:t>
-            </a:r>
-            <a:endParaRPr/>
-          </a:p>
-          <a:p>
-            <a:pPr indent="-298450" lvl="2" marL="1371600" rtl="0" algn="l">
-              <a:spcBef>
-                <a:spcPts val="0"/>
-              </a:spcBef>
-              <a:spcAft>
-                <a:spcPts val="0"/>
-              </a:spcAft>
-              <a:buSzPts val="1100"/>
-              <a:buChar char="■"/>
-            </a:pPr>
-            <a:r>
-              <a:rPr lang="fr"/>
-              <a:t>how many items</a:t>
-            </a:r>
-            <a:endParaRPr/>
-          </a:p>
-          <a:p>
-            <a:pPr indent="-298450" lvl="2" marL="1371600" rtl="0" algn="l">
-              <a:spcBef>
-                <a:spcPts val="0"/>
-              </a:spcBef>
-              <a:spcAft>
-                <a:spcPts val="0"/>
-              </a:spcAft>
-              <a:buSzPts val="1100"/>
-              <a:buChar char="■"/>
-            </a:pPr>
-            <a:r>
-              <a:rPr lang="fr"/>
-              <a:t>create new viewHolder</a:t>
-            </a:r>
-            <a:endParaRPr/>
-          </a:p>
-          <a:p>
-            <a:pPr indent="-298450" lvl="2" marL="1371600" rtl="0" algn="l">
-              <a:spcBef>
-                <a:spcPts val="0"/>
-              </a:spcBef>
-              <a:spcAft>
-                <a:spcPts val="0"/>
-              </a:spcAft>
-              <a:buSzPts val="1100"/>
-              <a:buChar char="■"/>
-            </a:pPr>
-            <a:r>
-              <a:rPr lang="fr"/>
-              <a:t>draw items into viewHolder</a:t>
-            </a:r>
-            <a:endParaRPr/>
-          </a:p>
-          <a:p>
-            <a:pPr indent="-298450" lvl="1" marL="914400" rtl="0" algn="l">
-              <a:spcBef>
-                <a:spcPts val="0"/>
-              </a:spcBef>
-              <a:spcAft>
-                <a:spcPts val="0"/>
-              </a:spcAft>
-              <a:buSzPts val="1100"/>
-              <a:buChar char="○"/>
-            </a:pPr>
-            <a:r>
-              <a:rPr lang="fr"/>
-              <a:t>viewHolder</a:t>
             </a:r>
             <a:endParaRPr/>
           </a:p>
@@ -11344,7 +12626,7 @@
 </file>
 
 <file path=ppt/theme/theme1.xml><?xml version="1.0" encoding="utf-8"?>
-<a:theme xmlns:a="http://schemas.openxmlformats.org/drawingml/2006/main" xmlns:r="http://schemas.openxmlformats.org/officeDocument/2006/relationships" name="Focus">
+<a:theme xmlns:a="http://schemas.openxmlformats.org/drawingml/2006/main" name="Focus">
   <a:themeElements>
     <a:clrScheme name="Focus">
       <a:dk1>
@@ -11619,11 +12901,13 @@
       </a:bgFillStyleLst>
     </a:fmtScheme>
   </a:themeElements>
+  <a:objectDefaults/>
+  <a:extraClrSchemeLst/>
 </a:theme>
 </file>
 
 <file path=ppt/theme/theme2.xml><?xml version="1.0" encoding="utf-8"?>
-<a:theme xmlns:a="http://schemas.openxmlformats.org/drawingml/2006/main" xmlns:r="http://schemas.openxmlformats.org/officeDocument/2006/relationships">
+<a:theme xmlns:a="http://schemas.openxmlformats.org/drawingml/2006/main">
   <a:themeElements>
     <a:clrScheme name="Default">
       <a:dk1>
@@ -11898,5 +13182,7 @@
       </a:bgFillStyleLst>
     </a:fmtScheme>
   </a:themeElements>
+  <a:objectDefaults/>
+  <a:extraClrSchemeLst/>
 </a:theme>
 </file>
--- a/presentation/food-scanner.pptx
+++ b/presentation/food-scanner.pptx
@@ -5,37 +5,38 @@
     <p:sldMasterId id="2147483659" r:id="rId1"/>
   </p:sldMasterIdLst>
   <p:notesMasterIdLst>
-    <p:notesMasterId r:id="rId13"/>
+    <p:notesMasterId r:id="rId14"/>
   </p:notesMasterIdLst>
   <p:sldIdLst>
     <p:sldId id="256" r:id="rId2"/>
     <p:sldId id="257" r:id="rId3"/>
     <p:sldId id="258" r:id="rId4"/>
     <p:sldId id="264" r:id="rId5"/>
-    <p:sldId id="266" r:id="rId6"/>
-    <p:sldId id="259" r:id="rId7"/>
-    <p:sldId id="265" r:id="rId8"/>
-    <p:sldId id="260" r:id="rId9"/>
-    <p:sldId id="261" r:id="rId10"/>
-    <p:sldId id="262" r:id="rId11"/>
-    <p:sldId id="263" r:id="rId12"/>
+    <p:sldId id="267" r:id="rId6"/>
+    <p:sldId id="266" r:id="rId7"/>
+    <p:sldId id="259" r:id="rId8"/>
+    <p:sldId id="265" r:id="rId9"/>
+    <p:sldId id="260" r:id="rId10"/>
+    <p:sldId id="261" r:id="rId11"/>
+    <p:sldId id="262" r:id="rId12"/>
+    <p:sldId id="263" r:id="rId13"/>
   </p:sldIdLst>
   <p:sldSz cx="9144000" cy="5143500" type="screen16x9"/>
   <p:notesSz cx="6858000" cy="9144000"/>
   <p:embeddedFontLst>
     <p:embeddedFont>
       <p:font typeface="Lato" panose="020B0604020202020204" charset="0"/>
-      <p:regular r:id="rId14"/>
-      <p:bold r:id="rId15"/>
-      <p:italic r:id="rId16"/>
-      <p:boldItalic r:id="rId17"/>
+      <p:regular r:id="rId15"/>
+      <p:bold r:id="rId16"/>
+      <p:italic r:id="rId17"/>
+      <p:boldItalic r:id="rId18"/>
     </p:embeddedFont>
     <p:embeddedFont>
       <p:font typeface="Montserrat" panose="020B0604020202020204" charset="0"/>
-      <p:regular r:id="rId18"/>
-      <p:bold r:id="rId19"/>
-      <p:italic r:id="rId20"/>
-      <p:boldItalic r:id="rId21"/>
+      <p:regular r:id="rId19"/>
+      <p:bold r:id="rId20"/>
+      <p:italic r:id="rId21"/>
+      <p:boldItalic r:id="rId22"/>
     </p:embeddedFont>
   </p:embeddedFontLst>
   <p:defaultTextStyle>
@@ -836,6 +837,110 @@
   <p:cSld>
     <p:spTree>
       <p:nvGrpSpPr>
+        <p:cNvPr id="1" name="Shape 161"/>
+        <p:cNvGrpSpPr/>
+        <p:nvPr/>
+      </p:nvGrpSpPr>
+      <p:grpSpPr>
+        <a:xfrm>
+          <a:off x="0" y="0"/>
+          <a:ext cx="0" cy="0"/>
+          <a:chOff x="0" y="0"/>
+          <a:chExt cx="0" cy="0"/>
+        </a:xfrm>
+      </p:grpSpPr>
+      <p:sp>
+        <p:nvSpPr>
+          <p:cNvPr id="162" name="Google Shape;162;ga20f19b2f2_0_1507:notes"/>
+          <p:cNvSpPr>
+            <a:spLocks noGrp="1" noRot="1" noChangeAspect="1"/>
+          </p:cNvSpPr>
+          <p:nvPr>
+            <p:ph type="sldImg" idx="2"/>
+          </p:nvPr>
+        </p:nvSpPr>
+        <p:spPr>
+          <a:xfrm>
+            <a:off x="381300" y="685800"/>
+            <a:ext cx="6096000" cy="3429000"/>
+          </a:xfrm>
+          <a:custGeom>
+            <a:avLst/>
+            <a:gdLst/>
+            <a:ahLst/>
+            <a:cxnLst/>
+            <a:rect l="l" t="t" r="r" b="b"/>
+            <a:pathLst>
+              <a:path w="120000" h="120000" extrusionOk="0">
+                <a:moveTo>
+                  <a:pt x="0" y="0"/>
+                </a:moveTo>
+                <a:lnTo>
+                  <a:pt x="120000" y="0"/>
+                </a:lnTo>
+                <a:lnTo>
+                  <a:pt x="120000" y="120000"/>
+                </a:lnTo>
+                <a:lnTo>
+                  <a:pt x="0" y="120000"/>
+                </a:lnTo>
+                <a:close/>
+              </a:path>
+            </a:pathLst>
+          </a:custGeom>
+        </p:spPr>
+      </p:sp>
+      <p:sp>
+        <p:nvSpPr>
+          <p:cNvPr id="163" name="Google Shape;163;ga20f19b2f2_0_1507:notes"/>
+          <p:cNvSpPr txBox="1">
+            <a:spLocks noGrp="1"/>
+          </p:cNvSpPr>
+          <p:nvPr>
+            <p:ph type="body" idx="1"/>
+          </p:nvPr>
+        </p:nvSpPr>
+        <p:spPr>
+          <a:xfrm>
+            <a:off x="685800" y="4343400"/>
+            <a:ext cx="5486400" cy="4114800"/>
+          </a:xfrm>
+          <a:prstGeom prst="rect">
+            <a:avLst/>
+          </a:prstGeom>
+        </p:spPr>
+        <p:txBody>
+          <a:bodyPr spcFirstLastPara="1" wrap="square" lIns="91425" tIns="91425" rIns="91425" bIns="91425" anchor="t" anchorCtr="0">
+            <a:noAutofit/>
+          </a:bodyPr>
+          <a:lstStyle/>
+          <a:p>
+            <a:pPr marL="0" lvl="0" indent="0" algn="l" rtl="0">
+              <a:spcBef>
+                <a:spcPts val="0"/>
+              </a:spcBef>
+              <a:spcAft>
+                <a:spcPts val="0"/>
+              </a:spcAft>
+              <a:buNone/>
+            </a:pPr>
+            <a:endParaRPr/>
+          </a:p>
+        </p:txBody>
+      </p:sp>
+    </p:spTree>
+  </p:cSld>
+  <p:clrMapOvr>
+    <a:masterClrMapping/>
+  </p:clrMapOvr>
+</p:notes>
+</file>
+
+<file path=ppt/notesSlides/notesSlide11.xml><?xml version="1.0" encoding="utf-8"?>
+<p:notes xmlns:a="http://schemas.openxmlformats.org/drawingml/2006/main" xmlns:r="http://schemas.openxmlformats.org/officeDocument/2006/relationships" xmlns:p="http://schemas.openxmlformats.org/presentationml/2006/main" showMasterSp="0" showMasterPhAnim="0">
+  <p:cSld>
+    <p:spTree>
+      <p:nvGrpSpPr>
         <p:cNvPr id="1" name="Shape 167"/>
         <p:cNvGrpSpPr/>
         <p:nvPr/>
@@ -860,7 +965,7 @@
         </p:nvSpPr>
         <p:spPr>
           <a:xfrm>
-            <a:off x="381300" y="685800"/>
+            <a:off x="381000" y="685800"/>
             <a:ext cx="6096000" cy="3429000"/>
           </a:xfrm>
           <a:custGeom>
@@ -935,7 +1040,7 @@
 </p:notes>
 </file>
 
-<file path=ppt/notesSlides/notesSlide11.xml><?xml version="1.0" encoding="utf-8"?>
+<file path=ppt/notesSlides/notesSlide12.xml><?xml version="1.0" encoding="utf-8"?>
 <p:notes xmlns:a="http://schemas.openxmlformats.org/drawingml/2006/main" xmlns:r="http://schemas.openxmlformats.org/officeDocument/2006/relationships" xmlns:p="http://schemas.openxmlformats.org/presentationml/2006/main" showMasterSp="0" showMasterPhAnim="0">
   <p:cSld>
     <p:spTree>
@@ -1455,6 +1560,115 @@
     </p:spTree>
     <p:extLst>
       <p:ext uri="{BB962C8B-B14F-4D97-AF65-F5344CB8AC3E}">
+        <p14:creationId xmlns:p14="http://schemas.microsoft.com/office/powerpoint/2010/main" val="2136515222"/>
+      </p:ext>
+    </p:extLst>
+  </p:cSld>
+  <p:clrMapOvr>
+    <a:masterClrMapping/>
+  </p:clrMapOvr>
+</p:notes>
+</file>
+
+<file path=ppt/notesSlides/notesSlide6.xml><?xml version="1.0" encoding="utf-8"?>
+<p:notes xmlns:a="http://schemas.openxmlformats.org/drawingml/2006/main" xmlns:r="http://schemas.openxmlformats.org/officeDocument/2006/relationships" xmlns:p="http://schemas.openxmlformats.org/presentationml/2006/main" showMasterSp="0" showMasterPhAnim="0">
+  <p:cSld>
+    <p:spTree>
+      <p:nvGrpSpPr>
+        <p:cNvPr id="1" name="Shape 143"/>
+        <p:cNvGrpSpPr/>
+        <p:nvPr/>
+      </p:nvGrpSpPr>
+      <p:grpSpPr>
+        <a:xfrm>
+          <a:off x="0" y="0"/>
+          <a:ext cx="0" cy="0"/>
+          <a:chOff x="0" y="0"/>
+          <a:chExt cx="0" cy="0"/>
+        </a:xfrm>
+      </p:grpSpPr>
+      <p:sp>
+        <p:nvSpPr>
+          <p:cNvPr id="144" name="Google Shape;144;ga20f19b2f2_0_265:notes"/>
+          <p:cNvSpPr>
+            <a:spLocks noGrp="1" noRot="1" noChangeAspect="1"/>
+          </p:cNvSpPr>
+          <p:nvPr>
+            <p:ph type="sldImg" idx="2"/>
+          </p:nvPr>
+        </p:nvSpPr>
+        <p:spPr>
+          <a:xfrm>
+            <a:off x="381000" y="685800"/>
+            <a:ext cx="6096000" cy="3429000"/>
+          </a:xfrm>
+          <a:custGeom>
+            <a:avLst/>
+            <a:gdLst/>
+            <a:ahLst/>
+            <a:cxnLst/>
+            <a:rect l="l" t="t" r="r" b="b"/>
+            <a:pathLst>
+              <a:path w="120000" h="120000" extrusionOk="0">
+                <a:moveTo>
+                  <a:pt x="0" y="0"/>
+                </a:moveTo>
+                <a:lnTo>
+                  <a:pt x="120000" y="0"/>
+                </a:lnTo>
+                <a:lnTo>
+                  <a:pt x="120000" y="120000"/>
+                </a:lnTo>
+                <a:lnTo>
+                  <a:pt x="0" y="120000"/>
+                </a:lnTo>
+                <a:close/>
+              </a:path>
+            </a:pathLst>
+          </a:custGeom>
+        </p:spPr>
+      </p:sp>
+      <p:sp>
+        <p:nvSpPr>
+          <p:cNvPr id="145" name="Google Shape;145;ga20f19b2f2_0_265:notes"/>
+          <p:cNvSpPr txBox="1">
+            <a:spLocks noGrp="1"/>
+          </p:cNvSpPr>
+          <p:nvPr>
+            <p:ph type="body" idx="1"/>
+          </p:nvPr>
+        </p:nvSpPr>
+        <p:spPr>
+          <a:xfrm>
+            <a:off x="685800" y="4343400"/>
+            <a:ext cx="5486400" cy="4114800"/>
+          </a:xfrm>
+          <a:prstGeom prst="rect">
+            <a:avLst/>
+          </a:prstGeom>
+        </p:spPr>
+        <p:txBody>
+          <a:bodyPr spcFirstLastPara="1" wrap="square" lIns="91425" tIns="91425" rIns="91425" bIns="91425" anchor="t" anchorCtr="0">
+            <a:noAutofit/>
+          </a:bodyPr>
+          <a:lstStyle/>
+          <a:p>
+            <a:pPr marL="0" lvl="0" indent="0" algn="l" rtl="0">
+              <a:spcBef>
+                <a:spcPts val="0"/>
+              </a:spcBef>
+              <a:spcAft>
+                <a:spcPts val="0"/>
+              </a:spcAft>
+              <a:buNone/>
+            </a:pPr>
+            <a:endParaRPr/>
+          </a:p>
+        </p:txBody>
+      </p:sp>
+    </p:spTree>
+    <p:extLst>
+      <p:ext uri="{BB962C8B-B14F-4D97-AF65-F5344CB8AC3E}">
         <p14:creationId xmlns:p14="http://schemas.microsoft.com/office/powerpoint/2010/main" val="2837421544"/>
       </p:ext>
     </p:extLst>
@@ -1465,7 +1679,7 @@
 </p:notes>
 </file>
 
-<file path=ppt/notesSlides/notesSlide6.xml><?xml version="1.0" encoding="utf-8"?>
+<file path=ppt/notesSlides/notesSlide7.xml><?xml version="1.0" encoding="utf-8"?>
 <p:notes xmlns:a="http://schemas.openxmlformats.org/drawingml/2006/main" xmlns:r="http://schemas.openxmlformats.org/officeDocument/2006/relationships" xmlns:p="http://schemas.openxmlformats.org/presentationml/2006/main" showMasterSp="0" showMasterPhAnim="0">
   <p:cSld>
     <p:spTree>
@@ -1569,7 +1783,7 @@
 </p:notes>
 </file>
 
-<file path=ppt/notesSlides/notesSlide7.xml><?xml version="1.0" encoding="utf-8"?>
+<file path=ppt/notesSlides/notesSlide8.xml><?xml version="1.0" encoding="utf-8"?>
 <p:notes xmlns:a="http://schemas.openxmlformats.org/drawingml/2006/main" xmlns:r="http://schemas.openxmlformats.org/officeDocument/2006/relationships" xmlns:p="http://schemas.openxmlformats.org/presentationml/2006/main" showMasterSp="0" showMasterPhAnim="0">
   <p:cSld>
     <p:spTree>
@@ -1678,7 +1892,7 @@
 </p:notes>
 </file>
 
-<file path=ppt/notesSlides/notesSlide8.xml><?xml version="1.0" encoding="utf-8"?>
+<file path=ppt/notesSlides/notesSlide9.xml><?xml version="1.0" encoding="utf-8"?>
 <p:notes xmlns:a="http://schemas.openxmlformats.org/drawingml/2006/main" xmlns:r="http://schemas.openxmlformats.org/officeDocument/2006/relationships" xmlns:p="http://schemas.openxmlformats.org/presentationml/2006/main" showMasterSp="0" showMasterPhAnim="0">
   <p:cSld>
     <p:spTree>
@@ -1739,110 +1953,6 @@
       <p:sp>
         <p:nvSpPr>
           <p:cNvPr id="157" name="Google Shape;157;ga20f19b2f2_0_1531:notes"/>
-          <p:cNvSpPr txBox="1">
-            <a:spLocks noGrp="1"/>
-          </p:cNvSpPr>
-          <p:nvPr>
-            <p:ph type="body" idx="1"/>
-          </p:nvPr>
-        </p:nvSpPr>
-        <p:spPr>
-          <a:xfrm>
-            <a:off x="685800" y="4343400"/>
-            <a:ext cx="5486400" cy="4114800"/>
-          </a:xfrm>
-          <a:prstGeom prst="rect">
-            <a:avLst/>
-          </a:prstGeom>
-        </p:spPr>
-        <p:txBody>
-          <a:bodyPr spcFirstLastPara="1" wrap="square" lIns="91425" tIns="91425" rIns="91425" bIns="91425" anchor="t" anchorCtr="0">
-            <a:noAutofit/>
-          </a:bodyPr>
-          <a:lstStyle/>
-          <a:p>
-            <a:pPr marL="0" lvl="0" indent="0" algn="l" rtl="0">
-              <a:spcBef>
-                <a:spcPts val="0"/>
-              </a:spcBef>
-              <a:spcAft>
-                <a:spcPts val="0"/>
-              </a:spcAft>
-              <a:buNone/>
-            </a:pPr>
-            <a:endParaRPr/>
-          </a:p>
-        </p:txBody>
-      </p:sp>
-    </p:spTree>
-  </p:cSld>
-  <p:clrMapOvr>
-    <a:masterClrMapping/>
-  </p:clrMapOvr>
-</p:notes>
-</file>
-
-<file path=ppt/notesSlides/notesSlide9.xml><?xml version="1.0" encoding="utf-8"?>
-<p:notes xmlns:a="http://schemas.openxmlformats.org/drawingml/2006/main" xmlns:r="http://schemas.openxmlformats.org/officeDocument/2006/relationships" xmlns:p="http://schemas.openxmlformats.org/presentationml/2006/main" showMasterSp="0" showMasterPhAnim="0">
-  <p:cSld>
-    <p:spTree>
-      <p:nvGrpSpPr>
-        <p:cNvPr id="1" name="Shape 161"/>
-        <p:cNvGrpSpPr/>
-        <p:nvPr/>
-      </p:nvGrpSpPr>
-      <p:grpSpPr>
-        <a:xfrm>
-          <a:off x="0" y="0"/>
-          <a:ext cx="0" cy="0"/>
-          <a:chOff x="0" y="0"/>
-          <a:chExt cx="0" cy="0"/>
-        </a:xfrm>
-      </p:grpSpPr>
-      <p:sp>
-        <p:nvSpPr>
-          <p:cNvPr id="162" name="Google Shape;162;ga20f19b2f2_0_1507:notes"/>
-          <p:cNvSpPr>
-            <a:spLocks noGrp="1" noRot="1" noChangeAspect="1"/>
-          </p:cNvSpPr>
-          <p:nvPr>
-            <p:ph type="sldImg" idx="2"/>
-          </p:nvPr>
-        </p:nvSpPr>
-        <p:spPr>
-          <a:xfrm>
-            <a:off x="381300" y="685800"/>
-            <a:ext cx="6096000" cy="3429000"/>
-          </a:xfrm>
-          <a:custGeom>
-            <a:avLst/>
-            <a:gdLst/>
-            <a:ahLst/>
-            <a:cxnLst/>
-            <a:rect l="l" t="t" r="r" b="b"/>
-            <a:pathLst>
-              <a:path w="120000" h="120000" extrusionOk="0">
-                <a:moveTo>
-                  <a:pt x="0" y="0"/>
-                </a:moveTo>
-                <a:lnTo>
-                  <a:pt x="120000" y="0"/>
-                </a:lnTo>
-                <a:lnTo>
-                  <a:pt x="120000" y="120000"/>
-                </a:lnTo>
-                <a:lnTo>
-                  <a:pt x="0" y="120000"/>
-                </a:lnTo>
-                <a:close/>
-              </a:path>
-            </a:pathLst>
-          </a:custGeom>
-        </p:spPr>
-      </p:sp>
-      <p:sp>
-        <p:nvSpPr>
-          <p:cNvPr id="163" name="Google Shape;163;ga20f19b2f2_0_1507:notes"/>
           <p:cNvSpPr txBox="1">
             <a:spLocks noGrp="1"/>
           </p:cNvSpPr>
@@ -10122,6 +10232,116 @@
   <p:cSld>
     <p:spTree>
       <p:nvGrpSpPr>
+        <p:cNvPr id="1" name="Shape 164"/>
+        <p:cNvGrpSpPr/>
+        <p:nvPr/>
+      </p:nvGrpSpPr>
+      <p:grpSpPr>
+        <a:xfrm>
+          <a:off x="0" y="0"/>
+          <a:ext cx="0" cy="0"/>
+          <a:chOff x="0" y="0"/>
+          <a:chExt cx="0" cy="0"/>
+        </a:xfrm>
+      </p:grpSpPr>
+      <p:sp>
+        <p:nvSpPr>
+          <p:cNvPr id="165" name="Google Shape;165;p18"/>
+          <p:cNvSpPr txBox="1">
+            <a:spLocks noGrp="1"/>
+          </p:cNvSpPr>
+          <p:nvPr>
+            <p:ph type="title"/>
+          </p:nvPr>
+        </p:nvSpPr>
+        <p:spPr>
+          <a:xfrm>
+            <a:off x="1297500" y="393750"/>
+            <a:ext cx="7038900" cy="914100"/>
+          </a:xfrm>
+          <a:prstGeom prst="rect">
+            <a:avLst/>
+          </a:prstGeom>
+        </p:spPr>
+        <p:txBody>
+          <a:bodyPr spcFirstLastPara="1" wrap="square" lIns="91425" tIns="91425" rIns="91425" bIns="91425" anchor="t" anchorCtr="0">
+            <a:noAutofit/>
+          </a:bodyPr>
+          <a:lstStyle/>
+          <a:p>
+            <a:pPr marL="0" lvl="0" indent="0" algn="l" rtl="0">
+              <a:spcBef>
+                <a:spcPts val="0"/>
+              </a:spcBef>
+              <a:spcAft>
+                <a:spcPts val="0"/>
+              </a:spcAft>
+              <a:buNone/>
+            </a:pPr>
+            <a:r>
+              <a:rPr lang="fr"/>
+              <a:t>Scanner</a:t>
+            </a:r>
+            <a:endParaRPr/>
+          </a:p>
+        </p:txBody>
+      </p:sp>
+      <p:sp>
+        <p:nvSpPr>
+          <p:cNvPr id="166" name="Google Shape;166;p18"/>
+          <p:cNvSpPr txBox="1">
+            <a:spLocks noGrp="1"/>
+          </p:cNvSpPr>
+          <p:nvPr>
+            <p:ph type="body" idx="1"/>
+          </p:nvPr>
+        </p:nvSpPr>
+        <p:spPr>
+          <a:xfrm>
+            <a:off x="1297500" y="1567550"/>
+            <a:ext cx="7038900" cy="2911200"/>
+          </a:xfrm>
+          <a:prstGeom prst="rect">
+            <a:avLst/>
+          </a:prstGeom>
+        </p:spPr>
+        <p:txBody>
+          <a:bodyPr spcFirstLastPara="1" wrap="square" lIns="91425" tIns="91425" rIns="91425" bIns="91425" anchor="t" anchorCtr="0">
+            <a:noAutofit/>
+          </a:bodyPr>
+          <a:lstStyle/>
+          <a:p>
+            <a:pPr marL="457200" lvl="0" indent="-311150" algn="l" rtl="0">
+              <a:spcBef>
+                <a:spcPts val="0"/>
+              </a:spcBef>
+              <a:spcAft>
+                <a:spcPts val="0"/>
+              </a:spcAft>
+              <a:buSzPts val="1300"/>
+              <a:buChar char="●"/>
+            </a:pPr>
+            <a:r>
+              <a:rPr lang="fr"/>
+              <a:t>API : CameraX &amp; ZXing </a:t>
+            </a:r>
+            <a:endParaRPr/>
+          </a:p>
+        </p:txBody>
+      </p:sp>
+    </p:spTree>
+  </p:cSld>
+  <p:clrMapOvr>
+    <a:masterClrMapping/>
+  </p:clrMapOvr>
+</p:sld>
+</file>
+
+<file path=ppt/slides/slide11.xml><?xml version="1.0" encoding="utf-8"?>
+<p:sld xmlns:a="http://schemas.openxmlformats.org/drawingml/2006/main" xmlns:r="http://schemas.openxmlformats.org/officeDocument/2006/relationships" xmlns:p="http://schemas.openxmlformats.org/presentationml/2006/main">
+  <p:cSld>
+    <p:spTree>
+      <p:nvGrpSpPr>
         <p:cNvPr id="1" name="Shape 170"/>
         <p:cNvGrpSpPr/>
         <p:nvPr/>
@@ -10212,10 +10432,10 @@
               <a:buChar char="●"/>
             </a:pPr>
             <a:r>
-              <a:rPr lang="fr"/>
+              <a:rPr lang="fr" dirty="0"/>
               <a:t>Programmation asynchrone</a:t>
             </a:r>
-            <a:endParaRPr/>
+            <a:endParaRPr dirty="0"/>
           </a:p>
           <a:p>
             <a:pPr marL="457200" lvl="0" indent="-311150" algn="l" rtl="0">
@@ -10229,10 +10449,9 @@
               <a:buChar char="●"/>
             </a:pPr>
             <a:r>
-              <a:rPr lang="fr"/>
-              <a:t>Retrofit (XML/JSON parsing, convertisseur de la réponse en un  format utile)</a:t>
-            </a:r>
-            <a:endParaRPr/>
+              <a:rPr lang="fr" dirty="0"/>
+              <a:t>Retrofit </a:t>
+            </a:r>
           </a:p>
           <a:p>
             <a:pPr marL="457200" lvl="0" indent="-311150" algn="l" rtl="0">
@@ -10246,10 +10465,27 @@
               <a:buChar char="●"/>
             </a:pPr>
             <a:r>
-              <a:rPr lang="fr"/>
+              <a:rPr lang="fr" dirty="0"/>
+              <a:t>Moshi (JSON parsing)</a:t>
+            </a:r>
+            <a:endParaRPr dirty="0"/>
+          </a:p>
+          <a:p>
+            <a:pPr marL="457200" lvl="0" indent="-311150" algn="l" rtl="0">
+              <a:spcBef>
+                <a:spcPts val="0"/>
+              </a:spcBef>
+              <a:spcAft>
+                <a:spcPts val="0"/>
+              </a:spcAft>
+              <a:buSzPts val="1300"/>
+              <a:buChar char="●"/>
+            </a:pPr>
+            <a:r>
+              <a:rPr lang="fr" dirty="0"/>
               <a:t>coroutines</a:t>
             </a:r>
-            <a:endParaRPr/>
+            <a:endParaRPr dirty="0"/>
           </a:p>
           <a:p>
             <a:pPr marL="914400" lvl="1" indent="-298450" algn="l" rtl="0">
@@ -10263,10 +10499,10 @@
               <a:buChar char="○"/>
             </a:pPr>
             <a:r>
-              <a:rPr lang="fr"/>
+              <a:rPr lang="fr" dirty="0"/>
               <a:t>permet d’écrire du code basé sur des fonctions callback de façon séquentielle</a:t>
             </a:r>
-            <a:endParaRPr/>
+            <a:endParaRPr dirty="0"/>
           </a:p>
           <a:p>
             <a:pPr marL="914400" lvl="1" indent="-298450" algn="l" rtl="0">
@@ -10280,10 +10516,10 @@
               <a:buChar char="○"/>
             </a:pPr>
             <a:r>
-              <a:rPr lang="fr"/>
+              <a:rPr lang="fr" dirty="0"/>
               <a:t>asynchrone (thread autre que UI)</a:t>
             </a:r>
-            <a:endParaRPr/>
+            <a:endParaRPr dirty="0"/>
           </a:p>
           <a:p>
             <a:pPr marL="914400" lvl="1" indent="-298450" algn="l" rtl="0">
@@ -10297,10 +10533,10 @@
               <a:buChar char="○"/>
             </a:pPr>
             <a:r>
-              <a:rPr lang="fr"/>
+              <a:rPr lang="fr" dirty="0"/>
               <a:t>non-bloquant</a:t>
             </a:r>
-            <a:endParaRPr/>
+            <a:endParaRPr dirty="0"/>
           </a:p>
           <a:p>
             <a:pPr marL="914400" lvl="1" indent="-298450" algn="l" rtl="0">
@@ -10314,10 +10550,10 @@
               <a:buChar char="○"/>
             </a:pPr>
             <a:r>
-              <a:rPr lang="fr"/>
+              <a:rPr lang="fr" dirty="0"/>
               <a:t>repose sur les fonctions “suspend” pour  rendre le code asynchrone séquentiel</a:t>
             </a:r>
-            <a:endParaRPr/>
+            <a:endParaRPr dirty="0"/>
           </a:p>
           <a:p>
             <a:pPr marL="914400" lvl="1" indent="-298450" algn="l" rtl="0">
@@ -10331,10 +10567,10 @@
               <a:buChar char="○"/>
             </a:pPr>
             <a:r>
-              <a:rPr lang="fr"/>
+              <a:rPr lang="fr" dirty="0"/>
               <a:t>nécessite : </a:t>
             </a:r>
-            <a:endParaRPr/>
+            <a:endParaRPr dirty="0"/>
           </a:p>
           <a:p>
             <a:pPr marL="1371600" lvl="2" indent="-298450" algn="l" rtl="0">
@@ -10348,10 +10584,10 @@
               <a:buChar char="■"/>
             </a:pPr>
             <a:r>
-              <a:rPr lang="fr"/>
+              <a:rPr lang="fr" dirty="0"/>
               <a:t>job : une tâche qui peut être annulée</a:t>
             </a:r>
-            <a:endParaRPr/>
+            <a:endParaRPr dirty="0"/>
           </a:p>
           <a:p>
             <a:pPr marL="1371600" lvl="2" indent="-298450" algn="l" rtl="0">
@@ -10365,10 +10601,10 @@
               <a:buChar char="■"/>
             </a:pPr>
             <a:r>
-              <a:rPr lang="fr"/>
+              <a:rPr lang="fr" dirty="0"/>
               <a:t>dispatcher : distribue l'exécution des coroutines sur les différents threads </a:t>
             </a:r>
-            <a:endParaRPr/>
+            <a:endParaRPr dirty="0"/>
           </a:p>
           <a:p>
             <a:pPr marL="1371600" lvl="2" indent="-298450" algn="l" rtl="0">
@@ -10382,10 +10618,10 @@
               <a:buChar char="■"/>
             </a:pPr>
             <a:r>
-              <a:rPr lang="fr"/>
+              <a:rPr lang="fr" dirty="0"/>
               <a:t>scope : combine les informations (ex : job et dispatcher) pour définir un contexte d’exécution </a:t>
             </a:r>
-            <a:endParaRPr/>
+            <a:endParaRPr dirty="0"/>
           </a:p>
         </p:txBody>
       </p:sp>
@@ -10397,7 +10633,7 @@
 </p:sld>
 </file>
 
-<file path=ppt/slides/slide11.xml><?xml version="1.0" encoding="utf-8"?>
+<file path=ppt/slides/slide12.xml><?xml version="1.0" encoding="utf-8"?>
 <p:sld xmlns:a="http://schemas.openxmlformats.org/drawingml/2006/main" xmlns:r="http://schemas.openxmlformats.org/officeDocument/2006/relationships" xmlns:p="http://schemas.openxmlformats.org/presentationml/2006/main">
   <p:cSld>
     <p:spTree>
@@ -11100,20 +11336,52 @@
           </a:bodyPr>
           <a:lstStyle/>
           <a:p>
-            <a:pPr marL="457200" lvl="0" indent="-311150" algn="l" rtl="0">
-              <a:spcBef>
-                <a:spcPts val="0"/>
-              </a:spcBef>
-              <a:spcAft>
-                <a:spcPts val="0"/>
-              </a:spcAft>
+            <a:r>
+              <a:rPr lang="en-GB" dirty="0"/>
+              <a:t>SOLID </a:t>
+            </a:r>
+            <a:r>
+              <a:rPr lang="en-GB" dirty="0" err="1"/>
+              <a:t>s’applique</a:t>
+            </a:r>
+            <a:r>
+              <a:rPr lang="en-GB" dirty="0"/>
+              <a:t> aux classes, </a:t>
+            </a:r>
+            <a:r>
+              <a:rPr lang="en-GB" dirty="0" err="1"/>
+              <a:t>fonctions</a:t>
+            </a:r>
+            <a:r>
+              <a:rPr lang="en-GB" dirty="0"/>
+              <a:t>, </a:t>
+            </a:r>
+            <a:r>
+              <a:rPr lang="en-GB" dirty="0" err="1"/>
+              <a:t>méthodes</a:t>
+            </a:r>
+            <a:r>
+              <a:rPr lang="en-GB" dirty="0"/>
+              <a:t> et modules</a:t>
+            </a:r>
+          </a:p>
+          <a:p>
+            <a:pPr lvl="1" indent="-311150">
+              <a:spcBef>
+                <a:spcPts val="0"/>
+              </a:spcBef>
               <a:buSzPts val="1300"/>
               <a:buChar char="●"/>
             </a:pPr>
             <a:r>
-              <a:rPr lang="en-GB" dirty="0"/>
-              <a:t>SOLID</a:t>
-            </a:r>
+              <a:rPr lang="fr-FR" dirty="0"/>
+              <a:t>S - Single </a:t>
+            </a:r>
+            <a:r>
+              <a:rPr lang="fr-FR" dirty="0" err="1"/>
+              <a:t>Responsibility</a:t>
+            </a:r>
+            <a:endParaRPr lang="fr-FR" dirty="0"/>
           </a:p>
           <a:p>
             <a:pPr lvl="1" indent="-311150">
@@ -11124,28 +11392,8 @@
               <a:buChar char="●"/>
             </a:pPr>
             <a:r>
-              <a:rPr lang="en-GB" dirty="0" err="1"/>
-              <a:t>S’applique</a:t>
-            </a:r>
-            <a:r>
               <a:rPr lang="en-GB" dirty="0"/>
-              <a:t> aux classes, </a:t>
-            </a:r>
-            <a:r>
-              <a:rPr lang="en-GB" dirty="0" err="1"/>
-              <a:t>fonctions</a:t>
-            </a:r>
-            <a:r>
-              <a:rPr lang="en-GB" dirty="0"/>
-              <a:t>, </a:t>
-            </a:r>
-            <a:r>
-              <a:rPr lang="en-GB" dirty="0" err="1"/>
-              <a:t>méthodes</a:t>
-            </a:r>
-            <a:r>
-              <a:rPr lang="en-GB" dirty="0"/>
-              <a:t> et modules</a:t>
+              <a:t>O - Open-Closed (open for extension, but closed for modification)</a:t>
             </a:r>
           </a:p>
           <a:p>
@@ -11158,13 +11406,80 @@
             </a:pPr>
             <a:r>
               <a:rPr lang="fr-FR" dirty="0"/>
-              <a:t>S - Single </a:t>
+              <a:t>L - </a:t>
             </a:r>
             <a:r>
               <a:rPr lang="fr-FR" dirty="0" err="1"/>
-              <a:t>Responsibility</a:t>
-            </a:r>
-            <a:endParaRPr lang="fr-FR" dirty="0"/>
+              <a:t>Liskov</a:t>
+            </a:r>
+            <a:r>
+              <a:rPr lang="fr-FR" dirty="0"/>
+              <a:t> Substitution (une cl</a:t>
+            </a:r>
+            <a:r>
+              <a:rPr lang="en-GB" dirty="0"/>
+              <a:t>asse fille </a:t>
+            </a:r>
+            <a:r>
+              <a:rPr lang="en-GB" dirty="0" err="1"/>
+              <a:t>devrait</a:t>
+            </a:r>
+            <a:r>
+              <a:rPr lang="en-GB" dirty="0"/>
+              <a:t> </a:t>
+            </a:r>
+            <a:r>
+              <a:rPr lang="en-GB" dirty="0" err="1"/>
+              <a:t>être</a:t>
+            </a:r>
+            <a:r>
+              <a:rPr lang="en-GB" dirty="0"/>
+              <a:t> capable de faire tout </a:t>
+            </a:r>
+            <a:r>
+              <a:rPr lang="en-GB" dirty="0" err="1"/>
+              <a:t>ce</a:t>
+            </a:r>
+            <a:r>
+              <a:rPr lang="en-GB" dirty="0"/>
+              <a:t> que </a:t>
+            </a:r>
+            <a:r>
+              <a:rPr lang="en-GB" dirty="0" err="1"/>
+              <a:t>sa</a:t>
+            </a:r>
+            <a:r>
+              <a:rPr lang="en-GB" dirty="0"/>
+              <a:t> </a:t>
+            </a:r>
+            <a:r>
+              <a:rPr lang="en-GB" dirty="0" err="1"/>
+              <a:t>classe</a:t>
+            </a:r>
+            <a:r>
+              <a:rPr lang="en-GB" dirty="0"/>
+              <a:t> </a:t>
+            </a:r>
+            <a:r>
+              <a:rPr lang="en-GB" dirty="0" err="1"/>
+              <a:t>mère</a:t>
+            </a:r>
+            <a:r>
+              <a:rPr lang="en-GB" dirty="0"/>
+              <a:t> </a:t>
+            </a:r>
+            <a:r>
+              <a:rPr lang="en-GB" dirty="0" err="1"/>
+              <a:t>peut</a:t>
+            </a:r>
+            <a:r>
+              <a:rPr lang="en-GB" dirty="0"/>
+              <a:t> faire.</a:t>
+            </a:r>
+            <a:r>
+              <a:rPr lang="fr-FR" dirty="0"/>
+              <a:t>)</a:t>
+            </a:r>
           </a:p>
           <a:p>
             <a:pPr lvl="1" indent="-311150">
@@ -11175,8 +11490,88 @@
               <a:buChar char="●"/>
             </a:pPr>
             <a:r>
+              <a:rPr lang="fr-FR" dirty="0"/>
+              <a:t>I - Interface </a:t>
+            </a:r>
+            <a:r>
+              <a:rPr lang="fr-FR" dirty="0" err="1"/>
+              <a:t>Segregation</a:t>
+            </a:r>
+            <a:r>
+              <a:rPr lang="fr-FR" dirty="0"/>
+              <a:t> (</a:t>
+            </a:r>
+            <a:r>
               <a:rPr lang="en-GB" dirty="0"/>
-              <a:t>O - Open-Closed (open for extension, but closed for modification)</a:t>
+              <a:t>Une </a:t>
+            </a:r>
+            <a:r>
+              <a:rPr lang="en-GB" dirty="0" err="1"/>
+              <a:t>classe</a:t>
+            </a:r>
+            <a:r>
+              <a:rPr lang="en-GB" dirty="0"/>
+              <a:t> </a:t>
+            </a:r>
+            <a:r>
+              <a:rPr lang="en-GB" dirty="0" err="1"/>
+              <a:t>devrait</a:t>
+            </a:r>
+            <a:r>
+              <a:rPr lang="en-GB" dirty="0"/>
+              <a:t> </a:t>
+            </a:r>
+            <a:r>
+              <a:rPr lang="en-GB" dirty="0" err="1"/>
+              <a:t>seulement</a:t>
+            </a:r>
+            <a:r>
+              <a:rPr lang="en-GB" dirty="0"/>
+              <a:t> </a:t>
+            </a:r>
+            <a:r>
+              <a:rPr lang="en-GB" dirty="0" err="1"/>
+              <a:t>effectuer</a:t>
+            </a:r>
+            <a:r>
+              <a:rPr lang="en-GB" dirty="0"/>
+              <a:t> les actions qui </a:t>
+            </a:r>
+            <a:r>
+              <a:rPr lang="en-GB" dirty="0" err="1"/>
+              <a:t>sont</a:t>
+            </a:r>
+            <a:r>
+              <a:rPr lang="en-GB" dirty="0"/>
+              <a:t> </a:t>
+            </a:r>
+            <a:r>
+              <a:rPr lang="en-GB" dirty="0" err="1"/>
+              <a:t>nécessaires</a:t>
+            </a:r>
+            <a:r>
+              <a:rPr lang="en-GB" dirty="0"/>
+              <a:t> pour </a:t>
+            </a:r>
+            <a:r>
+              <a:rPr lang="en-GB" dirty="0" err="1"/>
+              <a:t>remplir</a:t>
+            </a:r>
+            <a:r>
+              <a:rPr lang="en-GB" dirty="0"/>
+              <a:t> son </a:t>
+            </a:r>
+            <a:r>
+              <a:rPr lang="en-GB" dirty="0" err="1"/>
+              <a:t>rôle</a:t>
+            </a:r>
+            <a:r>
+              <a:rPr lang="en-GB" dirty="0"/>
+              <a:t>. </a:t>
+            </a:r>
+            <a:r>
+              <a:rPr lang="fr-FR" dirty="0"/>
+              <a:t>)</a:t>
             </a:r>
           </a:p>
           <a:p>
@@ -11189,64 +11584,6 @@
             </a:pPr>
             <a:r>
               <a:rPr lang="fr-FR" dirty="0"/>
-              <a:t>L - </a:t>
-            </a:r>
-            <a:r>
-              <a:rPr lang="fr-FR" dirty="0" err="1"/>
-              <a:t>Liskov</a:t>
-            </a:r>
-            <a:r>
-              <a:rPr lang="fr-FR" dirty="0"/>
-              <a:t> Substitution (</a:t>
-            </a:r>
-            <a:r>
-              <a:rPr lang="en-GB" dirty="0"/>
-              <a:t>child Class should be able to do everything the parent Class can do.</a:t>
-            </a:r>
-            <a:r>
-              <a:rPr lang="fr-FR" dirty="0"/>
-              <a:t>)</a:t>
-            </a:r>
-          </a:p>
-          <a:p>
-            <a:pPr lvl="1" indent="-311150">
-              <a:spcBef>
-                <a:spcPts val="0"/>
-              </a:spcBef>
-              <a:buSzPts val="1300"/>
-              <a:buChar char="●"/>
-            </a:pPr>
-            <a:r>
-              <a:rPr lang="fr-FR" dirty="0"/>
-              <a:t>I - Interface </a:t>
-            </a:r>
-            <a:r>
-              <a:rPr lang="fr-FR" dirty="0" err="1"/>
-              <a:t>Segregation</a:t>
-            </a:r>
-            <a:r>
-              <a:rPr lang="fr-FR" dirty="0"/>
-              <a:t> (</a:t>
-            </a:r>
-            <a:r>
-              <a:rPr lang="en-GB" dirty="0"/>
-              <a:t>A Class should perform only actions that are needed to fulfil its role. </a:t>
-            </a:r>
-            <a:r>
-              <a:rPr lang="fr-FR" dirty="0"/>
-              <a:t>)</a:t>
-            </a:r>
-          </a:p>
-          <a:p>
-            <a:pPr lvl="1" indent="-311150">
-              <a:spcBef>
-                <a:spcPts val="0"/>
-              </a:spcBef>
-              <a:buSzPts val="1300"/>
-              <a:buChar char="●"/>
-            </a:pPr>
-            <a:r>
-              <a:rPr lang="fr-FR" dirty="0"/>
               <a:t>D - </a:t>
             </a:r>
             <a:r>
@@ -11258,8 +11595,92 @@
               <a:t> Inversion (</a:t>
             </a:r>
             <a:r>
+              <a:rPr lang="en-GB" dirty="0" err="1"/>
+              <a:t>réduire</a:t>
+            </a:r>
+            <a:r>
               <a:rPr lang="en-GB" dirty="0"/>
-              <a:t>reduce the dependency of a high-level Class on the low-level Class by introducing an interface.</a:t>
+              <a:t> la </a:t>
+            </a:r>
+            <a:r>
+              <a:rPr lang="en-GB" dirty="0" err="1"/>
+              <a:t>dépendence</a:t>
+            </a:r>
+            <a:r>
+              <a:rPr lang="en-GB" dirty="0"/>
+              <a:t> entre </a:t>
+            </a:r>
+            <a:r>
+              <a:rPr lang="en-GB" dirty="0" err="1"/>
+              <a:t>une</a:t>
+            </a:r>
+            <a:r>
+              <a:rPr lang="en-GB" dirty="0"/>
+              <a:t> </a:t>
+            </a:r>
+            <a:r>
+              <a:rPr lang="en-GB" dirty="0" err="1"/>
+              <a:t>classe</a:t>
+            </a:r>
+            <a:r>
+              <a:rPr lang="en-GB" dirty="0"/>
+              <a:t> de haut </a:t>
+            </a:r>
+            <a:r>
+              <a:rPr lang="en-GB" dirty="0" err="1"/>
+              <a:t>niveau</a:t>
+            </a:r>
+            <a:r>
+              <a:rPr lang="en-GB" dirty="0"/>
+              <a:t> et </a:t>
+            </a:r>
+            <a:r>
+              <a:rPr lang="en-GB" dirty="0" err="1"/>
+              <a:t>une</a:t>
+            </a:r>
+            <a:r>
+              <a:rPr lang="en-GB" dirty="0"/>
+              <a:t> </a:t>
+            </a:r>
+            <a:r>
+              <a:rPr lang="en-GB" dirty="0" err="1"/>
+              <a:t>classe</a:t>
+            </a:r>
+            <a:r>
+              <a:rPr lang="en-GB" dirty="0"/>
+              <a:t> de bas </a:t>
+            </a:r>
+            <a:r>
+              <a:rPr lang="en-GB" dirty="0" err="1"/>
+              <a:t>niveau</a:t>
+            </a:r>
+            <a:r>
+              <a:rPr lang="en-GB" dirty="0"/>
+              <a:t> </a:t>
+            </a:r>
+            <a:r>
+              <a:rPr lang="en-GB" dirty="0" err="1"/>
+              <a:t>en</a:t>
+            </a:r>
+            <a:r>
+              <a:rPr lang="en-GB" dirty="0"/>
+              <a:t> </a:t>
+            </a:r>
+            <a:r>
+              <a:rPr lang="en-GB" dirty="0" err="1"/>
+              <a:t>introduisant</a:t>
+            </a:r>
+            <a:r>
+              <a:rPr lang="en-GB" dirty="0"/>
+              <a:t> </a:t>
+            </a:r>
+            <a:r>
+              <a:rPr lang="en-GB" dirty="0" err="1"/>
+              <a:t>une</a:t>
+            </a:r>
+            <a:r>
+              <a:rPr lang="en-GB" dirty="0"/>
+              <a:t> interface.</a:t>
             </a:r>
             <a:r>
               <a:rPr lang="fr-FR" dirty="0"/>
@@ -11335,8 +11756,8 @@
         </p:blipFill>
         <p:spPr>
           <a:xfrm>
-            <a:off x="2316497" y="3540861"/>
-            <a:ext cx="5275150" cy="1208889"/>
+            <a:off x="2471873" y="3703532"/>
+            <a:ext cx="4964396" cy="1137674"/>
           </a:xfrm>
           <a:prstGeom prst="rect">
             <a:avLst/>
@@ -11453,6 +11874,950 @@
               <a:buNone/>
             </a:pPr>
             <a:r>
+              <a:rPr lang="fr" dirty="0"/>
+              <a:t>Architecture générale</a:t>
+            </a:r>
+            <a:endParaRPr dirty="0"/>
+          </a:p>
+        </p:txBody>
+      </p:sp>
+      <p:sp>
+        <p:nvSpPr>
+          <p:cNvPr id="148" name="Google Shape;148;p15"/>
+          <p:cNvSpPr txBox="1">
+            <a:spLocks noGrp="1"/>
+          </p:cNvSpPr>
+          <p:nvPr>
+            <p:ph type="body" idx="1"/>
+          </p:nvPr>
+        </p:nvSpPr>
+        <p:spPr>
+          <a:xfrm>
+            <a:off x="1" y="1567550"/>
+            <a:ext cx="8336400" cy="2911200"/>
+          </a:xfrm>
+          <a:prstGeom prst="rect">
+            <a:avLst/>
+          </a:prstGeom>
+        </p:spPr>
+        <p:txBody>
+          <a:bodyPr spcFirstLastPara="1" wrap="square" lIns="91425" tIns="91425" rIns="91425" bIns="91425" anchor="t" anchorCtr="0">
+            <a:noAutofit/>
+          </a:bodyPr>
+          <a:lstStyle/>
+          <a:p>
+            <a:pPr marL="457200" lvl="0" indent="-311150" algn="l" rtl="0">
+              <a:spcBef>
+                <a:spcPts val="0"/>
+              </a:spcBef>
+              <a:spcAft>
+                <a:spcPts val="0"/>
+              </a:spcAft>
+              <a:buSzPts val="1300"/>
+              <a:buChar char="●"/>
+            </a:pPr>
+            <a:r>
+              <a:rPr lang="en-GB" dirty="0"/>
+              <a:t>Les fragments </a:t>
+            </a:r>
+            <a:r>
+              <a:rPr lang="en-GB" dirty="0" err="1"/>
+              <a:t>possèdent</a:t>
+            </a:r>
+            <a:r>
+              <a:rPr lang="en-GB" dirty="0"/>
+              <a:t> </a:t>
+            </a:r>
+            <a:r>
+              <a:rPr lang="en-GB" dirty="0" err="1"/>
+              <a:t>une</a:t>
+            </a:r>
+            <a:r>
+              <a:rPr lang="en-GB" dirty="0"/>
+              <a:t> reference </a:t>
+            </a:r>
+            <a:r>
+              <a:rPr lang="en-GB" dirty="0" err="1"/>
+              <a:t>vers</a:t>
+            </a:r>
+            <a:r>
+              <a:rPr lang="en-GB" dirty="0"/>
+              <a:t> les </a:t>
+            </a:r>
+            <a:r>
+              <a:rPr lang="en-GB" dirty="0" err="1"/>
+              <a:t>ViewModels</a:t>
+            </a:r>
+            <a:r>
+              <a:rPr lang="en-GB" dirty="0"/>
+              <a:t>. </a:t>
+            </a:r>
+          </a:p>
+          <a:p>
+            <a:pPr marL="457200" lvl="0" indent="-311150" algn="l" rtl="0">
+              <a:spcBef>
+                <a:spcPts val="0"/>
+              </a:spcBef>
+              <a:spcAft>
+                <a:spcPts val="0"/>
+              </a:spcAft>
+              <a:buSzPts val="1300"/>
+              <a:buChar char="●"/>
+            </a:pPr>
+            <a:r>
+              <a:rPr lang="en-GB" dirty="0"/>
+              <a:t>Les </a:t>
+            </a:r>
+            <a:r>
+              <a:rPr lang="en-GB" dirty="0" err="1"/>
+              <a:t>ViewModels</a:t>
+            </a:r>
+            <a:r>
+              <a:rPr lang="en-GB" dirty="0"/>
+              <a:t> </a:t>
+            </a:r>
+            <a:r>
+              <a:rPr lang="en-GB" dirty="0" err="1"/>
+              <a:t>possèdent</a:t>
+            </a:r>
+            <a:r>
+              <a:rPr lang="en-GB" dirty="0"/>
+              <a:t> </a:t>
+            </a:r>
+            <a:r>
+              <a:rPr lang="en-GB" dirty="0" err="1"/>
+              <a:t>une</a:t>
+            </a:r>
+            <a:r>
+              <a:rPr lang="en-GB" dirty="0"/>
+              <a:t> reference </a:t>
+            </a:r>
+            <a:r>
+              <a:rPr lang="en-GB" dirty="0" err="1"/>
+              <a:t>vers</a:t>
+            </a:r>
+            <a:r>
+              <a:rPr lang="en-GB" dirty="0"/>
+              <a:t> le Repository.</a:t>
+            </a:r>
+            <a:endParaRPr dirty="0"/>
+          </a:p>
+        </p:txBody>
+      </p:sp>
+      <p:sp>
+        <p:nvSpPr>
+          <p:cNvPr id="2" name="TextBox 1">
+            <a:extLst>
+              <a:ext uri="{FF2B5EF4-FFF2-40B4-BE49-F238E27FC236}">
+                <a16:creationId xmlns:a16="http://schemas.microsoft.com/office/drawing/2014/main" id="{C0972EA8-6239-4842-AB04-046E86301C01}"/>
+              </a:ext>
+            </a:extLst>
+          </p:cNvPr>
+          <p:cNvSpPr txBox="1"/>
+          <p:nvPr/>
+        </p:nvSpPr>
+        <p:spPr>
+          <a:xfrm>
+            <a:off x="5569222" y="3639244"/>
+            <a:ext cx="1732021" cy="307777"/>
+          </a:xfrm>
+          <a:prstGeom prst="rect">
+            <a:avLst/>
+          </a:prstGeom>
+          <a:noFill/>
+          <a:ln>
+            <a:solidFill>
+              <a:schemeClr val="bg1"/>
+            </a:solidFill>
+          </a:ln>
+        </p:spPr>
+        <p:txBody>
+          <a:bodyPr wrap="square" rtlCol="0">
+            <a:spAutoFit/>
+          </a:bodyPr>
+          <a:lstStyle/>
+          <a:p>
+            <a:pPr algn="ctr"/>
+            <a:r>
+              <a:rPr lang="en-GB" dirty="0" err="1">
+                <a:solidFill>
+                  <a:schemeClr val="bg1"/>
+                </a:solidFill>
+              </a:rPr>
+              <a:t>ProductRepository</a:t>
+            </a:r>
+            <a:endParaRPr lang="en-GB" dirty="0">
+              <a:solidFill>
+                <a:schemeClr val="bg1"/>
+              </a:solidFill>
+            </a:endParaRPr>
+          </a:p>
+        </p:txBody>
+      </p:sp>
+      <p:sp>
+        <p:nvSpPr>
+          <p:cNvPr id="5" name="TextBox 4">
+            <a:extLst>
+              <a:ext uri="{FF2B5EF4-FFF2-40B4-BE49-F238E27FC236}">
+                <a16:creationId xmlns:a16="http://schemas.microsoft.com/office/drawing/2014/main" id="{AAF842B8-C8E4-4432-9888-3A02803E9BE1}"/>
+              </a:ext>
+            </a:extLst>
+          </p:cNvPr>
+          <p:cNvSpPr txBox="1"/>
+          <p:nvPr/>
+        </p:nvSpPr>
+        <p:spPr>
+          <a:xfrm>
+            <a:off x="4315097" y="4430673"/>
+            <a:ext cx="1831025" cy="307777"/>
+          </a:xfrm>
+          <a:prstGeom prst="rect">
+            <a:avLst/>
+          </a:prstGeom>
+          <a:noFill/>
+          <a:ln>
+            <a:solidFill>
+              <a:schemeClr val="bg1"/>
+            </a:solidFill>
+          </a:ln>
+        </p:spPr>
+        <p:txBody>
+          <a:bodyPr wrap="square" rtlCol="0">
+            <a:spAutoFit/>
+          </a:bodyPr>
+          <a:lstStyle/>
+          <a:p>
+            <a:pPr algn="ctr"/>
+            <a:r>
+              <a:rPr lang="en-GB" dirty="0">
+                <a:solidFill>
+                  <a:schemeClr val="bg1"/>
+                </a:solidFill>
+              </a:rPr>
+              <a:t>shared preferences</a:t>
+            </a:r>
+          </a:p>
+        </p:txBody>
+      </p:sp>
+      <p:sp>
+        <p:nvSpPr>
+          <p:cNvPr id="6" name="TextBox 5">
+            <a:extLst>
+              <a:ext uri="{FF2B5EF4-FFF2-40B4-BE49-F238E27FC236}">
+                <a16:creationId xmlns:a16="http://schemas.microsoft.com/office/drawing/2014/main" id="{29C047D9-7885-4EF3-908E-831A00268CB2}"/>
+              </a:ext>
+            </a:extLst>
+          </p:cNvPr>
+          <p:cNvSpPr txBox="1"/>
+          <p:nvPr/>
+        </p:nvSpPr>
+        <p:spPr>
+          <a:xfrm>
+            <a:off x="3110474" y="4424141"/>
+            <a:ext cx="1204623" cy="307777"/>
+          </a:xfrm>
+          <a:prstGeom prst="rect">
+            <a:avLst/>
+          </a:prstGeom>
+          <a:noFill/>
+          <a:ln>
+            <a:noFill/>
+          </a:ln>
+        </p:spPr>
+        <p:txBody>
+          <a:bodyPr wrap="square" rtlCol="0">
+            <a:spAutoFit/>
+          </a:bodyPr>
+          <a:lstStyle/>
+          <a:p>
+            <a:pPr algn="ctr"/>
+            <a:r>
+              <a:rPr lang="en-GB" dirty="0">
+                <a:solidFill>
+                  <a:schemeClr val="bg1"/>
+                </a:solidFill>
+              </a:rPr>
+              <a:t>persistence</a:t>
+            </a:r>
+          </a:p>
+        </p:txBody>
+      </p:sp>
+      <p:sp>
+        <p:nvSpPr>
+          <p:cNvPr id="7" name="TextBox 6">
+            <a:extLst>
+              <a:ext uri="{FF2B5EF4-FFF2-40B4-BE49-F238E27FC236}">
+                <a16:creationId xmlns:a16="http://schemas.microsoft.com/office/drawing/2014/main" id="{C63A98A5-FA8E-4383-B9C8-013311EC809D}"/>
+              </a:ext>
+            </a:extLst>
+          </p:cNvPr>
+          <p:cNvSpPr txBox="1"/>
+          <p:nvPr/>
+        </p:nvSpPr>
+        <p:spPr>
+          <a:xfrm>
+            <a:off x="7061635" y="4431149"/>
+            <a:ext cx="1077910" cy="307777"/>
+          </a:xfrm>
+          <a:prstGeom prst="rect">
+            <a:avLst/>
+          </a:prstGeom>
+          <a:noFill/>
+          <a:ln>
+            <a:solidFill>
+              <a:schemeClr val="bg1"/>
+            </a:solidFill>
+          </a:ln>
+        </p:spPr>
+        <p:txBody>
+          <a:bodyPr wrap="square" rtlCol="0">
+            <a:spAutoFit/>
+          </a:bodyPr>
+          <a:lstStyle/>
+          <a:p>
+            <a:pPr algn="ctr"/>
+            <a:r>
+              <a:rPr lang="en-GB" dirty="0">
+                <a:solidFill>
+                  <a:schemeClr val="bg1"/>
+                </a:solidFill>
+              </a:rPr>
+              <a:t>Retrofit</a:t>
+            </a:r>
+          </a:p>
+        </p:txBody>
+      </p:sp>
+      <p:sp>
+        <p:nvSpPr>
+          <p:cNvPr id="8" name="TextBox 7">
+            <a:extLst>
+              <a:ext uri="{FF2B5EF4-FFF2-40B4-BE49-F238E27FC236}">
+                <a16:creationId xmlns:a16="http://schemas.microsoft.com/office/drawing/2014/main" id="{A3F3CCD1-AD02-466D-A2B8-5F5D6FBEC6EA}"/>
+              </a:ext>
+            </a:extLst>
+          </p:cNvPr>
+          <p:cNvSpPr txBox="1"/>
+          <p:nvPr/>
+        </p:nvSpPr>
+        <p:spPr>
+          <a:xfrm>
+            <a:off x="8127787" y="4424142"/>
+            <a:ext cx="918244" cy="307777"/>
+          </a:xfrm>
+          <a:prstGeom prst="rect">
+            <a:avLst/>
+          </a:prstGeom>
+          <a:noFill/>
+          <a:ln>
+            <a:noFill/>
+          </a:ln>
+        </p:spPr>
+        <p:txBody>
+          <a:bodyPr wrap="square" rtlCol="0">
+            <a:spAutoFit/>
+          </a:bodyPr>
+          <a:lstStyle/>
+          <a:p>
+            <a:pPr algn="ctr"/>
+            <a:r>
+              <a:rPr lang="en-GB" dirty="0" err="1">
+                <a:solidFill>
+                  <a:schemeClr val="bg1"/>
+                </a:solidFill>
+              </a:rPr>
+              <a:t>réseau</a:t>
+            </a:r>
+            <a:endParaRPr lang="en-GB" dirty="0">
+              <a:solidFill>
+                <a:schemeClr val="bg1"/>
+              </a:solidFill>
+            </a:endParaRPr>
+          </a:p>
+        </p:txBody>
+      </p:sp>
+      <p:cxnSp>
+        <p:nvCxnSpPr>
+          <p:cNvPr id="4" name="Connector: Elbow 3">
+            <a:extLst>
+              <a:ext uri="{FF2B5EF4-FFF2-40B4-BE49-F238E27FC236}">
+                <a16:creationId xmlns:a16="http://schemas.microsoft.com/office/drawing/2014/main" id="{370B8665-7674-4003-9F34-8E2A7D9F9F73}"/>
+              </a:ext>
+            </a:extLst>
+          </p:cNvPr>
+          <p:cNvCxnSpPr>
+            <a:stCxn id="2" idx="2"/>
+            <a:endCxn id="5" idx="0"/>
+          </p:cNvCxnSpPr>
+          <p:nvPr/>
+        </p:nvCxnSpPr>
+        <p:spPr>
+          <a:xfrm rot="5400000">
+            <a:off x="5591096" y="3586536"/>
+            <a:ext cx="483652" cy="1204623"/>
+          </a:xfrm>
+          <a:prstGeom prst="bentConnector3">
+            <a:avLst/>
+          </a:prstGeom>
+          <a:ln>
+            <a:solidFill>
+              <a:schemeClr val="bg1"/>
+            </a:solidFill>
+            <a:tailEnd type="triangle"/>
+          </a:ln>
+        </p:spPr>
+        <p:style>
+          <a:lnRef idx="1">
+            <a:schemeClr val="accent1"/>
+          </a:lnRef>
+          <a:fillRef idx="0">
+            <a:schemeClr val="accent1"/>
+          </a:fillRef>
+          <a:effectRef idx="0">
+            <a:schemeClr val="accent1"/>
+          </a:effectRef>
+          <a:fontRef idx="minor">
+            <a:schemeClr val="tx1"/>
+          </a:fontRef>
+        </p:style>
+      </p:cxnSp>
+      <p:cxnSp>
+        <p:nvCxnSpPr>
+          <p:cNvPr id="10" name="Connector: Elbow 9">
+            <a:extLst>
+              <a:ext uri="{FF2B5EF4-FFF2-40B4-BE49-F238E27FC236}">
+                <a16:creationId xmlns:a16="http://schemas.microsoft.com/office/drawing/2014/main" id="{89288D82-59BE-47B8-9BE1-92D6C87F2AFC}"/>
+              </a:ext>
+            </a:extLst>
+          </p:cNvPr>
+          <p:cNvCxnSpPr>
+            <a:cxnSpLocks/>
+            <a:stCxn id="2" idx="2"/>
+            <a:endCxn id="7" idx="0"/>
+          </p:cNvCxnSpPr>
+          <p:nvPr/>
+        </p:nvCxnSpPr>
+        <p:spPr>
+          <a:xfrm rot="16200000" flipH="1">
+            <a:off x="6775847" y="3606406"/>
+            <a:ext cx="484128" cy="1165357"/>
+          </a:xfrm>
+          <a:prstGeom prst="bentConnector3">
+            <a:avLst/>
+          </a:prstGeom>
+          <a:ln>
+            <a:solidFill>
+              <a:schemeClr val="bg1"/>
+            </a:solidFill>
+            <a:tailEnd type="triangle"/>
+          </a:ln>
+        </p:spPr>
+        <p:style>
+          <a:lnRef idx="1">
+            <a:schemeClr val="accent1"/>
+          </a:lnRef>
+          <a:fillRef idx="0">
+            <a:schemeClr val="accent1"/>
+          </a:fillRef>
+          <a:effectRef idx="0">
+            <a:schemeClr val="accent1"/>
+          </a:effectRef>
+          <a:fontRef idx="minor">
+            <a:schemeClr val="tx1"/>
+          </a:fontRef>
+        </p:style>
+      </p:cxnSp>
+      <p:sp>
+        <p:nvSpPr>
+          <p:cNvPr id="13" name="TextBox 12">
+            <a:extLst>
+              <a:ext uri="{FF2B5EF4-FFF2-40B4-BE49-F238E27FC236}">
+                <a16:creationId xmlns:a16="http://schemas.microsoft.com/office/drawing/2014/main" id="{5ECBCF7F-860F-4FE4-87B0-2B302720686A}"/>
+              </a:ext>
+            </a:extLst>
+          </p:cNvPr>
+          <p:cNvSpPr txBox="1"/>
+          <p:nvPr/>
+        </p:nvSpPr>
+        <p:spPr>
+          <a:xfrm>
+            <a:off x="5569222" y="2531112"/>
+            <a:ext cx="1732021" cy="770744"/>
+          </a:xfrm>
+          <a:prstGeom prst="rect">
+            <a:avLst/>
+          </a:prstGeom>
+          <a:noFill/>
+          <a:ln>
+            <a:solidFill>
+              <a:schemeClr val="bg1"/>
+            </a:solidFill>
+          </a:ln>
+        </p:spPr>
+        <p:txBody>
+          <a:bodyPr wrap="square" rtlCol="0">
+            <a:spAutoFit/>
+          </a:bodyPr>
+          <a:lstStyle/>
+          <a:p>
+            <a:pPr algn="ctr"/>
+            <a:r>
+              <a:rPr lang="en-GB" dirty="0" err="1">
+                <a:solidFill>
+                  <a:schemeClr val="bg1"/>
+                </a:solidFill>
+              </a:rPr>
+              <a:t>ViewModels</a:t>
+            </a:r>
+            <a:endParaRPr lang="en-GB" dirty="0">
+              <a:solidFill>
+                <a:schemeClr val="bg1"/>
+              </a:solidFill>
+            </a:endParaRPr>
+          </a:p>
+        </p:txBody>
+      </p:sp>
+      <p:sp>
+        <p:nvSpPr>
+          <p:cNvPr id="14" name="TextBox 13">
+            <a:extLst>
+              <a:ext uri="{FF2B5EF4-FFF2-40B4-BE49-F238E27FC236}">
+                <a16:creationId xmlns:a16="http://schemas.microsoft.com/office/drawing/2014/main" id="{765A7849-0A7E-4CC3-937C-D7AF7794DFBB}"/>
+              </a:ext>
+            </a:extLst>
+          </p:cNvPr>
+          <p:cNvSpPr txBox="1"/>
+          <p:nvPr/>
+        </p:nvSpPr>
+        <p:spPr>
+          <a:xfrm>
+            <a:off x="5569222" y="1552150"/>
+            <a:ext cx="1732021" cy="615554"/>
+          </a:xfrm>
+          <a:prstGeom prst="rect">
+            <a:avLst/>
+          </a:prstGeom>
+          <a:noFill/>
+          <a:ln>
+            <a:solidFill>
+              <a:schemeClr val="bg1"/>
+            </a:solidFill>
+          </a:ln>
+        </p:spPr>
+        <p:txBody>
+          <a:bodyPr wrap="square" rtlCol="0">
+            <a:spAutoFit/>
+          </a:bodyPr>
+          <a:lstStyle/>
+          <a:p>
+            <a:pPr algn="ctr"/>
+            <a:r>
+              <a:rPr lang="en-GB" dirty="0">
+                <a:solidFill>
+                  <a:schemeClr val="bg1"/>
+                </a:solidFill>
+              </a:rPr>
+              <a:t>Fragments</a:t>
+            </a:r>
+          </a:p>
+        </p:txBody>
+      </p:sp>
+      <p:cxnSp>
+        <p:nvCxnSpPr>
+          <p:cNvPr id="12" name="Straight Arrow Connector 11">
+            <a:extLst>
+              <a:ext uri="{FF2B5EF4-FFF2-40B4-BE49-F238E27FC236}">
+                <a16:creationId xmlns:a16="http://schemas.microsoft.com/office/drawing/2014/main" id="{327E9857-587E-44D5-9184-3D2C8DABCC49}"/>
+              </a:ext>
+            </a:extLst>
+          </p:cNvPr>
+          <p:cNvCxnSpPr>
+            <a:cxnSpLocks/>
+            <a:stCxn id="14" idx="2"/>
+            <a:endCxn id="13" idx="0"/>
+          </p:cNvCxnSpPr>
+          <p:nvPr/>
+        </p:nvCxnSpPr>
+        <p:spPr>
+          <a:xfrm>
+            <a:off x="6435233" y="2167704"/>
+            <a:ext cx="0" cy="363408"/>
+          </a:xfrm>
+          <a:prstGeom prst="straightConnector1">
+            <a:avLst/>
+          </a:prstGeom>
+          <a:ln>
+            <a:solidFill>
+              <a:schemeClr val="bg1"/>
+            </a:solidFill>
+            <a:tailEnd type="triangle"/>
+          </a:ln>
+        </p:spPr>
+        <p:style>
+          <a:lnRef idx="1">
+            <a:schemeClr val="accent1"/>
+          </a:lnRef>
+          <a:fillRef idx="0">
+            <a:schemeClr val="accent1"/>
+          </a:fillRef>
+          <a:effectRef idx="0">
+            <a:schemeClr val="accent1"/>
+          </a:effectRef>
+          <a:fontRef idx="minor">
+            <a:schemeClr val="tx1"/>
+          </a:fontRef>
+        </p:style>
+      </p:cxnSp>
+      <p:cxnSp>
+        <p:nvCxnSpPr>
+          <p:cNvPr id="16" name="Straight Arrow Connector 15">
+            <a:extLst>
+              <a:ext uri="{FF2B5EF4-FFF2-40B4-BE49-F238E27FC236}">
+                <a16:creationId xmlns:a16="http://schemas.microsoft.com/office/drawing/2014/main" id="{BB015804-7D83-4AD2-AC6B-99CA371440F4}"/>
+              </a:ext>
+            </a:extLst>
+          </p:cNvPr>
+          <p:cNvCxnSpPr>
+            <a:cxnSpLocks/>
+            <a:stCxn id="13" idx="2"/>
+            <a:endCxn id="2" idx="0"/>
+          </p:cNvCxnSpPr>
+          <p:nvPr/>
+        </p:nvCxnSpPr>
+        <p:spPr>
+          <a:xfrm>
+            <a:off x="6435233" y="3301856"/>
+            <a:ext cx="0" cy="337388"/>
+          </a:xfrm>
+          <a:prstGeom prst="straightConnector1">
+            <a:avLst/>
+          </a:prstGeom>
+          <a:ln>
+            <a:solidFill>
+              <a:schemeClr val="bg1"/>
+            </a:solidFill>
+            <a:tailEnd type="triangle"/>
+          </a:ln>
+        </p:spPr>
+        <p:style>
+          <a:lnRef idx="1">
+            <a:schemeClr val="accent1"/>
+          </a:lnRef>
+          <a:fillRef idx="0">
+            <a:schemeClr val="accent1"/>
+          </a:fillRef>
+          <a:effectRef idx="0">
+            <a:schemeClr val="accent1"/>
+          </a:effectRef>
+          <a:fontRef idx="minor">
+            <a:schemeClr val="tx1"/>
+          </a:fontRef>
+        </p:style>
+      </p:cxnSp>
+      <p:sp>
+        <p:nvSpPr>
+          <p:cNvPr id="29" name="TextBox 28">
+            <a:extLst>
+              <a:ext uri="{FF2B5EF4-FFF2-40B4-BE49-F238E27FC236}">
+                <a16:creationId xmlns:a16="http://schemas.microsoft.com/office/drawing/2014/main" id="{35A955CC-D225-4DDF-A6C3-5C90C64D9EC5}"/>
+              </a:ext>
+            </a:extLst>
+          </p:cNvPr>
+          <p:cNvSpPr txBox="1"/>
+          <p:nvPr/>
+        </p:nvSpPr>
+        <p:spPr>
+          <a:xfrm>
+            <a:off x="6048652" y="2869266"/>
+            <a:ext cx="761228" cy="261610"/>
+          </a:xfrm>
+          <a:prstGeom prst="rect">
+            <a:avLst/>
+          </a:prstGeom>
+          <a:solidFill>
+            <a:schemeClr val="accent1"/>
+          </a:solidFill>
+          <a:ln>
+            <a:solidFill>
+              <a:schemeClr val="bg1"/>
+            </a:solidFill>
+          </a:ln>
+        </p:spPr>
+        <p:txBody>
+          <a:bodyPr wrap="square" rtlCol="0">
+            <a:spAutoFit/>
+          </a:bodyPr>
+          <a:lstStyle/>
+          <a:p>
+            <a:pPr algn="ctr"/>
+            <a:endParaRPr lang="en-GB" sz="1100" dirty="0">
+              <a:solidFill>
+                <a:schemeClr val="bg1"/>
+              </a:solidFill>
+            </a:endParaRPr>
+          </a:p>
+        </p:txBody>
+      </p:sp>
+      <p:sp>
+        <p:nvSpPr>
+          <p:cNvPr id="30" name="TextBox 29">
+            <a:extLst>
+              <a:ext uri="{FF2B5EF4-FFF2-40B4-BE49-F238E27FC236}">
+                <a16:creationId xmlns:a16="http://schemas.microsoft.com/office/drawing/2014/main" id="{93BF4AC4-03E4-43E1-8701-FF966D43A8B2}"/>
+              </a:ext>
+            </a:extLst>
+          </p:cNvPr>
+          <p:cNvSpPr txBox="1"/>
+          <p:nvPr/>
+        </p:nvSpPr>
+        <p:spPr>
+          <a:xfrm>
+            <a:off x="6083532" y="2903857"/>
+            <a:ext cx="761228" cy="261610"/>
+          </a:xfrm>
+          <a:prstGeom prst="rect">
+            <a:avLst/>
+          </a:prstGeom>
+          <a:solidFill>
+            <a:schemeClr val="accent1"/>
+          </a:solidFill>
+          <a:ln>
+            <a:solidFill>
+              <a:schemeClr val="bg1"/>
+            </a:solidFill>
+          </a:ln>
+        </p:spPr>
+        <p:txBody>
+          <a:bodyPr wrap="square" rtlCol="0">
+            <a:spAutoFit/>
+          </a:bodyPr>
+          <a:lstStyle/>
+          <a:p>
+            <a:pPr algn="ctr"/>
+            <a:endParaRPr lang="en-GB" sz="1100" dirty="0">
+              <a:solidFill>
+                <a:schemeClr val="bg1"/>
+              </a:solidFill>
+            </a:endParaRPr>
+          </a:p>
+        </p:txBody>
+      </p:sp>
+      <p:sp>
+        <p:nvSpPr>
+          <p:cNvPr id="27" name="TextBox 26">
+            <a:extLst>
+              <a:ext uri="{FF2B5EF4-FFF2-40B4-BE49-F238E27FC236}">
+                <a16:creationId xmlns:a16="http://schemas.microsoft.com/office/drawing/2014/main" id="{E8E851EF-7D52-4C4E-8EB7-633BB5C86997}"/>
+              </a:ext>
+            </a:extLst>
+          </p:cNvPr>
+          <p:cNvSpPr txBox="1"/>
+          <p:nvPr/>
+        </p:nvSpPr>
+        <p:spPr>
+          <a:xfrm>
+            <a:off x="6118412" y="2938448"/>
+            <a:ext cx="761228" cy="261610"/>
+          </a:xfrm>
+          <a:prstGeom prst="rect">
+            <a:avLst/>
+          </a:prstGeom>
+          <a:solidFill>
+            <a:schemeClr val="accent1"/>
+          </a:solidFill>
+          <a:ln>
+            <a:solidFill>
+              <a:schemeClr val="bg1"/>
+            </a:solidFill>
+          </a:ln>
+        </p:spPr>
+        <p:txBody>
+          <a:bodyPr wrap="square" rtlCol="0">
+            <a:spAutoFit/>
+          </a:bodyPr>
+          <a:lstStyle/>
+          <a:p>
+            <a:pPr algn="ctr"/>
+            <a:r>
+              <a:rPr lang="en-GB" sz="1100" dirty="0" err="1">
+                <a:solidFill>
+                  <a:schemeClr val="bg1"/>
+                </a:solidFill>
+              </a:rPr>
+              <a:t>LiveData</a:t>
+            </a:r>
+            <a:endParaRPr lang="en-GB" dirty="0">
+              <a:solidFill>
+                <a:schemeClr val="bg1"/>
+              </a:solidFill>
+            </a:endParaRPr>
+          </a:p>
+        </p:txBody>
+      </p:sp>
+      <p:cxnSp>
+        <p:nvCxnSpPr>
+          <p:cNvPr id="42" name="Connector: Elbow 41">
+            <a:extLst>
+              <a:ext uri="{FF2B5EF4-FFF2-40B4-BE49-F238E27FC236}">
+                <a16:creationId xmlns:a16="http://schemas.microsoft.com/office/drawing/2014/main" id="{FC3BCEE3-1DE1-441F-914D-57016A818B75}"/>
+              </a:ext>
+            </a:extLst>
+          </p:cNvPr>
+          <p:cNvCxnSpPr>
+            <a:cxnSpLocks/>
+            <a:stCxn id="27" idx="1"/>
+            <a:endCxn id="46" idx="1"/>
+          </p:cNvCxnSpPr>
+          <p:nvPr/>
+        </p:nvCxnSpPr>
+        <p:spPr>
+          <a:xfrm rot="10800000">
+            <a:off x="6054618" y="1967649"/>
+            <a:ext cx="63794" cy="1101604"/>
+          </a:xfrm>
+          <a:prstGeom prst="bentConnector3">
+            <a:avLst>
+              <a:gd name="adj1" fmla="val 1392200"/>
+            </a:avLst>
+          </a:prstGeom>
+          <a:ln>
+            <a:solidFill>
+              <a:schemeClr val="bg1"/>
+            </a:solidFill>
+            <a:tailEnd type="triangle"/>
+          </a:ln>
+        </p:spPr>
+        <p:style>
+          <a:lnRef idx="1">
+            <a:schemeClr val="accent1"/>
+          </a:lnRef>
+          <a:fillRef idx="0">
+            <a:schemeClr val="accent1"/>
+          </a:fillRef>
+          <a:effectRef idx="0">
+            <a:schemeClr val="accent1"/>
+          </a:effectRef>
+          <a:fontRef idx="minor">
+            <a:schemeClr val="tx1"/>
+          </a:fontRef>
+        </p:style>
+      </p:cxnSp>
+      <p:sp>
+        <p:nvSpPr>
+          <p:cNvPr id="46" name="TextBox 45">
+            <a:extLst>
+              <a:ext uri="{FF2B5EF4-FFF2-40B4-BE49-F238E27FC236}">
+                <a16:creationId xmlns:a16="http://schemas.microsoft.com/office/drawing/2014/main" id="{AA6AC7D4-3405-4BE9-BA4B-58C622CF6E26}"/>
+              </a:ext>
+            </a:extLst>
+          </p:cNvPr>
+          <p:cNvSpPr txBox="1"/>
+          <p:nvPr/>
+        </p:nvSpPr>
+        <p:spPr>
+          <a:xfrm>
+            <a:off x="6054618" y="1836844"/>
+            <a:ext cx="761228" cy="261610"/>
+          </a:xfrm>
+          <a:prstGeom prst="rect">
+            <a:avLst/>
+          </a:prstGeom>
+          <a:solidFill>
+            <a:srgbClr val="00B050"/>
+          </a:solidFill>
+          <a:ln>
+            <a:solidFill>
+              <a:schemeClr val="bg1"/>
+            </a:solidFill>
+          </a:ln>
+        </p:spPr>
+        <p:txBody>
+          <a:bodyPr wrap="square" rtlCol="0">
+            <a:spAutoFit/>
+          </a:bodyPr>
+          <a:lstStyle/>
+          <a:p>
+            <a:pPr algn="ctr"/>
+            <a:r>
+              <a:rPr lang="en-GB" sz="1100" dirty="0">
+                <a:solidFill>
+                  <a:schemeClr val="bg1"/>
+                </a:solidFill>
+              </a:rPr>
+              <a:t>Observer</a:t>
+            </a:r>
+            <a:endParaRPr lang="en-GB" dirty="0">
+              <a:solidFill>
+                <a:schemeClr val="bg1"/>
+              </a:solidFill>
+            </a:endParaRPr>
+          </a:p>
+        </p:txBody>
+      </p:sp>
+    </p:spTree>
+    <p:extLst>
+      <p:ext uri="{BB962C8B-B14F-4D97-AF65-F5344CB8AC3E}">
+        <p14:creationId xmlns:p14="http://schemas.microsoft.com/office/powerpoint/2010/main" val="1169389748"/>
+      </p:ext>
+    </p:extLst>
+  </p:cSld>
+  <p:clrMapOvr>
+    <a:masterClrMapping/>
+  </p:clrMapOvr>
+</p:sld>
+</file>
+
+<file path=ppt/slides/slide6.xml><?xml version="1.0" encoding="utf-8"?>
+<p:sld xmlns:a="http://schemas.openxmlformats.org/drawingml/2006/main" xmlns:r="http://schemas.openxmlformats.org/officeDocument/2006/relationships" xmlns:p="http://schemas.openxmlformats.org/presentationml/2006/main">
+  <p:cSld>
+    <p:spTree>
+      <p:nvGrpSpPr>
+        <p:cNvPr id="1" name="Shape 146"/>
+        <p:cNvGrpSpPr/>
+        <p:nvPr/>
+      </p:nvGrpSpPr>
+      <p:grpSpPr>
+        <a:xfrm>
+          <a:off x="0" y="0"/>
+          <a:ext cx="0" cy="0"/>
+          <a:chOff x="0" y="0"/>
+          <a:chExt cx="0" cy="0"/>
+        </a:xfrm>
+      </p:grpSpPr>
+      <p:sp>
+        <p:nvSpPr>
+          <p:cNvPr id="147" name="Google Shape;147;p15"/>
+          <p:cNvSpPr txBox="1">
+            <a:spLocks noGrp="1"/>
+          </p:cNvSpPr>
+          <p:nvPr>
+            <p:ph type="title"/>
+          </p:nvPr>
+        </p:nvSpPr>
+        <p:spPr>
+          <a:xfrm>
+            <a:off x="1297500" y="393750"/>
+            <a:ext cx="7038900" cy="914100"/>
+          </a:xfrm>
+          <a:prstGeom prst="rect">
+            <a:avLst/>
+          </a:prstGeom>
+        </p:spPr>
+        <p:txBody>
+          <a:bodyPr spcFirstLastPara="1" wrap="square" lIns="91425" tIns="91425" rIns="91425" bIns="91425" anchor="t" anchorCtr="0">
+            <a:noAutofit/>
+          </a:bodyPr>
+          <a:lstStyle/>
+          <a:p>
+            <a:pPr marL="0" lvl="0" indent="0" algn="l" rtl="0">
+              <a:spcBef>
+                <a:spcPts val="0"/>
+              </a:spcBef>
+              <a:spcAft>
+                <a:spcPts val="0"/>
+              </a:spcAft>
+              <a:buNone/>
+            </a:pPr>
+            <a:r>
               <a:rPr lang="fr"/>
               <a:t>Architecture générale</a:t>
             </a:r>
@@ -11718,286 +13083,6 @@
         <p14:creationId xmlns:p14="http://schemas.microsoft.com/office/powerpoint/2010/main" val="3773006692"/>
       </p:ext>
     </p:extLst>
-  </p:cSld>
-  <p:clrMapOvr>
-    <a:masterClrMapping/>
-  </p:clrMapOvr>
-</p:sld>
-</file>
-
-<file path=ppt/slides/slide6.xml><?xml version="1.0" encoding="utf-8"?>
-<p:sld xmlns:a="http://schemas.openxmlformats.org/drawingml/2006/main" xmlns:r="http://schemas.openxmlformats.org/officeDocument/2006/relationships" xmlns:p="http://schemas.openxmlformats.org/presentationml/2006/main">
-  <p:cSld>
-    <p:spTree>
-      <p:nvGrpSpPr>
-        <p:cNvPr id="1" name="Shape 152"/>
-        <p:cNvGrpSpPr/>
-        <p:nvPr/>
-      </p:nvGrpSpPr>
-      <p:grpSpPr>
-        <a:xfrm>
-          <a:off x="0" y="0"/>
-          <a:ext cx="0" cy="0"/>
-          <a:chOff x="0" y="0"/>
-          <a:chExt cx="0" cy="0"/>
-        </a:xfrm>
-      </p:grpSpPr>
-      <p:sp>
-        <p:nvSpPr>
-          <p:cNvPr id="153" name="Google Shape;153;p16"/>
-          <p:cNvSpPr txBox="1">
-            <a:spLocks noGrp="1"/>
-          </p:cNvSpPr>
-          <p:nvPr>
-            <p:ph type="title"/>
-          </p:nvPr>
-        </p:nvSpPr>
-        <p:spPr>
-          <a:xfrm>
-            <a:off x="1297500" y="393750"/>
-            <a:ext cx="7038900" cy="914100"/>
-          </a:xfrm>
-          <a:prstGeom prst="rect">
-            <a:avLst/>
-          </a:prstGeom>
-        </p:spPr>
-        <p:txBody>
-          <a:bodyPr spcFirstLastPara="1" wrap="square" lIns="91425" tIns="91425" rIns="91425" bIns="91425" anchor="t" anchorCtr="0">
-            <a:noAutofit/>
-          </a:bodyPr>
-          <a:lstStyle/>
-          <a:p>
-            <a:pPr marL="0" lvl="0" indent="0" algn="l" rtl="0">
-              <a:spcBef>
-                <a:spcPts val="0"/>
-              </a:spcBef>
-              <a:spcAft>
-                <a:spcPts val="0"/>
-              </a:spcAft>
-              <a:buNone/>
-            </a:pPr>
-            <a:r>
-              <a:rPr lang="fr"/>
-              <a:t>Navigation</a:t>
-            </a:r>
-            <a:endParaRPr/>
-          </a:p>
-        </p:txBody>
-      </p:sp>
-      <p:sp>
-        <p:nvSpPr>
-          <p:cNvPr id="154" name="Google Shape;154;p16"/>
-          <p:cNvSpPr txBox="1">
-            <a:spLocks noGrp="1"/>
-          </p:cNvSpPr>
-          <p:nvPr>
-            <p:ph type="body" idx="1"/>
-          </p:nvPr>
-        </p:nvSpPr>
-        <p:spPr>
-          <a:xfrm>
-            <a:off x="1297500" y="1567550"/>
-            <a:ext cx="7038900" cy="2911200"/>
-          </a:xfrm>
-          <a:prstGeom prst="rect">
-            <a:avLst/>
-          </a:prstGeom>
-        </p:spPr>
-        <p:txBody>
-          <a:bodyPr spcFirstLastPara="1" wrap="square" lIns="91425" tIns="91425" rIns="91425" bIns="91425" anchor="t" anchorCtr="0">
-            <a:noAutofit/>
-          </a:bodyPr>
-          <a:lstStyle/>
-          <a:p>
-            <a:pPr marL="457200" lvl="0" indent="-311150" algn="l" rtl="0">
-              <a:spcBef>
-                <a:spcPts val="0"/>
-              </a:spcBef>
-              <a:spcAft>
-                <a:spcPts val="0"/>
-              </a:spcAft>
-              <a:buSzPts val="1300"/>
-              <a:buChar char="●"/>
-            </a:pPr>
-            <a:r>
-              <a:rPr lang="fr"/>
-              <a:t>activité unique JetPack Navigation</a:t>
-            </a:r>
-            <a:endParaRPr/>
-          </a:p>
-          <a:p>
-            <a:pPr marL="457200" lvl="0" indent="-311150" algn="l" rtl="0">
-              <a:spcBef>
-                <a:spcPts val="0"/>
-              </a:spcBef>
-              <a:spcAft>
-                <a:spcPts val="0"/>
-              </a:spcAft>
-              <a:buSzPts val="1300"/>
-              <a:buChar char="●"/>
-            </a:pPr>
-            <a:r>
-              <a:rPr lang="fr"/>
-              <a:t>plusieurs fragments</a:t>
-            </a:r>
-            <a:endParaRPr/>
-          </a:p>
-          <a:p>
-            <a:pPr marL="914400" lvl="1" indent="-298450" algn="l" rtl="0">
-              <a:spcBef>
-                <a:spcPts val="0"/>
-              </a:spcBef>
-              <a:spcAft>
-                <a:spcPts val="0"/>
-              </a:spcAft>
-              <a:buSzPts val="1100"/>
-              <a:buChar char="○"/>
-            </a:pPr>
-            <a:r>
-              <a:rPr lang="fr"/>
-              <a:t>comme des vues dans le cadre d’une activité</a:t>
-            </a:r>
-            <a:endParaRPr/>
-          </a:p>
-          <a:p>
-            <a:pPr marL="914400" lvl="1" indent="-298450" algn="l" rtl="0">
-              <a:spcBef>
-                <a:spcPts val="0"/>
-              </a:spcBef>
-              <a:spcAft>
-                <a:spcPts val="0"/>
-              </a:spcAft>
-              <a:buSzPts val="1100"/>
-              <a:buChar char="○"/>
-            </a:pPr>
-            <a:r>
-              <a:rPr lang="fr"/>
-              <a:t>implémentés dans une classe spécifique avec sa propre logique UI</a:t>
-            </a:r>
-            <a:endParaRPr/>
-          </a:p>
-          <a:p>
-            <a:pPr marL="914400" lvl="1" indent="-298450" algn="l" rtl="0">
-              <a:spcBef>
-                <a:spcPts val="0"/>
-              </a:spcBef>
-              <a:spcAft>
-                <a:spcPts val="0"/>
-              </a:spcAft>
-              <a:buSzPts val="1100"/>
-              <a:buChar char="○"/>
-            </a:pPr>
-            <a:r>
-              <a:rPr lang="fr"/>
-              <a:t>disposent de leur layout dédié</a:t>
-            </a:r>
-            <a:endParaRPr/>
-          </a:p>
-          <a:p>
-            <a:pPr marL="914400" lvl="1" indent="-298450" algn="l" rtl="0">
-              <a:spcBef>
-                <a:spcPts val="0"/>
-              </a:spcBef>
-              <a:spcAft>
-                <a:spcPts val="0"/>
-              </a:spcAft>
-              <a:buSzPts val="1100"/>
-              <a:buChar char="○"/>
-            </a:pPr>
-            <a:r>
-              <a:rPr lang="fr"/>
-              <a:t>ont les mêmes états de cycle de vie que les activités (les fonctions callback diffèrent)</a:t>
-            </a:r>
-            <a:endParaRPr/>
-          </a:p>
-          <a:p>
-            <a:pPr marL="457200" lvl="0" indent="-311150" algn="l" rtl="0">
-              <a:spcBef>
-                <a:spcPts val="0"/>
-              </a:spcBef>
-              <a:spcAft>
-                <a:spcPts val="0"/>
-              </a:spcAft>
-              <a:buSzPts val="1300"/>
-              <a:buChar char="●"/>
-            </a:pPr>
-            <a:r>
-              <a:rPr lang="fr"/>
-              <a:t>Le “NavHostFragment” agit comme un routeur et gère le “back stack” des fragments</a:t>
-            </a:r>
-            <a:endParaRPr/>
-          </a:p>
-          <a:p>
-            <a:pPr marL="914400" lvl="1" indent="-298450" algn="l" rtl="0">
-              <a:spcBef>
-                <a:spcPts val="0"/>
-              </a:spcBef>
-              <a:spcAft>
-                <a:spcPts val="0"/>
-              </a:spcAft>
-              <a:buSzPts val="1100"/>
-              <a:buChar char="○"/>
-            </a:pPr>
-            <a:r>
-              <a:rPr lang="fr"/>
-              <a:t>routage basé sur le “graphe de navigation” (connexions entre les fragments par le biais d’actions)</a:t>
-            </a:r>
-            <a:endParaRPr/>
-          </a:p>
-          <a:p>
-            <a:pPr marL="914400" lvl="1" indent="-298450" algn="l" rtl="0">
-              <a:spcBef>
-                <a:spcPts val="0"/>
-              </a:spcBef>
-              <a:spcAft>
-                <a:spcPts val="0"/>
-              </a:spcAft>
-              <a:buSzPts val="1100"/>
-              <a:buChar char="○"/>
-            </a:pPr>
-            <a:r>
-              <a:rPr lang="fr"/>
-              <a:t>clicklistener dans les classes des fragments pour déclencher la navigation</a:t>
-            </a:r>
-            <a:endParaRPr/>
-          </a:p>
-          <a:p>
-            <a:pPr marL="914400" lvl="1" indent="-298450" algn="l" rtl="0">
-              <a:spcBef>
-                <a:spcPts val="0"/>
-              </a:spcBef>
-              <a:spcAft>
-                <a:spcPts val="0"/>
-              </a:spcAft>
-              <a:buSzPts val="1100"/>
-              <a:buChar char="○"/>
-            </a:pPr>
-            <a:r>
-              <a:rPr lang="fr"/>
-              <a:t>appels à une instance du  “navigation controller” qui est la classe qui gère la navigation dans le NavHostFragment</a:t>
-            </a:r>
-            <a:endParaRPr/>
-          </a:p>
-          <a:p>
-            <a:pPr marL="457200" lvl="0" indent="-311150" algn="l" rtl="0">
-              <a:spcBef>
-                <a:spcPts val="0"/>
-              </a:spcBef>
-              <a:spcAft>
-                <a:spcPts val="0"/>
-              </a:spcAft>
-              <a:buSzPts val="1300"/>
-              <a:buChar char="●"/>
-            </a:pPr>
-            <a:r>
-              <a:rPr lang="fr"/>
-              <a:t>Transfert de données entre les différents fragments via : safe-arg</a:t>
-            </a:r>
-            <a:endParaRPr/>
-          </a:p>
-        </p:txBody>
-      </p:sp>
-    </p:spTree>
   </p:cSld>
   <p:clrMapOvr>
     <a:masterClrMapping/>
@@ -12278,6 +13363,286 @@
         </p:txBody>
       </p:sp>
     </p:spTree>
+  </p:cSld>
+  <p:clrMapOvr>
+    <a:masterClrMapping/>
+  </p:clrMapOvr>
+</p:sld>
+</file>
+
+<file path=ppt/slides/slide8.xml><?xml version="1.0" encoding="utf-8"?>
+<p:sld xmlns:a="http://schemas.openxmlformats.org/drawingml/2006/main" xmlns:r="http://schemas.openxmlformats.org/officeDocument/2006/relationships" xmlns:p="http://schemas.openxmlformats.org/presentationml/2006/main">
+  <p:cSld>
+    <p:spTree>
+      <p:nvGrpSpPr>
+        <p:cNvPr id="1" name="Shape 152"/>
+        <p:cNvGrpSpPr/>
+        <p:nvPr/>
+      </p:nvGrpSpPr>
+      <p:grpSpPr>
+        <a:xfrm>
+          <a:off x="0" y="0"/>
+          <a:ext cx="0" cy="0"/>
+          <a:chOff x="0" y="0"/>
+          <a:chExt cx="0" cy="0"/>
+        </a:xfrm>
+      </p:grpSpPr>
+      <p:sp>
+        <p:nvSpPr>
+          <p:cNvPr id="153" name="Google Shape;153;p16"/>
+          <p:cNvSpPr txBox="1">
+            <a:spLocks noGrp="1"/>
+          </p:cNvSpPr>
+          <p:nvPr>
+            <p:ph type="title"/>
+          </p:nvPr>
+        </p:nvSpPr>
+        <p:spPr>
+          <a:xfrm>
+            <a:off x="1297500" y="393750"/>
+            <a:ext cx="7038900" cy="914100"/>
+          </a:xfrm>
+          <a:prstGeom prst="rect">
+            <a:avLst/>
+          </a:prstGeom>
+        </p:spPr>
+        <p:txBody>
+          <a:bodyPr spcFirstLastPara="1" wrap="square" lIns="91425" tIns="91425" rIns="91425" bIns="91425" anchor="t" anchorCtr="0">
+            <a:noAutofit/>
+          </a:bodyPr>
+          <a:lstStyle/>
+          <a:p>
+            <a:pPr marL="0" lvl="0" indent="0" algn="l" rtl="0">
+              <a:spcBef>
+                <a:spcPts val="0"/>
+              </a:spcBef>
+              <a:spcAft>
+                <a:spcPts val="0"/>
+              </a:spcAft>
+              <a:buNone/>
+            </a:pPr>
+            <a:r>
+              <a:rPr lang="fr"/>
+              <a:t>Navigation</a:t>
+            </a:r>
+            <a:endParaRPr/>
+          </a:p>
+        </p:txBody>
+      </p:sp>
+      <p:sp>
+        <p:nvSpPr>
+          <p:cNvPr id="154" name="Google Shape;154;p16"/>
+          <p:cNvSpPr txBox="1">
+            <a:spLocks noGrp="1"/>
+          </p:cNvSpPr>
+          <p:nvPr>
+            <p:ph type="body" idx="1"/>
+          </p:nvPr>
+        </p:nvSpPr>
+        <p:spPr>
+          <a:xfrm>
+            <a:off x="1297500" y="1567550"/>
+            <a:ext cx="7038900" cy="2911200"/>
+          </a:xfrm>
+          <a:prstGeom prst="rect">
+            <a:avLst/>
+          </a:prstGeom>
+        </p:spPr>
+        <p:txBody>
+          <a:bodyPr spcFirstLastPara="1" wrap="square" lIns="91425" tIns="91425" rIns="91425" bIns="91425" anchor="t" anchorCtr="0">
+            <a:noAutofit/>
+          </a:bodyPr>
+          <a:lstStyle/>
+          <a:p>
+            <a:pPr marL="457200" lvl="0" indent="-311150" algn="l" rtl="0">
+              <a:spcBef>
+                <a:spcPts val="0"/>
+              </a:spcBef>
+              <a:spcAft>
+                <a:spcPts val="0"/>
+              </a:spcAft>
+              <a:buSzPts val="1300"/>
+              <a:buChar char="●"/>
+            </a:pPr>
+            <a:r>
+              <a:rPr lang="fr"/>
+              <a:t>activité unique JetPack Navigation</a:t>
+            </a:r>
+            <a:endParaRPr/>
+          </a:p>
+          <a:p>
+            <a:pPr marL="457200" lvl="0" indent="-311150" algn="l" rtl="0">
+              <a:spcBef>
+                <a:spcPts val="0"/>
+              </a:spcBef>
+              <a:spcAft>
+                <a:spcPts val="0"/>
+              </a:spcAft>
+              <a:buSzPts val="1300"/>
+              <a:buChar char="●"/>
+            </a:pPr>
+            <a:r>
+              <a:rPr lang="fr"/>
+              <a:t>plusieurs fragments</a:t>
+            </a:r>
+            <a:endParaRPr/>
+          </a:p>
+          <a:p>
+            <a:pPr marL="914400" lvl="1" indent="-298450" algn="l" rtl="0">
+              <a:spcBef>
+                <a:spcPts val="0"/>
+              </a:spcBef>
+              <a:spcAft>
+                <a:spcPts val="0"/>
+              </a:spcAft>
+              <a:buSzPts val="1100"/>
+              <a:buChar char="○"/>
+            </a:pPr>
+            <a:r>
+              <a:rPr lang="fr"/>
+              <a:t>comme des vues dans le cadre d’une activité</a:t>
+            </a:r>
+            <a:endParaRPr/>
+          </a:p>
+          <a:p>
+            <a:pPr marL="914400" lvl="1" indent="-298450" algn="l" rtl="0">
+              <a:spcBef>
+                <a:spcPts val="0"/>
+              </a:spcBef>
+              <a:spcAft>
+                <a:spcPts val="0"/>
+              </a:spcAft>
+              <a:buSzPts val="1100"/>
+              <a:buChar char="○"/>
+            </a:pPr>
+            <a:r>
+              <a:rPr lang="fr"/>
+              <a:t>implémentés dans une classe spécifique avec sa propre logique UI</a:t>
+            </a:r>
+            <a:endParaRPr/>
+          </a:p>
+          <a:p>
+            <a:pPr marL="914400" lvl="1" indent="-298450" algn="l" rtl="0">
+              <a:spcBef>
+                <a:spcPts val="0"/>
+              </a:spcBef>
+              <a:spcAft>
+                <a:spcPts val="0"/>
+              </a:spcAft>
+              <a:buSzPts val="1100"/>
+              <a:buChar char="○"/>
+            </a:pPr>
+            <a:r>
+              <a:rPr lang="fr"/>
+              <a:t>disposent de leur layout dédié</a:t>
+            </a:r>
+            <a:endParaRPr/>
+          </a:p>
+          <a:p>
+            <a:pPr marL="914400" lvl="1" indent="-298450" algn="l" rtl="0">
+              <a:spcBef>
+                <a:spcPts val="0"/>
+              </a:spcBef>
+              <a:spcAft>
+                <a:spcPts val="0"/>
+              </a:spcAft>
+              <a:buSzPts val="1100"/>
+              <a:buChar char="○"/>
+            </a:pPr>
+            <a:r>
+              <a:rPr lang="fr"/>
+              <a:t>ont les mêmes états de cycle de vie que les activités (les fonctions callback diffèrent)</a:t>
+            </a:r>
+            <a:endParaRPr/>
+          </a:p>
+          <a:p>
+            <a:pPr marL="457200" lvl="0" indent="-311150" algn="l" rtl="0">
+              <a:spcBef>
+                <a:spcPts val="0"/>
+              </a:spcBef>
+              <a:spcAft>
+                <a:spcPts val="0"/>
+              </a:spcAft>
+              <a:buSzPts val="1300"/>
+              <a:buChar char="●"/>
+            </a:pPr>
+            <a:r>
+              <a:rPr lang="fr"/>
+              <a:t>Le “NavHostFragment” agit comme un routeur et gère le “back stack” des fragments</a:t>
+            </a:r>
+            <a:endParaRPr/>
+          </a:p>
+          <a:p>
+            <a:pPr marL="914400" lvl="1" indent="-298450" algn="l" rtl="0">
+              <a:spcBef>
+                <a:spcPts val="0"/>
+              </a:spcBef>
+              <a:spcAft>
+                <a:spcPts val="0"/>
+              </a:spcAft>
+              <a:buSzPts val="1100"/>
+              <a:buChar char="○"/>
+            </a:pPr>
+            <a:r>
+              <a:rPr lang="fr"/>
+              <a:t>routage basé sur le “graphe de navigation” (connexions entre les fragments par le biais d’actions)</a:t>
+            </a:r>
+            <a:endParaRPr/>
+          </a:p>
+          <a:p>
+            <a:pPr marL="914400" lvl="1" indent="-298450" algn="l" rtl="0">
+              <a:spcBef>
+                <a:spcPts val="0"/>
+              </a:spcBef>
+              <a:spcAft>
+                <a:spcPts val="0"/>
+              </a:spcAft>
+              <a:buSzPts val="1100"/>
+              <a:buChar char="○"/>
+            </a:pPr>
+            <a:r>
+              <a:rPr lang="fr"/>
+              <a:t>clicklistener dans les classes des fragments pour déclencher la navigation</a:t>
+            </a:r>
+            <a:endParaRPr/>
+          </a:p>
+          <a:p>
+            <a:pPr marL="914400" lvl="1" indent="-298450" algn="l" rtl="0">
+              <a:spcBef>
+                <a:spcPts val="0"/>
+              </a:spcBef>
+              <a:spcAft>
+                <a:spcPts val="0"/>
+              </a:spcAft>
+              <a:buSzPts val="1100"/>
+              <a:buChar char="○"/>
+            </a:pPr>
+            <a:r>
+              <a:rPr lang="fr"/>
+              <a:t>appels à une instance du  “navigation controller” qui est la classe qui gère la navigation dans le NavHostFragment</a:t>
+            </a:r>
+            <a:endParaRPr/>
+          </a:p>
+          <a:p>
+            <a:pPr marL="457200" lvl="0" indent="-311150" algn="l" rtl="0">
+              <a:spcBef>
+                <a:spcPts val="0"/>
+              </a:spcBef>
+              <a:spcAft>
+                <a:spcPts val="0"/>
+              </a:spcAft>
+              <a:buSzPts val="1300"/>
+              <a:buChar char="●"/>
+            </a:pPr>
+            <a:r>
+              <a:rPr lang="fr"/>
+              <a:t>Transfert de données entre les différents fragments via : safe-arg</a:t>
+            </a:r>
+            <a:endParaRPr/>
+          </a:p>
+        </p:txBody>
+      </p:sp>
+    </p:spTree>
     <p:extLst>
       <p:ext uri="{BB962C8B-B14F-4D97-AF65-F5344CB8AC3E}">
         <p14:creationId xmlns:p14="http://schemas.microsoft.com/office/powerpoint/2010/main" val="2396760141"/>
@@ -12290,7 +13655,7 @@
 </p:sld>
 </file>
 
-<file path=ppt/slides/slide8.xml><?xml version="1.0" encoding="utf-8"?>
+<file path=ppt/slides/slide9.xml><?xml version="1.0" encoding="utf-8"?>
 <p:sld xmlns:a="http://schemas.openxmlformats.org/drawingml/2006/main" xmlns:r="http://schemas.openxmlformats.org/officeDocument/2006/relationships" xmlns:p="http://schemas.openxmlformats.org/presentationml/2006/main">
   <p:cSld>
     <p:spTree>
@@ -12503,116 +13868,6 @@
               <a:buSzPts val="1300"/>
               <a:buChar char="●"/>
             </a:pPr>
-            <a:endParaRPr/>
-          </a:p>
-        </p:txBody>
-      </p:sp>
-    </p:spTree>
-  </p:cSld>
-  <p:clrMapOvr>
-    <a:masterClrMapping/>
-  </p:clrMapOvr>
-</p:sld>
-</file>
-
-<file path=ppt/slides/slide9.xml><?xml version="1.0" encoding="utf-8"?>
-<p:sld xmlns:a="http://schemas.openxmlformats.org/drawingml/2006/main" xmlns:r="http://schemas.openxmlformats.org/officeDocument/2006/relationships" xmlns:p="http://schemas.openxmlformats.org/presentationml/2006/main">
-  <p:cSld>
-    <p:spTree>
-      <p:nvGrpSpPr>
-        <p:cNvPr id="1" name="Shape 164"/>
-        <p:cNvGrpSpPr/>
-        <p:nvPr/>
-      </p:nvGrpSpPr>
-      <p:grpSpPr>
-        <a:xfrm>
-          <a:off x="0" y="0"/>
-          <a:ext cx="0" cy="0"/>
-          <a:chOff x="0" y="0"/>
-          <a:chExt cx="0" cy="0"/>
-        </a:xfrm>
-      </p:grpSpPr>
-      <p:sp>
-        <p:nvSpPr>
-          <p:cNvPr id="165" name="Google Shape;165;p18"/>
-          <p:cNvSpPr txBox="1">
-            <a:spLocks noGrp="1"/>
-          </p:cNvSpPr>
-          <p:nvPr>
-            <p:ph type="title"/>
-          </p:nvPr>
-        </p:nvSpPr>
-        <p:spPr>
-          <a:xfrm>
-            <a:off x="1297500" y="393750"/>
-            <a:ext cx="7038900" cy="914100"/>
-          </a:xfrm>
-          <a:prstGeom prst="rect">
-            <a:avLst/>
-          </a:prstGeom>
-        </p:spPr>
-        <p:txBody>
-          <a:bodyPr spcFirstLastPara="1" wrap="square" lIns="91425" tIns="91425" rIns="91425" bIns="91425" anchor="t" anchorCtr="0">
-            <a:noAutofit/>
-          </a:bodyPr>
-          <a:lstStyle/>
-          <a:p>
-            <a:pPr marL="0" lvl="0" indent="0" algn="l" rtl="0">
-              <a:spcBef>
-                <a:spcPts val="0"/>
-              </a:spcBef>
-              <a:spcAft>
-                <a:spcPts val="0"/>
-              </a:spcAft>
-              <a:buNone/>
-            </a:pPr>
-            <a:r>
-              <a:rPr lang="fr"/>
-              <a:t>Scanner</a:t>
-            </a:r>
-            <a:endParaRPr/>
-          </a:p>
-        </p:txBody>
-      </p:sp>
-      <p:sp>
-        <p:nvSpPr>
-          <p:cNvPr id="166" name="Google Shape;166;p18"/>
-          <p:cNvSpPr txBox="1">
-            <a:spLocks noGrp="1"/>
-          </p:cNvSpPr>
-          <p:nvPr>
-            <p:ph type="body" idx="1"/>
-          </p:nvPr>
-        </p:nvSpPr>
-        <p:spPr>
-          <a:xfrm>
-            <a:off x="1297500" y="1567550"/>
-            <a:ext cx="7038900" cy="2911200"/>
-          </a:xfrm>
-          <a:prstGeom prst="rect">
-            <a:avLst/>
-          </a:prstGeom>
-        </p:spPr>
-        <p:txBody>
-          <a:bodyPr spcFirstLastPara="1" wrap="square" lIns="91425" tIns="91425" rIns="91425" bIns="91425" anchor="t" anchorCtr="0">
-            <a:noAutofit/>
-          </a:bodyPr>
-          <a:lstStyle/>
-          <a:p>
-            <a:pPr marL="457200" lvl="0" indent="-311150" algn="l" rtl="0">
-              <a:spcBef>
-                <a:spcPts val="0"/>
-              </a:spcBef>
-              <a:spcAft>
-                <a:spcPts val="0"/>
-              </a:spcAft>
-              <a:buSzPts val="1300"/>
-              <a:buChar char="●"/>
-            </a:pPr>
-            <a:r>
-              <a:rPr lang="fr"/>
-              <a:t>API : CameraX &amp; ZXing </a:t>
-            </a:r>
             <a:endParaRPr/>
           </a:p>
         </p:txBody>

--- a/presentation/food-scanner.pptx
+++ b/presentation/food-scanner.pptx
@@ -5,38 +5,36 @@
     <p:sldMasterId id="2147483659" r:id="rId1"/>
   </p:sldMasterIdLst>
   <p:notesMasterIdLst>
-    <p:notesMasterId r:id="rId14"/>
+    <p:notesMasterId r:id="rId12"/>
   </p:notesMasterIdLst>
   <p:sldIdLst>
     <p:sldId id="256" r:id="rId2"/>
     <p:sldId id="257" r:id="rId3"/>
-    <p:sldId id="258" r:id="rId4"/>
-    <p:sldId id="264" r:id="rId5"/>
-    <p:sldId id="267" r:id="rId6"/>
-    <p:sldId id="266" r:id="rId7"/>
-    <p:sldId id="259" r:id="rId8"/>
-    <p:sldId id="265" r:id="rId9"/>
-    <p:sldId id="260" r:id="rId10"/>
-    <p:sldId id="261" r:id="rId11"/>
-    <p:sldId id="262" r:id="rId12"/>
-    <p:sldId id="263" r:id="rId13"/>
+    <p:sldId id="264" r:id="rId4"/>
+    <p:sldId id="267" r:id="rId5"/>
+    <p:sldId id="266" r:id="rId6"/>
+    <p:sldId id="259" r:id="rId7"/>
+    <p:sldId id="260" r:id="rId8"/>
+    <p:sldId id="261" r:id="rId9"/>
+    <p:sldId id="262" r:id="rId10"/>
+    <p:sldId id="263" r:id="rId11"/>
   </p:sldIdLst>
   <p:sldSz cx="9144000" cy="5143500" type="screen16x9"/>
   <p:notesSz cx="6858000" cy="9144000"/>
   <p:embeddedFontLst>
     <p:embeddedFont>
       <p:font typeface="Lato" panose="020B0604020202020204" charset="0"/>
-      <p:regular r:id="rId15"/>
-      <p:bold r:id="rId16"/>
-      <p:italic r:id="rId17"/>
-      <p:boldItalic r:id="rId18"/>
+      <p:regular r:id="rId13"/>
+      <p:bold r:id="rId14"/>
+      <p:italic r:id="rId15"/>
+      <p:boldItalic r:id="rId16"/>
     </p:embeddedFont>
     <p:embeddedFont>
       <p:font typeface="Montserrat" panose="020B0604020202020204" charset="0"/>
-      <p:regular r:id="rId19"/>
-      <p:bold r:id="rId20"/>
-      <p:italic r:id="rId21"/>
-      <p:boldItalic r:id="rId22"/>
+      <p:regular r:id="rId17"/>
+      <p:bold r:id="rId18"/>
+      <p:italic r:id="rId19"/>
+      <p:boldItalic r:id="rId20"/>
     </p:embeddedFont>
   </p:embeddedFontLst>
   <p:defaultTextStyle>
@@ -837,214 +835,6 @@
   <p:cSld>
     <p:spTree>
       <p:nvGrpSpPr>
-        <p:cNvPr id="1" name="Shape 161"/>
-        <p:cNvGrpSpPr/>
-        <p:nvPr/>
-      </p:nvGrpSpPr>
-      <p:grpSpPr>
-        <a:xfrm>
-          <a:off x="0" y="0"/>
-          <a:ext cx="0" cy="0"/>
-          <a:chOff x="0" y="0"/>
-          <a:chExt cx="0" cy="0"/>
-        </a:xfrm>
-      </p:grpSpPr>
-      <p:sp>
-        <p:nvSpPr>
-          <p:cNvPr id="162" name="Google Shape;162;ga20f19b2f2_0_1507:notes"/>
-          <p:cNvSpPr>
-            <a:spLocks noGrp="1" noRot="1" noChangeAspect="1"/>
-          </p:cNvSpPr>
-          <p:nvPr>
-            <p:ph type="sldImg" idx="2"/>
-          </p:nvPr>
-        </p:nvSpPr>
-        <p:spPr>
-          <a:xfrm>
-            <a:off x="381300" y="685800"/>
-            <a:ext cx="6096000" cy="3429000"/>
-          </a:xfrm>
-          <a:custGeom>
-            <a:avLst/>
-            <a:gdLst/>
-            <a:ahLst/>
-            <a:cxnLst/>
-            <a:rect l="l" t="t" r="r" b="b"/>
-            <a:pathLst>
-              <a:path w="120000" h="120000" extrusionOk="0">
-                <a:moveTo>
-                  <a:pt x="0" y="0"/>
-                </a:moveTo>
-                <a:lnTo>
-                  <a:pt x="120000" y="0"/>
-                </a:lnTo>
-                <a:lnTo>
-                  <a:pt x="120000" y="120000"/>
-                </a:lnTo>
-                <a:lnTo>
-                  <a:pt x="0" y="120000"/>
-                </a:lnTo>
-                <a:close/>
-              </a:path>
-            </a:pathLst>
-          </a:custGeom>
-        </p:spPr>
-      </p:sp>
-      <p:sp>
-        <p:nvSpPr>
-          <p:cNvPr id="163" name="Google Shape;163;ga20f19b2f2_0_1507:notes"/>
-          <p:cNvSpPr txBox="1">
-            <a:spLocks noGrp="1"/>
-          </p:cNvSpPr>
-          <p:nvPr>
-            <p:ph type="body" idx="1"/>
-          </p:nvPr>
-        </p:nvSpPr>
-        <p:spPr>
-          <a:xfrm>
-            <a:off x="685800" y="4343400"/>
-            <a:ext cx="5486400" cy="4114800"/>
-          </a:xfrm>
-          <a:prstGeom prst="rect">
-            <a:avLst/>
-          </a:prstGeom>
-        </p:spPr>
-        <p:txBody>
-          <a:bodyPr spcFirstLastPara="1" wrap="square" lIns="91425" tIns="91425" rIns="91425" bIns="91425" anchor="t" anchorCtr="0">
-            <a:noAutofit/>
-          </a:bodyPr>
-          <a:lstStyle/>
-          <a:p>
-            <a:pPr marL="0" lvl="0" indent="0" algn="l" rtl="0">
-              <a:spcBef>
-                <a:spcPts val="0"/>
-              </a:spcBef>
-              <a:spcAft>
-                <a:spcPts val="0"/>
-              </a:spcAft>
-              <a:buNone/>
-            </a:pPr>
-            <a:endParaRPr/>
-          </a:p>
-        </p:txBody>
-      </p:sp>
-    </p:spTree>
-  </p:cSld>
-  <p:clrMapOvr>
-    <a:masterClrMapping/>
-  </p:clrMapOvr>
-</p:notes>
-</file>
-
-<file path=ppt/notesSlides/notesSlide11.xml><?xml version="1.0" encoding="utf-8"?>
-<p:notes xmlns:a="http://schemas.openxmlformats.org/drawingml/2006/main" xmlns:r="http://schemas.openxmlformats.org/officeDocument/2006/relationships" xmlns:p="http://schemas.openxmlformats.org/presentationml/2006/main" showMasterSp="0" showMasterPhAnim="0">
-  <p:cSld>
-    <p:spTree>
-      <p:nvGrpSpPr>
-        <p:cNvPr id="1" name="Shape 167"/>
-        <p:cNvGrpSpPr/>
-        <p:nvPr/>
-      </p:nvGrpSpPr>
-      <p:grpSpPr>
-        <a:xfrm>
-          <a:off x="0" y="0"/>
-          <a:ext cx="0" cy="0"/>
-          <a:chOff x="0" y="0"/>
-          <a:chExt cx="0" cy="0"/>
-        </a:xfrm>
-      </p:grpSpPr>
-      <p:sp>
-        <p:nvSpPr>
-          <p:cNvPr id="168" name="Google Shape;168;ga20f19b2f2_0_1513:notes"/>
-          <p:cNvSpPr>
-            <a:spLocks noGrp="1" noRot="1" noChangeAspect="1"/>
-          </p:cNvSpPr>
-          <p:nvPr>
-            <p:ph type="sldImg" idx="2"/>
-          </p:nvPr>
-        </p:nvSpPr>
-        <p:spPr>
-          <a:xfrm>
-            <a:off x="381000" y="685800"/>
-            <a:ext cx="6096000" cy="3429000"/>
-          </a:xfrm>
-          <a:custGeom>
-            <a:avLst/>
-            <a:gdLst/>
-            <a:ahLst/>
-            <a:cxnLst/>
-            <a:rect l="l" t="t" r="r" b="b"/>
-            <a:pathLst>
-              <a:path w="120000" h="120000" extrusionOk="0">
-                <a:moveTo>
-                  <a:pt x="0" y="0"/>
-                </a:moveTo>
-                <a:lnTo>
-                  <a:pt x="120000" y="0"/>
-                </a:lnTo>
-                <a:lnTo>
-                  <a:pt x="120000" y="120000"/>
-                </a:lnTo>
-                <a:lnTo>
-                  <a:pt x="0" y="120000"/>
-                </a:lnTo>
-                <a:close/>
-              </a:path>
-            </a:pathLst>
-          </a:custGeom>
-        </p:spPr>
-      </p:sp>
-      <p:sp>
-        <p:nvSpPr>
-          <p:cNvPr id="169" name="Google Shape;169;ga20f19b2f2_0_1513:notes"/>
-          <p:cNvSpPr txBox="1">
-            <a:spLocks noGrp="1"/>
-          </p:cNvSpPr>
-          <p:nvPr>
-            <p:ph type="body" idx="1"/>
-          </p:nvPr>
-        </p:nvSpPr>
-        <p:spPr>
-          <a:xfrm>
-            <a:off x="685800" y="4343400"/>
-            <a:ext cx="5486400" cy="4114800"/>
-          </a:xfrm>
-          <a:prstGeom prst="rect">
-            <a:avLst/>
-          </a:prstGeom>
-        </p:spPr>
-        <p:txBody>
-          <a:bodyPr spcFirstLastPara="1" wrap="square" lIns="91425" tIns="91425" rIns="91425" bIns="91425" anchor="t" anchorCtr="0">
-            <a:noAutofit/>
-          </a:bodyPr>
-          <a:lstStyle/>
-          <a:p>
-            <a:pPr marL="0" lvl="0" indent="0" algn="l" rtl="0">
-              <a:spcBef>
-                <a:spcPts val="0"/>
-              </a:spcBef>
-              <a:spcAft>
-                <a:spcPts val="0"/>
-              </a:spcAft>
-              <a:buNone/>
-            </a:pPr>
-            <a:endParaRPr/>
-          </a:p>
-        </p:txBody>
-      </p:sp>
-    </p:spTree>
-  </p:cSld>
-  <p:clrMapOvr>
-    <a:masterClrMapping/>
-  </p:clrMapOvr>
-</p:notes>
-</file>
-
-<file path=ppt/notesSlides/notesSlide12.xml><?xml version="1.0" encoding="utf-8"?>
-<p:notes xmlns:a="http://schemas.openxmlformats.org/drawingml/2006/main" xmlns:r="http://schemas.openxmlformats.org/officeDocument/2006/relationships" xmlns:p="http://schemas.openxmlformats.org/presentationml/2006/main" showMasterSp="0" showMasterPhAnim="0">
-  <p:cSld>
-    <p:spTree>
-      <p:nvGrpSpPr>
         <p:cNvPr id="1" name="Shape 173"/>
         <p:cNvGrpSpPr/>
         <p:nvPr/>
@@ -1069,7 +859,7 @@
         </p:nvSpPr>
         <p:spPr>
           <a:xfrm>
-            <a:off x="381300" y="685800"/>
+            <a:off x="381000" y="685800"/>
             <a:ext cx="6096000" cy="3429000"/>
           </a:xfrm>
           <a:custGeom>
@@ -1173,7 +963,7 @@
         </p:nvSpPr>
         <p:spPr>
           <a:xfrm>
-            <a:off x="381300" y="685800"/>
+            <a:off x="381000" y="685800"/>
             <a:ext cx="6096000" cy="3429000"/>
           </a:xfrm>
           <a:custGeom>
@@ -1277,7 +1067,7 @@
         </p:nvSpPr>
         <p:spPr>
           <a:xfrm>
-            <a:off x="381300" y="685800"/>
+            <a:off x="381000" y="685800"/>
             <a:ext cx="6096000" cy="3429000"/>
           </a:xfrm>
           <a:custGeom>
@@ -1345,6 +1135,11 @@
         </p:txBody>
       </p:sp>
     </p:spTree>
+    <p:extLst>
+      <p:ext uri="{BB962C8B-B14F-4D97-AF65-F5344CB8AC3E}">
+        <p14:creationId xmlns:p14="http://schemas.microsoft.com/office/powerpoint/2010/main" val="2335751318"/>
+      </p:ext>
+    </p:extLst>
   </p:cSld>
   <p:clrMapOvr>
     <a:masterClrMapping/>
@@ -1451,7 +1246,7 @@
     </p:spTree>
     <p:extLst>
       <p:ext uri="{BB962C8B-B14F-4D97-AF65-F5344CB8AC3E}">
-        <p14:creationId xmlns:p14="http://schemas.microsoft.com/office/powerpoint/2010/main" val="2335751318"/>
+        <p14:creationId xmlns:p14="http://schemas.microsoft.com/office/powerpoint/2010/main" val="2136515222"/>
       </p:ext>
     </p:extLst>
   </p:cSld>
@@ -1560,7 +1355,7 @@
     </p:spTree>
     <p:extLst>
       <p:ext uri="{BB962C8B-B14F-4D97-AF65-F5344CB8AC3E}">
-        <p14:creationId xmlns:p14="http://schemas.microsoft.com/office/powerpoint/2010/main" val="2136515222"/>
+        <p14:creationId xmlns:p14="http://schemas.microsoft.com/office/powerpoint/2010/main" val="2837421544"/>
       </p:ext>
     </p:extLst>
   </p:cSld>
@@ -1571,219 +1366,6 @@
 </file>
 
 <file path=ppt/notesSlides/notesSlide6.xml><?xml version="1.0" encoding="utf-8"?>
-<p:notes xmlns:a="http://schemas.openxmlformats.org/drawingml/2006/main" xmlns:r="http://schemas.openxmlformats.org/officeDocument/2006/relationships" xmlns:p="http://schemas.openxmlformats.org/presentationml/2006/main" showMasterSp="0" showMasterPhAnim="0">
-  <p:cSld>
-    <p:spTree>
-      <p:nvGrpSpPr>
-        <p:cNvPr id="1" name="Shape 143"/>
-        <p:cNvGrpSpPr/>
-        <p:nvPr/>
-      </p:nvGrpSpPr>
-      <p:grpSpPr>
-        <a:xfrm>
-          <a:off x="0" y="0"/>
-          <a:ext cx="0" cy="0"/>
-          <a:chOff x="0" y="0"/>
-          <a:chExt cx="0" cy="0"/>
-        </a:xfrm>
-      </p:grpSpPr>
-      <p:sp>
-        <p:nvSpPr>
-          <p:cNvPr id="144" name="Google Shape;144;ga20f19b2f2_0_265:notes"/>
-          <p:cNvSpPr>
-            <a:spLocks noGrp="1" noRot="1" noChangeAspect="1"/>
-          </p:cNvSpPr>
-          <p:nvPr>
-            <p:ph type="sldImg" idx="2"/>
-          </p:nvPr>
-        </p:nvSpPr>
-        <p:spPr>
-          <a:xfrm>
-            <a:off x="381000" y="685800"/>
-            <a:ext cx="6096000" cy="3429000"/>
-          </a:xfrm>
-          <a:custGeom>
-            <a:avLst/>
-            <a:gdLst/>
-            <a:ahLst/>
-            <a:cxnLst/>
-            <a:rect l="l" t="t" r="r" b="b"/>
-            <a:pathLst>
-              <a:path w="120000" h="120000" extrusionOk="0">
-                <a:moveTo>
-                  <a:pt x="0" y="0"/>
-                </a:moveTo>
-                <a:lnTo>
-                  <a:pt x="120000" y="0"/>
-                </a:lnTo>
-                <a:lnTo>
-                  <a:pt x="120000" y="120000"/>
-                </a:lnTo>
-                <a:lnTo>
-                  <a:pt x="0" y="120000"/>
-                </a:lnTo>
-                <a:close/>
-              </a:path>
-            </a:pathLst>
-          </a:custGeom>
-        </p:spPr>
-      </p:sp>
-      <p:sp>
-        <p:nvSpPr>
-          <p:cNvPr id="145" name="Google Shape;145;ga20f19b2f2_0_265:notes"/>
-          <p:cNvSpPr txBox="1">
-            <a:spLocks noGrp="1"/>
-          </p:cNvSpPr>
-          <p:nvPr>
-            <p:ph type="body" idx="1"/>
-          </p:nvPr>
-        </p:nvSpPr>
-        <p:spPr>
-          <a:xfrm>
-            <a:off x="685800" y="4343400"/>
-            <a:ext cx="5486400" cy="4114800"/>
-          </a:xfrm>
-          <a:prstGeom prst="rect">
-            <a:avLst/>
-          </a:prstGeom>
-        </p:spPr>
-        <p:txBody>
-          <a:bodyPr spcFirstLastPara="1" wrap="square" lIns="91425" tIns="91425" rIns="91425" bIns="91425" anchor="t" anchorCtr="0">
-            <a:noAutofit/>
-          </a:bodyPr>
-          <a:lstStyle/>
-          <a:p>
-            <a:pPr marL="0" lvl="0" indent="0" algn="l" rtl="0">
-              <a:spcBef>
-                <a:spcPts val="0"/>
-              </a:spcBef>
-              <a:spcAft>
-                <a:spcPts val="0"/>
-              </a:spcAft>
-              <a:buNone/>
-            </a:pPr>
-            <a:endParaRPr/>
-          </a:p>
-        </p:txBody>
-      </p:sp>
-    </p:spTree>
-    <p:extLst>
-      <p:ext uri="{BB962C8B-B14F-4D97-AF65-F5344CB8AC3E}">
-        <p14:creationId xmlns:p14="http://schemas.microsoft.com/office/powerpoint/2010/main" val="2837421544"/>
-      </p:ext>
-    </p:extLst>
-  </p:cSld>
-  <p:clrMapOvr>
-    <a:masterClrMapping/>
-  </p:clrMapOvr>
-</p:notes>
-</file>
-
-<file path=ppt/notesSlides/notesSlide7.xml><?xml version="1.0" encoding="utf-8"?>
-<p:notes xmlns:a="http://schemas.openxmlformats.org/drawingml/2006/main" xmlns:r="http://schemas.openxmlformats.org/officeDocument/2006/relationships" xmlns:p="http://schemas.openxmlformats.org/presentationml/2006/main" showMasterSp="0" showMasterPhAnim="0">
-  <p:cSld>
-    <p:spTree>
-      <p:nvGrpSpPr>
-        <p:cNvPr id="1" name="Shape 149"/>
-        <p:cNvGrpSpPr/>
-        <p:nvPr/>
-      </p:nvGrpSpPr>
-      <p:grpSpPr>
-        <a:xfrm>
-          <a:off x="0" y="0"/>
-          <a:ext cx="0" cy="0"/>
-          <a:chOff x="0" y="0"/>
-          <a:chExt cx="0" cy="0"/>
-        </a:xfrm>
-      </p:grpSpPr>
-      <p:sp>
-        <p:nvSpPr>
-          <p:cNvPr id="150" name="Google Shape;150;ga20f19b2f2_0_1524:notes"/>
-          <p:cNvSpPr>
-            <a:spLocks noGrp="1" noRot="1" noChangeAspect="1"/>
-          </p:cNvSpPr>
-          <p:nvPr>
-            <p:ph type="sldImg" idx="2"/>
-          </p:nvPr>
-        </p:nvSpPr>
-        <p:spPr>
-          <a:xfrm>
-            <a:off x="381300" y="685800"/>
-            <a:ext cx="6096000" cy="3429000"/>
-          </a:xfrm>
-          <a:custGeom>
-            <a:avLst/>
-            <a:gdLst/>
-            <a:ahLst/>
-            <a:cxnLst/>
-            <a:rect l="l" t="t" r="r" b="b"/>
-            <a:pathLst>
-              <a:path w="120000" h="120000" extrusionOk="0">
-                <a:moveTo>
-                  <a:pt x="0" y="0"/>
-                </a:moveTo>
-                <a:lnTo>
-                  <a:pt x="120000" y="0"/>
-                </a:lnTo>
-                <a:lnTo>
-                  <a:pt x="120000" y="120000"/>
-                </a:lnTo>
-                <a:lnTo>
-                  <a:pt x="0" y="120000"/>
-                </a:lnTo>
-                <a:close/>
-              </a:path>
-            </a:pathLst>
-          </a:custGeom>
-        </p:spPr>
-      </p:sp>
-      <p:sp>
-        <p:nvSpPr>
-          <p:cNvPr id="151" name="Google Shape;151;ga20f19b2f2_0_1524:notes"/>
-          <p:cNvSpPr txBox="1">
-            <a:spLocks noGrp="1"/>
-          </p:cNvSpPr>
-          <p:nvPr>
-            <p:ph type="body" idx="1"/>
-          </p:nvPr>
-        </p:nvSpPr>
-        <p:spPr>
-          <a:xfrm>
-            <a:off x="685800" y="4343400"/>
-            <a:ext cx="5486400" cy="4114800"/>
-          </a:xfrm>
-          <a:prstGeom prst="rect">
-            <a:avLst/>
-          </a:prstGeom>
-        </p:spPr>
-        <p:txBody>
-          <a:bodyPr spcFirstLastPara="1" wrap="square" lIns="91425" tIns="91425" rIns="91425" bIns="91425" anchor="t" anchorCtr="0">
-            <a:noAutofit/>
-          </a:bodyPr>
-          <a:lstStyle/>
-          <a:p>
-            <a:pPr marL="0" lvl="0" indent="0" algn="l" rtl="0">
-              <a:spcBef>
-                <a:spcPts val="0"/>
-              </a:spcBef>
-              <a:spcAft>
-                <a:spcPts val="0"/>
-              </a:spcAft>
-              <a:buNone/>
-            </a:pPr>
-            <a:endParaRPr/>
-          </a:p>
-        </p:txBody>
-      </p:sp>
-    </p:spTree>
-  </p:cSld>
-  <p:clrMapOvr>
-    <a:masterClrMapping/>
-  </p:clrMapOvr>
-</p:notes>
-</file>
-
-<file path=ppt/notesSlides/notesSlide8.xml><?xml version="1.0" encoding="utf-8"?>
 <p:notes xmlns:a="http://schemas.openxmlformats.org/drawingml/2006/main" xmlns:r="http://schemas.openxmlformats.org/officeDocument/2006/relationships" xmlns:p="http://schemas.openxmlformats.org/presentationml/2006/main" showMasterSp="0" showMasterPhAnim="0">
   <p:cSld>
     <p:spTree>
@@ -1880,11 +1462,6 @@
         </p:txBody>
       </p:sp>
     </p:spTree>
-    <p:extLst>
-      <p:ext uri="{BB962C8B-B14F-4D97-AF65-F5344CB8AC3E}">
-        <p14:creationId xmlns:p14="http://schemas.microsoft.com/office/powerpoint/2010/main" val="3912021441"/>
-      </p:ext>
-    </p:extLst>
   </p:cSld>
   <p:clrMapOvr>
     <a:masterClrMapping/>
@@ -1892,7 +1469,7 @@
 </p:notes>
 </file>
 
-<file path=ppt/notesSlides/notesSlide9.xml><?xml version="1.0" encoding="utf-8"?>
+<file path=ppt/notesSlides/notesSlide7.xml><?xml version="1.0" encoding="utf-8"?>
 <p:notes xmlns:a="http://schemas.openxmlformats.org/drawingml/2006/main" xmlns:r="http://schemas.openxmlformats.org/officeDocument/2006/relationships" xmlns:p="http://schemas.openxmlformats.org/presentationml/2006/main" showMasterSp="0" showMasterPhAnim="0">
   <p:cSld>
     <p:spTree>
@@ -1912,6 +1489,110 @@
       <p:sp>
         <p:nvSpPr>
           <p:cNvPr id="156" name="Google Shape;156;ga20f19b2f2_0_1531:notes"/>
+          <p:cNvSpPr>
+            <a:spLocks noGrp="1" noRot="1" noChangeAspect="1"/>
+          </p:cNvSpPr>
+          <p:nvPr>
+            <p:ph type="sldImg" idx="2"/>
+          </p:nvPr>
+        </p:nvSpPr>
+        <p:spPr>
+          <a:xfrm>
+            <a:off x="381000" y="685800"/>
+            <a:ext cx="6096000" cy="3429000"/>
+          </a:xfrm>
+          <a:custGeom>
+            <a:avLst/>
+            <a:gdLst/>
+            <a:ahLst/>
+            <a:cxnLst/>
+            <a:rect l="l" t="t" r="r" b="b"/>
+            <a:pathLst>
+              <a:path w="120000" h="120000" extrusionOk="0">
+                <a:moveTo>
+                  <a:pt x="0" y="0"/>
+                </a:moveTo>
+                <a:lnTo>
+                  <a:pt x="120000" y="0"/>
+                </a:lnTo>
+                <a:lnTo>
+                  <a:pt x="120000" y="120000"/>
+                </a:lnTo>
+                <a:lnTo>
+                  <a:pt x="0" y="120000"/>
+                </a:lnTo>
+                <a:close/>
+              </a:path>
+            </a:pathLst>
+          </a:custGeom>
+        </p:spPr>
+      </p:sp>
+      <p:sp>
+        <p:nvSpPr>
+          <p:cNvPr id="157" name="Google Shape;157;ga20f19b2f2_0_1531:notes"/>
+          <p:cNvSpPr txBox="1">
+            <a:spLocks noGrp="1"/>
+          </p:cNvSpPr>
+          <p:nvPr>
+            <p:ph type="body" idx="1"/>
+          </p:nvPr>
+        </p:nvSpPr>
+        <p:spPr>
+          <a:xfrm>
+            <a:off x="685800" y="4343400"/>
+            <a:ext cx="5486400" cy="4114800"/>
+          </a:xfrm>
+          <a:prstGeom prst="rect">
+            <a:avLst/>
+          </a:prstGeom>
+        </p:spPr>
+        <p:txBody>
+          <a:bodyPr spcFirstLastPara="1" wrap="square" lIns="91425" tIns="91425" rIns="91425" bIns="91425" anchor="t" anchorCtr="0">
+            <a:noAutofit/>
+          </a:bodyPr>
+          <a:lstStyle/>
+          <a:p>
+            <a:pPr marL="0" lvl="0" indent="0" algn="l" rtl="0">
+              <a:spcBef>
+                <a:spcPts val="0"/>
+              </a:spcBef>
+              <a:spcAft>
+                <a:spcPts val="0"/>
+              </a:spcAft>
+              <a:buNone/>
+            </a:pPr>
+            <a:endParaRPr/>
+          </a:p>
+        </p:txBody>
+      </p:sp>
+    </p:spTree>
+  </p:cSld>
+  <p:clrMapOvr>
+    <a:masterClrMapping/>
+  </p:clrMapOvr>
+</p:notes>
+</file>
+
+<file path=ppt/notesSlides/notesSlide8.xml><?xml version="1.0" encoding="utf-8"?>
+<p:notes xmlns:a="http://schemas.openxmlformats.org/drawingml/2006/main" xmlns:r="http://schemas.openxmlformats.org/officeDocument/2006/relationships" xmlns:p="http://schemas.openxmlformats.org/presentationml/2006/main" showMasterSp="0" showMasterPhAnim="0">
+  <p:cSld>
+    <p:spTree>
+      <p:nvGrpSpPr>
+        <p:cNvPr id="1" name="Shape 161"/>
+        <p:cNvGrpSpPr/>
+        <p:nvPr/>
+      </p:nvGrpSpPr>
+      <p:grpSpPr>
+        <a:xfrm>
+          <a:off x="0" y="0"/>
+          <a:ext cx="0" cy="0"/>
+          <a:chOff x="0" y="0"/>
+          <a:chExt cx="0" cy="0"/>
+        </a:xfrm>
+      </p:grpSpPr>
+      <p:sp>
+        <p:nvSpPr>
+          <p:cNvPr id="162" name="Google Shape;162;ga20f19b2f2_0_1507:notes"/>
           <p:cNvSpPr>
             <a:spLocks noGrp="1" noRot="1" noChangeAspect="1"/>
           </p:cNvSpPr>
@@ -1952,7 +1633,111 @@
       </p:sp>
       <p:sp>
         <p:nvSpPr>
-          <p:cNvPr id="157" name="Google Shape;157;ga20f19b2f2_0_1531:notes"/>
+          <p:cNvPr id="163" name="Google Shape;163;ga20f19b2f2_0_1507:notes"/>
+          <p:cNvSpPr txBox="1">
+            <a:spLocks noGrp="1"/>
+          </p:cNvSpPr>
+          <p:nvPr>
+            <p:ph type="body" idx="1"/>
+          </p:nvPr>
+        </p:nvSpPr>
+        <p:spPr>
+          <a:xfrm>
+            <a:off x="685800" y="4343400"/>
+            <a:ext cx="5486400" cy="4114800"/>
+          </a:xfrm>
+          <a:prstGeom prst="rect">
+            <a:avLst/>
+          </a:prstGeom>
+        </p:spPr>
+        <p:txBody>
+          <a:bodyPr spcFirstLastPara="1" wrap="square" lIns="91425" tIns="91425" rIns="91425" bIns="91425" anchor="t" anchorCtr="0">
+            <a:noAutofit/>
+          </a:bodyPr>
+          <a:lstStyle/>
+          <a:p>
+            <a:pPr marL="0" lvl="0" indent="0" algn="l" rtl="0">
+              <a:spcBef>
+                <a:spcPts val="0"/>
+              </a:spcBef>
+              <a:spcAft>
+                <a:spcPts val="0"/>
+              </a:spcAft>
+              <a:buNone/>
+            </a:pPr>
+            <a:endParaRPr/>
+          </a:p>
+        </p:txBody>
+      </p:sp>
+    </p:spTree>
+  </p:cSld>
+  <p:clrMapOvr>
+    <a:masterClrMapping/>
+  </p:clrMapOvr>
+</p:notes>
+</file>
+
+<file path=ppt/notesSlides/notesSlide9.xml><?xml version="1.0" encoding="utf-8"?>
+<p:notes xmlns:a="http://schemas.openxmlformats.org/drawingml/2006/main" xmlns:r="http://schemas.openxmlformats.org/officeDocument/2006/relationships" xmlns:p="http://schemas.openxmlformats.org/presentationml/2006/main" showMasterSp="0" showMasterPhAnim="0">
+  <p:cSld>
+    <p:spTree>
+      <p:nvGrpSpPr>
+        <p:cNvPr id="1" name="Shape 167"/>
+        <p:cNvGrpSpPr/>
+        <p:nvPr/>
+      </p:nvGrpSpPr>
+      <p:grpSpPr>
+        <a:xfrm>
+          <a:off x="0" y="0"/>
+          <a:ext cx="0" cy="0"/>
+          <a:chOff x="0" y="0"/>
+          <a:chExt cx="0" cy="0"/>
+        </a:xfrm>
+      </p:grpSpPr>
+      <p:sp>
+        <p:nvSpPr>
+          <p:cNvPr id="168" name="Google Shape;168;ga20f19b2f2_0_1513:notes"/>
+          <p:cNvSpPr>
+            <a:spLocks noGrp="1" noRot="1" noChangeAspect="1"/>
+          </p:cNvSpPr>
+          <p:nvPr>
+            <p:ph type="sldImg" idx="2"/>
+          </p:nvPr>
+        </p:nvSpPr>
+        <p:spPr>
+          <a:xfrm>
+            <a:off x="381000" y="685800"/>
+            <a:ext cx="6096000" cy="3429000"/>
+          </a:xfrm>
+          <a:custGeom>
+            <a:avLst/>
+            <a:gdLst/>
+            <a:ahLst/>
+            <a:cxnLst/>
+            <a:rect l="l" t="t" r="r" b="b"/>
+            <a:pathLst>
+              <a:path w="120000" h="120000" extrusionOk="0">
+                <a:moveTo>
+                  <a:pt x="0" y="0"/>
+                </a:moveTo>
+                <a:lnTo>
+                  <a:pt x="120000" y="0"/>
+                </a:lnTo>
+                <a:lnTo>
+                  <a:pt x="120000" y="120000"/>
+                </a:lnTo>
+                <a:lnTo>
+                  <a:pt x="0" y="120000"/>
+                </a:lnTo>
+                <a:close/>
+              </a:path>
+            </a:pathLst>
+          </a:custGeom>
+        </p:spPr>
+      </p:sp>
+      <p:sp>
+        <p:nvSpPr>
+          <p:cNvPr id="169" name="Google Shape;169;ga20f19b2f2_0_1513:notes"/>
           <p:cNvSpPr txBox="1">
             <a:spLocks noGrp="1"/>
           </p:cNvSpPr>
@@ -10232,412 +10017,6 @@
   <p:cSld>
     <p:spTree>
       <p:nvGrpSpPr>
-        <p:cNvPr id="1" name="Shape 164"/>
-        <p:cNvGrpSpPr/>
-        <p:nvPr/>
-      </p:nvGrpSpPr>
-      <p:grpSpPr>
-        <a:xfrm>
-          <a:off x="0" y="0"/>
-          <a:ext cx="0" cy="0"/>
-          <a:chOff x="0" y="0"/>
-          <a:chExt cx="0" cy="0"/>
-        </a:xfrm>
-      </p:grpSpPr>
-      <p:sp>
-        <p:nvSpPr>
-          <p:cNvPr id="165" name="Google Shape;165;p18"/>
-          <p:cNvSpPr txBox="1">
-            <a:spLocks noGrp="1"/>
-          </p:cNvSpPr>
-          <p:nvPr>
-            <p:ph type="title"/>
-          </p:nvPr>
-        </p:nvSpPr>
-        <p:spPr>
-          <a:xfrm>
-            <a:off x="1297500" y="393750"/>
-            <a:ext cx="7038900" cy="914100"/>
-          </a:xfrm>
-          <a:prstGeom prst="rect">
-            <a:avLst/>
-          </a:prstGeom>
-        </p:spPr>
-        <p:txBody>
-          <a:bodyPr spcFirstLastPara="1" wrap="square" lIns="91425" tIns="91425" rIns="91425" bIns="91425" anchor="t" anchorCtr="0">
-            <a:noAutofit/>
-          </a:bodyPr>
-          <a:lstStyle/>
-          <a:p>
-            <a:pPr marL="0" lvl="0" indent="0" algn="l" rtl="0">
-              <a:spcBef>
-                <a:spcPts val="0"/>
-              </a:spcBef>
-              <a:spcAft>
-                <a:spcPts val="0"/>
-              </a:spcAft>
-              <a:buNone/>
-            </a:pPr>
-            <a:r>
-              <a:rPr lang="fr"/>
-              <a:t>Scanner</a:t>
-            </a:r>
-            <a:endParaRPr/>
-          </a:p>
-        </p:txBody>
-      </p:sp>
-      <p:sp>
-        <p:nvSpPr>
-          <p:cNvPr id="166" name="Google Shape;166;p18"/>
-          <p:cNvSpPr txBox="1">
-            <a:spLocks noGrp="1"/>
-          </p:cNvSpPr>
-          <p:nvPr>
-            <p:ph type="body" idx="1"/>
-          </p:nvPr>
-        </p:nvSpPr>
-        <p:spPr>
-          <a:xfrm>
-            <a:off x="1297500" y="1567550"/>
-            <a:ext cx="7038900" cy="2911200"/>
-          </a:xfrm>
-          <a:prstGeom prst="rect">
-            <a:avLst/>
-          </a:prstGeom>
-        </p:spPr>
-        <p:txBody>
-          <a:bodyPr spcFirstLastPara="1" wrap="square" lIns="91425" tIns="91425" rIns="91425" bIns="91425" anchor="t" anchorCtr="0">
-            <a:noAutofit/>
-          </a:bodyPr>
-          <a:lstStyle/>
-          <a:p>
-            <a:pPr marL="457200" lvl="0" indent="-311150" algn="l" rtl="0">
-              <a:spcBef>
-                <a:spcPts val="0"/>
-              </a:spcBef>
-              <a:spcAft>
-                <a:spcPts val="0"/>
-              </a:spcAft>
-              <a:buSzPts val="1300"/>
-              <a:buChar char="●"/>
-            </a:pPr>
-            <a:r>
-              <a:rPr lang="fr"/>
-              <a:t>API : CameraX &amp; ZXing </a:t>
-            </a:r>
-            <a:endParaRPr/>
-          </a:p>
-        </p:txBody>
-      </p:sp>
-    </p:spTree>
-  </p:cSld>
-  <p:clrMapOvr>
-    <a:masterClrMapping/>
-  </p:clrMapOvr>
-</p:sld>
-</file>
-
-<file path=ppt/slides/slide11.xml><?xml version="1.0" encoding="utf-8"?>
-<p:sld xmlns:a="http://schemas.openxmlformats.org/drawingml/2006/main" xmlns:r="http://schemas.openxmlformats.org/officeDocument/2006/relationships" xmlns:p="http://schemas.openxmlformats.org/presentationml/2006/main">
-  <p:cSld>
-    <p:spTree>
-      <p:nvGrpSpPr>
-        <p:cNvPr id="1" name="Shape 170"/>
-        <p:cNvGrpSpPr/>
-        <p:nvPr/>
-      </p:nvGrpSpPr>
-      <p:grpSpPr>
-        <a:xfrm>
-          <a:off x="0" y="0"/>
-          <a:ext cx="0" cy="0"/>
-          <a:chOff x="0" y="0"/>
-          <a:chExt cx="0" cy="0"/>
-        </a:xfrm>
-      </p:grpSpPr>
-      <p:sp>
-        <p:nvSpPr>
-          <p:cNvPr id="171" name="Google Shape;171;p19"/>
-          <p:cNvSpPr txBox="1">
-            <a:spLocks noGrp="1"/>
-          </p:cNvSpPr>
-          <p:nvPr>
-            <p:ph type="title"/>
-          </p:nvPr>
-        </p:nvSpPr>
-        <p:spPr>
-          <a:xfrm>
-            <a:off x="1297500" y="393750"/>
-            <a:ext cx="7038900" cy="914100"/>
-          </a:xfrm>
-          <a:prstGeom prst="rect">
-            <a:avLst/>
-          </a:prstGeom>
-        </p:spPr>
-        <p:txBody>
-          <a:bodyPr spcFirstLastPara="1" wrap="square" lIns="91425" tIns="91425" rIns="91425" bIns="91425" anchor="t" anchorCtr="0">
-            <a:noAutofit/>
-          </a:bodyPr>
-          <a:lstStyle/>
-          <a:p>
-            <a:pPr marL="0" lvl="0" indent="0" algn="l" rtl="0">
-              <a:spcBef>
-                <a:spcPts val="0"/>
-              </a:spcBef>
-              <a:spcAft>
-                <a:spcPts val="0"/>
-              </a:spcAft>
-              <a:buNone/>
-            </a:pPr>
-            <a:r>
-              <a:rPr lang="fr"/>
-              <a:t>Détails produit</a:t>
-            </a:r>
-            <a:endParaRPr/>
-          </a:p>
-        </p:txBody>
-      </p:sp>
-      <p:sp>
-        <p:nvSpPr>
-          <p:cNvPr id="172" name="Google Shape;172;p19"/>
-          <p:cNvSpPr txBox="1">
-            <a:spLocks noGrp="1"/>
-          </p:cNvSpPr>
-          <p:nvPr>
-            <p:ph type="body" idx="1"/>
-          </p:nvPr>
-        </p:nvSpPr>
-        <p:spPr>
-          <a:xfrm>
-            <a:off x="1297500" y="1567550"/>
-            <a:ext cx="7038900" cy="2911200"/>
-          </a:xfrm>
-          <a:prstGeom prst="rect">
-            <a:avLst/>
-          </a:prstGeom>
-        </p:spPr>
-        <p:txBody>
-          <a:bodyPr spcFirstLastPara="1" wrap="square" lIns="91425" tIns="91425" rIns="91425" bIns="91425" anchor="t" anchorCtr="0">
-            <a:noAutofit/>
-          </a:bodyPr>
-          <a:lstStyle/>
-          <a:p>
-            <a:pPr marL="457200" lvl="0" indent="-311150" algn="l" rtl="0">
-              <a:spcBef>
-                <a:spcPts val="0"/>
-              </a:spcBef>
-              <a:spcAft>
-                <a:spcPts val="0"/>
-              </a:spcAft>
-              <a:buSzPts val="1300"/>
-              <a:buChar char="●"/>
-            </a:pPr>
-            <a:r>
-              <a:rPr lang="fr" dirty="0"/>
-              <a:t>Programmation asynchrone</a:t>
-            </a:r>
-            <a:endParaRPr dirty="0"/>
-          </a:p>
-          <a:p>
-            <a:pPr marL="457200" lvl="0" indent="-311150" algn="l" rtl="0">
-              <a:spcBef>
-                <a:spcPts val="0"/>
-              </a:spcBef>
-              <a:spcAft>
-                <a:spcPts val="0"/>
-              </a:spcAft>
-              <a:buSzPts val="1300"/>
-              <a:buChar char="●"/>
-            </a:pPr>
-            <a:r>
-              <a:rPr lang="fr" dirty="0"/>
-              <a:t>Retrofit </a:t>
-            </a:r>
-          </a:p>
-          <a:p>
-            <a:pPr marL="457200" lvl="0" indent="-311150" algn="l" rtl="0">
-              <a:spcBef>
-                <a:spcPts val="0"/>
-              </a:spcBef>
-              <a:spcAft>
-                <a:spcPts val="0"/>
-              </a:spcAft>
-              <a:buSzPts val="1300"/>
-              <a:buChar char="●"/>
-            </a:pPr>
-            <a:r>
-              <a:rPr lang="fr" dirty="0"/>
-              <a:t>Moshi (JSON parsing)</a:t>
-            </a:r>
-            <a:endParaRPr dirty="0"/>
-          </a:p>
-          <a:p>
-            <a:pPr marL="457200" lvl="0" indent="-311150" algn="l" rtl="0">
-              <a:spcBef>
-                <a:spcPts val="0"/>
-              </a:spcBef>
-              <a:spcAft>
-                <a:spcPts val="0"/>
-              </a:spcAft>
-              <a:buSzPts val="1300"/>
-              <a:buChar char="●"/>
-            </a:pPr>
-            <a:r>
-              <a:rPr lang="fr" dirty="0"/>
-              <a:t>coroutines</a:t>
-            </a:r>
-            <a:endParaRPr dirty="0"/>
-          </a:p>
-          <a:p>
-            <a:pPr marL="914400" lvl="1" indent="-298450" algn="l" rtl="0">
-              <a:spcBef>
-                <a:spcPts val="0"/>
-              </a:spcBef>
-              <a:spcAft>
-                <a:spcPts val="0"/>
-              </a:spcAft>
-              <a:buSzPts val="1100"/>
-              <a:buChar char="○"/>
-            </a:pPr>
-            <a:r>
-              <a:rPr lang="fr" dirty="0"/>
-              <a:t>permet d’écrire du code basé sur des fonctions callback de façon séquentielle</a:t>
-            </a:r>
-            <a:endParaRPr dirty="0"/>
-          </a:p>
-          <a:p>
-            <a:pPr marL="914400" lvl="1" indent="-298450" algn="l" rtl="0">
-              <a:spcBef>
-                <a:spcPts val="0"/>
-              </a:spcBef>
-              <a:spcAft>
-                <a:spcPts val="0"/>
-              </a:spcAft>
-              <a:buSzPts val="1100"/>
-              <a:buChar char="○"/>
-            </a:pPr>
-            <a:r>
-              <a:rPr lang="fr" dirty="0"/>
-              <a:t>asynchrone (thread autre que UI)</a:t>
-            </a:r>
-            <a:endParaRPr dirty="0"/>
-          </a:p>
-          <a:p>
-            <a:pPr marL="914400" lvl="1" indent="-298450" algn="l" rtl="0">
-              <a:spcBef>
-                <a:spcPts val="0"/>
-              </a:spcBef>
-              <a:spcAft>
-                <a:spcPts val="0"/>
-              </a:spcAft>
-              <a:buSzPts val="1100"/>
-              <a:buChar char="○"/>
-            </a:pPr>
-            <a:r>
-              <a:rPr lang="fr" dirty="0"/>
-              <a:t>non-bloquant</a:t>
-            </a:r>
-            <a:endParaRPr dirty="0"/>
-          </a:p>
-          <a:p>
-            <a:pPr marL="914400" lvl="1" indent="-298450" algn="l" rtl="0">
-              <a:spcBef>
-                <a:spcPts val="0"/>
-              </a:spcBef>
-              <a:spcAft>
-                <a:spcPts val="0"/>
-              </a:spcAft>
-              <a:buSzPts val="1100"/>
-              <a:buChar char="○"/>
-            </a:pPr>
-            <a:r>
-              <a:rPr lang="fr" dirty="0"/>
-              <a:t>repose sur les fonctions “suspend” pour  rendre le code asynchrone séquentiel</a:t>
-            </a:r>
-            <a:endParaRPr dirty="0"/>
-          </a:p>
-          <a:p>
-            <a:pPr marL="914400" lvl="1" indent="-298450" algn="l" rtl="0">
-              <a:spcBef>
-                <a:spcPts val="0"/>
-              </a:spcBef>
-              <a:spcAft>
-                <a:spcPts val="0"/>
-              </a:spcAft>
-              <a:buSzPts val="1100"/>
-              <a:buChar char="○"/>
-            </a:pPr>
-            <a:r>
-              <a:rPr lang="fr" dirty="0"/>
-              <a:t>nécessite : </a:t>
-            </a:r>
-            <a:endParaRPr dirty="0"/>
-          </a:p>
-          <a:p>
-            <a:pPr marL="1371600" lvl="2" indent="-298450" algn="l" rtl="0">
-              <a:spcBef>
-                <a:spcPts val="0"/>
-              </a:spcBef>
-              <a:spcAft>
-                <a:spcPts val="0"/>
-              </a:spcAft>
-              <a:buSzPts val="1100"/>
-              <a:buChar char="■"/>
-            </a:pPr>
-            <a:r>
-              <a:rPr lang="fr" dirty="0"/>
-              <a:t>job : une tâche qui peut être annulée</a:t>
-            </a:r>
-            <a:endParaRPr dirty="0"/>
-          </a:p>
-          <a:p>
-            <a:pPr marL="1371600" lvl="2" indent="-298450" algn="l" rtl="0">
-              <a:spcBef>
-                <a:spcPts val="0"/>
-              </a:spcBef>
-              <a:spcAft>
-                <a:spcPts val="0"/>
-              </a:spcAft>
-              <a:buSzPts val="1100"/>
-              <a:buChar char="■"/>
-            </a:pPr>
-            <a:r>
-              <a:rPr lang="fr" dirty="0"/>
-              <a:t>dispatcher : distribue l'exécution des coroutines sur les différents threads </a:t>
-            </a:r>
-            <a:endParaRPr dirty="0"/>
-          </a:p>
-          <a:p>
-            <a:pPr marL="1371600" lvl="2" indent="-298450" algn="l" rtl="0">
-              <a:spcBef>
-                <a:spcPts val="0"/>
-              </a:spcBef>
-              <a:spcAft>
-                <a:spcPts val="0"/>
-              </a:spcAft>
-              <a:buSzPts val="1100"/>
-              <a:buChar char="■"/>
-            </a:pPr>
-            <a:r>
-              <a:rPr lang="fr" dirty="0"/>
-              <a:t>scope : combine les informations (ex : job et dispatcher) pour définir un contexte d’exécution </a:t>
-            </a:r>
-            <a:endParaRPr dirty="0"/>
-          </a:p>
-        </p:txBody>
-      </p:sp>
-    </p:spTree>
-  </p:cSld>
-  <p:clrMapOvr>
-    <a:masterClrMapping/>
-  </p:clrMapOvr>
-</p:sld>
-</file>
-
-<file path=ppt/slides/slide12.xml><?xml version="1.0" encoding="utf-8"?>
-<p:sld xmlns:a="http://schemas.openxmlformats.org/drawingml/2006/main" xmlns:r="http://schemas.openxmlformats.org/officeDocument/2006/relationships" xmlns:p="http://schemas.openxmlformats.org/presentationml/2006/main">
-  <p:cSld>
-    <p:spTree>
-      <p:nvGrpSpPr>
         <p:cNvPr id="1" name="Shape 176"/>
         <p:cNvGrpSpPr/>
         <p:nvPr/>
@@ -10728,10 +10107,10 @@
               <a:buChar char="●"/>
             </a:pPr>
             <a:r>
-              <a:rPr lang="fr"/>
+              <a:rPr lang="fr" dirty="0"/>
               <a:t>RecyclerView</a:t>
             </a:r>
-            <a:endParaRPr/>
+            <a:endParaRPr dirty="0"/>
           </a:p>
           <a:p>
             <a:pPr marL="914400" lvl="1" indent="-298450" algn="l" rtl="0">
@@ -10745,10 +10124,10 @@
               <a:buChar char="○"/>
             </a:pPr>
             <a:r>
-              <a:rPr lang="fr"/>
+              <a:rPr lang="fr" dirty="0"/>
               <a:t>adapter</a:t>
             </a:r>
-            <a:endParaRPr/>
+            <a:endParaRPr dirty="0"/>
           </a:p>
           <a:p>
             <a:pPr marL="1371600" lvl="2" indent="-298450" algn="l" rtl="0">
@@ -10762,10 +10141,18 @@
               <a:buChar char="■"/>
             </a:pPr>
             <a:r>
-              <a:rPr lang="fr"/>
-              <a:t>how many items</a:t>
-            </a:r>
-            <a:endParaRPr/>
+              <a:rPr lang="en-GB" dirty="0" err="1"/>
+              <a:t>Combien</a:t>
+            </a:r>
+            <a:r>
+              <a:rPr lang="en-GB" dirty="0"/>
+              <a:t> </a:t>
+            </a:r>
+            <a:r>
+              <a:rPr lang="en-GB" dirty="0" err="1"/>
+              <a:t>d’éléments</a:t>
+            </a:r>
+            <a:endParaRPr dirty="0"/>
           </a:p>
           <a:p>
             <a:pPr marL="1371600" lvl="2" indent="-298450" algn="l" rtl="0">
@@ -10779,10 +10166,14 @@
               <a:buChar char="■"/>
             </a:pPr>
             <a:r>
-              <a:rPr lang="fr"/>
-              <a:t>create new viewHolder</a:t>
-            </a:r>
-            <a:endParaRPr/>
+              <a:rPr lang="en-GB" dirty="0"/>
+              <a:t>C</a:t>
+            </a:r>
+            <a:r>
+              <a:rPr lang="fr" dirty="0"/>
+              <a:t>rée un noueau viewHolder</a:t>
+            </a:r>
+            <a:endParaRPr dirty="0"/>
           </a:p>
           <a:p>
             <a:pPr marL="1371600" lvl="2" indent="-298450" algn="l" rtl="0">
@@ -10796,10 +10187,14 @@
               <a:buChar char="■"/>
             </a:pPr>
             <a:r>
-              <a:rPr lang="fr"/>
-              <a:t>draw items into viewHolder</a:t>
-            </a:r>
-            <a:endParaRPr/>
+              <a:rPr lang="en-GB" dirty="0"/>
+              <a:t>A</a:t>
+            </a:r>
+            <a:r>
+              <a:rPr lang="fr" dirty="0"/>
+              <a:t>ffiche les éléments dans le viewHolder</a:t>
+            </a:r>
+            <a:endParaRPr dirty="0"/>
           </a:p>
           <a:p>
             <a:pPr marL="914400" lvl="1" indent="-298450" algn="l" rtl="0">
@@ -10813,10 +10208,10 @@
               <a:buChar char="○"/>
             </a:pPr>
             <a:r>
-              <a:rPr lang="fr"/>
+              <a:rPr lang="fr" dirty="0"/>
               <a:t>viewHolder</a:t>
             </a:r>
-            <a:endParaRPr/>
+            <a:endParaRPr dirty="0"/>
           </a:p>
         </p:txBody>
       </p:sp>
@@ -10923,10 +10318,229 @@
               <a:buChar char="●"/>
             </a:pPr>
             <a:r>
-              <a:rPr lang="fr"/>
-              <a:t>Back-end : Food Repo</a:t>
-            </a:r>
-            <a:endParaRPr/>
+              <a:rPr lang="fr" dirty="0"/>
+              <a:t>L’application implémente les fonctionnalités suivantes :</a:t>
+            </a:r>
+          </a:p>
+          <a:p>
+            <a:pPr lvl="1" indent="-311150">
+              <a:spcBef>
+                <a:spcPts val="0"/>
+              </a:spcBef>
+              <a:buSzPts val="1300"/>
+              <a:buChar char="●"/>
+            </a:pPr>
+            <a:r>
+              <a:rPr lang="fr" dirty="0"/>
+              <a:t>Scan du code bar d’un produit alimentaire via la caméra du terminal mobile</a:t>
+            </a:r>
+          </a:p>
+          <a:p>
+            <a:pPr lvl="1" indent="-311150">
+              <a:spcBef>
+                <a:spcPts val="0"/>
+              </a:spcBef>
+              <a:buSzPts val="1300"/>
+              <a:buChar char="●"/>
+            </a:pPr>
+            <a:r>
+              <a:rPr lang="fr" dirty="0"/>
+              <a:t>Saisie manuelle du code bar</a:t>
+            </a:r>
+          </a:p>
+          <a:p>
+            <a:pPr lvl="1" indent="-311150">
+              <a:spcBef>
+                <a:spcPts val="0"/>
+              </a:spcBef>
+              <a:buSzPts val="1300"/>
+              <a:buChar char="●"/>
+            </a:pPr>
+            <a:r>
+              <a:rPr lang="fr" dirty="0"/>
+              <a:t>Recherche et affichage des informations relatives au produit (photo, nom, ingrédients, valeur nutritionnelle)</a:t>
+            </a:r>
+          </a:p>
+          <a:p>
+            <a:pPr lvl="1" indent="-311150">
+              <a:spcBef>
+                <a:spcPts val="0"/>
+              </a:spcBef>
+              <a:buSzPts val="1300"/>
+              <a:buChar char="●"/>
+            </a:pPr>
+            <a:r>
+              <a:rPr lang="fr" dirty="0"/>
+              <a:t>Historique de recherche sous forme de liste de produits</a:t>
+            </a:r>
+          </a:p>
+          <a:p>
+            <a:pPr lvl="1" indent="-311150">
+              <a:spcBef>
+                <a:spcPts val="0"/>
+              </a:spcBef>
+              <a:buSzPts val="1300"/>
+              <a:buChar char="●"/>
+            </a:pPr>
+            <a:r>
+              <a:rPr lang="fr" dirty="0"/>
+              <a:t>Suppression d’un produit de l’historique en swipant horizontalement</a:t>
+            </a:r>
+          </a:p>
+          <a:p>
+            <a:pPr lvl="1" indent="-311150">
+              <a:spcBef>
+                <a:spcPts val="0"/>
+              </a:spcBef>
+              <a:buSzPts val="1300"/>
+              <a:buFont typeface="Lato"/>
+              <a:buChar char="●"/>
+            </a:pPr>
+            <a:r>
+              <a:rPr lang="en-GB" dirty="0"/>
+              <a:t>Mode hors-</a:t>
+            </a:r>
+            <a:r>
+              <a:rPr lang="en-GB" dirty="0" err="1"/>
+              <a:t>ligne</a:t>
+            </a:r>
+            <a:r>
+              <a:rPr lang="en-GB" dirty="0"/>
+              <a:t> :  les </a:t>
+            </a:r>
+            <a:r>
+              <a:rPr lang="en-GB" dirty="0" err="1"/>
+              <a:t>informations</a:t>
+            </a:r>
+            <a:r>
+              <a:rPr lang="en-GB" dirty="0"/>
+              <a:t> sur les </a:t>
+            </a:r>
+            <a:r>
+              <a:rPr lang="en-GB" dirty="0" err="1"/>
+              <a:t>produits</a:t>
+            </a:r>
+            <a:r>
+              <a:rPr lang="en-GB" dirty="0"/>
+              <a:t> </a:t>
+            </a:r>
+            <a:r>
+              <a:rPr lang="en-GB" dirty="0" err="1"/>
+              <a:t>restent</a:t>
+            </a:r>
+            <a:r>
+              <a:rPr lang="en-GB" dirty="0"/>
+              <a:t> </a:t>
+            </a:r>
+            <a:r>
+              <a:rPr lang="en-GB" dirty="0" err="1"/>
+              <a:t>accessibles</a:t>
+            </a:r>
+            <a:r>
+              <a:rPr lang="en-GB" dirty="0"/>
+              <a:t> sur </a:t>
+            </a:r>
+            <a:r>
+              <a:rPr lang="en-GB" dirty="0" err="1"/>
+              <a:t>sélection</a:t>
+            </a:r>
+            <a:r>
+              <a:rPr lang="en-GB" dirty="0"/>
+              <a:t> du </a:t>
+            </a:r>
+            <a:r>
+              <a:rPr lang="en-GB" dirty="0" err="1"/>
+              <a:t>produit</a:t>
+            </a:r>
+            <a:r>
+              <a:rPr lang="en-GB" dirty="0"/>
+              <a:t> </a:t>
+            </a:r>
+            <a:r>
+              <a:rPr lang="en-GB" dirty="0" err="1"/>
+              <a:t>depuis</a:t>
+            </a:r>
+            <a:r>
+              <a:rPr lang="en-GB" dirty="0"/>
+              <a:t> </a:t>
+            </a:r>
+            <a:r>
+              <a:rPr lang="en-GB" dirty="0" err="1"/>
+              <a:t>l’historique</a:t>
+            </a:r>
+            <a:endParaRPr lang="fr" dirty="0"/>
+          </a:p>
+          <a:p>
+            <a:pPr lvl="1" indent="-311150">
+              <a:spcBef>
+                <a:spcPts val="0"/>
+              </a:spcBef>
+              <a:buSzPts val="1300"/>
+              <a:buChar char="●"/>
+            </a:pPr>
+            <a:r>
+              <a:rPr lang="fr" dirty="0"/>
+              <a:t>Internationalisation avec support pour le français, l’allemand, l’italien et l’anglais</a:t>
+            </a:r>
+          </a:p>
+          <a:p>
+            <a:pPr lvl="1" indent="-311150">
+              <a:spcBef>
+                <a:spcPts val="0"/>
+              </a:spcBef>
+              <a:buSzPts val="1300"/>
+              <a:buChar char="●"/>
+            </a:pPr>
+            <a:r>
+              <a:rPr lang="fr" dirty="0"/>
+              <a:t>Menu « About us » </a:t>
+            </a:r>
+          </a:p>
+          <a:p>
+            <a:pPr marL="603250" lvl="1" indent="0">
+              <a:spcBef>
+                <a:spcPts val="0"/>
+              </a:spcBef>
+              <a:buSzPts val="1300"/>
+              <a:buNone/>
+            </a:pPr>
+            <a:endParaRPr lang="fr" dirty="0"/>
+          </a:p>
+          <a:p>
+            <a:pPr marL="457200" lvl="0" indent="-311150" algn="l" rtl="0">
+              <a:spcBef>
+                <a:spcPts val="0"/>
+              </a:spcBef>
+              <a:spcAft>
+                <a:spcPts val="0"/>
+              </a:spcAft>
+              <a:buSzPts val="1300"/>
+              <a:buChar char="●"/>
+            </a:pPr>
+            <a:r>
+              <a:rPr lang="fr" dirty="0"/>
+              <a:t>Les informations relatives aux produits sont fournies par l’API </a:t>
+            </a:r>
+            <a:r>
+              <a:rPr lang="en-GB" dirty="0">
+                <a:hlinkClick r:id="rId3"/>
+              </a:rPr>
+              <a:t>foodrepo.org</a:t>
+            </a:r>
+            <a:endParaRPr lang="en-GB" dirty="0"/>
+          </a:p>
+          <a:p>
+            <a:pPr marL="457200" lvl="0" indent="-311150" algn="l" rtl="0">
+              <a:spcBef>
+                <a:spcPts val="0"/>
+              </a:spcBef>
+              <a:spcAft>
+                <a:spcPts val="0"/>
+              </a:spcAft>
+              <a:buSzPts val="1300"/>
+              <a:buChar char="●"/>
+            </a:pPr>
+            <a:endParaRPr dirty="0"/>
           </a:p>
         </p:txBody>
       </p:sp>
@@ -11009,320 +10623,6 @@
         </p:nvSpPr>
         <p:spPr>
           <a:xfrm>
-            <a:off x="1297500" y="1567550"/>
-            <a:ext cx="7038900" cy="2911200"/>
-          </a:xfrm>
-          <a:prstGeom prst="rect">
-            <a:avLst/>
-          </a:prstGeom>
-        </p:spPr>
-        <p:txBody>
-          <a:bodyPr spcFirstLastPara="1" wrap="square" lIns="91425" tIns="91425" rIns="91425" bIns="91425" anchor="t" anchorCtr="0">
-            <a:noAutofit/>
-          </a:bodyPr>
-          <a:lstStyle/>
-          <a:p>
-            <a:pPr marL="457200" lvl="0" indent="-311150" algn="l" rtl="0">
-              <a:spcBef>
-                <a:spcPts val="0"/>
-              </a:spcBef>
-              <a:spcAft>
-                <a:spcPts val="0"/>
-              </a:spcAft>
-              <a:buSzPts val="1300"/>
-              <a:buChar char="●"/>
-            </a:pPr>
-            <a:r>
-              <a:rPr lang="fr"/>
-              <a:t>Clean architecture</a:t>
-            </a:r>
-            <a:endParaRPr/>
-          </a:p>
-          <a:p>
-            <a:pPr marL="457200" lvl="0" indent="-311150" algn="l" rtl="0">
-              <a:spcBef>
-                <a:spcPts val="0"/>
-              </a:spcBef>
-              <a:spcAft>
-                <a:spcPts val="0"/>
-              </a:spcAft>
-              <a:buSzPts val="1300"/>
-              <a:buChar char="●"/>
-            </a:pPr>
-            <a:r>
-              <a:rPr lang="fr"/>
-              <a:t>MVVM</a:t>
-            </a:r>
-            <a:endParaRPr/>
-          </a:p>
-          <a:p>
-            <a:pPr marL="457200" lvl="0" indent="-311150" algn="l" rtl="0">
-              <a:spcBef>
-                <a:spcPts val="0"/>
-              </a:spcBef>
-              <a:spcAft>
-                <a:spcPts val="0"/>
-              </a:spcAft>
-              <a:buSzPts val="1300"/>
-              <a:buChar char="●"/>
-            </a:pPr>
-            <a:r>
-              <a:rPr lang="fr"/>
-              <a:t>activité unique JetPack Navigation</a:t>
-            </a:r>
-            <a:endParaRPr/>
-          </a:p>
-          <a:p>
-            <a:pPr marL="457200" lvl="0" indent="-311150" algn="l" rtl="0">
-              <a:spcBef>
-                <a:spcPts val="0"/>
-              </a:spcBef>
-              <a:spcAft>
-                <a:spcPts val="0"/>
-              </a:spcAft>
-              <a:buSzPts val="1300"/>
-              <a:buChar char="●"/>
-            </a:pPr>
-            <a:r>
-              <a:rPr lang="fr"/>
-              <a:t>fragments</a:t>
-            </a:r>
-            <a:endParaRPr/>
-          </a:p>
-          <a:p>
-            <a:pPr marL="457200" lvl="0" indent="-311150" algn="l" rtl="0">
-              <a:spcBef>
-                <a:spcPts val="0"/>
-              </a:spcBef>
-              <a:spcAft>
-                <a:spcPts val="0"/>
-              </a:spcAft>
-              <a:buSzPts val="1300"/>
-              <a:buChar char="●"/>
-            </a:pPr>
-            <a:r>
-              <a:rPr lang="fr"/>
-              <a:t>Couche UI</a:t>
-            </a:r>
-            <a:endParaRPr/>
-          </a:p>
-          <a:p>
-            <a:pPr marL="914400" lvl="1" indent="-298450" algn="l" rtl="0">
-              <a:spcBef>
-                <a:spcPts val="0"/>
-              </a:spcBef>
-              <a:spcAft>
-                <a:spcPts val="0"/>
-              </a:spcAft>
-              <a:buSzPts val="1100"/>
-              <a:buChar char="○"/>
-            </a:pPr>
-            <a:r>
-              <a:rPr lang="fr"/>
-              <a:t>ViewModel</a:t>
-            </a:r>
-            <a:endParaRPr/>
-          </a:p>
-          <a:p>
-            <a:pPr marL="914400" lvl="1" indent="-298450" algn="l" rtl="0">
-              <a:spcBef>
-                <a:spcPts val="0"/>
-              </a:spcBef>
-              <a:spcAft>
-                <a:spcPts val="0"/>
-              </a:spcAft>
-              <a:buSzPts val="1100"/>
-              <a:buChar char="○"/>
-            </a:pPr>
-            <a:r>
-              <a:rPr lang="fr"/>
-              <a:t>LiveData</a:t>
-            </a:r>
-            <a:endParaRPr/>
-          </a:p>
-          <a:p>
-            <a:pPr marL="457200" lvl="0" indent="-311150" algn="l" rtl="0">
-              <a:spcBef>
-                <a:spcPts val="0"/>
-              </a:spcBef>
-              <a:spcAft>
-                <a:spcPts val="0"/>
-              </a:spcAft>
-              <a:buSzPts val="1300"/>
-              <a:buChar char="●"/>
-            </a:pPr>
-            <a:r>
-              <a:rPr lang="fr"/>
-              <a:t>Programmation asynchrone</a:t>
-            </a:r>
-            <a:endParaRPr/>
-          </a:p>
-          <a:p>
-            <a:pPr marL="914400" lvl="1" indent="-298450" algn="l" rtl="0">
-              <a:spcBef>
-                <a:spcPts val="0"/>
-              </a:spcBef>
-              <a:spcAft>
-                <a:spcPts val="0"/>
-              </a:spcAft>
-              <a:buSzPts val="1100"/>
-              <a:buChar char="○"/>
-            </a:pPr>
-            <a:r>
-              <a:rPr lang="fr"/>
-              <a:t>Retrofit</a:t>
-            </a:r>
-            <a:endParaRPr/>
-          </a:p>
-          <a:p>
-            <a:pPr marL="914400" lvl="1" indent="-298450" algn="l" rtl="0">
-              <a:spcBef>
-                <a:spcPts val="0"/>
-              </a:spcBef>
-              <a:spcAft>
-                <a:spcPts val="0"/>
-              </a:spcAft>
-              <a:buSzPts val="1100"/>
-              <a:buChar char="○"/>
-            </a:pPr>
-            <a:r>
-              <a:rPr lang="fr"/>
-              <a:t>coroutines</a:t>
-            </a:r>
-            <a:endParaRPr/>
-          </a:p>
-          <a:p>
-            <a:pPr marL="457200" lvl="0" indent="-311150" algn="l" rtl="0">
-              <a:spcBef>
-                <a:spcPts val="0"/>
-              </a:spcBef>
-              <a:spcAft>
-                <a:spcPts val="0"/>
-              </a:spcAft>
-              <a:buSzPts val="1300"/>
-              <a:buChar char="●"/>
-            </a:pPr>
-            <a:r>
-              <a:rPr lang="fr"/>
-              <a:t>Liste</a:t>
-            </a:r>
-            <a:endParaRPr/>
-          </a:p>
-          <a:p>
-            <a:pPr marL="914400" lvl="1" indent="-298450" algn="l" rtl="0">
-              <a:spcBef>
-                <a:spcPts val="0"/>
-              </a:spcBef>
-              <a:spcAft>
-                <a:spcPts val="0"/>
-              </a:spcAft>
-              <a:buSzPts val="1100"/>
-              <a:buChar char="○"/>
-            </a:pPr>
-            <a:r>
-              <a:rPr lang="fr"/>
-              <a:t>RecyclerView</a:t>
-            </a:r>
-            <a:endParaRPr/>
-          </a:p>
-          <a:p>
-            <a:pPr marL="457200" lvl="0" indent="-311150" algn="l" rtl="0">
-              <a:spcBef>
-                <a:spcPts val="0"/>
-              </a:spcBef>
-              <a:spcAft>
-                <a:spcPts val="0"/>
-              </a:spcAft>
-              <a:buSzPts val="1300"/>
-              <a:buChar char="●"/>
-            </a:pPr>
-            <a:r>
-              <a:rPr lang="fr"/>
-              <a:t>Persistence?</a:t>
-            </a:r>
-            <a:endParaRPr/>
-          </a:p>
-        </p:txBody>
-      </p:sp>
-    </p:spTree>
-  </p:cSld>
-  <p:clrMapOvr>
-    <a:masterClrMapping/>
-  </p:clrMapOvr>
-</p:sld>
-</file>
-
-<file path=ppt/slides/slide4.xml><?xml version="1.0" encoding="utf-8"?>
-<p:sld xmlns:a="http://schemas.openxmlformats.org/drawingml/2006/main" xmlns:r="http://schemas.openxmlformats.org/officeDocument/2006/relationships" xmlns:p="http://schemas.openxmlformats.org/presentationml/2006/main">
-  <p:cSld>
-    <p:spTree>
-      <p:nvGrpSpPr>
-        <p:cNvPr id="1" name="Shape 146"/>
-        <p:cNvGrpSpPr/>
-        <p:nvPr/>
-      </p:nvGrpSpPr>
-      <p:grpSpPr>
-        <a:xfrm>
-          <a:off x="0" y="0"/>
-          <a:ext cx="0" cy="0"/>
-          <a:chOff x="0" y="0"/>
-          <a:chExt cx="0" cy="0"/>
-        </a:xfrm>
-      </p:grpSpPr>
-      <p:sp>
-        <p:nvSpPr>
-          <p:cNvPr id="147" name="Google Shape;147;p15"/>
-          <p:cNvSpPr txBox="1">
-            <a:spLocks noGrp="1"/>
-          </p:cNvSpPr>
-          <p:nvPr>
-            <p:ph type="title"/>
-          </p:nvPr>
-        </p:nvSpPr>
-        <p:spPr>
-          <a:xfrm>
-            <a:off x="1297500" y="393750"/>
-            <a:ext cx="7038900" cy="914100"/>
-          </a:xfrm>
-          <a:prstGeom prst="rect">
-            <a:avLst/>
-          </a:prstGeom>
-        </p:spPr>
-        <p:txBody>
-          <a:bodyPr spcFirstLastPara="1" wrap="square" lIns="91425" tIns="91425" rIns="91425" bIns="91425" anchor="t" anchorCtr="0">
-            <a:noAutofit/>
-          </a:bodyPr>
-          <a:lstStyle/>
-          <a:p>
-            <a:pPr marL="0" lvl="0" indent="0" algn="l" rtl="0">
-              <a:spcBef>
-                <a:spcPts val="0"/>
-              </a:spcBef>
-              <a:spcAft>
-                <a:spcPts val="0"/>
-              </a:spcAft>
-              <a:buNone/>
-            </a:pPr>
-            <a:r>
-              <a:rPr lang="fr"/>
-              <a:t>Architecture générale</a:t>
-            </a:r>
-            <a:endParaRPr/>
-          </a:p>
-        </p:txBody>
-      </p:sp>
-      <p:sp>
-        <p:nvSpPr>
-          <p:cNvPr id="148" name="Google Shape;148;p15"/>
-          <p:cNvSpPr txBox="1">
-            <a:spLocks noGrp="1"/>
-          </p:cNvSpPr>
-          <p:nvPr>
-            <p:ph type="body" idx="1"/>
-          </p:nvPr>
-        </p:nvSpPr>
-        <p:spPr>
-          <a:xfrm>
             <a:off x="1297500" y="1190847"/>
             <a:ext cx="7038900" cy="3287903"/>
           </a:xfrm>
@@ -11374,14 +10674,25 @@
               <a:buChar char="●"/>
             </a:pPr>
             <a:r>
+              <a:rPr lang="fr-FR" dirty="0">
+                <a:solidFill>
+                  <a:srgbClr val="FF0000"/>
+                </a:solidFill>
+              </a:rPr>
+              <a:t>S</a:t>
+            </a:r>
+            <a:r>
               <a:rPr lang="fr-FR" dirty="0"/>
-              <a:t>S - Single </a:t>
+              <a:t>     Single </a:t>
             </a:r>
             <a:r>
               <a:rPr lang="fr-FR" dirty="0" err="1"/>
               <a:t>Responsibility</a:t>
             </a:r>
-            <a:endParaRPr lang="fr-FR" dirty="0"/>
+            <a:r>
+              <a:rPr lang="fr-FR" dirty="0"/>
+              <a:t> (chaque classe a un but précis)</a:t>
+            </a:r>
           </a:p>
           <a:p>
             <a:pPr lvl="1" indent="-311150">
@@ -11392,8 +10703,16 @@
               <a:buChar char="●"/>
             </a:pPr>
             <a:r>
+              <a:rPr lang="en-GB" dirty="0">
+                <a:solidFill>
+                  <a:srgbClr val="FF0000"/>
+                </a:solidFill>
+              </a:rPr>
+              <a:t>O</a:t>
+            </a:r>
+            <a:r>
               <a:rPr lang="en-GB" dirty="0"/>
-              <a:t>O - Open-Closed (open for extension, but closed for modification)</a:t>
+              <a:t>   Open-Closed (open for extension, but closed for modification)</a:t>
             </a:r>
           </a:p>
           <a:p>
@@ -11405,8 +10724,16 @@
               <a:buChar char="●"/>
             </a:pPr>
             <a:r>
+              <a:rPr lang="fr-FR" dirty="0">
+                <a:solidFill>
+                  <a:srgbClr val="FF0000"/>
+                </a:solidFill>
+              </a:rPr>
+              <a:t>L</a:t>
+            </a:r>
+            <a:r>
               <a:rPr lang="fr-FR" dirty="0"/>
-              <a:t>L - </a:t>
+              <a:t>     </a:t>
             </a:r>
             <a:r>
               <a:rPr lang="fr-FR" dirty="0" err="1"/>
@@ -11490,8 +10817,16 @@
               <a:buChar char="●"/>
             </a:pPr>
             <a:r>
+              <a:rPr lang="fr-FR" dirty="0">
+                <a:solidFill>
+                  <a:srgbClr val="FF0000"/>
+                </a:solidFill>
+              </a:rPr>
+              <a:t>I </a:t>
+            </a:r>
+            <a:r>
               <a:rPr lang="fr-FR" dirty="0"/>
-              <a:t>I - Interface </a:t>
+              <a:t>     Interface </a:t>
             </a:r>
             <a:r>
               <a:rPr lang="fr-FR" dirty="0" err="1"/>
@@ -11583,8 +10918,16 @@
               <a:buChar char="●"/>
             </a:pPr>
             <a:r>
+              <a:rPr lang="fr-FR" dirty="0">
+                <a:solidFill>
+                  <a:srgbClr val="FF0000"/>
+                </a:solidFill>
+              </a:rPr>
+              <a:t>D</a:t>
+            </a:r>
+            <a:r>
               <a:rPr lang="fr-FR" dirty="0"/>
-              <a:t>D - </a:t>
+              <a:t>    </a:t>
             </a:r>
             <a:r>
               <a:rPr lang="fr-FR" dirty="0" err="1"/>
@@ -11822,7 +11165,7 @@
 </p:sld>
 </file>
 
-<file path=ppt/slides/slide5.xml><?xml version="1.0" encoding="utf-8"?>
+<file path=ppt/slides/slide4.xml><?xml version="1.0" encoding="utf-8"?>
 <p:sld xmlns:a="http://schemas.openxmlformats.org/drawingml/2006/main" xmlns:r="http://schemas.openxmlformats.org/officeDocument/2006/relationships" xmlns:p="http://schemas.openxmlformats.org/presentationml/2006/main">
   <p:cSld>
     <p:spTree>
@@ -11893,8 +11236,8 @@
         </p:nvSpPr>
         <p:spPr>
           <a:xfrm>
-            <a:off x="1" y="1567550"/>
-            <a:ext cx="8336400" cy="2911200"/>
+            <a:off x="1" y="1314382"/>
+            <a:ext cx="8336400" cy="3164368"/>
           </a:xfrm>
           <a:prstGeom prst="rect">
             <a:avLst/>
@@ -11917,39 +11260,39 @@
               <a:buChar char="●"/>
             </a:pPr>
             <a:r>
-              <a:rPr lang="en-GB" dirty="0"/>
+              <a:rPr lang="en-GB" sz="1200" dirty="0"/>
               <a:t>Les fragments </a:t>
             </a:r>
             <a:r>
-              <a:rPr lang="en-GB" dirty="0" err="1"/>
+              <a:rPr lang="en-GB" sz="1200" dirty="0" err="1"/>
               <a:t>possèdent</a:t>
             </a:r>
             <a:r>
-              <a:rPr lang="en-GB" dirty="0"/>
+              <a:rPr lang="en-GB" sz="1200" dirty="0"/>
               <a:t> </a:t>
             </a:r>
             <a:r>
-              <a:rPr lang="en-GB" dirty="0" err="1"/>
+              <a:rPr lang="en-GB" sz="1200" dirty="0" err="1"/>
               <a:t>une</a:t>
             </a:r>
             <a:r>
-              <a:rPr lang="en-GB" dirty="0"/>
+              <a:rPr lang="en-GB" sz="1200" dirty="0"/>
               <a:t> reference </a:t>
             </a:r>
             <a:r>
-              <a:rPr lang="en-GB" dirty="0" err="1"/>
+              <a:rPr lang="en-GB" sz="1200" dirty="0" err="1"/>
               <a:t>vers</a:t>
             </a:r>
             <a:r>
-              <a:rPr lang="en-GB" dirty="0"/>
+              <a:rPr lang="en-GB" sz="1200" dirty="0"/>
               <a:t> les </a:t>
             </a:r>
             <a:r>
-              <a:rPr lang="en-GB" dirty="0" err="1"/>
+              <a:rPr lang="en-GB" sz="1200" dirty="0" err="1"/>
               <a:t>ViewModels</a:t>
             </a:r>
             <a:r>
-              <a:rPr lang="en-GB" dirty="0"/>
+              <a:rPr lang="en-GB" sz="1200" dirty="0"/>
               <a:t>. </a:t>
             </a:r>
           </a:p>
@@ -11965,42 +11308,249 @@
               <a:buChar char="●"/>
             </a:pPr>
             <a:r>
-              <a:rPr lang="en-GB" dirty="0"/>
+              <a:rPr lang="en-GB" sz="1200" dirty="0"/>
               <a:t>Les </a:t>
             </a:r>
             <a:r>
-              <a:rPr lang="en-GB" dirty="0" err="1"/>
+              <a:rPr lang="en-GB" sz="1200" dirty="0" err="1"/>
               <a:t>ViewModels</a:t>
             </a:r>
             <a:r>
-              <a:rPr lang="en-GB" dirty="0"/>
+              <a:rPr lang="en-GB" sz="1200" dirty="0"/>
               <a:t> </a:t>
             </a:r>
             <a:r>
-              <a:rPr lang="en-GB" dirty="0" err="1"/>
+              <a:rPr lang="en-GB" sz="1200" dirty="0" err="1"/>
               <a:t>possèdent</a:t>
             </a:r>
             <a:r>
-              <a:rPr lang="en-GB" dirty="0"/>
+              <a:rPr lang="en-GB" sz="1200" dirty="0"/>
               <a:t> </a:t>
             </a:r>
             <a:r>
-              <a:rPr lang="en-GB" dirty="0" err="1"/>
+              <a:rPr lang="en-GB" sz="1200" dirty="0" err="1"/>
               <a:t>une</a:t>
             </a:r>
             <a:r>
-              <a:rPr lang="en-GB" dirty="0"/>
+              <a:rPr lang="en-GB" sz="1200" dirty="0"/>
               <a:t> reference </a:t>
             </a:r>
             <a:r>
-              <a:rPr lang="en-GB" dirty="0" err="1"/>
+              <a:rPr lang="en-GB" sz="1200" dirty="0" err="1"/>
               <a:t>vers</a:t>
             </a:r>
             <a:r>
-              <a:rPr lang="en-GB" dirty="0"/>
+              <a:rPr lang="en-GB" sz="1200" dirty="0"/>
               <a:t> le Repository.</a:t>
             </a:r>
-            <a:endParaRPr dirty="0"/>
+          </a:p>
+          <a:p>
+            <a:pPr marL="457200" lvl="0" indent="-311150" algn="l" rtl="0">
+              <a:spcBef>
+                <a:spcPts val="0"/>
+              </a:spcBef>
+              <a:spcAft>
+                <a:spcPts val="0"/>
+              </a:spcAft>
+              <a:buSzPts val="1300"/>
+              <a:buChar char="●"/>
+            </a:pPr>
+            <a:endParaRPr lang="en-GB" dirty="0"/>
+          </a:p>
+          <a:p>
+            <a:pPr marL="457200" lvl="0" indent="-311150" algn="l" rtl="0">
+              <a:spcBef>
+                <a:spcPts val="0"/>
+              </a:spcBef>
+              <a:spcAft>
+                <a:spcPts val="0"/>
+              </a:spcAft>
+              <a:buSzPts val="1300"/>
+              <a:buChar char="●"/>
+            </a:pPr>
+            <a:r>
+              <a:rPr lang="fr-FR" sz="1200" dirty="0"/>
+              <a:t>Fragments : </a:t>
+            </a:r>
+          </a:p>
+          <a:p>
+            <a:pPr lvl="1" indent="-311150">
+              <a:spcBef>
+                <a:spcPts val="0"/>
+              </a:spcBef>
+              <a:buSzPts val="1300"/>
+              <a:buChar char="●"/>
+            </a:pPr>
+            <a:r>
+              <a:rPr lang="fr-FR" sz="1000" dirty="0"/>
+              <a:t>génèrent les vues </a:t>
+            </a:r>
+          </a:p>
+          <a:p>
+            <a:pPr lvl="1" indent="-311150">
+              <a:spcBef>
+                <a:spcPts val="0"/>
+              </a:spcBef>
+              <a:buSzPts val="1300"/>
+              <a:buChar char="●"/>
+            </a:pPr>
+            <a:r>
+              <a:rPr lang="fr-FR" sz="1000" dirty="0"/>
+              <a:t>capturent les entrées utilisateur</a:t>
+            </a:r>
+          </a:p>
+          <a:p>
+            <a:pPr marL="603250" lvl="1" indent="0">
+              <a:spcBef>
+                <a:spcPts val="0"/>
+              </a:spcBef>
+              <a:buSzPts val="1300"/>
+              <a:buNone/>
+            </a:pPr>
+            <a:endParaRPr lang="fr-FR" sz="1000" dirty="0"/>
+          </a:p>
+          <a:p>
+            <a:pPr marL="457200" lvl="0" indent="-311150" algn="l" rtl="0">
+              <a:spcBef>
+                <a:spcPts val="0"/>
+              </a:spcBef>
+              <a:spcAft>
+                <a:spcPts val="0"/>
+              </a:spcAft>
+              <a:buSzPts val="1300"/>
+              <a:buChar char="●"/>
+            </a:pPr>
+            <a:r>
+              <a:rPr lang="fr-FR" sz="1200" dirty="0" err="1"/>
+              <a:t>ViewModels</a:t>
+            </a:r>
+            <a:r>
+              <a:rPr lang="fr-FR" sz="1200" dirty="0"/>
+              <a:t> : </a:t>
+            </a:r>
+          </a:p>
+          <a:p>
+            <a:pPr lvl="1" indent="-311150">
+              <a:spcBef>
+                <a:spcPts val="0"/>
+              </a:spcBef>
+              <a:buSzPts val="1300"/>
+              <a:buChar char="●"/>
+            </a:pPr>
+            <a:r>
+              <a:rPr lang="fr-FR" sz="1000" dirty="0"/>
+              <a:t>gèrent les données à afficher </a:t>
+            </a:r>
+          </a:p>
+          <a:p>
+            <a:pPr lvl="1" indent="-311150">
+              <a:spcBef>
+                <a:spcPts val="0"/>
+              </a:spcBef>
+              <a:buSzPts val="1300"/>
+              <a:buChar char="●"/>
+            </a:pPr>
+            <a:r>
+              <a:rPr lang="fr-FR" sz="1000" dirty="0"/>
+              <a:t>contiennent la logique métier</a:t>
+            </a:r>
+          </a:p>
+          <a:p>
+            <a:pPr marL="603250" lvl="1" indent="0">
+              <a:spcBef>
+                <a:spcPts val="0"/>
+              </a:spcBef>
+              <a:buSzPts val="1300"/>
+              <a:buNone/>
+            </a:pPr>
+            <a:endParaRPr lang="fr-FR" sz="1000" dirty="0"/>
+          </a:p>
+          <a:p>
+            <a:pPr marL="457200" lvl="0" indent="-311150" algn="l" rtl="0">
+              <a:spcBef>
+                <a:spcPts val="0"/>
+              </a:spcBef>
+              <a:spcAft>
+                <a:spcPts val="0"/>
+              </a:spcAft>
+              <a:buSzPts val="1300"/>
+              <a:buChar char="●"/>
+            </a:pPr>
+            <a:r>
+              <a:rPr lang="fr-FR" sz="1200" dirty="0" err="1"/>
+              <a:t>LiveData</a:t>
+            </a:r>
+            <a:r>
+              <a:rPr lang="fr-FR" sz="1200" dirty="0"/>
+              <a:t> </a:t>
+            </a:r>
+          </a:p>
+          <a:p>
+            <a:pPr lvl="1" indent="-311150">
+              <a:spcBef>
+                <a:spcPts val="0"/>
+              </a:spcBef>
+              <a:buSzPts val="1300"/>
+              <a:buChar char="●"/>
+            </a:pPr>
+            <a:r>
+              <a:rPr lang="fr-FR" sz="1000" dirty="0"/>
+              <a:t>Observable : sujet qui notifie l’observer (le fragment) quand les données </a:t>
+            </a:r>
+            <a:br>
+              <a:rPr lang="fr-FR" sz="1000" dirty="0"/>
+            </a:br>
+            <a:r>
+              <a:rPr lang="fr-FR" sz="1000" dirty="0"/>
+              <a:t>ont changé dans le </a:t>
+            </a:r>
+            <a:r>
+              <a:rPr lang="fr-FR" sz="1000" dirty="0" err="1"/>
+              <a:t>ViewModel</a:t>
+            </a:r>
+            <a:endParaRPr lang="fr-FR" sz="1000" dirty="0"/>
+          </a:p>
+          <a:p>
+            <a:pPr lvl="1" indent="-311150">
+              <a:spcBef>
+                <a:spcPts val="0"/>
+              </a:spcBef>
+              <a:buSzPts val="1300"/>
+              <a:buChar char="●"/>
+            </a:pPr>
+            <a:r>
+              <a:rPr lang="fr-FR" sz="1000" dirty="0"/>
+              <a:t>connait l’état du </a:t>
+            </a:r>
+            <a:r>
+              <a:rPr lang="fr-FR" sz="1000" dirty="0" err="1"/>
+              <a:t>lifecyle</a:t>
+            </a:r>
+            <a:r>
+              <a:rPr lang="fr-FR" sz="1000" dirty="0"/>
+              <a:t> de ses </a:t>
+            </a:r>
+            <a:r>
+              <a:rPr lang="fr-FR" sz="1000" dirty="0" err="1"/>
+              <a:t>observeurs</a:t>
+            </a:r>
+            <a:r>
+              <a:rPr lang="fr-FR" sz="1000" dirty="0"/>
+              <a:t> (mise-à-jour seulement si visible)</a:t>
+            </a:r>
+          </a:p>
+          <a:p>
+            <a:pPr marL="914400" lvl="1" indent="-298450" algn="l" rtl="0">
+              <a:spcBef>
+                <a:spcPts val="0"/>
+              </a:spcBef>
+              <a:spcAft>
+                <a:spcPts val="0"/>
+              </a:spcAft>
+              <a:buSzPts val="1100"/>
+              <a:buChar char="○"/>
+            </a:pPr>
+            <a:endParaRPr lang="fr-FR" sz="1200" dirty="0"/>
           </a:p>
         </p:txBody>
       </p:sp>
@@ -12019,7 +11569,7 @@
         <p:spPr>
           <a:xfrm>
             <a:off x="5569222" y="3639244"/>
-            <a:ext cx="1732021" cy="307777"/>
+            <a:ext cx="1779350" cy="307777"/>
           </a:xfrm>
           <a:prstGeom prst="rect">
             <a:avLst/>
@@ -12113,8 +11663,8 @@
         </p:nvSpPr>
         <p:spPr>
           <a:xfrm>
-            <a:off x="3110474" y="4424141"/>
-            <a:ext cx="1204623" cy="307777"/>
+            <a:off x="3207327" y="4430673"/>
+            <a:ext cx="1107770" cy="307777"/>
           </a:xfrm>
           <a:prstGeom prst="rect">
             <a:avLst/>
@@ -12156,7 +11706,7 @@
         </p:nvSpPr>
         <p:spPr>
           <a:xfrm>
-            <a:off x="7061635" y="4431149"/>
+            <a:off x="7164373" y="4431149"/>
             <a:ext cx="1077910" cy="307777"/>
           </a:xfrm>
           <a:prstGeom prst="rect">
@@ -12201,8 +11751,8 @@
         </p:nvSpPr>
         <p:spPr>
           <a:xfrm>
-            <a:off x="8127787" y="4424142"/>
-            <a:ext cx="918244" cy="307777"/>
+            <a:off x="8172073" y="4424617"/>
+            <a:ext cx="867611" cy="307777"/>
           </a:xfrm>
           <a:prstGeom prst="rect">
             <a:avLst/>
@@ -12245,6 +11795,7 @@
             </a:extLst>
           </p:cNvPr>
           <p:cNvCxnSpPr>
+            <a:cxnSpLocks/>
             <a:stCxn id="2" idx="2"/>
             <a:endCxn id="5" idx="0"/>
           </p:cNvCxnSpPr>
@@ -12252,8 +11803,8 @@
         </p:nvCxnSpPr>
         <p:spPr>
           <a:xfrm rot="5400000">
-            <a:off x="5591096" y="3586536"/>
-            <a:ext cx="483652" cy="1204623"/>
+            <a:off x="5602928" y="3574704"/>
+            <a:ext cx="483652" cy="1228287"/>
           </a:xfrm>
           <a:prstGeom prst="bentConnector3">
             <a:avLst/>
@@ -12298,8 +11849,8 @@
         </p:nvCxnSpPr>
         <p:spPr>
           <a:xfrm rot="16200000" flipH="1">
-            <a:off x="6775847" y="3606406"/>
-            <a:ext cx="484128" cy="1165357"/>
+            <a:off x="6839048" y="3566869"/>
+            <a:ext cx="484128" cy="1244431"/>
           </a:xfrm>
           <a:prstGeom prst="bentConnector3">
             <a:avLst/>
@@ -12341,7 +11892,7 @@
         <p:spPr>
           <a:xfrm>
             <a:off x="5569222" y="2531112"/>
-            <a:ext cx="1732021" cy="770744"/>
+            <a:ext cx="1779350" cy="769443"/>
           </a:xfrm>
           <a:prstGeom prst="rect">
             <a:avLst/>
@@ -12391,7 +11942,7 @@
         <p:spPr>
           <a:xfrm>
             <a:off x="5569222" y="1552150"/>
-            <a:ext cx="1732021" cy="615554"/>
+            <a:ext cx="1779350" cy="615554"/>
           </a:xfrm>
           <a:prstGeom prst="rect">
             <a:avLst/>
@@ -12411,12 +11962,20 @@
           <a:p>
             <a:pPr algn="ctr"/>
             <a:r>
+              <a:rPr lang="en-GB" dirty="0" err="1">
+                <a:solidFill>
+                  <a:schemeClr val="bg1"/>
+                </a:solidFill>
+              </a:rPr>
+              <a:t>Activité</a:t>
+            </a:r>
+            <a:r>
               <a:rPr lang="en-GB" dirty="0">
                 <a:solidFill>
                   <a:schemeClr val="bg1"/>
                 </a:solidFill>
               </a:rPr>
-              <a:t>Fragments</a:t>
+              <a:t> / Fragments</a:t>
             </a:r>
           </a:p>
         </p:txBody>
@@ -12439,7 +11998,7 @@
         </p:nvCxnSpPr>
         <p:spPr>
           <a:xfrm>
-            <a:off x="6435233" y="2167704"/>
+            <a:off x="6458897" y="2167704"/>
             <a:ext cx="0" cy="363408"/>
           </a:xfrm>
           <a:prstGeom prst="straightConnector1">
@@ -12485,8 +12044,8 @@
         </p:nvCxnSpPr>
         <p:spPr>
           <a:xfrm>
-            <a:off x="6435233" y="3301856"/>
-            <a:ext cx="0" cy="337388"/>
+            <a:off x="6458897" y="3300555"/>
+            <a:ext cx="0" cy="338689"/>
           </a:xfrm>
           <a:prstGeom prst="straightConnector1">
             <a:avLst/>
@@ -12766,7 +12325,7 @@
 </p:sld>
 </file>
 
-<file path=ppt/slides/slide6.xml><?xml version="1.0" encoding="utf-8"?>
+<file path=ppt/slides/slide5.xml><?xml version="1.0" encoding="utf-8"?>
 <p:sld xmlns:a="http://schemas.openxmlformats.org/drawingml/2006/main" xmlns:r="http://schemas.openxmlformats.org/officeDocument/2006/relationships" xmlns:p="http://schemas.openxmlformats.org/presentationml/2006/main">
   <p:cSld>
     <p:spTree>
@@ -12888,11 +12447,35 @@
             </a:pPr>
             <a:r>
               <a:rPr lang="en-GB" dirty="0"/>
-              <a:t>UI</a:t>
-            </a:r>
-          </a:p>
-          <a:p>
-            <a:pPr lvl="1" indent="-311150">
+              <a:t>Fragments et </a:t>
+            </a:r>
+            <a:r>
+              <a:rPr lang="en-GB" dirty="0" err="1"/>
+              <a:t>ViewModels</a:t>
+            </a:r>
+            <a:r>
+              <a:rPr lang="en-GB" dirty="0"/>
+              <a:t> pour </a:t>
+            </a:r>
+            <a:r>
+              <a:rPr lang="en-GB" dirty="0" err="1"/>
+              <a:t>chaque</a:t>
+            </a:r>
+            <a:r>
+              <a:rPr lang="en-GB" dirty="0"/>
+              <a:t> page </a:t>
+            </a:r>
+            <a:r>
+              <a:rPr lang="en-GB" dirty="0" err="1"/>
+              <a:t>ou</a:t>
+            </a:r>
+            <a:r>
+              <a:rPr lang="en-GB" dirty="0"/>
+              <a:t> dialogue</a:t>
+            </a:r>
+          </a:p>
+          <a:p>
+            <a:pPr lvl="2" indent="-311150">
               <a:spcBef>
                 <a:spcPts val="0"/>
               </a:spcBef>
@@ -12901,8 +12484,21 @@
             </a:pPr>
             <a:r>
               <a:rPr lang="en-GB" dirty="0"/>
-              <a:t>Common</a:t>
-            </a:r>
+              <a:t>Adapters et </a:t>
+            </a:r>
+            <a:r>
+              <a:rPr lang="en-GB" dirty="0" err="1"/>
+              <a:t>ViewHolders</a:t>
+            </a:r>
+            <a:r>
+              <a:rPr lang="en-GB" dirty="0"/>
+              <a:t> pour les </a:t>
+            </a:r>
+            <a:r>
+              <a:rPr lang="en-GB" dirty="0" err="1"/>
+              <a:t>RecyclerView</a:t>
+            </a:r>
+            <a:endParaRPr lang="en-GB" dirty="0"/>
           </a:p>
           <a:p>
             <a:pPr lvl="2" indent="-311150">
@@ -12913,8 +12509,105 @@
               <a:buChar char="●"/>
             </a:pPr>
             <a:r>
+              <a:rPr lang="en-GB" dirty="0" err="1"/>
+              <a:t>Utilitaires</a:t>
+            </a:r>
+            <a:r>
               <a:rPr lang="en-GB" dirty="0"/>
-              <a:t>Utilities</a:t>
+              <a:t> : </a:t>
+            </a:r>
+          </a:p>
+          <a:p>
+            <a:pPr lvl="3" indent="-311150">
+              <a:spcBef>
+                <a:spcPts val="0"/>
+              </a:spcBef>
+              <a:buSzPts val="1300"/>
+            </a:pPr>
+            <a:r>
+              <a:rPr lang="en-GB" dirty="0"/>
+              <a:t>gestion de </a:t>
+            </a:r>
+            <a:r>
+              <a:rPr lang="en-GB" dirty="0" err="1"/>
+              <a:t>l’état</a:t>
+            </a:r>
+            <a:r>
+              <a:rPr lang="en-GB" dirty="0"/>
+              <a:t> du reseau (mode </a:t>
+            </a:r>
+            <a:r>
+              <a:rPr lang="en-GB" dirty="0" err="1"/>
+              <a:t>en</a:t>
+            </a:r>
+            <a:r>
+              <a:rPr lang="en-GB" dirty="0"/>
+              <a:t>/hors </a:t>
+            </a:r>
+            <a:r>
+              <a:rPr lang="en-GB" dirty="0" err="1"/>
+              <a:t>ligne</a:t>
+            </a:r>
+            <a:r>
+              <a:rPr lang="en-GB" dirty="0"/>
+              <a:t>)</a:t>
+            </a:r>
+          </a:p>
+          <a:p>
+            <a:pPr lvl="3" indent="-311150">
+              <a:spcBef>
+                <a:spcPts val="0"/>
+              </a:spcBef>
+              <a:buSzPts val="1300"/>
+            </a:pPr>
+            <a:r>
+              <a:rPr lang="en-GB" dirty="0"/>
+              <a:t>gestion de </a:t>
+            </a:r>
+            <a:r>
+              <a:rPr lang="en-GB" dirty="0" err="1"/>
+              <a:t>l’authentification</a:t>
+            </a:r>
+            <a:r>
+              <a:rPr lang="en-GB" dirty="0"/>
+              <a:t> et time-out pour la connexion à </a:t>
+            </a:r>
+            <a:r>
+              <a:rPr lang="en-GB" dirty="0" err="1"/>
+              <a:t>l’API</a:t>
+            </a:r>
+            <a:endParaRPr lang="en-GB" dirty="0"/>
+          </a:p>
+          <a:p>
+            <a:pPr lvl="3" indent="-311150">
+              <a:spcBef>
+                <a:spcPts val="0"/>
+              </a:spcBef>
+              <a:buSzPts val="1300"/>
+            </a:pPr>
+            <a:r>
+              <a:rPr lang="en-GB" dirty="0" err="1"/>
+              <a:t>téléchargement</a:t>
+            </a:r>
+            <a:r>
+              <a:rPr lang="en-GB" dirty="0"/>
+              <a:t> des images à </a:t>
+            </a:r>
+            <a:r>
+              <a:rPr lang="en-GB" dirty="0" err="1"/>
+              <a:t>partir</a:t>
+            </a:r>
+            <a:r>
+              <a:rPr lang="en-GB" dirty="0"/>
+              <a:t> de </a:t>
+            </a:r>
+            <a:r>
+              <a:rPr lang="en-GB" dirty="0" err="1"/>
+              <a:t>leur</a:t>
+            </a:r>
+            <a:r>
+              <a:rPr lang="en-GB" dirty="0"/>
+              <a:t> URL</a:t>
             </a:r>
           </a:p>
           <a:p>
@@ -12927,7 +12620,7 @@
             </a:pPr>
             <a:r>
               <a:rPr lang="en-GB" dirty="0"/>
-              <a:t>Data</a:t>
+              <a:t>Common</a:t>
             </a:r>
           </a:p>
           <a:p>
@@ -12940,43 +12633,35 @@
             </a:pPr>
             <a:r>
               <a:rPr lang="en-GB" dirty="0" err="1"/>
-              <a:t>Implémentation</a:t>
+              <a:t>Fonctions</a:t>
             </a:r>
             <a:r>
               <a:rPr lang="en-GB" dirty="0"/>
-              <a:t> des connections </a:t>
+              <a:t> utilities (</a:t>
             </a:r>
             <a:r>
               <a:rPr lang="en-GB" dirty="0" err="1"/>
-              <a:t>vers</a:t>
+              <a:t>formattage</a:t>
             </a:r>
             <a:r>
               <a:rPr lang="en-GB" dirty="0"/>
-              <a:t> les sources de </a:t>
+              <a:t> des </a:t>
             </a:r>
             <a:r>
               <a:rPr lang="en-GB" dirty="0" err="1"/>
-              <a:t>données</a:t>
+              <a:t>chaînes</a:t>
             </a:r>
             <a:r>
               <a:rPr lang="en-GB" dirty="0"/>
-              <a:t> </a:t>
+              <a:t> de </a:t>
             </a:r>
             <a:r>
               <a:rPr lang="en-GB" dirty="0" err="1"/>
-              <a:t>distantes</a:t>
+              <a:t>caractères</a:t>
             </a:r>
             <a:r>
               <a:rPr lang="en-GB" dirty="0"/>
-              <a:t> </a:t>
-            </a:r>
-            <a:r>
-              <a:rPr lang="en-GB" dirty="0" err="1"/>
-              <a:t>ou</a:t>
-            </a:r>
-            <a:r>
-              <a:rPr lang="en-GB" dirty="0"/>
-              <a:t> locales</a:t>
+              <a:t>)</a:t>
             </a:r>
           </a:p>
           <a:p>
@@ -12989,7 +12674,7 @@
             </a:pPr>
             <a:r>
               <a:rPr lang="en-GB" dirty="0"/>
-              <a:t>Domain</a:t>
+              <a:t>Data</a:t>
             </a:r>
           </a:p>
           <a:p>
@@ -13002,55 +12687,94 @@
             </a:pPr>
             <a:r>
               <a:rPr lang="en-GB" dirty="0" err="1"/>
-              <a:t>Modèles</a:t>
+              <a:t>Implémentation</a:t>
             </a:r>
             <a:r>
               <a:rPr lang="en-GB" dirty="0"/>
-              <a:t>, repository (</a:t>
+              <a:t> des connections </a:t>
             </a:r>
             <a:r>
               <a:rPr lang="en-GB" dirty="0" err="1"/>
-              <a:t>répot</a:t>
+              <a:t>vers</a:t>
             </a:r>
             <a:r>
               <a:rPr lang="en-GB" dirty="0"/>
-              <a:t> distant)</a:t>
-            </a:r>
-            <a:br>
+              <a:t> les sources de </a:t>
+            </a:r>
+            <a:r>
+              <a:rPr lang="en-GB" dirty="0" err="1"/>
+              <a:t>données</a:t>
+            </a:r>
+            <a:r>
               <a:rPr lang="en-GB" dirty="0"/>
-            </a:br>
+              <a:t> </a:t>
+            </a:r>
+            <a:r>
+              <a:rPr lang="en-GB" dirty="0" err="1"/>
+              <a:t>produits</a:t>
+            </a:r>
             <a:r>
               <a:rPr lang="en-GB" dirty="0"/>
-              <a:t>	fetch -&gt; </a:t>
+              <a:t> </a:t>
             </a:r>
             <a:r>
               <a:rPr lang="en-GB" dirty="0" err="1"/>
-              <a:t>acces</a:t>
+              <a:t>distantes</a:t>
             </a:r>
             <a:r>
               <a:rPr lang="en-GB" dirty="0"/>
-              <a:t> distant</a:t>
-            </a:r>
-          </a:p>
-          <a:p>
-            <a:pPr marL="1974850" lvl="4" indent="0">
+              <a:t> et locales</a:t>
+            </a:r>
+          </a:p>
+          <a:p>
+            <a:pPr lvl="2" indent="-311150">
               <a:spcBef>
                 <a:spcPts val="0"/>
               </a:spcBef>
               <a:buSzPts val="1300"/>
-              <a:buNone/>
+              <a:buFont typeface="Lato"/>
+              <a:buChar char="●"/>
             </a:pPr>
             <a:r>
-              <a:rPr lang="fr-FR" dirty="0" err="1"/>
-              <a:t>Add</a:t>
-            </a:r>
-            <a:r>
-              <a:rPr lang="fr-FR" dirty="0"/>
-              <a:t> -&gt; local</a:t>
-            </a:r>
-          </a:p>
-          <a:p>
-            <a:pPr lvl="2" indent="-311150">
+              <a:rPr lang="en-GB" dirty="0" err="1"/>
+              <a:t>Implémentation</a:t>
+            </a:r>
+            <a:r>
+              <a:rPr lang="en-GB" dirty="0"/>
+              <a:t> des connections </a:t>
+            </a:r>
+            <a:r>
+              <a:rPr lang="en-GB" dirty="0" err="1"/>
+              <a:t>vers</a:t>
+            </a:r>
+            <a:r>
+              <a:rPr lang="en-GB" dirty="0"/>
+              <a:t> les </a:t>
+            </a:r>
+            <a:r>
+              <a:rPr lang="en-GB" dirty="0" err="1"/>
+              <a:t>réglages</a:t>
+            </a:r>
+            <a:r>
+              <a:rPr lang="en-GB" dirty="0"/>
+              <a:t> (langue) </a:t>
+            </a:r>
+            <a:r>
+              <a:rPr lang="en-GB" dirty="0" err="1"/>
+              <a:t>stockés</a:t>
+            </a:r>
+            <a:r>
+              <a:rPr lang="en-GB" dirty="0"/>
+              <a:t> </a:t>
+            </a:r>
+            <a:r>
+              <a:rPr lang="en-GB" dirty="0" err="1"/>
+              <a:t>localement</a:t>
+            </a:r>
+            <a:endParaRPr lang="en-GB" dirty="0"/>
+          </a:p>
+          <a:p>
+            <a:pPr lvl="1" indent="-311150">
               <a:spcBef>
                 <a:spcPts val="0"/>
               </a:spcBef>
@@ -13059,7 +12783,70 @@
             </a:pPr>
             <a:r>
               <a:rPr lang="en-GB" dirty="0"/>
-              <a:t>Interfaces, </a:t>
+              <a:t>Domain</a:t>
+            </a:r>
+          </a:p>
+          <a:p>
+            <a:pPr lvl="2" indent="-311150">
+              <a:spcBef>
+                <a:spcPts val="0"/>
+              </a:spcBef>
+              <a:buSzPts val="1300"/>
+              <a:buChar char="●"/>
+            </a:pPr>
+            <a:r>
+              <a:rPr lang="en-GB" dirty="0" err="1"/>
+              <a:t>Définition</a:t>
+            </a:r>
+            <a:r>
+              <a:rPr lang="en-GB" dirty="0"/>
+              <a:t> des </a:t>
+            </a:r>
+            <a:r>
+              <a:rPr lang="en-GB" dirty="0" err="1"/>
+              <a:t>Modèles</a:t>
+            </a:r>
+            <a:endParaRPr lang="en-GB" dirty="0"/>
+          </a:p>
+          <a:p>
+            <a:pPr lvl="2" indent="-311150">
+              <a:spcBef>
+                <a:spcPts val="0"/>
+              </a:spcBef>
+              <a:buSzPts val="1300"/>
+              <a:buChar char="●"/>
+            </a:pPr>
+            <a:r>
+              <a:rPr lang="en-GB" dirty="0" err="1"/>
+              <a:t>Définition</a:t>
+            </a:r>
+            <a:r>
+              <a:rPr lang="en-GB" dirty="0"/>
+              <a:t> des </a:t>
+            </a:r>
+            <a:r>
+              <a:rPr lang="en-GB" dirty="0" err="1"/>
+              <a:t>dépôts</a:t>
+            </a:r>
+            <a:r>
+              <a:rPr lang="en-GB" dirty="0"/>
+              <a:t> sous </a:t>
+            </a:r>
+            <a:r>
+              <a:rPr lang="en-GB" dirty="0" err="1"/>
+              <a:t>forme</a:t>
+            </a:r>
+            <a:r>
+              <a:rPr lang="en-GB" dirty="0"/>
+              <a:t> </a:t>
+            </a:r>
+            <a:r>
+              <a:rPr lang="en-GB" dirty="0" err="1"/>
+              <a:t>s’interfaces</a:t>
+            </a:r>
+            <a:r>
+              <a:rPr lang="en-GB" dirty="0"/>
+              <a:t> (</a:t>
             </a:r>
             <a:r>
               <a:rPr lang="en-GB" dirty="0" err="1"/>
@@ -13067,13 +12854,96 @@
             </a:r>
             <a:r>
               <a:rPr lang="en-GB" dirty="0"/>
-              <a:t> des </a:t>
+              <a:t> de la </a:t>
             </a:r>
             <a:r>
               <a:rPr lang="en-GB" dirty="0" err="1"/>
-              <a:t>plateformes</a:t>
-            </a:r>
-            <a:endParaRPr lang="en-CH" dirty="0"/>
+              <a:t>plateforme</a:t>
+            </a:r>
+            <a:r>
+              <a:rPr lang="en-GB" dirty="0"/>
+              <a:t>)</a:t>
+            </a:r>
+          </a:p>
+          <a:p>
+            <a:pPr lvl="3" indent="-311150">
+              <a:spcBef>
+                <a:spcPts val="0"/>
+              </a:spcBef>
+              <a:buSzPts val="1300"/>
+            </a:pPr>
+            <a:r>
+              <a:rPr lang="en-GB" dirty="0"/>
+              <a:t>Les </a:t>
+            </a:r>
+            <a:r>
+              <a:rPr lang="en-GB" dirty="0" err="1"/>
+              <a:t>fonctions</a:t>
+            </a:r>
+            <a:r>
+              <a:rPr lang="en-GB" dirty="0"/>
+              <a:t> fetch* </a:t>
+            </a:r>
+            <a:r>
+              <a:rPr lang="en-GB" dirty="0" err="1"/>
+              <a:t>sont</a:t>
+            </a:r>
+            <a:r>
+              <a:rPr lang="en-GB" dirty="0"/>
+              <a:t> </a:t>
+            </a:r>
+            <a:r>
+              <a:rPr lang="en-GB" dirty="0" err="1"/>
+              <a:t>dédiées</a:t>
+            </a:r>
+            <a:r>
+              <a:rPr lang="en-GB" dirty="0"/>
+              <a:t> à </a:t>
+            </a:r>
+            <a:r>
+              <a:rPr lang="en-GB" dirty="0" err="1"/>
+              <a:t>l’accès</a:t>
+            </a:r>
+            <a:r>
+              <a:rPr lang="en-GB" dirty="0"/>
+              <a:t> reseau (distant)</a:t>
+            </a:r>
+          </a:p>
+          <a:p>
+            <a:pPr lvl="3" indent="-311150">
+              <a:spcBef>
+                <a:spcPts val="0"/>
+              </a:spcBef>
+              <a:buSzPts val="1300"/>
+            </a:pPr>
+            <a:r>
+              <a:rPr lang="en-GB" dirty="0"/>
+              <a:t>Les </a:t>
+            </a:r>
+            <a:r>
+              <a:rPr lang="en-GB" dirty="0" err="1"/>
+              <a:t>autres</a:t>
+            </a:r>
+            <a:r>
+              <a:rPr lang="en-GB" dirty="0"/>
+              <a:t> </a:t>
+            </a:r>
+            <a:r>
+              <a:rPr lang="en-GB" dirty="0" err="1"/>
+              <a:t>fonctions</a:t>
+            </a:r>
+            <a:r>
+              <a:rPr lang="en-GB" dirty="0"/>
+              <a:t> </a:t>
+            </a:r>
+            <a:r>
+              <a:rPr lang="en-GB" dirty="0" err="1"/>
+              <a:t>sont</a:t>
+            </a:r>
+            <a:r>
+              <a:rPr lang="en-GB" dirty="0"/>
+              <a:t> relatives à la persistence locale (shared preferences)</a:t>
+            </a:r>
           </a:p>
         </p:txBody>
       </p:sp>
@@ -13090,7 +12960,7 @@
 </p:sld>
 </file>
 
-<file path=ppt/slides/slide7.xml><?xml version="1.0" encoding="utf-8"?>
+<file path=ppt/slides/slide6.xml><?xml version="1.0" encoding="utf-8"?>
 <p:sld xmlns:a="http://schemas.openxmlformats.org/drawingml/2006/main" xmlns:r="http://schemas.openxmlformats.org/officeDocument/2006/relationships" xmlns:p="http://schemas.openxmlformats.org/presentationml/2006/main">
   <p:cSld>
     <p:spTree>
@@ -13185,10 +13055,10 @@
               <a:buChar char="●"/>
             </a:pPr>
             <a:r>
-              <a:rPr lang="fr"/>
-              <a:t>activité unique JetPack Navigation</a:t>
-            </a:r>
-            <a:endParaRPr/>
+              <a:rPr lang="fr" dirty="0"/>
+              <a:t>Activité unique</a:t>
+            </a:r>
+            <a:endParaRPr dirty="0"/>
           </a:p>
           <a:p>
             <a:pPr marL="457200" lvl="0" indent="-311150" algn="l" rtl="0">
@@ -13202,10 +13072,10 @@
               <a:buChar char="●"/>
             </a:pPr>
             <a:r>
-              <a:rPr lang="fr"/>
+              <a:rPr lang="fr" dirty="0"/>
               <a:t>plusieurs fragments</a:t>
             </a:r>
-            <a:endParaRPr/>
+            <a:endParaRPr dirty="0"/>
           </a:p>
           <a:p>
             <a:pPr marL="914400" lvl="1" indent="-298450" algn="l" rtl="0">
@@ -13219,10 +13089,10 @@
               <a:buChar char="○"/>
             </a:pPr>
             <a:r>
-              <a:rPr lang="fr"/>
+              <a:rPr lang="fr" dirty="0"/>
               <a:t>comme des vues dans le cadre d’une activité</a:t>
             </a:r>
-            <a:endParaRPr/>
+            <a:endParaRPr dirty="0"/>
           </a:p>
           <a:p>
             <a:pPr marL="914400" lvl="1" indent="-298450" algn="l" rtl="0">
@@ -13236,10 +13106,10 @@
               <a:buChar char="○"/>
             </a:pPr>
             <a:r>
-              <a:rPr lang="fr"/>
-              <a:t>implémentés dans une classe spécifique avec sa propre logique UI</a:t>
-            </a:r>
-            <a:endParaRPr/>
+              <a:rPr lang="fr" dirty="0"/>
+              <a:t>implémentés dans une classe spécifique avec leur propre logique UI</a:t>
+            </a:r>
+            <a:endParaRPr dirty="0"/>
           </a:p>
           <a:p>
             <a:pPr marL="914400" lvl="1" indent="-298450" algn="l" rtl="0">
@@ -13253,10 +13123,10 @@
               <a:buChar char="○"/>
             </a:pPr>
             <a:r>
-              <a:rPr lang="fr"/>
+              <a:rPr lang="fr" dirty="0"/>
               <a:t>disposent de leur layout dédié</a:t>
             </a:r>
-            <a:endParaRPr/>
+            <a:endParaRPr dirty="0"/>
           </a:p>
           <a:p>
             <a:pPr marL="914400" lvl="1" indent="-298450" algn="l" rtl="0">
@@ -13270,10 +13140,10 @@
               <a:buChar char="○"/>
             </a:pPr>
             <a:r>
-              <a:rPr lang="fr"/>
+              <a:rPr lang="fr" dirty="0"/>
               <a:t>ont les mêmes états de cycle de vie que les activités (les fonctions callback diffèrent)</a:t>
             </a:r>
-            <a:endParaRPr/>
+            <a:endParaRPr dirty="0"/>
           </a:p>
           <a:p>
             <a:pPr marL="457200" lvl="0" indent="-311150" algn="l" rtl="0">
@@ -13287,10 +13157,10 @@
               <a:buChar char="●"/>
             </a:pPr>
             <a:r>
-              <a:rPr lang="fr"/>
-              <a:t>Le “NavHostFragment” agit comme un routeur et gère le “back stack” des fragments</a:t>
-            </a:r>
-            <a:endParaRPr/>
+              <a:rPr lang="fr" dirty="0"/>
+              <a:t>Le “NavHostFragment” (JetPack Navigation) agit comme un routeur et gère le “back stack” des fragments</a:t>
+            </a:r>
+            <a:endParaRPr dirty="0"/>
           </a:p>
           <a:p>
             <a:pPr marL="914400" lvl="1" indent="-298450" algn="l" rtl="0">
@@ -13304,10 +13174,10 @@
               <a:buChar char="○"/>
             </a:pPr>
             <a:r>
-              <a:rPr lang="fr"/>
+              <a:rPr lang="fr" dirty="0"/>
               <a:t>routage basé sur le “graphe de navigation” (connexions entre les fragments par le biais d’actions)</a:t>
             </a:r>
-            <a:endParaRPr/>
+            <a:endParaRPr dirty="0"/>
           </a:p>
           <a:p>
             <a:pPr marL="914400" lvl="1" indent="-298450" algn="l" rtl="0">
@@ -13321,10 +13191,10 @@
               <a:buChar char="○"/>
             </a:pPr>
             <a:r>
-              <a:rPr lang="fr"/>
+              <a:rPr lang="fr" dirty="0"/>
               <a:t>clicklistener dans les classes des fragments pour déclencher la navigation</a:t>
             </a:r>
-            <a:endParaRPr/>
+            <a:endParaRPr dirty="0"/>
           </a:p>
           <a:p>
             <a:pPr marL="914400" lvl="1" indent="-298450" algn="l" rtl="0">
@@ -13338,10 +13208,10 @@
               <a:buChar char="○"/>
             </a:pPr>
             <a:r>
-              <a:rPr lang="fr"/>
+              <a:rPr lang="fr" dirty="0"/>
               <a:t>appels à une instance du  “navigation controller” qui est la classe qui gère la navigation dans le NavHostFragment</a:t>
             </a:r>
-            <a:endParaRPr/>
+            <a:endParaRPr dirty="0"/>
           </a:p>
           <a:p>
             <a:pPr marL="457200" lvl="0" indent="-311150" algn="l" rtl="0">
@@ -13355,10 +13225,10 @@
               <a:buChar char="●"/>
             </a:pPr>
             <a:r>
-              <a:rPr lang="fr"/>
+              <a:rPr lang="fr" dirty="0"/>
               <a:t>Transfert de données entre les différents fragments via : safe-arg</a:t>
             </a:r>
-            <a:endParaRPr/>
+            <a:endParaRPr dirty="0"/>
           </a:p>
         </p:txBody>
       </p:sp>
@@ -13370,292 +13240,7 @@
 </p:sld>
 </file>
 
-<file path=ppt/slides/slide8.xml><?xml version="1.0" encoding="utf-8"?>
-<p:sld xmlns:a="http://schemas.openxmlformats.org/drawingml/2006/main" xmlns:r="http://schemas.openxmlformats.org/officeDocument/2006/relationships" xmlns:p="http://schemas.openxmlformats.org/presentationml/2006/main">
-  <p:cSld>
-    <p:spTree>
-      <p:nvGrpSpPr>
-        <p:cNvPr id="1" name="Shape 152"/>
-        <p:cNvGrpSpPr/>
-        <p:nvPr/>
-      </p:nvGrpSpPr>
-      <p:grpSpPr>
-        <a:xfrm>
-          <a:off x="0" y="0"/>
-          <a:ext cx="0" cy="0"/>
-          <a:chOff x="0" y="0"/>
-          <a:chExt cx="0" cy="0"/>
-        </a:xfrm>
-      </p:grpSpPr>
-      <p:sp>
-        <p:nvSpPr>
-          <p:cNvPr id="153" name="Google Shape;153;p16"/>
-          <p:cNvSpPr txBox="1">
-            <a:spLocks noGrp="1"/>
-          </p:cNvSpPr>
-          <p:nvPr>
-            <p:ph type="title"/>
-          </p:nvPr>
-        </p:nvSpPr>
-        <p:spPr>
-          <a:xfrm>
-            <a:off x="1297500" y="393750"/>
-            <a:ext cx="7038900" cy="914100"/>
-          </a:xfrm>
-          <a:prstGeom prst="rect">
-            <a:avLst/>
-          </a:prstGeom>
-        </p:spPr>
-        <p:txBody>
-          <a:bodyPr spcFirstLastPara="1" wrap="square" lIns="91425" tIns="91425" rIns="91425" bIns="91425" anchor="t" anchorCtr="0">
-            <a:noAutofit/>
-          </a:bodyPr>
-          <a:lstStyle/>
-          <a:p>
-            <a:pPr marL="0" lvl="0" indent="0" algn="l" rtl="0">
-              <a:spcBef>
-                <a:spcPts val="0"/>
-              </a:spcBef>
-              <a:spcAft>
-                <a:spcPts val="0"/>
-              </a:spcAft>
-              <a:buNone/>
-            </a:pPr>
-            <a:r>
-              <a:rPr lang="fr"/>
-              <a:t>Navigation</a:t>
-            </a:r>
-            <a:endParaRPr/>
-          </a:p>
-        </p:txBody>
-      </p:sp>
-      <p:sp>
-        <p:nvSpPr>
-          <p:cNvPr id="154" name="Google Shape;154;p16"/>
-          <p:cNvSpPr txBox="1">
-            <a:spLocks noGrp="1"/>
-          </p:cNvSpPr>
-          <p:nvPr>
-            <p:ph type="body" idx="1"/>
-          </p:nvPr>
-        </p:nvSpPr>
-        <p:spPr>
-          <a:xfrm>
-            <a:off x="1297500" y="1567550"/>
-            <a:ext cx="7038900" cy="2911200"/>
-          </a:xfrm>
-          <a:prstGeom prst="rect">
-            <a:avLst/>
-          </a:prstGeom>
-        </p:spPr>
-        <p:txBody>
-          <a:bodyPr spcFirstLastPara="1" wrap="square" lIns="91425" tIns="91425" rIns="91425" bIns="91425" anchor="t" anchorCtr="0">
-            <a:noAutofit/>
-          </a:bodyPr>
-          <a:lstStyle/>
-          <a:p>
-            <a:pPr marL="457200" lvl="0" indent="-311150" algn="l" rtl="0">
-              <a:spcBef>
-                <a:spcPts val="0"/>
-              </a:spcBef>
-              <a:spcAft>
-                <a:spcPts val="0"/>
-              </a:spcAft>
-              <a:buSzPts val="1300"/>
-              <a:buChar char="●"/>
-            </a:pPr>
-            <a:r>
-              <a:rPr lang="fr"/>
-              <a:t>activité unique JetPack Navigation</a:t>
-            </a:r>
-            <a:endParaRPr/>
-          </a:p>
-          <a:p>
-            <a:pPr marL="457200" lvl="0" indent="-311150" algn="l" rtl="0">
-              <a:spcBef>
-                <a:spcPts val="0"/>
-              </a:spcBef>
-              <a:spcAft>
-                <a:spcPts val="0"/>
-              </a:spcAft>
-              <a:buSzPts val="1300"/>
-              <a:buChar char="●"/>
-            </a:pPr>
-            <a:r>
-              <a:rPr lang="fr"/>
-              <a:t>plusieurs fragments</a:t>
-            </a:r>
-            <a:endParaRPr/>
-          </a:p>
-          <a:p>
-            <a:pPr marL="914400" lvl="1" indent="-298450" algn="l" rtl="0">
-              <a:spcBef>
-                <a:spcPts val="0"/>
-              </a:spcBef>
-              <a:spcAft>
-                <a:spcPts val="0"/>
-              </a:spcAft>
-              <a:buSzPts val="1100"/>
-              <a:buChar char="○"/>
-            </a:pPr>
-            <a:r>
-              <a:rPr lang="fr"/>
-              <a:t>comme des vues dans le cadre d’une activité</a:t>
-            </a:r>
-            <a:endParaRPr/>
-          </a:p>
-          <a:p>
-            <a:pPr marL="914400" lvl="1" indent="-298450" algn="l" rtl="0">
-              <a:spcBef>
-                <a:spcPts val="0"/>
-              </a:spcBef>
-              <a:spcAft>
-                <a:spcPts val="0"/>
-              </a:spcAft>
-              <a:buSzPts val="1100"/>
-              <a:buChar char="○"/>
-            </a:pPr>
-            <a:r>
-              <a:rPr lang="fr"/>
-              <a:t>implémentés dans une classe spécifique avec sa propre logique UI</a:t>
-            </a:r>
-            <a:endParaRPr/>
-          </a:p>
-          <a:p>
-            <a:pPr marL="914400" lvl="1" indent="-298450" algn="l" rtl="0">
-              <a:spcBef>
-                <a:spcPts val="0"/>
-              </a:spcBef>
-              <a:spcAft>
-                <a:spcPts val="0"/>
-              </a:spcAft>
-              <a:buSzPts val="1100"/>
-              <a:buChar char="○"/>
-            </a:pPr>
-            <a:r>
-              <a:rPr lang="fr"/>
-              <a:t>disposent de leur layout dédié</a:t>
-            </a:r>
-            <a:endParaRPr/>
-          </a:p>
-          <a:p>
-            <a:pPr marL="914400" lvl="1" indent="-298450" algn="l" rtl="0">
-              <a:spcBef>
-                <a:spcPts val="0"/>
-              </a:spcBef>
-              <a:spcAft>
-                <a:spcPts val="0"/>
-              </a:spcAft>
-              <a:buSzPts val="1100"/>
-              <a:buChar char="○"/>
-            </a:pPr>
-            <a:r>
-              <a:rPr lang="fr"/>
-              <a:t>ont les mêmes états de cycle de vie que les activités (les fonctions callback diffèrent)</a:t>
-            </a:r>
-            <a:endParaRPr/>
-          </a:p>
-          <a:p>
-            <a:pPr marL="457200" lvl="0" indent="-311150" algn="l" rtl="0">
-              <a:spcBef>
-                <a:spcPts val="0"/>
-              </a:spcBef>
-              <a:spcAft>
-                <a:spcPts val="0"/>
-              </a:spcAft>
-              <a:buSzPts val="1300"/>
-              <a:buChar char="●"/>
-            </a:pPr>
-            <a:r>
-              <a:rPr lang="fr"/>
-              <a:t>Le “NavHostFragment” agit comme un routeur et gère le “back stack” des fragments</a:t>
-            </a:r>
-            <a:endParaRPr/>
-          </a:p>
-          <a:p>
-            <a:pPr marL="914400" lvl="1" indent="-298450" algn="l" rtl="0">
-              <a:spcBef>
-                <a:spcPts val="0"/>
-              </a:spcBef>
-              <a:spcAft>
-                <a:spcPts val="0"/>
-              </a:spcAft>
-              <a:buSzPts val="1100"/>
-              <a:buChar char="○"/>
-            </a:pPr>
-            <a:r>
-              <a:rPr lang="fr"/>
-              <a:t>routage basé sur le “graphe de navigation” (connexions entre les fragments par le biais d’actions)</a:t>
-            </a:r>
-            <a:endParaRPr/>
-          </a:p>
-          <a:p>
-            <a:pPr marL="914400" lvl="1" indent="-298450" algn="l" rtl="0">
-              <a:spcBef>
-                <a:spcPts val="0"/>
-              </a:spcBef>
-              <a:spcAft>
-                <a:spcPts val="0"/>
-              </a:spcAft>
-              <a:buSzPts val="1100"/>
-              <a:buChar char="○"/>
-            </a:pPr>
-            <a:r>
-              <a:rPr lang="fr"/>
-              <a:t>clicklistener dans les classes des fragments pour déclencher la navigation</a:t>
-            </a:r>
-            <a:endParaRPr/>
-          </a:p>
-          <a:p>
-            <a:pPr marL="914400" lvl="1" indent="-298450" algn="l" rtl="0">
-              <a:spcBef>
-                <a:spcPts val="0"/>
-              </a:spcBef>
-              <a:spcAft>
-                <a:spcPts val="0"/>
-              </a:spcAft>
-              <a:buSzPts val="1100"/>
-              <a:buChar char="○"/>
-            </a:pPr>
-            <a:r>
-              <a:rPr lang="fr"/>
-              <a:t>appels à une instance du  “navigation controller” qui est la classe qui gère la navigation dans le NavHostFragment</a:t>
-            </a:r>
-            <a:endParaRPr/>
-          </a:p>
-          <a:p>
-            <a:pPr marL="457200" lvl="0" indent="-311150" algn="l" rtl="0">
-              <a:spcBef>
-                <a:spcPts val="0"/>
-              </a:spcBef>
-              <a:spcAft>
-                <a:spcPts val="0"/>
-              </a:spcAft>
-              <a:buSzPts val="1300"/>
-              <a:buChar char="●"/>
-            </a:pPr>
-            <a:r>
-              <a:rPr lang="fr"/>
-              <a:t>Transfert de données entre les différents fragments via : safe-arg</a:t>
-            </a:r>
-            <a:endParaRPr/>
-          </a:p>
-        </p:txBody>
-      </p:sp>
-    </p:spTree>
-    <p:extLst>
-      <p:ext uri="{BB962C8B-B14F-4D97-AF65-F5344CB8AC3E}">
-        <p14:creationId xmlns:p14="http://schemas.microsoft.com/office/powerpoint/2010/main" val="2396760141"/>
-      </p:ext>
-    </p:extLst>
-  </p:cSld>
-  <p:clrMapOvr>
-    <a:masterClrMapping/>
-  </p:clrMapOvr>
-</p:sld>
-</file>
-
-<file path=ppt/slides/slide9.xml><?xml version="1.0" encoding="utf-8"?>
+<file path=ppt/slides/slide7.xml><?xml version="1.0" encoding="utf-8"?>
 <p:sld xmlns:a="http://schemas.openxmlformats.org/drawingml/2006/main" xmlns:r="http://schemas.openxmlformats.org/officeDocument/2006/relationships" xmlns:p="http://schemas.openxmlformats.org/presentationml/2006/main">
   <p:cSld>
     <p:spTree>
@@ -13750,10 +13335,10 @@
               <a:buChar char="●"/>
             </a:pPr>
             <a:r>
-              <a:rPr lang="fr"/>
+              <a:rPr lang="fr" dirty="0"/>
               <a:t>onSaveInstanteState bundles -&gt; bibliothèque lifecycle </a:t>
             </a:r>
-            <a:endParaRPr/>
+            <a:endParaRPr dirty="0"/>
           </a:p>
           <a:p>
             <a:pPr marL="914400" lvl="1" indent="-298450" algn="l" rtl="0">
@@ -13767,10 +13352,10 @@
               <a:buChar char="○"/>
             </a:pPr>
             <a:r>
-              <a:rPr lang="fr"/>
+              <a:rPr lang="fr" dirty="0"/>
               <a:t>UI Controller = activity + fragment (génère les vues + capture les entrées utilisateur)</a:t>
             </a:r>
-            <a:endParaRPr/>
+            <a:endParaRPr dirty="0"/>
           </a:p>
           <a:p>
             <a:pPr marL="914400" lvl="1" indent="-298450" algn="l" rtl="0">
@@ -13784,10 +13369,10 @@
               <a:buChar char="○"/>
             </a:pPr>
             <a:r>
-              <a:rPr lang="fr"/>
+              <a:rPr lang="fr" dirty="0"/>
               <a:t>ViewModel (gère les données à afficher + contient la logique métier)</a:t>
             </a:r>
-            <a:endParaRPr/>
+            <a:endParaRPr dirty="0"/>
           </a:p>
           <a:p>
             <a:pPr marL="914400" lvl="1" indent="-298450" algn="l" rtl="0">
@@ -13801,10 +13386,22 @@
               <a:buChar char="○"/>
             </a:pPr>
             <a:r>
-              <a:rPr lang="fr"/>
+              <a:rPr lang="fr" dirty="0"/>
               <a:t>LiveData (observable, sujet qui notifie l’observer (UI Controller, le fragment) quand les données ont changé dans le ViewModel, connait l’état du lifecyle de ses observeurs -&gt; interaction intelligente, mise-à-jour seulement si visible)</a:t>
             </a:r>
-            <a:endParaRPr/>
+          </a:p>
+          <a:p>
+            <a:pPr marL="914400" lvl="1" indent="-298450" algn="l" rtl="0">
+              <a:spcBef>
+                <a:spcPts val="0"/>
+              </a:spcBef>
+              <a:spcAft>
+                <a:spcPts val="0"/>
+              </a:spcAft>
+              <a:buSzPts val="1100"/>
+              <a:buChar char="○"/>
+            </a:pPr>
+            <a:endParaRPr dirty="0"/>
           </a:p>
           <a:p>
             <a:pPr marL="457200" lvl="0" indent="-311150" algn="l" rtl="0">
@@ -13818,10 +13415,10 @@
               <a:buChar char="●"/>
             </a:pPr>
             <a:r>
-              <a:rPr lang="fr"/>
+              <a:rPr lang="fr" dirty="0"/>
               <a:t>Avantages: </a:t>
             </a:r>
-            <a:endParaRPr/>
+            <a:endParaRPr dirty="0"/>
           </a:p>
           <a:p>
             <a:pPr marL="914400" lvl="1" indent="-298450" algn="l" rtl="0">
@@ -13835,10 +13432,10 @@
               <a:buChar char="○"/>
             </a:pPr>
             <a:r>
-              <a:rPr lang="fr"/>
+              <a:rPr lang="fr" dirty="0"/>
               <a:t>si changements de configuration (ex : rotation), les données persistent dans la classe ViewModel</a:t>
             </a:r>
-            <a:endParaRPr/>
+            <a:endParaRPr dirty="0"/>
           </a:p>
           <a:p>
             <a:pPr marL="914400" lvl="1" indent="-298450" algn="l" rtl="0">
@@ -13852,10 +13449,10 @@
               <a:buChar char="○"/>
             </a:pPr>
             <a:r>
-              <a:rPr lang="fr"/>
+              <a:rPr lang="fr" dirty="0"/>
               <a:t>pas de restriction de taille, contrairement à onSaveInstanteState </a:t>
             </a:r>
-            <a:endParaRPr/>
+            <a:endParaRPr dirty="0"/>
           </a:p>
           <a:p>
             <a:pPr marL="457200" lvl="0" indent="-311150" algn="l" rtl="0">
@@ -13868,7 +13465,413 @@
               <a:buSzPts val="1300"/>
               <a:buChar char="●"/>
             </a:pPr>
+            <a:endParaRPr dirty="0"/>
+          </a:p>
+        </p:txBody>
+      </p:sp>
+    </p:spTree>
+  </p:cSld>
+  <p:clrMapOvr>
+    <a:masterClrMapping/>
+  </p:clrMapOvr>
+</p:sld>
+</file>
+
+<file path=ppt/slides/slide8.xml><?xml version="1.0" encoding="utf-8"?>
+<p:sld xmlns:a="http://schemas.openxmlformats.org/drawingml/2006/main" xmlns:r="http://schemas.openxmlformats.org/officeDocument/2006/relationships" xmlns:p="http://schemas.openxmlformats.org/presentationml/2006/main">
+  <p:cSld>
+    <p:spTree>
+      <p:nvGrpSpPr>
+        <p:cNvPr id="1" name="Shape 164"/>
+        <p:cNvGrpSpPr/>
+        <p:nvPr/>
+      </p:nvGrpSpPr>
+      <p:grpSpPr>
+        <a:xfrm>
+          <a:off x="0" y="0"/>
+          <a:ext cx="0" cy="0"/>
+          <a:chOff x="0" y="0"/>
+          <a:chExt cx="0" cy="0"/>
+        </a:xfrm>
+      </p:grpSpPr>
+      <p:sp>
+        <p:nvSpPr>
+          <p:cNvPr id="165" name="Google Shape;165;p18"/>
+          <p:cNvSpPr txBox="1">
+            <a:spLocks noGrp="1"/>
+          </p:cNvSpPr>
+          <p:nvPr>
+            <p:ph type="title"/>
+          </p:nvPr>
+        </p:nvSpPr>
+        <p:spPr>
+          <a:xfrm>
+            <a:off x="1297500" y="393750"/>
+            <a:ext cx="7038900" cy="914100"/>
+          </a:xfrm>
+          <a:prstGeom prst="rect">
+            <a:avLst/>
+          </a:prstGeom>
+        </p:spPr>
+        <p:txBody>
+          <a:bodyPr spcFirstLastPara="1" wrap="square" lIns="91425" tIns="91425" rIns="91425" bIns="91425" anchor="t" anchorCtr="0">
+            <a:noAutofit/>
+          </a:bodyPr>
+          <a:lstStyle/>
+          <a:p>
+            <a:pPr marL="0" lvl="0" indent="0" algn="l" rtl="0">
+              <a:spcBef>
+                <a:spcPts val="0"/>
+              </a:spcBef>
+              <a:spcAft>
+                <a:spcPts val="0"/>
+              </a:spcAft>
+              <a:buNone/>
+            </a:pPr>
+            <a:r>
+              <a:rPr lang="fr"/>
+              <a:t>Scanner</a:t>
+            </a:r>
             <a:endParaRPr/>
+          </a:p>
+        </p:txBody>
+      </p:sp>
+      <p:sp>
+        <p:nvSpPr>
+          <p:cNvPr id="166" name="Google Shape;166;p18"/>
+          <p:cNvSpPr txBox="1">
+            <a:spLocks noGrp="1"/>
+          </p:cNvSpPr>
+          <p:nvPr>
+            <p:ph type="body" idx="1"/>
+          </p:nvPr>
+        </p:nvSpPr>
+        <p:spPr>
+          <a:xfrm>
+            <a:off x="1297500" y="1567550"/>
+            <a:ext cx="7038900" cy="2911200"/>
+          </a:xfrm>
+          <a:prstGeom prst="rect">
+            <a:avLst/>
+          </a:prstGeom>
+        </p:spPr>
+        <p:txBody>
+          <a:bodyPr spcFirstLastPara="1" wrap="square" lIns="91425" tIns="91425" rIns="91425" bIns="91425" anchor="t" anchorCtr="0">
+            <a:noAutofit/>
+          </a:bodyPr>
+          <a:lstStyle/>
+          <a:p>
+            <a:pPr marL="457200" lvl="0" indent="-311150" algn="l" rtl="0">
+              <a:spcBef>
+                <a:spcPts val="0"/>
+              </a:spcBef>
+              <a:spcAft>
+                <a:spcPts val="0"/>
+              </a:spcAft>
+              <a:buSzPts val="1300"/>
+              <a:buChar char="●"/>
+            </a:pPr>
+            <a:r>
+              <a:rPr lang="fr"/>
+              <a:t>API : CameraX &amp; ZXing </a:t>
+            </a:r>
+            <a:endParaRPr/>
+          </a:p>
+        </p:txBody>
+      </p:sp>
+    </p:spTree>
+  </p:cSld>
+  <p:clrMapOvr>
+    <a:masterClrMapping/>
+  </p:clrMapOvr>
+</p:sld>
+</file>
+
+<file path=ppt/slides/slide9.xml><?xml version="1.0" encoding="utf-8"?>
+<p:sld xmlns:a="http://schemas.openxmlformats.org/drawingml/2006/main" xmlns:r="http://schemas.openxmlformats.org/officeDocument/2006/relationships" xmlns:p="http://schemas.openxmlformats.org/presentationml/2006/main">
+  <p:cSld>
+    <p:spTree>
+      <p:nvGrpSpPr>
+        <p:cNvPr id="1" name="Shape 170"/>
+        <p:cNvGrpSpPr/>
+        <p:nvPr/>
+      </p:nvGrpSpPr>
+      <p:grpSpPr>
+        <a:xfrm>
+          <a:off x="0" y="0"/>
+          <a:ext cx="0" cy="0"/>
+          <a:chOff x="0" y="0"/>
+          <a:chExt cx="0" cy="0"/>
+        </a:xfrm>
+      </p:grpSpPr>
+      <p:sp>
+        <p:nvSpPr>
+          <p:cNvPr id="171" name="Google Shape;171;p19"/>
+          <p:cNvSpPr txBox="1">
+            <a:spLocks noGrp="1"/>
+          </p:cNvSpPr>
+          <p:nvPr>
+            <p:ph type="title"/>
+          </p:nvPr>
+        </p:nvSpPr>
+        <p:spPr>
+          <a:xfrm>
+            <a:off x="1297500" y="393750"/>
+            <a:ext cx="7038900" cy="914100"/>
+          </a:xfrm>
+          <a:prstGeom prst="rect">
+            <a:avLst/>
+          </a:prstGeom>
+        </p:spPr>
+        <p:txBody>
+          <a:bodyPr spcFirstLastPara="1" wrap="square" lIns="91425" tIns="91425" rIns="91425" bIns="91425" anchor="t" anchorCtr="0">
+            <a:noAutofit/>
+          </a:bodyPr>
+          <a:lstStyle/>
+          <a:p>
+            <a:pPr marL="0" lvl="0" indent="0" algn="l" rtl="0">
+              <a:spcBef>
+                <a:spcPts val="0"/>
+              </a:spcBef>
+              <a:spcAft>
+                <a:spcPts val="0"/>
+              </a:spcAft>
+              <a:buNone/>
+            </a:pPr>
+            <a:r>
+              <a:rPr lang="fr"/>
+              <a:t>Détails produit</a:t>
+            </a:r>
+            <a:endParaRPr/>
+          </a:p>
+        </p:txBody>
+      </p:sp>
+      <p:sp>
+        <p:nvSpPr>
+          <p:cNvPr id="172" name="Google Shape;172;p19"/>
+          <p:cNvSpPr txBox="1">
+            <a:spLocks noGrp="1"/>
+          </p:cNvSpPr>
+          <p:nvPr>
+            <p:ph type="body" idx="1"/>
+          </p:nvPr>
+        </p:nvSpPr>
+        <p:spPr>
+          <a:xfrm>
+            <a:off x="1297500" y="1567550"/>
+            <a:ext cx="7038900" cy="2911200"/>
+          </a:xfrm>
+          <a:prstGeom prst="rect">
+            <a:avLst/>
+          </a:prstGeom>
+        </p:spPr>
+        <p:txBody>
+          <a:bodyPr spcFirstLastPara="1" wrap="square" lIns="91425" tIns="91425" rIns="91425" bIns="91425" anchor="t" anchorCtr="0">
+            <a:noAutofit/>
+          </a:bodyPr>
+          <a:lstStyle/>
+          <a:p>
+            <a:pPr marL="457200" lvl="0" indent="-311150" algn="l" rtl="0">
+              <a:spcBef>
+                <a:spcPts val="0"/>
+              </a:spcBef>
+              <a:spcAft>
+                <a:spcPts val="0"/>
+              </a:spcAft>
+              <a:buSzPts val="1300"/>
+              <a:buChar char="●"/>
+            </a:pPr>
+            <a:r>
+              <a:rPr lang="fr" dirty="0"/>
+              <a:t>Programmation asynchrone</a:t>
+            </a:r>
+            <a:endParaRPr dirty="0"/>
+          </a:p>
+          <a:p>
+            <a:pPr marL="457200" lvl="0" indent="-311150" algn="l" rtl="0">
+              <a:spcBef>
+                <a:spcPts val="0"/>
+              </a:spcBef>
+              <a:spcAft>
+                <a:spcPts val="0"/>
+              </a:spcAft>
+              <a:buSzPts val="1300"/>
+              <a:buChar char="●"/>
+            </a:pPr>
+            <a:r>
+              <a:rPr lang="fr" dirty="0"/>
+              <a:t>Retrofit </a:t>
+            </a:r>
+          </a:p>
+          <a:p>
+            <a:pPr marL="457200" lvl="0" indent="-311150" algn="l" rtl="0">
+              <a:spcBef>
+                <a:spcPts val="0"/>
+              </a:spcBef>
+              <a:spcAft>
+                <a:spcPts val="0"/>
+              </a:spcAft>
+              <a:buSzPts val="1300"/>
+              <a:buChar char="●"/>
+            </a:pPr>
+            <a:r>
+              <a:rPr lang="fr" dirty="0"/>
+              <a:t>Moshi (JSON parsing)</a:t>
+            </a:r>
+            <a:endParaRPr dirty="0"/>
+          </a:p>
+          <a:p>
+            <a:pPr marL="457200" lvl="0" indent="-311150" algn="l" rtl="0">
+              <a:spcBef>
+                <a:spcPts val="0"/>
+              </a:spcBef>
+              <a:spcAft>
+                <a:spcPts val="0"/>
+              </a:spcAft>
+              <a:buSzPts val="1300"/>
+              <a:buChar char="●"/>
+            </a:pPr>
+            <a:r>
+              <a:rPr lang="fr" dirty="0"/>
+              <a:t>coroutines</a:t>
+            </a:r>
+            <a:endParaRPr dirty="0"/>
+          </a:p>
+          <a:p>
+            <a:pPr marL="914400" lvl="1" indent="-298450" algn="l" rtl="0">
+              <a:spcBef>
+                <a:spcPts val="0"/>
+              </a:spcBef>
+              <a:spcAft>
+                <a:spcPts val="0"/>
+              </a:spcAft>
+              <a:buSzPts val="1100"/>
+              <a:buChar char="○"/>
+            </a:pPr>
+            <a:r>
+              <a:rPr lang="fr" dirty="0"/>
+              <a:t>permet d’écrire du code basé sur des fonctions callback de façon séquentielle</a:t>
+            </a:r>
+            <a:endParaRPr dirty="0"/>
+          </a:p>
+          <a:p>
+            <a:pPr marL="914400" lvl="1" indent="-298450" algn="l" rtl="0">
+              <a:spcBef>
+                <a:spcPts val="0"/>
+              </a:spcBef>
+              <a:spcAft>
+                <a:spcPts val="0"/>
+              </a:spcAft>
+              <a:buSzPts val="1100"/>
+              <a:buChar char="○"/>
+            </a:pPr>
+            <a:r>
+              <a:rPr lang="fr" dirty="0"/>
+              <a:t>asynchrone (thread autre que UI)</a:t>
+            </a:r>
+            <a:endParaRPr dirty="0"/>
+          </a:p>
+          <a:p>
+            <a:pPr marL="914400" lvl="1" indent="-298450" algn="l" rtl="0">
+              <a:spcBef>
+                <a:spcPts val="0"/>
+              </a:spcBef>
+              <a:spcAft>
+                <a:spcPts val="0"/>
+              </a:spcAft>
+              <a:buSzPts val="1100"/>
+              <a:buChar char="○"/>
+            </a:pPr>
+            <a:r>
+              <a:rPr lang="fr" dirty="0"/>
+              <a:t>non-bloquant</a:t>
+            </a:r>
+            <a:endParaRPr dirty="0"/>
+          </a:p>
+          <a:p>
+            <a:pPr marL="914400" lvl="1" indent="-298450" algn="l" rtl="0">
+              <a:spcBef>
+                <a:spcPts val="0"/>
+              </a:spcBef>
+              <a:spcAft>
+                <a:spcPts val="0"/>
+              </a:spcAft>
+              <a:buSzPts val="1100"/>
+              <a:buChar char="○"/>
+            </a:pPr>
+            <a:r>
+              <a:rPr lang="fr" dirty="0"/>
+              <a:t>repose sur les fonctions “suspend” pour  rendre le code asynchrone séquentiel</a:t>
+            </a:r>
+            <a:endParaRPr dirty="0"/>
+          </a:p>
+          <a:p>
+            <a:pPr marL="914400" lvl="1" indent="-298450" algn="l" rtl="0">
+              <a:spcBef>
+                <a:spcPts val="0"/>
+              </a:spcBef>
+              <a:spcAft>
+                <a:spcPts val="0"/>
+              </a:spcAft>
+              <a:buSzPts val="1100"/>
+              <a:buChar char="○"/>
+            </a:pPr>
+            <a:r>
+              <a:rPr lang="fr" dirty="0"/>
+              <a:t>nécessite : </a:t>
+            </a:r>
+            <a:endParaRPr dirty="0"/>
+          </a:p>
+          <a:p>
+            <a:pPr marL="1371600" lvl="2" indent="-298450" algn="l" rtl="0">
+              <a:spcBef>
+                <a:spcPts val="0"/>
+              </a:spcBef>
+              <a:spcAft>
+                <a:spcPts val="0"/>
+              </a:spcAft>
+              <a:buSzPts val="1100"/>
+              <a:buChar char="■"/>
+            </a:pPr>
+            <a:r>
+              <a:rPr lang="fr" dirty="0"/>
+              <a:t>job : une tâche qui peut être annulée</a:t>
+            </a:r>
+            <a:endParaRPr dirty="0"/>
+          </a:p>
+          <a:p>
+            <a:pPr marL="1371600" lvl="2" indent="-298450" algn="l" rtl="0">
+              <a:spcBef>
+                <a:spcPts val="0"/>
+              </a:spcBef>
+              <a:spcAft>
+                <a:spcPts val="0"/>
+              </a:spcAft>
+              <a:buSzPts val="1100"/>
+              <a:buChar char="■"/>
+            </a:pPr>
+            <a:r>
+              <a:rPr lang="fr" dirty="0"/>
+              <a:t>dispatcher : distribue l'exécution des coroutines sur les différents threads </a:t>
+            </a:r>
+            <a:endParaRPr dirty="0"/>
+          </a:p>
+          <a:p>
+            <a:pPr marL="1371600" lvl="2" indent="-298450" algn="l" rtl="0">
+              <a:spcBef>
+                <a:spcPts val="0"/>
+              </a:spcBef>
+              <a:spcAft>
+                <a:spcPts val="0"/>
+              </a:spcAft>
+              <a:buSzPts val="1100"/>
+              <a:buChar char="■"/>
+            </a:pPr>
+            <a:r>
+              <a:rPr lang="fr" dirty="0"/>
+              <a:t>scope : combine les informations (ex : job et dispatcher) pour définir un contexte d’exécution </a:t>
+            </a:r>
+            <a:endParaRPr dirty="0"/>
           </a:p>
         </p:txBody>
       </p:sp>

--- a/presentation/food-scanner.pptx
+++ b/presentation/food-scanner.pptx
@@ -5,7 +5,7 @@
     <p:sldMasterId id="2147483659" r:id="rId1"/>
   </p:sldMasterIdLst>
   <p:notesMasterIdLst>
-    <p:notesMasterId r:id="rId12"/>
+    <p:notesMasterId r:id="rId11"/>
   </p:notesMasterIdLst>
   <p:sldIdLst>
     <p:sldId id="256" r:id="rId2"/>
@@ -14,27 +14,26 @@
     <p:sldId id="267" r:id="rId5"/>
     <p:sldId id="266" r:id="rId6"/>
     <p:sldId id="259" r:id="rId7"/>
-    <p:sldId id="260" r:id="rId8"/>
-    <p:sldId id="261" r:id="rId9"/>
-    <p:sldId id="262" r:id="rId10"/>
-    <p:sldId id="263" r:id="rId11"/>
+    <p:sldId id="261" r:id="rId8"/>
+    <p:sldId id="262" r:id="rId9"/>
+    <p:sldId id="263" r:id="rId10"/>
   </p:sldIdLst>
   <p:sldSz cx="9144000" cy="5143500" type="screen16x9"/>
   <p:notesSz cx="6858000" cy="9144000"/>
   <p:embeddedFontLst>
     <p:embeddedFont>
       <p:font typeface="Lato" panose="020B0604020202020204" charset="0"/>
-      <p:regular r:id="rId13"/>
-      <p:bold r:id="rId14"/>
-      <p:italic r:id="rId15"/>
-      <p:boldItalic r:id="rId16"/>
+      <p:regular r:id="rId12"/>
+      <p:bold r:id="rId13"/>
+      <p:italic r:id="rId14"/>
+      <p:boldItalic r:id="rId15"/>
     </p:embeddedFont>
     <p:embeddedFont>
       <p:font typeface="Montserrat" panose="020B0604020202020204" charset="0"/>
-      <p:regular r:id="rId17"/>
-      <p:bold r:id="rId18"/>
-      <p:italic r:id="rId19"/>
-      <p:boldItalic r:id="rId20"/>
+      <p:regular r:id="rId16"/>
+      <p:bold r:id="rId17"/>
+      <p:italic r:id="rId18"/>
+      <p:boldItalic r:id="rId19"/>
     </p:embeddedFont>
   </p:embeddedFontLst>
   <p:defaultTextStyle>
@@ -830,110 +829,6 @@
 </p:notes>
 </file>
 
-<file path=ppt/notesSlides/notesSlide10.xml><?xml version="1.0" encoding="utf-8"?>
-<p:notes xmlns:a="http://schemas.openxmlformats.org/drawingml/2006/main" xmlns:r="http://schemas.openxmlformats.org/officeDocument/2006/relationships" xmlns:p="http://schemas.openxmlformats.org/presentationml/2006/main" showMasterSp="0" showMasterPhAnim="0">
-  <p:cSld>
-    <p:spTree>
-      <p:nvGrpSpPr>
-        <p:cNvPr id="1" name="Shape 173"/>
-        <p:cNvGrpSpPr/>
-        <p:nvPr/>
-      </p:nvGrpSpPr>
-      <p:grpSpPr>
-        <a:xfrm>
-          <a:off x="0" y="0"/>
-          <a:ext cx="0" cy="0"/>
-          <a:chOff x="0" y="0"/>
-          <a:chExt cx="0" cy="0"/>
-        </a:xfrm>
-      </p:grpSpPr>
-      <p:sp>
-        <p:nvSpPr>
-          <p:cNvPr id="174" name="Google Shape;174;ga20f19b2f2_0_1518:notes"/>
-          <p:cNvSpPr>
-            <a:spLocks noGrp="1" noRot="1" noChangeAspect="1"/>
-          </p:cNvSpPr>
-          <p:nvPr>
-            <p:ph type="sldImg" idx="2"/>
-          </p:nvPr>
-        </p:nvSpPr>
-        <p:spPr>
-          <a:xfrm>
-            <a:off x="381000" y="685800"/>
-            <a:ext cx="6096000" cy="3429000"/>
-          </a:xfrm>
-          <a:custGeom>
-            <a:avLst/>
-            <a:gdLst/>
-            <a:ahLst/>
-            <a:cxnLst/>
-            <a:rect l="l" t="t" r="r" b="b"/>
-            <a:pathLst>
-              <a:path w="120000" h="120000" extrusionOk="0">
-                <a:moveTo>
-                  <a:pt x="0" y="0"/>
-                </a:moveTo>
-                <a:lnTo>
-                  <a:pt x="120000" y="0"/>
-                </a:lnTo>
-                <a:lnTo>
-                  <a:pt x="120000" y="120000"/>
-                </a:lnTo>
-                <a:lnTo>
-                  <a:pt x="0" y="120000"/>
-                </a:lnTo>
-                <a:close/>
-              </a:path>
-            </a:pathLst>
-          </a:custGeom>
-        </p:spPr>
-      </p:sp>
-      <p:sp>
-        <p:nvSpPr>
-          <p:cNvPr id="175" name="Google Shape;175;ga20f19b2f2_0_1518:notes"/>
-          <p:cNvSpPr txBox="1">
-            <a:spLocks noGrp="1"/>
-          </p:cNvSpPr>
-          <p:nvPr>
-            <p:ph type="body" idx="1"/>
-          </p:nvPr>
-        </p:nvSpPr>
-        <p:spPr>
-          <a:xfrm>
-            <a:off x="685800" y="4343400"/>
-            <a:ext cx="5486400" cy="4114800"/>
-          </a:xfrm>
-          <a:prstGeom prst="rect">
-            <a:avLst/>
-          </a:prstGeom>
-        </p:spPr>
-        <p:txBody>
-          <a:bodyPr spcFirstLastPara="1" wrap="square" lIns="91425" tIns="91425" rIns="91425" bIns="91425" anchor="t" anchorCtr="0">
-            <a:noAutofit/>
-          </a:bodyPr>
-          <a:lstStyle/>
-          <a:p>
-            <a:pPr marL="0" lvl="0" indent="0" algn="l" rtl="0">
-              <a:spcBef>
-                <a:spcPts val="0"/>
-              </a:spcBef>
-              <a:spcAft>
-                <a:spcPts val="0"/>
-              </a:spcAft>
-              <a:buNone/>
-            </a:pPr>
-            <a:endParaRPr/>
-          </a:p>
-        </p:txBody>
-      </p:sp>
-    </p:spTree>
-  </p:cSld>
-  <p:clrMapOvr>
-    <a:masterClrMapping/>
-  </p:clrMapOvr>
-</p:notes>
-</file>
-
 <file path=ppt/notesSlides/notesSlide2.xml><?xml version="1.0" encoding="utf-8"?>
 <p:notes xmlns:a="http://schemas.openxmlformats.org/drawingml/2006/main" xmlns:r="http://schemas.openxmlformats.org/officeDocument/2006/relationships" xmlns:p="http://schemas.openxmlformats.org/presentationml/2006/main" showMasterSp="0" showMasterPhAnim="0">
   <p:cSld>
@@ -1474,110 +1369,6 @@
   <p:cSld>
     <p:spTree>
       <p:nvGrpSpPr>
-        <p:cNvPr id="1" name="Shape 155"/>
-        <p:cNvGrpSpPr/>
-        <p:nvPr/>
-      </p:nvGrpSpPr>
-      <p:grpSpPr>
-        <a:xfrm>
-          <a:off x="0" y="0"/>
-          <a:ext cx="0" cy="0"/>
-          <a:chOff x="0" y="0"/>
-          <a:chExt cx="0" cy="0"/>
-        </a:xfrm>
-      </p:grpSpPr>
-      <p:sp>
-        <p:nvSpPr>
-          <p:cNvPr id="156" name="Google Shape;156;ga20f19b2f2_0_1531:notes"/>
-          <p:cNvSpPr>
-            <a:spLocks noGrp="1" noRot="1" noChangeAspect="1"/>
-          </p:cNvSpPr>
-          <p:nvPr>
-            <p:ph type="sldImg" idx="2"/>
-          </p:nvPr>
-        </p:nvSpPr>
-        <p:spPr>
-          <a:xfrm>
-            <a:off x="381000" y="685800"/>
-            <a:ext cx="6096000" cy="3429000"/>
-          </a:xfrm>
-          <a:custGeom>
-            <a:avLst/>
-            <a:gdLst/>
-            <a:ahLst/>
-            <a:cxnLst/>
-            <a:rect l="l" t="t" r="r" b="b"/>
-            <a:pathLst>
-              <a:path w="120000" h="120000" extrusionOk="0">
-                <a:moveTo>
-                  <a:pt x="0" y="0"/>
-                </a:moveTo>
-                <a:lnTo>
-                  <a:pt x="120000" y="0"/>
-                </a:lnTo>
-                <a:lnTo>
-                  <a:pt x="120000" y="120000"/>
-                </a:lnTo>
-                <a:lnTo>
-                  <a:pt x="0" y="120000"/>
-                </a:lnTo>
-                <a:close/>
-              </a:path>
-            </a:pathLst>
-          </a:custGeom>
-        </p:spPr>
-      </p:sp>
-      <p:sp>
-        <p:nvSpPr>
-          <p:cNvPr id="157" name="Google Shape;157;ga20f19b2f2_0_1531:notes"/>
-          <p:cNvSpPr txBox="1">
-            <a:spLocks noGrp="1"/>
-          </p:cNvSpPr>
-          <p:nvPr>
-            <p:ph type="body" idx="1"/>
-          </p:nvPr>
-        </p:nvSpPr>
-        <p:spPr>
-          <a:xfrm>
-            <a:off x="685800" y="4343400"/>
-            <a:ext cx="5486400" cy="4114800"/>
-          </a:xfrm>
-          <a:prstGeom prst="rect">
-            <a:avLst/>
-          </a:prstGeom>
-        </p:spPr>
-        <p:txBody>
-          <a:bodyPr spcFirstLastPara="1" wrap="square" lIns="91425" tIns="91425" rIns="91425" bIns="91425" anchor="t" anchorCtr="0">
-            <a:noAutofit/>
-          </a:bodyPr>
-          <a:lstStyle/>
-          <a:p>
-            <a:pPr marL="0" lvl="0" indent="0" algn="l" rtl="0">
-              <a:spcBef>
-                <a:spcPts val="0"/>
-              </a:spcBef>
-              <a:spcAft>
-                <a:spcPts val="0"/>
-              </a:spcAft>
-              <a:buNone/>
-            </a:pPr>
-            <a:endParaRPr/>
-          </a:p>
-        </p:txBody>
-      </p:sp>
-    </p:spTree>
-  </p:cSld>
-  <p:clrMapOvr>
-    <a:masterClrMapping/>
-  </p:clrMapOvr>
-</p:notes>
-</file>
-
-<file path=ppt/notesSlides/notesSlide8.xml><?xml version="1.0" encoding="utf-8"?>
-<p:notes xmlns:a="http://schemas.openxmlformats.org/drawingml/2006/main" xmlns:r="http://schemas.openxmlformats.org/officeDocument/2006/relationships" xmlns:p="http://schemas.openxmlformats.org/presentationml/2006/main" showMasterSp="0" showMasterPhAnim="0">
-  <p:cSld>
-    <p:spTree>
-      <p:nvGrpSpPr>
         <p:cNvPr id="1" name="Shape 161"/>
         <p:cNvGrpSpPr/>
         <p:nvPr/>
@@ -1602,7 +1393,7 @@
         </p:nvSpPr>
         <p:spPr>
           <a:xfrm>
-            <a:off x="381300" y="685800"/>
+            <a:off x="381000" y="685800"/>
             <a:ext cx="6096000" cy="3429000"/>
           </a:xfrm>
           <a:custGeom>
@@ -1677,7 +1468,7 @@
 </p:notes>
 </file>
 
-<file path=ppt/notesSlides/notesSlide9.xml><?xml version="1.0" encoding="utf-8"?>
+<file path=ppt/notesSlides/notesSlide8.xml><?xml version="1.0" encoding="utf-8"?>
 <p:notes xmlns:a="http://schemas.openxmlformats.org/drawingml/2006/main" xmlns:r="http://schemas.openxmlformats.org/officeDocument/2006/relationships" xmlns:p="http://schemas.openxmlformats.org/presentationml/2006/main" showMasterSp="0" showMasterPhAnim="0">
   <p:cSld>
     <p:spTree>
@@ -1738,6 +1529,110 @@
       <p:sp>
         <p:nvSpPr>
           <p:cNvPr id="169" name="Google Shape;169;ga20f19b2f2_0_1513:notes"/>
+          <p:cNvSpPr txBox="1">
+            <a:spLocks noGrp="1"/>
+          </p:cNvSpPr>
+          <p:nvPr>
+            <p:ph type="body" idx="1"/>
+          </p:nvPr>
+        </p:nvSpPr>
+        <p:spPr>
+          <a:xfrm>
+            <a:off x="685800" y="4343400"/>
+            <a:ext cx="5486400" cy="4114800"/>
+          </a:xfrm>
+          <a:prstGeom prst="rect">
+            <a:avLst/>
+          </a:prstGeom>
+        </p:spPr>
+        <p:txBody>
+          <a:bodyPr spcFirstLastPara="1" wrap="square" lIns="91425" tIns="91425" rIns="91425" bIns="91425" anchor="t" anchorCtr="0">
+            <a:noAutofit/>
+          </a:bodyPr>
+          <a:lstStyle/>
+          <a:p>
+            <a:pPr marL="0" lvl="0" indent="0" algn="l" rtl="0">
+              <a:spcBef>
+                <a:spcPts val="0"/>
+              </a:spcBef>
+              <a:spcAft>
+                <a:spcPts val="0"/>
+              </a:spcAft>
+              <a:buNone/>
+            </a:pPr>
+            <a:endParaRPr/>
+          </a:p>
+        </p:txBody>
+      </p:sp>
+    </p:spTree>
+  </p:cSld>
+  <p:clrMapOvr>
+    <a:masterClrMapping/>
+  </p:clrMapOvr>
+</p:notes>
+</file>
+
+<file path=ppt/notesSlides/notesSlide9.xml><?xml version="1.0" encoding="utf-8"?>
+<p:notes xmlns:a="http://schemas.openxmlformats.org/drawingml/2006/main" xmlns:r="http://schemas.openxmlformats.org/officeDocument/2006/relationships" xmlns:p="http://schemas.openxmlformats.org/presentationml/2006/main" showMasterSp="0" showMasterPhAnim="0">
+  <p:cSld>
+    <p:spTree>
+      <p:nvGrpSpPr>
+        <p:cNvPr id="1" name="Shape 173"/>
+        <p:cNvGrpSpPr/>
+        <p:nvPr/>
+      </p:nvGrpSpPr>
+      <p:grpSpPr>
+        <a:xfrm>
+          <a:off x="0" y="0"/>
+          <a:ext cx="0" cy="0"/>
+          <a:chOff x="0" y="0"/>
+          <a:chExt cx="0" cy="0"/>
+        </a:xfrm>
+      </p:grpSpPr>
+      <p:sp>
+        <p:nvSpPr>
+          <p:cNvPr id="174" name="Google Shape;174;ga20f19b2f2_0_1518:notes"/>
+          <p:cNvSpPr>
+            <a:spLocks noGrp="1" noRot="1" noChangeAspect="1"/>
+          </p:cNvSpPr>
+          <p:nvPr>
+            <p:ph type="sldImg" idx="2"/>
+          </p:nvPr>
+        </p:nvSpPr>
+        <p:spPr>
+          <a:xfrm>
+            <a:off x="381000" y="685800"/>
+            <a:ext cx="6096000" cy="3429000"/>
+          </a:xfrm>
+          <a:custGeom>
+            <a:avLst/>
+            <a:gdLst/>
+            <a:ahLst/>
+            <a:cxnLst/>
+            <a:rect l="l" t="t" r="r" b="b"/>
+            <a:pathLst>
+              <a:path w="120000" h="120000" extrusionOk="0">
+                <a:moveTo>
+                  <a:pt x="0" y="0"/>
+                </a:moveTo>
+                <a:lnTo>
+                  <a:pt x="120000" y="0"/>
+                </a:lnTo>
+                <a:lnTo>
+                  <a:pt x="120000" y="120000"/>
+                </a:lnTo>
+                <a:lnTo>
+                  <a:pt x="0" y="120000"/>
+                </a:lnTo>
+                <a:close/>
+              </a:path>
+            </a:pathLst>
+          </a:custGeom>
+        </p:spPr>
+      </p:sp>
+      <p:sp>
+        <p:nvSpPr>
+          <p:cNvPr id="175" name="Google Shape;175;ga20f19b2f2_0_1518:notes"/>
           <p:cNvSpPr txBox="1">
             <a:spLocks noGrp="1"/>
           </p:cNvSpPr>
@@ -10012,217 +9907,6 @@
 </p:sld>
 </file>
 
-<file path=ppt/slides/slide10.xml><?xml version="1.0" encoding="utf-8"?>
-<p:sld xmlns:a="http://schemas.openxmlformats.org/drawingml/2006/main" xmlns:r="http://schemas.openxmlformats.org/officeDocument/2006/relationships" xmlns:p="http://schemas.openxmlformats.org/presentationml/2006/main">
-  <p:cSld>
-    <p:spTree>
-      <p:nvGrpSpPr>
-        <p:cNvPr id="1" name="Shape 176"/>
-        <p:cNvGrpSpPr/>
-        <p:nvPr/>
-      </p:nvGrpSpPr>
-      <p:grpSpPr>
-        <a:xfrm>
-          <a:off x="0" y="0"/>
-          <a:ext cx="0" cy="0"/>
-          <a:chOff x="0" y="0"/>
-          <a:chExt cx="0" cy="0"/>
-        </a:xfrm>
-      </p:grpSpPr>
-      <p:sp>
-        <p:nvSpPr>
-          <p:cNvPr id="177" name="Google Shape;177;p20"/>
-          <p:cNvSpPr txBox="1">
-            <a:spLocks noGrp="1"/>
-          </p:cNvSpPr>
-          <p:nvPr>
-            <p:ph type="title"/>
-          </p:nvPr>
-        </p:nvSpPr>
-        <p:spPr>
-          <a:xfrm>
-            <a:off x="1297500" y="393750"/>
-            <a:ext cx="7038900" cy="914100"/>
-          </a:xfrm>
-          <a:prstGeom prst="rect">
-            <a:avLst/>
-          </a:prstGeom>
-        </p:spPr>
-        <p:txBody>
-          <a:bodyPr spcFirstLastPara="1" wrap="square" lIns="91425" tIns="91425" rIns="91425" bIns="91425" anchor="t" anchorCtr="0">
-            <a:noAutofit/>
-          </a:bodyPr>
-          <a:lstStyle/>
-          <a:p>
-            <a:pPr marL="0" lvl="0" indent="0" algn="l" rtl="0">
-              <a:spcBef>
-                <a:spcPts val="0"/>
-              </a:spcBef>
-              <a:spcAft>
-                <a:spcPts val="0"/>
-              </a:spcAft>
-              <a:buNone/>
-            </a:pPr>
-            <a:r>
-              <a:rPr lang="fr"/>
-              <a:t>Historique</a:t>
-            </a:r>
-            <a:endParaRPr/>
-          </a:p>
-        </p:txBody>
-      </p:sp>
-      <p:sp>
-        <p:nvSpPr>
-          <p:cNvPr id="178" name="Google Shape;178;p20"/>
-          <p:cNvSpPr txBox="1">
-            <a:spLocks noGrp="1"/>
-          </p:cNvSpPr>
-          <p:nvPr>
-            <p:ph type="body" idx="1"/>
-          </p:nvPr>
-        </p:nvSpPr>
-        <p:spPr>
-          <a:xfrm>
-            <a:off x="1297500" y="1567550"/>
-            <a:ext cx="7038900" cy="2911200"/>
-          </a:xfrm>
-          <a:prstGeom prst="rect">
-            <a:avLst/>
-          </a:prstGeom>
-        </p:spPr>
-        <p:txBody>
-          <a:bodyPr spcFirstLastPara="1" wrap="square" lIns="91425" tIns="91425" rIns="91425" bIns="91425" anchor="t" anchorCtr="0">
-            <a:noAutofit/>
-          </a:bodyPr>
-          <a:lstStyle/>
-          <a:p>
-            <a:pPr marL="457200" lvl="0" indent="-311150" algn="l" rtl="0">
-              <a:spcBef>
-                <a:spcPts val="0"/>
-              </a:spcBef>
-              <a:spcAft>
-                <a:spcPts val="0"/>
-              </a:spcAft>
-              <a:buSzPts val="1300"/>
-              <a:buChar char="●"/>
-            </a:pPr>
-            <a:r>
-              <a:rPr lang="fr" dirty="0"/>
-              <a:t>RecyclerView</a:t>
-            </a:r>
-            <a:endParaRPr dirty="0"/>
-          </a:p>
-          <a:p>
-            <a:pPr marL="914400" lvl="1" indent="-298450" algn="l" rtl="0">
-              <a:spcBef>
-                <a:spcPts val="0"/>
-              </a:spcBef>
-              <a:spcAft>
-                <a:spcPts val="0"/>
-              </a:spcAft>
-              <a:buSzPts val="1100"/>
-              <a:buChar char="○"/>
-            </a:pPr>
-            <a:r>
-              <a:rPr lang="fr" dirty="0"/>
-              <a:t>adapter</a:t>
-            </a:r>
-            <a:endParaRPr dirty="0"/>
-          </a:p>
-          <a:p>
-            <a:pPr marL="1371600" lvl="2" indent="-298450" algn="l" rtl="0">
-              <a:spcBef>
-                <a:spcPts val="0"/>
-              </a:spcBef>
-              <a:spcAft>
-                <a:spcPts val="0"/>
-              </a:spcAft>
-              <a:buSzPts val="1100"/>
-              <a:buChar char="■"/>
-            </a:pPr>
-            <a:r>
-              <a:rPr lang="en-GB" dirty="0" err="1"/>
-              <a:t>Combien</a:t>
-            </a:r>
-            <a:r>
-              <a:rPr lang="en-GB" dirty="0"/>
-              <a:t> </a:t>
-            </a:r>
-            <a:r>
-              <a:rPr lang="en-GB" dirty="0" err="1"/>
-              <a:t>d’éléments</a:t>
-            </a:r>
-            <a:endParaRPr dirty="0"/>
-          </a:p>
-          <a:p>
-            <a:pPr marL="1371600" lvl="2" indent="-298450" algn="l" rtl="0">
-              <a:spcBef>
-                <a:spcPts val="0"/>
-              </a:spcBef>
-              <a:spcAft>
-                <a:spcPts val="0"/>
-              </a:spcAft>
-              <a:buSzPts val="1100"/>
-              <a:buChar char="■"/>
-            </a:pPr>
-            <a:r>
-              <a:rPr lang="en-GB" dirty="0"/>
-              <a:t>C</a:t>
-            </a:r>
-            <a:r>
-              <a:rPr lang="fr" dirty="0"/>
-              <a:t>rée un noueau viewHolder</a:t>
-            </a:r>
-            <a:endParaRPr dirty="0"/>
-          </a:p>
-          <a:p>
-            <a:pPr marL="1371600" lvl="2" indent="-298450" algn="l" rtl="0">
-              <a:spcBef>
-                <a:spcPts val="0"/>
-              </a:spcBef>
-              <a:spcAft>
-                <a:spcPts val="0"/>
-              </a:spcAft>
-              <a:buSzPts val="1100"/>
-              <a:buChar char="■"/>
-            </a:pPr>
-            <a:r>
-              <a:rPr lang="en-GB" dirty="0"/>
-              <a:t>A</a:t>
-            </a:r>
-            <a:r>
-              <a:rPr lang="fr" dirty="0"/>
-              <a:t>ffiche les éléments dans le viewHolder</a:t>
-            </a:r>
-            <a:endParaRPr dirty="0"/>
-          </a:p>
-          <a:p>
-            <a:pPr marL="914400" lvl="1" indent="-298450" algn="l" rtl="0">
-              <a:spcBef>
-                <a:spcPts val="0"/>
-              </a:spcBef>
-              <a:spcAft>
-                <a:spcPts val="0"/>
-              </a:spcAft>
-              <a:buSzPts val="1100"/>
-              <a:buChar char="○"/>
-            </a:pPr>
-            <a:r>
-              <a:rPr lang="fr" dirty="0"/>
-              <a:t>viewHolder</a:t>
-            </a:r>
-            <a:endParaRPr dirty="0"/>
-          </a:p>
-        </p:txBody>
-      </p:sp>
-    </p:spTree>
-  </p:cSld>
-  <p:clrMapOvr>
-    <a:masterClrMapping/>
-  </p:clrMapOvr>
-</p:sld>
-</file>
-
 <file path=ppt/slides/slide2.xml><?xml version="1.0" encoding="utf-8"?>
 <p:sld xmlns:a="http://schemas.openxmlformats.org/drawingml/2006/main" xmlns:r="http://schemas.openxmlformats.org/officeDocument/2006/relationships" xmlns:p="http://schemas.openxmlformats.org/presentationml/2006/main">
   <p:cSld>
@@ -11568,7 +11252,7 @@
         </p:nvSpPr>
         <p:spPr>
           <a:xfrm>
-            <a:off x="5569222" y="3639244"/>
+            <a:off x="6243344" y="3559154"/>
             <a:ext cx="1779350" cy="307777"/>
           </a:xfrm>
           <a:prstGeom prst="rect">
@@ -11618,7 +11302,7 @@
         </p:nvSpPr>
         <p:spPr>
           <a:xfrm>
-            <a:off x="4315097" y="4430673"/>
+            <a:off x="4989219" y="4350583"/>
             <a:ext cx="1831025" cy="307777"/>
           </a:xfrm>
           <a:prstGeom prst="rect">
@@ -11663,7 +11347,7 @@
         </p:nvSpPr>
         <p:spPr>
           <a:xfrm>
-            <a:off x="3207327" y="4430673"/>
+            <a:off x="5350846" y="4689273"/>
             <a:ext cx="1107770" cy="307777"/>
           </a:xfrm>
           <a:prstGeom prst="rect">
@@ -11706,7 +11390,7 @@
         </p:nvSpPr>
         <p:spPr>
           <a:xfrm>
-            <a:off x="7164373" y="4431149"/>
+            <a:off x="7838495" y="4351059"/>
             <a:ext cx="1077910" cy="307777"/>
           </a:xfrm>
           <a:prstGeom prst="rect">
@@ -11751,7 +11435,7 @@
         </p:nvSpPr>
         <p:spPr>
           <a:xfrm>
-            <a:off x="8172073" y="4424617"/>
+            <a:off x="7943644" y="4689273"/>
             <a:ext cx="867611" cy="307777"/>
           </a:xfrm>
           <a:prstGeom prst="rect">
@@ -11803,7 +11487,7 @@
         </p:nvCxnSpPr>
         <p:spPr>
           <a:xfrm rot="5400000">
-            <a:off x="5602928" y="3574704"/>
+            <a:off x="6277050" y="3494614"/>
             <a:ext cx="483652" cy="1228287"/>
           </a:xfrm>
           <a:prstGeom prst="bentConnector3">
@@ -11849,7 +11533,7 @@
         </p:nvCxnSpPr>
         <p:spPr>
           <a:xfrm rot="16200000" flipH="1">
-            <a:off x="6839048" y="3566869"/>
+            <a:off x="7513170" y="3486779"/>
             <a:ext cx="484128" cy="1244431"/>
           </a:xfrm>
           <a:prstGeom prst="bentConnector3">
@@ -11891,7 +11575,7 @@
         </p:nvSpPr>
         <p:spPr>
           <a:xfrm>
-            <a:off x="5569222" y="2531112"/>
+            <a:off x="6243344" y="2451022"/>
             <a:ext cx="1779350" cy="769443"/>
           </a:xfrm>
           <a:prstGeom prst="rect">
@@ -11941,7 +11625,7 @@
         </p:nvSpPr>
         <p:spPr>
           <a:xfrm>
-            <a:off x="5569222" y="1552150"/>
+            <a:off x="6243344" y="1472060"/>
             <a:ext cx="1779350" cy="615554"/>
           </a:xfrm>
           <a:prstGeom prst="rect">
@@ -11998,7 +11682,7 @@
         </p:nvCxnSpPr>
         <p:spPr>
           <a:xfrm>
-            <a:off x="6458897" y="2167704"/>
+            <a:off x="7133019" y="2087614"/>
             <a:ext cx="0" cy="363408"/>
           </a:xfrm>
           <a:prstGeom prst="straightConnector1">
@@ -12044,7 +11728,7 @@
         </p:nvCxnSpPr>
         <p:spPr>
           <a:xfrm>
-            <a:off x="6458897" y="3300555"/>
+            <a:off x="7133019" y="3220465"/>
             <a:ext cx="0" cy="338689"/>
           </a:xfrm>
           <a:prstGeom prst="straightConnector1">
@@ -12086,7 +11770,7 @@
         </p:nvSpPr>
         <p:spPr>
           <a:xfrm>
-            <a:off x="6048652" y="2869266"/>
+            <a:off x="6722774" y="2789176"/>
             <a:ext cx="761228" cy="261610"/>
           </a:xfrm>
           <a:prstGeom prst="rect">
@@ -12130,7 +11814,7 @@
         </p:nvSpPr>
         <p:spPr>
           <a:xfrm>
-            <a:off x="6083532" y="2903857"/>
+            <a:off x="6757654" y="2823767"/>
             <a:ext cx="761228" cy="261610"/>
           </a:xfrm>
           <a:prstGeom prst="rect">
@@ -12174,7 +11858,7 @@
         </p:nvSpPr>
         <p:spPr>
           <a:xfrm>
-            <a:off x="6118412" y="2938448"/>
+            <a:off x="6792534" y="2858358"/>
             <a:ext cx="761228" cy="261610"/>
           </a:xfrm>
           <a:prstGeom prst="rect">
@@ -12230,7 +11914,7 @@
         </p:nvCxnSpPr>
         <p:spPr>
           <a:xfrm rot="10800000">
-            <a:off x="6054618" y="1967649"/>
+            <a:off x="6728740" y="1887559"/>
             <a:ext cx="63794" cy="1101604"/>
           </a:xfrm>
           <a:prstGeom prst="bentConnector3">
@@ -12274,7 +11958,7 @@
         </p:nvSpPr>
         <p:spPr>
           <a:xfrm>
-            <a:off x="6054618" y="1836844"/>
+            <a:off x="6728740" y="1756754"/>
             <a:ext cx="761228" cy="261610"/>
           </a:xfrm>
           <a:prstGeom prst="rect">
@@ -12396,8 +12080,8 @@
         </p:nvSpPr>
         <p:spPr>
           <a:xfrm>
-            <a:off x="1297500" y="1190847"/>
-            <a:ext cx="7038900" cy="3287903"/>
+            <a:off x="1297500" y="1107959"/>
+            <a:ext cx="7038900" cy="3370791"/>
           </a:xfrm>
           <a:prstGeom prst="rect">
             <a:avLst/>
@@ -12420,8 +12104,44 @@
               <a:buChar char="●"/>
             </a:pPr>
             <a:r>
+              <a:rPr lang="en-GB" dirty="0" err="1"/>
+              <a:t>Basée</a:t>
+            </a:r>
+            <a:r>
               <a:rPr lang="en-GB" dirty="0"/>
-              <a:t>Modules</a:t>
+              <a:t> sur les </a:t>
+            </a:r>
+            <a:r>
+              <a:rPr lang="en-GB" dirty="0" err="1"/>
+              <a:t>principes</a:t>
+            </a:r>
+            <a:r>
+              <a:rPr lang="en-GB" dirty="0"/>
+              <a:t> de Clean Architecture</a:t>
+            </a:r>
+          </a:p>
+          <a:p>
+            <a:pPr marL="457200" lvl="0" indent="-311150" algn="l" rtl="0">
+              <a:spcBef>
+                <a:spcPts val="0"/>
+              </a:spcBef>
+              <a:spcAft>
+                <a:spcPts val="0"/>
+              </a:spcAft>
+              <a:buSzPts val="1300"/>
+              <a:buChar char="●"/>
+            </a:pPr>
+            <a:r>
+              <a:rPr lang="en-GB" dirty="0"/>
+              <a:t>Organisation </a:t>
+            </a:r>
+            <a:r>
+              <a:rPr lang="en-GB" dirty="0" err="1"/>
+              <a:t>en</a:t>
+            </a:r>
+            <a:r>
+              <a:rPr lang="en-GB" dirty="0"/>
+              <a:t> modules :</a:t>
             </a:r>
           </a:p>
           <a:p>
@@ -13073,7 +12793,7 @@
             </a:pPr>
             <a:r>
               <a:rPr lang="fr" dirty="0"/>
-              <a:t>plusieurs fragments</a:t>
+              <a:t>Plusieurs fragments</a:t>
             </a:r>
             <a:endParaRPr dirty="0"/>
           </a:p>
@@ -13241,243 +12961,6 @@
 </file>
 
 <file path=ppt/slides/slide7.xml><?xml version="1.0" encoding="utf-8"?>
-<p:sld xmlns:a="http://schemas.openxmlformats.org/drawingml/2006/main" xmlns:r="http://schemas.openxmlformats.org/officeDocument/2006/relationships" xmlns:p="http://schemas.openxmlformats.org/presentationml/2006/main">
-  <p:cSld>
-    <p:spTree>
-      <p:nvGrpSpPr>
-        <p:cNvPr id="1" name="Shape 158"/>
-        <p:cNvGrpSpPr/>
-        <p:nvPr/>
-      </p:nvGrpSpPr>
-      <p:grpSpPr>
-        <a:xfrm>
-          <a:off x="0" y="0"/>
-          <a:ext cx="0" cy="0"/>
-          <a:chOff x="0" y="0"/>
-          <a:chExt cx="0" cy="0"/>
-        </a:xfrm>
-      </p:grpSpPr>
-      <p:sp>
-        <p:nvSpPr>
-          <p:cNvPr id="159" name="Google Shape;159;p17"/>
-          <p:cNvSpPr txBox="1">
-            <a:spLocks noGrp="1"/>
-          </p:cNvSpPr>
-          <p:nvPr>
-            <p:ph type="title"/>
-          </p:nvPr>
-        </p:nvSpPr>
-        <p:spPr>
-          <a:xfrm>
-            <a:off x="1297500" y="393750"/>
-            <a:ext cx="7038900" cy="914100"/>
-          </a:xfrm>
-          <a:prstGeom prst="rect">
-            <a:avLst/>
-          </a:prstGeom>
-        </p:spPr>
-        <p:txBody>
-          <a:bodyPr spcFirstLastPara="1" wrap="square" lIns="91425" tIns="91425" rIns="91425" bIns="91425" anchor="t" anchorCtr="0">
-            <a:noAutofit/>
-          </a:bodyPr>
-          <a:lstStyle/>
-          <a:p>
-            <a:pPr marL="0" lvl="0" indent="0" algn="l" rtl="0">
-              <a:spcBef>
-                <a:spcPts val="0"/>
-              </a:spcBef>
-              <a:spcAft>
-                <a:spcPts val="0"/>
-              </a:spcAft>
-              <a:buNone/>
-            </a:pPr>
-            <a:r>
-              <a:rPr lang="fr"/>
-              <a:t>Couche UI</a:t>
-            </a:r>
-            <a:endParaRPr/>
-          </a:p>
-        </p:txBody>
-      </p:sp>
-      <p:sp>
-        <p:nvSpPr>
-          <p:cNvPr id="160" name="Google Shape;160;p17"/>
-          <p:cNvSpPr txBox="1">
-            <a:spLocks noGrp="1"/>
-          </p:cNvSpPr>
-          <p:nvPr>
-            <p:ph type="body" idx="1"/>
-          </p:nvPr>
-        </p:nvSpPr>
-        <p:spPr>
-          <a:xfrm>
-            <a:off x="1297500" y="1567550"/>
-            <a:ext cx="7038900" cy="2911200"/>
-          </a:xfrm>
-          <a:prstGeom prst="rect">
-            <a:avLst/>
-          </a:prstGeom>
-        </p:spPr>
-        <p:txBody>
-          <a:bodyPr spcFirstLastPara="1" wrap="square" lIns="91425" tIns="91425" rIns="91425" bIns="91425" anchor="t" anchorCtr="0">
-            <a:noAutofit/>
-          </a:bodyPr>
-          <a:lstStyle/>
-          <a:p>
-            <a:pPr marL="457200" lvl="0" indent="-311150" algn="l" rtl="0">
-              <a:spcBef>
-                <a:spcPts val="0"/>
-              </a:spcBef>
-              <a:spcAft>
-                <a:spcPts val="0"/>
-              </a:spcAft>
-              <a:buSzPts val="1300"/>
-              <a:buChar char="●"/>
-            </a:pPr>
-            <a:r>
-              <a:rPr lang="fr" dirty="0"/>
-              <a:t>onSaveInstanteState bundles -&gt; bibliothèque lifecycle </a:t>
-            </a:r>
-            <a:endParaRPr dirty="0"/>
-          </a:p>
-          <a:p>
-            <a:pPr marL="914400" lvl="1" indent="-298450" algn="l" rtl="0">
-              <a:spcBef>
-                <a:spcPts val="0"/>
-              </a:spcBef>
-              <a:spcAft>
-                <a:spcPts val="0"/>
-              </a:spcAft>
-              <a:buSzPts val="1100"/>
-              <a:buChar char="○"/>
-            </a:pPr>
-            <a:r>
-              <a:rPr lang="fr" dirty="0"/>
-              <a:t>UI Controller = activity + fragment (génère les vues + capture les entrées utilisateur)</a:t>
-            </a:r>
-            <a:endParaRPr dirty="0"/>
-          </a:p>
-          <a:p>
-            <a:pPr marL="914400" lvl="1" indent="-298450" algn="l" rtl="0">
-              <a:spcBef>
-                <a:spcPts val="0"/>
-              </a:spcBef>
-              <a:spcAft>
-                <a:spcPts val="0"/>
-              </a:spcAft>
-              <a:buSzPts val="1100"/>
-              <a:buChar char="○"/>
-            </a:pPr>
-            <a:r>
-              <a:rPr lang="fr" dirty="0"/>
-              <a:t>ViewModel (gère les données à afficher + contient la logique métier)</a:t>
-            </a:r>
-            <a:endParaRPr dirty="0"/>
-          </a:p>
-          <a:p>
-            <a:pPr marL="914400" lvl="1" indent="-298450" algn="l" rtl="0">
-              <a:spcBef>
-                <a:spcPts val="0"/>
-              </a:spcBef>
-              <a:spcAft>
-                <a:spcPts val="0"/>
-              </a:spcAft>
-              <a:buSzPts val="1100"/>
-              <a:buChar char="○"/>
-            </a:pPr>
-            <a:r>
-              <a:rPr lang="fr" dirty="0"/>
-              <a:t>LiveData (observable, sujet qui notifie l’observer (UI Controller, le fragment) quand les données ont changé dans le ViewModel, connait l’état du lifecyle de ses observeurs -&gt; interaction intelligente, mise-à-jour seulement si visible)</a:t>
-            </a:r>
-          </a:p>
-          <a:p>
-            <a:pPr marL="914400" lvl="1" indent="-298450" algn="l" rtl="0">
-              <a:spcBef>
-                <a:spcPts val="0"/>
-              </a:spcBef>
-              <a:spcAft>
-                <a:spcPts val="0"/>
-              </a:spcAft>
-              <a:buSzPts val="1100"/>
-              <a:buChar char="○"/>
-            </a:pPr>
-            <a:endParaRPr dirty="0"/>
-          </a:p>
-          <a:p>
-            <a:pPr marL="457200" lvl="0" indent="-311150" algn="l" rtl="0">
-              <a:spcBef>
-                <a:spcPts val="0"/>
-              </a:spcBef>
-              <a:spcAft>
-                <a:spcPts val="0"/>
-              </a:spcAft>
-              <a:buSzPts val="1300"/>
-              <a:buChar char="●"/>
-            </a:pPr>
-            <a:r>
-              <a:rPr lang="fr" dirty="0"/>
-              <a:t>Avantages: </a:t>
-            </a:r>
-            <a:endParaRPr dirty="0"/>
-          </a:p>
-          <a:p>
-            <a:pPr marL="914400" lvl="1" indent="-298450" algn="l" rtl="0">
-              <a:spcBef>
-                <a:spcPts val="0"/>
-              </a:spcBef>
-              <a:spcAft>
-                <a:spcPts val="0"/>
-              </a:spcAft>
-              <a:buSzPts val="1100"/>
-              <a:buChar char="○"/>
-            </a:pPr>
-            <a:r>
-              <a:rPr lang="fr" dirty="0"/>
-              <a:t>si changements de configuration (ex : rotation), les données persistent dans la classe ViewModel</a:t>
-            </a:r>
-            <a:endParaRPr dirty="0"/>
-          </a:p>
-          <a:p>
-            <a:pPr marL="914400" lvl="1" indent="-298450" algn="l" rtl="0">
-              <a:spcBef>
-                <a:spcPts val="0"/>
-              </a:spcBef>
-              <a:spcAft>
-                <a:spcPts val="0"/>
-              </a:spcAft>
-              <a:buSzPts val="1100"/>
-              <a:buChar char="○"/>
-            </a:pPr>
-            <a:r>
-              <a:rPr lang="fr" dirty="0"/>
-              <a:t>pas de restriction de taille, contrairement à onSaveInstanteState </a:t>
-            </a:r>
-            <a:endParaRPr dirty="0"/>
-          </a:p>
-          <a:p>
-            <a:pPr marL="457200" lvl="0" indent="-311150" algn="l" rtl="0">
-              <a:spcBef>
-                <a:spcPts val="0"/>
-              </a:spcBef>
-              <a:spcAft>
-                <a:spcPts val="0"/>
-              </a:spcAft>
-              <a:buSzPts val="1300"/>
-              <a:buChar char="●"/>
-            </a:pPr>
-            <a:endParaRPr dirty="0"/>
-          </a:p>
-        </p:txBody>
-      </p:sp>
-    </p:spTree>
-  </p:cSld>
-  <p:clrMapOvr>
-    <a:masterClrMapping/>
-  </p:clrMapOvr>
-</p:sld>
-</file>
-
-<file path=ppt/slides/slide8.xml><?xml version="1.0" encoding="utf-8"?>
 <p:sld xmlns:a="http://schemas.openxmlformats.org/drawingml/2006/main" xmlns:r="http://schemas.openxmlformats.org/officeDocument/2006/relationships" xmlns:p="http://schemas.openxmlformats.org/presentationml/2006/main">
   <p:cSld>
     <p:spTree>
@@ -13572,10 +13055,217 @@
               <a:buChar char="●"/>
             </a:pPr>
             <a:r>
-              <a:rPr lang="fr"/>
-              <a:t>API : CameraX &amp; ZXing </a:t>
-            </a:r>
-            <a:endParaRPr/>
+              <a:rPr lang="en-GB" dirty="0"/>
+              <a:t>G</a:t>
+            </a:r>
+            <a:r>
+              <a:rPr lang="fr" dirty="0"/>
+              <a:t>éré par les bibliothèques : CameraX &amp; Z</a:t>
+            </a:r>
+            <a:r>
+              <a:rPr lang="en-GB" dirty="0"/>
+              <a:t>x</a:t>
+            </a:r>
+            <a:r>
+              <a:rPr lang="fr" dirty="0"/>
+              <a:t>ing</a:t>
+            </a:r>
+          </a:p>
+          <a:p>
+            <a:pPr marL="457200" lvl="0" indent="-311150" algn="l" rtl="0">
+              <a:spcBef>
+                <a:spcPts val="0"/>
+              </a:spcBef>
+              <a:spcAft>
+                <a:spcPts val="0"/>
+              </a:spcAft>
+              <a:buSzPts val="1300"/>
+              <a:buChar char="●"/>
+            </a:pPr>
+            <a:endParaRPr lang="fr" dirty="0"/>
+          </a:p>
+          <a:p>
+            <a:pPr marL="457200" lvl="0" indent="-311150" algn="l" rtl="0">
+              <a:spcBef>
+                <a:spcPts val="0"/>
+              </a:spcBef>
+              <a:spcAft>
+                <a:spcPts val="0"/>
+              </a:spcAft>
+              <a:buSzPts val="1300"/>
+              <a:buChar char="●"/>
+            </a:pPr>
+            <a:r>
+              <a:rPr lang="fr" dirty="0"/>
+              <a:t> Acquisition des images toutes les ½ secondes</a:t>
+            </a:r>
+          </a:p>
+          <a:p>
+            <a:pPr marL="457200" lvl="0" indent="-311150" algn="l" rtl="0">
+              <a:spcBef>
+                <a:spcPts val="0"/>
+              </a:spcBef>
+              <a:spcAft>
+                <a:spcPts val="0"/>
+              </a:spcAft>
+              <a:buSzPts val="1300"/>
+              <a:buChar char="●"/>
+            </a:pPr>
+            <a:endParaRPr lang="fr" dirty="0"/>
+          </a:p>
+          <a:p>
+            <a:pPr marL="457200" lvl="0" indent="-311150" algn="l" rtl="0">
+              <a:spcBef>
+                <a:spcPts val="0"/>
+              </a:spcBef>
+              <a:spcAft>
+                <a:spcPts val="0"/>
+              </a:spcAft>
+              <a:buSzPts val="1300"/>
+              <a:buChar char="●"/>
+            </a:pPr>
+            <a:r>
+              <a:rPr lang="en-GB" dirty="0"/>
+              <a:t>Analyse</a:t>
+            </a:r>
+            <a:r>
+              <a:rPr lang="fr" dirty="0"/>
+              <a:t> de chaque image par Zxing</a:t>
+            </a:r>
+          </a:p>
+          <a:p>
+            <a:pPr marL="457200" lvl="0" indent="-311150" algn="l" rtl="0">
+              <a:spcBef>
+                <a:spcPts val="0"/>
+              </a:spcBef>
+              <a:spcAft>
+                <a:spcPts val="0"/>
+              </a:spcAft>
+              <a:buSzPts val="1300"/>
+              <a:buChar char="●"/>
+            </a:pPr>
+            <a:endParaRPr lang="fr" dirty="0"/>
+          </a:p>
+          <a:p>
+            <a:pPr marL="457200" lvl="0" indent="-311150" algn="l" rtl="0">
+              <a:spcBef>
+                <a:spcPts val="0"/>
+              </a:spcBef>
+              <a:spcAft>
+                <a:spcPts val="0"/>
+              </a:spcAft>
+              <a:buSzPts val="1300"/>
+              <a:buChar char="●"/>
+            </a:pPr>
+            <a:r>
+              <a:rPr lang="en-GB" dirty="0" err="1"/>
+              <a:t>Dès</a:t>
+            </a:r>
+            <a:r>
+              <a:rPr lang="en-GB" dirty="0"/>
+              <a:t> </a:t>
+            </a:r>
+            <a:r>
+              <a:rPr lang="en-GB" dirty="0" err="1"/>
+              <a:t>qu’un</a:t>
+            </a:r>
+            <a:r>
+              <a:rPr lang="en-GB" dirty="0"/>
+              <a:t> code bar </a:t>
+            </a:r>
+            <a:r>
+              <a:rPr lang="en-GB" dirty="0" err="1"/>
+              <a:t>est</a:t>
+            </a:r>
+            <a:r>
+              <a:rPr lang="en-GB" dirty="0"/>
+              <a:t> </a:t>
+            </a:r>
+            <a:r>
+              <a:rPr lang="en-GB" dirty="0" err="1"/>
+              <a:t>détecté</a:t>
+            </a:r>
+            <a:r>
+              <a:rPr lang="en-GB" dirty="0"/>
+              <a:t> dans </a:t>
+            </a:r>
+            <a:r>
+              <a:rPr lang="en-GB" dirty="0" err="1"/>
+              <a:t>une</a:t>
+            </a:r>
+            <a:r>
+              <a:rPr lang="en-GB" dirty="0"/>
+              <a:t> image, </a:t>
+            </a:r>
+            <a:r>
+              <a:rPr lang="en-GB" dirty="0" err="1"/>
+              <a:t>sa</a:t>
+            </a:r>
+            <a:r>
+              <a:rPr lang="en-GB" dirty="0"/>
+              <a:t> </a:t>
+            </a:r>
+            <a:r>
+              <a:rPr lang="en-GB" dirty="0" err="1"/>
+              <a:t>valeur</a:t>
+            </a:r>
+            <a:r>
+              <a:rPr lang="en-GB" dirty="0"/>
+              <a:t> </a:t>
+            </a:r>
+            <a:r>
+              <a:rPr lang="en-GB" dirty="0" err="1"/>
+              <a:t>est</a:t>
+            </a:r>
+            <a:r>
+              <a:rPr lang="en-GB" dirty="0"/>
+              <a:t> </a:t>
+            </a:r>
+            <a:r>
+              <a:rPr lang="en-GB" dirty="0" err="1"/>
+              <a:t>retournée</a:t>
+            </a:r>
+            <a:r>
+              <a:rPr lang="en-GB" dirty="0"/>
+              <a:t> pour </a:t>
+            </a:r>
+            <a:r>
+              <a:rPr lang="en-GB" dirty="0" err="1"/>
+              <a:t>servir</a:t>
+            </a:r>
+            <a:r>
+              <a:rPr lang="en-GB" dirty="0"/>
+              <a:t> dans la  </a:t>
+            </a:r>
+            <a:r>
+              <a:rPr lang="en-GB" dirty="0" err="1"/>
+              <a:t>requête</a:t>
+            </a:r>
+            <a:r>
+              <a:rPr lang="en-GB" dirty="0"/>
+              <a:t> </a:t>
+            </a:r>
+            <a:r>
+              <a:rPr lang="en-GB" dirty="0" err="1"/>
+              <a:t>vers</a:t>
+            </a:r>
+            <a:r>
+              <a:rPr lang="en-GB" dirty="0"/>
+              <a:t> </a:t>
+            </a:r>
+            <a:r>
+              <a:rPr lang="en-GB" dirty="0" err="1"/>
+              <a:t>l’API</a:t>
+            </a:r>
+            <a:r>
+              <a:rPr lang="en-GB" dirty="0"/>
+              <a:t> de </a:t>
+            </a:r>
+            <a:r>
+              <a:rPr lang="en-GB" dirty="0" err="1"/>
+              <a:t>FoodRepo</a:t>
+            </a:r>
+            <a:endParaRPr dirty="0"/>
           </a:p>
         </p:txBody>
       </p:sp>
@@ -13587,7 +13277,7 @@
 </p:sld>
 </file>
 
-<file path=ppt/slides/slide9.xml><?xml version="1.0" encoding="utf-8"?>
+<file path=ppt/slides/slide8.xml><?xml version="1.0" encoding="utf-8"?>
 <p:sld xmlns:a="http://schemas.openxmlformats.org/drawingml/2006/main" xmlns:r="http://schemas.openxmlformats.org/officeDocument/2006/relationships" xmlns:p="http://schemas.openxmlformats.org/presentationml/2006/main">
   <p:cSld>
     <p:spTree>
@@ -13658,6 +13348,258 @@
         </p:nvSpPr>
         <p:spPr>
           <a:xfrm>
+            <a:off x="1297500" y="1581844"/>
+            <a:ext cx="7038900" cy="2896905"/>
+          </a:xfrm>
+          <a:prstGeom prst="rect">
+            <a:avLst/>
+          </a:prstGeom>
+        </p:spPr>
+        <p:txBody>
+          <a:bodyPr spcFirstLastPara="1" wrap="square" lIns="91425" tIns="91425" rIns="91425" bIns="91425" anchor="t" anchorCtr="0">
+            <a:noAutofit/>
+          </a:bodyPr>
+          <a:lstStyle/>
+          <a:p>
+            <a:pPr marL="457200" lvl="0" indent="-311150" algn="l" rtl="0">
+              <a:spcBef>
+                <a:spcPts val="0"/>
+              </a:spcBef>
+              <a:spcAft>
+                <a:spcPts val="0"/>
+              </a:spcAft>
+              <a:buSzPts val="1300"/>
+              <a:buChar char="●"/>
+            </a:pPr>
+            <a:r>
+              <a:rPr lang="fr" dirty="0"/>
+              <a:t>Stratégie : </a:t>
+            </a:r>
+          </a:p>
+          <a:p>
+            <a:pPr lvl="1" indent="-311150">
+              <a:spcBef>
+                <a:spcPts val="0"/>
+              </a:spcBef>
+              <a:buSzPts val="1300"/>
+              <a:buFont typeface="+mj-lt"/>
+              <a:buAutoNum type="arabicPeriod"/>
+            </a:pPr>
+            <a:r>
+              <a:rPr lang="fr" dirty="0"/>
+              <a:t>Si le produit existe dans le persistence locale, obtenir les données stockées localement.</a:t>
+            </a:r>
+          </a:p>
+          <a:p>
+            <a:pPr lvl="1" indent="-311150">
+              <a:spcBef>
+                <a:spcPts val="0"/>
+              </a:spcBef>
+              <a:buSzPts val="1300"/>
+              <a:buFont typeface="+mj-lt"/>
+              <a:buAutoNum type="arabicPeriod"/>
+            </a:pPr>
+            <a:r>
+              <a:rPr lang="fr" dirty="0"/>
+              <a:t>Sinon obtenir les informations depuis l’API distante de FoodRepo.</a:t>
+            </a:r>
+          </a:p>
+          <a:p>
+            <a:pPr marL="603250" lvl="1" indent="0">
+              <a:spcBef>
+                <a:spcPts val="0"/>
+              </a:spcBef>
+              <a:buSzPts val="1300"/>
+              <a:buNone/>
+            </a:pPr>
+            <a:endParaRPr lang="fr" dirty="0"/>
+          </a:p>
+          <a:p>
+            <a:pPr marL="457200" lvl="0" indent="-311150" algn="l" rtl="0">
+              <a:spcBef>
+                <a:spcPts val="0"/>
+              </a:spcBef>
+              <a:spcAft>
+                <a:spcPts val="0"/>
+              </a:spcAft>
+              <a:buSzPts val="1300"/>
+              <a:buChar char="●"/>
+            </a:pPr>
+            <a:r>
+              <a:rPr lang="fr" dirty="0"/>
+              <a:t>Programmation asynchrone</a:t>
+            </a:r>
+            <a:endParaRPr dirty="0"/>
+          </a:p>
+          <a:p>
+            <a:pPr marL="457200" lvl="0" indent="-311150" algn="l" rtl="0">
+              <a:spcBef>
+                <a:spcPts val="0"/>
+              </a:spcBef>
+              <a:spcAft>
+                <a:spcPts val="0"/>
+              </a:spcAft>
+              <a:buSzPts val="1300"/>
+              <a:buChar char="●"/>
+            </a:pPr>
+            <a:r>
+              <a:rPr lang="fr" dirty="0"/>
+              <a:t>Retrofit </a:t>
+            </a:r>
+          </a:p>
+          <a:p>
+            <a:pPr marL="457200" lvl="0" indent="-311150" algn="l" rtl="0">
+              <a:spcBef>
+                <a:spcPts val="0"/>
+              </a:spcBef>
+              <a:spcAft>
+                <a:spcPts val="0"/>
+              </a:spcAft>
+              <a:buSzPts val="1300"/>
+              <a:buChar char="●"/>
+            </a:pPr>
+            <a:r>
+              <a:rPr lang="fr" dirty="0"/>
+              <a:t>Moshi (JSON parsing)</a:t>
+            </a:r>
+            <a:endParaRPr dirty="0"/>
+          </a:p>
+          <a:p>
+            <a:pPr marL="457200" lvl="0" indent="-311150" algn="l" rtl="0">
+              <a:spcBef>
+                <a:spcPts val="0"/>
+              </a:spcBef>
+              <a:spcAft>
+                <a:spcPts val="0"/>
+              </a:spcAft>
+              <a:buSzPts val="1300"/>
+              <a:buChar char="●"/>
+            </a:pPr>
+            <a:r>
+              <a:rPr lang="fr" dirty="0"/>
+              <a:t>Coroutines</a:t>
+            </a:r>
+            <a:endParaRPr dirty="0"/>
+          </a:p>
+          <a:p>
+            <a:pPr marL="914400" lvl="1" indent="-298450" algn="l" rtl="0">
+              <a:spcBef>
+                <a:spcPts val="0"/>
+              </a:spcBef>
+              <a:spcAft>
+                <a:spcPts val="0"/>
+              </a:spcAft>
+              <a:buSzPts val="1100"/>
+              <a:buChar char="○"/>
+            </a:pPr>
+            <a:r>
+              <a:rPr lang="en-GB" dirty="0"/>
+              <a:t>P</a:t>
+            </a:r>
+            <a:r>
+              <a:rPr lang="fr" dirty="0"/>
+              <a:t>ermettent de chaîner des appels à des fonctions bloquantes (« suspend » fun) de façon séquentielle</a:t>
+            </a:r>
+            <a:endParaRPr dirty="0"/>
+          </a:p>
+          <a:p>
+            <a:pPr marL="914400" lvl="1" indent="-298450" algn="l" rtl="0">
+              <a:spcBef>
+                <a:spcPts val="0"/>
+              </a:spcBef>
+              <a:spcAft>
+                <a:spcPts val="0"/>
+              </a:spcAft>
+              <a:buSzPts val="1100"/>
+              <a:buChar char="○"/>
+            </a:pPr>
+            <a:r>
+              <a:rPr lang="fr" dirty="0"/>
+              <a:t>Processus asynchrone, qui s’exécute sur un thread autre que UI de manière à ne pas bloquer le thread UI</a:t>
+            </a:r>
+            <a:endParaRPr dirty="0"/>
+          </a:p>
+        </p:txBody>
+      </p:sp>
+    </p:spTree>
+  </p:cSld>
+  <p:clrMapOvr>
+    <a:masterClrMapping/>
+  </p:clrMapOvr>
+</p:sld>
+</file>
+
+<file path=ppt/slides/slide9.xml><?xml version="1.0" encoding="utf-8"?>
+<p:sld xmlns:a="http://schemas.openxmlformats.org/drawingml/2006/main" xmlns:r="http://schemas.openxmlformats.org/officeDocument/2006/relationships" xmlns:p="http://schemas.openxmlformats.org/presentationml/2006/main">
+  <p:cSld>
+    <p:spTree>
+      <p:nvGrpSpPr>
+        <p:cNvPr id="1" name="Shape 176"/>
+        <p:cNvGrpSpPr/>
+        <p:nvPr/>
+      </p:nvGrpSpPr>
+      <p:grpSpPr>
+        <a:xfrm>
+          <a:off x="0" y="0"/>
+          <a:ext cx="0" cy="0"/>
+          <a:chOff x="0" y="0"/>
+          <a:chExt cx="0" cy="0"/>
+        </a:xfrm>
+      </p:grpSpPr>
+      <p:sp>
+        <p:nvSpPr>
+          <p:cNvPr id="177" name="Google Shape;177;p20"/>
+          <p:cNvSpPr txBox="1">
+            <a:spLocks noGrp="1"/>
+          </p:cNvSpPr>
+          <p:nvPr>
+            <p:ph type="title"/>
+          </p:nvPr>
+        </p:nvSpPr>
+        <p:spPr>
+          <a:xfrm>
+            <a:off x="1297500" y="393750"/>
+            <a:ext cx="7038900" cy="914100"/>
+          </a:xfrm>
+          <a:prstGeom prst="rect">
+            <a:avLst/>
+          </a:prstGeom>
+        </p:spPr>
+        <p:txBody>
+          <a:bodyPr spcFirstLastPara="1" wrap="square" lIns="91425" tIns="91425" rIns="91425" bIns="91425" anchor="t" anchorCtr="0">
+            <a:noAutofit/>
+          </a:bodyPr>
+          <a:lstStyle/>
+          <a:p>
+            <a:pPr marL="0" lvl="0" indent="0" algn="l" rtl="0">
+              <a:spcBef>
+                <a:spcPts val="0"/>
+              </a:spcBef>
+              <a:spcAft>
+                <a:spcPts val="0"/>
+              </a:spcAft>
+              <a:buNone/>
+            </a:pPr>
+            <a:r>
+              <a:rPr lang="fr"/>
+              <a:t>Historique</a:t>
+            </a:r>
+            <a:endParaRPr/>
+          </a:p>
+        </p:txBody>
+      </p:sp>
+      <p:sp>
+        <p:nvSpPr>
+          <p:cNvPr id="178" name="Google Shape;178;p20"/>
+          <p:cNvSpPr txBox="1">
+            <a:spLocks noGrp="1"/>
+          </p:cNvSpPr>
+          <p:nvPr>
+            <p:ph type="body" idx="1"/>
+          </p:nvPr>
+        </p:nvSpPr>
+        <p:spPr>
+          <a:xfrm>
             <a:off x="1297500" y="1567550"/>
             <a:ext cx="7038900" cy="2911200"/>
           </a:xfrm>
@@ -13683,9 +13625,8 @@
             </a:pPr>
             <a:r>
               <a:rPr lang="fr" dirty="0"/>
-              <a:t>Programmation asynchrone</a:t>
-            </a:r>
-            <a:endParaRPr dirty="0"/>
+              <a:t>La liste des produits recherchés par le passé apparaît sous la forme d’une liste.</a:t>
+            </a:r>
           </a:p>
           <a:p>
             <a:pPr marL="457200" lvl="0" indent="-311150" algn="l" rtl="0">
@@ -13698,10 +13639,7 @@
               <a:buSzPts val="1300"/>
               <a:buChar char="●"/>
             </a:pPr>
-            <a:r>
-              <a:rPr lang="fr" dirty="0"/>
-              <a:t>Retrofit </a:t>
-            </a:r>
+            <a:endParaRPr lang="fr" dirty="0"/>
           </a:p>
           <a:p>
             <a:pPr marL="457200" lvl="0" indent="-311150" algn="l" rtl="0">
@@ -13716,24 +13654,7 @@
             </a:pPr>
             <a:r>
               <a:rPr lang="fr" dirty="0"/>
-              <a:t>Moshi (JSON parsing)</a:t>
-            </a:r>
-            <a:endParaRPr dirty="0"/>
-          </a:p>
-          <a:p>
-            <a:pPr marL="457200" lvl="0" indent="-311150" algn="l" rtl="0">
-              <a:spcBef>
-                <a:spcPts val="0"/>
-              </a:spcBef>
-              <a:spcAft>
-                <a:spcPts val="0"/>
-              </a:spcAft>
-              <a:buSzPts val="1300"/>
-              <a:buChar char="●"/>
-            </a:pPr>
-            <a:r>
-              <a:rPr lang="fr" dirty="0"/>
-              <a:t>coroutines</a:t>
+              <a:t>RecyclerView</a:t>
             </a:r>
             <a:endParaRPr dirty="0"/>
           </a:p>
@@ -13749,10 +13670,105 @@
               <a:buChar char="○"/>
             </a:pPr>
             <a:r>
-              <a:rPr lang="fr" dirty="0"/>
-              <a:t>permet d’écrire du code basé sur des fonctions callback de façon séquentielle</a:t>
-            </a:r>
-            <a:endParaRPr dirty="0"/>
+              <a:rPr lang="fr-FR" dirty="0"/>
+              <a:t>Adapter : Permet de faire la liaison entre la vue </a:t>
+            </a:r>
+            <a:r>
+              <a:rPr lang="fr-FR" dirty="0" err="1"/>
+              <a:t>RecyclerView</a:t>
+            </a:r>
+            <a:r>
+              <a:rPr lang="fr-FR" dirty="0"/>
+              <a:t> et la liste de données, </a:t>
+            </a:r>
+            <a:r>
+              <a:rPr lang="en-GB" dirty="0" err="1"/>
+              <a:t>crée</a:t>
+            </a:r>
+            <a:r>
+              <a:rPr lang="en-GB" dirty="0"/>
+              <a:t> et </a:t>
+            </a:r>
+            <a:r>
+              <a:rPr lang="en-GB" dirty="0" err="1"/>
+              <a:t>réutilise</a:t>
+            </a:r>
+            <a:r>
+              <a:rPr lang="en-GB" dirty="0"/>
+              <a:t> le(s) </a:t>
+            </a:r>
+            <a:r>
+              <a:rPr lang="en-GB" dirty="0" err="1"/>
+              <a:t>ViewHolder</a:t>
+            </a:r>
+            <a:r>
+              <a:rPr lang="en-GB" dirty="0"/>
+              <a:t>(s) qui </a:t>
+            </a:r>
+            <a:r>
+              <a:rPr lang="en-GB" dirty="0" err="1"/>
+              <a:t>vont</a:t>
+            </a:r>
+            <a:r>
+              <a:rPr lang="en-GB" dirty="0"/>
+              <a:t> </a:t>
+            </a:r>
+            <a:r>
+              <a:rPr lang="en-GB" dirty="0" err="1"/>
+              <a:t>être</a:t>
+            </a:r>
+            <a:r>
+              <a:rPr lang="en-GB" dirty="0"/>
+              <a:t> </a:t>
+            </a:r>
+            <a:r>
+              <a:rPr lang="en-GB" dirty="0" err="1"/>
+              <a:t>nécessaires</a:t>
+            </a:r>
+            <a:r>
+              <a:rPr lang="en-GB" dirty="0"/>
+              <a:t> pour </a:t>
+            </a:r>
+            <a:r>
+              <a:rPr lang="en-GB" dirty="0" err="1"/>
+              <a:t>afficher</a:t>
+            </a:r>
+            <a:r>
+              <a:rPr lang="en-GB" dirty="0"/>
+              <a:t> les </a:t>
+            </a:r>
+            <a:r>
+              <a:rPr lang="en-GB" dirty="0" err="1"/>
+              <a:t>données</a:t>
+            </a:r>
+            <a:r>
+              <a:rPr lang="en-GB" dirty="0"/>
+              <a:t> </a:t>
+            </a:r>
+            <a:r>
+              <a:rPr lang="en-GB" dirty="0" err="1"/>
+              <a:t>en</a:t>
+            </a:r>
+            <a:r>
+              <a:rPr lang="en-GB" dirty="0"/>
+              <a:t> function de </a:t>
+            </a:r>
+            <a:r>
+              <a:rPr lang="en-GB" dirty="0" err="1"/>
+              <a:t>leur</a:t>
+            </a:r>
+            <a:r>
+              <a:rPr lang="en-GB" dirty="0"/>
+              <a:t> position dans la </a:t>
+            </a:r>
+            <a:r>
+              <a:rPr lang="en-GB" dirty="0" err="1"/>
+              <a:t>liste</a:t>
+            </a:r>
+            <a:r>
+              <a:rPr lang="en-GB" dirty="0"/>
+              <a:t>.</a:t>
+            </a:r>
           </a:p>
           <a:p>
             <a:pPr marL="914400" lvl="1" indent="-298450" algn="l" rtl="0">
@@ -13765,11 +13781,7 @@
               <a:buSzPts val="1100"/>
               <a:buChar char="○"/>
             </a:pPr>
-            <a:r>
-              <a:rPr lang="fr" dirty="0"/>
-              <a:t>asynchrone (thread autre que UI)</a:t>
-            </a:r>
-            <a:endParaRPr dirty="0"/>
+            <a:endParaRPr lang="fr-FR" dirty="0"/>
           </a:p>
           <a:p>
             <a:pPr marL="914400" lvl="1" indent="-298450" algn="l" rtl="0">
@@ -13783,10 +13795,21 @@
               <a:buChar char="○"/>
             </a:pPr>
             <a:r>
-              <a:rPr lang="fr" dirty="0"/>
-              <a:t>non-bloquant</a:t>
-            </a:r>
-            <a:endParaRPr dirty="0"/>
+              <a:rPr lang="fr-FR" dirty="0" err="1"/>
+              <a:t>ViewHolder</a:t>
+            </a:r>
+            <a:r>
+              <a:rPr lang="fr-FR" dirty="0"/>
+              <a:t> : Permet de représenter visuellement un élément de la liste de données dans le </a:t>
+            </a:r>
+            <a:r>
+              <a:rPr lang="fr-FR" dirty="0" err="1"/>
+              <a:t>RecyclerView</a:t>
+            </a:r>
+            <a:r>
+              <a:rPr lang="fr-FR" dirty="0"/>
+              <a:t> (une ligne).</a:t>
+            </a:r>
           </a:p>
           <a:p>
             <a:pPr marL="914400" lvl="1" indent="-298450" algn="l" rtl="0">
@@ -13799,11 +13822,7 @@
               <a:buSzPts val="1100"/>
               <a:buChar char="○"/>
             </a:pPr>
-            <a:r>
-              <a:rPr lang="fr" dirty="0"/>
-              <a:t>repose sur les fonctions “suspend” pour  rendre le code asynchrone séquentiel</a:t>
-            </a:r>
-            <a:endParaRPr dirty="0"/>
+            <a:endParaRPr lang="fr-FR" dirty="0"/>
           </a:p>
           <a:p>
             <a:pPr marL="914400" lvl="1" indent="-298450" algn="l" rtl="0">
@@ -13817,13 +13836,52 @@
               <a:buChar char="○"/>
             </a:pPr>
             <a:r>
-              <a:rPr lang="fr" dirty="0"/>
-              <a:t>nécessite : </a:t>
-            </a:r>
-            <a:endParaRPr dirty="0"/>
-          </a:p>
-          <a:p>
-            <a:pPr marL="1371600" lvl="2" indent="-298450" algn="l" rtl="0">
+              <a:rPr lang="en-GB" dirty="0"/>
+              <a:t>Layout : </a:t>
+            </a:r>
+            <a:r>
+              <a:rPr lang="en-GB" dirty="0" err="1"/>
+              <a:t>définit</a:t>
+            </a:r>
+            <a:r>
+              <a:rPr lang="en-GB" dirty="0"/>
+              <a:t> comment </a:t>
+            </a:r>
+            <a:r>
+              <a:rPr lang="en-GB" dirty="0" err="1"/>
+              <a:t>afficher</a:t>
+            </a:r>
+            <a:r>
+              <a:rPr lang="en-GB" dirty="0"/>
+              <a:t> </a:t>
+            </a:r>
+            <a:r>
+              <a:rPr lang="en-GB" dirty="0" err="1"/>
+              <a:t>chaque</a:t>
+            </a:r>
+            <a:r>
+              <a:rPr lang="en-GB" dirty="0"/>
+              <a:t> </a:t>
+            </a:r>
+            <a:r>
+              <a:rPr lang="en-GB" dirty="0" err="1"/>
+              <a:t>élément</a:t>
+            </a:r>
+            <a:r>
+              <a:rPr lang="en-GB" dirty="0"/>
+              <a:t>  du </a:t>
+            </a:r>
+            <a:r>
+              <a:rPr lang="en-GB" dirty="0" err="1"/>
+              <a:t>RecyclerView</a:t>
+            </a:r>
+            <a:r>
+              <a:rPr lang="en-GB" dirty="0"/>
+              <a:t>.</a:t>
+            </a:r>
+          </a:p>
+          <a:p>
+            <a:pPr marL="914400" lvl="1" indent="-298450" algn="l" rtl="0">
               <a:spcBef>
                 <a:spcPts val="0"/>
               </a:spcBef>
@@ -13831,16 +13889,12 @@
                 <a:spcPts val="0"/>
               </a:spcAft>
               <a:buSzPts val="1100"/>
-              <a:buChar char="■"/>
+              <a:buChar char="○"/>
             </a:pPr>
-            <a:r>
-              <a:rPr lang="fr" dirty="0"/>
-              <a:t>job : une tâche qui peut être annulée</a:t>
-            </a:r>
-            <a:endParaRPr dirty="0"/>
-          </a:p>
-          <a:p>
-            <a:pPr marL="1371600" lvl="2" indent="-298450" algn="l" rtl="0">
+            <a:endParaRPr lang="en-GB" dirty="0"/>
+          </a:p>
+          <a:p>
+            <a:pPr marL="914400" lvl="1" indent="-298450" algn="l" rtl="0">
               <a:spcBef>
                 <a:spcPts val="0"/>
               </a:spcBef>
@@ -13848,30 +13902,57 @@
                 <a:spcPts val="0"/>
               </a:spcAft>
               <a:buSzPts val="1100"/>
-              <a:buChar char="■"/>
+              <a:buChar char="○"/>
             </a:pPr>
             <a:r>
-              <a:rPr lang="fr" dirty="0"/>
-              <a:t>dispatcher : distribue l'exécution des coroutines sur les différents threads </a:t>
-            </a:r>
-            <a:endParaRPr dirty="0"/>
-          </a:p>
-          <a:p>
-            <a:pPr marL="1371600" lvl="2" indent="-298450" algn="l" rtl="0">
-              <a:spcBef>
-                <a:spcPts val="0"/>
-              </a:spcBef>
-              <a:spcAft>
-                <a:spcPts val="0"/>
-              </a:spcAft>
-              <a:buSzPts val="1100"/>
-              <a:buChar char="■"/>
-            </a:pPr>
-            <a:r>
-              <a:rPr lang="fr" dirty="0"/>
-              <a:t>scope : combine les informations (ex : job et dispatcher) pour définir un contexte d’exécution </a:t>
-            </a:r>
-            <a:endParaRPr dirty="0"/>
+              <a:rPr lang="en-GB" dirty="0" err="1"/>
+              <a:t>LayoutManager</a:t>
+            </a:r>
+            <a:r>
+              <a:rPr lang="en-GB" dirty="0"/>
+              <a:t> : </a:t>
+            </a:r>
+            <a:r>
+              <a:rPr lang="en-GB" dirty="0" err="1"/>
+              <a:t>Définit</a:t>
+            </a:r>
+            <a:r>
+              <a:rPr lang="en-GB" dirty="0"/>
+              <a:t> </a:t>
+            </a:r>
+            <a:r>
+              <a:rPr lang="en-GB" dirty="0" err="1"/>
+              <a:t>l’arrangement</a:t>
+            </a:r>
+            <a:r>
+              <a:rPr lang="en-GB" dirty="0"/>
+              <a:t> de </a:t>
+            </a:r>
+            <a:r>
+              <a:rPr lang="en-GB" dirty="0" err="1"/>
+              <a:t>tous</a:t>
+            </a:r>
+            <a:r>
+              <a:rPr lang="en-GB" dirty="0"/>
+              <a:t> les </a:t>
+            </a:r>
+            <a:r>
+              <a:rPr lang="en-GB" dirty="0" err="1"/>
+              <a:t>éléments</a:t>
+            </a:r>
+            <a:r>
+              <a:rPr lang="en-GB" dirty="0"/>
+              <a:t> dans le </a:t>
+            </a:r>
+            <a:r>
+              <a:rPr lang="en-GB" dirty="0" err="1"/>
+              <a:t>RecyclerView</a:t>
+            </a:r>
+            <a:r>
+              <a:rPr lang="en-GB" dirty="0"/>
+              <a:t>.</a:t>
+            </a:r>
+            <a:endParaRPr lang="fr-FR" dirty="0"/>
           </a:p>
         </p:txBody>
       </p:sp>

--- a/presentation/food-scanner.pptx
+++ b/presentation/food-scanner.pptx
@@ -5,7 +5,7 @@
     <p:sldMasterId id="2147483659" r:id="rId1"/>
   </p:sldMasterIdLst>
   <p:notesMasterIdLst>
-    <p:notesMasterId r:id="rId11"/>
+    <p:notesMasterId r:id="rId12"/>
   </p:notesMasterIdLst>
   <p:sldIdLst>
     <p:sldId id="256" r:id="rId2"/>
@@ -15,25 +15,26 @@
     <p:sldId id="266" r:id="rId6"/>
     <p:sldId id="259" r:id="rId7"/>
     <p:sldId id="261" r:id="rId8"/>
-    <p:sldId id="262" r:id="rId9"/>
-    <p:sldId id="263" r:id="rId10"/>
+    <p:sldId id="268" r:id="rId9"/>
+    <p:sldId id="262" r:id="rId10"/>
+    <p:sldId id="263" r:id="rId11"/>
   </p:sldIdLst>
   <p:sldSz cx="9144000" cy="5143500" type="screen16x9"/>
   <p:notesSz cx="6858000" cy="9144000"/>
   <p:embeddedFontLst>
     <p:embeddedFont>
-      <p:font typeface="Lato" panose="020B0604020202020204" charset="0"/>
-      <p:regular r:id="rId12"/>
-      <p:bold r:id="rId13"/>
-      <p:italic r:id="rId14"/>
-      <p:boldItalic r:id="rId15"/>
+      <p:font typeface="Lato" panose="020F0502020204030203" pitchFamily="34" charset="77"/>
+      <p:regular r:id="rId13"/>
+      <p:bold r:id="rId14"/>
+      <p:italic r:id="rId15"/>
+      <p:boldItalic r:id="rId16"/>
     </p:embeddedFont>
     <p:embeddedFont>
-      <p:font typeface="Montserrat" panose="020B0604020202020204" charset="0"/>
-      <p:regular r:id="rId16"/>
-      <p:bold r:id="rId17"/>
-      <p:italic r:id="rId18"/>
-      <p:boldItalic r:id="rId19"/>
+      <p:font typeface="Montserrat" pitchFamily="2" charset="77"/>
+      <p:regular r:id="rId17"/>
+      <p:bold r:id="rId18"/>
+      <p:italic r:id="rId19"/>
+      <p:boldItalic r:id="rId20"/>
     </p:embeddedFont>
   </p:embeddedFontLst>
   <p:defaultTextStyle>
@@ -268,12 +269,12 @@
   <p:extLst>
     <p:ext uri="{EFAFB233-063F-42B5-8137-9DF3F51BA10A}">
       <p15:sldGuideLst xmlns:p15="http://schemas.microsoft.com/office/powerpoint/2012/main">
-        <p15:guide id="1" orient="horz" pos="1620">
+        <p15:guide id="1" orient="horz" pos="1620" userDrawn="1">
           <p15:clr>
             <a:srgbClr val="A4A3A4"/>
           </p15:clr>
         </p15:guide>
-        <p15:guide id="2" pos="2880">
+        <p15:guide id="2" pos="2880" userDrawn="1">
           <p15:clr>
             <a:srgbClr val="A4A3A4"/>
           </p15:clr>
@@ -318,8 +319,8 @@
         </p:nvSpPr>
         <p:spPr>
           <a:xfrm>
-            <a:off x="381300" y="685800"/>
-            <a:ext cx="6096075" cy="3429000"/>
+            <a:off x="381000" y="685800"/>
+            <a:ext cx="6096000" cy="3429000"/>
           </a:xfrm>
           <a:custGeom>
             <a:avLst/>
@@ -754,8 +755,8 @@
         </p:nvSpPr>
         <p:spPr>
           <a:xfrm>
-            <a:off x="381300" y="685800"/>
-            <a:ext cx="6096075" cy="3429000"/>
+            <a:off x="381000" y="685800"/>
+            <a:ext cx="6096000" cy="3429000"/>
           </a:xfrm>
           <a:custGeom>
             <a:avLst/>
@@ -1701,7 +1702,7 @@
         </p:nvSpPr>
         <p:spPr>
           <a:xfrm rot="5400000">
-            <a:off x="7500300" y="505"/>
+            <a:off x="7500301" y="505"/>
             <a:ext cx="1643700" cy="1643700"/>
           </a:xfrm>
           <a:prstGeom prst="diagStripe">
@@ -1733,7 +1734,7 @@
               </a:spcAft>
               <a:buNone/>
             </a:pPr>
-            <a:endParaRPr/>
+            <a:endParaRPr sz="1400"/>
           </a:p>
         </p:txBody>
       </p:sp>
@@ -1745,7 +1746,7 @@
         </p:nvGrpSpPr>
         <p:grpSpPr>
           <a:xfrm>
-            <a:off x="0" y="490"/>
+            <a:off x="1" y="490"/>
             <a:ext cx="5153705" cy="5134399"/>
             <a:chOff x="0" y="75"/>
             <a:chExt cx="5153705" cy="5152950"/>
@@ -1791,7 +1792,7 @@
                 </a:spcAft>
                 <a:buNone/>
               </a:pPr>
-              <a:endParaRPr/>
+              <a:endParaRPr sz="1400"/>
             </a:p>
           </p:txBody>
         </p:sp>
@@ -1835,7 +1836,7 @@
                 </a:spcAft>
                 <a:buNone/>
               </a:pPr>
-              <a:endParaRPr/>
+              <a:endParaRPr sz="1400"/>
             </a:p>
           </p:txBody>
         </p:sp>
@@ -1877,7 +1878,7 @@
                 </a:spcAft>
                 <a:buNone/>
               </a:pPr>
-              <a:endParaRPr/>
+              <a:endParaRPr sz="1400"/>
             </a:p>
           </p:txBody>
         </p:sp>
@@ -1919,7 +1920,7 @@
                 </a:spcAft>
                 <a:buNone/>
               </a:pPr>
-              <a:endParaRPr/>
+              <a:endParaRPr sz="1400"/>
             </a:p>
           </p:txBody>
         </p:sp>
@@ -1936,7 +1937,7 @@
         </p:nvSpPr>
         <p:spPr>
           <a:xfrm>
-            <a:off x="3537150" y="1578400"/>
+            <a:off x="3537150" y="1578401"/>
             <a:ext cx="5017500" cy="1578900"/>
           </a:xfrm>
           <a:prstGeom prst="rect">
@@ -2065,7 +2066,7 @@
         </p:nvSpPr>
         <p:spPr>
           <a:xfrm>
-            <a:off x="5083950" y="3924925"/>
+            <a:off x="5083951" y="3924925"/>
             <a:ext cx="3470700" cy="506100"/>
           </a:xfrm>
           <a:prstGeom prst="rect">
@@ -2221,7 +2222,7 @@
         </p:nvSpPr>
         <p:spPr>
           <a:xfrm>
-            <a:off x="8472458" y="4663217"/>
+            <a:off x="8472459" y="4663217"/>
             <a:ext cx="548700" cy="393600"/>
           </a:xfrm>
           <a:prstGeom prst="rect">
@@ -2271,20 +2272,12 @@
             </a:lvl9pPr>
           </a:lstStyle>
           <a:p>
-            <a:pPr marL="0" lvl="0" indent="0" algn="r" rtl="0">
-              <a:spcBef>
-                <a:spcPts val="0"/>
-              </a:spcBef>
-              <a:spcAft>
-                <a:spcPts val="0"/>
-              </a:spcAft>
-              <a:buNone/>
-            </a:pPr>
             <a:fld id="{00000000-1234-1234-1234-123412341234}" type="slidenum">
-              <a:rPr lang="fr"/>
+              <a:rPr lang="fr" smtClean="0"/>
+              <a:pPr/>
               <a:t>‹#›</a:t>
             </a:fld>
-            <a:endParaRPr/>
+            <a:endParaRPr lang="fr"/>
           </a:p>
         </p:txBody>
       </p:sp>
@@ -2321,7 +2314,7 @@
         </p:nvGrpSpPr>
         <p:grpSpPr>
           <a:xfrm>
-            <a:off x="4406400" y="0"/>
+            <a:off x="4406400" y="1"/>
             <a:ext cx="4737600" cy="5143065"/>
             <a:chOff x="4406400" y="0"/>
             <a:chExt cx="4737600" cy="5143065"/>
@@ -2367,7 +2360,7 @@
                 </a:spcAft>
                 <a:buNone/>
               </a:pPr>
-              <a:endParaRPr/>
+              <a:endParaRPr sz="1400"/>
             </a:p>
           </p:txBody>
         </p:sp>
@@ -2411,7 +2404,7 @@
                 </a:spcAft>
                 <a:buNone/>
               </a:pPr>
-              <a:endParaRPr/>
+              <a:endParaRPr sz="1400"/>
             </a:p>
           </p:txBody>
         </p:sp>
@@ -2455,7 +2448,7 @@
                 </a:spcAft>
                 <a:buNone/>
               </a:pPr>
-              <a:endParaRPr/>
+              <a:endParaRPr sz="1400"/>
             </a:p>
           </p:txBody>
         </p:sp>
@@ -2499,7 +2492,7 @@
                 </a:spcAft>
                 <a:buNone/>
               </a:pPr>
-              <a:endParaRPr/>
+              <a:endParaRPr sz="1400"/>
             </a:p>
           </p:txBody>
         </p:sp>
@@ -2543,7 +2536,7 @@
                 </a:spcAft>
                 <a:buNone/>
               </a:pPr>
-              <a:endParaRPr/>
+              <a:endParaRPr sz="1400"/>
             </a:p>
           </p:txBody>
         </p:sp>
@@ -2587,7 +2580,7 @@
                 </a:spcAft>
                 <a:buNone/>
               </a:pPr>
-              <a:endParaRPr/>
+              <a:endParaRPr sz="1400"/>
             </a:p>
           </p:txBody>
         </p:sp>
@@ -2631,7 +2624,7 @@
                 </a:spcAft>
                 <a:buNone/>
               </a:pPr>
-              <a:endParaRPr/>
+              <a:endParaRPr sz="1400"/>
             </a:p>
           </p:txBody>
         </p:sp>
@@ -2673,7 +2666,7 @@
                 </a:spcAft>
                 <a:buNone/>
               </a:pPr>
-              <a:endParaRPr/>
+              <a:endParaRPr sz="1400"/>
             </a:p>
           </p:txBody>
         </p:sp>
@@ -2717,7 +2710,7 @@
                 </a:spcAft>
                 <a:buNone/>
               </a:pPr>
-              <a:endParaRPr/>
+              <a:endParaRPr sz="1400"/>
             </a:p>
           </p:txBody>
         </p:sp>
@@ -2761,7 +2754,7 @@
                 </a:spcAft>
                 <a:buNone/>
               </a:pPr>
-              <a:endParaRPr/>
+              <a:endParaRPr sz="1400"/>
             </a:p>
           </p:txBody>
         </p:sp>
@@ -2805,7 +2798,7 @@
                 </a:spcAft>
                 <a:buNone/>
               </a:pPr>
-              <a:endParaRPr/>
+              <a:endParaRPr sz="1400"/>
             </a:p>
           </p:txBody>
         </p:sp>
@@ -2849,7 +2842,7 @@
                 </a:spcAft>
                 <a:buNone/>
               </a:pPr>
-              <a:endParaRPr/>
+              <a:endParaRPr sz="1400"/>
             </a:p>
           </p:txBody>
         </p:sp>
@@ -2893,7 +2886,7 @@
                 </a:spcAft>
                 <a:buNone/>
               </a:pPr>
-              <a:endParaRPr/>
+              <a:endParaRPr sz="1400"/>
             </a:p>
           </p:txBody>
         </p:sp>
@@ -2935,7 +2928,7 @@
                 </a:spcAft>
                 <a:buNone/>
               </a:pPr>
-              <a:endParaRPr/>
+              <a:endParaRPr sz="1400"/>
             </a:p>
           </p:txBody>
         </p:sp>
@@ -2979,7 +2972,7 @@
                 </a:spcAft>
                 <a:buNone/>
               </a:pPr>
-              <a:endParaRPr/>
+              <a:endParaRPr sz="1400"/>
             </a:p>
           </p:txBody>
         </p:sp>
@@ -3023,7 +3016,7 @@
                 </a:spcAft>
                 <a:buNone/>
               </a:pPr>
-              <a:endParaRPr/>
+              <a:endParaRPr sz="1400"/>
             </a:p>
           </p:txBody>
         </p:sp>
@@ -3067,7 +3060,7 @@
                 </a:spcAft>
                 <a:buNone/>
               </a:pPr>
-              <a:endParaRPr/>
+              <a:endParaRPr sz="1400"/>
             </a:p>
           </p:txBody>
         </p:sp>
@@ -3111,7 +3104,7 @@
                 </a:spcAft>
                 <a:buNone/>
               </a:pPr>
-              <a:endParaRPr/>
+              <a:endParaRPr sz="1400"/>
             </a:p>
           </p:txBody>
         </p:sp>
@@ -3128,7 +3121,7 @@
         </p:nvSpPr>
         <p:spPr>
           <a:xfrm>
-            <a:off x="823850" y="1284675"/>
+            <a:off x="823851" y="1284675"/>
             <a:ext cx="4776000" cy="1300800"/>
           </a:xfrm>
           <a:prstGeom prst="rect">
@@ -3259,7 +3252,7 @@
         </p:nvSpPr>
         <p:spPr>
           <a:xfrm>
-            <a:off x="823850" y="2643124"/>
+            <a:off x="823851" y="2643124"/>
             <a:ext cx="4776000" cy="1218900"/>
           </a:xfrm>
           <a:prstGeom prst="rect">
@@ -3271,7 +3264,7 @@
             <a:noAutofit/>
           </a:bodyPr>
           <a:lstStyle>
-            <a:lvl1pPr marL="457200" lvl="0" indent="-311150">
+            <a:lvl1pPr marL="457206" lvl="0" indent="-311154">
               <a:spcBef>
                 <a:spcPts val="0"/>
               </a:spcBef>
@@ -3282,7 +3275,7 @@
               <a:buChar char="●"/>
               <a:defRPr/>
             </a:lvl1pPr>
-            <a:lvl2pPr marL="914400" lvl="1" indent="-298450">
+            <a:lvl2pPr marL="914411" lvl="1" indent="-298454">
               <a:spcBef>
                 <a:spcPts val="1600"/>
               </a:spcBef>
@@ -3293,7 +3286,7 @@
               <a:buChar char="○"/>
               <a:defRPr/>
             </a:lvl2pPr>
-            <a:lvl3pPr marL="1371600" lvl="2" indent="-298450">
+            <a:lvl3pPr marL="1371617" lvl="2" indent="-298454">
               <a:spcBef>
                 <a:spcPts val="1600"/>
               </a:spcBef>
@@ -3304,7 +3297,7 @@
               <a:buChar char="■"/>
               <a:defRPr/>
             </a:lvl3pPr>
-            <a:lvl4pPr marL="1828800" lvl="3" indent="-298450">
+            <a:lvl4pPr marL="1828823" lvl="3" indent="-298454">
               <a:spcBef>
                 <a:spcPts val="1600"/>
               </a:spcBef>
@@ -3315,7 +3308,7 @@
               <a:buChar char="●"/>
               <a:defRPr/>
             </a:lvl4pPr>
-            <a:lvl5pPr marL="2286000" lvl="4" indent="-298450">
+            <a:lvl5pPr marL="2286029" lvl="4" indent="-298454">
               <a:spcBef>
                 <a:spcPts val="1600"/>
               </a:spcBef>
@@ -3326,7 +3319,7 @@
               <a:buChar char="○"/>
               <a:defRPr/>
             </a:lvl5pPr>
-            <a:lvl6pPr marL="2743200" lvl="5" indent="-298450">
+            <a:lvl6pPr marL="2743234" lvl="5" indent="-298454">
               <a:spcBef>
                 <a:spcPts val="1600"/>
               </a:spcBef>
@@ -3337,7 +3330,7 @@
               <a:buChar char="■"/>
               <a:defRPr/>
             </a:lvl6pPr>
-            <a:lvl7pPr marL="3200400" lvl="6" indent="-298450">
+            <a:lvl7pPr marL="3200440" lvl="6" indent="-298454">
               <a:spcBef>
                 <a:spcPts val="1600"/>
               </a:spcBef>
@@ -3348,7 +3341,7 @@
               <a:buChar char="●"/>
               <a:defRPr/>
             </a:lvl7pPr>
-            <a:lvl8pPr marL="3657600" lvl="7" indent="-298450">
+            <a:lvl8pPr marL="3657646" lvl="7" indent="-298454">
               <a:spcBef>
                 <a:spcPts val="1600"/>
               </a:spcBef>
@@ -3359,7 +3352,7 @@
               <a:buChar char="○"/>
               <a:defRPr/>
             </a:lvl8pPr>
-            <a:lvl9pPr marL="4114800" lvl="8" indent="-298450">
+            <a:lvl9pPr marL="4114851" lvl="8" indent="-298454">
               <a:spcBef>
                 <a:spcPts val="1600"/>
               </a:spcBef>
@@ -3388,7 +3381,7 @@
         </p:nvSpPr>
         <p:spPr>
           <a:xfrm>
-            <a:off x="8472458" y="4663217"/>
+            <a:off x="8472459" y="4663217"/>
             <a:ext cx="548700" cy="393600"/>
           </a:xfrm>
           <a:prstGeom prst="rect">
@@ -3438,20 +3431,12 @@
             </a:lvl9pPr>
           </a:lstStyle>
           <a:p>
-            <a:pPr marL="0" lvl="0" indent="0" algn="r" rtl="0">
-              <a:spcBef>
-                <a:spcPts val="0"/>
-              </a:spcBef>
-              <a:spcAft>
-                <a:spcPts val="0"/>
-              </a:spcAft>
-              <a:buNone/>
-            </a:pPr>
             <a:fld id="{00000000-1234-1234-1234-123412341234}" type="slidenum">
-              <a:rPr lang="fr"/>
+              <a:rPr lang="fr" smtClean="0"/>
+              <a:pPr/>
               <a:t>‹#›</a:t>
             </a:fld>
-            <a:endParaRPr/>
+            <a:endParaRPr lang="fr"/>
           </a:p>
         </p:txBody>
       </p:sp>
@@ -3492,7 +3477,7 @@
         </p:nvSpPr>
         <p:spPr>
           <a:xfrm>
-            <a:off x="8472458" y="4663217"/>
+            <a:off x="8472459" y="4663217"/>
             <a:ext cx="548700" cy="393600"/>
           </a:xfrm>
           <a:prstGeom prst="rect">
@@ -3542,20 +3527,12 @@
             </a:lvl9pPr>
           </a:lstStyle>
           <a:p>
-            <a:pPr marL="0" lvl="0" indent="0" algn="r" rtl="0">
-              <a:spcBef>
-                <a:spcPts val="0"/>
-              </a:spcBef>
-              <a:spcAft>
-                <a:spcPts val="0"/>
-              </a:spcAft>
-              <a:buNone/>
-            </a:pPr>
             <a:fld id="{00000000-1234-1234-1234-123412341234}" type="slidenum">
-              <a:rPr lang="fr"/>
+              <a:rPr lang="fr" smtClean="0"/>
+              <a:pPr/>
               <a:t>‹#›</a:t>
             </a:fld>
-            <a:endParaRPr/>
+            <a:endParaRPr lang="fr"/>
           </a:p>
         </p:txBody>
       </p:sp>
@@ -3592,7 +3569,7 @@
         </p:nvGrpSpPr>
         <p:grpSpPr>
           <a:xfrm>
-            <a:off x="4406400" y="0"/>
+            <a:off x="4406400" y="1"/>
             <a:ext cx="4737600" cy="5143065"/>
             <a:chOff x="4406400" y="0"/>
             <a:chExt cx="4737600" cy="5143065"/>
@@ -3638,7 +3615,7 @@
                 </a:spcAft>
                 <a:buNone/>
               </a:pPr>
-              <a:endParaRPr/>
+              <a:endParaRPr sz="1400"/>
             </a:p>
           </p:txBody>
         </p:sp>
@@ -3682,7 +3659,7 @@
                 </a:spcAft>
                 <a:buNone/>
               </a:pPr>
-              <a:endParaRPr/>
+              <a:endParaRPr sz="1400"/>
             </a:p>
           </p:txBody>
         </p:sp>
@@ -3726,7 +3703,7 @@
                 </a:spcAft>
                 <a:buNone/>
               </a:pPr>
-              <a:endParaRPr/>
+              <a:endParaRPr sz="1400"/>
             </a:p>
           </p:txBody>
         </p:sp>
@@ -3770,7 +3747,7 @@
                 </a:spcAft>
                 <a:buNone/>
               </a:pPr>
-              <a:endParaRPr/>
+              <a:endParaRPr sz="1400"/>
             </a:p>
           </p:txBody>
         </p:sp>
@@ -3814,7 +3791,7 @@
                 </a:spcAft>
                 <a:buNone/>
               </a:pPr>
-              <a:endParaRPr/>
+              <a:endParaRPr sz="1400"/>
             </a:p>
           </p:txBody>
         </p:sp>
@@ -3858,7 +3835,7 @@
                 </a:spcAft>
                 <a:buNone/>
               </a:pPr>
-              <a:endParaRPr/>
+              <a:endParaRPr sz="1400"/>
             </a:p>
           </p:txBody>
         </p:sp>
@@ -3902,7 +3879,7 @@
                 </a:spcAft>
                 <a:buNone/>
               </a:pPr>
-              <a:endParaRPr/>
+              <a:endParaRPr sz="1400"/>
             </a:p>
           </p:txBody>
         </p:sp>
@@ -3944,7 +3921,7 @@
                 </a:spcAft>
                 <a:buNone/>
               </a:pPr>
-              <a:endParaRPr/>
+              <a:endParaRPr sz="1400"/>
             </a:p>
           </p:txBody>
         </p:sp>
@@ -3988,7 +3965,7 @@
                 </a:spcAft>
                 <a:buNone/>
               </a:pPr>
-              <a:endParaRPr/>
+              <a:endParaRPr sz="1400"/>
             </a:p>
           </p:txBody>
         </p:sp>
@@ -4032,7 +4009,7 @@
                 </a:spcAft>
                 <a:buNone/>
               </a:pPr>
-              <a:endParaRPr/>
+              <a:endParaRPr sz="1400"/>
             </a:p>
           </p:txBody>
         </p:sp>
@@ -4076,7 +4053,7 @@
                 </a:spcAft>
                 <a:buNone/>
               </a:pPr>
-              <a:endParaRPr/>
+              <a:endParaRPr sz="1400"/>
             </a:p>
           </p:txBody>
         </p:sp>
@@ -4120,7 +4097,7 @@
                 </a:spcAft>
                 <a:buNone/>
               </a:pPr>
-              <a:endParaRPr/>
+              <a:endParaRPr sz="1400"/>
             </a:p>
           </p:txBody>
         </p:sp>
@@ -4164,7 +4141,7 @@
                 </a:spcAft>
                 <a:buNone/>
               </a:pPr>
-              <a:endParaRPr/>
+              <a:endParaRPr sz="1400"/>
             </a:p>
           </p:txBody>
         </p:sp>
@@ -4206,7 +4183,7 @@
                 </a:spcAft>
                 <a:buNone/>
               </a:pPr>
-              <a:endParaRPr/>
+              <a:endParaRPr sz="1400"/>
             </a:p>
           </p:txBody>
         </p:sp>
@@ -4250,7 +4227,7 @@
                 </a:spcAft>
                 <a:buNone/>
               </a:pPr>
-              <a:endParaRPr/>
+              <a:endParaRPr sz="1400"/>
             </a:p>
           </p:txBody>
         </p:sp>
@@ -4294,7 +4271,7 @@
                 </a:spcAft>
                 <a:buNone/>
               </a:pPr>
-              <a:endParaRPr/>
+              <a:endParaRPr sz="1400"/>
             </a:p>
           </p:txBody>
         </p:sp>
@@ -4338,7 +4315,7 @@
                 </a:spcAft>
                 <a:buNone/>
               </a:pPr>
-              <a:endParaRPr/>
+              <a:endParaRPr sz="1400"/>
             </a:p>
           </p:txBody>
         </p:sp>
@@ -4382,7 +4359,7 @@
                 </a:spcAft>
                 <a:buNone/>
               </a:pPr>
-              <a:endParaRPr/>
+              <a:endParaRPr sz="1400"/>
             </a:p>
           </p:txBody>
         </p:sp>
@@ -4399,8 +4376,8 @@
         </p:nvSpPr>
         <p:spPr>
           <a:xfrm>
-            <a:off x="823850" y="2053000"/>
-            <a:ext cx="4587000" cy="1148700"/>
+            <a:off x="823849" y="2053000"/>
+            <a:ext cx="4587001" cy="1148700"/>
           </a:xfrm>
           <a:prstGeom prst="rect">
             <a:avLst/>
@@ -4528,7 +4505,7 @@
         </p:nvSpPr>
         <p:spPr>
           <a:xfrm>
-            <a:off x="8472458" y="4663217"/>
+            <a:off x="8472459" y="4663217"/>
             <a:ext cx="548700" cy="393600"/>
           </a:xfrm>
           <a:prstGeom prst="rect">
@@ -4578,20 +4555,12 @@
             </a:lvl9pPr>
           </a:lstStyle>
           <a:p>
-            <a:pPr marL="0" lvl="0" indent="0" algn="r" rtl="0">
-              <a:spcBef>
-                <a:spcPts val="0"/>
-              </a:spcBef>
-              <a:spcAft>
-                <a:spcPts val="0"/>
-              </a:spcAft>
-              <a:buNone/>
-            </a:pPr>
             <a:fld id="{00000000-1234-1234-1234-123412341234}" type="slidenum">
-              <a:rPr lang="fr"/>
+              <a:rPr lang="fr" smtClean="0"/>
+              <a:pPr/>
               <a:t>‹#›</a:t>
             </a:fld>
-            <a:endParaRPr/>
+            <a:endParaRPr lang="fr"/>
           </a:p>
         </p:txBody>
       </p:sp>
@@ -4628,8 +4597,8 @@
         </p:nvGrpSpPr>
         <p:grpSpPr>
           <a:xfrm>
-            <a:off x="0" y="381001"/>
-            <a:ext cx="1037850" cy="1016287"/>
+            <a:off x="1" y="381001"/>
+            <a:ext cx="1037851" cy="1016287"/>
             <a:chOff x="0" y="381001"/>
             <a:chExt cx="1037850" cy="1016287"/>
           </a:xfrm>
@@ -4672,7 +4641,7 @@
                 </a:spcAft>
                 <a:buNone/>
               </a:pPr>
-              <a:endParaRPr/>
+              <a:endParaRPr sz="1400"/>
             </a:p>
           </p:txBody>
         </p:sp>
@@ -4714,7 +4683,7 @@
                 </a:spcAft>
                 <a:buNone/>
               </a:pPr>
-              <a:endParaRPr/>
+              <a:endParaRPr sz="1400"/>
             </a:p>
           </p:txBody>
         </p:sp>
@@ -4731,7 +4700,7 @@
         </p:nvSpPr>
         <p:spPr>
           <a:xfrm>
-            <a:off x="1297500" y="393750"/>
+            <a:off x="1297501" y="393750"/>
             <a:ext cx="7038900" cy="914100"/>
           </a:xfrm>
           <a:prstGeom prst="rect">
@@ -4860,7 +4829,7 @@
         </p:nvSpPr>
         <p:spPr>
           <a:xfrm>
-            <a:off x="1297500" y="1567550"/>
+            <a:off x="1297501" y="1567550"/>
             <a:ext cx="7038900" cy="2911200"/>
           </a:xfrm>
           <a:prstGeom prst="rect">
@@ -4872,7 +4841,7 @@
             <a:noAutofit/>
           </a:bodyPr>
           <a:lstStyle>
-            <a:lvl1pPr marL="457200" lvl="0" indent="-311150">
+            <a:lvl1pPr marL="457206" lvl="0" indent="-311154">
               <a:spcBef>
                 <a:spcPts val="0"/>
               </a:spcBef>
@@ -4883,7 +4852,7 @@
               <a:buChar char="●"/>
               <a:defRPr/>
             </a:lvl1pPr>
-            <a:lvl2pPr marL="914400" lvl="1" indent="-298450">
+            <a:lvl2pPr marL="914411" lvl="1" indent="-298454">
               <a:spcBef>
                 <a:spcPts val="1600"/>
               </a:spcBef>
@@ -4894,7 +4863,7 @@
               <a:buChar char="○"/>
               <a:defRPr/>
             </a:lvl2pPr>
-            <a:lvl3pPr marL="1371600" lvl="2" indent="-298450">
+            <a:lvl3pPr marL="1371617" lvl="2" indent="-298454">
               <a:spcBef>
                 <a:spcPts val="1600"/>
               </a:spcBef>
@@ -4905,7 +4874,7 @@
               <a:buChar char="■"/>
               <a:defRPr/>
             </a:lvl3pPr>
-            <a:lvl4pPr marL="1828800" lvl="3" indent="-298450">
+            <a:lvl4pPr marL="1828823" lvl="3" indent="-298454">
               <a:spcBef>
                 <a:spcPts val="1600"/>
               </a:spcBef>
@@ -4916,7 +4885,7 @@
               <a:buChar char="●"/>
               <a:defRPr/>
             </a:lvl4pPr>
-            <a:lvl5pPr marL="2286000" lvl="4" indent="-298450">
+            <a:lvl5pPr marL="2286029" lvl="4" indent="-298454">
               <a:spcBef>
                 <a:spcPts val="1600"/>
               </a:spcBef>
@@ -4927,7 +4896,7 @@
               <a:buChar char="○"/>
               <a:defRPr/>
             </a:lvl5pPr>
-            <a:lvl6pPr marL="2743200" lvl="5" indent="-298450">
+            <a:lvl6pPr marL="2743234" lvl="5" indent="-298454">
               <a:spcBef>
                 <a:spcPts val="1600"/>
               </a:spcBef>
@@ -4938,7 +4907,7 @@
               <a:buChar char="■"/>
               <a:defRPr/>
             </a:lvl6pPr>
-            <a:lvl7pPr marL="3200400" lvl="6" indent="-298450">
+            <a:lvl7pPr marL="3200440" lvl="6" indent="-298454">
               <a:spcBef>
                 <a:spcPts val="1600"/>
               </a:spcBef>
@@ -4949,7 +4918,7 @@
               <a:buChar char="●"/>
               <a:defRPr/>
             </a:lvl7pPr>
-            <a:lvl8pPr marL="3657600" lvl="7" indent="-298450">
+            <a:lvl8pPr marL="3657646" lvl="7" indent="-298454">
               <a:spcBef>
                 <a:spcPts val="1600"/>
               </a:spcBef>
@@ -4960,7 +4929,7 @@
               <a:buChar char="○"/>
               <a:defRPr/>
             </a:lvl8pPr>
-            <a:lvl9pPr marL="4114800" lvl="8" indent="-298450">
+            <a:lvl9pPr marL="4114851" lvl="8" indent="-298454">
               <a:spcBef>
                 <a:spcPts val="1600"/>
               </a:spcBef>
@@ -4989,7 +4958,7 @@
         </p:nvSpPr>
         <p:spPr>
           <a:xfrm>
-            <a:off x="8472458" y="4663217"/>
+            <a:off x="8472459" y="4663217"/>
             <a:ext cx="548700" cy="393600"/>
           </a:xfrm>
           <a:prstGeom prst="rect">
@@ -5039,20 +5008,12 @@
             </a:lvl9pPr>
           </a:lstStyle>
           <a:p>
-            <a:pPr marL="0" lvl="0" indent="0" algn="r" rtl="0">
-              <a:spcBef>
-                <a:spcPts val="0"/>
-              </a:spcBef>
-              <a:spcAft>
-                <a:spcPts val="0"/>
-              </a:spcAft>
-              <a:buNone/>
-            </a:pPr>
             <a:fld id="{00000000-1234-1234-1234-123412341234}" type="slidenum">
-              <a:rPr lang="fr"/>
+              <a:rPr lang="fr" smtClean="0"/>
+              <a:pPr/>
               <a:t>‹#›</a:t>
             </a:fld>
-            <a:endParaRPr/>
+            <a:endParaRPr lang="fr"/>
           </a:p>
         </p:txBody>
       </p:sp>
@@ -5089,8 +5050,8 @@
         </p:nvGrpSpPr>
         <p:grpSpPr>
           <a:xfrm>
-            <a:off x="0" y="381001"/>
-            <a:ext cx="1037850" cy="1016287"/>
+            <a:off x="1" y="381001"/>
+            <a:ext cx="1037851" cy="1016287"/>
             <a:chOff x="0" y="381001"/>
             <a:chExt cx="1037850" cy="1016287"/>
           </a:xfrm>
@@ -5133,7 +5094,7 @@
                 </a:spcAft>
                 <a:buNone/>
               </a:pPr>
-              <a:endParaRPr/>
+              <a:endParaRPr sz="1400"/>
             </a:p>
           </p:txBody>
         </p:sp>
@@ -5175,7 +5136,7 @@
                 </a:spcAft>
                 <a:buNone/>
               </a:pPr>
-              <a:endParaRPr/>
+              <a:endParaRPr sz="1400"/>
             </a:p>
           </p:txBody>
         </p:sp>
@@ -5192,7 +5153,7 @@
         </p:nvSpPr>
         <p:spPr>
           <a:xfrm>
-            <a:off x="1297500" y="393750"/>
+            <a:off x="1297501" y="393750"/>
             <a:ext cx="7038900" cy="914100"/>
           </a:xfrm>
           <a:prstGeom prst="rect">
@@ -5333,7 +5294,7 @@
             <a:noAutofit/>
           </a:bodyPr>
           <a:lstStyle>
-            <a:lvl1pPr marL="457200" lvl="0" indent="-311150">
+            <a:lvl1pPr marL="457206" lvl="0" indent="-311154">
               <a:spcBef>
                 <a:spcPts val="0"/>
               </a:spcBef>
@@ -5344,7 +5305,7 @@
               <a:buChar char="●"/>
               <a:defRPr/>
             </a:lvl1pPr>
-            <a:lvl2pPr marL="914400" lvl="1" indent="-298450">
+            <a:lvl2pPr marL="914411" lvl="1" indent="-298454">
               <a:spcBef>
                 <a:spcPts val="1600"/>
               </a:spcBef>
@@ -5355,7 +5316,7 @@
               <a:buChar char="○"/>
               <a:defRPr/>
             </a:lvl2pPr>
-            <a:lvl3pPr marL="1371600" lvl="2" indent="-298450">
+            <a:lvl3pPr marL="1371617" lvl="2" indent="-298454">
               <a:spcBef>
                 <a:spcPts val="1600"/>
               </a:spcBef>
@@ -5366,7 +5327,7 @@
               <a:buChar char="■"/>
               <a:defRPr/>
             </a:lvl3pPr>
-            <a:lvl4pPr marL="1828800" lvl="3" indent="-298450">
+            <a:lvl4pPr marL="1828823" lvl="3" indent="-298454">
               <a:spcBef>
                 <a:spcPts val="1600"/>
               </a:spcBef>
@@ -5377,7 +5338,7 @@
               <a:buChar char="●"/>
               <a:defRPr/>
             </a:lvl4pPr>
-            <a:lvl5pPr marL="2286000" lvl="4" indent="-298450">
+            <a:lvl5pPr marL="2286029" lvl="4" indent="-298454">
               <a:spcBef>
                 <a:spcPts val="1600"/>
               </a:spcBef>
@@ -5388,7 +5349,7 @@
               <a:buChar char="○"/>
               <a:defRPr/>
             </a:lvl5pPr>
-            <a:lvl6pPr marL="2743200" lvl="5" indent="-298450">
+            <a:lvl6pPr marL="2743234" lvl="5" indent="-298454">
               <a:spcBef>
                 <a:spcPts val="1600"/>
               </a:spcBef>
@@ -5399,7 +5360,7 @@
               <a:buChar char="■"/>
               <a:defRPr/>
             </a:lvl6pPr>
-            <a:lvl7pPr marL="3200400" lvl="6" indent="-298450">
+            <a:lvl7pPr marL="3200440" lvl="6" indent="-298454">
               <a:spcBef>
                 <a:spcPts val="1600"/>
               </a:spcBef>
@@ -5410,7 +5371,7 @@
               <a:buChar char="●"/>
               <a:defRPr/>
             </a:lvl7pPr>
-            <a:lvl8pPr marL="3657600" lvl="7" indent="-298450">
+            <a:lvl8pPr marL="3657646" lvl="7" indent="-298454">
               <a:spcBef>
                 <a:spcPts val="1600"/>
               </a:spcBef>
@@ -5421,7 +5382,7 @@
               <a:buChar char="○"/>
               <a:defRPr/>
             </a:lvl8pPr>
-            <a:lvl9pPr marL="4114800" lvl="8" indent="-298450">
+            <a:lvl9pPr marL="4114851" lvl="8" indent="-298454">
               <a:spcBef>
                 <a:spcPts val="1600"/>
               </a:spcBef>
@@ -5462,7 +5423,7 @@
             <a:noAutofit/>
           </a:bodyPr>
           <a:lstStyle>
-            <a:lvl1pPr marL="457200" lvl="0" indent="-311150">
+            <a:lvl1pPr marL="457206" lvl="0" indent="-311154">
               <a:spcBef>
                 <a:spcPts val="0"/>
               </a:spcBef>
@@ -5473,7 +5434,7 @@
               <a:buChar char="●"/>
               <a:defRPr/>
             </a:lvl1pPr>
-            <a:lvl2pPr marL="914400" lvl="1" indent="-298450">
+            <a:lvl2pPr marL="914411" lvl="1" indent="-298454">
               <a:spcBef>
                 <a:spcPts val="1600"/>
               </a:spcBef>
@@ -5484,7 +5445,7 @@
               <a:buChar char="○"/>
               <a:defRPr/>
             </a:lvl2pPr>
-            <a:lvl3pPr marL="1371600" lvl="2" indent="-298450">
+            <a:lvl3pPr marL="1371617" lvl="2" indent="-298454">
               <a:spcBef>
                 <a:spcPts val="1600"/>
               </a:spcBef>
@@ -5495,7 +5456,7 @@
               <a:buChar char="■"/>
               <a:defRPr/>
             </a:lvl3pPr>
-            <a:lvl4pPr marL="1828800" lvl="3" indent="-298450">
+            <a:lvl4pPr marL="1828823" lvl="3" indent="-298454">
               <a:spcBef>
                 <a:spcPts val="1600"/>
               </a:spcBef>
@@ -5506,7 +5467,7 @@
               <a:buChar char="●"/>
               <a:defRPr/>
             </a:lvl4pPr>
-            <a:lvl5pPr marL="2286000" lvl="4" indent="-298450">
+            <a:lvl5pPr marL="2286029" lvl="4" indent="-298454">
               <a:spcBef>
                 <a:spcPts val="1600"/>
               </a:spcBef>
@@ -5517,7 +5478,7 @@
               <a:buChar char="○"/>
               <a:defRPr/>
             </a:lvl5pPr>
-            <a:lvl6pPr marL="2743200" lvl="5" indent="-298450">
+            <a:lvl6pPr marL="2743234" lvl="5" indent="-298454">
               <a:spcBef>
                 <a:spcPts val="1600"/>
               </a:spcBef>
@@ -5528,7 +5489,7 @@
               <a:buChar char="■"/>
               <a:defRPr/>
             </a:lvl6pPr>
-            <a:lvl7pPr marL="3200400" lvl="6" indent="-298450">
+            <a:lvl7pPr marL="3200440" lvl="6" indent="-298454">
               <a:spcBef>
                 <a:spcPts val="1600"/>
               </a:spcBef>
@@ -5539,7 +5500,7 @@
               <a:buChar char="●"/>
               <a:defRPr/>
             </a:lvl7pPr>
-            <a:lvl8pPr marL="3657600" lvl="7" indent="-298450">
+            <a:lvl8pPr marL="3657646" lvl="7" indent="-298454">
               <a:spcBef>
                 <a:spcPts val="1600"/>
               </a:spcBef>
@@ -5550,7 +5511,7 @@
               <a:buChar char="○"/>
               <a:defRPr/>
             </a:lvl8pPr>
-            <a:lvl9pPr marL="4114800" lvl="8" indent="-298450">
+            <a:lvl9pPr marL="4114851" lvl="8" indent="-298454">
               <a:spcBef>
                 <a:spcPts val="1600"/>
               </a:spcBef>
@@ -5579,7 +5540,7 @@
         </p:nvSpPr>
         <p:spPr>
           <a:xfrm>
-            <a:off x="8472458" y="4663217"/>
+            <a:off x="8472459" y="4663217"/>
             <a:ext cx="548700" cy="393600"/>
           </a:xfrm>
           <a:prstGeom prst="rect">
@@ -5629,20 +5590,12 @@
             </a:lvl9pPr>
           </a:lstStyle>
           <a:p>
-            <a:pPr marL="0" lvl="0" indent="0" algn="r" rtl="0">
-              <a:spcBef>
-                <a:spcPts val="0"/>
-              </a:spcBef>
-              <a:spcAft>
-                <a:spcPts val="0"/>
-              </a:spcAft>
-              <a:buNone/>
-            </a:pPr>
             <a:fld id="{00000000-1234-1234-1234-123412341234}" type="slidenum">
-              <a:rPr lang="fr"/>
+              <a:rPr lang="fr" smtClean="0"/>
+              <a:pPr/>
               <a:t>‹#›</a:t>
             </a:fld>
-            <a:endParaRPr/>
+            <a:endParaRPr lang="fr"/>
           </a:p>
         </p:txBody>
       </p:sp>
@@ -5679,8 +5632,8 @@
         </p:nvGrpSpPr>
         <p:grpSpPr>
           <a:xfrm>
-            <a:off x="0" y="381001"/>
-            <a:ext cx="1037850" cy="1016287"/>
+            <a:off x="1" y="381001"/>
+            <a:ext cx="1037851" cy="1016287"/>
             <a:chOff x="0" y="381001"/>
             <a:chExt cx="1037850" cy="1016287"/>
           </a:xfrm>
@@ -5723,7 +5676,7 @@
                 </a:spcAft>
                 <a:buNone/>
               </a:pPr>
-              <a:endParaRPr/>
+              <a:endParaRPr sz="1400"/>
             </a:p>
           </p:txBody>
         </p:sp>
@@ -5765,7 +5718,7 @@
                 </a:spcAft>
                 <a:buNone/>
               </a:pPr>
-              <a:endParaRPr/>
+              <a:endParaRPr sz="1400"/>
             </a:p>
           </p:txBody>
         </p:sp>
@@ -5782,7 +5735,7 @@
         </p:nvSpPr>
         <p:spPr>
           <a:xfrm>
-            <a:off x="1297500" y="393750"/>
+            <a:off x="1297501" y="393750"/>
             <a:ext cx="7038900" cy="914100"/>
           </a:xfrm>
           <a:prstGeom prst="rect">
@@ -5911,7 +5864,7 @@
         </p:nvSpPr>
         <p:spPr>
           <a:xfrm>
-            <a:off x="8472458" y="4663217"/>
+            <a:off x="8472459" y="4663217"/>
             <a:ext cx="548700" cy="393600"/>
           </a:xfrm>
           <a:prstGeom prst="rect">
@@ -5961,20 +5914,12 @@
             </a:lvl9pPr>
           </a:lstStyle>
           <a:p>
-            <a:pPr marL="0" lvl="0" indent="0" algn="r" rtl="0">
-              <a:spcBef>
-                <a:spcPts val="0"/>
-              </a:spcBef>
-              <a:spcAft>
-                <a:spcPts val="0"/>
-              </a:spcAft>
-              <a:buNone/>
-            </a:pPr>
             <a:fld id="{00000000-1234-1234-1234-123412341234}" type="slidenum">
-              <a:rPr lang="fr"/>
+              <a:rPr lang="fr" smtClean="0"/>
+              <a:pPr/>
               <a:t>‹#›</a:t>
             </a:fld>
-            <a:endParaRPr/>
+            <a:endParaRPr lang="fr"/>
           </a:p>
         </p:txBody>
       </p:sp>
@@ -6011,8 +5956,8 @@
         </p:nvGrpSpPr>
         <p:grpSpPr>
           <a:xfrm>
-            <a:off x="0" y="381001"/>
-            <a:ext cx="1037850" cy="1016287"/>
+            <a:off x="1" y="381001"/>
+            <a:ext cx="1037851" cy="1016287"/>
             <a:chOff x="0" y="381001"/>
             <a:chExt cx="1037850" cy="1016287"/>
           </a:xfrm>
@@ -6055,7 +6000,7 @@
                 </a:spcAft>
                 <a:buNone/>
               </a:pPr>
-              <a:endParaRPr/>
+              <a:endParaRPr sz="1400"/>
             </a:p>
           </p:txBody>
         </p:sp>
@@ -6097,7 +6042,7 @@
                 </a:spcAft>
                 <a:buNone/>
               </a:pPr>
-              <a:endParaRPr/>
+              <a:endParaRPr sz="1400"/>
             </a:p>
           </p:txBody>
         </p:sp>
@@ -6114,7 +6059,7 @@
         </p:nvSpPr>
         <p:spPr>
           <a:xfrm>
-            <a:off x="1297500" y="393750"/>
+            <a:off x="1297501" y="393750"/>
             <a:ext cx="3798900" cy="1493100"/>
           </a:xfrm>
           <a:prstGeom prst="rect">
@@ -6243,7 +6188,7 @@
         </p:nvSpPr>
         <p:spPr>
           <a:xfrm>
-            <a:off x="1297500" y="1972550"/>
+            <a:off x="1297501" y="1972550"/>
             <a:ext cx="3798900" cy="2415900"/>
           </a:xfrm>
           <a:prstGeom prst="rect">
@@ -6255,7 +6200,7 @@
             <a:noAutofit/>
           </a:bodyPr>
           <a:lstStyle>
-            <a:lvl1pPr marL="457200" lvl="0" indent="-311150">
+            <a:lvl1pPr marL="457206" lvl="0" indent="-311154">
               <a:spcBef>
                 <a:spcPts val="0"/>
               </a:spcBef>
@@ -6266,7 +6211,7 @@
               <a:buChar char="●"/>
               <a:defRPr/>
             </a:lvl1pPr>
-            <a:lvl2pPr marL="914400" lvl="1" indent="-298450">
+            <a:lvl2pPr marL="914411" lvl="1" indent="-298454">
               <a:spcBef>
                 <a:spcPts val="1600"/>
               </a:spcBef>
@@ -6277,7 +6222,7 @@
               <a:buChar char="○"/>
               <a:defRPr/>
             </a:lvl2pPr>
-            <a:lvl3pPr marL="1371600" lvl="2" indent="-298450">
+            <a:lvl3pPr marL="1371617" lvl="2" indent="-298454">
               <a:spcBef>
                 <a:spcPts val="1600"/>
               </a:spcBef>
@@ -6288,7 +6233,7 @@
               <a:buChar char="■"/>
               <a:defRPr/>
             </a:lvl3pPr>
-            <a:lvl4pPr marL="1828800" lvl="3" indent="-298450">
+            <a:lvl4pPr marL="1828823" lvl="3" indent="-298454">
               <a:spcBef>
                 <a:spcPts val="1600"/>
               </a:spcBef>
@@ -6299,7 +6244,7 @@
               <a:buChar char="●"/>
               <a:defRPr/>
             </a:lvl4pPr>
-            <a:lvl5pPr marL="2286000" lvl="4" indent="-298450">
+            <a:lvl5pPr marL="2286029" lvl="4" indent="-298454">
               <a:spcBef>
                 <a:spcPts val="1600"/>
               </a:spcBef>
@@ -6310,7 +6255,7 @@
               <a:buChar char="○"/>
               <a:defRPr/>
             </a:lvl5pPr>
-            <a:lvl6pPr marL="2743200" lvl="5" indent="-298450">
+            <a:lvl6pPr marL="2743234" lvl="5" indent="-298454">
               <a:spcBef>
                 <a:spcPts val="1600"/>
               </a:spcBef>
@@ -6321,7 +6266,7 @@
               <a:buChar char="■"/>
               <a:defRPr/>
             </a:lvl6pPr>
-            <a:lvl7pPr marL="3200400" lvl="6" indent="-298450">
+            <a:lvl7pPr marL="3200440" lvl="6" indent="-298454">
               <a:spcBef>
                 <a:spcPts val="1600"/>
               </a:spcBef>
@@ -6332,7 +6277,7 @@
               <a:buChar char="●"/>
               <a:defRPr/>
             </a:lvl7pPr>
-            <a:lvl8pPr marL="3657600" lvl="7" indent="-298450">
+            <a:lvl8pPr marL="3657646" lvl="7" indent="-298454">
               <a:spcBef>
                 <a:spcPts val="1600"/>
               </a:spcBef>
@@ -6343,7 +6288,7 @@
               <a:buChar char="○"/>
               <a:defRPr/>
             </a:lvl8pPr>
-            <a:lvl9pPr marL="4114800" lvl="8" indent="-298450">
+            <a:lvl9pPr marL="4114851" lvl="8" indent="-298454">
               <a:spcBef>
                 <a:spcPts val="1600"/>
               </a:spcBef>
@@ -6372,7 +6317,7 @@
         </p:nvSpPr>
         <p:spPr>
           <a:xfrm>
-            <a:off x="8472458" y="4663217"/>
+            <a:off x="8472459" y="4663217"/>
             <a:ext cx="548700" cy="393600"/>
           </a:xfrm>
           <a:prstGeom prst="rect">
@@ -6422,20 +6367,12 @@
             </a:lvl9pPr>
           </a:lstStyle>
           <a:p>
-            <a:pPr marL="0" lvl="0" indent="0" algn="r" rtl="0">
-              <a:spcBef>
-                <a:spcPts val="0"/>
-              </a:spcBef>
-              <a:spcAft>
-                <a:spcPts val="0"/>
-              </a:spcAft>
-              <a:buNone/>
-            </a:pPr>
             <a:fld id="{00000000-1234-1234-1234-123412341234}" type="slidenum">
-              <a:rPr lang="fr"/>
+              <a:rPr lang="fr" smtClean="0"/>
+              <a:pPr/>
               <a:t>‹#›</a:t>
             </a:fld>
-            <a:endParaRPr/>
+            <a:endParaRPr lang="fr"/>
           </a:p>
         </p:txBody>
       </p:sp>
@@ -6518,7 +6455,7 @@
                 </a:spcAft>
                 <a:buNone/>
               </a:pPr>
-              <a:endParaRPr/>
+              <a:endParaRPr sz="1400"/>
             </a:p>
           </p:txBody>
         </p:sp>
@@ -6562,7 +6499,7 @@
                 </a:spcAft>
                 <a:buNone/>
               </a:pPr>
-              <a:endParaRPr/>
+              <a:endParaRPr sz="1400"/>
             </a:p>
           </p:txBody>
         </p:sp>
@@ -6606,7 +6543,7 @@
                 </a:spcAft>
                 <a:buNone/>
               </a:pPr>
-              <a:endParaRPr/>
+              <a:endParaRPr sz="1400"/>
             </a:p>
           </p:txBody>
         </p:sp>
@@ -6650,7 +6587,7 @@
                 </a:spcAft>
                 <a:buNone/>
               </a:pPr>
-              <a:endParaRPr/>
+              <a:endParaRPr sz="1400"/>
             </a:p>
           </p:txBody>
         </p:sp>
@@ -6694,7 +6631,7 @@
                 </a:spcAft>
                 <a:buNone/>
               </a:pPr>
-              <a:endParaRPr/>
+              <a:endParaRPr sz="1400"/>
             </a:p>
           </p:txBody>
         </p:sp>
@@ -6738,7 +6675,7 @@
                 </a:spcAft>
                 <a:buNone/>
               </a:pPr>
-              <a:endParaRPr/>
+              <a:endParaRPr sz="1400"/>
             </a:p>
           </p:txBody>
         </p:sp>
@@ -6782,7 +6719,7 @@
                 </a:spcAft>
                 <a:buNone/>
               </a:pPr>
-              <a:endParaRPr/>
+              <a:endParaRPr sz="1400"/>
             </a:p>
           </p:txBody>
         </p:sp>
@@ -6824,7 +6761,7 @@
                 </a:spcAft>
                 <a:buNone/>
               </a:pPr>
-              <a:endParaRPr/>
+              <a:endParaRPr sz="1400"/>
             </a:p>
           </p:txBody>
         </p:sp>
@@ -6868,7 +6805,7 @@
                 </a:spcAft>
                 <a:buNone/>
               </a:pPr>
-              <a:endParaRPr/>
+              <a:endParaRPr sz="1400"/>
             </a:p>
           </p:txBody>
         </p:sp>
@@ -6912,7 +6849,7 @@
                 </a:spcAft>
                 <a:buNone/>
               </a:pPr>
-              <a:endParaRPr/>
+              <a:endParaRPr sz="1400"/>
             </a:p>
           </p:txBody>
         </p:sp>
@@ -6956,7 +6893,7 @@
                 </a:spcAft>
                 <a:buNone/>
               </a:pPr>
-              <a:endParaRPr/>
+              <a:endParaRPr sz="1400"/>
             </a:p>
           </p:txBody>
         </p:sp>
@@ -7000,7 +6937,7 @@
                 </a:spcAft>
                 <a:buNone/>
               </a:pPr>
-              <a:endParaRPr/>
+              <a:endParaRPr sz="1400"/>
             </a:p>
           </p:txBody>
         </p:sp>
@@ -7044,7 +6981,7 @@
                 </a:spcAft>
                 <a:buNone/>
               </a:pPr>
-              <a:endParaRPr/>
+              <a:endParaRPr sz="1400"/>
             </a:p>
           </p:txBody>
         </p:sp>
@@ -7086,7 +7023,7 @@
                 </a:spcAft>
                 <a:buNone/>
               </a:pPr>
-              <a:endParaRPr/>
+              <a:endParaRPr sz="1400"/>
             </a:p>
           </p:txBody>
         </p:sp>
@@ -7130,7 +7067,7 @@
                 </a:spcAft>
                 <a:buNone/>
               </a:pPr>
-              <a:endParaRPr/>
+              <a:endParaRPr sz="1400"/>
             </a:p>
           </p:txBody>
         </p:sp>
@@ -7174,7 +7111,7 @@
                 </a:spcAft>
                 <a:buNone/>
               </a:pPr>
-              <a:endParaRPr/>
+              <a:endParaRPr sz="1400"/>
             </a:p>
           </p:txBody>
         </p:sp>
@@ -7218,7 +7155,7 @@
                 </a:spcAft>
                 <a:buNone/>
               </a:pPr>
-              <a:endParaRPr/>
+              <a:endParaRPr sz="1400"/>
             </a:p>
           </p:txBody>
         </p:sp>
@@ -7262,7 +7199,7 @@
                 </a:spcAft>
                 <a:buNone/>
               </a:pPr>
-              <a:endParaRPr/>
+              <a:endParaRPr sz="1400"/>
             </a:p>
           </p:txBody>
         </p:sp>
@@ -7279,8 +7216,8 @@
         </p:nvSpPr>
         <p:spPr>
           <a:xfrm>
-            <a:off x="823850" y="866775"/>
-            <a:ext cx="4587000" cy="3521100"/>
+            <a:off x="823849" y="866776"/>
+            <a:ext cx="4587001" cy="3521100"/>
           </a:xfrm>
           <a:prstGeom prst="rect">
             <a:avLst/>
@@ -7408,7 +7345,7 @@
         </p:nvSpPr>
         <p:spPr>
           <a:xfrm>
-            <a:off x="8472458" y="4663217"/>
+            <a:off x="8472459" y="4663217"/>
             <a:ext cx="548700" cy="393600"/>
           </a:xfrm>
           <a:prstGeom prst="rect">
@@ -7458,20 +7395,12 @@
             </a:lvl9pPr>
           </a:lstStyle>
           <a:p>
-            <a:pPr marL="0" lvl="0" indent="0" algn="r" rtl="0">
-              <a:spcBef>
-                <a:spcPts val="0"/>
-              </a:spcBef>
-              <a:spcAft>
-                <a:spcPts val="0"/>
-              </a:spcAft>
-              <a:buNone/>
-            </a:pPr>
             <a:fld id="{00000000-1234-1234-1234-123412341234}" type="slidenum">
-              <a:rPr lang="fr"/>
+              <a:rPr lang="fr" smtClean="0"/>
+              <a:pPr/>
               <a:t>‹#›</a:t>
             </a:fld>
-            <a:endParaRPr/>
+            <a:endParaRPr lang="fr"/>
           </a:p>
         </p:txBody>
       </p:sp>
@@ -7508,8 +7437,8 @@
         </p:nvGrpSpPr>
         <p:grpSpPr>
           <a:xfrm>
-            <a:off x="0" y="381001"/>
-            <a:ext cx="1037850" cy="1016287"/>
+            <a:off x="1" y="381001"/>
+            <a:ext cx="1037851" cy="1016287"/>
             <a:chOff x="0" y="381001"/>
             <a:chExt cx="1037850" cy="1016287"/>
           </a:xfrm>
@@ -7552,7 +7481,7 @@
                 </a:spcAft>
                 <a:buNone/>
               </a:pPr>
-              <a:endParaRPr/>
+              <a:endParaRPr sz="1400"/>
             </a:p>
           </p:txBody>
         </p:sp>
@@ -7594,7 +7523,7 @@
                 </a:spcAft>
                 <a:buNone/>
               </a:pPr>
-              <a:endParaRPr/>
+              <a:endParaRPr sz="1400"/>
             </a:p>
           </p:txBody>
         </p:sp>
@@ -7611,7 +7540,7 @@
         </p:nvSpPr>
         <p:spPr>
           <a:xfrm>
-            <a:off x="1297500" y="1658325"/>
+            <a:off x="1297502" y="1658326"/>
             <a:ext cx="3036300" cy="1751700"/>
           </a:xfrm>
           <a:prstGeom prst="rect">
@@ -7740,7 +7669,7 @@
         </p:nvSpPr>
         <p:spPr>
           <a:xfrm>
-            <a:off x="1297500" y="3538000"/>
+            <a:off x="1297502" y="3538000"/>
             <a:ext cx="3036300" cy="506100"/>
           </a:xfrm>
           <a:prstGeom prst="rect">
@@ -7896,7 +7825,7 @@
         </p:nvSpPr>
         <p:spPr>
           <a:xfrm>
-            <a:off x="4648200" y="1696600"/>
+            <a:off x="4648199" y="1696600"/>
             <a:ext cx="3676800" cy="2347500"/>
           </a:xfrm>
           <a:prstGeom prst="rect">
@@ -7908,7 +7837,7 @@
             <a:noAutofit/>
           </a:bodyPr>
           <a:lstStyle>
-            <a:lvl1pPr marL="457200" lvl="0" indent="-311150">
+            <a:lvl1pPr marL="457206" lvl="0" indent="-311154">
               <a:spcBef>
                 <a:spcPts val="0"/>
               </a:spcBef>
@@ -7919,7 +7848,7 @@
               <a:buChar char="●"/>
               <a:defRPr/>
             </a:lvl1pPr>
-            <a:lvl2pPr marL="914400" lvl="1" indent="-298450">
+            <a:lvl2pPr marL="914411" lvl="1" indent="-298454">
               <a:spcBef>
                 <a:spcPts val="1600"/>
               </a:spcBef>
@@ -7930,7 +7859,7 @@
               <a:buChar char="○"/>
               <a:defRPr/>
             </a:lvl2pPr>
-            <a:lvl3pPr marL="1371600" lvl="2" indent="-298450">
+            <a:lvl3pPr marL="1371617" lvl="2" indent="-298454">
               <a:spcBef>
                 <a:spcPts val="1600"/>
               </a:spcBef>
@@ -7941,7 +7870,7 @@
               <a:buChar char="■"/>
               <a:defRPr/>
             </a:lvl3pPr>
-            <a:lvl4pPr marL="1828800" lvl="3" indent="-298450">
+            <a:lvl4pPr marL="1828823" lvl="3" indent="-298454">
               <a:spcBef>
                 <a:spcPts val="1600"/>
               </a:spcBef>
@@ -7952,7 +7881,7 @@
               <a:buChar char="●"/>
               <a:defRPr/>
             </a:lvl4pPr>
-            <a:lvl5pPr marL="2286000" lvl="4" indent="-298450">
+            <a:lvl5pPr marL="2286029" lvl="4" indent="-298454">
               <a:spcBef>
                 <a:spcPts val="1600"/>
               </a:spcBef>
@@ -7963,7 +7892,7 @@
               <a:buChar char="○"/>
               <a:defRPr/>
             </a:lvl5pPr>
-            <a:lvl6pPr marL="2743200" lvl="5" indent="-298450">
+            <a:lvl6pPr marL="2743234" lvl="5" indent="-298454">
               <a:spcBef>
                 <a:spcPts val="1600"/>
               </a:spcBef>
@@ -7974,7 +7903,7 @@
               <a:buChar char="■"/>
               <a:defRPr/>
             </a:lvl6pPr>
-            <a:lvl7pPr marL="3200400" lvl="6" indent="-298450">
+            <a:lvl7pPr marL="3200440" lvl="6" indent="-298454">
               <a:spcBef>
                 <a:spcPts val="1600"/>
               </a:spcBef>
@@ -7985,7 +7914,7 @@
               <a:buChar char="●"/>
               <a:defRPr/>
             </a:lvl7pPr>
-            <a:lvl8pPr marL="3657600" lvl="7" indent="-298450">
+            <a:lvl8pPr marL="3657646" lvl="7" indent="-298454">
               <a:spcBef>
                 <a:spcPts val="1600"/>
               </a:spcBef>
@@ -7996,7 +7925,7 @@
               <a:buChar char="○"/>
               <a:defRPr/>
             </a:lvl8pPr>
-            <a:lvl9pPr marL="4114800" lvl="8" indent="-298450">
+            <a:lvl9pPr marL="4114851" lvl="8" indent="-298454">
               <a:spcBef>
                 <a:spcPts val="1600"/>
               </a:spcBef>
@@ -8025,7 +7954,7 @@
         </p:nvSpPr>
         <p:spPr>
           <a:xfrm>
-            <a:off x="8472458" y="4663217"/>
+            <a:off x="8472459" y="4663217"/>
             <a:ext cx="548700" cy="393600"/>
           </a:xfrm>
           <a:prstGeom prst="rect">
@@ -8075,20 +8004,12 @@
             </a:lvl9pPr>
           </a:lstStyle>
           <a:p>
-            <a:pPr marL="0" lvl="0" indent="0" algn="r" rtl="0">
-              <a:spcBef>
-                <a:spcPts val="0"/>
-              </a:spcBef>
-              <a:spcAft>
-                <a:spcPts val="0"/>
-              </a:spcAft>
-              <a:buNone/>
-            </a:pPr>
             <a:fld id="{00000000-1234-1234-1234-123412341234}" type="slidenum">
-              <a:rPr lang="fr"/>
+              <a:rPr lang="fr" smtClean="0"/>
+              <a:pPr/>
               <a:t>‹#›</a:t>
             </a:fld>
-            <a:endParaRPr/>
+            <a:endParaRPr lang="fr"/>
           </a:p>
         </p:txBody>
       </p:sp>
@@ -8125,8 +8046,8 @@
         </p:nvGrpSpPr>
         <p:grpSpPr>
           <a:xfrm>
-            <a:off x="0" y="4128572"/>
-            <a:ext cx="698925" cy="684657"/>
+            <a:off x="1" y="4128572"/>
+            <a:ext cx="698924" cy="684657"/>
             <a:chOff x="0" y="3785672"/>
             <a:chExt cx="698925" cy="684657"/>
           </a:xfrm>
@@ -8171,7 +8092,7 @@
                 </a:spcAft>
                 <a:buNone/>
               </a:pPr>
-              <a:endParaRPr/>
+              <a:endParaRPr sz="1400"/>
             </a:p>
           </p:txBody>
         </p:sp>
@@ -8215,7 +8136,7 @@
                 </a:spcAft>
                 <a:buNone/>
               </a:pPr>
-              <a:endParaRPr/>
+              <a:endParaRPr sz="1400"/>
             </a:p>
           </p:txBody>
         </p:sp>
@@ -8244,7 +8165,7 @@
             <a:noAutofit/>
           </a:bodyPr>
           <a:lstStyle>
-            <a:lvl1pPr marL="457200" lvl="0" indent="-228600">
+            <a:lvl1pPr marL="457206" lvl="0" indent="-228603">
               <a:lnSpc>
                 <a:spcPct val="100000"/>
               </a:lnSpc>
@@ -8276,7 +8197,7 @@
         </p:nvSpPr>
         <p:spPr>
           <a:xfrm>
-            <a:off x="8472458" y="4663217"/>
+            <a:off x="8472459" y="4663217"/>
             <a:ext cx="548700" cy="393600"/>
           </a:xfrm>
           <a:prstGeom prst="rect">
@@ -8326,20 +8247,12 @@
             </a:lvl9pPr>
           </a:lstStyle>
           <a:p>
-            <a:pPr marL="0" lvl="0" indent="0" algn="r" rtl="0">
-              <a:spcBef>
-                <a:spcPts val="0"/>
-              </a:spcBef>
-              <a:spcAft>
-                <a:spcPts val="0"/>
-              </a:spcAft>
-              <a:buNone/>
-            </a:pPr>
             <a:fld id="{00000000-1234-1234-1234-123412341234}" type="slidenum">
-              <a:rPr lang="fr"/>
+              <a:rPr lang="fr" smtClean="0"/>
+              <a:pPr/>
               <a:t>‹#›</a:t>
             </a:fld>
-            <a:endParaRPr/>
+            <a:endParaRPr lang="fr"/>
           </a:p>
         </p:txBody>
       </p:sp>
@@ -8389,7 +8302,7 @@
         <p:spPr>
           <a:xfrm>
             <a:off x="311700" y="445025"/>
-            <a:ext cx="8520600" cy="572700"/>
+            <a:ext cx="8520601" cy="572700"/>
           </a:xfrm>
           <a:prstGeom prst="rect">
             <a:avLst/>
@@ -8630,7 +8543,7 @@
         <p:spPr>
           <a:xfrm>
             <a:off x="311700" y="1152475"/>
-            <a:ext cx="8520600" cy="3416400"/>
+            <a:ext cx="8520601" cy="3416400"/>
           </a:xfrm>
           <a:prstGeom prst="rect">
             <a:avLst/>
@@ -8897,7 +8810,7 @@
         </p:nvSpPr>
         <p:spPr>
           <a:xfrm>
-            <a:off x="8472458" y="4663217"/>
+            <a:off x="8472459" y="4663217"/>
             <a:ext cx="548700" cy="393600"/>
           </a:xfrm>
           <a:prstGeom prst="rect">
@@ -9023,20 +8936,12 @@
             </a:lvl9pPr>
           </a:lstStyle>
           <a:p>
-            <a:pPr marL="0" lvl="0" indent="0" algn="r" rtl="0">
-              <a:spcBef>
-                <a:spcPts val="0"/>
-              </a:spcBef>
-              <a:spcAft>
-                <a:spcPts val="0"/>
-              </a:spcAft>
-              <a:buNone/>
-            </a:pPr>
             <a:fld id="{00000000-1234-1234-1234-123412341234}" type="slidenum">
-              <a:rPr lang="fr"/>
+              <a:rPr lang="fr" smtClean="0"/>
+              <a:pPr/>
               <a:t>‹#›</a:t>
             </a:fld>
-            <a:endParaRPr/>
+            <a:endParaRPr lang="fr"/>
           </a:p>
         </p:txBody>
       </p:sp>
@@ -9778,7 +9683,7 @@
         </p:nvSpPr>
         <p:spPr>
           <a:xfrm>
-            <a:off x="3132850" y="1578400"/>
+            <a:off x="3132850" y="1578401"/>
             <a:ext cx="5905800" cy="1578900"/>
           </a:xfrm>
           <a:prstGeom prst="rect">
@@ -9791,17 +9696,10 @@
           </a:bodyPr>
           <a:lstStyle/>
           <a:p>
-            <a:pPr marL="0" lvl="0" indent="0" algn="l" rtl="0">
+            <a:pPr>
               <a:lnSpc>
                 <a:spcPct val="150000"/>
               </a:lnSpc>
-              <a:spcBef>
-                <a:spcPts val="0"/>
-              </a:spcBef>
-              <a:spcAft>
-                <a:spcPts val="0"/>
-              </a:spcAft>
-              <a:buNone/>
             </a:pPr>
             <a:r>
               <a:rPr lang="fr" sz="3500"/>
@@ -9810,17 +9708,10 @@
             <a:endParaRPr sz="3500"/>
           </a:p>
           <a:p>
-            <a:pPr marL="0" lvl="0" indent="0" algn="l" rtl="0">
+            <a:pPr>
               <a:lnSpc>
                 <a:spcPct val="150000"/>
               </a:lnSpc>
-              <a:spcBef>
-                <a:spcPts val="0"/>
-              </a:spcBef>
-              <a:spcAft>
-                <a:spcPts val="0"/>
-              </a:spcAft>
-              <a:buNone/>
             </a:pPr>
             <a:r>
               <a:rPr lang="fr" sz="3500"/>
@@ -9842,7 +9733,7 @@
         </p:nvSpPr>
         <p:spPr>
           <a:xfrm>
-            <a:off x="5083950" y="3924925"/>
+            <a:off x="5083951" y="3924926"/>
             <a:ext cx="3470700" cy="506100"/>
           </a:xfrm>
           <a:prstGeom prst="rect">
@@ -9855,15 +9746,7 @@
           </a:bodyPr>
           <a:lstStyle/>
           <a:p>
-            <a:pPr marL="0" lvl="0" indent="0" algn="l" rtl="0">
-              <a:spcBef>
-                <a:spcPts val="0"/>
-              </a:spcBef>
-              <a:spcAft>
-                <a:spcPts val="0"/>
-              </a:spcAft>
-              <a:buNone/>
-            </a:pPr>
+            <a:pPr marL="0" indent="0"/>
             <a:r>
               <a:rPr lang="fr"/>
               <a:t>Mohammed Fonseca | Laurent Di Dionisio</a:t>
@@ -9899,6 +9782,367 @@
           </a:ln>
         </p:spPr>
       </p:pic>
+    </p:spTree>
+  </p:cSld>
+  <p:clrMapOvr>
+    <a:masterClrMapping/>
+  </p:clrMapOvr>
+</p:sld>
+</file>
+
+<file path=ppt/slides/slide10.xml><?xml version="1.0" encoding="utf-8"?>
+<p:sld xmlns:a="http://schemas.openxmlformats.org/drawingml/2006/main" xmlns:r="http://schemas.openxmlformats.org/officeDocument/2006/relationships" xmlns:p="http://schemas.openxmlformats.org/presentationml/2006/main">
+  <p:cSld>
+    <p:spTree>
+      <p:nvGrpSpPr>
+        <p:cNvPr id="1" name="Shape 176"/>
+        <p:cNvGrpSpPr/>
+        <p:nvPr/>
+      </p:nvGrpSpPr>
+      <p:grpSpPr>
+        <a:xfrm>
+          <a:off x="0" y="0"/>
+          <a:ext cx="0" cy="0"/>
+          <a:chOff x="0" y="0"/>
+          <a:chExt cx="0" cy="0"/>
+        </a:xfrm>
+      </p:grpSpPr>
+      <p:sp>
+        <p:nvSpPr>
+          <p:cNvPr id="177" name="Google Shape;177;p20"/>
+          <p:cNvSpPr txBox="1">
+            <a:spLocks noGrp="1"/>
+          </p:cNvSpPr>
+          <p:nvPr>
+            <p:ph type="title"/>
+          </p:nvPr>
+        </p:nvSpPr>
+        <p:spPr>
+          <a:xfrm>
+            <a:off x="1297500" y="393750"/>
+            <a:ext cx="7038900" cy="914100"/>
+          </a:xfrm>
+          <a:prstGeom prst="rect">
+            <a:avLst/>
+          </a:prstGeom>
+        </p:spPr>
+        <p:txBody>
+          <a:bodyPr spcFirstLastPara="1" wrap="square" lIns="91425" tIns="91425" rIns="91425" bIns="91425" anchor="t" anchorCtr="0">
+            <a:noAutofit/>
+          </a:bodyPr>
+          <a:lstStyle/>
+          <a:p>
+            <a:r>
+              <a:rPr lang="fr"/>
+              <a:t>Historique</a:t>
+            </a:r>
+            <a:endParaRPr/>
+          </a:p>
+        </p:txBody>
+      </p:sp>
+      <p:sp>
+        <p:nvSpPr>
+          <p:cNvPr id="178" name="Google Shape;178;p20"/>
+          <p:cNvSpPr txBox="1">
+            <a:spLocks noGrp="1"/>
+          </p:cNvSpPr>
+          <p:nvPr>
+            <p:ph type="body" idx="1"/>
+          </p:nvPr>
+        </p:nvSpPr>
+        <p:spPr>
+          <a:xfrm>
+            <a:off x="1297500" y="1567550"/>
+            <a:ext cx="7038900" cy="2911200"/>
+          </a:xfrm>
+          <a:prstGeom prst="rect">
+            <a:avLst/>
+          </a:prstGeom>
+        </p:spPr>
+        <p:txBody>
+          <a:bodyPr spcFirstLastPara="1" wrap="square" lIns="91425" tIns="91425" rIns="91425" bIns="91425" anchor="t" anchorCtr="0">
+            <a:noAutofit/>
+          </a:bodyPr>
+          <a:lstStyle/>
+          <a:p>
+            <a:r>
+              <a:rPr lang="fr" dirty="0"/>
+              <a:t>La liste des produits recherchés par le passé apparaît sous la forme d’une liste.</a:t>
+            </a:r>
+          </a:p>
+          <a:p>
+            <a:endParaRPr lang="fr" dirty="0"/>
+          </a:p>
+          <a:p>
+            <a:r>
+              <a:rPr lang="fr" dirty="0"/>
+              <a:t>RecyclerView</a:t>
+            </a:r>
+            <a:endParaRPr dirty="0"/>
+          </a:p>
+          <a:p>
+            <a:pPr lvl="1">
+              <a:spcBef>
+                <a:spcPts val="0"/>
+              </a:spcBef>
+            </a:pPr>
+            <a:r>
+              <a:rPr lang="fr-FR" dirty="0"/>
+              <a:t>Adapter : Permet de faire la liaison entre la vue </a:t>
+            </a:r>
+            <a:r>
+              <a:rPr lang="fr-FR" dirty="0" err="1"/>
+              <a:t>RecyclerView</a:t>
+            </a:r>
+            <a:r>
+              <a:rPr lang="fr-FR" dirty="0"/>
+              <a:t> et la liste de données, </a:t>
+            </a:r>
+            <a:r>
+              <a:rPr lang="en-GB" dirty="0" err="1"/>
+              <a:t>crée</a:t>
+            </a:r>
+            <a:r>
+              <a:rPr lang="en-GB" dirty="0"/>
+              <a:t> et </a:t>
+            </a:r>
+            <a:r>
+              <a:rPr lang="en-GB" dirty="0" err="1"/>
+              <a:t>réutilise</a:t>
+            </a:r>
+            <a:r>
+              <a:rPr lang="en-GB" dirty="0"/>
+              <a:t> le(s) </a:t>
+            </a:r>
+            <a:r>
+              <a:rPr lang="en-GB" dirty="0" err="1"/>
+              <a:t>ViewHolder</a:t>
+            </a:r>
+            <a:r>
+              <a:rPr lang="en-GB" dirty="0"/>
+              <a:t>(s) qui </a:t>
+            </a:r>
+            <a:r>
+              <a:rPr lang="en-GB" dirty="0" err="1"/>
+              <a:t>vont</a:t>
+            </a:r>
+            <a:r>
+              <a:rPr lang="en-GB" dirty="0"/>
+              <a:t> </a:t>
+            </a:r>
+            <a:r>
+              <a:rPr lang="en-GB" dirty="0" err="1"/>
+              <a:t>être</a:t>
+            </a:r>
+            <a:r>
+              <a:rPr lang="en-GB" dirty="0"/>
+              <a:t> </a:t>
+            </a:r>
+            <a:r>
+              <a:rPr lang="en-GB" dirty="0" err="1"/>
+              <a:t>nécessaires</a:t>
+            </a:r>
+            <a:r>
+              <a:rPr lang="en-GB" dirty="0"/>
+              <a:t> pour </a:t>
+            </a:r>
+            <a:r>
+              <a:rPr lang="en-GB" dirty="0" err="1"/>
+              <a:t>afficher</a:t>
+            </a:r>
+            <a:r>
+              <a:rPr lang="en-GB" dirty="0"/>
+              <a:t> les </a:t>
+            </a:r>
+            <a:r>
+              <a:rPr lang="en-GB" dirty="0" err="1"/>
+              <a:t>données</a:t>
+            </a:r>
+            <a:r>
+              <a:rPr lang="en-GB" dirty="0"/>
+              <a:t> </a:t>
+            </a:r>
+            <a:r>
+              <a:rPr lang="en-GB" dirty="0" err="1"/>
+              <a:t>en</a:t>
+            </a:r>
+            <a:r>
+              <a:rPr lang="en-GB" dirty="0"/>
+              <a:t> function de </a:t>
+            </a:r>
+            <a:r>
+              <a:rPr lang="en-GB" dirty="0" err="1"/>
+              <a:t>leur</a:t>
+            </a:r>
+            <a:r>
+              <a:rPr lang="en-GB" dirty="0"/>
+              <a:t> position dans la </a:t>
+            </a:r>
+            <a:r>
+              <a:rPr lang="en-GB" dirty="0" err="1"/>
+              <a:t>liste</a:t>
+            </a:r>
+            <a:r>
+              <a:rPr lang="en-GB" dirty="0"/>
+              <a:t>.</a:t>
+            </a:r>
+          </a:p>
+          <a:p>
+            <a:pPr lvl="1">
+              <a:spcBef>
+                <a:spcPts val="0"/>
+              </a:spcBef>
+            </a:pPr>
+            <a:endParaRPr lang="fr-FR" dirty="0"/>
+          </a:p>
+          <a:p>
+            <a:pPr lvl="1">
+              <a:spcBef>
+                <a:spcPts val="0"/>
+              </a:spcBef>
+            </a:pPr>
+            <a:r>
+              <a:rPr lang="fr-FR" dirty="0" err="1"/>
+              <a:t>ViewHolder</a:t>
+            </a:r>
+            <a:r>
+              <a:rPr lang="fr-FR" dirty="0"/>
+              <a:t> : Permet de représenter visuellement un élément de la liste de données dans le </a:t>
+            </a:r>
+            <a:r>
+              <a:rPr lang="fr-FR" dirty="0" err="1"/>
+              <a:t>RecyclerView</a:t>
+            </a:r>
+            <a:r>
+              <a:rPr lang="fr-FR" dirty="0"/>
+              <a:t> (une ligne).</a:t>
+            </a:r>
+          </a:p>
+          <a:p>
+            <a:pPr lvl="1">
+              <a:spcBef>
+                <a:spcPts val="0"/>
+              </a:spcBef>
+            </a:pPr>
+            <a:endParaRPr lang="fr-FR" dirty="0"/>
+          </a:p>
+          <a:p>
+            <a:pPr lvl="1">
+              <a:spcBef>
+                <a:spcPts val="0"/>
+              </a:spcBef>
+            </a:pPr>
+            <a:r>
+              <a:rPr lang="en-GB" dirty="0"/>
+              <a:t>Layout : </a:t>
+            </a:r>
+            <a:r>
+              <a:rPr lang="en-GB" dirty="0" err="1"/>
+              <a:t>définit</a:t>
+            </a:r>
+            <a:r>
+              <a:rPr lang="en-GB" dirty="0"/>
+              <a:t> comment </a:t>
+            </a:r>
+            <a:r>
+              <a:rPr lang="en-GB" dirty="0" err="1"/>
+              <a:t>afficher</a:t>
+            </a:r>
+            <a:r>
+              <a:rPr lang="en-GB" dirty="0"/>
+              <a:t> </a:t>
+            </a:r>
+            <a:r>
+              <a:rPr lang="en-GB" dirty="0" err="1"/>
+              <a:t>chaque</a:t>
+            </a:r>
+            <a:r>
+              <a:rPr lang="en-GB" dirty="0"/>
+              <a:t> </a:t>
+            </a:r>
+            <a:r>
+              <a:rPr lang="en-GB" dirty="0" err="1"/>
+              <a:t>élément</a:t>
+            </a:r>
+            <a:r>
+              <a:rPr lang="en-GB" dirty="0"/>
+              <a:t>  du </a:t>
+            </a:r>
+            <a:r>
+              <a:rPr lang="en-GB" dirty="0" err="1"/>
+              <a:t>RecyclerView</a:t>
+            </a:r>
+            <a:r>
+              <a:rPr lang="en-GB" dirty="0"/>
+              <a:t>.</a:t>
+            </a:r>
+          </a:p>
+          <a:p>
+            <a:pPr lvl="1">
+              <a:spcBef>
+                <a:spcPts val="0"/>
+              </a:spcBef>
+            </a:pPr>
+            <a:endParaRPr lang="en-GB" dirty="0"/>
+          </a:p>
+          <a:p>
+            <a:pPr lvl="1">
+              <a:spcBef>
+                <a:spcPts val="0"/>
+              </a:spcBef>
+            </a:pPr>
+            <a:r>
+              <a:rPr lang="en-GB" dirty="0" err="1"/>
+              <a:t>LayoutManager</a:t>
+            </a:r>
+            <a:r>
+              <a:rPr lang="en-GB" dirty="0"/>
+              <a:t> : </a:t>
+            </a:r>
+            <a:r>
+              <a:rPr lang="en-GB" dirty="0" err="1"/>
+              <a:t>Définit</a:t>
+            </a:r>
+            <a:r>
+              <a:rPr lang="en-GB" dirty="0"/>
+              <a:t> </a:t>
+            </a:r>
+            <a:r>
+              <a:rPr lang="en-GB" dirty="0" err="1"/>
+              <a:t>l’arrangement</a:t>
+            </a:r>
+            <a:r>
+              <a:rPr lang="en-GB" dirty="0"/>
+              <a:t> de </a:t>
+            </a:r>
+            <a:r>
+              <a:rPr lang="en-GB" dirty="0" err="1"/>
+              <a:t>tous</a:t>
+            </a:r>
+            <a:r>
+              <a:rPr lang="en-GB" dirty="0"/>
+              <a:t> les </a:t>
+            </a:r>
+            <a:r>
+              <a:rPr lang="en-GB" dirty="0" err="1"/>
+              <a:t>éléments</a:t>
+            </a:r>
+            <a:r>
+              <a:rPr lang="en-GB" dirty="0"/>
+              <a:t> dans le </a:t>
+            </a:r>
+            <a:r>
+              <a:rPr lang="en-GB" dirty="0" err="1"/>
+              <a:t>RecyclerView</a:t>
+            </a:r>
+            <a:r>
+              <a:rPr lang="en-GB" dirty="0"/>
+              <a:t>.</a:t>
+            </a:r>
+            <a:endParaRPr lang="fr-FR" dirty="0"/>
+          </a:p>
+        </p:txBody>
+      </p:sp>
     </p:spTree>
   </p:cSld>
   <p:clrMapOvr>
@@ -9949,15 +10193,6 @@
           </a:bodyPr>
           <a:lstStyle/>
           <a:p>
-            <a:pPr marL="0" lvl="0" indent="0" algn="l" rtl="0">
-              <a:spcBef>
-                <a:spcPts val="0"/>
-              </a:spcBef>
-              <a:spcAft>
-                <a:spcPts val="0"/>
-              </a:spcAft>
-              <a:buNone/>
-            </a:pPr>
             <a:r>
               <a:rPr lang="fr"/>
               <a:t>Présentation générale de l’application</a:t>
@@ -9991,23 +10226,26 @@
           </a:bodyPr>
           <a:lstStyle/>
           <a:p>
-            <a:pPr marL="457200" lvl="0" indent="-311150" algn="l" rtl="0">
-              <a:spcBef>
-                <a:spcPts val="0"/>
-              </a:spcBef>
-              <a:spcAft>
-                <a:spcPts val="0"/>
-              </a:spcAft>
+            <a:r>
+              <a:rPr lang="fr" dirty="0"/>
+              <a:t>L’application implémente les fonctionnalités suivantes :</a:t>
+            </a:r>
+          </a:p>
+          <a:p>
+            <a:pPr lvl="1" indent="-311154">
+              <a:spcBef>
+                <a:spcPts val="0"/>
+              </a:spcBef>
               <a:buSzPts val="1300"/>
               <a:buChar char="●"/>
             </a:pPr>
             <a:r>
               <a:rPr lang="fr" dirty="0"/>
-              <a:t>L’application implémente les fonctionnalités suivantes :</a:t>
-            </a:r>
-          </a:p>
-          <a:p>
-            <a:pPr lvl="1" indent="-311150">
+              <a:t>Scan du code bar d’un produit alimentaire via la caméra du terminal mobile</a:t>
+            </a:r>
+          </a:p>
+          <a:p>
+            <a:pPr lvl="1" indent="-311154">
               <a:spcBef>
                 <a:spcPts val="0"/>
               </a:spcBef>
@@ -10016,11 +10254,11 @@
             </a:pPr>
             <a:r>
               <a:rPr lang="fr" dirty="0"/>
-              <a:t>Scan du code bar d’un produit alimentaire via la caméra du terminal mobile</a:t>
-            </a:r>
-          </a:p>
-          <a:p>
-            <a:pPr lvl="1" indent="-311150">
+              <a:t>Saisie manuelle du code bar</a:t>
+            </a:r>
+          </a:p>
+          <a:p>
+            <a:pPr lvl="1" indent="-311154">
               <a:spcBef>
                 <a:spcPts val="0"/>
               </a:spcBef>
@@ -10029,11 +10267,11 @@
             </a:pPr>
             <a:r>
               <a:rPr lang="fr" dirty="0"/>
-              <a:t>Saisie manuelle du code bar</a:t>
-            </a:r>
-          </a:p>
-          <a:p>
-            <a:pPr lvl="1" indent="-311150">
+              <a:t>Recherche et affichage des informations relatives au produit (photo, nom, ingrédients, valeur nutritionnelle)</a:t>
+            </a:r>
+          </a:p>
+          <a:p>
+            <a:pPr lvl="1" indent="-311154">
               <a:spcBef>
                 <a:spcPts val="0"/>
               </a:spcBef>
@@ -10042,11 +10280,11 @@
             </a:pPr>
             <a:r>
               <a:rPr lang="fr" dirty="0"/>
-              <a:t>Recherche et affichage des informations relatives au produit (photo, nom, ingrédients, valeur nutritionnelle)</a:t>
-            </a:r>
-          </a:p>
-          <a:p>
-            <a:pPr lvl="1" indent="-311150">
+              <a:t>Historique de recherche sous forme de liste de produits</a:t>
+            </a:r>
+          </a:p>
+          <a:p>
+            <a:pPr lvl="1" indent="-311154">
               <a:spcBef>
                 <a:spcPts val="0"/>
               </a:spcBef>
@@ -10055,24 +10293,11 @@
             </a:pPr>
             <a:r>
               <a:rPr lang="fr" dirty="0"/>
-              <a:t>Historique de recherche sous forme de liste de produits</a:t>
-            </a:r>
-          </a:p>
-          <a:p>
-            <a:pPr lvl="1" indent="-311150">
-              <a:spcBef>
-                <a:spcPts val="0"/>
-              </a:spcBef>
-              <a:buSzPts val="1300"/>
-              <a:buChar char="●"/>
-            </a:pPr>
-            <a:r>
-              <a:rPr lang="fr" dirty="0"/>
               <a:t>Suppression d’un produit de l’historique en swipant horizontalement</a:t>
             </a:r>
           </a:p>
           <a:p>
-            <a:pPr lvl="1" indent="-311150">
+            <a:pPr lvl="1" indent="-311154">
               <a:spcBef>
                 <a:spcPts val="0"/>
               </a:spcBef>
@@ -10155,7 +10380,7 @@
             <a:endParaRPr lang="fr" dirty="0"/>
           </a:p>
           <a:p>
-            <a:pPr lvl="1" indent="-311150">
+            <a:pPr lvl="1" indent="-311154">
               <a:spcBef>
                 <a:spcPts val="0"/>
               </a:spcBef>
@@ -10168,7 +10393,7 @@
             </a:r>
           </a:p>
           <a:p>
-            <a:pPr lvl="1" indent="-311150">
+            <a:pPr lvl="1" indent="-311154">
               <a:spcBef>
                 <a:spcPts val="0"/>
               </a:spcBef>
@@ -10181,7 +10406,7 @@
             </a:r>
           </a:p>
           <a:p>
-            <a:pPr marL="603250" lvl="1" indent="0">
+            <a:pPr marL="603258" lvl="1" indent="0">
               <a:spcBef>
                 <a:spcPts val="0"/>
               </a:spcBef>
@@ -10191,16 +10416,6 @@
             <a:endParaRPr lang="fr" dirty="0"/>
           </a:p>
           <a:p>
-            <a:pPr marL="457200" lvl="0" indent="-311150" algn="l" rtl="0">
-              <a:spcBef>
-                <a:spcPts val="0"/>
-              </a:spcBef>
-              <a:spcAft>
-                <a:spcPts val="0"/>
-              </a:spcAft>
-              <a:buSzPts val="1300"/>
-              <a:buChar char="●"/>
-            </a:pPr>
             <a:r>
               <a:rPr lang="fr" dirty="0"/>
               <a:t>Les informations relatives aux produits sont fournies par l’API </a:t>
@@ -10214,16 +10429,6 @@
             <a:endParaRPr lang="en-GB" dirty="0"/>
           </a:p>
           <a:p>
-            <a:pPr marL="457200" lvl="0" indent="-311150" algn="l" rtl="0">
-              <a:spcBef>
-                <a:spcPts val="0"/>
-              </a:spcBef>
-              <a:spcAft>
-                <a:spcPts val="0"/>
-              </a:spcAft>
-              <a:buSzPts val="1300"/>
-              <a:buChar char="●"/>
-            </a:pPr>
             <a:endParaRPr dirty="0"/>
           </a:p>
         </p:txBody>
@@ -10278,15 +10483,6 @@
           </a:bodyPr>
           <a:lstStyle/>
           <a:p>
-            <a:pPr marL="0" lvl="0" indent="0" algn="l" rtl="0">
-              <a:spcBef>
-                <a:spcPts val="0"/>
-              </a:spcBef>
-              <a:spcAft>
-                <a:spcPts val="0"/>
-              </a:spcAft>
-              <a:buNone/>
-            </a:pPr>
             <a:r>
               <a:rPr lang="fr"/>
               <a:t>Architecture générale</a:t>
@@ -10307,7 +10503,7 @@
         </p:nvSpPr>
         <p:spPr>
           <a:xfrm>
-            <a:off x="1297500" y="1190847"/>
+            <a:off x="1297500" y="1190848"/>
             <a:ext cx="7038900" cy="3287903"/>
           </a:xfrm>
           <a:prstGeom prst="rect">
@@ -10350,7 +10546,7 @@
             </a:r>
           </a:p>
           <a:p>
-            <a:pPr lvl="1" indent="-311150">
+            <a:pPr lvl="1" indent="-311154">
               <a:spcBef>
                 <a:spcPts val="0"/>
               </a:spcBef>
@@ -10379,7 +10575,7 @@
             </a:r>
           </a:p>
           <a:p>
-            <a:pPr lvl="1" indent="-311150">
+            <a:pPr lvl="1" indent="-311154">
               <a:spcBef>
                 <a:spcPts val="0"/>
               </a:spcBef>
@@ -10400,7 +10596,7 @@
             </a:r>
           </a:p>
           <a:p>
-            <a:pPr lvl="1" indent="-311150">
+            <a:pPr lvl="1" indent="-311154">
               <a:spcBef>
                 <a:spcPts val="0"/>
               </a:spcBef>
@@ -10493,7 +10689,7 @@
             </a:r>
           </a:p>
           <a:p>
-            <a:pPr lvl="1" indent="-311150">
+            <a:pPr lvl="1" indent="-311154">
               <a:spcBef>
                 <a:spcPts val="0"/>
               </a:spcBef>
@@ -10594,7 +10790,7 @@
             </a:r>
           </a:p>
           <a:p>
-            <a:pPr lvl="1" indent="-311150">
+            <a:pPr lvl="1" indent="-311154">
               <a:spcBef>
                 <a:spcPts val="0"/>
               </a:spcBef>
@@ -10721,7 +10917,7 @@
             </a:r>
           </a:p>
           <a:p>
-            <a:pPr lvl="1" indent="-311150">
+            <a:pPr lvl="1" indent="-311154">
               <a:spcBef>
                 <a:spcPts val="0"/>
               </a:spcBef>
@@ -10750,7 +10946,7 @@
             </a:r>
           </a:p>
           <a:p>
-            <a:pPr lvl="1" indent="-311150">
+            <a:pPr lvl="1" indent="-311154">
               <a:spcBef>
                 <a:spcPts val="0"/>
               </a:spcBef>
@@ -10805,7 +11001,7 @@
         </p:nvSpPr>
         <p:spPr>
           <a:xfrm>
-            <a:off x="2199539" y="4806457"/>
+            <a:off x="2199540" y="4806458"/>
             <a:ext cx="5509065" cy="246221"/>
           </a:xfrm>
           <a:prstGeom prst="rect">
@@ -10891,15 +11087,6 @@
           </a:bodyPr>
           <a:lstStyle/>
           <a:p>
-            <a:pPr marL="0" lvl="0" indent="0" algn="l" rtl="0">
-              <a:spcBef>
-                <a:spcPts val="0"/>
-              </a:spcBef>
-              <a:spcAft>
-                <a:spcPts val="0"/>
-              </a:spcAft>
-              <a:buNone/>
-            </a:pPr>
             <a:r>
               <a:rPr lang="fr" dirty="0"/>
               <a:t>Architecture générale</a:t>
@@ -10933,132 +11120,184 @@
           </a:bodyPr>
           <a:lstStyle/>
           <a:p>
-            <a:pPr marL="457200" lvl="0" indent="-311150" algn="l" rtl="0">
-              <a:spcBef>
-                <a:spcPts val="0"/>
-              </a:spcBef>
-              <a:spcAft>
-                <a:spcPts val="0"/>
-              </a:spcAft>
+            <a:r>
+              <a:rPr lang="en-GB" sz="1200" dirty="0"/>
+              <a:t>Les fragments </a:t>
+            </a:r>
+            <a:r>
+              <a:rPr lang="en-GB" sz="1200" dirty="0" err="1"/>
+              <a:t>possèdent</a:t>
+            </a:r>
+            <a:r>
+              <a:rPr lang="en-GB" sz="1200" dirty="0"/>
+              <a:t> </a:t>
+            </a:r>
+            <a:r>
+              <a:rPr lang="en-GB" sz="1200" dirty="0" err="1"/>
+              <a:t>une</a:t>
+            </a:r>
+            <a:r>
+              <a:rPr lang="en-GB" sz="1200" dirty="0"/>
+              <a:t> reference </a:t>
+            </a:r>
+            <a:r>
+              <a:rPr lang="en-GB" sz="1200" dirty="0" err="1"/>
+              <a:t>vers</a:t>
+            </a:r>
+            <a:r>
+              <a:rPr lang="en-GB" sz="1200" dirty="0"/>
+              <a:t> les </a:t>
+            </a:r>
+            <a:r>
+              <a:rPr lang="en-GB" sz="1200" dirty="0" err="1"/>
+              <a:t>ViewModels</a:t>
+            </a:r>
+            <a:r>
+              <a:rPr lang="en-GB" sz="1200" dirty="0"/>
+              <a:t>. </a:t>
+            </a:r>
+          </a:p>
+          <a:p>
+            <a:r>
+              <a:rPr lang="en-GB" sz="1200" dirty="0"/>
+              <a:t>Les </a:t>
+            </a:r>
+            <a:r>
+              <a:rPr lang="en-GB" sz="1200" dirty="0" err="1"/>
+              <a:t>ViewModels</a:t>
+            </a:r>
+            <a:r>
+              <a:rPr lang="en-GB" sz="1200" dirty="0"/>
+              <a:t> </a:t>
+            </a:r>
+            <a:r>
+              <a:rPr lang="en-GB" sz="1200" dirty="0" err="1"/>
+              <a:t>possèdent</a:t>
+            </a:r>
+            <a:r>
+              <a:rPr lang="en-GB" sz="1200" dirty="0"/>
+              <a:t> </a:t>
+            </a:r>
+            <a:r>
+              <a:rPr lang="en-GB" sz="1200" dirty="0" err="1"/>
+              <a:t>une</a:t>
+            </a:r>
+            <a:r>
+              <a:rPr lang="en-GB" sz="1200" dirty="0"/>
+              <a:t> reference </a:t>
+            </a:r>
+            <a:r>
+              <a:rPr lang="en-GB" sz="1200" dirty="0" err="1"/>
+              <a:t>vers</a:t>
+            </a:r>
+            <a:r>
+              <a:rPr lang="en-GB" sz="1200" dirty="0"/>
+              <a:t> le Repository.</a:t>
+            </a:r>
+          </a:p>
+          <a:p>
+            <a:endParaRPr lang="en-GB" dirty="0"/>
+          </a:p>
+          <a:p>
+            <a:r>
+              <a:rPr lang="fr-FR" sz="1200" dirty="0"/>
+              <a:t>Fragments : </a:t>
+            </a:r>
+          </a:p>
+          <a:p>
+            <a:pPr lvl="1" indent="-311154">
+              <a:spcBef>
+                <a:spcPts val="0"/>
+              </a:spcBef>
               <a:buSzPts val="1300"/>
               <a:buChar char="●"/>
             </a:pPr>
             <a:r>
-              <a:rPr lang="en-GB" sz="1200" dirty="0"/>
-              <a:t>Les fragments </a:t>
-            </a:r>
-            <a:r>
-              <a:rPr lang="en-GB" sz="1200" dirty="0" err="1"/>
-              <a:t>possèdent</a:t>
-            </a:r>
-            <a:r>
-              <a:rPr lang="en-GB" sz="1200" dirty="0"/>
-              <a:t> </a:t>
-            </a:r>
-            <a:r>
-              <a:rPr lang="en-GB" sz="1200" dirty="0" err="1"/>
-              <a:t>une</a:t>
-            </a:r>
-            <a:r>
-              <a:rPr lang="en-GB" sz="1200" dirty="0"/>
-              <a:t> reference </a:t>
-            </a:r>
-            <a:r>
-              <a:rPr lang="en-GB" sz="1200" dirty="0" err="1"/>
-              <a:t>vers</a:t>
-            </a:r>
-            <a:r>
-              <a:rPr lang="en-GB" sz="1200" dirty="0"/>
-              <a:t> les </a:t>
-            </a:r>
-            <a:r>
-              <a:rPr lang="en-GB" sz="1200" dirty="0" err="1"/>
-              <a:t>ViewModels</a:t>
-            </a:r>
-            <a:r>
-              <a:rPr lang="en-GB" sz="1200" dirty="0"/>
-              <a:t>. </a:t>
-            </a:r>
-          </a:p>
-          <a:p>
-            <a:pPr marL="457200" lvl="0" indent="-311150" algn="l" rtl="0">
-              <a:spcBef>
-                <a:spcPts val="0"/>
-              </a:spcBef>
-              <a:spcAft>
-                <a:spcPts val="0"/>
-              </a:spcAft>
+              <a:rPr lang="fr-FR" sz="1000" dirty="0"/>
+              <a:t>génèrent les vues </a:t>
+            </a:r>
+          </a:p>
+          <a:p>
+            <a:pPr lvl="1" indent="-311154">
+              <a:spcBef>
+                <a:spcPts val="0"/>
+              </a:spcBef>
               <a:buSzPts val="1300"/>
               <a:buChar char="●"/>
             </a:pPr>
             <a:r>
-              <a:rPr lang="en-GB" sz="1200" dirty="0"/>
-              <a:t>Les </a:t>
-            </a:r>
-            <a:r>
-              <a:rPr lang="en-GB" sz="1200" dirty="0" err="1"/>
+              <a:rPr lang="fr-FR" sz="1000" dirty="0"/>
+              <a:t>capturent les entrées utilisateur</a:t>
+            </a:r>
+          </a:p>
+          <a:p>
+            <a:pPr marL="603258" lvl="1" indent="0">
+              <a:spcBef>
+                <a:spcPts val="0"/>
+              </a:spcBef>
+              <a:buSzPts val="1300"/>
+              <a:buNone/>
+            </a:pPr>
+            <a:endParaRPr lang="fr-FR" sz="1000" dirty="0"/>
+          </a:p>
+          <a:p>
+            <a:r>
+              <a:rPr lang="fr-FR" sz="1200" dirty="0" err="1"/>
               <a:t>ViewModels</a:t>
             </a:r>
             <a:r>
-              <a:rPr lang="en-GB" sz="1200" dirty="0"/>
-              <a:t> </a:t>
-            </a:r>
-            <a:r>
-              <a:rPr lang="en-GB" sz="1200" dirty="0" err="1"/>
-              <a:t>possèdent</a:t>
-            </a:r>
-            <a:r>
-              <a:rPr lang="en-GB" sz="1200" dirty="0"/>
-              <a:t> </a:t>
-            </a:r>
-            <a:r>
-              <a:rPr lang="en-GB" sz="1200" dirty="0" err="1"/>
-              <a:t>une</a:t>
-            </a:r>
-            <a:r>
-              <a:rPr lang="en-GB" sz="1200" dirty="0"/>
-              <a:t> reference </a:t>
-            </a:r>
-            <a:r>
-              <a:rPr lang="en-GB" sz="1200" dirty="0" err="1"/>
-              <a:t>vers</a:t>
-            </a:r>
-            <a:r>
-              <a:rPr lang="en-GB" sz="1200" dirty="0"/>
-              <a:t> le Repository.</a:t>
-            </a:r>
-          </a:p>
-          <a:p>
-            <a:pPr marL="457200" lvl="0" indent="-311150" algn="l" rtl="0">
-              <a:spcBef>
-                <a:spcPts val="0"/>
-              </a:spcBef>
-              <a:spcAft>
-                <a:spcPts val="0"/>
-              </a:spcAft>
+              <a:rPr lang="fr-FR" sz="1200" dirty="0"/>
+              <a:t> : </a:t>
+            </a:r>
+          </a:p>
+          <a:p>
+            <a:pPr lvl="1" indent="-311154">
+              <a:spcBef>
+                <a:spcPts val="0"/>
+              </a:spcBef>
               <a:buSzPts val="1300"/>
               <a:buChar char="●"/>
             </a:pPr>
-            <a:endParaRPr lang="en-GB" dirty="0"/>
-          </a:p>
-          <a:p>
-            <a:pPr marL="457200" lvl="0" indent="-311150" algn="l" rtl="0">
-              <a:spcBef>
-                <a:spcPts val="0"/>
-              </a:spcBef>
-              <a:spcAft>
-                <a:spcPts val="0"/>
-              </a:spcAft>
+            <a:r>
+              <a:rPr lang="fr-FR" sz="1000" dirty="0"/>
+              <a:t>gèrent les données à afficher </a:t>
+            </a:r>
+          </a:p>
+          <a:p>
+            <a:pPr lvl="1" indent="-311154">
+              <a:spcBef>
+                <a:spcPts val="0"/>
+              </a:spcBef>
               <a:buSzPts val="1300"/>
               <a:buChar char="●"/>
             </a:pPr>
             <a:r>
+              <a:rPr lang="fr-FR" sz="1000" dirty="0"/>
+              <a:t>contiennent la logique métier</a:t>
+            </a:r>
+          </a:p>
+          <a:p>
+            <a:pPr marL="603258" lvl="1" indent="0">
+              <a:spcBef>
+                <a:spcPts val="0"/>
+              </a:spcBef>
+              <a:buSzPts val="1300"/>
+              <a:buNone/>
+            </a:pPr>
+            <a:endParaRPr lang="fr-FR" sz="1000" dirty="0"/>
+          </a:p>
+          <a:p>
+            <a:r>
+              <a:rPr lang="fr-FR" sz="1200" dirty="0" err="1"/>
+              <a:t>LiveData</a:t>
+            </a:r>
+            <a:r>
               <a:rPr lang="fr-FR" sz="1200" dirty="0"/>
-              <a:t>Fragments : </a:t>
-            </a:r>
-          </a:p>
-          <a:p>
-            <a:pPr lvl="1" indent="-311150">
+              <a:t> </a:t>
+            </a:r>
+          </a:p>
+          <a:p>
+            <a:pPr lvl="1" indent="-311154">
               <a:spcBef>
                 <a:spcPts val="0"/>
               </a:spcBef>
@@ -11067,11 +11306,23 @@
             </a:pPr>
             <a:r>
               <a:rPr lang="fr-FR" sz="1000" dirty="0"/>
-              <a:t>génèrent les vues </a:t>
-            </a:r>
-          </a:p>
-          <a:p>
-            <a:pPr lvl="1" indent="-311150">
+              <a:t>Observable : sujet qui notifie l’observer (le fragment) quand les données </a:t>
+            </a:r>
+            <a:br>
+              <a:rPr lang="fr-FR" sz="1000" dirty="0"/>
+            </a:br>
+            <a:r>
+              <a:rPr lang="fr-FR" sz="1000" dirty="0"/>
+              <a:t>ont changé dans le </a:t>
+            </a:r>
+            <a:r>
+              <a:rPr lang="fr-FR" sz="1000" dirty="0" err="1"/>
+              <a:t>ViewModel</a:t>
+            </a:r>
+            <a:endParaRPr lang="fr-FR" sz="1000" dirty="0"/>
+          </a:p>
+          <a:p>
+            <a:pPr lvl="1" indent="-311154">
               <a:spcBef>
                 <a:spcPts val="0"/>
               </a:spcBef>
@@ -11080,130 +11331,6 @@
             </a:pPr>
             <a:r>
               <a:rPr lang="fr-FR" sz="1000" dirty="0"/>
-              <a:t>capturent les entrées utilisateur</a:t>
-            </a:r>
-          </a:p>
-          <a:p>
-            <a:pPr marL="603250" lvl="1" indent="0">
-              <a:spcBef>
-                <a:spcPts val="0"/>
-              </a:spcBef>
-              <a:buSzPts val="1300"/>
-              <a:buNone/>
-            </a:pPr>
-            <a:endParaRPr lang="fr-FR" sz="1000" dirty="0"/>
-          </a:p>
-          <a:p>
-            <a:pPr marL="457200" lvl="0" indent="-311150" algn="l" rtl="0">
-              <a:spcBef>
-                <a:spcPts val="0"/>
-              </a:spcBef>
-              <a:spcAft>
-                <a:spcPts val="0"/>
-              </a:spcAft>
-              <a:buSzPts val="1300"/>
-              <a:buChar char="●"/>
-            </a:pPr>
-            <a:r>
-              <a:rPr lang="fr-FR" sz="1200" dirty="0" err="1"/>
-              <a:t>ViewModels</a:t>
-            </a:r>
-            <a:r>
-              <a:rPr lang="fr-FR" sz="1200" dirty="0"/>
-              <a:t> : </a:t>
-            </a:r>
-          </a:p>
-          <a:p>
-            <a:pPr lvl="1" indent="-311150">
-              <a:spcBef>
-                <a:spcPts val="0"/>
-              </a:spcBef>
-              <a:buSzPts val="1300"/>
-              <a:buChar char="●"/>
-            </a:pPr>
-            <a:r>
-              <a:rPr lang="fr-FR" sz="1000" dirty="0"/>
-              <a:t>gèrent les données à afficher </a:t>
-            </a:r>
-          </a:p>
-          <a:p>
-            <a:pPr lvl="1" indent="-311150">
-              <a:spcBef>
-                <a:spcPts val="0"/>
-              </a:spcBef>
-              <a:buSzPts val="1300"/>
-              <a:buChar char="●"/>
-            </a:pPr>
-            <a:r>
-              <a:rPr lang="fr-FR" sz="1000" dirty="0"/>
-              <a:t>contiennent la logique métier</a:t>
-            </a:r>
-          </a:p>
-          <a:p>
-            <a:pPr marL="603250" lvl="1" indent="0">
-              <a:spcBef>
-                <a:spcPts val="0"/>
-              </a:spcBef>
-              <a:buSzPts val="1300"/>
-              <a:buNone/>
-            </a:pPr>
-            <a:endParaRPr lang="fr-FR" sz="1000" dirty="0"/>
-          </a:p>
-          <a:p>
-            <a:pPr marL="457200" lvl="0" indent="-311150" algn="l" rtl="0">
-              <a:spcBef>
-                <a:spcPts val="0"/>
-              </a:spcBef>
-              <a:spcAft>
-                <a:spcPts val="0"/>
-              </a:spcAft>
-              <a:buSzPts val="1300"/>
-              <a:buChar char="●"/>
-            </a:pPr>
-            <a:r>
-              <a:rPr lang="fr-FR" sz="1200" dirty="0" err="1"/>
-              <a:t>LiveData</a:t>
-            </a:r>
-            <a:r>
-              <a:rPr lang="fr-FR" sz="1200" dirty="0"/>
-              <a:t> </a:t>
-            </a:r>
-          </a:p>
-          <a:p>
-            <a:pPr lvl="1" indent="-311150">
-              <a:spcBef>
-                <a:spcPts val="0"/>
-              </a:spcBef>
-              <a:buSzPts val="1300"/>
-              <a:buChar char="●"/>
-            </a:pPr>
-            <a:r>
-              <a:rPr lang="fr-FR" sz="1000" dirty="0"/>
-              <a:t>Observable : sujet qui notifie l’observer (le fragment) quand les données </a:t>
-            </a:r>
-            <a:br>
-              <a:rPr lang="fr-FR" sz="1000" dirty="0"/>
-            </a:br>
-            <a:r>
-              <a:rPr lang="fr-FR" sz="1000" dirty="0"/>
-              <a:t>ont changé dans le </a:t>
-            </a:r>
-            <a:r>
-              <a:rPr lang="fr-FR" sz="1000" dirty="0" err="1"/>
-              <a:t>ViewModel</a:t>
-            </a:r>
-            <a:endParaRPr lang="fr-FR" sz="1000" dirty="0"/>
-          </a:p>
-          <a:p>
-            <a:pPr lvl="1" indent="-311150">
-              <a:spcBef>
-                <a:spcPts val="0"/>
-              </a:spcBef>
-              <a:buSzPts val="1300"/>
-              <a:buChar char="●"/>
-            </a:pPr>
-            <a:r>
-              <a:rPr lang="fr-FR" sz="1000" dirty="0"/>
               <a:t>connait l’état du </a:t>
             </a:r>
             <a:r>
@@ -11224,15 +11351,10 @@
             </a:r>
           </a:p>
           <a:p>
-            <a:pPr marL="914400" lvl="1" indent="-298450" algn="l" rtl="0">
-              <a:spcBef>
-                <a:spcPts val="0"/>
-              </a:spcBef>
-              <a:spcAft>
-                <a:spcPts val="0"/>
-              </a:spcAft>
-              <a:buSzPts val="1100"/>
-              <a:buChar char="○"/>
+            <a:pPr lvl="1">
+              <a:spcBef>
+                <a:spcPts val="0"/>
+              </a:spcBef>
             </a:pPr>
             <a:endParaRPr lang="fr-FR" sz="1200" dirty="0"/>
           </a:p>
@@ -11491,7 +11613,9 @@
             <a:ext cx="483652" cy="1228287"/>
           </a:xfrm>
           <a:prstGeom prst="bentConnector3">
-            <a:avLst/>
+            <a:avLst>
+              <a:gd name="adj1" fmla="val 50000"/>
+            </a:avLst>
           </a:prstGeom>
           <a:ln>
             <a:solidFill>
@@ -11537,7 +11661,9 @@
             <a:ext cx="484128" cy="1244431"/>
           </a:xfrm>
           <a:prstGeom prst="bentConnector3">
-            <a:avLst/>
+            <a:avLst>
+              <a:gd name="adj1" fmla="val 50000"/>
+            </a:avLst>
           </a:prstGeom>
           <a:ln>
             <a:solidFill>
@@ -11576,7 +11702,7 @@
         <p:spPr>
           <a:xfrm>
             <a:off x="6243344" y="2451022"/>
-            <a:ext cx="1779350" cy="769443"/>
+            <a:ext cx="1779350" cy="307777"/>
           </a:xfrm>
           <a:prstGeom prst="rect">
             <a:avLst/>
@@ -11626,7 +11752,7 @@
         <p:spPr>
           <a:xfrm>
             <a:off x="6243344" y="1472060"/>
-            <a:ext cx="1779350" cy="615554"/>
+            <a:ext cx="1779350" cy="307777"/>
           </a:xfrm>
           <a:prstGeom prst="rect">
             <a:avLst/>
@@ -11682,8 +11808,8 @@
         </p:nvCxnSpPr>
         <p:spPr>
           <a:xfrm>
-            <a:off x="7133019" y="2087614"/>
-            <a:ext cx="0" cy="363408"/>
+            <a:off x="7133019" y="1779837"/>
+            <a:ext cx="0" cy="671185"/>
           </a:xfrm>
           <a:prstGeom prst="straightConnector1">
             <a:avLst/>
@@ -11728,8 +11854,8 @@
         </p:nvCxnSpPr>
         <p:spPr>
           <a:xfrm>
-            <a:off x="7133019" y="3220465"/>
-            <a:ext cx="0" cy="338689"/>
+            <a:off x="7133019" y="2758799"/>
+            <a:ext cx="0" cy="800355"/>
           </a:xfrm>
           <a:prstGeom prst="straightConnector1">
             <a:avLst/>
@@ -11919,7 +12045,7 @@
           </a:xfrm>
           <a:prstGeom prst="bentConnector3">
             <a:avLst>
-              <a:gd name="adj1" fmla="val 1392200"/>
+              <a:gd name="adj1" fmla="val 458341"/>
             </a:avLst>
           </a:prstGeom>
           <a:ln>
@@ -12051,15 +12177,6 @@
           </a:bodyPr>
           <a:lstStyle/>
           <a:p>
-            <a:pPr marL="0" lvl="0" indent="0" algn="l" rtl="0">
-              <a:spcBef>
-                <a:spcPts val="0"/>
-              </a:spcBef>
-              <a:spcAft>
-                <a:spcPts val="0"/>
-              </a:spcAft>
-              <a:buNone/>
-            </a:pPr>
             <a:r>
               <a:rPr lang="fr"/>
               <a:t>Architecture générale</a:t>
@@ -12080,7 +12197,7 @@
         </p:nvSpPr>
         <p:spPr>
           <a:xfrm>
-            <a:off x="1297500" y="1107959"/>
+            <a:off x="1297500" y="1107960"/>
             <a:ext cx="7038900" cy="3370791"/>
           </a:xfrm>
           <a:prstGeom prst="rect">
@@ -12093,59 +12210,89 @@
           </a:bodyPr>
           <a:lstStyle/>
           <a:p>
-            <a:pPr marL="457200" lvl="0" indent="-311150" algn="l" rtl="0">
-              <a:spcBef>
-                <a:spcPts val="0"/>
-              </a:spcBef>
-              <a:spcAft>
-                <a:spcPts val="0"/>
-              </a:spcAft>
+            <a:r>
+              <a:rPr lang="en-GB" dirty="0" err="1"/>
+              <a:t>Basée</a:t>
+            </a:r>
+            <a:r>
+              <a:rPr lang="en-GB" dirty="0"/>
+              <a:t> sur les </a:t>
+            </a:r>
+            <a:r>
+              <a:rPr lang="en-GB" dirty="0" err="1"/>
+              <a:t>principes</a:t>
+            </a:r>
+            <a:r>
+              <a:rPr lang="en-GB" dirty="0"/>
+              <a:t> de Clean Architecture</a:t>
+            </a:r>
+          </a:p>
+          <a:p>
+            <a:r>
+              <a:rPr lang="en-GB" dirty="0"/>
+              <a:t>Organisation </a:t>
+            </a:r>
+            <a:r>
+              <a:rPr lang="en-GB" dirty="0" err="1"/>
+              <a:t>en</a:t>
+            </a:r>
+            <a:r>
+              <a:rPr lang="en-GB" dirty="0"/>
+              <a:t> modules :</a:t>
+            </a:r>
+          </a:p>
+          <a:p>
+            <a:pPr lvl="1" indent="-311154">
+              <a:spcBef>
+                <a:spcPts val="0"/>
+              </a:spcBef>
               <a:buSzPts val="1300"/>
               <a:buChar char="●"/>
             </a:pPr>
             <a:r>
-              <a:rPr lang="en-GB" dirty="0" err="1"/>
-              <a:t>Basée</a:t>
-            </a:r>
-            <a:r>
               <a:rPr lang="en-GB" dirty="0"/>
-              <a:t> sur les </a:t>
-            </a:r>
-            <a:r>
-              <a:rPr lang="en-GB" dirty="0" err="1"/>
-              <a:t>principes</a:t>
-            </a:r>
-            <a:r>
-              <a:rPr lang="en-GB" dirty="0"/>
-              <a:t> de Clean Architecture</a:t>
-            </a:r>
-          </a:p>
-          <a:p>
-            <a:pPr marL="457200" lvl="0" indent="-311150" algn="l" rtl="0">
-              <a:spcBef>
-                <a:spcPts val="0"/>
-              </a:spcBef>
-              <a:spcAft>
-                <a:spcPts val="0"/>
-              </a:spcAft>
+              <a:t>App</a:t>
+            </a:r>
+          </a:p>
+          <a:p>
+            <a:pPr lvl="2" indent="-311154">
+              <a:spcBef>
+                <a:spcPts val="0"/>
+              </a:spcBef>
               <a:buSzPts val="1300"/>
               <a:buChar char="●"/>
             </a:pPr>
             <a:r>
               <a:rPr lang="en-GB" dirty="0"/>
-              <a:t>Organisation </a:t>
+              <a:t>Fragments et </a:t>
             </a:r>
             <a:r>
               <a:rPr lang="en-GB" dirty="0" err="1"/>
-              <a:t>en</a:t>
+              <a:t>ViewModels</a:t>
             </a:r>
             <a:r>
               <a:rPr lang="en-GB" dirty="0"/>
-              <a:t> modules :</a:t>
-            </a:r>
-          </a:p>
-          <a:p>
-            <a:pPr lvl="1" indent="-311150">
+              <a:t> pour </a:t>
+            </a:r>
+            <a:r>
+              <a:rPr lang="en-GB" dirty="0" err="1"/>
+              <a:t>chaque</a:t>
+            </a:r>
+            <a:r>
+              <a:rPr lang="en-GB" dirty="0"/>
+              <a:t> page </a:t>
+            </a:r>
+            <a:r>
+              <a:rPr lang="en-GB" dirty="0" err="1"/>
+              <a:t>ou</a:t>
+            </a:r>
+            <a:r>
+              <a:rPr lang="en-GB" dirty="0"/>
+              <a:t> dialogue</a:t>
+            </a:r>
+          </a:p>
+          <a:p>
+            <a:pPr lvl="2" indent="-311154">
               <a:spcBef>
                 <a:spcPts val="0"/>
               </a:spcBef>
@@ -12154,11 +12301,24 @@
             </a:pPr>
             <a:r>
               <a:rPr lang="en-GB" dirty="0"/>
-              <a:t>App</a:t>
-            </a:r>
-          </a:p>
-          <a:p>
-            <a:pPr lvl="2" indent="-311150">
+              <a:t>Adapters et </a:t>
+            </a:r>
+            <a:r>
+              <a:rPr lang="en-GB" dirty="0" err="1"/>
+              <a:t>ViewHolders</a:t>
+            </a:r>
+            <a:r>
+              <a:rPr lang="en-GB" dirty="0"/>
+              <a:t> pour les </a:t>
+            </a:r>
+            <a:r>
+              <a:rPr lang="en-GB" dirty="0" err="1"/>
+              <a:t>RecyclerView</a:t>
+            </a:r>
+            <a:endParaRPr lang="en-GB" dirty="0"/>
+          </a:p>
+          <a:p>
+            <a:pPr lvl="2" indent="-311154">
               <a:spcBef>
                 <a:spcPts val="0"/>
               </a:spcBef>
@@ -12166,36 +12326,109 @@
               <a:buChar char="●"/>
             </a:pPr>
             <a:r>
+              <a:rPr lang="en-GB" dirty="0" err="1"/>
+              <a:t>Utilitaires</a:t>
+            </a:r>
+            <a:r>
               <a:rPr lang="en-GB" dirty="0"/>
-              <a:t>Fragments et </a:t>
+              <a:t> : </a:t>
+            </a:r>
+          </a:p>
+          <a:p>
+            <a:pPr lvl="3" indent="-311154">
+              <a:spcBef>
+                <a:spcPts val="0"/>
+              </a:spcBef>
+              <a:buSzPts val="1300"/>
+            </a:pPr>
+            <a:r>
+              <a:rPr lang="en-GB" dirty="0"/>
+              <a:t>gestion de </a:t>
             </a:r>
             <a:r>
               <a:rPr lang="en-GB" dirty="0" err="1"/>
-              <a:t>ViewModels</a:t>
+              <a:t>l’état</a:t>
             </a:r>
             <a:r>
               <a:rPr lang="en-GB" dirty="0"/>
-              <a:t> pour </a:t>
+              <a:t> du reseau (mode </a:t>
             </a:r>
             <a:r>
               <a:rPr lang="en-GB" dirty="0" err="1"/>
-              <a:t>chaque</a:t>
+              <a:t>en</a:t>
             </a:r>
             <a:r>
               <a:rPr lang="en-GB" dirty="0"/>
-              <a:t> page </a:t>
+              <a:t>/hors </a:t>
             </a:r>
             <a:r>
               <a:rPr lang="en-GB" dirty="0" err="1"/>
-              <a:t>ou</a:t>
+              <a:t>ligne</a:t>
             </a:r>
             <a:r>
               <a:rPr lang="en-GB" dirty="0"/>
-              <a:t> dialogue</a:t>
-            </a:r>
-          </a:p>
-          <a:p>
-            <a:pPr lvl="2" indent="-311150">
+              <a:t>)</a:t>
+            </a:r>
+          </a:p>
+          <a:p>
+            <a:pPr lvl="3" indent="-311154">
+              <a:spcBef>
+                <a:spcPts val="0"/>
+              </a:spcBef>
+              <a:buSzPts val="1300"/>
+            </a:pPr>
+            <a:r>
+              <a:rPr lang="en-GB" dirty="0"/>
+              <a:t>gestion de </a:t>
+            </a:r>
+            <a:r>
+              <a:rPr lang="en-GB" dirty="0" err="1"/>
+              <a:t>l’authentification</a:t>
+            </a:r>
+            <a:r>
+              <a:rPr lang="en-GB" dirty="0"/>
+              <a:t> et time-out pour la connexion à </a:t>
+            </a:r>
+            <a:r>
+              <a:rPr lang="en-GB" dirty="0" err="1"/>
+              <a:t>l’API</a:t>
+            </a:r>
+            <a:endParaRPr lang="en-GB" dirty="0"/>
+          </a:p>
+          <a:p>
+            <a:pPr lvl="3" indent="-311154">
+              <a:spcBef>
+                <a:spcPts val="0"/>
+              </a:spcBef>
+              <a:buSzPts val="1300"/>
+            </a:pPr>
+            <a:r>
+              <a:rPr lang="en-GB" dirty="0" err="1"/>
+              <a:t>téléchargement</a:t>
+            </a:r>
+            <a:r>
+              <a:rPr lang="en-GB" dirty="0"/>
+              <a:t> des images à </a:t>
+            </a:r>
+            <a:r>
+              <a:rPr lang="en-GB" dirty="0" err="1"/>
+              <a:t>partir</a:t>
+            </a:r>
+            <a:r>
+              <a:rPr lang="en-GB" dirty="0"/>
+              <a:t> de </a:t>
+            </a:r>
+            <a:r>
+              <a:rPr lang="en-GB" dirty="0" err="1"/>
+              <a:t>leur</a:t>
+            </a:r>
+            <a:r>
+              <a:rPr lang="en-GB" dirty="0"/>
+              <a:t> URL</a:t>
+            </a:r>
+          </a:p>
+          <a:p>
+            <a:pPr lvl="1" indent="-311154">
               <a:spcBef>
                 <a:spcPts val="0"/>
               </a:spcBef>
@@ -12204,24 +12437,11 @@
             </a:pPr>
             <a:r>
               <a:rPr lang="en-GB" dirty="0"/>
-              <a:t>Adapters et </a:t>
-            </a:r>
-            <a:r>
-              <a:rPr lang="en-GB" dirty="0" err="1"/>
-              <a:t>ViewHolders</a:t>
-            </a:r>
-            <a:r>
-              <a:rPr lang="en-GB" dirty="0"/>
-              <a:t> pour les </a:t>
-            </a:r>
-            <a:r>
-              <a:rPr lang="en-GB" dirty="0" err="1"/>
-              <a:t>RecyclerView</a:t>
-            </a:r>
-            <a:endParaRPr lang="en-GB" dirty="0"/>
-          </a:p>
-          <a:p>
-            <a:pPr lvl="2" indent="-311150">
+              <a:t>Common</a:t>
+            </a:r>
+          </a:p>
+          <a:p>
+            <a:pPr lvl="2" indent="-311154">
               <a:spcBef>
                 <a:spcPts val="0"/>
               </a:spcBef>
@@ -12230,43 +12450,31 @@
             </a:pPr>
             <a:r>
               <a:rPr lang="en-GB" dirty="0" err="1"/>
-              <a:t>Utilitaires</a:t>
+              <a:t>Fonctions</a:t>
             </a:r>
             <a:r>
               <a:rPr lang="en-GB" dirty="0"/>
-              <a:t> : </a:t>
-            </a:r>
-          </a:p>
-          <a:p>
-            <a:pPr lvl="3" indent="-311150">
-              <a:spcBef>
-                <a:spcPts val="0"/>
-              </a:spcBef>
-              <a:buSzPts val="1300"/>
-            </a:pPr>
+              <a:t> utilities (</a:t>
+            </a:r>
+            <a:r>
+              <a:rPr lang="en-GB" dirty="0" err="1"/>
+              <a:t>formattage</a:t>
+            </a:r>
             <a:r>
               <a:rPr lang="en-GB" dirty="0"/>
-              <a:t>gestion de </a:t>
+              <a:t> des </a:t>
             </a:r>
             <a:r>
               <a:rPr lang="en-GB" dirty="0" err="1"/>
-              <a:t>l’état</a:t>
+              <a:t>chaînes</a:t>
             </a:r>
             <a:r>
               <a:rPr lang="en-GB" dirty="0"/>
-              <a:t> du reseau (mode </a:t>
+              <a:t> de </a:t>
             </a:r>
             <a:r>
               <a:rPr lang="en-GB" dirty="0" err="1"/>
-              <a:t>en</a:t>
-            </a:r>
-            <a:r>
-              <a:rPr lang="en-GB" dirty="0"/>
-              <a:t>/hors </a:t>
-            </a:r>
-            <a:r>
-              <a:rPr lang="en-GB" dirty="0" err="1"/>
-              <a:t>ligne</a:t>
+              <a:t>caractères</a:t>
             </a:r>
             <a:r>
               <a:rPr lang="en-GB" dirty="0"/>
@@ -12274,64 +12482,7 @@
             </a:r>
           </a:p>
           <a:p>
-            <a:pPr lvl="3" indent="-311150">
-              <a:spcBef>
-                <a:spcPts val="0"/>
-              </a:spcBef>
-              <a:buSzPts val="1300"/>
-            </a:pPr>
-            <a:r>
-              <a:rPr lang="en-GB" dirty="0"/>
-              <a:t>gestion de </a:t>
-            </a:r>
-            <a:r>
-              <a:rPr lang="en-GB" dirty="0" err="1"/>
-              <a:t>l’authentification</a:t>
-            </a:r>
-            <a:r>
-              <a:rPr lang="en-GB" dirty="0"/>
-              <a:t> et time-out pour la connexion à </a:t>
-            </a:r>
-            <a:r>
-              <a:rPr lang="en-GB" dirty="0" err="1"/>
-              <a:t>l’API</a:t>
-            </a:r>
-            <a:endParaRPr lang="en-GB" dirty="0"/>
-          </a:p>
-          <a:p>
-            <a:pPr lvl="3" indent="-311150">
-              <a:spcBef>
-                <a:spcPts val="0"/>
-              </a:spcBef>
-              <a:buSzPts val="1300"/>
-            </a:pPr>
-            <a:r>
-              <a:rPr lang="en-GB" dirty="0" err="1"/>
-              <a:t>téléchargement</a:t>
-            </a:r>
-            <a:r>
-              <a:rPr lang="en-GB" dirty="0"/>
-              <a:t> des images à </a:t>
-            </a:r>
-            <a:r>
-              <a:rPr lang="en-GB" dirty="0" err="1"/>
-              <a:t>partir</a:t>
-            </a:r>
-            <a:r>
-              <a:rPr lang="en-GB" dirty="0"/>
-              <a:t> de </a:t>
-            </a:r>
-            <a:r>
-              <a:rPr lang="en-GB" dirty="0" err="1"/>
-              <a:t>leur</a:t>
-            </a:r>
-            <a:r>
-              <a:rPr lang="en-GB" dirty="0"/>
-              <a:t> URL</a:t>
-            </a:r>
-          </a:p>
-          <a:p>
-            <a:pPr lvl="1" indent="-311150">
+            <a:pPr lvl="1" indent="-311154">
               <a:spcBef>
                 <a:spcPts val="0"/>
               </a:spcBef>
@@ -12340,11 +12491,11 @@
             </a:pPr>
             <a:r>
               <a:rPr lang="en-GB" dirty="0"/>
-              <a:t>Common</a:t>
-            </a:r>
-          </a:p>
-          <a:p>
-            <a:pPr lvl="2" indent="-311150">
+              <a:t>Data</a:t>
+            </a:r>
+          </a:p>
+          <a:p>
+            <a:pPr lvl="2" indent="-311154">
               <a:spcBef>
                 <a:spcPts val="0"/>
               </a:spcBef>
@@ -12353,60 +12504,6 @@
             </a:pPr>
             <a:r>
               <a:rPr lang="en-GB" dirty="0" err="1"/>
-              <a:t>Fonctions</a:t>
-            </a:r>
-            <a:r>
-              <a:rPr lang="en-GB" dirty="0"/>
-              <a:t> utilities (</a:t>
-            </a:r>
-            <a:r>
-              <a:rPr lang="en-GB" dirty="0" err="1"/>
-              <a:t>formattage</a:t>
-            </a:r>
-            <a:r>
-              <a:rPr lang="en-GB" dirty="0"/>
-              <a:t> des </a:t>
-            </a:r>
-            <a:r>
-              <a:rPr lang="en-GB" dirty="0" err="1"/>
-              <a:t>chaînes</a:t>
-            </a:r>
-            <a:r>
-              <a:rPr lang="en-GB" dirty="0"/>
-              <a:t> de </a:t>
-            </a:r>
-            <a:r>
-              <a:rPr lang="en-GB" dirty="0" err="1"/>
-              <a:t>caractères</a:t>
-            </a:r>
-            <a:r>
-              <a:rPr lang="en-GB" dirty="0"/>
-              <a:t>)</a:t>
-            </a:r>
-          </a:p>
-          <a:p>
-            <a:pPr lvl="1" indent="-311150">
-              <a:spcBef>
-                <a:spcPts val="0"/>
-              </a:spcBef>
-              <a:buSzPts val="1300"/>
-              <a:buChar char="●"/>
-            </a:pPr>
-            <a:r>
-              <a:rPr lang="en-GB" dirty="0"/>
-              <a:t>Data</a:t>
-            </a:r>
-          </a:p>
-          <a:p>
-            <a:pPr lvl="2" indent="-311150">
-              <a:spcBef>
-                <a:spcPts val="0"/>
-              </a:spcBef>
-              <a:buSzPts val="1300"/>
-              <a:buChar char="●"/>
-            </a:pPr>
-            <a:r>
-              <a:rPr lang="en-GB" dirty="0" err="1"/>
               <a:t>Implémentation</a:t>
             </a:r>
             <a:r>
@@ -12447,7 +12544,7 @@
             </a:r>
           </a:p>
           <a:p>
-            <a:pPr lvl="2" indent="-311150">
+            <a:pPr lvl="2" indent="-311154">
               <a:spcBef>
                 <a:spcPts val="0"/>
               </a:spcBef>
@@ -12494,7 +12591,7 @@
             <a:endParaRPr lang="en-GB" dirty="0"/>
           </a:p>
           <a:p>
-            <a:pPr lvl="1" indent="-311150">
+            <a:pPr lvl="1" indent="-311154">
               <a:spcBef>
                 <a:spcPts val="0"/>
               </a:spcBef>
@@ -12507,7 +12604,7 @@
             </a:r>
           </a:p>
           <a:p>
-            <a:pPr lvl="2" indent="-311150">
+            <a:pPr lvl="2" indent="-311154">
               <a:spcBef>
                 <a:spcPts val="0"/>
               </a:spcBef>
@@ -12529,7 +12626,7 @@
             <a:endParaRPr lang="en-GB" dirty="0"/>
           </a:p>
           <a:p>
-            <a:pPr lvl="2" indent="-311150">
+            <a:pPr lvl="2" indent="-311154">
               <a:spcBef>
                 <a:spcPts val="0"/>
               </a:spcBef>
@@ -12586,7 +12683,7 @@
             </a:r>
           </a:p>
           <a:p>
-            <a:pPr lvl="3" indent="-311150">
+            <a:pPr lvl="3" indent="-311154">
               <a:spcBef>
                 <a:spcPts val="0"/>
               </a:spcBef>
@@ -12630,7 +12727,7 @@
             </a:r>
           </a:p>
           <a:p>
-            <a:pPr lvl="3" indent="-311150">
+            <a:pPr lvl="3" indent="-311154">
               <a:spcBef>
                 <a:spcPts val="0"/>
               </a:spcBef>
@@ -12722,15 +12819,6 @@
           </a:bodyPr>
           <a:lstStyle/>
           <a:p>
-            <a:pPr marL="0" lvl="0" indent="0" algn="l" rtl="0">
-              <a:spcBef>
-                <a:spcPts val="0"/>
-              </a:spcBef>
-              <a:spcAft>
-                <a:spcPts val="0"/>
-              </a:spcAft>
-              <a:buNone/>
-            </a:pPr>
             <a:r>
               <a:rPr lang="fr"/>
               <a:t>Navigation</a:t>
@@ -12764,16 +12852,6 @@
           </a:bodyPr>
           <a:lstStyle/>
           <a:p>
-            <a:pPr marL="457200" lvl="0" indent="-311150" algn="l" rtl="0">
-              <a:spcBef>
-                <a:spcPts val="0"/>
-              </a:spcBef>
-              <a:spcAft>
-                <a:spcPts val="0"/>
-              </a:spcAft>
-              <a:buSzPts val="1300"/>
-              <a:buChar char="●"/>
-            </a:pPr>
             <a:r>
               <a:rPr lang="fr" dirty="0"/>
               <a:t>Activité unique</a:t>
@@ -12781,16 +12859,6 @@
             <a:endParaRPr dirty="0"/>
           </a:p>
           <a:p>
-            <a:pPr marL="457200" lvl="0" indent="-311150" algn="l" rtl="0">
-              <a:spcBef>
-                <a:spcPts val="0"/>
-              </a:spcBef>
-              <a:spcAft>
-                <a:spcPts val="0"/>
-              </a:spcAft>
-              <a:buSzPts val="1300"/>
-              <a:buChar char="●"/>
-            </a:pPr>
             <a:r>
               <a:rPr lang="fr" dirty="0"/>
               <a:t>Plusieurs fragments</a:t>
@@ -12798,15 +12866,10 @@
             <a:endParaRPr dirty="0"/>
           </a:p>
           <a:p>
-            <a:pPr marL="914400" lvl="1" indent="-298450" algn="l" rtl="0">
-              <a:spcBef>
-                <a:spcPts val="0"/>
-              </a:spcBef>
-              <a:spcAft>
-                <a:spcPts val="0"/>
-              </a:spcAft>
-              <a:buSzPts val="1100"/>
-              <a:buChar char="○"/>
+            <a:pPr lvl="1">
+              <a:spcBef>
+                <a:spcPts val="0"/>
+              </a:spcBef>
             </a:pPr>
             <a:r>
               <a:rPr lang="fr" dirty="0"/>
@@ -12815,15 +12878,10 @@
             <a:endParaRPr dirty="0"/>
           </a:p>
           <a:p>
-            <a:pPr marL="914400" lvl="1" indent="-298450" algn="l" rtl="0">
-              <a:spcBef>
-                <a:spcPts val="0"/>
-              </a:spcBef>
-              <a:spcAft>
-                <a:spcPts val="0"/>
-              </a:spcAft>
-              <a:buSzPts val="1100"/>
-              <a:buChar char="○"/>
+            <a:pPr lvl="1">
+              <a:spcBef>
+                <a:spcPts val="0"/>
+              </a:spcBef>
             </a:pPr>
             <a:r>
               <a:rPr lang="fr" dirty="0"/>
@@ -12832,15 +12890,10 @@
             <a:endParaRPr dirty="0"/>
           </a:p>
           <a:p>
-            <a:pPr marL="914400" lvl="1" indent="-298450" algn="l" rtl="0">
-              <a:spcBef>
-                <a:spcPts val="0"/>
-              </a:spcBef>
-              <a:spcAft>
-                <a:spcPts val="0"/>
-              </a:spcAft>
-              <a:buSzPts val="1100"/>
-              <a:buChar char="○"/>
+            <a:pPr lvl="1">
+              <a:spcBef>
+                <a:spcPts val="0"/>
+              </a:spcBef>
             </a:pPr>
             <a:r>
               <a:rPr lang="fr" dirty="0"/>
@@ -12849,15 +12902,10 @@
             <a:endParaRPr dirty="0"/>
           </a:p>
           <a:p>
-            <a:pPr marL="914400" lvl="1" indent="-298450" algn="l" rtl="0">
-              <a:spcBef>
-                <a:spcPts val="0"/>
-              </a:spcBef>
-              <a:spcAft>
-                <a:spcPts val="0"/>
-              </a:spcAft>
-              <a:buSzPts val="1100"/>
-              <a:buChar char="○"/>
+            <a:pPr lvl="1">
+              <a:spcBef>
+                <a:spcPts val="0"/>
+              </a:spcBef>
             </a:pPr>
             <a:r>
               <a:rPr lang="fr" dirty="0"/>
@@ -12866,16 +12914,6 @@
             <a:endParaRPr dirty="0"/>
           </a:p>
           <a:p>
-            <a:pPr marL="457200" lvl="0" indent="-311150" algn="l" rtl="0">
-              <a:spcBef>
-                <a:spcPts val="0"/>
-              </a:spcBef>
-              <a:spcAft>
-                <a:spcPts val="0"/>
-              </a:spcAft>
-              <a:buSzPts val="1300"/>
-              <a:buChar char="●"/>
-            </a:pPr>
             <a:r>
               <a:rPr lang="fr" dirty="0"/>
               <a:t>Le “NavHostFragment” (JetPack Navigation) agit comme un routeur et gère le “back stack” des fragments</a:t>
@@ -12883,15 +12921,10 @@
             <a:endParaRPr dirty="0"/>
           </a:p>
           <a:p>
-            <a:pPr marL="914400" lvl="1" indent="-298450" algn="l" rtl="0">
-              <a:spcBef>
-                <a:spcPts val="0"/>
-              </a:spcBef>
-              <a:spcAft>
-                <a:spcPts val="0"/>
-              </a:spcAft>
-              <a:buSzPts val="1100"/>
-              <a:buChar char="○"/>
+            <a:pPr lvl="1">
+              <a:spcBef>
+                <a:spcPts val="0"/>
+              </a:spcBef>
             </a:pPr>
             <a:r>
               <a:rPr lang="fr" dirty="0"/>
@@ -12900,15 +12933,10 @@
             <a:endParaRPr dirty="0"/>
           </a:p>
           <a:p>
-            <a:pPr marL="914400" lvl="1" indent="-298450" algn="l" rtl="0">
-              <a:spcBef>
-                <a:spcPts val="0"/>
-              </a:spcBef>
-              <a:spcAft>
-                <a:spcPts val="0"/>
-              </a:spcAft>
-              <a:buSzPts val="1100"/>
-              <a:buChar char="○"/>
+            <a:pPr lvl="1">
+              <a:spcBef>
+                <a:spcPts val="0"/>
+              </a:spcBef>
             </a:pPr>
             <a:r>
               <a:rPr lang="fr" dirty="0"/>
@@ -12917,15 +12945,10 @@
             <a:endParaRPr dirty="0"/>
           </a:p>
           <a:p>
-            <a:pPr marL="914400" lvl="1" indent="-298450" algn="l" rtl="0">
-              <a:spcBef>
-                <a:spcPts val="0"/>
-              </a:spcBef>
-              <a:spcAft>
-                <a:spcPts val="0"/>
-              </a:spcAft>
-              <a:buSzPts val="1100"/>
-              <a:buChar char="○"/>
+            <a:pPr lvl="1">
+              <a:spcBef>
+                <a:spcPts val="0"/>
+              </a:spcBef>
             </a:pPr>
             <a:r>
               <a:rPr lang="fr" dirty="0"/>
@@ -12934,16 +12957,6 @@
             <a:endParaRPr dirty="0"/>
           </a:p>
           <a:p>
-            <a:pPr marL="457200" lvl="0" indent="-311150" algn="l" rtl="0">
-              <a:spcBef>
-                <a:spcPts val="0"/>
-              </a:spcBef>
-              <a:spcAft>
-                <a:spcPts val="0"/>
-              </a:spcAft>
-              <a:buSzPts val="1300"/>
-              <a:buChar char="●"/>
-            </a:pPr>
             <a:r>
               <a:rPr lang="fr" dirty="0"/>
               <a:t>Transfert de données entre les différents fragments via : safe-arg</a:t>
@@ -13002,15 +13015,6 @@
           </a:bodyPr>
           <a:lstStyle/>
           <a:p>
-            <a:pPr marL="0" lvl="0" indent="0" algn="l" rtl="0">
-              <a:spcBef>
-                <a:spcPts val="0"/>
-              </a:spcBef>
-              <a:spcAft>
-                <a:spcPts val="0"/>
-              </a:spcAft>
-              <a:buNone/>
-            </a:pPr>
             <a:r>
               <a:rPr lang="fr"/>
               <a:t>Scanner</a:t>
@@ -13044,16 +13048,6 @@
           </a:bodyPr>
           <a:lstStyle/>
           <a:p>
-            <a:pPr marL="457200" lvl="0" indent="-311150" algn="l" rtl="0">
-              <a:spcBef>
-                <a:spcPts val="0"/>
-              </a:spcBef>
-              <a:spcAft>
-                <a:spcPts val="0"/>
-              </a:spcAft>
-              <a:buSzPts val="1300"/>
-              <a:buChar char="●"/>
-            </a:pPr>
             <a:r>
               <a:rPr lang="en-GB" dirty="0"/>
               <a:t>G</a:t>
@@ -13072,58 +13066,18 @@
             </a:r>
           </a:p>
           <a:p>
-            <a:pPr marL="457200" lvl="0" indent="-311150" algn="l" rtl="0">
-              <a:spcBef>
-                <a:spcPts val="0"/>
-              </a:spcBef>
-              <a:spcAft>
-                <a:spcPts val="0"/>
-              </a:spcAft>
-              <a:buSzPts val="1300"/>
-              <a:buChar char="●"/>
-            </a:pPr>
             <a:endParaRPr lang="fr" dirty="0"/>
           </a:p>
           <a:p>
-            <a:pPr marL="457200" lvl="0" indent="-311150" algn="l" rtl="0">
-              <a:spcBef>
-                <a:spcPts val="0"/>
-              </a:spcBef>
-              <a:spcAft>
-                <a:spcPts val="0"/>
-              </a:spcAft>
-              <a:buSzPts val="1300"/>
-              <a:buChar char="●"/>
-            </a:pPr>
             <a:r>
               <a:rPr lang="fr" dirty="0"/>
               <a:t> Acquisition des images toutes les ½ secondes</a:t>
             </a:r>
           </a:p>
           <a:p>
-            <a:pPr marL="457200" lvl="0" indent="-311150" algn="l" rtl="0">
-              <a:spcBef>
-                <a:spcPts val="0"/>
-              </a:spcBef>
-              <a:spcAft>
-                <a:spcPts val="0"/>
-              </a:spcAft>
-              <a:buSzPts val="1300"/>
-              <a:buChar char="●"/>
-            </a:pPr>
             <a:endParaRPr lang="fr" dirty="0"/>
           </a:p>
           <a:p>
-            <a:pPr marL="457200" lvl="0" indent="-311150" algn="l" rtl="0">
-              <a:spcBef>
-                <a:spcPts val="0"/>
-              </a:spcBef>
-              <a:spcAft>
-                <a:spcPts val="0"/>
-              </a:spcAft>
-              <a:buSzPts val="1300"/>
-              <a:buChar char="●"/>
-            </a:pPr>
             <a:r>
               <a:rPr lang="en-GB" dirty="0"/>
               <a:t>Analyse</a:t>
@@ -13134,29 +13088,9 @@
             </a:r>
           </a:p>
           <a:p>
-            <a:pPr marL="457200" lvl="0" indent="-311150" algn="l" rtl="0">
-              <a:spcBef>
-                <a:spcPts val="0"/>
-              </a:spcBef>
-              <a:spcAft>
-                <a:spcPts val="0"/>
-              </a:spcAft>
-              <a:buSzPts val="1300"/>
-              <a:buChar char="●"/>
-            </a:pPr>
             <a:endParaRPr lang="fr" dirty="0"/>
           </a:p>
           <a:p>
-            <a:pPr marL="457200" lvl="0" indent="-311150" algn="l" rtl="0">
-              <a:spcBef>
-                <a:spcPts val="0"/>
-              </a:spcBef>
-              <a:spcAft>
-                <a:spcPts val="0"/>
-              </a:spcAft>
-              <a:buSzPts val="1300"/>
-              <a:buChar char="●"/>
-            </a:pPr>
             <a:r>
               <a:rPr lang="en-GB" dirty="0" err="1"/>
               <a:t>Dès</a:t>
@@ -13278,6 +13212,124 @@
 </file>
 
 <file path=ppt/slides/slide8.xml><?xml version="1.0" encoding="utf-8"?>
+<p:sld xmlns:a="http://schemas.openxmlformats.org/drawingml/2006/main" xmlns:r="http://schemas.openxmlformats.org/officeDocument/2006/relationships" xmlns:p="http://schemas.openxmlformats.org/presentationml/2006/main">
+  <p:cSld>
+    <p:spTree>
+      <p:nvGrpSpPr>
+        <p:cNvPr id="1" name=""/>
+        <p:cNvGrpSpPr/>
+        <p:nvPr/>
+      </p:nvGrpSpPr>
+      <p:grpSpPr>
+        <a:xfrm>
+          <a:off x="0" y="0"/>
+          <a:ext cx="0" cy="0"/>
+          <a:chOff x="0" y="0"/>
+          <a:chExt cx="0" cy="0"/>
+        </a:xfrm>
+      </p:grpSpPr>
+      <p:sp>
+        <p:nvSpPr>
+          <p:cNvPr id="2" name="Title 1">
+            <a:extLst>
+              <a:ext uri="{FF2B5EF4-FFF2-40B4-BE49-F238E27FC236}">
+                <a16:creationId xmlns:a16="http://schemas.microsoft.com/office/drawing/2014/main" id="{FEFD6CC5-B758-EF49-A511-3FB9CAB75062}"/>
+              </a:ext>
+            </a:extLst>
+          </p:cNvPr>
+          <p:cNvSpPr>
+            <a:spLocks noGrp="1"/>
+          </p:cNvSpPr>
+          <p:nvPr>
+            <p:ph type="title"/>
+          </p:nvPr>
+        </p:nvSpPr>
+        <p:spPr/>
+        <p:txBody>
+          <a:bodyPr/>
+          <a:lstStyle/>
+          <a:p>
+            <a:r>
+              <a:rPr lang="en-CH" dirty="0"/>
+              <a:t>Scanner flow diagram</a:t>
+            </a:r>
+          </a:p>
+        </p:txBody>
+      </p:sp>
+      <p:pic>
+        <p:nvPicPr>
+          <p:cNvPr id="5" name="Picture 4" descr="Diagram&#10;&#10;Description automatically generated">
+            <a:extLst>
+              <a:ext uri="{FF2B5EF4-FFF2-40B4-BE49-F238E27FC236}">
+                <a16:creationId xmlns:a16="http://schemas.microsoft.com/office/drawing/2014/main" id="{4D37B93B-F05C-C74B-99A9-5E351ADC6448}"/>
+              </a:ext>
+            </a:extLst>
+          </p:cNvPr>
+          <p:cNvPicPr>
+            <a:picLocks noChangeAspect="1"/>
+          </p:cNvPicPr>
+          <p:nvPr/>
+        </p:nvPicPr>
+        <p:blipFill>
+          <a:blip r:embed="rId2"/>
+          <a:stretch>
+            <a:fillRect/>
+          </a:stretch>
+        </p:blipFill>
+        <p:spPr>
+          <a:xfrm>
+            <a:off x="3566794" y="1156844"/>
+            <a:ext cx="2500313" cy="3671346"/>
+          </a:xfrm>
+          <a:prstGeom prst="rect">
+            <a:avLst/>
+          </a:prstGeom>
+          <a:solidFill>
+            <a:srgbClr val="FFFFFF">
+              <a:shade val="85000"/>
+            </a:srgbClr>
+          </a:solidFill>
+          <a:ln w="88900" cap="sq">
+            <a:solidFill>
+              <a:srgbClr val="FFFFFF"/>
+            </a:solidFill>
+            <a:miter lim="800000"/>
+          </a:ln>
+          <a:effectLst>
+            <a:outerShdw blurRad="55000" dist="18000" dir="5400000" algn="tl" rotWithShape="0">
+              <a:srgbClr val="000000">
+                <a:alpha val="40000"/>
+              </a:srgbClr>
+            </a:outerShdw>
+          </a:effectLst>
+          <a:scene3d>
+            <a:camera prst="orthographicFront"/>
+            <a:lightRig rig="twoPt" dir="t">
+              <a:rot lat="0" lon="0" rev="7200000"/>
+            </a:lightRig>
+          </a:scene3d>
+          <a:sp3d>
+            <a:bevelT w="25400" h="19050"/>
+            <a:contourClr>
+              <a:srgbClr val="FFFFFF"/>
+            </a:contourClr>
+          </a:sp3d>
+        </p:spPr>
+      </p:pic>
+    </p:spTree>
+    <p:extLst>
+      <p:ext uri="{BB962C8B-B14F-4D97-AF65-F5344CB8AC3E}">
+        <p14:creationId xmlns:p14="http://schemas.microsoft.com/office/powerpoint/2010/main" val="4293846360"/>
+      </p:ext>
+    </p:extLst>
+  </p:cSld>
+  <p:clrMapOvr>
+    <a:masterClrMapping/>
+  </p:clrMapOvr>
+</p:sld>
+</file>
+
+<file path=ppt/slides/slide9.xml><?xml version="1.0" encoding="utf-8"?>
 <p:sld xmlns:a="http://schemas.openxmlformats.org/drawingml/2006/main" xmlns:r="http://schemas.openxmlformats.org/officeDocument/2006/relationships" xmlns:p="http://schemas.openxmlformats.org/presentationml/2006/main">
   <p:cSld>
     <p:spTree>
@@ -13319,15 +13371,6 @@
           </a:bodyPr>
           <a:lstStyle/>
           <a:p>
-            <a:pPr marL="0" lvl="0" indent="0" algn="l" rtl="0">
-              <a:spcBef>
-                <a:spcPts val="0"/>
-              </a:spcBef>
-              <a:spcAft>
-                <a:spcPts val="0"/>
-              </a:spcAft>
-              <a:buNone/>
-            </a:pPr>
             <a:r>
               <a:rPr lang="fr"/>
               <a:t>Détails produit</a:t>
@@ -13348,7 +13391,7 @@
         </p:nvSpPr>
         <p:spPr>
           <a:xfrm>
-            <a:off x="1297500" y="1581844"/>
+            <a:off x="1297500" y="1581845"/>
             <a:ext cx="7038900" cy="2896905"/>
           </a:xfrm>
           <a:prstGeom prst="rect">
@@ -13361,23 +13404,13 @@
           </a:bodyPr>
           <a:lstStyle/>
           <a:p>
-            <a:pPr marL="457200" lvl="0" indent="-311150" algn="l" rtl="0">
-              <a:spcBef>
-                <a:spcPts val="0"/>
-              </a:spcBef>
-              <a:spcAft>
-                <a:spcPts val="0"/>
-              </a:spcAft>
-              <a:buSzPts val="1300"/>
-              <a:buChar char="●"/>
-            </a:pPr>
             <a:r>
               <a:rPr lang="fr" dirty="0"/>
               <a:t>Stratégie : </a:t>
             </a:r>
           </a:p>
           <a:p>
-            <a:pPr lvl="1" indent="-311150">
+            <a:pPr lvl="1" indent="-311154">
               <a:spcBef>
                 <a:spcPts val="0"/>
               </a:spcBef>
@@ -13391,7 +13424,7 @@
             </a:r>
           </a:p>
           <a:p>
-            <a:pPr lvl="1" indent="-311150">
+            <a:pPr lvl="1" indent="-311154">
               <a:spcBef>
                 <a:spcPts val="0"/>
               </a:spcBef>
@@ -13405,7 +13438,7 @@
             </a:r>
           </a:p>
           <a:p>
-            <a:pPr marL="603250" lvl="1" indent="0">
+            <a:pPr marL="603258" lvl="1" indent="0">
               <a:spcBef>
                 <a:spcPts val="0"/>
               </a:spcBef>
@@ -13415,16 +13448,6 @@
             <a:endParaRPr lang="fr" dirty="0"/>
           </a:p>
           <a:p>
-            <a:pPr marL="457200" lvl="0" indent="-311150" algn="l" rtl="0">
-              <a:spcBef>
-                <a:spcPts val="0"/>
-              </a:spcBef>
-              <a:spcAft>
-                <a:spcPts val="0"/>
-              </a:spcAft>
-              <a:buSzPts val="1300"/>
-              <a:buChar char="●"/>
-            </a:pPr>
             <a:r>
               <a:rPr lang="fr" dirty="0"/>
               <a:t>Programmation asynchrone</a:t>
@@ -13432,32 +13455,12 @@
             <a:endParaRPr dirty="0"/>
           </a:p>
           <a:p>
-            <a:pPr marL="457200" lvl="0" indent="-311150" algn="l" rtl="0">
-              <a:spcBef>
-                <a:spcPts val="0"/>
-              </a:spcBef>
-              <a:spcAft>
-                <a:spcPts val="0"/>
-              </a:spcAft>
-              <a:buSzPts val="1300"/>
-              <a:buChar char="●"/>
-            </a:pPr>
             <a:r>
               <a:rPr lang="fr" dirty="0"/>
               <a:t>Retrofit </a:t>
             </a:r>
           </a:p>
           <a:p>
-            <a:pPr marL="457200" lvl="0" indent="-311150" algn="l" rtl="0">
-              <a:spcBef>
-                <a:spcPts val="0"/>
-              </a:spcBef>
-              <a:spcAft>
-                <a:spcPts val="0"/>
-              </a:spcAft>
-              <a:buSzPts val="1300"/>
-              <a:buChar char="●"/>
-            </a:pPr>
             <a:r>
               <a:rPr lang="fr" dirty="0"/>
               <a:t>Moshi (JSON parsing)</a:t>
@@ -13465,16 +13468,6 @@
             <a:endParaRPr dirty="0"/>
           </a:p>
           <a:p>
-            <a:pPr marL="457200" lvl="0" indent="-311150" algn="l" rtl="0">
-              <a:spcBef>
-                <a:spcPts val="0"/>
-              </a:spcBef>
-              <a:spcAft>
-                <a:spcPts val="0"/>
-              </a:spcAft>
-              <a:buSzPts val="1300"/>
-              <a:buChar char="●"/>
-            </a:pPr>
             <a:r>
               <a:rPr lang="fr" dirty="0"/>
               <a:t>Coroutines</a:t>
@@ -13482,15 +13475,10 @@
             <a:endParaRPr dirty="0"/>
           </a:p>
           <a:p>
-            <a:pPr marL="914400" lvl="1" indent="-298450" algn="l" rtl="0">
-              <a:spcBef>
-                <a:spcPts val="0"/>
-              </a:spcBef>
-              <a:spcAft>
-                <a:spcPts val="0"/>
-              </a:spcAft>
-              <a:buSzPts val="1100"/>
-              <a:buChar char="○"/>
+            <a:pPr lvl="1">
+              <a:spcBef>
+                <a:spcPts val="0"/>
+              </a:spcBef>
             </a:pPr>
             <a:r>
               <a:rPr lang="en-GB" dirty="0"/>
@@ -13503,456 +13491,16 @@
             <a:endParaRPr dirty="0"/>
           </a:p>
           <a:p>
-            <a:pPr marL="914400" lvl="1" indent="-298450" algn="l" rtl="0">
-              <a:spcBef>
-                <a:spcPts val="0"/>
-              </a:spcBef>
-              <a:spcAft>
-                <a:spcPts val="0"/>
-              </a:spcAft>
-              <a:buSzPts val="1100"/>
-              <a:buChar char="○"/>
+            <a:pPr lvl="1">
+              <a:spcBef>
+                <a:spcPts val="0"/>
+              </a:spcBef>
             </a:pPr>
             <a:r>
               <a:rPr lang="fr" dirty="0"/>
               <a:t>Processus asynchrone, qui s’exécute sur un thread autre que UI de manière à ne pas bloquer le thread UI</a:t>
             </a:r>
             <a:endParaRPr dirty="0"/>
-          </a:p>
-        </p:txBody>
-      </p:sp>
-    </p:spTree>
-  </p:cSld>
-  <p:clrMapOvr>
-    <a:masterClrMapping/>
-  </p:clrMapOvr>
-</p:sld>
-</file>
-
-<file path=ppt/slides/slide9.xml><?xml version="1.0" encoding="utf-8"?>
-<p:sld xmlns:a="http://schemas.openxmlformats.org/drawingml/2006/main" xmlns:r="http://schemas.openxmlformats.org/officeDocument/2006/relationships" xmlns:p="http://schemas.openxmlformats.org/presentationml/2006/main">
-  <p:cSld>
-    <p:spTree>
-      <p:nvGrpSpPr>
-        <p:cNvPr id="1" name="Shape 176"/>
-        <p:cNvGrpSpPr/>
-        <p:nvPr/>
-      </p:nvGrpSpPr>
-      <p:grpSpPr>
-        <a:xfrm>
-          <a:off x="0" y="0"/>
-          <a:ext cx="0" cy="0"/>
-          <a:chOff x="0" y="0"/>
-          <a:chExt cx="0" cy="0"/>
-        </a:xfrm>
-      </p:grpSpPr>
-      <p:sp>
-        <p:nvSpPr>
-          <p:cNvPr id="177" name="Google Shape;177;p20"/>
-          <p:cNvSpPr txBox="1">
-            <a:spLocks noGrp="1"/>
-          </p:cNvSpPr>
-          <p:nvPr>
-            <p:ph type="title"/>
-          </p:nvPr>
-        </p:nvSpPr>
-        <p:spPr>
-          <a:xfrm>
-            <a:off x="1297500" y="393750"/>
-            <a:ext cx="7038900" cy="914100"/>
-          </a:xfrm>
-          <a:prstGeom prst="rect">
-            <a:avLst/>
-          </a:prstGeom>
-        </p:spPr>
-        <p:txBody>
-          <a:bodyPr spcFirstLastPara="1" wrap="square" lIns="91425" tIns="91425" rIns="91425" bIns="91425" anchor="t" anchorCtr="0">
-            <a:noAutofit/>
-          </a:bodyPr>
-          <a:lstStyle/>
-          <a:p>
-            <a:pPr marL="0" lvl="0" indent="0" algn="l" rtl="0">
-              <a:spcBef>
-                <a:spcPts val="0"/>
-              </a:spcBef>
-              <a:spcAft>
-                <a:spcPts val="0"/>
-              </a:spcAft>
-              <a:buNone/>
-            </a:pPr>
-            <a:r>
-              <a:rPr lang="fr"/>
-              <a:t>Historique</a:t>
-            </a:r>
-            <a:endParaRPr/>
-          </a:p>
-        </p:txBody>
-      </p:sp>
-      <p:sp>
-        <p:nvSpPr>
-          <p:cNvPr id="178" name="Google Shape;178;p20"/>
-          <p:cNvSpPr txBox="1">
-            <a:spLocks noGrp="1"/>
-          </p:cNvSpPr>
-          <p:nvPr>
-            <p:ph type="body" idx="1"/>
-          </p:nvPr>
-        </p:nvSpPr>
-        <p:spPr>
-          <a:xfrm>
-            <a:off x="1297500" y="1567550"/>
-            <a:ext cx="7038900" cy="2911200"/>
-          </a:xfrm>
-          <a:prstGeom prst="rect">
-            <a:avLst/>
-          </a:prstGeom>
-        </p:spPr>
-        <p:txBody>
-          <a:bodyPr spcFirstLastPara="1" wrap="square" lIns="91425" tIns="91425" rIns="91425" bIns="91425" anchor="t" anchorCtr="0">
-            <a:noAutofit/>
-          </a:bodyPr>
-          <a:lstStyle/>
-          <a:p>
-            <a:pPr marL="457200" lvl="0" indent="-311150" algn="l" rtl="0">
-              <a:spcBef>
-                <a:spcPts val="0"/>
-              </a:spcBef>
-              <a:spcAft>
-                <a:spcPts val="0"/>
-              </a:spcAft>
-              <a:buSzPts val="1300"/>
-              <a:buChar char="●"/>
-            </a:pPr>
-            <a:r>
-              <a:rPr lang="fr" dirty="0"/>
-              <a:t>La liste des produits recherchés par le passé apparaît sous la forme d’une liste.</a:t>
-            </a:r>
-          </a:p>
-          <a:p>
-            <a:pPr marL="457200" lvl="0" indent="-311150" algn="l" rtl="0">
-              <a:spcBef>
-                <a:spcPts val="0"/>
-              </a:spcBef>
-              <a:spcAft>
-                <a:spcPts val="0"/>
-              </a:spcAft>
-              <a:buSzPts val="1300"/>
-              <a:buChar char="●"/>
-            </a:pPr>
-            <a:endParaRPr lang="fr" dirty="0"/>
-          </a:p>
-          <a:p>
-            <a:pPr marL="457200" lvl="0" indent="-311150" algn="l" rtl="0">
-              <a:spcBef>
-                <a:spcPts val="0"/>
-              </a:spcBef>
-              <a:spcAft>
-                <a:spcPts val="0"/>
-              </a:spcAft>
-              <a:buSzPts val="1300"/>
-              <a:buChar char="●"/>
-            </a:pPr>
-            <a:r>
-              <a:rPr lang="fr" dirty="0"/>
-              <a:t>RecyclerView</a:t>
-            </a:r>
-            <a:endParaRPr dirty="0"/>
-          </a:p>
-          <a:p>
-            <a:pPr marL="914400" lvl="1" indent="-298450" algn="l" rtl="0">
-              <a:spcBef>
-                <a:spcPts val="0"/>
-              </a:spcBef>
-              <a:spcAft>
-                <a:spcPts val="0"/>
-              </a:spcAft>
-              <a:buSzPts val="1100"/>
-              <a:buChar char="○"/>
-            </a:pPr>
-            <a:r>
-              <a:rPr lang="fr-FR" dirty="0"/>
-              <a:t>Adapter : Permet de faire la liaison entre la vue </a:t>
-            </a:r>
-            <a:r>
-              <a:rPr lang="fr-FR" dirty="0" err="1"/>
-              <a:t>RecyclerView</a:t>
-            </a:r>
-            <a:r>
-              <a:rPr lang="fr-FR" dirty="0"/>
-              <a:t> et la liste de données, </a:t>
-            </a:r>
-            <a:r>
-              <a:rPr lang="en-GB" dirty="0" err="1"/>
-              <a:t>crée</a:t>
-            </a:r>
-            <a:r>
-              <a:rPr lang="en-GB" dirty="0"/>
-              <a:t> et </a:t>
-            </a:r>
-            <a:r>
-              <a:rPr lang="en-GB" dirty="0" err="1"/>
-              <a:t>réutilise</a:t>
-            </a:r>
-            <a:r>
-              <a:rPr lang="en-GB" dirty="0"/>
-              <a:t> le(s) </a:t>
-            </a:r>
-            <a:r>
-              <a:rPr lang="en-GB" dirty="0" err="1"/>
-              <a:t>ViewHolder</a:t>
-            </a:r>
-            <a:r>
-              <a:rPr lang="en-GB" dirty="0"/>
-              <a:t>(s) qui </a:t>
-            </a:r>
-            <a:r>
-              <a:rPr lang="en-GB" dirty="0" err="1"/>
-              <a:t>vont</a:t>
-            </a:r>
-            <a:r>
-              <a:rPr lang="en-GB" dirty="0"/>
-              <a:t> </a:t>
-            </a:r>
-            <a:r>
-              <a:rPr lang="en-GB" dirty="0" err="1"/>
-              <a:t>être</a:t>
-            </a:r>
-            <a:r>
-              <a:rPr lang="en-GB" dirty="0"/>
-              <a:t> </a:t>
-            </a:r>
-            <a:r>
-              <a:rPr lang="en-GB" dirty="0" err="1"/>
-              <a:t>nécessaires</a:t>
-            </a:r>
-            <a:r>
-              <a:rPr lang="en-GB" dirty="0"/>
-              <a:t> pour </a:t>
-            </a:r>
-            <a:r>
-              <a:rPr lang="en-GB" dirty="0" err="1"/>
-              <a:t>afficher</a:t>
-            </a:r>
-            <a:r>
-              <a:rPr lang="en-GB" dirty="0"/>
-              <a:t> les </a:t>
-            </a:r>
-            <a:r>
-              <a:rPr lang="en-GB" dirty="0" err="1"/>
-              <a:t>données</a:t>
-            </a:r>
-            <a:r>
-              <a:rPr lang="en-GB" dirty="0"/>
-              <a:t> </a:t>
-            </a:r>
-            <a:r>
-              <a:rPr lang="en-GB" dirty="0" err="1"/>
-              <a:t>en</a:t>
-            </a:r>
-            <a:r>
-              <a:rPr lang="en-GB" dirty="0"/>
-              <a:t> function de </a:t>
-            </a:r>
-            <a:r>
-              <a:rPr lang="en-GB" dirty="0" err="1"/>
-              <a:t>leur</a:t>
-            </a:r>
-            <a:r>
-              <a:rPr lang="en-GB" dirty="0"/>
-              <a:t> position dans la </a:t>
-            </a:r>
-            <a:r>
-              <a:rPr lang="en-GB" dirty="0" err="1"/>
-              <a:t>liste</a:t>
-            </a:r>
-            <a:r>
-              <a:rPr lang="en-GB" dirty="0"/>
-              <a:t>.</a:t>
-            </a:r>
-          </a:p>
-          <a:p>
-            <a:pPr marL="914400" lvl="1" indent="-298450" algn="l" rtl="0">
-              <a:spcBef>
-                <a:spcPts val="0"/>
-              </a:spcBef>
-              <a:spcAft>
-                <a:spcPts val="0"/>
-              </a:spcAft>
-              <a:buSzPts val="1100"/>
-              <a:buChar char="○"/>
-            </a:pPr>
-            <a:endParaRPr lang="fr-FR" dirty="0"/>
-          </a:p>
-          <a:p>
-            <a:pPr marL="914400" lvl="1" indent="-298450" algn="l" rtl="0">
-              <a:spcBef>
-                <a:spcPts val="0"/>
-              </a:spcBef>
-              <a:spcAft>
-                <a:spcPts val="0"/>
-              </a:spcAft>
-              <a:buSzPts val="1100"/>
-              <a:buChar char="○"/>
-            </a:pPr>
-            <a:r>
-              <a:rPr lang="fr-FR" dirty="0" err="1"/>
-              <a:t>ViewHolder</a:t>
-            </a:r>
-            <a:r>
-              <a:rPr lang="fr-FR" dirty="0"/>
-              <a:t> : Permet de représenter visuellement un élément de la liste de données dans le </a:t>
-            </a:r>
-            <a:r>
-              <a:rPr lang="fr-FR" dirty="0" err="1"/>
-              <a:t>RecyclerView</a:t>
-            </a:r>
-            <a:r>
-              <a:rPr lang="fr-FR" dirty="0"/>
-              <a:t> (une ligne).</a:t>
-            </a:r>
-          </a:p>
-          <a:p>
-            <a:pPr marL="914400" lvl="1" indent="-298450" algn="l" rtl="0">
-              <a:spcBef>
-                <a:spcPts val="0"/>
-              </a:spcBef>
-              <a:spcAft>
-                <a:spcPts val="0"/>
-              </a:spcAft>
-              <a:buSzPts val="1100"/>
-              <a:buChar char="○"/>
-            </a:pPr>
-            <a:endParaRPr lang="fr-FR" dirty="0"/>
-          </a:p>
-          <a:p>
-            <a:pPr marL="914400" lvl="1" indent="-298450" algn="l" rtl="0">
-              <a:spcBef>
-                <a:spcPts val="0"/>
-              </a:spcBef>
-              <a:spcAft>
-                <a:spcPts val="0"/>
-              </a:spcAft>
-              <a:buSzPts val="1100"/>
-              <a:buChar char="○"/>
-            </a:pPr>
-            <a:r>
-              <a:rPr lang="en-GB" dirty="0"/>
-              <a:t>Layout : </a:t>
-            </a:r>
-            <a:r>
-              <a:rPr lang="en-GB" dirty="0" err="1"/>
-              <a:t>définit</a:t>
-            </a:r>
-            <a:r>
-              <a:rPr lang="en-GB" dirty="0"/>
-              <a:t> comment </a:t>
-            </a:r>
-            <a:r>
-              <a:rPr lang="en-GB" dirty="0" err="1"/>
-              <a:t>afficher</a:t>
-            </a:r>
-            <a:r>
-              <a:rPr lang="en-GB" dirty="0"/>
-              <a:t> </a:t>
-            </a:r>
-            <a:r>
-              <a:rPr lang="en-GB" dirty="0" err="1"/>
-              <a:t>chaque</a:t>
-            </a:r>
-            <a:r>
-              <a:rPr lang="en-GB" dirty="0"/>
-              <a:t> </a:t>
-            </a:r>
-            <a:r>
-              <a:rPr lang="en-GB" dirty="0" err="1"/>
-              <a:t>élément</a:t>
-            </a:r>
-            <a:r>
-              <a:rPr lang="en-GB" dirty="0"/>
-              <a:t>  du </a:t>
-            </a:r>
-            <a:r>
-              <a:rPr lang="en-GB" dirty="0" err="1"/>
-              <a:t>RecyclerView</a:t>
-            </a:r>
-            <a:r>
-              <a:rPr lang="en-GB" dirty="0"/>
-              <a:t>.</a:t>
-            </a:r>
-          </a:p>
-          <a:p>
-            <a:pPr marL="914400" lvl="1" indent="-298450" algn="l" rtl="0">
-              <a:spcBef>
-                <a:spcPts val="0"/>
-              </a:spcBef>
-              <a:spcAft>
-                <a:spcPts val="0"/>
-              </a:spcAft>
-              <a:buSzPts val="1100"/>
-              <a:buChar char="○"/>
-            </a:pPr>
-            <a:endParaRPr lang="en-GB" dirty="0"/>
-          </a:p>
-          <a:p>
-            <a:pPr marL="914400" lvl="1" indent="-298450" algn="l" rtl="0">
-              <a:spcBef>
-                <a:spcPts val="0"/>
-              </a:spcBef>
-              <a:spcAft>
-                <a:spcPts val="0"/>
-              </a:spcAft>
-              <a:buSzPts val="1100"/>
-              <a:buChar char="○"/>
-            </a:pPr>
-            <a:r>
-              <a:rPr lang="en-GB" dirty="0" err="1"/>
-              <a:t>LayoutManager</a:t>
-            </a:r>
-            <a:r>
-              <a:rPr lang="en-GB" dirty="0"/>
-              <a:t> : </a:t>
-            </a:r>
-            <a:r>
-              <a:rPr lang="en-GB" dirty="0" err="1"/>
-              <a:t>Définit</a:t>
-            </a:r>
-            <a:r>
-              <a:rPr lang="en-GB" dirty="0"/>
-              <a:t> </a:t>
-            </a:r>
-            <a:r>
-              <a:rPr lang="en-GB" dirty="0" err="1"/>
-              <a:t>l’arrangement</a:t>
-            </a:r>
-            <a:r>
-              <a:rPr lang="en-GB" dirty="0"/>
-              <a:t> de </a:t>
-            </a:r>
-            <a:r>
-              <a:rPr lang="en-GB" dirty="0" err="1"/>
-              <a:t>tous</a:t>
-            </a:r>
-            <a:r>
-              <a:rPr lang="en-GB" dirty="0"/>
-              <a:t> les </a:t>
-            </a:r>
-            <a:r>
-              <a:rPr lang="en-GB" dirty="0" err="1"/>
-              <a:t>éléments</a:t>
-            </a:r>
-            <a:r>
-              <a:rPr lang="en-GB" dirty="0"/>
-              <a:t> dans le </a:t>
-            </a:r>
-            <a:r>
-              <a:rPr lang="en-GB" dirty="0" err="1"/>
-              <a:t>RecyclerView</a:t>
-            </a:r>
-            <a:r>
-              <a:rPr lang="en-GB" dirty="0"/>
-              <a:t>.</a:t>
-            </a:r>
-            <a:endParaRPr lang="fr-FR" dirty="0"/>
           </a:p>
         </p:txBody>
       </p:sp>
